--- a/�v���[��0122.pptx
+++ b/�v���[��0122.pptx
@@ -5,7 +5,7 @@
     <p:sldMasterId id="2147483648" r:id="rId1"/>
   </p:sldMasterIdLst>
   <p:notesMasterIdLst>
-    <p:notesMasterId r:id="rId35"/>
+    <p:notesMasterId r:id="rId36"/>
   </p:notesMasterIdLst>
   <p:sldIdLst>
     <p:sldId id="274" r:id="rId2"/>
@@ -21,26 +21,27 @@
     <p:sldId id="266" r:id="rId12"/>
     <p:sldId id="352" r:id="rId13"/>
     <p:sldId id="268" r:id="rId14"/>
-    <p:sldId id="269" r:id="rId15"/>
-    <p:sldId id="357" r:id="rId16"/>
-    <p:sldId id="363" r:id="rId17"/>
-    <p:sldId id="279" r:id="rId18"/>
-    <p:sldId id="278" r:id="rId19"/>
-    <p:sldId id="280" r:id="rId20"/>
-    <p:sldId id="298" r:id="rId21"/>
-    <p:sldId id="270" r:id="rId22"/>
-    <p:sldId id="292" r:id="rId23"/>
-    <p:sldId id="354" r:id="rId24"/>
-    <p:sldId id="334" r:id="rId25"/>
-    <p:sldId id="353" r:id="rId26"/>
-    <p:sldId id="288" r:id="rId27"/>
-    <p:sldId id="290" r:id="rId28"/>
-    <p:sldId id="291" r:id="rId29"/>
-    <p:sldId id="293" r:id="rId30"/>
-    <p:sldId id="286" r:id="rId31"/>
-    <p:sldId id="295" r:id="rId32"/>
-    <p:sldId id="362" r:id="rId33"/>
-    <p:sldId id="360" r:id="rId34"/>
+    <p:sldId id="364" r:id="rId15"/>
+    <p:sldId id="269" r:id="rId16"/>
+    <p:sldId id="357" r:id="rId17"/>
+    <p:sldId id="363" r:id="rId18"/>
+    <p:sldId id="279" r:id="rId19"/>
+    <p:sldId id="278" r:id="rId20"/>
+    <p:sldId id="280" r:id="rId21"/>
+    <p:sldId id="298" r:id="rId22"/>
+    <p:sldId id="270" r:id="rId23"/>
+    <p:sldId id="292" r:id="rId24"/>
+    <p:sldId id="354" r:id="rId25"/>
+    <p:sldId id="334" r:id="rId26"/>
+    <p:sldId id="353" r:id="rId27"/>
+    <p:sldId id="288" r:id="rId28"/>
+    <p:sldId id="290" r:id="rId29"/>
+    <p:sldId id="291" r:id="rId30"/>
+    <p:sldId id="293" r:id="rId31"/>
+    <p:sldId id="286" r:id="rId32"/>
+    <p:sldId id="295" r:id="rId33"/>
+    <p:sldId id="362" r:id="rId34"/>
+    <p:sldId id="360" r:id="rId35"/>
   </p:sldIdLst>
   <p:sldSz cx="12192000" cy="6858000"/>
   <p:notesSz cx="6858000" cy="9144000"/>
@@ -6235,7 +6236,7 @@
           <a:p>
             <a:r>
               <a:rPr kumimoji="1" lang="ja-JP" altLang="en-US" dirty="0" smtClean="0"/>
-              <a:t>そして、本研究では、評価実験</a:t>
+              <a:t>評価実験</a:t>
             </a:r>
             <a:r>
               <a:rPr kumimoji="1" lang="en-US" altLang="ja-JP" dirty="0" smtClean="0"/>
@@ -6243,217 +6244,264 @@
             </a:r>
             <a:r>
               <a:rPr kumimoji="1" lang="ja-JP" altLang="en-US" dirty="0" smtClean="0"/>
-              <a:t>を通して、こちらの</a:t>
-            </a:r>
-            <a:r>
-              <a:rPr kumimoji="1" lang="en-US" altLang="ja-JP" dirty="0" smtClean="0"/>
-              <a:t>4</a:t>
-            </a:r>
-            <a:r>
-              <a:rPr kumimoji="1" lang="ja-JP" altLang="en-US" dirty="0" err="1" smtClean="0"/>
+              <a:t>では、</a:t>
+            </a:r>
+            <a:r>
+              <a:rPr kumimoji="1" lang="en-US" altLang="ja-JP" b="1" dirty="0" err="1" smtClean="0"/>
+              <a:t>SuiteRec</a:t>
+            </a:r>
+            <a:r>
+              <a:rPr kumimoji="1" lang="ja-JP" altLang="en-US" b="1" dirty="0" smtClean="0"/>
+              <a:t>が開発者の</a:t>
+            </a:r>
+            <a:r>
+              <a:rPr lang="ja-JP" altLang="en-US" sz="1200" b="1" dirty="0" smtClean="0"/>
+              <a:t>テストコード作成をどの程度支援できるかを評価するために被験者実験を行いました。</a:t>
+            </a:r>
+            <a:endParaRPr lang="en-US" altLang="ja-JP" sz="1200" b="1" dirty="0" smtClean="0"/>
+          </a:p>
+          <a:p>
+            <a:endParaRPr kumimoji="1" lang="en-US" altLang="ja-JP" sz="1200" dirty="0" smtClean="0"/>
+          </a:p>
+          <a:p>
+            <a:pPr marL="0" marR="0" lvl="1" indent="0" algn="l" defTabSz="914400" rtl="0" eaLnBrk="1" fontAlgn="auto" latinLnBrk="0" hangingPunct="1">
+              <a:lnSpc>
+                <a:spcPct val="100000"/>
+              </a:lnSpc>
+              <a:spcBef>
+                <a:spcPts val="0"/>
+              </a:spcBef>
+              <a:spcAft>
+                <a:spcPts val="0"/>
+              </a:spcAft>
+              <a:buClrTx/>
+              <a:buSzTx/>
+              <a:buFontTx/>
+              <a:buNone/>
+              <a:tabLst/>
+              <a:defRPr/>
+            </a:pPr>
+            <a:r>
+              <a:rPr kumimoji="1" lang="ja-JP" altLang="en-US" sz="1200" dirty="0" smtClean="0"/>
+              <a:t>具体的には、情報科学を専攻する修士課程の学生</a:t>
+            </a:r>
+            <a:r>
+              <a:rPr kumimoji="1" lang="en-US" altLang="ja-JP" sz="1200" dirty="0" smtClean="0"/>
+              <a:t>10</a:t>
+            </a:r>
+            <a:r>
+              <a:rPr kumimoji="1" lang="ja-JP" altLang="en-US" sz="1200" dirty="0" smtClean="0"/>
+              <a:t>人に対して</a:t>
+            </a:r>
+            <a:r>
+              <a:rPr kumimoji="1" lang="ja-JP" altLang="en-US" sz="1200" b="1" dirty="0" smtClean="0"/>
+              <a:t>プログラムとその仕様が書かれた</a:t>
+            </a:r>
+            <a:r>
+              <a:rPr kumimoji="1" lang="en-US" altLang="ja-JP" sz="1200" b="1" dirty="0" smtClean="0"/>
+              <a:t>3</a:t>
+            </a:r>
+            <a:r>
+              <a:rPr kumimoji="1" lang="ja-JP" altLang="en-US" sz="1200" b="1" dirty="0" err="1" smtClean="0"/>
               <a:t>つの</a:t>
             </a:r>
             <a:r>
-              <a:rPr kumimoji="1" lang="ja-JP" altLang="en-US" dirty="0" smtClean="0"/>
-              <a:t>リサーチクエスチョンに答えることを目標としています。</a:t>
-            </a:r>
-            <a:endParaRPr kumimoji="1" lang="en-US" altLang="ja-JP" dirty="0" smtClean="0"/>
-          </a:p>
-          <a:p>
-            <a:endParaRPr kumimoji="1" lang="en-US" altLang="ja-JP" dirty="0" smtClean="0"/>
-          </a:p>
-          <a:p>
-            <a:r>
-              <a:rPr kumimoji="1" lang="en-US" altLang="ja-JP" dirty="0" smtClean="0"/>
-              <a:t>RQ1</a:t>
-            </a:r>
-            <a:r>
-              <a:rPr kumimoji="1" lang="ja-JP" altLang="en-US" dirty="0" smtClean="0"/>
-              <a:t>は～～という質問です。</a:t>
-            </a:r>
-            <a:endParaRPr kumimoji="1" lang="en-US" altLang="ja-JP" dirty="0" smtClean="0"/>
-          </a:p>
-          <a:p>
-            <a:endParaRPr kumimoji="1" lang="en-US" altLang="ja-JP" b="1" dirty="0" smtClean="0"/>
-          </a:p>
-          <a:p>
-            <a:r>
-              <a:rPr kumimoji="1" lang="ja-JP" altLang="en-US" b="1" u="sng" dirty="0" smtClean="0"/>
-              <a:t>ソフトウェアの品質を確認する</a:t>
-            </a:r>
-            <a:r>
-              <a:rPr kumimoji="1" lang="en-US" altLang="ja-JP" b="1" u="sng" dirty="0" smtClean="0"/>
+              <a:rPr kumimoji="1" lang="ja-JP" altLang="en-US" sz="1200" b="1" dirty="0" smtClean="0"/>
+              <a:t>タスクを与え</a:t>
+            </a:r>
+            <a:r>
+              <a:rPr kumimoji="1" lang="ja-JP" altLang="en-US" sz="1200" dirty="0" smtClean="0"/>
+              <a:t>、各タスクのテストコードを作成してもらいました。</a:t>
+            </a:r>
+            <a:endParaRPr kumimoji="1" lang="en-US" altLang="ja-JP" sz="1200" dirty="0" smtClean="0"/>
+          </a:p>
+          <a:p>
+            <a:pPr marL="0" marR="0" lvl="1" indent="0" algn="l" defTabSz="914400" rtl="0" eaLnBrk="1" fontAlgn="auto" latinLnBrk="0" hangingPunct="1">
+              <a:lnSpc>
+                <a:spcPct val="100000"/>
+              </a:lnSpc>
+              <a:spcBef>
+                <a:spcPts val="0"/>
+              </a:spcBef>
+              <a:spcAft>
+                <a:spcPts val="0"/>
+              </a:spcAft>
+              <a:buClrTx/>
+              <a:buSzTx/>
+              <a:buFontTx/>
+              <a:buNone/>
+              <a:tabLst/>
+              <a:defRPr/>
+            </a:pPr>
+            <a:endParaRPr kumimoji="1" lang="en-US" altLang="ja-JP" sz="1200" dirty="0" smtClean="0"/>
+          </a:p>
+          <a:p>
+            <a:pPr marL="0" marR="0" lvl="1" indent="0" algn="l" defTabSz="914400" rtl="0" eaLnBrk="1" fontAlgn="auto" latinLnBrk="0" hangingPunct="1">
+              <a:lnSpc>
+                <a:spcPct val="100000"/>
+              </a:lnSpc>
+              <a:spcBef>
+                <a:spcPts val="0"/>
+              </a:spcBef>
+              <a:spcAft>
+                <a:spcPts val="0"/>
+              </a:spcAft>
+              <a:buClrTx/>
+              <a:buSzTx/>
+              <a:buFontTx/>
+              <a:buNone/>
+              <a:tabLst/>
+              <a:defRPr/>
+            </a:pPr>
+            <a:r>
+              <a:rPr kumimoji="1" lang="ja-JP" altLang="en-US" sz="1200" dirty="0" smtClean="0"/>
+              <a:t>こちらが、実験タスクの概要になります。各タスクで違いを出すために、</a:t>
+            </a:r>
+            <a:r>
+              <a:rPr kumimoji="1" lang="ja-JP" altLang="en-US" sz="1200" u="sng" dirty="0" smtClean="0"/>
+              <a:t>プログラムの条件分岐の数が異なっており、タスク</a:t>
+            </a:r>
+            <a:r>
+              <a:rPr kumimoji="1" lang="en-US" altLang="ja-JP" sz="1200" u="sng" dirty="0" smtClean="0"/>
               <a:t>1</a:t>
             </a:r>
             <a:r>
-              <a:rPr kumimoji="1" lang="ja-JP" altLang="en-US" b="1" u="sng" dirty="0" err="1" smtClean="0"/>
-              <a:t>つの</a:t>
-            </a:r>
-            <a:r>
-              <a:rPr kumimoji="1" lang="ja-JP" altLang="en-US" b="1" u="sng" dirty="0" smtClean="0"/>
-              <a:t>指標として、作成したテストコードが十分に網羅して実行できているかを測定するカバレッジが高いということは、重要です．</a:t>
-            </a:r>
-            <a:endParaRPr kumimoji="1" lang="en-US" altLang="ja-JP" b="1" u="sng" dirty="0" smtClean="0"/>
-          </a:p>
-          <a:p>
-            <a:endParaRPr kumimoji="1" lang="en-US" altLang="ja-JP" b="1" dirty="0" smtClean="0"/>
-          </a:p>
-          <a:p>
-            <a:r>
-              <a:rPr kumimoji="1" lang="ja-JP" altLang="en-US" dirty="0" smtClean="0"/>
-              <a:t>リサーチクエスチョン</a:t>
-            </a:r>
-            <a:r>
-              <a:rPr kumimoji="1" lang="en-US" altLang="ja-JP" dirty="0" smtClean="0"/>
-              <a:t>2,3</a:t>
-            </a:r>
-            <a:r>
-              <a:rPr kumimoji="1" lang="ja-JP" altLang="en-US" dirty="0" smtClean="0"/>
-              <a:t>については、</a:t>
-            </a:r>
-            <a:r>
-              <a:rPr kumimoji="1" lang="ja-JP" altLang="en-US" b="1" dirty="0" smtClean="0"/>
-              <a:t>テストコード作成時間</a:t>
-            </a:r>
-            <a:r>
-              <a:rPr kumimoji="1" lang="ja-JP" altLang="en-US" dirty="0" smtClean="0"/>
-              <a:t>と</a:t>
-            </a:r>
-            <a:r>
-              <a:rPr kumimoji="1" lang="ja-JP" altLang="en-US" b="1" dirty="0" smtClean="0"/>
-              <a:t>テストスメルの数</a:t>
-            </a:r>
-            <a:r>
-              <a:rPr kumimoji="1" lang="ja-JP" altLang="en-US" dirty="0" smtClean="0"/>
-              <a:t>を調べます</a:t>
-            </a:r>
-            <a:endParaRPr kumimoji="1" lang="en-US" altLang="ja-JP" dirty="0" smtClean="0"/>
-          </a:p>
-          <a:p>
-            <a:endParaRPr kumimoji="1" lang="en-US" altLang="ja-JP" dirty="0" smtClean="0"/>
-          </a:p>
-          <a:p>
-            <a:r>
-              <a:rPr kumimoji="1" lang="ja-JP" altLang="en-US" dirty="0" smtClean="0"/>
-              <a:t>この</a:t>
-            </a:r>
-            <a:r>
-              <a:rPr kumimoji="1" lang="en-US" altLang="ja-JP" dirty="0" smtClean="0"/>
-              <a:t>2</a:t>
-            </a:r>
-            <a:r>
-              <a:rPr kumimoji="1" lang="ja-JP" altLang="en-US" dirty="0" err="1" smtClean="0"/>
-              <a:t>つの</a:t>
-            </a:r>
-            <a:r>
-              <a:rPr kumimoji="1" lang="ja-JP" altLang="en-US" dirty="0" smtClean="0"/>
-              <a:t>リサーチクエスチョン</a:t>
-            </a:r>
-            <a:r>
-              <a:rPr kumimoji="1" lang="en-US" altLang="ja-JP" dirty="0" smtClean="0"/>
-              <a:t>2</a:t>
-            </a:r>
-            <a:r>
-              <a:rPr kumimoji="1" lang="ja-JP" altLang="en-US" dirty="0" smtClean="0"/>
-              <a:t>に答えることで、</a:t>
-            </a:r>
-            <a:r>
-              <a:rPr kumimoji="1" lang="en-US" altLang="ja-JP" dirty="0" err="1" smtClean="0"/>
+              <a:rPr kumimoji="1" lang="ja-JP" altLang="en-US" sz="1200" u="sng" dirty="0" smtClean="0"/>
+              <a:t>から</a:t>
+            </a:r>
+            <a:r>
+              <a:rPr kumimoji="1" lang="en-US" altLang="ja-JP" sz="1200" u="sng" dirty="0" smtClean="0"/>
+              <a:t>3</a:t>
+            </a:r>
+            <a:r>
+              <a:rPr kumimoji="1" lang="ja-JP" altLang="en-US" sz="1200" u="sng" dirty="0" smtClean="0"/>
+              <a:t>に行くにつれて分岐の数が多くなり複雑なプログラムになっています。</a:t>
+            </a:r>
+            <a:endParaRPr kumimoji="1" lang="en-US" altLang="ja-JP" sz="1200" u="sng" dirty="0" smtClean="0"/>
+          </a:p>
+          <a:p>
+            <a:pPr marL="0" marR="0" lvl="1" indent="0" algn="l" defTabSz="914400" rtl="0" eaLnBrk="1" fontAlgn="auto" latinLnBrk="0" hangingPunct="1">
+              <a:lnSpc>
+                <a:spcPct val="100000"/>
+              </a:lnSpc>
+              <a:spcBef>
+                <a:spcPts val="0"/>
+              </a:spcBef>
+              <a:spcAft>
+                <a:spcPts val="0"/>
+              </a:spcAft>
+              <a:buClrTx/>
+              <a:buSzTx/>
+              <a:buFontTx/>
+              <a:buNone/>
+              <a:tabLst/>
+              <a:defRPr/>
+            </a:pPr>
+            <a:endParaRPr kumimoji="1" lang="en-US" altLang="ja-JP" sz="1200" dirty="0" smtClean="0"/>
+          </a:p>
+          <a:p>
+            <a:pPr marL="0" marR="0" lvl="1" indent="0" algn="l" defTabSz="914400" rtl="0" eaLnBrk="1" fontAlgn="auto" latinLnBrk="0" hangingPunct="1">
+              <a:lnSpc>
+                <a:spcPct val="100000"/>
+              </a:lnSpc>
+              <a:spcBef>
+                <a:spcPts val="0"/>
+              </a:spcBef>
+              <a:spcAft>
+                <a:spcPts val="0"/>
+              </a:spcAft>
+              <a:buClrTx/>
+              <a:buSzTx/>
+              <a:buFontTx/>
+              <a:buNone/>
+              <a:tabLst/>
+              <a:defRPr/>
+            </a:pPr>
+            <a:r>
+              <a:rPr kumimoji="1" lang="ja-JP" altLang="en-US" sz="1200" dirty="0" smtClean="0"/>
+              <a:t>そして、</a:t>
+            </a:r>
+            <a:r>
+              <a:rPr lang="en-US" altLang="ja-JP" dirty="0" err="1" smtClean="0"/>
               <a:t>SuiteRec</a:t>
             </a:r>
             <a:r>
-              <a:rPr kumimoji="1" lang="ja-JP" altLang="en-US" dirty="0" smtClean="0"/>
-              <a:t>を利用は、</a:t>
-            </a:r>
-            <a:endParaRPr kumimoji="1" lang="en-US" altLang="ja-JP" dirty="0" smtClean="0"/>
-          </a:p>
-          <a:p>
-            <a:endParaRPr kumimoji="1" lang="en-US" altLang="ja-JP" dirty="0" smtClean="0"/>
-          </a:p>
-          <a:p>
-            <a:pPr marL="171450" indent="-171450">
-              <a:buFont typeface="Arial" panose="020B0604020202020204" pitchFamily="34" charset="0"/>
-              <a:buChar char="•"/>
+              <a:rPr lang="ja-JP" altLang="en-US" dirty="0" smtClean="0"/>
+              <a:t>を使用した場合とそうでない場合で被験者が作成したテストコード比較することで評価します</a:t>
+            </a:r>
+            <a:endParaRPr lang="en-US" altLang="ja-JP" dirty="0" smtClean="0"/>
+          </a:p>
+          <a:p>
+            <a:pPr marL="0" marR="0" lvl="1" indent="0" algn="l" defTabSz="914400" rtl="0" eaLnBrk="1" fontAlgn="auto" latinLnBrk="0" hangingPunct="1">
+              <a:lnSpc>
+                <a:spcPct val="100000"/>
+              </a:lnSpc>
+              <a:spcBef>
+                <a:spcPts val="0"/>
+              </a:spcBef>
+              <a:spcAft>
+                <a:spcPts val="0"/>
+              </a:spcAft>
+              <a:buClrTx/>
+              <a:buSzTx/>
+              <a:buFontTx/>
+              <a:buNone/>
+              <a:tabLst/>
+              <a:defRPr/>
             </a:pPr>
-            <a:r>
-              <a:rPr kumimoji="1" lang="ja-JP" altLang="en-US" dirty="0" smtClean="0"/>
-              <a:t>開発者のテストコード作成時間を短縮できるかと</a:t>
-            </a:r>
-            <a:endParaRPr kumimoji="1" lang="en-US" altLang="ja-JP" dirty="0" smtClean="0"/>
-          </a:p>
-          <a:p>
-            <a:pPr marL="171450" indent="-171450">
-              <a:buFont typeface="Arial" panose="020B0604020202020204" pitchFamily="34" charset="0"/>
-              <a:buChar char="•"/>
+            <a:endParaRPr lang="en-US" altLang="ja-JP" dirty="0" smtClean="0"/>
+          </a:p>
+          <a:p>
+            <a:pPr marL="0" marR="0" lvl="1" indent="0" algn="l" defTabSz="914400" rtl="0" eaLnBrk="1" fontAlgn="auto" latinLnBrk="0" hangingPunct="1">
+              <a:lnSpc>
+                <a:spcPct val="100000"/>
+              </a:lnSpc>
+              <a:spcBef>
+                <a:spcPts val="0"/>
+              </a:spcBef>
+              <a:spcAft>
+                <a:spcPts val="0"/>
+              </a:spcAft>
+              <a:buClrTx/>
+              <a:buSzTx/>
+              <a:buFontTx/>
+              <a:buNone/>
+              <a:tabLst/>
+              <a:defRPr/>
             </a:pPr>
             <a:r>
-              <a:rPr kumimoji="1" lang="ja-JP" altLang="en-US" dirty="0" smtClean="0"/>
-              <a:t>テストスメルの数が少なく品質の高いテストコードを作成できるかを</a:t>
-            </a:r>
-            <a:endParaRPr kumimoji="1" lang="en-US" altLang="ja-JP" dirty="0" smtClean="0"/>
-          </a:p>
-          <a:p>
-            <a:pPr marL="0" indent="0">
-              <a:buFont typeface="Arial" panose="020B0604020202020204" pitchFamily="34" charset="0"/>
+              <a:rPr lang="ja-JP" altLang="en-US" dirty="0" smtClean="0"/>
+              <a:t>また、定性的な評価をするために、</a:t>
+            </a:r>
+            <a:r>
+              <a:rPr lang="ja-JP" altLang="en-US" b="1" dirty="0" smtClean="0"/>
+              <a:t>実験後の被験者に</a:t>
+            </a:r>
+            <a:r>
+              <a:rPr lang="ja-JP" altLang="en-US" dirty="0" smtClean="0"/>
+              <a:t>～～ました。</a:t>
+            </a:r>
+            <a:endParaRPr lang="en-US" altLang="ja-JP" dirty="0" smtClean="0"/>
+          </a:p>
+          <a:p>
+            <a:pPr marL="0" marR="0" lvl="1" indent="0" algn="l" defTabSz="914400" rtl="0" eaLnBrk="1" fontAlgn="auto" latinLnBrk="0" hangingPunct="1">
+              <a:lnSpc>
+                <a:spcPct val="100000"/>
+              </a:lnSpc>
+              <a:spcBef>
+                <a:spcPts val="0"/>
+              </a:spcBef>
+              <a:spcAft>
+                <a:spcPts val="0"/>
+              </a:spcAft>
+              <a:buClrTx/>
+              <a:buSzTx/>
+              <a:buFontTx/>
               <a:buNone/>
+              <a:tabLst/>
+              <a:defRPr/>
             </a:pPr>
-            <a:r>
-              <a:rPr kumimoji="1" lang="ja-JP" altLang="en-US" dirty="0" smtClean="0"/>
-              <a:t>明らかにします。</a:t>
-            </a:r>
-            <a:endParaRPr kumimoji="1" lang="en-US" altLang="ja-JP" dirty="0" smtClean="0"/>
-          </a:p>
-          <a:p>
-            <a:pPr marL="0" indent="0">
-              <a:buFont typeface="Arial" panose="020B0604020202020204" pitchFamily="34" charset="0"/>
-              <a:buNone/>
-            </a:pPr>
-            <a:endParaRPr kumimoji="1" lang="en-US" altLang="ja-JP" dirty="0" smtClean="0"/>
-          </a:p>
-          <a:p>
-            <a:pPr marL="0" indent="0">
-              <a:buFont typeface="Arial" panose="020B0604020202020204" pitchFamily="34" charset="0"/>
-              <a:buNone/>
-            </a:pPr>
-            <a:r>
-              <a:rPr kumimoji="1" lang="ja-JP" altLang="en-US" dirty="0" smtClean="0"/>
-              <a:t>最後に</a:t>
-            </a:r>
-            <a:r>
-              <a:rPr kumimoji="1" lang="en-US" altLang="ja-JP" dirty="0" smtClean="0"/>
-              <a:t>RQ4</a:t>
-            </a:r>
-            <a:r>
-              <a:rPr kumimoji="1" lang="ja-JP" altLang="en-US" dirty="0" smtClean="0"/>
-              <a:t>では、</a:t>
-            </a:r>
-            <a:r>
-              <a:rPr kumimoji="1" lang="en-US" altLang="ja-JP" dirty="0" err="1" smtClean="0"/>
-              <a:t>SuiteRec</a:t>
-            </a:r>
-            <a:r>
-              <a:rPr kumimoji="1" lang="ja-JP" altLang="en-US" dirty="0" smtClean="0"/>
-              <a:t>の利用によって、開発者のテストコード作成タスクの認識にどう影響するかをアンケート調査を実施して明らかにしていきます。</a:t>
-            </a:r>
-            <a:endParaRPr kumimoji="1" lang="en-US" altLang="ja-JP" dirty="0" smtClean="0"/>
-          </a:p>
-          <a:p>
-            <a:endParaRPr kumimoji="1" lang="en-US" altLang="ja-JP" dirty="0" smtClean="0"/>
-          </a:p>
-          <a:p>
-            <a:r>
-              <a:rPr kumimoji="1" lang="ja-JP" altLang="en-US" dirty="0" smtClean="0"/>
-              <a:t>では、</a:t>
-            </a:r>
-            <a:r>
-              <a:rPr kumimoji="1" lang="en-US" altLang="ja-JP" dirty="0" smtClean="0"/>
-              <a:t>RQ1</a:t>
-            </a:r>
-            <a:r>
-              <a:rPr kumimoji="1" lang="ja-JP" altLang="en-US" dirty="0" smtClean="0"/>
-              <a:t>から結果を見て行きます。</a:t>
-            </a:r>
-            <a:endParaRPr kumimoji="1" lang="en-US" altLang="ja-JP" dirty="0" smtClean="0"/>
+            <a:endParaRPr kumimoji="1" lang="ja-JP" altLang="en-US" dirty="0"/>
           </a:p>
         </p:txBody>
       </p:sp>
@@ -6483,7 +6531,7 @@
     </p:spTree>
     <p:extLst>
       <p:ext uri="{BB962C8B-B14F-4D97-AF65-F5344CB8AC3E}">
-        <p14:creationId xmlns:p14="http://schemas.microsoft.com/office/powerpoint/2010/main" val="236126297"/>
+        <p14:creationId xmlns:p14="http://schemas.microsoft.com/office/powerpoint/2010/main" val="1388110431"/>
       </p:ext>
     </p:extLst>
   </p:cSld>
@@ -6538,12 +6586,128 @@
           <a:lstStyle/>
           <a:p>
             <a:r>
+              <a:rPr kumimoji="1" lang="ja-JP" altLang="en-US" dirty="0" smtClean="0"/>
+              <a:t>そして、本研究では、評価実験</a:t>
+            </a:r>
+            <a:r>
+              <a:rPr kumimoji="1" lang="en-US" altLang="ja-JP" dirty="0" smtClean="0"/>
+              <a:t>1</a:t>
+            </a:r>
+            <a:r>
+              <a:rPr kumimoji="1" lang="ja-JP" altLang="en-US" dirty="0" smtClean="0"/>
+              <a:t>を通して、こちらの</a:t>
+            </a:r>
+            <a:r>
+              <a:rPr kumimoji="1" lang="en-US" altLang="ja-JP" dirty="0" smtClean="0"/>
+              <a:t>4</a:t>
+            </a:r>
+            <a:r>
+              <a:rPr kumimoji="1" lang="ja-JP" altLang="en-US" dirty="0" err="1" smtClean="0"/>
+              <a:t>つの</a:t>
+            </a:r>
+            <a:r>
+              <a:rPr kumimoji="1" lang="ja-JP" altLang="en-US" dirty="0" smtClean="0"/>
+              <a:t>リサーチクエスチョンに答えることを目標としています。</a:t>
+            </a:r>
+            <a:endParaRPr kumimoji="1" lang="en-US" altLang="ja-JP" dirty="0" smtClean="0"/>
+          </a:p>
+          <a:p>
+            <a:endParaRPr kumimoji="1" lang="en-US" altLang="ja-JP" dirty="0" smtClean="0"/>
+          </a:p>
+          <a:p>
+            <a:r>
               <a:rPr kumimoji="1" lang="en-US" altLang="ja-JP" dirty="0" smtClean="0"/>
               <a:t>RQ1</a:t>
             </a:r>
             <a:r>
               <a:rPr kumimoji="1" lang="ja-JP" altLang="en-US" dirty="0" smtClean="0"/>
-              <a:t>は、</a:t>
+              <a:t>は～～という質問です。</a:t>
+            </a:r>
+            <a:endParaRPr kumimoji="1" lang="en-US" altLang="ja-JP" dirty="0" smtClean="0"/>
+          </a:p>
+          <a:p>
+            <a:endParaRPr kumimoji="1" lang="en-US" altLang="ja-JP" b="1" dirty="0" smtClean="0"/>
+          </a:p>
+          <a:p>
+            <a:r>
+              <a:rPr kumimoji="1" lang="ja-JP" altLang="en-US" b="1" u="sng" dirty="0" smtClean="0"/>
+              <a:t>ソフトウェアの品質を確認する</a:t>
+            </a:r>
+            <a:r>
+              <a:rPr kumimoji="1" lang="en-US" altLang="ja-JP" b="1" u="sng" dirty="0" smtClean="0"/>
+              <a:t>1</a:t>
+            </a:r>
+            <a:r>
+              <a:rPr kumimoji="1" lang="ja-JP" altLang="en-US" b="1" u="sng" dirty="0" err="1" smtClean="0"/>
+              <a:t>つの</a:t>
+            </a:r>
+            <a:r>
+              <a:rPr kumimoji="1" lang="ja-JP" altLang="en-US" b="1" u="sng" dirty="0" smtClean="0"/>
+              <a:t>指標として、作成したテストコードが十分に網羅して実行できているかを測定するカバレッジが高いということは、重要です．</a:t>
+            </a:r>
+            <a:endParaRPr kumimoji="1" lang="en-US" altLang="ja-JP" b="1" u="sng" dirty="0" smtClean="0"/>
+          </a:p>
+          <a:p>
+            <a:endParaRPr kumimoji="1" lang="en-US" altLang="ja-JP" b="1" dirty="0" smtClean="0"/>
+          </a:p>
+          <a:p>
+            <a:r>
+              <a:rPr kumimoji="1" lang="ja-JP" altLang="en-US" dirty="0" smtClean="0"/>
+              <a:t>リサーチクエスチョン</a:t>
+            </a:r>
+            <a:r>
+              <a:rPr kumimoji="1" lang="en-US" altLang="ja-JP" dirty="0" smtClean="0"/>
+              <a:t>2,3</a:t>
+            </a:r>
+            <a:r>
+              <a:rPr kumimoji="1" lang="ja-JP" altLang="en-US" dirty="0" smtClean="0"/>
+              <a:t>については、</a:t>
+            </a:r>
+            <a:r>
+              <a:rPr kumimoji="1" lang="ja-JP" altLang="en-US" b="1" dirty="0" smtClean="0"/>
+              <a:t>テストコード作成時間</a:t>
+            </a:r>
+            <a:r>
+              <a:rPr kumimoji="1" lang="ja-JP" altLang="en-US" dirty="0" smtClean="0"/>
+              <a:t>と</a:t>
+            </a:r>
+            <a:r>
+              <a:rPr kumimoji="1" lang="ja-JP" altLang="en-US" b="1" dirty="0" smtClean="0"/>
+              <a:t>テストスメルの数</a:t>
+            </a:r>
+            <a:r>
+              <a:rPr kumimoji="1" lang="ja-JP" altLang="en-US" dirty="0" smtClean="0"/>
+              <a:t>を調べます</a:t>
+            </a:r>
+            <a:endParaRPr kumimoji="1" lang="en-US" altLang="ja-JP" dirty="0" smtClean="0"/>
+          </a:p>
+          <a:p>
+            <a:endParaRPr kumimoji="1" lang="en-US" altLang="ja-JP" dirty="0" smtClean="0"/>
+          </a:p>
+          <a:p>
+            <a:r>
+              <a:rPr kumimoji="1" lang="ja-JP" altLang="en-US" dirty="0" smtClean="0"/>
+              <a:t>この</a:t>
+            </a:r>
+            <a:r>
+              <a:rPr kumimoji="1" lang="en-US" altLang="ja-JP" dirty="0" smtClean="0"/>
+              <a:t>2</a:t>
+            </a:r>
+            <a:r>
+              <a:rPr kumimoji="1" lang="ja-JP" altLang="en-US" dirty="0" err="1" smtClean="0"/>
+              <a:t>つの</a:t>
+            </a:r>
+            <a:r>
+              <a:rPr kumimoji="1" lang="ja-JP" altLang="en-US" dirty="0" smtClean="0"/>
+              <a:t>リサーチクエスチョン</a:t>
+            </a:r>
+            <a:r>
+              <a:rPr kumimoji="1" lang="en-US" altLang="ja-JP" dirty="0" smtClean="0"/>
+              <a:t>2</a:t>
+            </a:r>
+            <a:r>
+              <a:rPr kumimoji="1" lang="ja-JP" altLang="en-US" dirty="0" smtClean="0"/>
+              <a:t>に答えることで、</a:t>
             </a:r>
             <a:r>
               <a:rPr kumimoji="1" lang="en-US" altLang="ja-JP" dirty="0" err="1" smtClean="0"/>
@@ -6551,7 +6715,7 @@
             </a:r>
             <a:r>
               <a:rPr kumimoji="1" lang="ja-JP" altLang="en-US" dirty="0" smtClean="0"/>
-              <a:t>は、高いカバレッジを持つテストコードの作成を支援できるか？という質問です。</a:t>
+              <a:t>を利用は、</a:t>
             </a:r>
             <a:endParaRPr kumimoji="1" lang="en-US" altLang="ja-JP" dirty="0" smtClean="0"/>
           </a:p>
@@ -6559,9 +6723,61 @@
             <a:endParaRPr kumimoji="1" lang="en-US" altLang="ja-JP" dirty="0" smtClean="0"/>
           </a:p>
           <a:p>
+            <a:pPr marL="171450" indent="-171450">
+              <a:buFont typeface="Arial" panose="020B0604020202020204" pitchFamily="34" charset="0"/>
+              <a:buChar char="•"/>
+            </a:pPr>
             <a:r>
               <a:rPr kumimoji="1" lang="ja-JP" altLang="en-US" dirty="0" smtClean="0"/>
-              <a:t>この質問に答えるために、</a:t>
+              <a:t>開発者のテストコード作成時間を短縮できるかと</a:t>
+            </a:r>
+            <a:endParaRPr kumimoji="1" lang="en-US" altLang="ja-JP" dirty="0" smtClean="0"/>
+          </a:p>
+          <a:p>
+            <a:pPr marL="171450" indent="-171450">
+              <a:buFont typeface="Arial" panose="020B0604020202020204" pitchFamily="34" charset="0"/>
+              <a:buChar char="•"/>
+            </a:pPr>
+            <a:r>
+              <a:rPr kumimoji="1" lang="ja-JP" altLang="en-US" dirty="0" smtClean="0"/>
+              <a:t>テストスメルの数が少なく品質の高いテストコードを作成できるかを</a:t>
+            </a:r>
+            <a:endParaRPr kumimoji="1" lang="en-US" altLang="ja-JP" dirty="0" smtClean="0"/>
+          </a:p>
+          <a:p>
+            <a:pPr marL="0" indent="0">
+              <a:buFont typeface="Arial" panose="020B0604020202020204" pitchFamily="34" charset="0"/>
+              <a:buNone/>
+            </a:pPr>
+            <a:r>
+              <a:rPr kumimoji="1" lang="ja-JP" altLang="en-US" dirty="0" smtClean="0"/>
+              <a:t>明らかにします。</a:t>
+            </a:r>
+            <a:endParaRPr kumimoji="1" lang="en-US" altLang="ja-JP" dirty="0" smtClean="0"/>
+          </a:p>
+          <a:p>
+            <a:pPr marL="0" indent="0">
+              <a:buFont typeface="Arial" panose="020B0604020202020204" pitchFamily="34" charset="0"/>
+              <a:buNone/>
+            </a:pPr>
+            <a:endParaRPr kumimoji="1" lang="en-US" altLang="ja-JP" dirty="0" smtClean="0"/>
+          </a:p>
+          <a:p>
+            <a:pPr marL="0" indent="0">
+              <a:buFont typeface="Arial" panose="020B0604020202020204" pitchFamily="34" charset="0"/>
+              <a:buNone/>
+            </a:pPr>
+            <a:r>
+              <a:rPr kumimoji="1" lang="ja-JP" altLang="en-US" dirty="0" smtClean="0"/>
+              <a:t>最後に</a:t>
+            </a:r>
+            <a:r>
+              <a:rPr kumimoji="1" lang="en-US" altLang="ja-JP" dirty="0" smtClean="0"/>
+              <a:t>RQ4</a:t>
+            </a:r>
+            <a:r>
+              <a:rPr kumimoji="1" lang="ja-JP" altLang="en-US" dirty="0" smtClean="0"/>
+              <a:t>では、</a:t>
             </a:r>
             <a:r>
               <a:rPr kumimoji="1" lang="en-US" altLang="ja-JP" dirty="0" err="1" smtClean="0"/>
@@ -6569,7 +6785,7 @@
             </a:r>
             <a:r>
               <a:rPr kumimoji="1" lang="ja-JP" altLang="en-US" dirty="0" smtClean="0"/>
-              <a:t>を使用した場合と手作業の場合で、被験者が作成したテストコードのカバレッジを比較しました。</a:t>
+              <a:t>の利用によって、開発者のテストコード作成タスクの認識にどう影響するかをアンケート調査を実施して明らかにしていきます。</a:t>
             </a:r>
             <a:endParaRPr kumimoji="1" lang="en-US" altLang="ja-JP" dirty="0" smtClean="0"/>
           </a:p>
@@ -6579,113 +6795,17 @@
           <a:p>
             <a:r>
               <a:rPr kumimoji="1" lang="ja-JP" altLang="en-US" dirty="0" smtClean="0"/>
-              <a:t>本研究では、既存ツールで計算できる命令網羅と分岐網羅の</a:t>
+              <a:t>では、</a:t>
             </a:r>
             <a:r>
               <a:rPr kumimoji="1" lang="en-US" altLang="ja-JP" dirty="0" smtClean="0"/>
-              <a:t>2</a:t>
+              <a:t>RQ1</a:t>
             </a:r>
             <a:r>
               <a:rPr kumimoji="1" lang="ja-JP" altLang="en-US" dirty="0" smtClean="0"/>
-              <a:t>種類の指標でカバレッジを計算しました。</a:t>
+              <a:t>から結果を見て行きます。</a:t>
             </a:r>
             <a:endParaRPr kumimoji="1" lang="en-US" altLang="ja-JP" dirty="0" smtClean="0"/>
-          </a:p>
-          <a:p>
-            <a:endParaRPr kumimoji="1" lang="en-US" altLang="ja-JP" dirty="0" smtClean="0"/>
-          </a:p>
-          <a:p>
-            <a:r>
-              <a:rPr kumimoji="1" lang="ja-JP" altLang="en-US" dirty="0" smtClean="0"/>
-              <a:t>結果を見ると、</a:t>
-            </a:r>
-            <a:r>
-              <a:rPr kumimoji="1" lang="en-US" altLang="ja-JP" dirty="0" err="1" smtClean="0"/>
-              <a:t>SuiteRec</a:t>
-            </a:r>
-            <a:r>
-              <a:rPr kumimoji="1" lang="ja-JP" altLang="en-US" dirty="0" smtClean="0"/>
-              <a:t>を使用した場合と手作業の場合で、ほとんど差がなく、どのタスクでも網羅率が高いことが分かります。</a:t>
-            </a:r>
-            <a:endParaRPr kumimoji="1" lang="en-US" altLang="ja-JP" dirty="0" smtClean="0"/>
-          </a:p>
-          <a:p>
-            <a:endParaRPr kumimoji="1" lang="en-US" altLang="ja-JP" dirty="0" smtClean="0"/>
-          </a:p>
-          <a:p>
-            <a:r>
-              <a:rPr kumimoji="1" lang="ja-JP" altLang="en-US" dirty="0" smtClean="0"/>
-              <a:t>ただ、</a:t>
-            </a:r>
-            <a:r>
-              <a:rPr kumimoji="1" lang="ja-JP" altLang="en-US" b="1" dirty="0" smtClean="0"/>
-              <a:t>分岐網羅の</a:t>
-            </a:r>
-            <a:r>
-              <a:rPr kumimoji="1" lang="en-US" altLang="ja-JP" b="1" dirty="0" smtClean="0"/>
-              <a:t>1</a:t>
-            </a:r>
-            <a:r>
-              <a:rPr kumimoji="1" lang="ja-JP" altLang="en-US" b="1" dirty="0" smtClean="0"/>
-              <a:t>番複雑なプログラムであるタスク</a:t>
-            </a:r>
-            <a:r>
-              <a:rPr kumimoji="1" lang="en-US" altLang="ja-JP" b="1" dirty="0" smtClean="0"/>
-              <a:t>3</a:t>
-            </a:r>
-            <a:r>
-              <a:rPr kumimoji="1" lang="ja-JP" altLang="en-US" b="1" dirty="0" smtClean="0"/>
-              <a:t>については、若干差があり</a:t>
-            </a:r>
-            <a:r>
-              <a:rPr kumimoji="1" lang="ja-JP" altLang="en-US" dirty="0" smtClean="0"/>
-              <a:t>、</a:t>
-            </a:r>
-            <a:r>
-              <a:rPr kumimoji="1" lang="en-US" altLang="ja-JP" u="sng" dirty="0" err="1" smtClean="0"/>
-              <a:t>SuiteRec</a:t>
-            </a:r>
-            <a:r>
-              <a:rPr kumimoji="1" lang="ja-JP" altLang="en-US" u="sng" dirty="0" smtClean="0"/>
-              <a:t>を利用した方が</a:t>
-            </a:r>
-            <a:r>
-              <a:rPr kumimoji="1" lang="en-US" altLang="ja-JP" u="sng" dirty="0" smtClean="0"/>
-              <a:t>10</a:t>
-            </a:r>
-            <a:r>
-              <a:rPr kumimoji="1" lang="ja-JP" altLang="en-US" u="sng" dirty="0" smtClean="0"/>
-              <a:t>％以上カバレッジを向上できることが分かりました。</a:t>
-            </a:r>
-            <a:endParaRPr kumimoji="1" lang="en-US" altLang="ja-JP" u="sng" dirty="0" smtClean="0"/>
-          </a:p>
-          <a:p>
-            <a:endParaRPr kumimoji="1" lang="en-US" altLang="ja-JP" dirty="0" smtClean="0"/>
-          </a:p>
-          <a:p>
-            <a:r>
-              <a:rPr kumimoji="1" lang="ja-JP" altLang="en-US" dirty="0" smtClean="0"/>
-              <a:t>この結果は、</a:t>
-            </a:r>
-            <a:r>
-              <a:rPr kumimoji="1" lang="ja-JP" altLang="en-US" u="sng" dirty="0" smtClean="0"/>
-              <a:t>分岐が多く複雑なプログラムのテストコードを作成する際に</a:t>
-            </a:r>
-            <a:r>
-              <a:rPr kumimoji="1" lang="en-US" altLang="ja-JP" u="sng" dirty="0" err="1" smtClean="0"/>
-              <a:t>SuiteRec</a:t>
-            </a:r>
-            <a:r>
-              <a:rPr kumimoji="1" lang="ja-JP" altLang="en-US" u="sng" dirty="0" smtClean="0"/>
-              <a:t>は分岐網羅率を向上するのに役立つ可能性があることが分かりました。</a:t>
-            </a:r>
-            <a:endParaRPr kumimoji="1" lang="en-US" altLang="ja-JP" u="sng" dirty="0" smtClean="0"/>
-          </a:p>
-          <a:p>
-            <a:endParaRPr kumimoji="1" lang="en-US" altLang="ja-JP" u="sng" dirty="0" smtClean="0"/>
-          </a:p>
-          <a:p>
-            <a:endParaRPr kumimoji="1" lang="ja-JP" altLang="en-US" dirty="0"/>
           </a:p>
         </p:txBody>
       </p:sp>
@@ -6715,7 +6835,7 @@
     </p:spTree>
     <p:extLst>
       <p:ext uri="{BB962C8B-B14F-4D97-AF65-F5344CB8AC3E}">
-        <p14:creationId xmlns:p14="http://schemas.microsoft.com/office/powerpoint/2010/main" val="3058119271"/>
+        <p14:creationId xmlns:p14="http://schemas.microsoft.com/office/powerpoint/2010/main" val="236126297"/>
       </p:ext>
     </p:extLst>
   </p:cSld>
@@ -6770,12 +6890,8 @@
           <a:lstStyle/>
           <a:p>
             <a:r>
-              <a:rPr kumimoji="1" lang="ja-JP" altLang="en-US" dirty="0" smtClean="0"/>
-              <a:t>次に</a:t>
-            </a:r>
-            <a:r>
               <a:rPr kumimoji="1" lang="en-US" altLang="ja-JP" dirty="0" smtClean="0"/>
-              <a:t>RQ2</a:t>
+              <a:t>RQ1</a:t>
             </a:r>
             <a:r>
               <a:rPr kumimoji="1" lang="ja-JP" altLang="en-US" dirty="0" smtClean="0"/>
@@ -6787,7 +6903,7 @@
             </a:r>
             <a:r>
               <a:rPr kumimoji="1" lang="ja-JP" altLang="en-US" dirty="0" smtClean="0"/>
-              <a:t>は、開発者のテストコードの作成時間を削減できるか？という質問です。</a:t>
+              <a:t>は、高いカバレッジを持つテストコードの作成を支援できるか？という質問です。</a:t>
             </a:r>
             <a:endParaRPr kumimoji="1" lang="en-US" altLang="ja-JP" dirty="0" smtClean="0"/>
           </a:p>
@@ -6797,7 +6913,15 @@
           <a:p>
             <a:r>
               <a:rPr kumimoji="1" lang="ja-JP" altLang="en-US" dirty="0" smtClean="0"/>
-              <a:t>この質問に答えるために、被験者のタスク完了までの時間を比較しました。</a:t>
+              <a:t>この質問に答えるために、</a:t>
+            </a:r>
+            <a:r>
+              <a:rPr kumimoji="1" lang="en-US" altLang="ja-JP" dirty="0" err="1" smtClean="0"/>
+              <a:t>SuiteRec</a:t>
+            </a:r>
+            <a:r>
+              <a:rPr kumimoji="1" lang="ja-JP" altLang="en-US" dirty="0" smtClean="0"/>
+              <a:t>を使用した場合と手作業の場合で、被験者が作成したテストコードのカバレッジを比較しました。</a:t>
             </a:r>
             <a:endParaRPr kumimoji="1" lang="en-US" altLang="ja-JP" dirty="0" smtClean="0"/>
           </a:p>
@@ -6807,97 +6931,7 @@
           <a:p>
             <a:r>
               <a:rPr kumimoji="1" lang="ja-JP" altLang="en-US" dirty="0" smtClean="0"/>
-              <a:t>この図は、各被験者のタスク完了までに費やした時間の分布が示されています。</a:t>
-            </a:r>
-            <a:endParaRPr kumimoji="1" lang="en-US" altLang="ja-JP" dirty="0" smtClean="0"/>
-          </a:p>
-          <a:p>
-            <a:endParaRPr kumimoji="1" lang="en-US" altLang="ja-JP" dirty="0" smtClean="0"/>
-          </a:p>
-          <a:p>
-            <a:r>
-              <a:rPr lang="ja-JP" altLang="en-US" sz="1200" dirty="0" smtClean="0">
-                <a:latin typeface="メイリオ" panose="020B0604030504040204" pitchFamily="50" charset="-128"/>
-                <a:ea typeface="メイリオ" panose="020B0604030504040204" pitchFamily="50" charset="-128"/>
-              </a:rPr>
-              <a:t>結果をみると</a:t>
-            </a:r>
-            <a:r>
-              <a:rPr kumimoji="1" lang="en-US" altLang="ja-JP" u="sng" dirty="0" err="1" smtClean="0"/>
-              <a:t>SuiRec</a:t>
-            </a:r>
-            <a:r>
-              <a:rPr kumimoji="1" lang="ja-JP" altLang="en-US" u="sng" dirty="0" smtClean="0"/>
-              <a:t>を利用した場合、</a:t>
-            </a:r>
-            <a:r>
-              <a:rPr lang="ja-JP" altLang="en-US" sz="1200" u="sng" dirty="0" smtClean="0">
-                <a:latin typeface="メイリオ" panose="020B0604030504040204" pitchFamily="50" charset="-128"/>
-                <a:ea typeface="メイリオ" panose="020B0604030504040204" pitchFamily="50" charset="-128"/>
-              </a:rPr>
-              <a:t>タスク</a:t>
-            </a:r>
-            <a:r>
-              <a:rPr lang="en-US" altLang="ja-JP" sz="1200" u="sng" dirty="0" smtClean="0">
-                <a:latin typeface="メイリオ" panose="020B0604030504040204" pitchFamily="50" charset="-128"/>
-                <a:ea typeface="メイリオ" panose="020B0604030504040204" pitchFamily="50" charset="-128"/>
-              </a:rPr>
-              <a:t>1,3</a:t>
-            </a:r>
-            <a:r>
-              <a:rPr lang="ja-JP" altLang="en-US" sz="1200" u="sng" dirty="0" smtClean="0">
-                <a:latin typeface="メイリオ" panose="020B0604030504040204" pitchFamily="50" charset="-128"/>
-                <a:ea typeface="メイリオ" panose="020B0604030504040204" pitchFamily="50" charset="-128"/>
-              </a:rPr>
-              <a:t>は、</a:t>
-            </a:r>
-            <a:r>
-              <a:rPr kumimoji="1" lang="ja-JP" altLang="en-US" u="sng" dirty="0" smtClean="0"/>
-              <a:t>タスク完了までの</a:t>
-            </a:r>
-            <a:r>
-              <a:rPr kumimoji="1" lang="ja-JP" altLang="en-US" u="sng" dirty="0" smtClean="0"/>
-              <a:t>時間手作業の場合と比べて</a:t>
-            </a:r>
-            <a:r>
-              <a:rPr kumimoji="1" lang="ja-JP" altLang="en-US" u="sng" dirty="0" err="1" smtClean="0"/>
-              <a:t>が</a:t>
-            </a:r>
-            <a:r>
-              <a:rPr kumimoji="1" lang="ja-JP" altLang="en-US" u="sng" dirty="0" smtClean="0"/>
-              <a:t>長くなることが分かります。 </a:t>
-            </a:r>
-            <a:endParaRPr kumimoji="1" lang="en-US" altLang="ja-JP" u="sng" dirty="0" smtClean="0"/>
-          </a:p>
-          <a:p>
-            <a:endParaRPr kumimoji="1" lang="en-US" altLang="ja-JP" dirty="0" smtClean="0"/>
-          </a:p>
-          <a:p>
-            <a:r>
-              <a:rPr kumimoji="1" lang="en-US" altLang="ja-JP" b="1" dirty="0" err="1" smtClean="0"/>
-              <a:t>SuiteRec</a:t>
-            </a:r>
-            <a:r>
-              <a:rPr kumimoji="1" lang="ja-JP" altLang="en-US" b="1" dirty="0" smtClean="0"/>
-              <a:t>を利用した場合に、時間がかかって</a:t>
-            </a:r>
-            <a:r>
-              <a:rPr kumimoji="1" lang="ja-JP" altLang="en-US" b="1" dirty="0" smtClean="0"/>
-              <a:t>しまう考察として</a:t>
-            </a:r>
-            <a:r>
-              <a:rPr kumimoji="1" lang="ja-JP" altLang="en-US" b="1" dirty="0" smtClean="0"/>
-              <a:t>、開発者は、推薦される複数のテストコードを理解し、再利用する際に変更をしなければならないことが考えられます。</a:t>
-            </a:r>
-            <a:endParaRPr kumimoji="1" lang="en-US" altLang="ja-JP" b="1" dirty="0" smtClean="0"/>
-          </a:p>
-          <a:p>
-            <a:endParaRPr kumimoji="1" lang="en-US" altLang="ja-JP" dirty="0" smtClean="0"/>
-          </a:p>
-          <a:p>
-            <a:r>
-              <a:rPr kumimoji="1" lang="ja-JP" altLang="en-US" dirty="0" smtClean="0"/>
-              <a:t>一方で、タスク</a:t>
+              <a:t>本研究では、既存ツールで計算できる命令網羅と分岐網羅の</a:t>
             </a:r>
             <a:r>
               <a:rPr kumimoji="1" lang="en-US" altLang="ja-JP" dirty="0" smtClean="0"/>
@@ -6905,7 +6939,17 @@
             </a:r>
             <a:r>
               <a:rPr kumimoji="1" lang="ja-JP" altLang="en-US" dirty="0" smtClean="0"/>
-              <a:t>については、</a:t>
+              <a:t>種類の指標でカバレッジを計算しました。</a:t>
+            </a:r>
+            <a:endParaRPr kumimoji="1" lang="en-US" altLang="ja-JP" dirty="0" smtClean="0"/>
+          </a:p>
+          <a:p>
+            <a:endParaRPr kumimoji="1" lang="en-US" altLang="ja-JP" dirty="0" smtClean="0"/>
+          </a:p>
+          <a:p>
+            <a:r>
+              <a:rPr kumimoji="1" lang="ja-JP" altLang="en-US" dirty="0" smtClean="0"/>
+              <a:t>結果を見ると、</a:t>
             </a:r>
             <a:r>
               <a:rPr kumimoji="1" lang="en-US" altLang="ja-JP" dirty="0" err="1" smtClean="0"/>
@@ -6913,7 +6957,7 @@
             </a:r>
             <a:r>
               <a:rPr kumimoji="1" lang="ja-JP" altLang="en-US" dirty="0" smtClean="0"/>
-              <a:t>を使用した方がタスク完了時間が短いことが分かる。</a:t>
+              <a:t>を使用した場合と手作業の場合で、ほとんど差がなく、どのタスクでも網羅率が高いことが分かります。</a:t>
             </a:r>
             <a:endParaRPr kumimoji="1" lang="en-US" altLang="ja-JP" dirty="0" smtClean="0"/>
           </a:p>
@@ -6923,45 +6967,77 @@
           <a:p>
             <a:r>
               <a:rPr kumimoji="1" lang="ja-JP" altLang="en-US" dirty="0" smtClean="0"/>
-              <a:t>我々は、提出されたテストコードを調査したところ、カバレッジに差はないものの、手作業で作成した場合は、テスト項目の重複が多いことが分かりました。</a:t>
-            </a:r>
+              <a:t>ただ、</a:t>
+            </a:r>
+            <a:r>
+              <a:rPr kumimoji="1" lang="ja-JP" altLang="en-US" b="1" dirty="0" smtClean="0"/>
+              <a:t>分岐網羅の</a:t>
+            </a:r>
+            <a:r>
+              <a:rPr kumimoji="1" lang="en-US" altLang="ja-JP" b="1" dirty="0" smtClean="0"/>
+              <a:t>1</a:t>
+            </a:r>
+            <a:r>
+              <a:rPr kumimoji="1" lang="ja-JP" altLang="en-US" b="1" dirty="0" smtClean="0"/>
+              <a:t>番複雑なプログラムであるタスク</a:t>
+            </a:r>
+            <a:r>
+              <a:rPr kumimoji="1" lang="en-US" altLang="ja-JP" b="1" dirty="0" smtClean="0"/>
+              <a:t>3</a:t>
+            </a:r>
+            <a:r>
+              <a:rPr kumimoji="1" lang="ja-JP" altLang="en-US" b="1" dirty="0" smtClean="0"/>
+              <a:t>については、若干差があり</a:t>
+            </a:r>
+            <a:r>
+              <a:rPr kumimoji="1" lang="ja-JP" altLang="en-US" dirty="0" smtClean="0"/>
+              <a:t>、</a:t>
+            </a:r>
+            <a:r>
+              <a:rPr kumimoji="1" lang="en-US" altLang="ja-JP" u="sng" dirty="0" err="1" smtClean="0"/>
+              <a:t>SuiteRec</a:t>
+            </a:r>
+            <a:r>
+              <a:rPr kumimoji="1" lang="ja-JP" altLang="en-US" u="sng" dirty="0" smtClean="0"/>
+              <a:t>を利用した方が</a:t>
+            </a:r>
+            <a:r>
+              <a:rPr kumimoji="1" lang="en-US" altLang="ja-JP" u="sng" dirty="0" smtClean="0"/>
+              <a:t>10</a:t>
+            </a:r>
+            <a:r>
+              <a:rPr kumimoji="1" lang="ja-JP" altLang="en-US" u="sng" dirty="0" smtClean="0"/>
+              <a:t>％以上カバレッジを向上できることが分かりました。</a:t>
+            </a:r>
+            <a:endParaRPr kumimoji="1" lang="en-US" altLang="ja-JP" u="sng" dirty="0" smtClean="0"/>
+          </a:p>
+          <a:p>
             <a:endParaRPr kumimoji="1" lang="en-US" altLang="ja-JP" dirty="0" smtClean="0"/>
           </a:p>
           <a:p>
-            <a:endParaRPr kumimoji="1" lang="en-US" altLang="ja-JP" dirty="0" smtClean="0"/>
-          </a:p>
-          <a:p>
             <a:r>
               <a:rPr kumimoji="1" lang="ja-JP" altLang="en-US" dirty="0" smtClean="0"/>
-              <a:t>この結果から、</a:t>
-            </a:r>
-            <a:r>
-              <a:rPr kumimoji="1" lang="en-US" altLang="ja-JP" dirty="0" err="1" smtClean="0"/>
+              <a:t>この結果は、</a:t>
+            </a:r>
+            <a:r>
+              <a:rPr kumimoji="1" lang="ja-JP" altLang="en-US" u="sng" dirty="0" smtClean="0"/>
+              <a:t>分岐が多く複雑なプログラムのテストコードを作成する際に</a:t>
+            </a:r>
+            <a:r>
+              <a:rPr kumimoji="1" lang="en-US" altLang="ja-JP" u="sng" dirty="0" err="1" smtClean="0"/>
               <a:t>SuiteRec</a:t>
             </a:r>
             <a:r>
-              <a:rPr kumimoji="1" lang="ja-JP" altLang="en-US" dirty="0" smtClean="0"/>
-              <a:t>を利用は、被験者が無駄なテストコードを作成するのを防ぎ、短期間でのテストコード作成を支援できる場合もあることが分かった。</a:t>
-            </a:r>
-            <a:endParaRPr kumimoji="1" lang="en-US" altLang="ja-JP" dirty="0" smtClean="0"/>
-          </a:p>
-          <a:p>
-            <a:endParaRPr kumimoji="1" lang="en-US" altLang="ja-JP" dirty="0" smtClean="0"/>
-          </a:p>
-          <a:p>
-            <a:r>
-              <a:rPr kumimoji="1" lang="ja-JP" altLang="en-US" dirty="0" smtClean="0"/>
-              <a:t>次に</a:t>
-            </a:r>
-            <a:r>
-              <a:rPr kumimoji="1" lang="en-US" altLang="ja-JP" dirty="0" smtClean="0"/>
-              <a:t>RQ3</a:t>
-            </a:r>
-            <a:r>
-              <a:rPr kumimoji="1" lang="ja-JP" altLang="en-US" dirty="0" smtClean="0"/>
-              <a:t>です。</a:t>
-            </a:r>
-            <a:endParaRPr kumimoji="1" lang="en-US" altLang="ja-JP" dirty="0" smtClean="0"/>
+              <a:rPr kumimoji="1" lang="ja-JP" altLang="en-US" u="sng" dirty="0" smtClean="0"/>
+              <a:t>は分岐網羅率を向上するのに役立つ可能性があることが分かりました。</a:t>
+            </a:r>
+            <a:endParaRPr kumimoji="1" lang="en-US" altLang="ja-JP" u="sng" dirty="0" smtClean="0"/>
+          </a:p>
+          <a:p>
+            <a:endParaRPr kumimoji="1" lang="en-US" altLang="ja-JP" u="sng" dirty="0" smtClean="0"/>
+          </a:p>
+          <a:p>
+            <a:endParaRPr kumimoji="1" lang="ja-JP" altLang="en-US" dirty="0"/>
           </a:p>
         </p:txBody>
       </p:sp>
@@ -6991,7 +7067,7 @@
     </p:spTree>
     <p:extLst>
       <p:ext uri="{BB962C8B-B14F-4D97-AF65-F5344CB8AC3E}">
-        <p14:creationId xmlns:p14="http://schemas.microsoft.com/office/powerpoint/2010/main" val="1901638512"/>
+        <p14:creationId xmlns:p14="http://schemas.microsoft.com/office/powerpoint/2010/main" val="3058119271"/>
       </p:ext>
     </p:extLst>
   </p:cSld>
@@ -7129,7 +7205,19 @@
             </a:r>
             <a:r>
               <a:rPr kumimoji="1" lang="ja-JP" altLang="en-US" u="sng" dirty="0" smtClean="0"/>
-              <a:t>タスク完了までの時間が長いことが分かります。 </a:t>
+              <a:t>タスク完了までの</a:t>
+            </a:r>
+            <a:r>
+              <a:rPr kumimoji="1" lang="ja-JP" altLang="en-US" u="sng" dirty="0" smtClean="0"/>
+              <a:t>時間手作業の場合と比べて</a:t>
+            </a:r>
+            <a:r>
+              <a:rPr kumimoji="1" lang="ja-JP" altLang="en-US" u="sng" dirty="0" err="1" smtClean="0"/>
+              <a:t>が</a:t>
+            </a:r>
+            <a:r>
+              <a:rPr kumimoji="1" lang="ja-JP" altLang="en-US" u="sng" dirty="0" smtClean="0"/>
+              <a:t>長くなることが分かります。 </a:t>
             </a:r>
             <a:endParaRPr kumimoji="1" lang="en-US" altLang="ja-JP" u="sng" dirty="0" smtClean="0"/>
           </a:p>
@@ -7143,7 +7231,15 @@
             </a:r>
             <a:r>
               <a:rPr kumimoji="1" lang="ja-JP" altLang="en-US" b="1" dirty="0" smtClean="0"/>
-              <a:t>を利用した場合に、時間がかかってしまう原因として、開発者は、推薦される複数のテストコードを理解し、再利用する際に変更をしなければならないことが考えられます。</a:t>
+              <a:t>を利用した場合に、時間がかかって</a:t>
+            </a:r>
+            <a:r>
+              <a:rPr kumimoji="1" lang="ja-JP" altLang="en-US" b="1" dirty="0" smtClean="0"/>
+              <a:t>しまう考察として</a:t>
+            </a:r>
+            <a:r>
+              <a:rPr kumimoji="1" lang="ja-JP" altLang="en-US" b="1" dirty="0" smtClean="0"/>
+              <a:t>、開発者は、推薦される複数のテストコードを理解し、再利用する際に変更をしなければならないことが考えられます。</a:t>
             </a:r>
             <a:endParaRPr kumimoji="1" lang="en-US" altLang="ja-JP" b="1" dirty="0" smtClean="0"/>
           </a:p>
@@ -7247,7 +7343,7 @@
     </p:spTree>
     <p:extLst>
       <p:ext uri="{BB962C8B-B14F-4D97-AF65-F5344CB8AC3E}">
-        <p14:creationId xmlns:p14="http://schemas.microsoft.com/office/powerpoint/2010/main" val="2256701357"/>
+        <p14:creationId xmlns:p14="http://schemas.microsoft.com/office/powerpoint/2010/main" val="1901638512"/>
       </p:ext>
     </p:extLst>
   </p:cSld>
@@ -7302,150 +7398,177 @@
           <a:lstStyle/>
           <a:p>
             <a:r>
+              <a:rPr kumimoji="1" lang="ja-JP" altLang="en-US" dirty="0" smtClean="0"/>
+              <a:t>次に</a:t>
+            </a:r>
+            <a:r>
+              <a:rPr kumimoji="1" lang="en-US" altLang="ja-JP" dirty="0" smtClean="0"/>
+              <a:t>RQ2</a:t>
+            </a:r>
+            <a:r>
+              <a:rPr kumimoji="1" lang="ja-JP" altLang="en-US" dirty="0" smtClean="0"/>
+              <a:t>は、</a:t>
+            </a:r>
+            <a:r>
+              <a:rPr kumimoji="1" lang="en-US" altLang="ja-JP" dirty="0" err="1" smtClean="0"/>
+              <a:t>SuiteRec</a:t>
+            </a:r>
+            <a:r>
+              <a:rPr kumimoji="1" lang="ja-JP" altLang="en-US" dirty="0" smtClean="0"/>
+              <a:t>は、開発者のテストコードの作成時間を削減できるか？という質問です。</a:t>
+            </a:r>
+            <a:endParaRPr kumimoji="1" lang="en-US" altLang="ja-JP" dirty="0" smtClean="0"/>
+          </a:p>
+          <a:p>
+            <a:endParaRPr kumimoji="1" lang="en-US" altLang="ja-JP" dirty="0" smtClean="0"/>
+          </a:p>
+          <a:p>
+            <a:r>
+              <a:rPr kumimoji="1" lang="ja-JP" altLang="en-US" dirty="0" smtClean="0"/>
+              <a:t>この質問に答えるために、被験者のタスク完了までの時間を比較しました。</a:t>
+            </a:r>
+            <a:endParaRPr kumimoji="1" lang="en-US" altLang="ja-JP" dirty="0" smtClean="0"/>
+          </a:p>
+          <a:p>
+            <a:endParaRPr kumimoji="1" lang="en-US" altLang="ja-JP" dirty="0" smtClean="0"/>
+          </a:p>
+          <a:p>
+            <a:r>
+              <a:rPr kumimoji="1" lang="ja-JP" altLang="en-US" dirty="0" smtClean="0"/>
+              <a:t>この図は、各被験者のタスク完了までに費やした時間の分布が示されています。</a:t>
+            </a:r>
+            <a:endParaRPr kumimoji="1" lang="en-US" altLang="ja-JP" dirty="0" smtClean="0"/>
+          </a:p>
+          <a:p>
+            <a:endParaRPr kumimoji="1" lang="en-US" altLang="ja-JP" dirty="0" smtClean="0"/>
+          </a:p>
+          <a:p>
+            <a:r>
+              <a:rPr lang="ja-JP" altLang="en-US" sz="1200" dirty="0" smtClean="0">
+                <a:latin typeface="メイリオ" panose="020B0604030504040204" pitchFamily="50" charset="-128"/>
+                <a:ea typeface="メイリオ" panose="020B0604030504040204" pitchFamily="50" charset="-128"/>
+              </a:rPr>
+              <a:t>結果をみると</a:t>
+            </a:r>
+            <a:r>
+              <a:rPr kumimoji="1" lang="en-US" altLang="ja-JP" u="sng" dirty="0" err="1" smtClean="0"/>
+              <a:t>SuiRec</a:t>
+            </a:r>
+            <a:r>
+              <a:rPr kumimoji="1" lang="ja-JP" altLang="en-US" u="sng" dirty="0" smtClean="0"/>
+              <a:t>を利用した場合、</a:t>
+            </a:r>
+            <a:r>
+              <a:rPr lang="ja-JP" altLang="en-US" sz="1200" u="sng" dirty="0" smtClean="0">
+                <a:latin typeface="メイリオ" panose="020B0604030504040204" pitchFamily="50" charset="-128"/>
+                <a:ea typeface="メイリオ" panose="020B0604030504040204" pitchFamily="50" charset="-128"/>
+              </a:rPr>
+              <a:t>タスク</a:t>
+            </a:r>
+            <a:r>
+              <a:rPr lang="en-US" altLang="ja-JP" sz="1200" u="sng" dirty="0" smtClean="0">
+                <a:latin typeface="メイリオ" panose="020B0604030504040204" pitchFamily="50" charset="-128"/>
+                <a:ea typeface="メイリオ" panose="020B0604030504040204" pitchFamily="50" charset="-128"/>
+              </a:rPr>
+              <a:t>1,3</a:t>
+            </a:r>
+            <a:r>
+              <a:rPr lang="ja-JP" altLang="en-US" sz="1200" u="sng" dirty="0" smtClean="0">
+                <a:latin typeface="メイリオ" panose="020B0604030504040204" pitchFamily="50" charset="-128"/>
+                <a:ea typeface="メイリオ" panose="020B0604030504040204" pitchFamily="50" charset="-128"/>
+              </a:rPr>
+              <a:t>は、</a:t>
+            </a:r>
+            <a:r>
+              <a:rPr kumimoji="1" lang="ja-JP" altLang="en-US" u="sng" dirty="0" smtClean="0"/>
+              <a:t>タスク完了までの時間が長いことが分かります。 </a:t>
+            </a:r>
+            <a:endParaRPr kumimoji="1" lang="en-US" altLang="ja-JP" u="sng" dirty="0" smtClean="0"/>
+          </a:p>
+          <a:p>
+            <a:endParaRPr kumimoji="1" lang="en-US" altLang="ja-JP" dirty="0" smtClean="0"/>
+          </a:p>
+          <a:p>
+            <a:r>
+              <a:rPr kumimoji="1" lang="en-US" altLang="ja-JP" b="1" dirty="0" err="1" smtClean="0"/>
+              <a:t>SuiteRec</a:t>
+            </a:r>
+            <a:r>
+              <a:rPr kumimoji="1" lang="ja-JP" altLang="en-US" b="1" dirty="0" smtClean="0"/>
+              <a:t>を利用した場合に、時間がかかってしまう原因として、開発者は、推薦される複数のテストコードを理解し、再利用する際に変更をしなければならないことが考えられます。</a:t>
+            </a:r>
+            <a:endParaRPr kumimoji="1" lang="en-US" altLang="ja-JP" b="1" dirty="0" smtClean="0"/>
+          </a:p>
+          <a:p>
+            <a:endParaRPr kumimoji="1" lang="en-US" altLang="ja-JP" dirty="0" smtClean="0"/>
+          </a:p>
+          <a:p>
+            <a:r>
+              <a:rPr kumimoji="1" lang="ja-JP" altLang="en-US" dirty="0" smtClean="0"/>
+              <a:t>一方で、タスク</a:t>
+            </a:r>
+            <a:r>
+              <a:rPr kumimoji="1" lang="en-US" altLang="ja-JP" dirty="0" smtClean="0"/>
+              <a:t>2</a:t>
+            </a:r>
+            <a:r>
+              <a:rPr kumimoji="1" lang="ja-JP" altLang="en-US" dirty="0" smtClean="0"/>
+              <a:t>については、</a:t>
+            </a:r>
+            <a:r>
+              <a:rPr kumimoji="1" lang="en-US" altLang="ja-JP" dirty="0" err="1" smtClean="0"/>
+              <a:t>SuiteRec</a:t>
+            </a:r>
+            <a:r>
+              <a:rPr kumimoji="1" lang="ja-JP" altLang="en-US" dirty="0" smtClean="0"/>
+              <a:t>を使用した方がタスク完了時間が短いことが分かる。</a:t>
+            </a:r>
+            <a:endParaRPr kumimoji="1" lang="en-US" altLang="ja-JP" dirty="0" smtClean="0"/>
+          </a:p>
+          <a:p>
+            <a:endParaRPr kumimoji="1" lang="en-US" altLang="ja-JP" dirty="0" smtClean="0"/>
+          </a:p>
+          <a:p>
+            <a:r>
+              <a:rPr kumimoji="1" lang="ja-JP" altLang="en-US" dirty="0" smtClean="0"/>
+              <a:t>我々は、提出されたテストコードを調査したところ、カバレッジに差はないものの、手作業で作成した場合は、テスト項目の重複が多いことが分かりました。</a:t>
+            </a:r>
+            <a:endParaRPr kumimoji="1" lang="en-US" altLang="ja-JP" dirty="0" smtClean="0"/>
+          </a:p>
+          <a:p>
+            <a:endParaRPr kumimoji="1" lang="en-US" altLang="ja-JP" dirty="0" smtClean="0"/>
+          </a:p>
+          <a:p>
+            <a:r>
+              <a:rPr kumimoji="1" lang="ja-JP" altLang="en-US" dirty="0" smtClean="0"/>
+              <a:t>この結果から、</a:t>
+            </a:r>
+            <a:r>
+              <a:rPr kumimoji="1" lang="en-US" altLang="ja-JP" dirty="0" err="1" smtClean="0"/>
+              <a:t>SuiteRec</a:t>
+            </a:r>
+            <a:r>
+              <a:rPr kumimoji="1" lang="ja-JP" altLang="en-US" dirty="0" smtClean="0"/>
+              <a:t>を利用は、被験者が無駄なテストコードを作成するのを防ぎ、短期間でのテストコード作成を支援できる場合もあることが分かった。</a:t>
+            </a:r>
+            <a:endParaRPr kumimoji="1" lang="en-US" altLang="ja-JP" dirty="0" smtClean="0"/>
+          </a:p>
+          <a:p>
+            <a:endParaRPr kumimoji="1" lang="en-US" altLang="ja-JP" dirty="0" smtClean="0"/>
+          </a:p>
+          <a:p>
+            <a:r>
+              <a:rPr kumimoji="1" lang="ja-JP" altLang="en-US" dirty="0" smtClean="0"/>
+              <a:t>次に</a:t>
+            </a:r>
+            <a:r>
               <a:rPr kumimoji="1" lang="en-US" altLang="ja-JP" dirty="0" smtClean="0"/>
               <a:t>RQ3</a:t>
             </a:r>
             <a:r>
               <a:rPr kumimoji="1" lang="ja-JP" altLang="en-US" dirty="0" smtClean="0"/>
-              <a:t>は、</a:t>
-            </a:r>
-            <a:r>
-              <a:rPr kumimoji="1" lang="en-US" altLang="ja-JP" dirty="0" err="1" smtClean="0"/>
-              <a:t>SuiteRec</a:t>
-            </a:r>
-            <a:r>
-              <a:rPr kumimoji="1" lang="ja-JP" altLang="en-US" dirty="0" smtClean="0"/>
-              <a:t>は、テストスメルの数が少ないテストコードの作成を支援できるか？という質問です。</a:t>
-            </a:r>
-            <a:endParaRPr kumimoji="1" lang="en-US" altLang="ja-JP" dirty="0" smtClean="0"/>
-          </a:p>
-          <a:p>
-            <a:endParaRPr kumimoji="1" lang="en-US" altLang="ja-JP" dirty="0" smtClean="0"/>
-          </a:p>
-          <a:p>
-            <a:r>
-              <a:rPr kumimoji="1" lang="ja-JP" altLang="en-US" dirty="0" smtClean="0"/>
-              <a:t>この質問に答えるために、被験者が作成したテストコード内に含まれていたテストスメルの数を比較しました。</a:t>
-            </a:r>
-            <a:endParaRPr kumimoji="1" lang="en-US" altLang="ja-JP" dirty="0" smtClean="0"/>
-          </a:p>
-          <a:p>
-            <a:endParaRPr kumimoji="1" lang="en-US" altLang="ja-JP" dirty="0" smtClean="0"/>
-          </a:p>
-          <a:p>
-            <a:r>
-              <a:rPr kumimoji="1" lang="ja-JP" altLang="en-US" dirty="0" smtClean="0"/>
-              <a:t>この図は、各タスクごとのテストコード内に含まれていたテストスメルの合計数を示しています。</a:t>
-            </a:r>
-            <a:endParaRPr kumimoji="1" lang="en-US" altLang="ja-JP" dirty="0" smtClean="0"/>
-          </a:p>
-          <a:p>
-            <a:endParaRPr kumimoji="1" lang="en-US" altLang="ja-JP" dirty="0" smtClean="0"/>
-          </a:p>
-          <a:p>
-            <a:r>
-              <a:rPr kumimoji="1" lang="ja-JP" altLang="en-US" dirty="0" smtClean="0"/>
-              <a:t>この図から分かるようにすべてのタスクにおいて、</a:t>
-            </a:r>
-            <a:r>
-              <a:rPr kumimoji="1" lang="en-US" altLang="ja-JP" dirty="0" err="1" smtClean="0"/>
-              <a:t>SuiteRec</a:t>
-            </a:r>
-            <a:r>
-              <a:rPr kumimoji="1" lang="ja-JP" altLang="en-US" dirty="0" smtClean="0"/>
-              <a:t>を使用した場合は、手作業の場合と比べて、検出されたテストスメルの数が少ないことが分かります</a:t>
-            </a:r>
-            <a:endParaRPr kumimoji="1" lang="en-US" altLang="ja-JP" dirty="0" smtClean="0"/>
-          </a:p>
-          <a:p>
-            <a:endParaRPr kumimoji="1" lang="en-US" altLang="ja-JP" dirty="0" smtClean="0"/>
-          </a:p>
-          <a:p>
-            <a:r>
-              <a:rPr kumimoji="1" lang="ja-JP" altLang="en-US" dirty="0" smtClean="0"/>
-              <a:t>これは、</a:t>
-            </a:r>
-            <a:r>
-              <a:rPr kumimoji="1" lang="en-US" altLang="ja-JP" dirty="0" err="1" smtClean="0"/>
-              <a:t>SuiteRec</a:t>
-            </a:r>
-            <a:r>
-              <a:rPr kumimoji="1" lang="ja-JP" altLang="en-US" dirty="0" smtClean="0"/>
-              <a:t>によって推薦されたテストコードの品質が高く、被験者はそれを再利用することで品質を維持したままテストコードを作成した可能性があります。</a:t>
-            </a:r>
-            <a:endParaRPr kumimoji="1" lang="en-US" altLang="ja-JP" dirty="0" smtClean="0"/>
-          </a:p>
-          <a:p>
-            <a:endParaRPr kumimoji="1" lang="en-US" altLang="ja-JP" dirty="0" smtClean="0"/>
-          </a:p>
-          <a:p>
-            <a:r>
-              <a:rPr kumimoji="1" lang="ja-JP" altLang="en-US" dirty="0" smtClean="0"/>
-              <a:t>一方で、手作業の場合は、全体として</a:t>
-            </a:r>
-            <a:r>
-              <a:rPr kumimoji="1" lang="en-US" altLang="ja-JP" dirty="0" smtClean="0"/>
-              <a:t>5</a:t>
-            </a:r>
-            <a:r>
-              <a:rPr kumimoji="1" lang="ja-JP" altLang="en-US" dirty="0" smtClean="0"/>
-              <a:t>倍以上テストスメル含んでいました。</a:t>
-            </a:r>
-            <a:endParaRPr kumimoji="1" lang="en-US" altLang="ja-JP" dirty="0" smtClean="0"/>
-          </a:p>
-          <a:p>
-            <a:endParaRPr kumimoji="1" lang="en-US" altLang="ja-JP" dirty="0" smtClean="0"/>
-          </a:p>
-          <a:p>
-            <a:r>
-              <a:rPr kumimoji="1" lang="ja-JP" altLang="en-US" dirty="0" smtClean="0"/>
-              <a:t>この中でも多く含まれていたテストスメルとしてこちらの</a:t>
-            </a:r>
-            <a:r>
-              <a:rPr kumimoji="1" lang="en-US" altLang="ja-JP" dirty="0" smtClean="0"/>
-              <a:t>3</a:t>
-            </a:r>
-            <a:r>
-              <a:rPr kumimoji="1" lang="ja-JP" altLang="en-US" dirty="0" err="1" smtClean="0"/>
-              <a:t>つの</a:t>
-            </a:r>
-            <a:r>
-              <a:rPr kumimoji="1" lang="ja-JP" altLang="en-US" dirty="0" smtClean="0"/>
-              <a:t>テストスメルが挙げられます。</a:t>
-            </a:r>
-            <a:endParaRPr kumimoji="1" lang="en-US" altLang="ja-JP" dirty="0" smtClean="0"/>
-          </a:p>
-          <a:p>
-            <a:endParaRPr kumimoji="1" lang="en-US" altLang="ja-JP" dirty="0" smtClean="0"/>
-          </a:p>
-          <a:p>
-            <a:r>
-              <a:rPr kumimoji="1" lang="ja-JP" altLang="en-US" dirty="0" smtClean="0"/>
-              <a:t>実際に既存研究でも、これらのテストスメルが既存プロジェクトで多く検出されていることが報告されおり、保守活動に悪影響を与えることが分かっています。</a:t>
-            </a:r>
-            <a:endParaRPr kumimoji="1" lang="en-US" altLang="ja-JP" dirty="0" smtClean="0"/>
-          </a:p>
-          <a:p>
-            <a:endParaRPr kumimoji="1" lang="en-US" altLang="ja-JP" dirty="0" smtClean="0"/>
-          </a:p>
-          <a:p>
-            <a:r>
-              <a:rPr kumimoji="1" lang="ja-JP" altLang="en-US" dirty="0" smtClean="0"/>
-              <a:t>結果として、</a:t>
-            </a:r>
-            <a:r>
-              <a:rPr kumimoji="1" lang="en-US" altLang="ja-JP" dirty="0" smtClean="0"/>
-              <a:t>RQ3</a:t>
-            </a:r>
-            <a:r>
-              <a:rPr kumimoji="1" lang="ja-JP" altLang="en-US" dirty="0" smtClean="0"/>
-              <a:t>では開発者は、推薦される高品質のテストコードを参考にすることで品質の高いテストコードを作成できることが分かりました。</a:t>
-            </a:r>
-          </a:p>
-          <a:p>
-            <a:endParaRPr kumimoji="1" lang="en-US" altLang="ja-JP" dirty="0" smtClean="0"/>
-          </a:p>
-          <a:p>
+              <a:t>です。</a:t>
+            </a:r>
             <a:endParaRPr kumimoji="1" lang="en-US" altLang="ja-JP" dirty="0" smtClean="0"/>
           </a:p>
         </p:txBody>
@@ -7476,7 +7599,7 @@
     </p:spTree>
     <p:extLst>
       <p:ext uri="{BB962C8B-B14F-4D97-AF65-F5344CB8AC3E}">
-        <p14:creationId xmlns:p14="http://schemas.microsoft.com/office/powerpoint/2010/main" val="269097852"/>
+        <p14:creationId xmlns:p14="http://schemas.microsoft.com/office/powerpoint/2010/main" val="2256701357"/>
       </p:ext>
     </p:extLst>
   </p:cSld>
@@ -7532,7 +7655,7 @@
           <a:p>
             <a:r>
               <a:rPr kumimoji="1" lang="en-US" altLang="ja-JP" dirty="0" smtClean="0"/>
-              <a:t>RQ4</a:t>
+              <a:t>RQ3</a:t>
             </a:r>
             <a:r>
               <a:rPr kumimoji="1" lang="ja-JP" altLang="en-US" dirty="0" smtClean="0"/>
@@ -7544,7 +7667,7 @@
             </a:r>
             <a:r>
               <a:rPr kumimoji="1" lang="ja-JP" altLang="en-US" dirty="0" smtClean="0"/>
-              <a:t>の利用は、開発者のテストコード作成タスクの認識にどう影響するかという質問です。</a:t>
+              <a:t>は、テストスメルの数が少ないテストコードの作成を支援できるか？という質問です。</a:t>
             </a:r>
             <a:endParaRPr kumimoji="1" lang="en-US" altLang="ja-JP" dirty="0" smtClean="0"/>
           </a:p>
@@ -7554,7 +7677,7 @@
           <a:p>
             <a:r>
               <a:rPr kumimoji="1" lang="ja-JP" altLang="en-US" dirty="0" smtClean="0"/>
-              <a:t>この質問に答えるために、評価実験の後、被験者に対して実験タスクに関するアンケートを実施しました。</a:t>
+              <a:t>この質問に答えるために、被験者が作成したテストコード内に含まれていたテストスメルの数を比較しました。</a:t>
             </a:r>
             <a:endParaRPr kumimoji="1" lang="en-US" altLang="ja-JP" dirty="0" smtClean="0"/>
           </a:p>
@@ -7564,7 +7687,53 @@
           <a:p>
             <a:r>
               <a:rPr kumimoji="1" lang="ja-JP" altLang="en-US" dirty="0" smtClean="0"/>
-              <a:t>こちらがそのアンケート項目になります。被験者はこれらの質問に対して賛成・反対を</a:t>
+              <a:t>この図は、各タスクごとのテストコード内に含まれていたテストスメルの合計数を示しています。</a:t>
+            </a:r>
+            <a:endParaRPr kumimoji="1" lang="en-US" altLang="ja-JP" dirty="0" smtClean="0"/>
+          </a:p>
+          <a:p>
+            <a:endParaRPr kumimoji="1" lang="en-US" altLang="ja-JP" dirty="0" smtClean="0"/>
+          </a:p>
+          <a:p>
+            <a:r>
+              <a:rPr kumimoji="1" lang="ja-JP" altLang="en-US" dirty="0" smtClean="0"/>
+              <a:t>この図から分かるようにすべてのタスクにおいて、</a:t>
+            </a:r>
+            <a:r>
+              <a:rPr kumimoji="1" lang="en-US" altLang="ja-JP" dirty="0" err="1" smtClean="0"/>
+              <a:t>SuiteRec</a:t>
+            </a:r>
+            <a:r>
+              <a:rPr kumimoji="1" lang="ja-JP" altLang="en-US" dirty="0" smtClean="0"/>
+              <a:t>を使用した場合は、手作業の場合と比べて、検出されたテストスメルの数が少ないことが分かります</a:t>
+            </a:r>
+            <a:endParaRPr kumimoji="1" lang="en-US" altLang="ja-JP" dirty="0" smtClean="0"/>
+          </a:p>
+          <a:p>
+            <a:endParaRPr kumimoji="1" lang="en-US" altLang="ja-JP" dirty="0" smtClean="0"/>
+          </a:p>
+          <a:p>
+            <a:r>
+              <a:rPr kumimoji="1" lang="ja-JP" altLang="en-US" dirty="0" smtClean="0"/>
+              <a:t>これは、</a:t>
+            </a:r>
+            <a:r>
+              <a:rPr kumimoji="1" lang="en-US" altLang="ja-JP" dirty="0" err="1" smtClean="0"/>
+              <a:t>SuiteRec</a:t>
+            </a:r>
+            <a:r>
+              <a:rPr kumimoji="1" lang="ja-JP" altLang="en-US" dirty="0" smtClean="0"/>
+              <a:t>によって推薦されたテストコードの品質が高く、被験者はそれを再利用することで品質を維持したままテストコードを作成した可能性があります。</a:t>
+            </a:r>
+            <a:endParaRPr kumimoji="1" lang="en-US" altLang="ja-JP" dirty="0" smtClean="0"/>
+          </a:p>
+          <a:p>
+            <a:endParaRPr kumimoji="1" lang="en-US" altLang="ja-JP" dirty="0" smtClean="0"/>
+          </a:p>
+          <a:p>
+            <a:r>
+              <a:rPr kumimoji="1" lang="ja-JP" altLang="en-US" dirty="0" smtClean="0"/>
+              <a:t>一方で、手作業の場合は、全体として</a:t>
             </a:r>
             <a:r>
               <a:rPr kumimoji="1" lang="en-US" altLang="ja-JP" dirty="0" smtClean="0"/>
@@ -7572,9 +7741,64 @@
             </a:r>
             <a:r>
               <a:rPr kumimoji="1" lang="ja-JP" altLang="en-US" dirty="0" smtClean="0"/>
-              <a:t>段階で評価してもらいました</a:t>
-            </a:r>
-            <a:endParaRPr kumimoji="1" lang="ja-JP" altLang="en-US" dirty="0"/>
+              <a:t>倍以上テストスメル含んでいました。</a:t>
+            </a:r>
+            <a:endParaRPr kumimoji="1" lang="en-US" altLang="ja-JP" dirty="0" smtClean="0"/>
+          </a:p>
+          <a:p>
+            <a:endParaRPr kumimoji="1" lang="en-US" altLang="ja-JP" dirty="0" smtClean="0"/>
+          </a:p>
+          <a:p>
+            <a:r>
+              <a:rPr kumimoji="1" lang="ja-JP" altLang="en-US" dirty="0" smtClean="0"/>
+              <a:t>この中でも多く含まれていたテストスメルとしてこちらの</a:t>
+            </a:r>
+            <a:r>
+              <a:rPr kumimoji="1" lang="en-US" altLang="ja-JP" dirty="0" smtClean="0"/>
+              <a:t>3</a:t>
+            </a:r>
+            <a:r>
+              <a:rPr kumimoji="1" lang="ja-JP" altLang="en-US" dirty="0" err="1" smtClean="0"/>
+              <a:t>つの</a:t>
+            </a:r>
+            <a:r>
+              <a:rPr kumimoji="1" lang="ja-JP" altLang="en-US" dirty="0" smtClean="0"/>
+              <a:t>テストスメルが挙げられます。</a:t>
+            </a:r>
+            <a:endParaRPr kumimoji="1" lang="en-US" altLang="ja-JP" dirty="0" smtClean="0"/>
+          </a:p>
+          <a:p>
+            <a:endParaRPr kumimoji="1" lang="en-US" altLang="ja-JP" dirty="0" smtClean="0"/>
+          </a:p>
+          <a:p>
+            <a:r>
+              <a:rPr kumimoji="1" lang="ja-JP" altLang="en-US" dirty="0" smtClean="0"/>
+              <a:t>実際に既存研究でも、これらのテストスメルが既存プロジェクトで多く検出されていることが報告されおり、保守活動に悪影響を与えることが分かっています。</a:t>
+            </a:r>
+            <a:endParaRPr kumimoji="1" lang="en-US" altLang="ja-JP" dirty="0" smtClean="0"/>
+          </a:p>
+          <a:p>
+            <a:endParaRPr kumimoji="1" lang="en-US" altLang="ja-JP" dirty="0" smtClean="0"/>
+          </a:p>
+          <a:p>
+            <a:r>
+              <a:rPr kumimoji="1" lang="ja-JP" altLang="en-US" dirty="0" smtClean="0"/>
+              <a:t>結果として、</a:t>
+            </a:r>
+            <a:r>
+              <a:rPr kumimoji="1" lang="en-US" altLang="ja-JP" dirty="0" smtClean="0"/>
+              <a:t>RQ3</a:t>
+            </a:r>
+            <a:r>
+              <a:rPr kumimoji="1" lang="ja-JP" altLang="en-US" dirty="0" smtClean="0"/>
+              <a:t>では開発者は、推薦される高品質のテストコードを参考にすることで品質の高いテストコードを作成できることが分かりました。</a:t>
+            </a:r>
+          </a:p>
+          <a:p>
+            <a:endParaRPr kumimoji="1" lang="en-US" altLang="ja-JP" dirty="0" smtClean="0"/>
+          </a:p>
+          <a:p>
+            <a:endParaRPr kumimoji="1" lang="en-US" altLang="ja-JP" dirty="0" smtClean="0"/>
           </a:p>
         </p:txBody>
       </p:sp>
@@ -7604,7 +7828,7 @@
     </p:spTree>
     <p:extLst>
       <p:ext uri="{BB962C8B-B14F-4D97-AF65-F5344CB8AC3E}">
-        <p14:creationId xmlns:p14="http://schemas.microsoft.com/office/powerpoint/2010/main" val="1585086635"/>
+        <p14:creationId xmlns:p14="http://schemas.microsoft.com/office/powerpoint/2010/main" val="269097852"/>
       </p:ext>
     </p:extLst>
   </p:cSld>
@@ -7838,26 +8062,12 @@
           <a:lstStyle/>
           <a:p>
             <a:r>
+              <a:rPr kumimoji="1" lang="en-US" altLang="ja-JP" dirty="0" smtClean="0"/>
+              <a:t>RQ4</a:t>
+            </a:r>
+            <a:r>
               <a:rPr kumimoji="1" lang="ja-JP" altLang="en-US" dirty="0" smtClean="0"/>
-              <a:t>こちらがアンケートの結果になります。</a:t>
-            </a:r>
-            <a:endParaRPr kumimoji="1" lang="en-US" altLang="ja-JP" dirty="0" smtClean="0"/>
-          </a:p>
-          <a:p>
-            <a:endParaRPr kumimoji="1" lang="en-US" altLang="ja-JP" dirty="0" smtClean="0"/>
-          </a:p>
-          <a:p>
-            <a:r>
-              <a:rPr kumimoji="1" lang="en-US" altLang="ja-JP" dirty="0" smtClean="0"/>
-              <a:t>1</a:t>
-            </a:r>
-            <a:r>
-              <a:rPr kumimoji="1" lang="ja-JP" altLang="en-US" dirty="0" err="1" smtClean="0"/>
-              <a:t>つの</a:t>
-            </a:r>
-            <a:r>
-              <a:rPr kumimoji="1" lang="ja-JP" altLang="en-US" dirty="0" smtClean="0"/>
-              <a:t>項目はテストコードの作成は簡単でした。という項目です。これに対して</a:t>
+              <a:t>は、</a:t>
             </a:r>
             <a:r>
               <a:rPr kumimoji="1" lang="en-US" altLang="ja-JP" dirty="0" err="1" smtClean="0"/>
@@ -7865,7 +8075,7 @@
             </a:r>
             <a:r>
               <a:rPr kumimoji="1" lang="ja-JP" altLang="en-US" dirty="0" smtClean="0"/>
-              <a:t>を利用した場合、多くの被験者がポジティブな意見を回答しました。</a:t>
+              <a:t>の利用は、開発者のテストコード作成タスクの認識にどう影響するかという質問です。</a:t>
             </a:r>
             <a:endParaRPr kumimoji="1" lang="en-US" altLang="ja-JP" dirty="0" smtClean="0"/>
           </a:p>
@@ -7875,214 +8085,27 @@
           <a:p>
             <a:r>
               <a:rPr kumimoji="1" lang="ja-JP" altLang="en-US" dirty="0" smtClean="0"/>
-              <a:t>この結果は、</a:t>
-            </a:r>
-            <a:r>
-              <a:rPr kumimoji="1" lang="en-US" altLang="ja-JP" b="1" dirty="0" err="1" smtClean="0"/>
-              <a:t>SuiteRec</a:t>
-            </a:r>
-            <a:r>
-              <a:rPr kumimoji="1" lang="ja-JP" altLang="en-US" b="1" dirty="0" smtClean="0"/>
-              <a:t>によって推薦されたテストコードがテスト項目を考える上で参考となり、テストコード作成が容易に感じた可能性があります。</a:t>
-            </a:r>
-            <a:endParaRPr kumimoji="1" lang="en-US" altLang="ja-JP" b="1" dirty="0" smtClean="0"/>
-          </a:p>
-          <a:p>
+              <a:t>この質問に答えるために、評価実験の後、被験者に対して実験タスクに関するアンケートを実施しました。</a:t>
+            </a:r>
             <a:endParaRPr kumimoji="1" lang="en-US" altLang="ja-JP" dirty="0" smtClean="0"/>
           </a:p>
           <a:p>
-            <a:pPr marL="0" marR="0" indent="0" algn="l" defTabSz="914400" rtl="0" eaLnBrk="1" fontAlgn="auto" latinLnBrk="0" hangingPunct="1">
-              <a:lnSpc>
-                <a:spcPct val="100000"/>
-              </a:lnSpc>
-              <a:spcBef>
-                <a:spcPts val="0"/>
-              </a:spcBef>
-              <a:spcAft>
-                <a:spcPts val="0"/>
-              </a:spcAft>
-              <a:buClrTx/>
-              <a:buSzTx/>
-              <a:buFontTx/>
-              <a:buNone/>
-              <a:tabLst/>
-              <a:defRPr/>
-            </a:pPr>
+            <a:endParaRPr kumimoji="1" lang="en-US" altLang="ja-JP" dirty="0" smtClean="0"/>
+          </a:p>
+          <a:p>
             <a:r>
               <a:rPr kumimoji="1" lang="ja-JP" altLang="en-US" dirty="0" smtClean="0"/>
-              <a:t>また、アンケート項目</a:t>
+              <a:t>こちらがそのアンケート項目になります。被験者はこれらの質問に対して賛成・反対を</a:t>
             </a:r>
             <a:r>
               <a:rPr kumimoji="1" lang="en-US" altLang="ja-JP" dirty="0" smtClean="0"/>
-              <a:t>2,3</a:t>
+              <a:t>5</a:t>
             </a:r>
             <a:r>
               <a:rPr kumimoji="1" lang="ja-JP" altLang="en-US" dirty="0" smtClean="0"/>
-              <a:t>から</a:t>
-            </a:r>
-            <a:r>
-              <a:rPr kumimoji="1" lang="en-US" altLang="ja-JP" dirty="0" err="1" smtClean="0"/>
-              <a:t>SuiteRec</a:t>
-            </a:r>
-            <a:r>
-              <a:rPr kumimoji="1" lang="ja-JP" altLang="en-US" dirty="0" smtClean="0"/>
-              <a:t>を使用した場合、被験者は作成したテストコードのカバレッジと品質に自信が持てることが分かりました。</a:t>
-            </a:r>
-            <a:endParaRPr kumimoji="1" lang="en-US" altLang="ja-JP" dirty="0" smtClean="0"/>
-          </a:p>
-          <a:p>
-            <a:pPr marL="0" marR="0" indent="0" algn="l" defTabSz="914400" rtl="0" eaLnBrk="1" fontAlgn="auto" latinLnBrk="0" hangingPunct="1">
-              <a:lnSpc>
-                <a:spcPct val="100000"/>
-              </a:lnSpc>
-              <a:spcBef>
-                <a:spcPts val="0"/>
-              </a:spcBef>
-              <a:spcAft>
-                <a:spcPts val="0"/>
-              </a:spcAft>
-              <a:buClrTx/>
-              <a:buSzTx/>
-              <a:buFontTx/>
-              <a:buNone/>
-              <a:tabLst/>
-              <a:defRPr/>
-            </a:pPr>
-            <a:endParaRPr kumimoji="1" lang="en-US" altLang="ja-JP" dirty="0" smtClean="0"/>
-          </a:p>
-          <a:p>
-            <a:pPr marL="0" marR="0" indent="0" algn="l" defTabSz="914400" rtl="0" eaLnBrk="1" fontAlgn="auto" latinLnBrk="0" hangingPunct="1">
-              <a:lnSpc>
-                <a:spcPct val="100000"/>
-              </a:lnSpc>
-              <a:spcBef>
-                <a:spcPts val="0"/>
-              </a:spcBef>
-              <a:spcAft>
-                <a:spcPts val="0"/>
-              </a:spcAft>
-              <a:buClrTx/>
-              <a:buSzTx/>
-              <a:buFontTx/>
-              <a:buNone/>
-              <a:tabLst/>
-              <a:defRPr/>
-            </a:pPr>
-            <a:r>
-              <a:rPr kumimoji="1" lang="ja-JP" altLang="en-US" dirty="0" smtClean="0"/>
-              <a:t>開発者が自分で作成したテストコードに自信を持つことは、重要なことで、</a:t>
-            </a:r>
-            <a:endParaRPr kumimoji="1" lang="en-US" altLang="ja-JP" dirty="0" smtClean="0"/>
-          </a:p>
-          <a:p>
-            <a:pPr marL="0" marR="0" indent="0" algn="l" defTabSz="914400" rtl="0" eaLnBrk="1" fontAlgn="auto" latinLnBrk="0" hangingPunct="1">
-              <a:lnSpc>
-                <a:spcPct val="100000"/>
-              </a:lnSpc>
-              <a:spcBef>
-                <a:spcPts val="0"/>
-              </a:spcBef>
-              <a:spcAft>
-                <a:spcPts val="0"/>
-              </a:spcAft>
-              <a:buClrTx/>
-              <a:buSzTx/>
-              <a:buFontTx/>
-              <a:buNone/>
-              <a:tabLst/>
-              <a:defRPr/>
-            </a:pPr>
-            <a:endParaRPr kumimoji="1" lang="en-US" altLang="ja-JP" dirty="0" smtClean="0"/>
-          </a:p>
-          <a:p>
-            <a:pPr marL="0" marR="0" indent="0" algn="l" defTabSz="914400" rtl="0" eaLnBrk="1" fontAlgn="auto" latinLnBrk="0" hangingPunct="1">
-              <a:lnSpc>
-                <a:spcPct val="100000"/>
-              </a:lnSpc>
-              <a:spcBef>
-                <a:spcPts val="0"/>
-              </a:spcBef>
-              <a:spcAft>
-                <a:spcPts val="0"/>
-              </a:spcAft>
-              <a:buClrTx/>
-              <a:buSzTx/>
-              <a:buFontTx/>
-              <a:buNone/>
-              <a:tabLst/>
-              <a:defRPr/>
-            </a:pPr>
-            <a:r>
-              <a:rPr kumimoji="1" lang="ja-JP" altLang="en-US" dirty="0" smtClean="0"/>
-              <a:t>自分の作成したコードに責任を持ち、不安なくソフトウェアをユーザに提供することはソフトウェアテストの目的の</a:t>
-            </a:r>
-            <a:r>
-              <a:rPr kumimoji="1" lang="en-US" altLang="ja-JP" dirty="0" smtClean="0"/>
-              <a:t>1</a:t>
-            </a:r>
-            <a:r>
-              <a:rPr kumimoji="1" lang="ja-JP" altLang="en-US" dirty="0" smtClean="0"/>
-              <a:t>つです。</a:t>
-            </a:r>
-            <a:endParaRPr kumimoji="1" lang="en-US" altLang="ja-JP" dirty="0" smtClean="0"/>
-          </a:p>
-          <a:p>
-            <a:endParaRPr kumimoji="1" lang="en-US" altLang="ja-JP" dirty="0" smtClean="0"/>
-          </a:p>
-          <a:p>
-            <a:pPr marL="0" marR="0" indent="0" algn="l" defTabSz="914400" rtl="0" eaLnBrk="1" fontAlgn="auto" latinLnBrk="0" hangingPunct="1">
-              <a:lnSpc>
-                <a:spcPct val="100000"/>
-              </a:lnSpc>
-              <a:spcBef>
-                <a:spcPts val="0"/>
-              </a:spcBef>
-              <a:spcAft>
-                <a:spcPts val="0"/>
-              </a:spcAft>
-              <a:buClrTx/>
-              <a:buSzTx/>
-              <a:buFontTx/>
-              <a:buNone/>
-              <a:tabLst/>
-              <a:defRPr/>
-            </a:pPr>
-            <a:r>
-              <a:rPr kumimoji="1" lang="ja-JP" altLang="en-US" dirty="0" smtClean="0"/>
-              <a:t>全体として、リサーチクエスチョン</a:t>
-            </a:r>
-            <a:r>
-              <a:rPr kumimoji="1" lang="en-US" altLang="ja-JP" dirty="0" smtClean="0"/>
-              <a:t>4</a:t>
-            </a:r>
-            <a:r>
-              <a:rPr kumimoji="1" lang="ja-JP" altLang="en-US" dirty="0" smtClean="0"/>
-              <a:t>では、</a:t>
-            </a:r>
-            <a:r>
-              <a:rPr lang="ja-JP" altLang="en-US" sz="1200" dirty="0" smtClean="0">
-                <a:latin typeface="メイリオ" panose="020B0604030504040204" pitchFamily="50" charset="-128"/>
-                <a:ea typeface="メイリオ" panose="020B0604030504040204" pitchFamily="50" charset="-128"/>
-              </a:rPr>
-              <a:t>開発者はテスト作成タスクを容易だと認識し、作成したテストコードに自信が持てることが分かりました。</a:t>
-            </a:r>
-            <a:endParaRPr kumimoji="1" lang="en-US" altLang="ja-JP" dirty="0" smtClean="0"/>
-          </a:p>
-          <a:p>
-            <a:endParaRPr kumimoji="1" lang="en-US" altLang="ja-JP" dirty="0" smtClean="0"/>
-          </a:p>
-          <a:p>
-            <a:r>
-              <a:rPr kumimoji="1" lang="ja-JP" altLang="en-US" dirty="0" smtClean="0"/>
-              <a:t>最後にまとめです</a:t>
-            </a:r>
-            <a:endParaRPr kumimoji="1" lang="en-US" altLang="ja-JP" dirty="0" smtClean="0"/>
-          </a:p>
-          <a:p>
-            <a:endParaRPr kumimoji="1" lang="en-US" altLang="ja-JP" dirty="0" smtClean="0"/>
-          </a:p>
-          <a:p>
-            <a:endParaRPr kumimoji="1" lang="en-US" altLang="ja-JP" dirty="0" smtClean="0"/>
+              <a:t>段階で評価してもらいました</a:t>
+            </a:r>
+            <a:endParaRPr kumimoji="1" lang="ja-JP" altLang="en-US" dirty="0"/>
           </a:p>
         </p:txBody>
       </p:sp>
@@ -8112,7 +8135,7 @@
     </p:spTree>
     <p:extLst>
       <p:ext uri="{BB962C8B-B14F-4D97-AF65-F5344CB8AC3E}">
-        <p14:creationId xmlns:p14="http://schemas.microsoft.com/office/powerpoint/2010/main" val="4257651411"/>
+        <p14:creationId xmlns:p14="http://schemas.microsoft.com/office/powerpoint/2010/main" val="1585086635"/>
       </p:ext>
     </p:extLst>
   </p:cSld>
@@ -8168,45 +8191,7 @@
           <a:p>
             <a:r>
               <a:rPr kumimoji="1" lang="ja-JP" altLang="en-US" dirty="0" smtClean="0"/>
-              <a:t>最後に、まとめと今後の課題です。</a:t>
-            </a:r>
-            <a:endParaRPr kumimoji="1" lang="en-US" altLang="ja-JP" dirty="0" smtClean="0"/>
-          </a:p>
-          <a:p>
-            <a:endParaRPr kumimoji="1" lang="en-US" altLang="ja-JP" dirty="0" smtClean="0"/>
-          </a:p>
-          <a:p>
-            <a:r>
-              <a:rPr kumimoji="1" lang="ja-JP" altLang="en-US" dirty="0" smtClean="0"/>
-              <a:t>本研究では、類似コード検出技術を用いて、既存の高品質のテストコードを推薦するツールを提案しました。</a:t>
-            </a:r>
-            <a:endParaRPr kumimoji="1" lang="en-US" altLang="ja-JP" dirty="0" smtClean="0"/>
-          </a:p>
-          <a:p>
-            <a:endParaRPr kumimoji="1" lang="en-US" altLang="ja-JP" dirty="0" smtClean="0"/>
-          </a:p>
-          <a:p>
-            <a:r>
-              <a:rPr kumimoji="1" lang="ja-JP" altLang="en-US" dirty="0" smtClean="0"/>
-              <a:t>また、評価実験では提案ツールが、開発者の高品質なテストコード作成を支援できることを確認しました</a:t>
-            </a:r>
-            <a:endParaRPr kumimoji="1" lang="en-US" altLang="ja-JP" dirty="0" smtClean="0"/>
-          </a:p>
-          <a:p>
-            <a:endParaRPr kumimoji="1" lang="en-US" altLang="ja-JP" dirty="0" smtClean="0"/>
-          </a:p>
-          <a:p>
-            <a:r>
-              <a:rPr kumimoji="1" lang="ja-JP" altLang="en-US" dirty="0" smtClean="0"/>
-              <a:t>今後の課題として、以下の</a:t>
-            </a:r>
-            <a:r>
-              <a:rPr kumimoji="1" lang="en-US" altLang="ja-JP" dirty="0" smtClean="0"/>
-              <a:t>3</a:t>
-            </a:r>
-            <a:r>
-              <a:rPr kumimoji="1" lang="ja-JP" altLang="en-US" dirty="0" smtClean="0"/>
-              <a:t>つが挙げられます</a:t>
+              <a:t>こちらがアンケートの結果になります。</a:t>
             </a:r>
             <a:endParaRPr kumimoji="1" lang="en-US" altLang="ja-JP" dirty="0" smtClean="0"/>
           </a:p>
@@ -8219,8 +8204,20 @@
               <a:t>1</a:t>
             </a:r>
             <a:r>
+              <a:rPr kumimoji="1" lang="ja-JP" altLang="en-US" dirty="0" err="1" smtClean="0"/>
+              <a:t>つの</a:t>
+            </a:r>
+            <a:r>
               <a:rPr kumimoji="1" lang="ja-JP" altLang="en-US" dirty="0" smtClean="0"/>
-              <a:t>つ目は、提案ツールのより実用的な利用に備えてツールを改善していく必要があることです。具体的には、自動編集機能などを考えています。</a:t>
+              <a:t>項目はテストコードの作成は簡単でした。という項目です。これに対して</a:t>
+            </a:r>
+            <a:r>
+              <a:rPr kumimoji="1" lang="en-US" altLang="ja-JP" dirty="0" err="1" smtClean="0"/>
+              <a:t>SuiteRec</a:t>
+            </a:r>
+            <a:r>
+              <a:rPr kumimoji="1" lang="ja-JP" altLang="en-US" dirty="0" smtClean="0"/>
+              <a:t>を利用した場合、多くの被験者がポジティブな意見を回答しました。</a:t>
             </a:r>
             <a:endParaRPr kumimoji="1" lang="en-US" altLang="ja-JP" dirty="0" smtClean="0"/>
           </a:p>
@@ -8230,25 +8227,154 @@
           <a:p>
             <a:r>
               <a:rPr kumimoji="1" lang="ja-JP" altLang="en-US" dirty="0" smtClean="0"/>
-              <a:t>次に、提案ツールの有意性を検討するには被験者数を増やした更なる実験が必要です。</a:t>
-            </a:r>
+              <a:t>この結果は、</a:t>
+            </a:r>
+            <a:r>
+              <a:rPr kumimoji="1" lang="en-US" altLang="ja-JP" b="1" dirty="0" err="1" smtClean="0"/>
+              <a:t>SuiteRec</a:t>
+            </a:r>
+            <a:r>
+              <a:rPr kumimoji="1" lang="ja-JP" altLang="en-US" b="1" dirty="0" smtClean="0"/>
+              <a:t>によって推薦されたテストコードがテスト項目を考える上で参考となり、テストコード作成が容易に感じた可能性があります。</a:t>
+            </a:r>
+            <a:endParaRPr kumimoji="1" lang="en-US" altLang="ja-JP" b="1" dirty="0" smtClean="0"/>
+          </a:p>
+          <a:p>
             <a:endParaRPr kumimoji="1" lang="en-US" altLang="ja-JP" dirty="0" smtClean="0"/>
           </a:p>
           <a:p>
+            <a:pPr marL="0" marR="0" indent="0" algn="l" defTabSz="914400" rtl="0" eaLnBrk="1" fontAlgn="auto" latinLnBrk="0" hangingPunct="1">
+              <a:lnSpc>
+                <a:spcPct val="100000"/>
+              </a:lnSpc>
+              <a:spcBef>
+                <a:spcPts val="0"/>
+              </a:spcBef>
+              <a:spcAft>
+                <a:spcPts val="0"/>
+              </a:spcAft>
+              <a:buClrTx/>
+              <a:buSzTx/>
+              <a:buFontTx/>
+              <a:buNone/>
+              <a:tabLst/>
+              <a:defRPr/>
+            </a:pPr>
+            <a:r>
+              <a:rPr kumimoji="1" lang="ja-JP" altLang="en-US" dirty="0" smtClean="0"/>
+              <a:t>また、アンケート項目</a:t>
+            </a:r>
+            <a:r>
+              <a:rPr kumimoji="1" lang="en-US" altLang="ja-JP" dirty="0" smtClean="0"/>
+              <a:t>2,3</a:t>
+            </a:r>
+            <a:r>
+              <a:rPr kumimoji="1" lang="ja-JP" altLang="en-US" dirty="0" smtClean="0"/>
+              <a:t>から</a:t>
+            </a:r>
+            <a:r>
+              <a:rPr kumimoji="1" lang="en-US" altLang="ja-JP" dirty="0" err="1" smtClean="0"/>
+              <a:t>SuiteRec</a:t>
+            </a:r>
+            <a:r>
+              <a:rPr kumimoji="1" lang="ja-JP" altLang="en-US" dirty="0" smtClean="0"/>
+              <a:t>を使用した場合、被験者は作成したテストコードのカバレッジと品質に自信が持てることが分かりました。</a:t>
+            </a:r>
             <a:endParaRPr kumimoji="1" lang="en-US" altLang="ja-JP" dirty="0" smtClean="0"/>
           </a:p>
           <a:p>
+            <a:pPr marL="0" marR="0" indent="0" algn="l" defTabSz="914400" rtl="0" eaLnBrk="1" fontAlgn="auto" latinLnBrk="0" hangingPunct="1">
+              <a:lnSpc>
+                <a:spcPct val="100000"/>
+              </a:lnSpc>
+              <a:spcBef>
+                <a:spcPts val="0"/>
+              </a:spcBef>
+              <a:spcAft>
+                <a:spcPts val="0"/>
+              </a:spcAft>
+              <a:buClrTx/>
+              <a:buSzTx/>
+              <a:buFontTx/>
+              <a:buNone/>
+              <a:tabLst/>
+              <a:defRPr/>
+            </a:pPr>
+            <a:endParaRPr kumimoji="1" lang="en-US" altLang="ja-JP" dirty="0" smtClean="0"/>
+          </a:p>
+          <a:p>
+            <a:pPr marL="0" marR="0" indent="0" algn="l" defTabSz="914400" rtl="0" eaLnBrk="1" fontAlgn="auto" latinLnBrk="0" hangingPunct="1">
+              <a:lnSpc>
+                <a:spcPct val="100000"/>
+              </a:lnSpc>
+              <a:spcBef>
+                <a:spcPts val="0"/>
+              </a:spcBef>
+              <a:spcAft>
+                <a:spcPts val="0"/>
+              </a:spcAft>
+              <a:buClrTx/>
+              <a:buSzTx/>
+              <a:buFontTx/>
+              <a:buNone/>
+              <a:tabLst/>
+              <a:defRPr/>
+            </a:pPr>
             <a:r>
               <a:rPr kumimoji="1" lang="ja-JP" altLang="en-US" dirty="0" smtClean="0"/>
-              <a:t>最後に、提案ツールでは類似コード検出ツールとして</a:t>
+              <a:t>開発者が自分で作成したテストコードに自信を持つことは、重要なことで、</a:t>
+            </a:r>
+            <a:endParaRPr kumimoji="1" lang="en-US" altLang="ja-JP" dirty="0" smtClean="0"/>
+          </a:p>
+          <a:p>
+            <a:pPr marL="0" marR="0" indent="0" algn="l" defTabSz="914400" rtl="0" eaLnBrk="1" fontAlgn="auto" latinLnBrk="0" hangingPunct="1">
+              <a:lnSpc>
+                <a:spcPct val="100000"/>
+              </a:lnSpc>
+              <a:spcBef>
+                <a:spcPts val="0"/>
+              </a:spcBef>
+              <a:spcAft>
+                <a:spcPts val="0"/>
+              </a:spcAft>
+              <a:buClrTx/>
+              <a:buSzTx/>
+              <a:buFontTx/>
+              <a:buNone/>
+              <a:tabLst/>
+              <a:defRPr/>
+            </a:pPr>
+            <a:endParaRPr kumimoji="1" lang="en-US" altLang="ja-JP" dirty="0" smtClean="0"/>
+          </a:p>
+          <a:p>
+            <a:pPr marL="0" marR="0" indent="0" algn="l" defTabSz="914400" rtl="0" eaLnBrk="1" fontAlgn="auto" latinLnBrk="0" hangingPunct="1">
+              <a:lnSpc>
+                <a:spcPct val="100000"/>
+              </a:lnSpc>
+              <a:spcBef>
+                <a:spcPts val="0"/>
+              </a:spcBef>
+              <a:spcAft>
+                <a:spcPts val="0"/>
+              </a:spcAft>
+              <a:buClrTx/>
+              <a:buSzTx/>
+              <a:buFontTx/>
+              <a:buNone/>
+              <a:tabLst/>
+              <a:defRPr/>
+            </a:pPr>
+            <a:r>
+              <a:rPr kumimoji="1" lang="ja-JP" altLang="en-US" dirty="0" smtClean="0"/>
+              <a:t>自分の作成したコードに責任を持ち、不安なくソフトウェアをユーザに提供することはソフトウェアテストの目的の</a:t>
             </a:r>
             <a:r>
               <a:rPr kumimoji="1" lang="en-US" altLang="ja-JP" dirty="0" smtClean="0"/>
-              <a:t>NiCad</a:t>
+              <a:t>1</a:t>
             </a:r>
             <a:r>
               <a:rPr kumimoji="1" lang="ja-JP" altLang="en-US" dirty="0" smtClean="0"/>
-              <a:t>を使用しましたが、</a:t>
+              <a:t>つです。</a:t>
             </a:r>
             <a:endParaRPr kumimoji="1" lang="en-US" altLang="ja-JP" dirty="0" smtClean="0"/>
           </a:p>
@@ -8256,17 +8382,41 @@
             <a:endParaRPr kumimoji="1" lang="en-US" altLang="ja-JP" dirty="0" smtClean="0"/>
           </a:p>
           <a:p>
+            <a:pPr marL="0" marR="0" indent="0" algn="l" defTabSz="914400" rtl="0" eaLnBrk="1" fontAlgn="auto" latinLnBrk="0" hangingPunct="1">
+              <a:lnSpc>
+                <a:spcPct val="100000"/>
+              </a:lnSpc>
+              <a:spcBef>
+                <a:spcPts val="0"/>
+              </a:spcBef>
+              <a:spcAft>
+                <a:spcPts val="0"/>
+              </a:spcAft>
+              <a:buClrTx/>
+              <a:buSzTx/>
+              <a:buFontTx/>
+              <a:buNone/>
+              <a:tabLst/>
+              <a:defRPr/>
+            </a:pPr>
+            <a:r>
+              <a:rPr kumimoji="1" lang="ja-JP" altLang="en-US" dirty="0" smtClean="0"/>
+              <a:t>全体として、リサーチクエスチョン</a:t>
+            </a:r>
             <a:r>
               <a:rPr kumimoji="1" lang="en-US" altLang="ja-JP" dirty="0" smtClean="0"/>
-              <a:t>NiCad</a:t>
-            </a:r>
-            <a:r>
-              <a:rPr kumimoji="1" lang="ja-JP" altLang="en-US" dirty="0" err="1" smtClean="0"/>
-              <a:t>だけ</a:t>
+              <a:t>4</a:t>
             </a:r>
             <a:r>
               <a:rPr kumimoji="1" lang="ja-JP" altLang="en-US" dirty="0" smtClean="0"/>
-              <a:t>では検出できる類似コードに限りがあるので、今後他のツールにも対応させ検出できる類似コードの幅を広げることを考えています。</a:t>
+              <a:t>では、</a:t>
+            </a:r>
+            <a:r>
+              <a:rPr lang="ja-JP" altLang="en-US" sz="1200" dirty="0" smtClean="0">
+                <a:latin typeface="メイリオ" panose="020B0604030504040204" pitchFamily="50" charset="-128"/>
+                <a:ea typeface="メイリオ" panose="020B0604030504040204" pitchFamily="50" charset="-128"/>
+              </a:rPr>
+              <a:t>開発者はテスト作成タスクを容易だと認識し、作成したテストコードに自信が持てることが分かりました。</a:t>
             </a:r>
             <a:endParaRPr kumimoji="1" lang="en-US" altLang="ja-JP" dirty="0" smtClean="0"/>
           </a:p>
@@ -8276,8 +8426,14 @@
           <a:p>
             <a:r>
               <a:rPr kumimoji="1" lang="ja-JP" altLang="en-US" dirty="0" smtClean="0"/>
-              <a:t>以上で発表を終わります。どうもありがとうございました。</a:t>
-            </a:r>
+              <a:t>最後にまとめです</a:t>
+            </a:r>
+            <a:endParaRPr kumimoji="1" lang="en-US" altLang="ja-JP" dirty="0" smtClean="0"/>
+          </a:p>
+          <a:p>
+            <a:endParaRPr kumimoji="1" lang="en-US" altLang="ja-JP" dirty="0" smtClean="0"/>
+          </a:p>
+          <a:p>
             <a:endParaRPr kumimoji="1" lang="en-US" altLang="ja-JP" dirty="0" smtClean="0"/>
           </a:p>
         </p:txBody>
@@ -8308,7 +8464,7 @@
     </p:spTree>
     <p:extLst>
       <p:ext uri="{BB962C8B-B14F-4D97-AF65-F5344CB8AC3E}">
-        <p14:creationId xmlns:p14="http://schemas.microsoft.com/office/powerpoint/2010/main" val="2484051218"/>
+        <p14:creationId xmlns:p14="http://schemas.microsoft.com/office/powerpoint/2010/main" val="4257651411"/>
       </p:ext>
     </p:extLst>
   </p:cSld>
@@ -8362,7 +8518,119 @@
           <a:bodyPr/>
           <a:lstStyle/>
           <a:p>
-            <a:endParaRPr kumimoji="1" lang="ja-JP" altLang="en-US" dirty="0"/>
+            <a:r>
+              <a:rPr kumimoji="1" lang="ja-JP" altLang="en-US" dirty="0" smtClean="0"/>
+              <a:t>最後に、まとめと今後の課題です。</a:t>
+            </a:r>
+            <a:endParaRPr kumimoji="1" lang="en-US" altLang="ja-JP" dirty="0" smtClean="0"/>
+          </a:p>
+          <a:p>
+            <a:endParaRPr kumimoji="1" lang="en-US" altLang="ja-JP" dirty="0" smtClean="0"/>
+          </a:p>
+          <a:p>
+            <a:r>
+              <a:rPr kumimoji="1" lang="ja-JP" altLang="en-US" dirty="0" smtClean="0"/>
+              <a:t>本研究では、類似コード検出技術を用いて、既存の高品質のテストコードを推薦するツールを提案しました。</a:t>
+            </a:r>
+            <a:endParaRPr kumimoji="1" lang="en-US" altLang="ja-JP" dirty="0" smtClean="0"/>
+          </a:p>
+          <a:p>
+            <a:endParaRPr kumimoji="1" lang="en-US" altLang="ja-JP" dirty="0" smtClean="0"/>
+          </a:p>
+          <a:p>
+            <a:r>
+              <a:rPr kumimoji="1" lang="ja-JP" altLang="en-US" dirty="0" smtClean="0"/>
+              <a:t>また、評価実験では提案ツールが、開発者の高品質なテストコード作成を支援できることを確認しました</a:t>
+            </a:r>
+            <a:endParaRPr kumimoji="1" lang="en-US" altLang="ja-JP" dirty="0" smtClean="0"/>
+          </a:p>
+          <a:p>
+            <a:endParaRPr kumimoji="1" lang="en-US" altLang="ja-JP" dirty="0" smtClean="0"/>
+          </a:p>
+          <a:p>
+            <a:r>
+              <a:rPr kumimoji="1" lang="ja-JP" altLang="en-US" dirty="0" smtClean="0"/>
+              <a:t>今後の課題として、以下の</a:t>
+            </a:r>
+            <a:r>
+              <a:rPr kumimoji="1" lang="en-US" altLang="ja-JP" dirty="0" smtClean="0"/>
+              <a:t>3</a:t>
+            </a:r>
+            <a:r>
+              <a:rPr kumimoji="1" lang="ja-JP" altLang="en-US" dirty="0" smtClean="0"/>
+              <a:t>つが挙げられます</a:t>
+            </a:r>
+            <a:endParaRPr kumimoji="1" lang="en-US" altLang="ja-JP" dirty="0" smtClean="0"/>
+          </a:p>
+          <a:p>
+            <a:endParaRPr kumimoji="1" lang="en-US" altLang="ja-JP" dirty="0" smtClean="0"/>
+          </a:p>
+          <a:p>
+            <a:r>
+              <a:rPr kumimoji="1" lang="en-US" altLang="ja-JP" dirty="0" smtClean="0"/>
+              <a:t>1</a:t>
+            </a:r>
+            <a:r>
+              <a:rPr kumimoji="1" lang="ja-JP" altLang="en-US" dirty="0" smtClean="0"/>
+              <a:t>つ目は、提案ツールのより実用的な利用に備えてツールを改善していく必要があることです。具体的には、自動編集機能などを考えています。</a:t>
+            </a:r>
+            <a:endParaRPr kumimoji="1" lang="en-US" altLang="ja-JP" dirty="0" smtClean="0"/>
+          </a:p>
+          <a:p>
+            <a:endParaRPr kumimoji="1" lang="en-US" altLang="ja-JP" dirty="0" smtClean="0"/>
+          </a:p>
+          <a:p>
+            <a:r>
+              <a:rPr kumimoji="1" lang="ja-JP" altLang="en-US" dirty="0" smtClean="0"/>
+              <a:t>次に、提案ツールの有意性を検討するには被験者数を増やした更なる実験が必要です。</a:t>
+            </a:r>
+            <a:endParaRPr kumimoji="1" lang="en-US" altLang="ja-JP" dirty="0" smtClean="0"/>
+          </a:p>
+          <a:p>
+            <a:endParaRPr kumimoji="1" lang="en-US" altLang="ja-JP" dirty="0" smtClean="0"/>
+          </a:p>
+          <a:p>
+            <a:r>
+              <a:rPr kumimoji="1" lang="ja-JP" altLang="en-US" dirty="0" smtClean="0"/>
+              <a:t>最後に、提案ツールでは類似コード検出ツールとして</a:t>
+            </a:r>
+            <a:r>
+              <a:rPr kumimoji="1" lang="en-US" altLang="ja-JP" dirty="0" smtClean="0"/>
+              <a:t>NiCad</a:t>
+            </a:r>
+            <a:r>
+              <a:rPr kumimoji="1" lang="ja-JP" altLang="en-US" dirty="0" smtClean="0"/>
+              <a:t>を使用しましたが、</a:t>
+            </a:r>
+            <a:endParaRPr kumimoji="1" lang="en-US" altLang="ja-JP" dirty="0" smtClean="0"/>
+          </a:p>
+          <a:p>
+            <a:endParaRPr kumimoji="1" lang="en-US" altLang="ja-JP" dirty="0" smtClean="0"/>
+          </a:p>
+          <a:p>
+            <a:r>
+              <a:rPr kumimoji="1" lang="en-US" altLang="ja-JP" dirty="0" smtClean="0"/>
+              <a:t>NiCad</a:t>
+            </a:r>
+            <a:r>
+              <a:rPr kumimoji="1" lang="ja-JP" altLang="en-US" dirty="0" err="1" smtClean="0"/>
+              <a:t>だけ</a:t>
+            </a:r>
+            <a:r>
+              <a:rPr kumimoji="1" lang="ja-JP" altLang="en-US" dirty="0" smtClean="0"/>
+              <a:t>では検出できる類似コードに限りがあるので、今後他のツールにも対応させ検出できる類似コードの幅を広げることを考えています。</a:t>
+            </a:r>
+            <a:endParaRPr kumimoji="1" lang="en-US" altLang="ja-JP" dirty="0" smtClean="0"/>
+          </a:p>
+          <a:p>
+            <a:endParaRPr kumimoji="1" lang="en-US" altLang="ja-JP" dirty="0" smtClean="0"/>
+          </a:p>
+          <a:p>
+            <a:r>
+              <a:rPr kumimoji="1" lang="ja-JP" altLang="en-US" dirty="0" smtClean="0"/>
+              <a:t>以上で発表を終わります。どうもありがとうございました。</a:t>
+            </a:r>
+            <a:endParaRPr kumimoji="1" lang="en-US" altLang="ja-JP" dirty="0" smtClean="0"/>
           </a:p>
         </p:txBody>
       </p:sp>
@@ -8392,7 +8660,7 @@
     </p:spTree>
     <p:extLst>
       <p:ext uri="{BB962C8B-B14F-4D97-AF65-F5344CB8AC3E}">
-        <p14:creationId xmlns:p14="http://schemas.microsoft.com/office/powerpoint/2010/main" val="1502547100"/>
+        <p14:creationId xmlns:p14="http://schemas.microsoft.com/office/powerpoint/2010/main" val="2484051218"/>
       </p:ext>
     </p:extLst>
   </p:cSld>
@@ -8446,130 +8714,6 @@
           <a:bodyPr/>
           <a:lstStyle/>
           <a:p>
-            <a:r>
-              <a:rPr kumimoji="1" lang="ja-JP" altLang="en-US" dirty="0" smtClean="0"/>
-              <a:t>実際に、これまでの</a:t>
-            </a:r>
-            <a:r>
-              <a:rPr kumimoji="1" lang="en-US" altLang="ja-JP" dirty="0" smtClean="0"/>
-              <a:t>4</a:t>
-            </a:r>
-            <a:r>
-              <a:rPr kumimoji="1" lang="ja-JP" altLang="en-US" dirty="0" err="1" smtClean="0"/>
-              <a:t>つの</a:t>
-            </a:r>
-            <a:r>
-              <a:rPr kumimoji="1" lang="en-US" altLang="ja-JP" dirty="0" smtClean="0"/>
-              <a:t>Step</a:t>
-            </a:r>
-            <a:r>
-              <a:rPr kumimoji="1" lang="ja-JP" altLang="en-US" dirty="0" smtClean="0"/>
-              <a:t>を通してテストコードを推薦すると多くの時間がかかってしまうので、推薦プロセスを高速化する工夫をしています。</a:t>
-            </a:r>
-            <a:endParaRPr kumimoji="1" lang="en-US" altLang="ja-JP" dirty="0" smtClean="0"/>
-          </a:p>
-          <a:p>
-            <a:endParaRPr kumimoji="1" lang="en-US" altLang="ja-JP" dirty="0" smtClean="0"/>
-          </a:p>
-          <a:p>
-            <a:r>
-              <a:rPr kumimoji="1" lang="ja-JP" altLang="en-US" dirty="0" smtClean="0"/>
-              <a:t>具体的には、大きく二つのことをやっています。</a:t>
-            </a:r>
-            <a:endParaRPr kumimoji="1" lang="en-US" altLang="ja-JP" dirty="0" smtClean="0"/>
-          </a:p>
-          <a:p>
-            <a:endParaRPr kumimoji="1" lang="en-US" altLang="ja-JP" dirty="0" smtClean="0"/>
-          </a:p>
-          <a:p>
-            <a:r>
-              <a:rPr kumimoji="1" lang="en-US" altLang="ja-JP" dirty="0" smtClean="0"/>
-              <a:t>1</a:t>
-            </a:r>
-            <a:r>
-              <a:rPr kumimoji="1" lang="ja-JP" altLang="en-US" dirty="0" smtClean="0"/>
-              <a:t>つは、</a:t>
-            </a:r>
-            <a:r>
-              <a:rPr kumimoji="1" lang="en-US" altLang="ja-JP" dirty="0" smtClean="0"/>
-              <a:t>Step1</a:t>
-            </a:r>
-            <a:r>
-              <a:rPr kumimoji="1" lang="ja-JP" altLang="en-US" dirty="0" smtClean="0"/>
-              <a:t>の類似コード検索を複数並列に実行したことです。本研究で使用した</a:t>
-            </a:r>
-            <a:r>
-              <a:rPr kumimoji="1" lang="en-US" altLang="ja-JP" dirty="0" err="1" smtClean="0"/>
-              <a:t>Nicad</a:t>
-            </a:r>
-            <a:r>
-              <a:rPr kumimoji="1" lang="ja-JP" altLang="en-US" dirty="0" smtClean="0"/>
-              <a:t>は一度に検索できるプロジェクトのサイズに限りがあります。</a:t>
-            </a:r>
-            <a:endParaRPr kumimoji="1" lang="en-US" altLang="ja-JP" dirty="0" smtClean="0"/>
-          </a:p>
-          <a:p>
-            <a:endParaRPr kumimoji="1" lang="en-US" altLang="ja-JP" dirty="0" smtClean="0"/>
-          </a:p>
-          <a:p>
-            <a:r>
-              <a:rPr kumimoji="1" lang="ja-JP" altLang="en-US" dirty="0" smtClean="0"/>
-              <a:t>そこで、前処理としてプロジェクトのサイズを調整してデータベースに格納し、検索処理を複数のプロジェクトに対して並列して実行することで検索時間を短縮しました。</a:t>
-            </a:r>
-            <a:endParaRPr kumimoji="1" lang="en-US" altLang="ja-JP" dirty="0" smtClean="0"/>
-          </a:p>
-          <a:p>
-            <a:endParaRPr kumimoji="1" lang="en-US" altLang="ja-JP" dirty="0" smtClean="0"/>
-          </a:p>
-          <a:p>
-            <a:r>
-              <a:rPr kumimoji="1" lang="en-US" altLang="ja-JP" dirty="0" smtClean="0"/>
-              <a:t>2</a:t>
-            </a:r>
-            <a:r>
-              <a:rPr kumimoji="1" lang="ja-JP" altLang="en-US" dirty="0" smtClean="0"/>
-              <a:t>つ目は</a:t>
-            </a:r>
-            <a:r>
-              <a:rPr kumimoji="1" lang="en-US" altLang="ja-JP" dirty="0" smtClean="0"/>
-              <a:t>Step3</a:t>
-            </a:r>
-            <a:r>
-              <a:rPr kumimoji="1" lang="ja-JP" altLang="en-US" dirty="0" smtClean="0"/>
-              <a:t>のテストスメルを検出する処理を短縮化です。</a:t>
-            </a:r>
-            <a:r>
-              <a:rPr kumimoji="1" lang="en-US" altLang="ja-JP" dirty="0" smtClean="0"/>
-              <a:t>Step3</a:t>
-            </a:r>
-            <a:r>
-              <a:rPr kumimoji="1" lang="ja-JP" altLang="en-US" dirty="0" smtClean="0"/>
-              <a:t>を短縮化するために事前にテストスメルの検出を行い、検出されたテストスメルの情報をテストコードに紐づけてテストコードデータベースに格納しました。</a:t>
-            </a:r>
-            <a:endParaRPr kumimoji="1" lang="en-US" altLang="ja-JP" dirty="0" smtClean="0"/>
-          </a:p>
-          <a:p>
-            <a:endParaRPr kumimoji="1" lang="en-US" altLang="ja-JP" dirty="0" smtClean="0"/>
-          </a:p>
-          <a:p>
-            <a:r>
-              <a:rPr kumimoji="1" lang="ja-JP" altLang="en-US" dirty="0" smtClean="0"/>
-              <a:t>このように事前に前処理を行っておくことで、</a:t>
-            </a:r>
-            <a:r>
-              <a:rPr kumimoji="1" lang="en-US" altLang="ja-JP" dirty="0" err="1" smtClean="0"/>
-              <a:t>SuiteRec</a:t>
-            </a:r>
-            <a:r>
-              <a:rPr kumimoji="1" lang="ja-JP" altLang="en-US" dirty="0" smtClean="0"/>
-              <a:t>は推薦プロセスの高速化を実現しました。</a:t>
-            </a:r>
-            <a:endParaRPr kumimoji="1" lang="en-US" altLang="ja-JP" dirty="0" smtClean="0"/>
-          </a:p>
-          <a:p>
-            <a:endParaRPr kumimoji="1" lang="en-US" altLang="ja-JP" dirty="0" smtClean="0"/>
-          </a:p>
-          <a:p>
             <a:endParaRPr kumimoji="1" lang="ja-JP" altLang="en-US" dirty="0"/>
           </a:p>
         </p:txBody>
@@ -8591,7 +8735,7 @@
           <a:p>
             <a:fld id="{A375FAFC-A5AB-4FEC-AA23-92E34682EFAF}" type="slidenum">
               <a:rPr kumimoji="1" lang="ja-JP" altLang="en-US" smtClean="0"/>
-              <a:t>24</a:t>
+              <a:t>23</a:t>
             </a:fld>
             <a:endParaRPr kumimoji="1" lang="ja-JP" altLang="en-US"/>
           </a:p>
@@ -8600,7 +8744,7 @@
     </p:spTree>
     <p:extLst>
       <p:ext uri="{BB962C8B-B14F-4D97-AF65-F5344CB8AC3E}">
-        <p14:creationId xmlns:p14="http://schemas.microsoft.com/office/powerpoint/2010/main" val="1580538660"/>
+        <p14:creationId xmlns:p14="http://schemas.microsoft.com/office/powerpoint/2010/main" val="1502547100"/>
       </p:ext>
     </p:extLst>
   </p:cSld>
@@ -8656,15 +8800,113 @@
           <a:p>
             <a:r>
               <a:rPr kumimoji="1" lang="ja-JP" altLang="en-US" dirty="0" smtClean="0"/>
-              <a:t>次に</a:t>
+              <a:t>実際に、これまでの</a:t>
             </a:r>
             <a:r>
               <a:rPr kumimoji="1" lang="en-US" altLang="ja-JP" dirty="0" smtClean="0"/>
-              <a:t>RQ2</a:t>
+              <a:t>4</a:t>
+            </a:r>
+            <a:r>
+              <a:rPr kumimoji="1" lang="ja-JP" altLang="en-US" dirty="0" err="1" smtClean="0"/>
+              <a:t>つの</a:t>
+            </a:r>
+            <a:r>
+              <a:rPr kumimoji="1" lang="en-US" altLang="ja-JP" dirty="0" smtClean="0"/>
+              <a:t>Step</a:t>
             </a:r>
             <a:r>
               <a:rPr kumimoji="1" lang="ja-JP" altLang="en-US" dirty="0" smtClean="0"/>
-              <a:t>は、</a:t>
+              <a:t>を通してテストコードを推薦すると多くの時間がかかってしまうので、推薦プロセスを高速化する工夫をしています。</a:t>
+            </a:r>
+            <a:endParaRPr kumimoji="1" lang="en-US" altLang="ja-JP" dirty="0" smtClean="0"/>
+          </a:p>
+          <a:p>
+            <a:endParaRPr kumimoji="1" lang="en-US" altLang="ja-JP" dirty="0" smtClean="0"/>
+          </a:p>
+          <a:p>
+            <a:r>
+              <a:rPr kumimoji="1" lang="ja-JP" altLang="en-US" dirty="0" smtClean="0"/>
+              <a:t>具体的には、大きく二つのことをやっています。</a:t>
+            </a:r>
+            <a:endParaRPr kumimoji="1" lang="en-US" altLang="ja-JP" dirty="0" smtClean="0"/>
+          </a:p>
+          <a:p>
+            <a:endParaRPr kumimoji="1" lang="en-US" altLang="ja-JP" dirty="0" smtClean="0"/>
+          </a:p>
+          <a:p>
+            <a:r>
+              <a:rPr kumimoji="1" lang="en-US" altLang="ja-JP" dirty="0" smtClean="0"/>
+              <a:t>1</a:t>
+            </a:r>
+            <a:r>
+              <a:rPr kumimoji="1" lang="ja-JP" altLang="en-US" dirty="0" smtClean="0"/>
+              <a:t>つは、</a:t>
+            </a:r>
+            <a:r>
+              <a:rPr kumimoji="1" lang="en-US" altLang="ja-JP" dirty="0" smtClean="0"/>
+              <a:t>Step1</a:t>
+            </a:r>
+            <a:r>
+              <a:rPr kumimoji="1" lang="ja-JP" altLang="en-US" dirty="0" smtClean="0"/>
+              <a:t>の類似コード検索を複数並列に実行したことです。本研究で使用した</a:t>
+            </a:r>
+            <a:r>
+              <a:rPr kumimoji="1" lang="en-US" altLang="ja-JP" dirty="0" err="1" smtClean="0"/>
+              <a:t>Nicad</a:t>
+            </a:r>
+            <a:r>
+              <a:rPr kumimoji="1" lang="ja-JP" altLang="en-US" dirty="0" smtClean="0"/>
+              <a:t>は一度に検索できるプロジェクトのサイズに限りがあります。</a:t>
+            </a:r>
+            <a:endParaRPr kumimoji="1" lang="en-US" altLang="ja-JP" dirty="0" smtClean="0"/>
+          </a:p>
+          <a:p>
+            <a:endParaRPr kumimoji="1" lang="en-US" altLang="ja-JP" dirty="0" smtClean="0"/>
+          </a:p>
+          <a:p>
+            <a:r>
+              <a:rPr kumimoji="1" lang="ja-JP" altLang="en-US" dirty="0" smtClean="0"/>
+              <a:t>そこで、前処理としてプロジェクトのサイズを調整してデータベースに格納し、検索処理を複数のプロジェクトに対して並列して実行することで検索時間を短縮しました。</a:t>
+            </a:r>
+            <a:endParaRPr kumimoji="1" lang="en-US" altLang="ja-JP" dirty="0" smtClean="0"/>
+          </a:p>
+          <a:p>
+            <a:endParaRPr kumimoji="1" lang="en-US" altLang="ja-JP" dirty="0" smtClean="0"/>
+          </a:p>
+          <a:p>
+            <a:r>
+              <a:rPr kumimoji="1" lang="en-US" altLang="ja-JP" dirty="0" smtClean="0"/>
+              <a:t>2</a:t>
+            </a:r>
+            <a:r>
+              <a:rPr kumimoji="1" lang="ja-JP" altLang="en-US" dirty="0" smtClean="0"/>
+              <a:t>つ目は</a:t>
+            </a:r>
+            <a:r>
+              <a:rPr kumimoji="1" lang="en-US" altLang="ja-JP" dirty="0" smtClean="0"/>
+              <a:t>Step3</a:t>
+            </a:r>
+            <a:r>
+              <a:rPr kumimoji="1" lang="ja-JP" altLang="en-US" dirty="0" smtClean="0"/>
+              <a:t>のテストスメルを検出する処理を短縮化です。</a:t>
+            </a:r>
+            <a:r>
+              <a:rPr kumimoji="1" lang="en-US" altLang="ja-JP" dirty="0" smtClean="0"/>
+              <a:t>Step3</a:t>
+            </a:r>
+            <a:r>
+              <a:rPr kumimoji="1" lang="ja-JP" altLang="en-US" dirty="0" smtClean="0"/>
+              <a:t>を短縮化するために事前にテストスメルの検出を行い、検出されたテストスメルの情報をテストコードに紐づけてテストコードデータベースに格納しました。</a:t>
+            </a:r>
+            <a:endParaRPr kumimoji="1" lang="en-US" altLang="ja-JP" dirty="0" smtClean="0"/>
+          </a:p>
+          <a:p>
+            <a:endParaRPr kumimoji="1" lang="en-US" altLang="ja-JP" dirty="0" smtClean="0"/>
+          </a:p>
+          <a:p>
+            <a:r>
+              <a:rPr kumimoji="1" lang="ja-JP" altLang="en-US" dirty="0" smtClean="0"/>
+              <a:t>このように事前に前処理を行っておくことで、</a:t>
             </a:r>
             <a:r>
               <a:rPr kumimoji="1" lang="en-US" altLang="ja-JP" dirty="0" err="1" smtClean="0"/>
@@ -8672,7 +8914,7 @@
             </a:r>
             <a:r>
               <a:rPr kumimoji="1" lang="ja-JP" altLang="en-US" dirty="0" smtClean="0"/>
-              <a:t>は、開発者のテストコードの作成時間を削減できるか？という質問です。</a:t>
+              <a:t>は推薦プロセスの高速化を実現しました。</a:t>
             </a:r>
             <a:endParaRPr kumimoji="1" lang="en-US" altLang="ja-JP" dirty="0" smtClean="0"/>
           </a:p>
@@ -8680,150 +8922,7 @@
             <a:endParaRPr kumimoji="1" lang="en-US" altLang="ja-JP" dirty="0" smtClean="0"/>
           </a:p>
           <a:p>
-            <a:r>
-              <a:rPr kumimoji="1" lang="ja-JP" altLang="en-US" dirty="0" smtClean="0"/>
-              <a:t>この質問に答えるために、被験者のタスク完了までの時間を比較しました。</a:t>
-            </a:r>
-            <a:endParaRPr kumimoji="1" lang="en-US" altLang="ja-JP" dirty="0" smtClean="0"/>
-          </a:p>
-          <a:p>
-            <a:endParaRPr kumimoji="1" lang="en-US" altLang="ja-JP" dirty="0" smtClean="0"/>
-          </a:p>
-          <a:p>
-            <a:r>
-              <a:rPr kumimoji="1" lang="ja-JP" altLang="en-US" dirty="0" smtClean="0"/>
-              <a:t>この図は、各被験者のタスク完了までに費やした時間の分布が示されています。</a:t>
-            </a:r>
-            <a:endParaRPr kumimoji="1" lang="en-US" altLang="ja-JP" dirty="0" smtClean="0"/>
-          </a:p>
-          <a:p>
-            <a:endParaRPr kumimoji="1" lang="en-US" altLang="ja-JP" dirty="0" smtClean="0"/>
-          </a:p>
-          <a:p>
-            <a:r>
-              <a:rPr lang="ja-JP" altLang="en-US" sz="1200" dirty="0" smtClean="0">
-                <a:latin typeface="メイリオ" panose="020B0604030504040204" pitchFamily="50" charset="-128"/>
-                <a:ea typeface="メイリオ" panose="020B0604030504040204" pitchFamily="50" charset="-128"/>
-              </a:rPr>
-              <a:t>結果をみるとタスク</a:t>
-            </a:r>
-            <a:r>
-              <a:rPr lang="en-US" altLang="ja-JP" sz="1200" dirty="0" smtClean="0">
-                <a:latin typeface="メイリオ" panose="020B0604030504040204" pitchFamily="50" charset="-128"/>
-                <a:ea typeface="メイリオ" panose="020B0604030504040204" pitchFamily="50" charset="-128"/>
-              </a:rPr>
-              <a:t>1,3</a:t>
-            </a:r>
-            <a:r>
-              <a:rPr lang="ja-JP" altLang="en-US" sz="1200" dirty="0" smtClean="0">
-                <a:latin typeface="メイリオ" panose="020B0604030504040204" pitchFamily="50" charset="-128"/>
-                <a:ea typeface="メイリオ" panose="020B0604030504040204" pitchFamily="50" charset="-128"/>
-              </a:rPr>
-              <a:t>は、</a:t>
-            </a:r>
-            <a:r>
-              <a:rPr kumimoji="1" lang="en-US" altLang="ja-JP" u="sng" dirty="0" err="1" smtClean="0"/>
-              <a:t>SuiRec</a:t>
-            </a:r>
-            <a:r>
-              <a:rPr kumimoji="1" lang="ja-JP" altLang="en-US" u="sng" dirty="0" smtClean="0"/>
-              <a:t>を利用した場合の方が、タスク完了までの時間が長いことが分かります。 </a:t>
-            </a:r>
-            <a:endParaRPr kumimoji="1" lang="en-US" altLang="ja-JP" u="sng" dirty="0" smtClean="0"/>
-          </a:p>
-          <a:p>
-            <a:endParaRPr kumimoji="1" lang="en-US" altLang="ja-JP" dirty="0" smtClean="0"/>
-          </a:p>
-          <a:p>
-            <a:r>
-              <a:rPr kumimoji="1" lang="en-US" altLang="ja-JP" b="1" dirty="0" err="1" smtClean="0"/>
-              <a:t>SuiteRec</a:t>
-            </a:r>
-            <a:r>
-              <a:rPr kumimoji="1" lang="ja-JP" altLang="en-US" b="1" dirty="0" smtClean="0"/>
-              <a:t>を利用した場合に、時間がかかる原因として、開発者は、推薦される複数のテストコードを理解し、再利用する際に変更をしなければならないことが考えられます。</a:t>
-            </a:r>
-            <a:endParaRPr kumimoji="1" lang="en-US" altLang="ja-JP" b="1" dirty="0" smtClean="0"/>
-          </a:p>
-          <a:p>
-            <a:endParaRPr kumimoji="1" lang="en-US" altLang="ja-JP" dirty="0" smtClean="0"/>
-          </a:p>
-          <a:p>
-            <a:r>
-              <a:rPr kumimoji="1" lang="ja-JP" altLang="en-US" dirty="0" smtClean="0"/>
-              <a:t>一方で、タスク</a:t>
-            </a:r>
-            <a:r>
-              <a:rPr kumimoji="1" lang="en-US" altLang="ja-JP" dirty="0" smtClean="0"/>
-              <a:t>2</a:t>
-            </a:r>
-            <a:r>
-              <a:rPr kumimoji="1" lang="ja-JP" altLang="en-US" dirty="0" smtClean="0"/>
-              <a:t>については、</a:t>
-            </a:r>
-            <a:r>
-              <a:rPr kumimoji="1" lang="en-US" altLang="ja-JP" dirty="0" err="1" smtClean="0"/>
-              <a:t>SuiteRec</a:t>
-            </a:r>
-            <a:r>
-              <a:rPr kumimoji="1" lang="ja-JP" altLang="en-US" dirty="0" smtClean="0"/>
-              <a:t>を使用した方がタスク完了時間が短いことが分かる。</a:t>
-            </a:r>
-            <a:endParaRPr kumimoji="1" lang="en-US" altLang="ja-JP" dirty="0" smtClean="0"/>
-          </a:p>
-          <a:p>
-            <a:endParaRPr kumimoji="1" lang="en-US" altLang="ja-JP" dirty="0" smtClean="0"/>
-          </a:p>
-          <a:p>
-            <a:r>
-              <a:rPr kumimoji="1" lang="ja-JP" altLang="en-US" dirty="0" smtClean="0"/>
-              <a:t>我々は、提出されたテストコードを調査したところ、カバレッジに差はないものの</a:t>
-            </a:r>
-            <a:r>
-              <a:rPr kumimoji="1" lang="en-US" altLang="ja-JP" dirty="0" err="1" smtClean="0"/>
-              <a:t>SuiteRec</a:t>
-            </a:r>
-            <a:r>
-              <a:rPr kumimoji="1" lang="ja-JP" altLang="en-US" dirty="0" smtClean="0"/>
-              <a:t>を使用しない場合は、テスト項目の重複が多いことが分かりました。</a:t>
-            </a:r>
-            <a:endParaRPr kumimoji="1" lang="en-US" altLang="ja-JP" dirty="0" smtClean="0"/>
-          </a:p>
-          <a:p>
-            <a:endParaRPr kumimoji="1" lang="en-US" altLang="ja-JP" dirty="0" smtClean="0"/>
-          </a:p>
-          <a:p>
-            <a:r>
-              <a:rPr kumimoji="1" lang="ja-JP" altLang="en-US" dirty="0" smtClean="0"/>
-              <a:t>この結果から、</a:t>
-            </a:r>
-            <a:r>
-              <a:rPr kumimoji="1" lang="en-US" altLang="ja-JP" dirty="0" err="1" smtClean="0"/>
-              <a:t>SuiteRec</a:t>
-            </a:r>
-            <a:r>
-              <a:rPr kumimoji="1" lang="ja-JP" altLang="en-US" dirty="0" smtClean="0"/>
-              <a:t>を利用は、被験者が無駄なテストコードを作成するのを防ぎ、短期間でのテストコード作成を支援できる場合もあることが分かった。</a:t>
-            </a:r>
-            <a:endParaRPr kumimoji="1" lang="en-US" altLang="ja-JP" dirty="0" smtClean="0"/>
-          </a:p>
-          <a:p>
-            <a:endParaRPr kumimoji="1" lang="en-US" altLang="ja-JP" dirty="0" smtClean="0"/>
-          </a:p>
-          <a:p>
-            <a:r>
-              <a:rPr kumimoji="1" lang="ja-JP" altLang="en-US" dirty="0" smtClean="0"/>
-              <a:t>次に</a:t>
-            </a:r>
-            <a:r>
-              <a:rPr kumimoji="1" lang="en-US" altLang="ja-JP" dirty="0" smtClean="0"/>
-              <a:t>RQ3</a:t>
-            </a:r>
-            <a:r>
-              <a:rPr kumimoji="1" lang="ja-JP" altLang="en-US" dirty="0" err="1" smtClean="0"/>
-              <a:t>です</a:t>
-            </a:r>
-            <a:endParaRPr kumimoji="1" lang="en-US" altLang="ja-JP" dirty="0" smtClean="0"/>
+            <a:endParaRPr kumimoji="1" lang="ja-JP" altLang="en-US" dirty="0"/>
           </a:p>
         </p:txBody>
       </p:sp>
@@ -8853,7 +8952,7 @@
     </p:spTree>
     <p:extLst>
       <p:ext uri="{BB962C8B-B14F-4D97-AF65-F5344CB8AC3E}">
-        <p14:creationId xmlns:p14="http://schemas.microsoft.com/office/powerpoint/2010/main" val="638208642"/>
+        <p14:creationId xmlns:p14="http://schemas.microsoft.com/office/powerpoint/2010/main" val="1580538660"/>
       </p:ext>
     </p:extLst>
   </p:cSld>
@@ -8908,20 +9007,119 @@
           <a:lstStyle/>
           <a:p>
             <a:r>
+              <a:rPr kumimoji="1" lang="ja-JP" altLang="en-US" dirty="0" smtClean="0"/>
+              <a:t>次に</a:t>
+            </a:r>
+            <a:r>
               <a:rPr kumimoji="1" lang="en-US" altLang="ja-JP" dirty="0" smtClean="0"/>
-              <a:t>Step3</a:t>
+              <a:t>RQ2</a:t>
             </a:r>
             <a:r>
               <a:rPr kumimoji="1" lang="ja-JP" altLang="en-US" dirty="0" smtClean="0"/>
-              <a:t>では、</a:t>
+              <a:t>は、</a:t>
+            </a:r>
+            <a:r>
+              <a:rPr kumimoji="1" lang="en-US" altLang="ja-JP" dirty="0" err="1" smtClean="0"/>
+              <a:t>SuiteRec</a:t>
+            </a:r>
+            <a:r>
+              <a:rPr kumimoji="1" lang="ja-JP" altLang="en-US" dirty="0" smtClean="0"/>
+              <a:t>は、開発者のテストコードの作成時間を削減できるか？という質問です。</a:t>
+            </a:r>
+            <a:endParaRPr kumimoji="1" lang="en-US" altLang="ja-JP" dirty="0" smtClean="0"/>
+          </a:p>
+          <a:p>
+            <a:endParaRPr kumimoji="1" lang="en-US" altLang="ja-JP" dirty="0" smtClean="0"/>
+          </a:p>
+          <a:p>
+            <a:r>
+              <a:rPr kumimoji="1" lang="ja-JP" altLang="en-US" dirty="0" smtClean="0"/>
+              <a:t>この質問に答えるために、被験者のタスク完了までの時間を比較しました。</a:t>
+            </a:r>
+            <a:endParaRPr kumimoji="1" lang="en-US" altLang="ja-JP" dirty="0" smtClean="0"/>
+          </a:p>
+          <a:p>
+            <a:endParaRPr kumimoji="1" lang="en-US" altLang="ja-JP" dirty="0" smtClean="0"/>
+          </a:p>
+          <a:p>
+            <a:r>
+              <a:rPr kumimoji="1" lang="ja-JP" altLang="en-US" dirty="0" smtClean="0"/>
+              <a:t>この図は、各被験者のタスク完了までに費やした時間の分布が示されています。</a:t>
+            </a:r>
+            <a:endParaRPr kumimoji="1" lang="en-US" altLang="ja-JP" dirty="0" smtClean="0"/>
+          </a:p>
+          <a:p>
+            <a:endParaRPr kumimoji="1" lang="en-US" altLang="ja-JP" dirty="0" smtClean="0"/>
+          </a:p>
+          <a:p>
+            <a:r>
+              <a:rPr lang="ja-JP" altLang="en-US" sz="1200" dirty="0" smtClean="0">
+                <a:latin typeface="メイリオ" panose="020B0604030504040204" pitchFamily="50" charset="-128"/>
+                <a:ea typeface="メイリオ" panose="020B0604030504040204" pitchFamily="50" charset="-128"/>
+              </a:rPr>
+              <a:t>結果をみるとタスク</a:t>
+            </a:r>
+            <a:r>
+              <a:rPr lang="en-US" altLang="ja-JP" sz="1200" dirty="0" smtClean="0">
+                <a:latin typeface="メイリオ" panose="020B0604030504040204" pitchFamily="50" charset="-128"/>
+                <a:ea typeface="メイリオ" panose="020B0604030504040204" pitchFamily="50" charset="-128"/>
+              </a:rPr>
+              <a:t>1,3</a:t>
+            </a:r>
+            <a:r>
+              <a:rPr lang="ja-JP" altLang="en-US" sz="1200" dirty="0" smtClean="0">
+                <a:latin typeface="メイリオ" panose="020B0604030504040204" pitchFamily="50" charset="-128"/>
+                <a:ea typeface="メイリオ" panose="020B0604030504040204" pitchFamily="50" charset="-128"/>
+              </a:rPr>
+              <a:t>は、</a:t>
+            </a:r>
+            <a:r>
+              <a:rPr kumimoji="1" lang="en-US" altLang="ja-JP" u="sng" dirty="0" err="1" smtClean="0"/>
+              <a:t>SuiRec</a:t>
+            </a:r>
+            <a:r>
+              <a:rPr kumimoji="1" lang="ja-JP" altLang="en-US" u="sng" dirty="0" smtClean="0"/>
+              <a:t>を利用した場合の方が、タスク完了までの時間が長いことが分かります。 </a:t>
+            </a:r>
+            <a:endParaRPr kumimoji="1" lang="en-US" altLang="ja-JP" u="sng" dirty="0" smtClean="0"/>
+          </a:p>
+          <a:p>
+            <a:endParaRPr kumimoji="1" lang="en-US" altLang="ja-JP" dirty="0" smtClean="0"/>
+          </a:p>
+          <a:p>
+            <a:r>
+              <a:rPr kumimoji="1" lang="en-US" altLang="ja-JP" b="1" dirty="0" err="1" smtClean="0"/>
+              <a:t>SuiteRec</a:t>
+            </a:r>
+            <a:r>
+              <a:rPr kumimoji="1" lang="ja-JP" altLang="en-US" b="1" dirty="0" smtClean="0"/>
+              <a:t>を利用した場合に、時間がかかる原因として、開発者は、推薦される複数のテストコードを理解し、再利用する際に変更をしなければならないことが考えられます。</a:t>
+            </a:r>
+            <a:endParaRPr kumimoji="1" lang="en-US" altLang="ja-JP" b="1" dirty="0" smtClean="0"/>
+          </a:p>
+          <a:p>
+            <a:endParaRPr kumimoji="1" lang="en-US" altLang="ja-JP" dirty="0" smtClean="0"/>
+          </a:p>
+          <a:p>
+            <a:r>
+              <a:rPr kumimoji="1" lang="ja-JP" altLang="en-US" dirty="0" smtClean="0"/>
+              <a:t>一方で、タスク</a:t>
             </a:r>
             <a:r>
               <a:rPr kumimoji="1" lang="en-US" altLang="ja-JP" dirty="0" smtClean="0"/>
-              <a:t>Step2</a:t>
+              <a:t>2</a:t>
             </a:r>
             <a:r>
               <a:rPr kumimoji="1" lang="ja-JP" altLang="en-US" dirty="0" smtClean="0"/>
-              <a:t>で検索されたテストコード内に含まれるテストスメルを検出します</a:t>
+              <a:t>については、</a:t>
+            </a:r>
+            <a:r>
+              <a:rPr kumimoji="1" lang="en-US" altLang="ja-JP" dirty="0" err="1" smtClean="0"/>
+              <a:t>SuiteRec</a:t>
+            </a:r>
+            <a:r>
+              <a:rPr kumimoji="1" lang="ja-JP" altLang="en-US" dirty="0" smtClean="0"/>
+              <a:t>を使用した方がタスク完了時間が短いことが分かる。</a:t>
             </a:r>
             <a:endParaRPr kumimoji="1" lang="en-US" altLang="ja-JP" dirty="0" smtClean="0"/>
           </a:p>
@@ -8931,148 +9129,53 @@
           <a:p>
             <a:r>
               <a:rPr kumimoji="1" lang="ja-JP" altLang="en-US" dirty="0" smtClean="0"/>
-              <a:t>テストスメルというのはテストコードの良くない実装を表す指標のことで、ドゥーセンらによって</a:t>
+              <a:t>我々は、提出されたテストコードを調査したところ、カバレッジに差はないものの</a:t>
+            </a:r>
+            <a:r>
+              <a:rPr kumimoji="1" lang="en-US" altLang="ja-JP" dirty="0" err="1" smtClean="0"/>
+              <a:t>SuiteRec</a:t>
+            </a:r>
+            <a:r>
+              <a:rPr kumimoji="1" lang="ja-JP" altLang="en-US" dirty="0" smtClean="0"/>
+              <a:t>を使用しない場合は、テスト項目の重複が多いことが分かりました。</a:t>
+            </a:r>
+            <a:endParaRPr kumimoji="1" lang="en-US" altLang="ja-JP" dirty="0" smtClean="0"/>
+          </a:p>
+          <a:p>
+            <a:endParaRPr kumimoji="1" lang="en-US" altLang="ja-JP" dirty="0" smtClean="0"/>
+          </a:p>
+          <a:p>
+            <a:r>
+              <a:rPr kumimoji="1" lang="ja-JP" altLang="en-US" dirty="0" smtClean="0"/>
+              <a:t>この結果から、</a:t>
+            </a:r>
+            <a:r>
+              <a:rPr kumimoji="1" lang="en-US" altLang="ja-JP" dirty="0" err="1" smtClean="0"/>
+              <a:t>SuiteRec</a:t>
+            </a:r>
+            <a:r>
+              <a:rPr kumimoji="1" lang="ja-JP" altLang="en-US" dirty="0" smtClean="0"/>
+              <a:t>を利用は、被験者が無駄なテストコードを作成するのを防ぎ、短期間でのテストコード作成を支援できる場合もあることが分かった。</a:t>
+            </a:r>
+            <a:endParaRPr kumimoji="1" lang="en-US" altLang="ja-JP" dirty="0" smtClean="0"/>
+          </a:p>
+          <a:p>
+            <a:endParaRPr kumimoji="1" lang="en-US" altLang="ja-JP" dirty="0" smtClean="0"/>
+          </a:p>
+          <a:p>
+            <a:r>
+              <a:rPr kumimoji="1" lang="ja-JP" altLang="en-US" dirty="0" smtClean="0"/>
+              <a:t>次に</a:t>
             </a:r>
             <a:r>
               <a:rPr kumimoji="1" lang="en-US" altLang="ja-JP" dirty="0" smtClean="0"/>
-              <a:t>11</a:t>
-            </a:r>
-            <a:r>
-              <a:rPr kumimoji="1" lang="ja-JP" altLang="en-US" dirty="0" smtClean="0"/>
-              <a:t>種類のテストスメルが提唱されました．</a:t>
+              <a:t>RQ3</a:t>
+            </a:r>
+            <a:r>
+              <a:rPr kumimoji="1" lang="ja-JP" altLang="en-US" dirty="0" err="1" smtClean="0"/>
+              <a:t>です</a:t>
             </a:r>
             <a:endParaRPr kumimoji="1" lang="en-US" altLang="ja-JP" dirty="0" smtClean="0"/>
-          </a:p>
-          <a:p>
-            <a:endParaRPr kumimoji="1" lang="en-US" altLang="ja-JP" dirty="0" smtClean="0"/>
-          </a:p>
-          <a:p>
-            <a:r>
-              <a:rPr kumimoji="1" lang="ja-JP" altLang="en-US" dirty="0" smtClean="0"/>
-              <a:t>例えばこれはテストスメルの例ですが、このテストコードには、</a:t>
-            </a:r>
-            <a:r>
-              <a:rPr kumimoji="1" lang="ja-JP" altLang="en-US" b="1" dirty="0" smtClean="0"/>
-              <a:t>アサーションルーレット</a:t>
-            </a:r>
-            <a:r>
-              <a:rPr kumimoji="1" lang="ja-JP" altLang="en-US" dirty="0" smtClean="0"/>
-              <a:t>というテストスメルが含まれており、</a:t>
-            </a:r>
-            <a:r>
-              <a:rPr kumimoji="1" lang="en-US" altLang="ja-JP" dirty="0" smtClean="0"/>
-              <a:t>1</a:t>
-            </a:r>
-            <a:r>
-              <a:rPr kumimoji="1" lang="ja-JP" altLang="en-US" dirty="0" err="1" smtClean="0"/>
-              <a:t>つの</a:t>
-            </a:r>
-            <a:r>
-              <a:rPr kumimoji="1" lang="ja-JP" altLang="en-US" u="sng" dirty="0" smtClean="0"/>
-              <a:t>テストメソッド内に複数の</a:t>
-            </a:r>
-            <a:r>
-              <a:rPr kumimoji="1" lang="en-US" altLang="ja-JP" u="sng" dirty="0" err="1" smtClean="0"/>
-              <a:t>asser</a:t>
-            </a:r>
-            <a:r>
-              <a:rPr kumimoji="1" lang="ja-JP" altLang="en-US" u="sng" dirty="0" smtClean="0"/>
-              <a:t>文を含む場合にこのテストスメルが発生します。</a:t>
-            </a:r>
-            <a:endParaRPr kumimoji="1" lang="en-US" altLang="ja-JP" dirty="0" smtClean="0"/>
-          </a:p>
-          <a:p>
-            <a:endParaRPr kumimoji="1" lang="en-US" altLang="ja-JP" dirty="0" smtClean="0"/>
-          </a:p>
-          <a:p>
-            <a:pPr marL="0" marR="0" indent="0" algn="l" defTabSz="914400" rtl="0" eaLnBrk="1" fontAlgn="auto" latinLnBrk="0" hangingPunct="1">
-              <a:lnSpc>
-                <a:spcPct val="100000"/>
-              </a:lnSpc>
-              <a:spcBef>
-                <a:spcPts val="0"/>
-              </a:spcBef>
-              <a:spcAft>
-                <a:spcPts val="0"/>
-              </a:spcAft>
-              <a:buClrTx/>
-              <a:buSzTx/>
-              <a:buFontTx/>
-              <a:buNone/>
-              <a:tabLst/>
-              <a:defRPr/>
-            </a:pPr>
-            <a:r>
-              <a:rPr kumimoji="1" lang="ja-JP" altLang="en-US" dirty="0" smtClean="0"/>
-              <a:t>で、最近では、これらのテストスメルについて多くの調査研究が行われており、テストスメルがソフトウェアの保守活動に悪影響を与えることが分かっています。</a:t>
-            </a:r>
-            <a:endParaRPr kumimoji="1" lang="en-US" altLang="ja-JP" dirty="0" smtClean="0"/>
-          </a:p>
-          <a:p>
-            <a:endParaRPr kumimoji="1" lang="en-US" altLang="ja-JP" dirty="0" smtClean="0"/>
-          </a:p>
-          <a:p>
-            <a:r>
-              <a:rPr kumimoji="1" lang="en-US" altLang="ja-JP" dirty="0" smtClean="0"/>
-              <a:t>Step3</a:t>
-            </a:r>
-            <a:r>
-              <a:rPr kumimoji="1" lang="ja-JP" altLang="en-US" dirty="0" smtClean="0"/>
-              <a:t>では、これらのテストスメルを高速で検出するために、テストスメルを自動で検出できる</a:t>
-            </a:r>
-            <a:r>
-              <a:rPr kumimoji="1" lang="en-US" altLang="ja-JP" dirty="0" err="1" smtClean="0"/>
-              <a:t>tsDetect</a:t>
-            </a:r>
-            <a:r>
-              <a:rPr kumimoji="1" lang="ja-JP" altLang="en-US" dirty="0" smtClean="0"/>
-              <a:t>というツールを利用しています。</a:t>
-            </a:r>
-            <a:endParaRPr kumimoji="1" lang="en-US" altLang="ja-JP" dirty="0" smtClean="0"/>
-          </a:p>
-          <a:p>
-            <a:endParaRPr kumimoji="1" lang="en-US" altLang="ja-JP" dirty="0" smtClean="0"/>
-          </a:p>
-          <a:p>
-            <a:r>
-              <a:rPr kumimoji="1" lang="ja-JP" altLang="en-US" dirty="0" smtClean="0"/>
-              <a:t>このツールは</a:t>
-            </a:r>
-            <a:r>
-              <a:rPr kumimoji="1" lang="en-US" altLang="ja-JP" dirty="0" smtClean="0"/>
-              <a:t>AST</a:t>
-            </a:r>
-            <a:r>
-              <a:rPr kumimoji="1" lang="ja-JP" altLang="en-US" dirty="0" smtClean="0"/>
-              <a:t>ベースの検出手法で実装されたツールであり、</a:t>
-            </a:r>
-            <a:r>
-              <a:rPr kumimoji="1" lang="en-US" altLang="ja-JP" dirty="0" smtClean="0"/>
-              <a:t>19</a:t>
-            </a:r>
-            <a:r>
-              <a:rPr kumimoji="1" lang="ja-JP" altLang="en-US" dirty="0" smtClean="0"/>
-              <a:t>種類のテストスメルを高い精度と再現率で検出することができます。</a:t>
-            </a:r>
-            <a:endParaRPr kumimoji="1" lang="en-US" altLang="ja-JP" dirty="0" smtClean="0"/>
-          </a:p>
-          <a:p>
-            <a:endParaRPr kumimoji="1" lang="en-US" altLang="ja-JP" baseline="0" dirty="0" smtClean="0"/>
-          </a:p>
-          <a:p>
-            <a:r>
-              <a:rPr kumimoji="1" lang="ja-JP" altLang="en-US" baseline="0" dirty="0" smtClean="0"/>
-              <a:t>最後に</a:t>
-            </a:r>
-            <a:r>
-              <a:rPr kumimoji="1" lang="en-US" altLang="ja-JP" baseline="0" dirty="0" smtClean="0"/>
-              <a:t>Step4</a:t>
-            </a:r>
-            <a:r>
-              <a:rPr kumimoji="1" lang="ja-JP" altLang="en-US" baseline="0" dirty="0" smtClean="0"/>
-              <a:t>です。</a:t>
-            </a:r>
-            <a:endParaRPr kumimoji="1" lang="en-US" altLang="ja-JP" baseline="0" dirty="0" smtClean="0"/>
           </a:p>
         </p:txBody>
       </p:sp>
@@ -9093,7 +9196,7 @@
           <a:p>
             <a:fld id="{A375FAFC-A5AB-4FEC-AA23-92E34682EFAF}" type="slidenum">
               <a:rPr kumimoji="1" lang="ja-JP" altLang="en-US" smtClean="0"/>
-              <a:t>32</a:t>
+              <a:t>26</a:t>
             </a:fld>
             <a:endParaRPr kumimoji="1" lang="ja-JP" altLang="en-US"/>
           </a:p>
@@ -9102,7 +9205,7 @@
     </p:spTree>
     <p:extLst>
       <p:ext uri="{BB962C8B-B14F-4D97-AF65-F5344CB8AC3E}">
-        <p14:creationId xmlns:p14="http://schemas.microsoft.com/office/powerpoint/2010/main" val="2973487452"/>
+        <p14:creationId xmlns:p14="http://schemas.microsoft.com/office/powerpoint/2010/main" val="638208642"/>
       </p:ext>
     </p:extLst>
   </p:cSld>
@@ -9157,28 +9260,125 @@
           <a:lstStyle/>
           <a:p>
             <a:r>
+              <a:rPr kumimoji="1" lang="en-US" altLang="ja-JP" dirty="0" smtClean="0"/>
+              <a:t>Step3</a:t>
+            </a:r>
+            <a:r>
               <a:rPr kumimoji="1" lang="ja-JP" altLang="en-US" dirty="0" smtClean="0"/>
-              <a:t>そこで，本研究では，</a:t>
+              <a:t>では、</a:t>
             </a:r>
             <a:r>
               <a:rPr kumimoji="1" lang="en-US" altLang="ja-JP" dirty="0" smtClean="0"/>
-              <a:t>OSS</a:t>
+              <a:t>Step2</a:t>
             </a:r>
             <a:r>
               <a:rPr kumimoji="1" lang="ja-JP" altLang="en-US" dirty="0" smtClean="0"/>
-              <a:t>に存在する既存の品質の高いテストコードを推薦するツール</a:t>
+              <a:t>で検索されたテストコード内に含まれるテストスメルを検出します</a:t>
+            </a:r>
+            <a:endParaRPr kumimoji="1" lang="en-US" altLang="ja-JP" dirty="0" smtClean="0"/>
+          </a:p>
+          <a:p>
+            <a:endParaRPr kumimoji="1" lang="en-US" altLang="ja-JP" dirty="0" smtClean="0"/>
+          </a:p>
+          <a:p>
+            <a:r>
+              <a:rPr kumimoji="1" lang="ja-JP" altLang="en-US" dirty="0" smtClean="0"/>
+              <a:t>テストスメルというのはテストコードの良くない実装を表す指標のことで、ドゥーセンらによって</a:t>
+            </a:r>
+            <a:r>
+              <a:rPr kumimoji="1" lang="en-US" altLang="ja-JP" dirty="0" smtClean="0"/>
+              <a:t>11</a:t>
+            </a:r>
+            <a:r>
+              <a:rPr kumimoji="1" lang="ja-JP" altLang="en-US" dirty="0" smtClean="0"/>
+              <a:t>種類のテストスメルが提唱されました．</a:t>
+            </a:r>
+            <a:endParaRPr kumimoji="1" lang="en-US" altLang="ja-JP" dirty="0" smtClean="0"/>
+          </a:p>
+          <a:p>
+            <a:endParaRPr kumimoji="1" lang="en-US" altLang="ja-JP" dirty="0" smtClean="0"/>
+          </a:p>
+          <a:p>
+            <a:r>
+              <a:rPr kumimoji="1" lang="ja-JP" altLang="en-US" dirty="0" smtClean="0"/>
+              <a:t>例えばこれはテストスメルの例ですが、このテストコードには、</a:t>
+            </a:r>
+            <a:r>
+              <a:rPr kumimoji="1" lang="ja-JP" altLang="en-US" b="1" dirty="0" smtClean="0"/>
+              <a:t>アサーションルーレット</a:t>
+            </a:r>
+            <a:r>
+              <a:rPr kumimoji="1" lang="ja-JP" altLang="en-US" dirty="0" smtClean="0"/>
+              <a:t>というテストスメルが含まれており、</a:t>
+            </a:r>
+            <a:r>
+              <a:rPr kumimoji="1" lang="en-US" altLang="ja-JP" dirty="0" smtClean="0"/>
+              <a:t>1</a:t>
+            </a:r>
+            <a:r>
+              <a:rPr kumimoji="1" lang="ja-JP" altLang="en-US" dirty="0" err="1" smtClean="0"/>
+              <a:t>つの</a:t>
+            </a:r>
+            <a:r>
+              <a:rPr kumimoji="1" lang="ja-JP" altLang="en-US" u="sng" dirty="0" smtClean="0"/>
+              <a:t>テストメソッド内に複数の</a:t>
+            </a:r>
+            <a:r>
+              <a:rPr kumimoji="1" lang="en-US" altLang="ja-JP" u="sng" dirty="0" err="1" smtClean="0"/>
+              <a:t>asser</a:t>
+            </a:r>
+            <a:r>
+              <a:rPr kumimoji="1" lang="ja-JP" altLang="en-US" u="sng" dirty="0" smtClean="0"/>
+              <a:t>文を含む場合にこのテストスメルが発生します。</a:t>
+            </a:r>
+            <a:endParaRPr kumimoji="1" lang="en-US" altLang="ja-JP" dirty="0" smtClean="0"/>
+          </a:p>
+          <a:p>
+            <a:endParaRPr kumimoji="1" lang="en-US" altLang="ja-JP" dirty="0" smtClean="0"/>
+          </a:p>
+          <a:p>
+            <a:pPr marL="0" marR="0" indent="0" algn="l" defTabSz="914400" rtl="0" eaLnBrk="1" fontAlgn="auto" latinLnBrk="0" hangingPunct="1">
+              <a:lnSpc>
+                <a:spcPct val="100000"/>
+              </a:lnSpc>
+              <a:spcBef>
+                <a:spcPts val="0"/>
+              </a:spcBef>
+              <a:spcAft>
+                <a:spcPts val="0"/>
+              </a:spcAft>
+              <a:buClrTx/>
+              <a:buSzTx/>
+              <a:buFontTx/>
+              <a:buNone/>
+              <a:tabLst/>
+              <a:defRPr/>
+            </a:pPr>
+            <a:r>
+              <a:rPr kumimoji="1" lang="ja-JP" altLang="en-US" dirty="0" smtClean="0"/>
+              <a:t>で、最近では、これらのテストスメルについて多くの調査研究が行われており、テストスメルがソフトウェアの保守活動に悪影響を与えることが分かっています。</a:t>
+            </a:r>
+            <a:endParaRPr kumimoji="1" lang="en-US" altLang="ja-JP" dirty="0" smtClean="0"/>
+          </a:p>
+          <a:p>
+            <a:endParaRPr kumimoji="1" lang="en-US" altLang="ja-JP" dirty="0" smtClean="0"/>
+          </a:p>
+          <a:p>
+            <a:r>
+              <a:rPr kumimoji="1" lang="en-US" altLang="ja-JP" dirty="0" smtClean="0"/>
+              <a:t>Step3</a:t>
+            </a:r>
+            <a:r>
+              <a:rPr kumimoji="1" lang="ja-JP" altLang="en-US" dirty="0" smtClean="0"/>
+              <a:t>では、これらのテストスメルを高速で検出するために、テストスメルを自動で検出できる</a:t>
             </a:r>
             <a:r>
               <a:rPr kumimoji="1" lang="en-US" altLang="ja-JP" dirty="0" err="1" smtClean="0"/>
-              <a:t>SuiteRec</a:t>
-            </a:r>
-            <a:r>
-              <a:rPr kumimoji="1" lang="ja-JP" altLang="en-US" dirty="0" err="1" smtClean="0"/>
-              <a:t>を紹</a:t>
+              <a:t>tsDetect</a:t>
             </a:r>
             <a:r>
               <a:rPr kumimoji="1" lang="ja-JP" altLang="en-US" dirty="0" smtClean="0"/>
-              <a:t>介します。</a:t>
+              <a:t>というツールを利用しています。</a:t>
             </a:r>
             <a:endParaRPr kumimoji="1" lang="en-US" altLang="ja-JP" dirty="0" smtClean="0"/>
           </a:p>
@@ -9188,86 +9388,43 @@
           <a:p>
             <a:r>
               <a:rPr kumimoji="1" lang="ja-JP" altLang="en-US" dirty="0" smtClean="0"/>
-              <a:t>既存テストの利用は，コーディング規約や</a:t>
+              <a:t>このツールは</a:t>
             </a:r>
             <a:r>
               <a:rPr kumimoji="1" lang="en-US" altLang="ja-JP" dirty="0" smtClean="0"/>
-              <a:t>~~</a:t>
+              <a:t>AST</a:t>
             </a:r>
             <a:r>
               <a:rPr kumimoji="1" lang="ja-JP" altLang="en-US" dirty="0" smtClean="0"/>
-              <a:t>ことや</a:t>
+              <a:t>ベースの検出手法で実装されたツールであり、</a:t>
             </a:r>
             <a:r>
               <a:rPr kumimoji="1" lang="en-US" altLang="ja-JP" dirty="0" smtClean="0"/>
-              <a:t>~~</a:t>
+              <a:t>19</a:t>
             </a:r>
             <a:r>
               <a:rPr kumimoji="1" lang="ja-JP" altLang="en-US" dirty="0" smtClean="0"/>
-              <a:t>を使用することができます</a:t>
+              <a:t>種類のテストスメルを高い精度と再現率で検出することができます。</a:t>
             </a:r>
             <a:endParaRPr kumimoji="1" lang="en-US" altLang="ja-JP" dirty="0" smtClean="0"/>
           </a:p>
           <a:p>
-            <a:endParaRPr kumimoji="1" lang="en-US" altLang="ja-JP" dirty="0" smtClean="0"/>
-          </a:p>
-          <a:p>
-            <a:r>
-              <a:rPr kumimoji="1" lang="en-US" altLang="ja-JP" dirty="0" err="1" smtClean="0"/>
-              <a:t>SuiteRec</a:t>
-            </a:r>
-            <a:r>
-              <a:rPr kumimoji="1" lang="ja-JP" altLang="en-US" dirty="0" smtClean="0"/>
-              <a:t>の推薦手法の基本となるアイディアは，類似するソースコード間でのテストコードを再利用することです。</a:t>
-            </a:r>
-            <a:endParaRPr kumimoji="1" lang="en-US" altLang="ja-JP" dirty="0" smtClean="0"/>
-          </a:p>
-          <a:p>
-            <a:endParaRPr kumimoji="1" lang="en-US" altLang="ja-JP" dirty="0" smtClean="0"/>
-          </a:p>
-          <a:p>
-            <a:r>
-              <a:rPr kumimoji="1" lang="ja-JP" altLang="en-US" dirty="0" smtClean="0"/>
-              <a:t>この手法は，テストコードがない入力コード片</a:t>
-            </a:r>
-            <a:r>
-              <a:rPr kumimoji="1" lang="en-US" altLang="ja-JP" dirty="0" smtClean="0"/>
-              <a:t>A</a:t>
-            </a:r>
-            <a:r>
-              <a:rPr kumimoji="1" lang="ja-JP" altLang="en-US" dirty="0" smtClean="0"/>
-              <a:t>に対して類似したコード片を検出し，その類似コードに対応するテストコードを改変して，コード片</a:t>
-            </a:r>
-            <a:r>
-              <a:rPr kumimoji="1" lang="en-US" altLang="ja-JP" dirty="0" smtClean="0"/>
-              <a:t>A</a:t>
-            </a:r>
-            <a:r>
-              <a:rPr kumimoji="1" lang="ja-JP" altLang="en-US" dirty="0" smtClean="0"/>
-              <a:t>に再利用するといった手法になります．</a:t>
-            </a:r>
-            <a:endParaRPr kumimoji="1" lang="en-US" altLang="ja-JP" dirty="0" smtClean="0"/>
-          </a:p>
-          <a:p>
-            <a:endParaRPr kumimoji="1" lang="en-US" altLang="ja-JP" dirty="0" smtClean="0"/>
-          </a:p>
-          <a:p>
-            <a:r>
-              <a:rPr kumimoji="1" lang="ja-JP" altLang="en-US" dirty="0" smtClean="0"/>
-              <a:t>次に</a:t>
-            </a:r>
-            <a:r>
-              <a:rPr kumimoji="1" lang="en-US" altLang="ja-JP" dirty="0" err="1" smtClean="0"/>
-              <a:t>SuiteRec</a:t>
-            </a:r>
-            <a:r>
-              <a:rPr kumimoji="1" lang="ja-JP" altLang="en-US" dirty="0" smtClean="0"/>
-              <a:t>の概要です</a:t>
-            </a:r>
-            <a:endParaRPr kumimoji="1" lang="en-US" altLang="ja-JP" dirty="0" smtClean="0"/>
-          </a:p>
-          <a:p>
-            <a:endParaRPr kumimoji="1" lang="ja-JP" altLang="en-US" dirty="0"/>
+            <a:endParaRPr kumimoji="1" lang="en-US" altLang="ja-JP" baseline="0" dirty="0" smtClean="0"/>
+          </a:p>
+          <a:p>
+            <a:r>
+              <a:rPr kumimoji="1" lang="ja-JP" altLang="en-US" baseline="0" dirty="0" smtClean="0"/>
+              <a:t>最後に</a:t>
+            </a:r>
+            <a:r>
+              <a:rPr kumimoji="1" lang="en-US" altLang="ja-JP" baseline="0" dirty="0" smtClean="0"/>
+              <a:t>Step4</a:t>
+            </a:r>
+            <a:r>
+              <a:rPr kumimoji="1" lang="ja-JP" altLang="en-US" baseline="0" dirty="0" smtClean="0"/>
+              <a:t>です。</a:t>
+            </a:r>
+            <a:endParaRPr kumimoji="1" lang="en-US" altLang="ja-JP" baseline="0" dirty="0" smtClean="0"/>
           </a:p>
         </p:txBody>
       </p:sp>
@@ -9289,6 +9446,201 @@
             <a:fld id="{A375FAFC-A5AB-4FEC-AA23-92E34682EFAF}" type="slidenum">
               <a:rPr kumimoji="1" lang="ja-JP" altLang="en-US" smtClean="0"/>
               <a:t>33</a:t>
+            </a:fld>
+            <a:endParaRPr kumimoji="1" lang="ja-JP" altLang="en-US"/>
+          </a:p>
+        </p:txBody>
+      </p:sp>
+    </p:spTree>
+    <p:extLst>
+      <p:ext uri="{BB962C8B-B14F-4D97-AF65-F5344CB8AC3E}">
+        <p14:creationId xmlns:p14="http://schemas.microsoft.com/office/powerpoint/2010/main" val="2973487452"/>
+      </p:ext>
+    </p:extLst>
+  </p:cSld>
+  <p:clrMapOvr>
+    <a:masterClrMapping/>
+  </p:clrMapOvr>
+</p:notes>
+</file>
+
+<file path=ppt/notesSlides/notesSlide27.xml><?xml version="1.0" encoding="utf-8"?>
+<p:notes xmlns:a="http://schemas.openxmlformats.org/drawingml/2006/main" xmlns:r="http://schemas.openxmlformats.org/officeDocument/2006/relationships" xmlns:p="http://schemas.openxmlformats.org/presentationml/2006/main">
+  <p:cSld>
+    <p:spTree>
+      <p:nvGrpSpPr>
+        <p:cNvPr id="1" name=""/>
+        <p:cNvGrpSpPr/>
+        <p:nvPr/>
+      </p:nvGrpSpPr>
+      <p:grpSpPr>
+        <a:xfrm>
+          <a:off x="0" y="0"/>
+          <a:ext cx="0" cy="0"/>
+          <a:chOff x="0" y="0"/>
+          <a:chExt cx="0" cy="0"/>
+        </a:xfrm>
+      </p:grpSpPr>
+      <p:sp>
+        <p:nvSpPr>
+          <p:cNvPr id="2" name="スライド イメージ プレースホルダー 1"/>
+          <p:cNvSpPr>
+            <a:spLocks noGrp="1" noRot="1" noChangeAspect="1"/>
+          </p:cNvSpPr>
+          <p:nvPr>
+            <p:ph type="sldImg"/>
+          </p:nvPr>
+        </p:nvSpPr>
+        <p:spPr/>
+      </p:sp>
+      <p:sp>
+        <p:nvSpPr>
+          <p:cNvPr id="3" name="ノート プレースホルダー 2"/>
+          <p:cNvSpPr>
+            <a:spLocks noGrp="1"/>
+          </p:cNvSpPr>
+          <p:nvPr>
+            <p:ph type="body" idx="1"/>
+          </p:nvPr>
+        </p:nvSpPr>
+        <p:spPr/>
+        <p:txBody>
+          <a:bodyPr/>
+          <a:lstStyle/>
+          <a:p>
+            <a:r>
+              <a:rPr kumimoji="1" lang="ja-JP" altLang="en-US" dirty="0" smtClean="0"/>
+              <a:t>そこで，本研究では，</a:t>
+            </a:r>
+            <a:r>
+              <a:rPr kumimoji="1" lang="en-US" altLang="ja-JP" dirty="0" smtClean="0"/>
+              <a:t>OSS</a:t>
+            </a:r>
+            <a:r>
+              <a:rPr kumimoji="1" lang="ja-JP" altLang="en-US" dirty="0" smtClean="0"/>
+              <a:t>に存在する既存の品質の高いテストコードを推薦するツール</a:t>
+            </a:r>
+            <a:r>
+              <a:rPr kumimoji="1" lang="en-US" altLang="ja-JP" dirty="0" err="1" smtClean="0"/>
+              <a:t>SuiteRec</a:t>
+            </a:r>
+            <a:r>
+              <a:rPr kumimoji="1" lang="ja-JP" altLang="en-US" dirty="0" err="1" smtClean="0"/>
+              <a:t>を紹</a:t>
+            </a:r>
+            <a:r>
+              <a:rPr kumimoji="1" lang="ja-JP" altLang="en-US" dirty="0" smtClean="0"/>
+              <a:t>介します。</a:t>
+            </a:r>
+            <a:endParaRPr kumimoji="1" lang="en-US" altLang="ja-JP" dirty="0" smtClean="0"/>
+          </a:p>
+          <a:p>
+            <a:endParaRPr kumimoji="1" lang="en-US" altLang="ja-JP" dirty="0" smtClean="0"/>
+          </a:p>
+          <a:p>
+            <a:r>
+              <a:rPr kumimoji="1" lang="ja-JP" altLang="en-US" dirty="0" smtClean="0"/>
+              <a:t>既存テストの利用は，コーディング規約や</a:t>
+            </a:r>
+            <a:r>
+              <a:rPr kumimoji="1" lang="en-US" altLang="ja-JP" dirty="0" smtClean="0"/>
+              <a:t>~~</a:t>
+            </a:r>
+            <a:r>
+              <a:rPr kumimoji="1" lang="ja-JP" altLang="en-US" dirty="0" smtClean="0"/>
+              <a:t>ことや</a:t>
+            </a:r>
+            <a:r>
+              <a:rPr kumimoji="1" lang="en-US" altLang="ja-JP" dirty="0" smtClean="0"/>
+              <a:t>~~</a:t>
+            </a:r>
+            <a:r>
+              <a:rPr kumimoji="1" lang="ja-JP" altLang="en-US" dirty="0" smtClean="0"/>
+              <a:t>を使用することができます</a:t>
+            </a:r>
+            <a:endParaRPr kumimoji="1" lang="en-US" altLang="ja-JP" dirty="0" smtClean="0"/>
+          </a:p>
+          <a:p>
+            <a:endParaRPr kumimoji="1" lang="en-US" altLang="ja-JP" dirty="0" smtClean="0"/>
+          </a:p>
+          <a:p>
+            <a:r>
+              <a:rPr kumimoji="1" lang="en-US" altLang="ja-JP" dirty="0" err="1" smtClean="0"/>
+              <a:t>SuiteRec</a:t>
+            </a:r>
+            <a:r>
+              <a:rPr kumimoji="1" lang="ja-JP" altLang="en-US" dirty="0" smtClean="0"/>
+              <a:t>の推薦手法の基本となるアイディアは，類似するソースコード間でのテストコードを再利用することです。</a:t>
+            </a:r>
+            <a:endParaRPr kumimoji="1" lang="en-US" altLang="ja-JP" dirty="0" smtClean="0"/>
+          </a:p>
+          <a:p>
+            <a:endParaRPr kumimoji="1" lang="en-US" altLang="ja-JP" dirty="0" smtClean="0"/>
+          </a:p>
+          <a:p>
+            <a:r>
+              <a:rPr kumimoji="1" lang="ja-JP" altLang="en-US" dirty="0" smtClean="0"/>
+              <a:t>この手法は，テストコードがない入力コード片</a:t>
+            </a:r>
+            <a:r>
+              <a:rPr kumimoji="1" lang="en-US" altLang="ja-JP" dirty="0" smtClean="0"/>
+              <a:t>A</a:t>
+            </a:r>
+            <a:r>
+              <a:rPr kumimoji="1" lang="ja-JP" altLang="en-US" dirty="0" smtClean="0"/>
+              <a:t>に対して類似したコード片を検出し，その類似コードに対応するテストコードを改変して，コード片</a:t>
+            </a:r>
+            <a:r>
+              <a:rPr kumimoji="1" lang="en-US" altLang="ja-JP" dirty="0" smtClean="0"/>
+              <a:t>A</a:t>
+            </a:r>
+            <a:r>
+              <a:rPr kumimoji="1" lang="ja-JP" altLang="en-US" dirty="0" smtClean="0"/>
+              <a:t>に再利用するといった手法になります．</a:t>
+            </a:r>
+            <a:endParaRPr kumimoji="1" lang="en-US" altLang="ja-JP" dirty="0" smtClean="0"/>
+          </a:p>
+          <a:p>
+            <a:endParaRPr kumimoji="1" lang="en-US" altLang="ja-JP" dirty="0" smtClean="0"/>
+          </a:p>
+          <a:p>
+            <a:r>
+              <a:rPr kumimoji="1" lang="ja-JP" altLang="en-US" dirty="0" smtClean="0"/>
+              <a:t>次に</a:t>
+            </a:r>
+            <a:r>
+              <a:rPr kumimoji="1" lang="en-US" altLang="ja-JP" dirty="0" err="1" smtClean="0"/>
+              <a:t>SuiteRec</a:t>
+            </a:r>
+            <a:r>
+              <a:rPr kumimoji="1" lang="ja-JP" altLang="en-US" dirty="0" smtClean="0"/>
+              <a:t>の概要です</a:t>
+            </a:r>
+            <a:endParaRPr kumimoji="1" lang="en-US" altLang="ja-JP" dirty="0" smtClean="0"/>
+          </a:p>
+          <a:p>
+            <a:endParaRPr kumimoji="1" lang="ja-JP" altLang="en-US" dirty="0"/>
+          </a:p>
+        </p:txBody>
+      </p:sp>
+      <p:sp>
+        <p:nvSpPr>
+          <p:cNvPr id="4" name="スライド番号プレースホルダー 3"/>
+          <p:cNvSpPr>
+            <a:spLocks noGrp="1"/>
+          </p:cNvSpPr>
+          <p:nvPr>
+            <p:ph type="sldNum" sz="quarter" idx="10"/>
+          </p:nvPr>
+        </p:nvSpPr>
+        <p:spPr/>
+        <p:txBody>
+          <a:bodyPr/>
+          <a:lstStyle/>
+          <a:p>
+            <a:fld id="{A375FAFC-A5AB-4FEC-AA23-92E34682EFAF}" type="slidenum">
+              <a:rPr kumimoji="1" lang="ja-JP" altLang="en-US" smtClean="0"/>
+              <a:t>34</a:t>
             </a:fld>
             <a:endParaRPr kumimoji="1" lang="ja-JP" altLang="en-US"/>
           </a:p>
@@ -18096,6 +18448,860 @@
           <a:lstStyle/>
           <a:p>
             <a:r>
+              <a:rPr kumimoji="1" lang="ja-JP" altLang="en-US" dirty="0" smtClean="0"/>
+              <a:t>評価実験</a:t>
+            </a:r>
+            <a:r>
+              <a:rPr kumimoji="1" lang="en-US" altLang="ja-JP" dirty="0" smtClean="0"/>
+              <a:t>1</a:t>
+            </a:r>
+            <a:endParaRPr kumimoji="1" lang="ja-JP" altLang="en-US" dirty="0"/>
+          </a:p>
+        </p:txBody>
+      </p:sp>
+      <p:sp>
+        <p:nvSpPr>
+          <p:cNvPr id="4" name="コンテンツ プレースホルダー 2"/>
+          <p:cNvSpPr>
+            <a:spLocks noGrp="1"/>
+          </p:cNvSpPr>
+          <p:nvPr>
+            <p:ph idx="1"/>
+          </p:nvPr>
+        </p:nvSpPr>
+        <p:spPr>
+          <a:xfrm>
+            <a:off x="838200" y="1370560"/>
+            <a:ext cx="10661374" cy="4947420"/>
+          </a:xfrm>
+        </p:spPr>
+        <p:txBody>
+          <a:bodyPr>
+            <a:normAutofit/>
+          </a:bodyPr>
+          <a:lstStyle/>
+          <a:p>
+            <a:r>
+              <a:rPr lang="ja-JP" altLang="en-US" dirty="0" smtClean="0"/>
+              <a:t>実験概要</a:t>
+            </a:r>
+            <a:endParaRPr lang="en-US" altLang="ja-JP" dirty="0" smtClean="0"/>
+          </a:p>
+          <a:p>
+            <a:pPr lvl="1"/>
+            <a:r>
+              <a:rPr kumimoji="1" lang="ja-JP" altLang="en-US" dirty="0" smtClean="0"/>
+              <a:t>情報科学を専攻する修士課程の学生</a:t>
+            </a:r>
+            <a:r>
+              <a:rPr kumimoji="1" lang="en-US" altLang="ja-JP" dirty="0" smtClean="0"/>
+              <a:t>10</a:t>
+            </a:r>
+            <a:r>
+              <a:rPr kumimoji="1" lang="ja-JP" altLang="en-US" dirty="0" smtClean="0"/>
+              <a:t>人</a:t>
+            </a:r>
+            <a:r>
+              <a:rPr lang="ja-JP" altLang="en-US" dirty="0" smtClean="0"/>
+              <a:t>に</a:t>
+            </a:r>
+            <a:r>
+              <a:rPr kumimoji="1" lang="en-US" altLang="ja-JP" dirty="0" smtClean="0"/>
+              <a:t>3</a:t>
+            </a:r>
+            <a:r>
+              <a:rPr kumimoji="1" lang="ja-JP" altLang="en-US" dirty="0" err="1" smtClean="0"/>
+              <a:t>つの</a:t>
+            </a:r>
+            <a:r>
+              <a:rPr kumimoji="1" lang="ja-JP" altLang="en-US" dirty="0" smtClean="0"/>
+              <a:t>タスクのテスト</a:t>
+            </a:r>
+            <a:r>
+              <a:rPr kumimoji="1" lang="en-US" altLang="ja-JP" dirty="0" smtClean="0"/>
+              <a:t/>
+            </a:r>
+            <a:br>
+              <a:rPr kumimoji="1" lang="en-US" altLang="ja-JP" dirty="0" smtClean="0"/>
+            </a:br>
+            <a:r>
+              <a:rPr kumimoji="1" lang="ja-JP" altLang="en-US" dirty="0" smtClean="0"/>
+              <a:t>コードを作成してもらう</a:t>
+            </a:r>
+            <a:endParaRPr kumimoji="1" lang="en-US" altLang="ja-JP" dirty="0" smtClean="0"/>
+          </a:p>
+          <a:p>
+            <a:pPr lvl="1"/>
+            <a:endParaRPr kumimoji="1" lang="en-US" altLang="ja-JP" dirty="0" smtClean="0"/>
+          </a:p>
+          <a:p>
+            <a:pPr lvl="1"/>
+            <a:endParaRPr lang="en-US" altLang="ja-JP" dirty="0"/>
+          </a:p>
+          <a:p>
+            <a:pPr lvl="1"/>
+            <a:endParaRPr kumimoji="1" lang="en-US" altLang="ja-JP" dirty="0" smtClean="0"/>
+          </a:p>
+          <a:p>
+            <a:pPr lvl="1"/>
+            <a:endParaRPr lang="en-US" altLang="ja-JP" dirty="0"/>
+          </a:p>
+          <a:p>
+            <a:pPr lvl="1"/>
+            <a:endParaRPr kumimoji="1" lang="en-US" altLang="ja-JP" dirty="0" smtClean="0"/>
+          </a:p>
+          <a:p>
+            <a:pPr lvl="1"/>
+            <a:endParaRPr lang="en-US" altLang="ja-JP" sz="1050" dirty="0"/>
+          </a:p>
+          <a:p>
+            <a:pPr lvl="1"/>
+            <a:endParaRPr kumimoji="1" lang="en-US" altLang="ja-JP" sz="1100" dirty="0" smtClean="0"/>
+          </a:p>
+          <a:p>
+            <a:pPr lvl="1"/>
+            <a:r>
+              <a:rPr lang="en-US" altLang="ja-JP" dirty="0" err="1" smtClean="0"/>
+              <a:t>SuiteRec</a:t>
+            </a:r>
+            <a:r>
+              <a:rPr lang="ja-JP" altLang="en-US" dirty="0" smtClean="0"/>
+              <a:t>を</a:t>
+            </a:r>
+            <a:r>
+              <a:rPr lang="ja-JP" altLang="en-US" dirty="0"/>
+              <a:t>使用した場合</a:t>
+            </a:r>
+            <a:r>
+              <a:rPr lang="ja-JP" altLang="en-US" dirty="0" smtClean="0"/>
+              <a:t>と手作業の場合で、被験者</a:t>
+            </a:r>
+            <a:r>
+              <a:rPr lang="ja-JP" altLang="en-US" dirty="0"/>
+              <a:t>が作成</a:t>
+            </a:r>
+            <a:r>
+              <a:rPr lang="ja-JP" altLang="en-US" dirty="0" smtClean="0"/>
+              <a:t>した</a:t>
+            </a:r>
+            <a:r>
+              <a:rPr lang="en-US" altLang="ja-JP" dirty="0" smtClean="0"/>
+              <a:t/>
+            </a:r>
+            <a:br>
+              <a:rPr lang="en-US" altLang="ja-JP" dirty="0" smtClean="0"/>
+            </a:br>
+            <a:r>
+              <a:rPr lang="ja-JP" altLang="en-US" dirty="0" smtClean="0"/>
+              <a:t>テストコードを比較し評価する</a:t>
+            </a:r>
+            <a:endParaRPr lang="en-US" altLang="ja-JP" dirty="0"/>
+          </a:p>
+          <a:p>
+            <a:pPr lvl="1"/>
+            <a:r>
+              <a:rPr lang="ja-JP" altLang="en-US" dirty="0" smtClean="0"/>
+              <a:t>実験後</a:t>
+            </a:r>
+            <a:r>
+              <a:rPr lang="ja-JP" altLang="en-US" dirty="0"/>
+              <a:t>に</a:t>
+            </a:r>
+            <a:r>
+              <a:rPr lang="ja-JP" altLang="en-US" dirty="0" smtClean="0"/>
+              <a:t>テストコード作成</a:t>
+            </a:r>
+            <a:r>
+              <a:rPr lang="ja-JP" altLang="en-US" dirty="0"/>
+              <a:t>タスクに関する</a:t>
+            </a:r>
+            <a:r>
+              <a:rPr lang="ja-JP" altLang="en-US" dirty="0" smtClean="0"/>
+              <a:t>アンケートを実施した</a:t>
+            </a:r>
+            <a:endParaRPr lang="en-US" altLang="ja-JP" dirty="0"/>
+          </a:p>
+        </p:txBody>
+      </p:sp>
+      <p:graphicFrame>
+        <p:nvGraphicFramePr>
+          <p:cNvPr id="6" name="表 5">
+            <a:extLst>
+              <a:ext uri="{FF2B5EF4-FFF2-40B4-BE49-F238E27FC236}">
+                <a16:creationId xmlns:a16="http://schemas.microsoft.com/office/drawing/2014/main" id="{87964DFD-F275-4C44-B076-415E0F6060EA}"/>
+              </a:ext>
+            </a:extLst>
+          </p:cNvPr>
+          <p:cNvGraphicFramePr>
+            <a:graphicFrameLocks noGrp="1"/>
+          </p:cNvGraphicFramePr>
+          <p:nvPr>
+            <p:extLst>
+              <p:ext uri="{D42A27DB-BD31-4B8C-83A1-F6EECF244321}">
+                <p14:modId xmlns:p14="http://schemas.microsoft.com/office/powerpoint/2010/main" val="2952369831"/>
+              </p:ext>
+            </p:extLst>
+          </p:nvPr>
+        </p:nvGraphicFramePr>
+        <p:xfrm>
+          <a:off x="1590077" y="2610557"/>
+          <a:ext cx="9157619" cy="2004010"/>
+        </p:xfrm>
+        <a:graphic>
+          <a:graphicData uri="http://schemas.openxmlformats.org/drawingml/2006/table">
+            <a:tbl>
+              <a:tblPr firstRow="1" bandRow="1">
+                <a:tableStyleId>{5940675A-B579-460E-94D1-54222C63F5DA}</a:tableStyleId>
+              </a:tblPr>
+              <a:tblGrid>
+                <a:gridCol w="1828786">
+                  <a:extLst>
+                    <a:ext uri="{9D8B030D-6E8A-4147-A177-3AD203B41FA5}">
+                      <a16:colId xmlns:a16="http://schemas.microsoft.com/office/drawing/2014/main" val="4145545375"/>
+                    </a:ext>
+                  </a:extLst>
+                </a:gridCol>
+                <a:gridCol w="1876729">
+                  <a:extLst>
+                    <a:ext uri="{9D8B030D-6E8A-4147-A177-3AD203B41FA5}">
+                      <a16:colId xmlns:a16="http://schemas.microsoft.com/office/drawing/2014/main" val="2950792704"/>
+                    </a:ext>
+                  </a:extLst>
+                </a:gridCol>
+                <a:gridCol w="2680505">
+                  <a:extLst>
+                    <a:ext uri="{9D8B030D-6E8A-4147-A177-3AD203B41FA5}">
+                      <a16:colId xmlns:a16="http://schemas.microsoft.com/office/drawing/2014/main" val="1275456125"/>
+                    </a:ext>
+                  </a:extLst>
+                </a:gridCol>
+                <a:gridCol w="2771599">
+                  <a:extLst>
+                    <a:ext uri="{9D8B030D-6E8A-4147-A177-3AD203B41FA5}">
+                      <a16:colId xmlns:a16="http://schemas.microsoft.com/office/drawing/2014/main" val="4154031782"/>
+                    </a:ext>
+                  </a:extLst>
+                </a:gridCol>
+              </a:tblGrid>
+              <a:tr h="308708">
+                <a:tc>
+                  <a:txBody>
+                    <a:bodyPr/>
+                    <a:lstStyle/>
+                    <a:p>
+                      <a:endParaRPr kumimoji="1" lang="ja-JP" altLang="en-US" sz="1800" dirty="0"/>
+                    </a:p>
+                  </a:txBody>
+                  <a:tcPr>
+                    <a:solidFill>
+                      <a:schemeClr val="bg2"/>
+                    </a:solidFill>
+                  </a:tcPr>
+                </a:tc>
+                <a:tc>
+                  <a:txBody>
+                    <a:bodyPr/>
+                    <a:lstStyle/>
+                    <a:p>
+                      <a:pPr algn="ctr">
+                        <a:lnSpc>
+                          <a:spcPct val="150000"/>
+                        </a:lnSpc>
+                      </a:pPr>
+                      <a:r>
+                        <a:rPr kumimoji="1" lang="en-US" altLang="ja-JP" sz="1800" b="1" dirty="0">
+                          <a:latin typeface="メイリオ" panose="020B0604030504040204" pitchFamily="50" charset="-128"/>
+                          <a:ea typeface="メイリオ" panose="020B0604030504040204" pitchFamily="50" charset="-128"/>
+                        </a:rPr>
+                        <a:t>Task1</a:t>
+                      </a:r>
+                      <a:endParaRPr kumimoji="1" lang="ja-JP" altLang="en-US" sz="1800" b="1" dirty="0">
+                        <a:latin typeface="メイリオ" panose="020B0604030504040204" pitchFamily="50" charset="-128"/>
+                        <a:ea typeface="メイリオ" panose="020B0604030504040204" pitchFamily="50" charset="-128"/>
+                      </a:endParaRPr>
+                    </a:p>
+                  </a:txBody>
+                  <a:tcPr>
+                    <a:solidFill>
+                      <a:schemeClr val="bg2"/>
+                    </a:solidFill>
+                  </a:tcPr>
+                </a:tc>
+                <a:tc>
+                  <a:txBody>
+                    <a:bodyPr/>
+                    <a:lstStyle/>
+                    <a:p>
+                      <a:pPr algn="ctr">
+                        <a:lnSpc>
+                          <a:spcPct val="150000"/>
+                        </a:lnSpc>
+                      </a:pPr>
+                      <a:r>
+                        <a:rPr kumimoji="1" lang="en-US" altLang="ja-JP" sz="1800" b="1" dirty="0">
+                          <a:latin typeface="メイリオ" panose="020B0604030504040204" pitchFamily="50" charset="-128"/>
+                          <a:ea typeface="メイリオ" panose="020B0604030504040204" pitchFamily="50" charset="-128"/>
+                        </a:rPr>
+                        <a:t>Task2</a:t>
+                      </a:r>
+                      <a:endParaRPr kumimoji="1" lang="ja-JP" altLang="en-US" sz="1800" b="1" dirty="0">
+                        <a:latin typeface="メイリオ" panose="020B0604030504040204" pitchFamily="50" charset="-128"/>
+                        <a:ea typeface="メイリオ" panose="020B0604030504040204" pitchFamily="50" charset="-128"/>
+                      </a:endParaRPr>
+                    </a:p>
+                  </a:txBody>
+                  <a:tcPr>
+                    <a:solidFill>
+                      <a:schemeClr val="bg2"/>
+                    </a:solidFill>
+                  </a:tcPr>
+                </a:tc>
+                <a:tc>
+                  <a:txBody>
+                    <a:bodyPr/>
+                    <a:lstStyle/>
+                    <a:p>
+                      <a:pPr algn="ctr">
+                        <a:lnSpc>
+                          <a:spcPct val="150000"/>
+                        </a:lnSpc>
+                      </a:pPr>
+                      <a:r>
+                        <a:rPr kumimoji="1" lang="en-US" altLang="ja-JP" sz="1800" b="1" dirty="0">
+                          <a:latin typeface="メイリオ" panose="020B0604030504040204" pitchFamily="50" charset="-128"/>
+                          <a:ea typeface="メイリオ" panose="020B0604030504040204" pitchFamily="50" charset="-128"/>
+                        </a:rPr>
+                        <a:t>Task3</a:t>
+                      </a:r>
+                      <a:endParaRPr kumimoji="1" lang="ja-JP" altLang="en-US" sz="1800" b="1" dirty="0">
+                        <a:latin typeface="メイリオ" panose="020B0604030504040204" pitchFamily="50" charset="-128"/>
+                        <a:ea typeface="メイリオ" panose="020B0604030504040204" pitchFamily="50" charset="-128"/>
+                      </a:endParaRPr>
+                    </a:p>
+                  </a:txBody>
+                  <a:tcPr>
+                    <a:solidFill>
+                      <a:schemeClr val="bg2"/>
+                    </a:solidFill>
+                  </a:tcPr>
+                </a:tc>
+                <a:extLst>
+                  <a:ext uri="{0D108BD9-81ED-4DB2-BD59-A6C34878D82A}">
+                    <a16:rowId xmlns:a16="http://schemas.microsoft.com/office/drawing/2014/main" val="1605085478"/>
+                  </a:ext>
+                </a:extLst>
+              </a:tr>
+              <a:tr h="1076676">
+                <a:tc>
+                  <a:txBody>
+                    <a:bodyPr/>
+                    <a:lstStyle/>
+                    <a:p>
+                      <a:pPr marL="0" marR="0" lvl="0" indent="0" algn="l" defTabSz="914400" rtl="0" eaLnBrk="1" fontAlgn="auto" latinLnBrk="0" hangingPunct="1">
+                        <a:lnSpc>
+                          <a:spcPct val="100000"/>
+                        </a:lnSpc>
+                        <a:spcBef>
+                          <a:spcPts val="0"/>
+                        </a:spcBef>
+                        <a:spcAft>
+                          <a:spcPts val="0"/>
+                        </a:spcAft>
+                        <a:buClrTx/>
+                        <a:buSzTx/>
+                        <a:buFontTx/>
+                        <a:buNone/>
+                        <a:tabLst/>
+                        <a:defRPr/>
+                      </a:pPr>
+                      <a:r>
+                        <a:rPr kumimoji="1" lang="ja-JP" altLang="en-US" sz="1800" dirty="0">
+                          <a:latin typeface="メイリオ" panose="020B0604030504040204" pitchFamily="50" charset="-128"/>
+                          <a:ea typeface="メイリオ" panose="020B0604030504040204" pitchFamily="50" charset="-128"/>
+                        </a:rPr>
+                        <a:t>プロダクションコードの概要</a:t>
+                      </a:r>
+                    </a:p>
+                  </a:txBody>
+                  <a:tcPr/>
+                </a:tc>
+                <a:tc>
+                  <a:txBody>
+                    <a:bodyPr/>
+                    <a:lstStyle/>
+                    <a:p>
+                      <a:pPr marL="0" marR="0" lvl="0" indent="0" algn="l" defTabSz="914400" rtl="0" eaLnBrk="1" fontAlgn="auto" latinLnBrk="0" hangingPunct="1">
+                        <a:lnSpc>
+                          <a:spcPct val="100000"/>
+                        </a:lnSpc>
+                        <a:spcBef>
+                          <a:spcPts val="0"/>
+                        </a:spcBef>
+                        <a:spcAft>
+                          <a:spcPts val="0"/>
+                        </a:spcAft>
+                        <a:buClrTx/>
+                        <a:buSzTx/>
+                        <a:buFontTx/>
+                        <a:buNone/>
+                        <a:tabLst/>
+                        <a:defRPr/>
+                      </a:pPr>
+                      <a:r>
+                        <a:rPr kumimoji="1" lang="ja-JP" altLang="en-US" sz="1600" dirty="0">
+                          <a:latin typeface="メイリオ" panose="020B0604030504040204" pitchFamily="50" charset="-128"/>
+                          <a:ea typeface="メイリオ" panose="020B0604030504040204" pitchFamily="50" charset="-128"/>
+                        </a:rPr>
+                        <a:t>入力値に応じて</a:t>
+                      </a:r>
+                      <a:r>
+                        <a:rPr kumimoji="1" lang="en-US" altLang="ja-JP" sz="1600" dirty="0">
+                          <a:latin typeface="メイリオ" panose="020B0604030504040204" pitchFamily="50" charset="-128"/>
+                          <a:ea typeface="メイリオ" panose="020B0604030504040204" pitchFamily="50" charset="-128"/>
+                        </a:rPr>
+                        <a:t>, "fizz", "buzz", "</a:t>
+                      </a:r>
+                      <a:r>
+                        <a:rPr kumimoji="1" lang="en-US" altLang="ja-JP" sz="1600" dirty="0" err="1">
+                          <a:latin typeface="メイリオ" panose="020B0604030504040204" pitchFamily="50" charset="-128"/>
+                          <a:ea typeface="メイリオ" panose="020B0604030504040204" pitchFamily="50" charset="-128"/>
+                        </a:rPr>
+                        <a:t>fizzbuzz</a:t>
+                      </a:r>
+                      <a:r>
+                        <a:rPr kumimoji="1" lang="en-US" altLang="ja-JP" sz="1600" dirty="0">
+                          <a:latin typeface="メイリオ" panose="020B0604030504040204" pitchFamily="50" charset="-128"/>
+                          <a:ea typeface="メイリオ" panose="020B0604030504040204" pitchFamily="50" charset="-128"/>
+                        </a:rPr>
+                        <a:t>"</a:t>
+                      </a:r>
+                      <a:r>
+                        <a:rPr kumimoji="1" lang="ja-JP" altLang="en-US" sz="1600" dirty="0">
+                          <a:latin typeface="メイリオ" panose="020B0604030504040204" pitchFamily="50" charset="-128"/>
+                          <a:ea typeface="メイリオ" panose="020B0604030504040204" pitchFamily="50" charset="-128"/>
+                        </a:rPr>
+                        <a:t>を返すプログラム</a:t>
+                      </a:r>
+                      <a:endParaRPr kumimoji="1" lang="en-US" altLang="ja-JP" sz="1600" dirty="0">
+                        <a:latin typeface="メイリオ" panose="020B0604030504040204" pitchFamily="50" charset="-128"/>
+                        <a:ea typeface="メイリオ" panose="020B0604030504040204" pitchFamily="50" charset="-128"/>
+                      </a:endParaRPr>
+                    </a:p>
+                  </a:txBody>
+                  <a:tcPr/>
+                </a:tc>
+                <a:tc>
+                  <a:txBody>
+                    <a:bodyPr/>
+                    <a:lstStyle/>
+                    <a:p>
+                      <a:pPr marL="0" marR="0" lvl="0" indent="0" algn="l" defTabSz="914400" rtl="0" eaLnBrk="1" fontAlgn="auto" latinLnBrk="0" hangingPunct="1">
+                        <a:lnSpc>
+                          <a:spcPct val="100000"/>
+                        </a:lnSpc>
+                        <a:spcBef>
+                          <a:spcPts val="0"/>
+                        </a:spcBef>
+                        <a:spcAft>
+                          <a:spcPts val="0"/>
+                        </a:spcAft>
+                        <a:buClrTx/>
+                        <a:buSzTx/>
+                        <a:buFontTx/>
+                        <a:buNone/>
+                        <a:tabLst/>
+                        <a:defRPr/>
+                      </a:pPr>
+                      <a:r>
+                        <a:rPr kumimoji="1" lang="ja-JP" altLang="en-US" sz="1600" dirty="0">
+                          <a:latin typeface="メイリオ" panose="020B0604030504040204" pitchFamily="50" charset="-128"/>
+                          <a:ea typeface="メイリオ" panose="020B0604030504040204" pitchFamily="50" charset="-128"/>
+                        </a:rPr>
+                        <a:t>第</a:t>
+                      </a:r>
+                      <a:r>
+                        <a:rPr kumimoji="1" lang="en-US" altLang="ja-JP" sz="1600" dirty="0">
+                          <a:latin typeface="メイリオ" panose="020B0604030504040204" pitchFamily="50" charset="-128"/>
+                          <a:ea typeface="メイリオ" panose="020B0604030504040204" pitchFamily="50" charset="-128"/>
+                        </a:rPr>
+                        <a:t>1</a:t>
+                      </a:r>
+                      <a:r>
+                        <a:rPr kumimoji="1" lang="ja-JP" altLang="en-US" sz="1600" dirty="0">
+                          <a:latin typeface="メイリオ" panose="020B0604030504040204" pitchFamily="50" charset="-128"/>
+                          <a:ea typeface="メイリオ" panose="020B0604030504040204" pitchFamily="50" charset="-128"/>
+                        </a:rPr>
+                        <a:t>引数に応じて</a:t>
+                      </a:r>
+                      <a:r>
+                        <a:rPr kumimoji="1" lang="en-US" altLang="ja-JP" sz="1600" dirty="0">
+                          <a:latin typeface="メイリオ" panose="020B0604030504040204" pitchFamily="50" charset="-128"/>
+                          <a:ea typeface="メイリオ" panose="020B0604030504040204" pitchFamily="50" charset="-128"/>
+                        </a:rPr>
+                        <a:t>, </a:t>
+                      </a:r>
+                      <a:r>
+                        <a:rPr kumimoji="1" lang="ja-JP" altLang="en-US" sz="1600" dirty="0">
+                          <a:latin typeface="メイリオ" panose="020B0604030504040204" pitchFamily="50" charset="-128"/>
+                          <a:ea typeface="メイリオ" panose="020B0604030504040204" pitchFamily="50" charset="-128"/>
+                        </a:rPr>
+                        <a:t>残り</a:t>
+                      </a:r>
+                      <a:r>
+                        <a:rPr kumimoji="1" lang="en-US" altLang="ja-JP" sz="1600" dirty="0">
+                          <a:latin typeface="メイリオ" panose="020B0604030504040204" pitchFamily="50" charset="-128"/>
+                          <a:ea typeface="メイリオ" panose="020B0604030504040204" pitchFamily="50" charset="-128"/>
+                        </a:rPr>
+                        <a:t>3</a:t>
+                      </a:r>
+                      <a:r>
+                        <a:rPr kumimoji="1" lang="ja-JP" altLang="en-US" sz="1600" dirty="0">
+                          <a:latin typeface="メイリオ" panose="020B0604030504040204" pitchFamily="50" charset="-128"/>
+                          <a:ea typeface="メイリオ" panose="020B0604030504040204" pitchFamily="50" charset="-128"/>
+                        </a:rPr>
+                        <a:t>引数の計算方法</a:t>
+                      </a:r>
+                      <a:r>
+                        <a:rPr kumimoji="1" lang="en-US" altLang="ja-JP" sz="1600" dirty="0">
+                          <a:latin typeface="メイリオ" panose="020B0604030504040204" pitchFamily="50" charset="-128"/>
+                          <a:ea typeface="メイリオ" panose="020B0604030504040204" pitchFamily="50" charset="-128"/>
+                        </a:rPr>
+                        <a:t>(</a:t>
+                      </a:r>
+                      <a:r>
+                        <a:rPr kumimoji="1" lang="ja-JP" altLang="en-US" sz="1600" dirty="0">
+                          <a:latin typeface="メイリオ" panose="020B0604030504040204" pitchFamily="50" charset="-128"/>
+                          <a:ea typeface="メイリオ" panose="020B0604030504040204" pitchFamily="50" charset="-128"/>
+                        </a:rPr>
+                        <a:t>最大値</a:t>
+                      </a:r>
+                      <a:r>
+                        <a:rPr kumimoji="1" lang="en-US" altLang="ja-JP" sz="1600" dirty="0">
+                          <a:latin typeface="メイリオ" panose="020B0604030504040204" pitchFamily="50" charset="-128"/>
+                          <a:ea typeface="メイリオ" panose="020B0604030504040204" pitchFamily="50" charset="-128"/>
+                        </a:rPr>
+                        <a:t>, </a:t>
+                      </a:r>
+                      <a:r>
+                        <a:rPr kumimoji="1" lang="ja-JP" altLang="en-US" sz="1600" dirty="0">
+                          <a:latin typeface="メイリオ" panose="020B0604030504040204" pitchFamily="50" charset="-128"/>
+                          <a:ea typeface="メイリオ" panose="020B0604030504040204" pitchFamily="50" charset="-128"/>
+                        </a:rPr>
+                        <a:t>中央値</a:t>
+                      </a:r>
+                      <a:r>
+                        <a:rPr kumimoji="1" lang="en-US" altLang="ja-JP" sz="1600" dirty="0">
+                          <a:latin typeface="メイリオ" panose="020B0604030504040204" pitchFamily="50" charset="-128"/>
+                          <a:ea typeface="メイリオ" panose="020B0604030504040204" pitchFamily="50" charset="-128"/>
+                        </a:rPr>
+                        <a:t>, </a:t>
+                      </a:r>
+                      <a:r>
+                        <a:rPr kumimoji="1" lang="ja-JP" altLang="en-US" sz="1600" dirty="0">
+                          <a:latin typeface="メイリオ" panose="020B0604030504040204" pitchFamily="50" charset="-128"/>
+                          <a:ea typeface="メイリオ" panose="020B0604030504040204" pitchFamily="50" charset="-128"/>
+                        </a:rPr>
+                        <a:t>最小値</a:t>
+                      </a:r>
+                      <a:r>
+                        <a:rPr kumimoji="1" lang="en-US" altLang="ja-JP" sz="1600" dirty="0">
+                          <a:latin typeface="メイリオ" panose="020B0604030504040204" pitchFamily="50" charset="-128"/>
+                          <a:ea typeface="メイリオ" panose="020B0604030504040204" pitchFamily="50" charset="-128"/>
+                        </a:rPr>
+                        <a:t>)</a:t>
+                      </a:r>
+                      <a:r>
+                        <a:rPr kumimoji="1" lang="ja-JP" altLang="en-US" sz="1600" dirty="0">
+                          <a:latin typeface="メイリオ" panose="020B0604030504040204" pitchFamily="50" charset="-128"/>
+                          <a:ea typeface="メイリオ" panose="020B0604030504040204" pitchFamily="50" charset="-128"/>
+                        </a:rPr>
+                        <a:t>を変更し</a:t>
+                      </a:r>
+                      <a:r>
+                        <a:rPr kumimoji="1" lang="en-US" altLang="ja-JP" sz="1600" dirty="0">
+                          <a:latin typeface="メイリオ" panose="020B0604030504040204" pitchFamily="50" charset="-128"/>
+                          <a:ea typeface="メイリオ" panose="020B0604030504040204" pitchFamily="50" charset="-128"/>
+                        </a:rPr>
+                        <a:t>, </a:t>
+                      </a:r>
+                      <a:r>
+                        <a:rPr kumimoji="1" lang="ja-JP" altLang="en-US" sz="1600" dirty="0">
+                          <a:latin typeface="メイリオ" panose="020B0604030504040204" pitchFamily="50" charset="-128"/>
+                          <a:ea typeface="メイリオ" panose="020B0604030504040204" pitchFamily="50" charset="-128"/>
+                        </a:rPr>
+                        <a:t>計算結果を返すプログラム</a:t>
+                      </a:r>
+                    </a:p>
+                  </a:txBody>
+                  <a:tcPr/>
+                </a:tc>
+                <a:tc>
+                  <a:txBody>
+                    <a:bodyPr/>
+                    <a:lstStyle/>
+                    <a:p>
+                      <a:pPr marL="0" marR="0" lvl="0" indent="0" algn="l" defTabSz="914400" rtl="0" eaLnBrk="1" fontAlgn="auto" latinLnBrk="0" hangingPunct="1">
+                        <a:lnSpc>
+                          <a:spcPct val="100000"/>
+                        </a:lnSpc>
+                        <a:spcBef>
+                          <a:spcPts val="0"/>
+                        </a:spcBef>
+                        <a:spcAft>
+                          <a:spcPts val="0"/>
+                        </a:spcAft>
+                        <a:buClrTx/>
+                        <a:buSzTx/>
+                        <a:buFontTx/>
+                        <a:buNone/>
+                        <a:tabLst/>
+                        <a:defRPr/>
+                      </a:pPr>
+                      <a:r>
+                        <a:rPr kumimoji="1" lang="en-US" altLang="ja-JP" sz="1600" dirty="0">
+                          <a:latin typeface="メイリオ" panose="020B0604030504040204" pitchFamily="50" charset="-128"/>
+                          <a:ea typeface="メイリオ" panose="020B0604030504040204" pitchFamily="50" charset="-128"/>
+                        </a:rPr>
+                        <a:t>2</a:t>
+                      </a:r>
+                      <a:r>
+                        <a:rPr kumimoji="1" lang="ja-JP" altLang="en-US" sz="1600" dirty="0" err="1">
+                          <a:latin typeface="メイリオ" panose="020B0604030504040204" pitchFamily="50" charset="-128"/>
+                          <a:ea typeface="メイリオ" panose="020B0604030504040204" pitchFamily="50" charset="-128"/>
+                        </a:rPr>
+                        <a:t>つの</a:t>
+                      </a:r>
+                      <a:r>
+                        <a:rPr kumimoji="1" lang="ja-JP" altLang="en-US" sz="1600" dirty="0">
+                          <a:latin typeface="メイリオ" panose="020B0604030504040204" pitchFamily="50" charset="-128"/>
+                          <a:ea typeface="メイリオ" panose="020B0604030504040204" pitchFamily="50" charset="-128"/>
+                        </a:rPr>
+                        <a:t>スコア</a:t>
+                      </a:r>
+                      <a:r>
+                        <a:rPr kumimoji="1" lang="en-US" altLang="ja-JP" sz="1600" dirty="0">
+                          <a:latin typeface="メイリオ" panose="020B0604030504040204" pitchFamily="50" charset="-128"/>
+                          <a:ea typeface="メイリオ" panose="020B0604030504040204" pitchFamily="50" charset="-128"/>
+                        </a:rPr>
+                        <a:t>(0~100</a:t>
+                      </a:r>
+                      <a:r>
+                        <a:rPr kumimoji="1" lang="ja-JP" altLang="en-US" sz="1600" dirty="0">
+                          <a:latin typeface="メイリオ" panose="020B0604030504040204" pitchFamily="50" charset="-128"/>
+                          <a:ea typeface="メイリオ" panose="020B0604030504040204" pitchFamily="50" charset="-128"/>
+                        </a:rPr>
+                        <a:t>点</a:t>
+                      </a:r>
+                      <a:r>
+                        <a:rPr kumimoji="1" lang="en-US" altLang="ja-JP" sz="1600" dirty="0">
+                          <a:latin typeface="メイリオ" panose="020B0604030504040204" pitchFamily="50" charset="-128"/>
+                          <a:ea typeface="メイリオ" panose="020B0604030504040204" pitchFamily="50" charset="-128"/>
+                        </a:rPr>
+                        <a:t>)</a:t>
+                      </a:r>
+                      <a:r>
+                        <a:rPr kumimoji="1" lang="ja-JP" altLang="en-US" sz="1600" dirty="0">
+                          <a:latin typeface="メイリオ" panose="020B0604030504040204" pitchFamily="50" charset="-128"/>
+                          <a:ea typeface="メイリオ" panose="020B0604030504040204" pitchFamily="50" charset="-128"/>
+                        </a:rPr>
+                        <a:t>を入力し</a:t>
+                      </a:r>
+                      <a:r>
+                        <a:rPr kumimoji="1" lang="en-US" altLang="ja-JP" sz="1600" dirty="0">
+                          <a:latin typeface="メイリオ" panose="020B0604030504040204" pitchFamily="50" charset="-128"/>
+                          <a:ea typeface="メイリオ" panose="020B0604030504040204" pitchFamily="50" charset="-128"/>
+                        </a:rPr>
+                        <a:t>, </a:t>
+                      </a:r>
+                      <a:r>
+                        <a:rPr kumimoji="1" lang="ja-JP" altLang="en-US" sz="1600" dirty="0">
+                          <a:latin typeface="メイリオ" panose="020B0604030504040204" pitchFamily="50" charset="-128"/>
+                          <a:ea typeface="メイリオ" panose="020B0604030504040204" pitchFamily="50" charset="-128"/>
+                        </a:rPr>
+                        <a:t>条件に従って試験の結果を判定するプログラム</a:t>
+                      </a:r>
+                    </a:p>
+                  </a:txBody>
+                  <a:tcPr/>
+                </a:tc>
+                <a:extLst>
+                  <a:ext uri="{0D108BD9-81ED-4DB2-BD59-A6C34878D82A}">
+                    <a16:rowId xmlns:a16="http://schemas.microsoft.com/office/drawing/2014/main" val="2173312194"/>
+                  </a:ext>
+                </a:extLst>
+              </a:tr>
+              <a:tr h="458704">
+                <a:tc>
+                  <a:txBody>
+                    <a:bodyPr/>
+                    <a:lstStyle/>
+                    <a:p>
+                      <a:pPr marL="0" marR="0" lvl="0" indent="0" algn="l" defTabSz="914400" rtl="0" eaLnBrk="1" fontAlgn="auto" latinLnBrk="0" hangingPunct="1">
+                        <a:lnSpc>
+                          <a:spcPct val="100000"/>
+                        </a:lnSpc>
+                        <a:spcBef>
+                          <a:spcPts val="0"/>
+                        </a:spcBef>
+                        <a:spcAft>
+                          <a:spcPts val="0"/>
+                        </a:spcAft>
+                        <a:buClrTx/>
+                        <a:buSzTx/>
+                        <a:buFontTx/>
+                        <a:buNone/>
+                        <a:tabLst/>
+                        <a:defRPr/>
+                      </a:pPr>
+                      <a:r>
+                        <a:rPr kumimoji="1" lang="ja-JP" altLang="en-US" sz="1800">
+                          <a:latin typeface="メイリオ" panose="020B0604030504040204" pitchFamily="50" charset="-128"/>
+                          <a:ea typeface="メイリオ" panose="020B0604030504040204" pitchFamily="50" charset="-128"/>
+                        </a:rPr>
+                        <a:t>条件分岐の数</a:t>
+                      </a:r>
+                    </a:p>
+                  </a:txBody>
+                  <a:tcPr/>
+                </a:tc>
+                <a:tc>
+                  <a:txBody>
+                    <a:bodyPr/>
+                    <a:lstStyle/>
+                    <a:p>
+                      <a:pPr algn="r">
+                        <a:lnSpc>
+                          <a:spcPct val="100000"/>
+                        </a:lnSpc>
+                      </a:pPr>
+                      <a:r>
+                        <a:rPr kumimoji="1" lang="en-US" altLang="ja-JP" sz="2000" dirty="0">
+                          <a:latin typeface="メイリオ" panose="020B0604030504040204" pitchFamily="50" charset="-128"/>
+                          <a:ea typeface="メイリオ" panose="020B0604030504040204" pitchFamily="50" charset="-128"/>
+                        </a:rPr>
+                        <a:t>8</a:t>
+                      </a:r>
+                      <a:endParaRPr kumimoji="1" lang="ja-JP" altLang="en-US" sz="2000" dirty="0">
+                        <a:latin typeface="メイリオ" panose="020B0604030504040204" pitchFamily="50" charset="-128"/>
+                        <a:ea typeface="メイリオ" panose="020B0604030504040204" pitchFamily="50" charset="-128"/>
+                      </a:endParaRPr>
+                    </a:p>
+                  </a:txBody>
+                  <a:tcPr/>
+                </a:tc>
+                <a:tc>
+                  <a:txBody>
+                    <a:bodyPr/>
+                    <a:lstStyle/>
+                    <a:p>
+                      <a:pPr algn="r">
+                        <a:lnSpc>
+                          <a:spcPct val="100000"/>
+                        </a:lnSpc>
+                      </a:pPr>
+                      <a:r>
+                        <a:rPr kumimoji="1" lang="en-US" altLang="ja-JP" sz="2000" dirty="0">
+                          <a:latin typeface="メイリオ" panose="020B0604030504040204" pitchFamily="50" charset="-128"/>
+                          <a:ea typeface="メイリオ" panose="020B0604030504040204" pitchFamily="50" charset="-128"/>
+                        </a:rPr>
+                        <a:t>16</a:t>
+                      </a:r>
+                      <a:endParaRPr kumimoji="1" lang="ja-JP" altLang="en-US" sz="2000" dirty="0">
+                        <a:latin typeface="メイリオ" panose="020B0604030504040204" pitchFamily="50" charset="-128"/>
+                        <a:ea typeface="メイリオ" panose="020B0604030504040204" pitchFamily="50" charset="-128"/>
+                      </a:endParaRPr>
+                    </a:p>
+                  </a:txBody>
+                  <a:tcPr/>
+                </a:tc>
+                <a:tc>
+                  <a:txBody>
+                    <a:bodyPr/>
+                    <a:lstStyle/>
+                    <a:p>
+                      <a:pPr algn="r">
+                        <a:lnSpc>
+                          <a:spcPct val="100000"/>
+                        </a:lnSpc>
+                      </a:pPr>
+                      <a:r>
+                        <a:rPr kumimoji="1" lang="en-US" altLang="ja-JP" sz="2000" dirty="0">
+                          <a:latin typeface="メイリオ" panose="020B0604030504040204" pitchFamily="50" charset="-128"/>
+                          <a:ea typeface="メイリオ" panose="020B0604030504040204" pitchFamily="50" charset="-128"/>
+                        </a:rPr>
+                        <a:t>24</a:t>
+                      </a:r>
+                      <a:endParaRPr kumimoji="1" lang="ja-JP" altLang="en-US" sz="2000" dirty="0">
+                        <a:latin typeface="メイリオ" panose="020B0604030504040204" pitchFamily="50" charset="-128"/>
+                        <a:ea typeface="メイリオ" panose="020B0604030504040204" pitchFamily="50" charset="-128"/>
+                      </a:endParaRPr>
+                    </a:p>
+                  </a:txBody>
+                  <a:tcPr/>
+                </a:tc>
+                <a:extLst>
+                  <a:ext uri="{0D108BD9-81ED-4DB2-BD59-A6C34878D82A}">
+                    <a16:rowId xmlns:a16="http://schemas.microsoft.com/office/drawing/2014/main" val="790211941"/>
+                  </a:ext>
+                </a:extLst>
+              </a:tr>
+            </a:tbl>
+          </a:graphicData>
+        </a:graphic>
+      </p:graphicFrame>
+    </p:spTree>
+    <p:extLst>
+      <p:ext uri="{BB962C8B-B14F-4D97-AF65-F5344CB8AC3E}">
+        <p14:creationId xmlns:p14="http://schemas.microsoft.com/office/powerpoint/2010/main" val="631923413"/>
+      </p:ext>
+    </p:extLst>
+  </p:cSld>
+  <p:clrMapOvr>
+    <a:masterClrMapping/>
+  </p:clrMapOvr>
+  <p:timing>
+    <p:tnLst>
+      <p:par>
+        <p:cTn id="1" dur="indefinite" restart="never" nodeType="tmRoot"/>
+      </p:par>
+    </p:tnLst>
+  </p:timing>
+</p:sld>
+</file>
+
+<file path=ppt/slides/slide15.xml><?xml version="1.0" encoding="utf-8"?>
+<p:sld xmlns:a="http://schemas.openxmlformats.org/drawingml/2006/main" xmlns:r="http://schemas.openxmlformats.org/officeDocument/2006/relationships" xmlns:p="http://schemas.openxmlformats.org/presentationml/2006/main">
+  <p:cSld>
+    <p:spTree>
+      <p:nvGrpSpPr>
+        <p:cNvPr id="1" name=""/>
+        <p:cNvGrpSpPr/>
+        <p:nvPr/>
+      </p:nvGrpSpPr>
+      <p:grpSpPr>
+        <a:xfrm>
+          <a:off x="0" y="0"/>
+          <a:ext cx="0" cy="0"/>
+          <a:chOff x="0" y="0"/>
+          <a:chExt cx="0" cy="0"/>
+        </a:xfrm>
+      </p:grpSpPr>
+      <p:sp>
+        <p:nvSpPr>
+          <p:cNvPr id="3" name="タイトル 2"/>
+          <p:cNvSpPr>
+            <a:spLocks noGrp="1"/>
+          </p:cNvSpPr>
+          <p:nvPr>
+            <p:ph type="title"/>
+          </p:nvPr>
+        </p:nvSpPr>
+        <p:spPr/>
+        <p:txBody>
+          <a:bodyPr/>
+          <a:lstStyle/>
+          <a:p>
+            <a:r>
               <a:rPr lang="ja-JP" altLang="en-US" dirty="0"/>
               <a:t>リサーチクエスチョン</a:t>
             </a:r>
@@ -18322,7 +19528,7 @@
 </p:sld>
 </file>
 
-<file path=ppt/slides/slide15.xml><?xml version="1.0" encoding="utf-8"?>
+<file path=ppt/slides/slide16.xml><?xml version="1.0" encoding="utf-8"?>
 <p:sld xmlns:a="http://schemas.openxmlformats.org/drawingml/2006/main" xmlns:r="http://schemas.openxmlformats.org/officeDocument/2006/relationships" xmlns:p="http://schemas.openxmlformats.org/presentationml/2006/main">
   <p:cSld>
     <p:spTree>
@@ -18761,7 +19967,7 @@
 </p:sld>
 </file>
 
-<file path=ppt/slides/slide16.xml><?xml version="1.0" encoding="utf-8"?>
+<file path=ppt/slides/slide17.xml><?xml version="1.0" encoding="utf-8"?>
 <p:sld xmlns:a="http://schemas.openxmlformats.org/drawingml/2006/main" xmlns:r="http://schemas.openxmlformats.org/officeDocument/2006/relationships" xmlns:p="http://schemas.openxmlformats.org/presentationml/2006/main">
   <p:cSld>
     <p:spTree>
@@ -19439,7 +20645,7 @@
 </p:sld>
 </file>
 
-<file path=ppt/slides/slide17.xml><?xml version="1.0" encoding="utf-8"?>
+<file path=ppt/slides/slide18.xml><?xml version="1.0" encoding="utf-8"?>
 <p:sld xmlns:a="http://schemas.openxmlformats.org/drawingml/2006/main" xmlns:r="http://schemas.openxmlformats.org/officeDocument/2006/relationships" xmlns:p="http://schemas.openxmlformats.org/presentationml/2006/main">
   <p:cSld>
     <p:spTree>
@@ -20103,7 +21309,7 @@
 </p:sld>
 </file>
 
-<file path=ppt/slides/slide18.xml><?xml version="1.0" encoding="utf-8"?>
+<file path=ppt/slides/slide19.xml><?xml version="1.0" encoding="utf-8"?>
 <p:sld xmlns:a="http://schemas.openxmlformats.org/drawingml/2006/main" xmlns:r="http://schemas.openxmlformats.org/officeDocument/2006/relationships" xmlns:p="http://schemas.openxmlformats.org/presentationml/2006/main">
   <p:cSld>
     <p:spTree>
@@ -20778,7 +21984,637 @@
 </p:sld>
 </file>
 
-<file path=ppt/slides/slide19.xml><?xml version="1.0" encoding="utf-8"?>
+<file path=ppt/slides/slide2.xml><?xml version="1.0" encoding="utf-8"?>
+<p:sld xmlns:a="http://schemas.openxmlformats.org/drawingml/2006/main" xmlns:r="http://schemas.openxmlformats.org/officeDocument/2006/relationships" xmlns:p="http://schemas.openxmlformats.org/presentationml/2006/main">
+  <p:cSld>
+    <p:spTree>
+      <p:nvGrpSpPr>
+        <p:cNvPr id="1" name=""/>
+        <p:cNvGrpSpPr/>
+        <p:nvPr/>
+      </p:nvGrpSpPr>
+      <p:grpSpPr>
+        <a:xfrm>
+          <a:off x="0" y="0"/>
+          <a:ext cx="0" cy="0"/>
+          <a:chOff x="0" y="0"/>
+          <a:chExt cx="0" cy="0"/>
+        </a:xfrm>
+      </p:grpSpPr>
+      <p:sp>
+        <p:nvSpPr>
+          <p:cNvPr id="2" name="タイトル 1"/>
+          <p:cNvSpPr>
+            <a:spLocks noGrp="1"/>
+          </p:cNvSpPr>
+          <p:nvPr>
+            <p:ph type="title"/>
+          </p:nvPr>
+        </p:nvSpPr>
+        <p:spPr/>
+        <p:txBody>
+          <a:bodyPr/>
+          <a:lstStyle/>
+          <a:p>
+            <a:r>
+              <a:rPr kumimoji="1" lang="ja-JP" altLang="en-US" dirty="0" smtClean="0">
+                <a:solidFill>
+                  <a:schemeClr val="bg1"/>
+                </a:solidFill>
+              </a:rPr>
+              <a:t>ソフトウェアテスト</a:t>
+            </a:r>
+            <a:endParaRPr kumimoji="1" lang="ja-JP" altLang="en-US" dirty="0">
+              <a:solidFill>
+                <a:schemeClr val="bg1"/>
+              </a:solidFill>
+            </a:endParaRPr>
+          </a:p>
+        </p:txBody>
+      </p:sp>
+      <p:sp>
+        <p:nvSpPr>
+          <p:cNvPr id="4" name="コンテンツ プレースホルダー 2"/>
+          <p:cNvSpPr>
+            <a:spLocks noGrp="1"/>
+          </p:cNvSpPr>
+          <p:nvPr>
+            <p:ph idx="1"/>
+          </p:nvPr>
+        </p:nvSpPr>
+        <p:spPr>
+          <a:xfrm>
+            <a:off x="838200" y="1653725"/>
+            <a:ext cx="10515600" cy="1180962"/>
+          </a:xfrm>
+        </p:spPr>
+        <p:txBody>
+          <a:bodyPr/>
+          <a:lstStyle/>
+          <a:p>
+            <a:r>
+              <a:rPr kumimoji="1" lang="ja-JP" altLang="en-US" dirty="0" smtClean="0"/>
+              <a:t>ソフトウェア開発におけるソフトウェアの品質を確かめる工程</a:t>
+            </a:r>
+          </a:p>
+        </p:txBody>
+      </p:sp>
+      <p:sp>
+        <p:nvSpPr>
+          <p:cNvPr id="5" name="山形 4"/>
+          <p:cNvSpPr/>
+          <p:nvPr/>
+        </p:nvSpPr>
+        <p:spPr>
+          <a:xfrm>
+            <a:off x="1621735" y="2754605"/>
+            <a:ext cx="2315817" cy="1719470"/>
+          </a:xfrm>
+          <a:prstGeom prst="chevron">
+            <a:avLst>
+              <a:gd name="adj" fmla="val 21543"/>
+            </a:avLst>
+          </a:prstGeom>
+        </p:spPr>
+        <p:style>
+          <a:lnRef idx="2">
+            <a:schemeClr val="accent3"/>
+          </a:lnRef>
+          <a:fillRef idx="1">
+            <a:schemeClr val="lt1"/>
+          </a:fillRef>
+          <a:effectRef idx="0">
+            <a:schemeClr val="accent3"/>
+          </a:effectRef>
+          <a:fontRef idx="minor">
+            <a:schemeClr val="dk1"/>
+          </a:fontRef>
+        </p:style>
+        <p:txBody>
+          <a:bodyPr rtlCol="0" anchor="ctr"/>
+          <a:lstStyle/>
+          <a:p>
+            <a:pPr algn="ctr"/>
+            <a:r>
+              <a:rPr kumimoji="1" lang="ja-JP" altLang="en-US" sz="2400" dirty="0" smtClean="0">
+                <a:solidFill>
+                  <a:schemeClr val="tx1"/>
+                </a:solidFill>
+                <a:latin typeface="メイリオ" panose="020B0604030504040204" pitchFamily="50" charset="-128"/>
+                <a:ea typeface="メイリオ" panose="020B0604030504040204" pitchFamily="50" charset="-128"/>
+              </a:rPr>
+              <a:t>要件定義</a:t>
+            </a:r>
+            <a:endParaRPr kumimoji="1" lang="ja-JP" altLang="en-US" sz="2400" dirty="0">
+              <a:solidFill>
+                <a:schemeClr val="tx1"/>
+              </a:solidFill>
+              <a:latin typeface="メイリオ" panose="020B0604030504040204" pitchFamily="50" charset="-128"/>
+              <a:ea typeface="メイリオ" panose="020B0604030504040204" pitchFamily="50" charset="-128"/>
+            </a:endParaRPr>
+          </a:p>
+        </p:txBody>
+      </p:sp>
+      <p:sp>
+        <p:nvSpPr>
+          <p:cNvPr id="6" name="山形 5"/>
+          <p:cNvSpPr/>
+          <p:nvPr/>
+        </p:nvSpPr>
+        <p:spPr>
+          <a:xfrm>
+            <a:off x="3657601" y="2754605"/>
+            <a:ext cx="2315817" cy="1719470"/>
+          </a:xfrm>
+          <a:prstGeom prst="chevron">
+            <a:avLst>
+              <a:gd name="adj" fmla="val 21543"/>
+            </a:avLst>
+          </a:prstGeom>
+        </p:spPr>
+        <p:style>
+          <a:lnRef idx="2">
+            <a:schemeClr val="accent3"/>
+          </a:lnRef>
+          <a:fillRef idx="1">
+            <a:schemeClr val="lt1"/>
+          </a:fillRef>
+          <a:effectRef idx="0">
+            <a:schemeClr val="accent3"/>
+          </a:effectRef>
+          <a:fontRef idx="minor">
+            <a:schemeClr val="dk1"/>
+          </a:fontRef>
+        </p:style>
+        <p:txBody>
+          <a:bodyPr rtlCol="0" anchor="ctr"/>
+          <a:lstStyle/>
+          <a:p>
+            <a:pPr algn="ctr"/>
+            <a:r>
+              <a:rPr kumimoji="1" lang="ja-JP" altLang="en-US" sz="2400" dirty="0" smtClean="0">
+                <a:solidFill>
+                  <a:schemeClr val="tx1"/>
+                </a:solidFill>
+                <a:latin typeface="メイリオ" panose="020B0604030504040204" pitchFamily="50" charset="-128"/>
+                <a:ea typeface="メイリオ" panose="020B0604030504040204" pitchFamily="50" charset="-128"/>
+              </a:rPr>
+              <a:t>設計</a:t>
+            </a:r>
+            <a:endParaRPr kumimoji="1" lang="ja-JP" altLang="en-US" sz="2400" dirty="0">
+              <a:solidFill>
+                <a:schemeClr val="tx1"/>
+              </a:solidFill>
+              <a:latin typeface="メイリオ" panose="020B0604030504040204" pitchFamily="50" charset="-128"/>
+              <a:ea typeface="メイリオ" panose="020B0604030504040204" pitchFamily="50" charset="-128"/>
+            </a:endParaRPr>
+          </a:p>
+        </p:txBody>
+      </p:sp>
+      <p:sp>
+        <p:nvSpPr>
+          <p:cNvPr id="7" name="山形 6"/>
+          <p:cNvSpPr/>
+          <p:nvPr/>
+        </p:nvSpPr>
+        <p:spPr>
+          <a:xfrm>
+            <a:off x="5693467" y="2754605"/>
+            <a:ext cx="2315817" cy="1719470"/>
+          </a:xfrm>
+          <a:prstGeom prst="chevron">
+            <a:avLst>
+              <a:gd name="adj" fmla="val 21543"/>
+            </a:avLst>
+          </a:prstGeom>
+        </p:spPr>
+        <p:style>
+          <a:lnRef idx="2">
+            <a:schemeClr val="accent3"/>
+          </a:lnRef>
+          <a:fillRef idx="1">
+            <a:schemeClr val="lt1"/>
+          </a:fillRef>
+          <a:effectRef idx="0">
+            <a:schemeClr val="accent3"/>
+          </a:effectRef>
+          <a:fontRef idx="minor">
+            <a:schemeClr val="dk1"/>
+          </a:fontRef>
+        </p:style>
+        <p:txBody>
+          <a:bodyPr rtlCol="0" anchor="ctr"/>
+          <a:lstStyle/>
+          <a:p>
+            <a:pPr algn="ctr"/>
+            <a:r>
+              <a:rPr kumimoji="1" lang="ja-JP" altLang="en-US" sz="2400" dirty="0" smtClean="0">
+                <a:solidFill>
+                  <a:schemeClr val="tx1"/>
+                </a:solidFill>
+                <a:latin typeface="メイリオ" panose="020B0604030504040204" pitchFamily="50" charset="-128"/>
+                <a:ea typeface="メイリオ" panose="020B0604030504040204" pitchFamily="50" charset="-128"/>
+              </a:rPr>
+              <a:t>実装</a:t>
+            </a:r>
+            <a:endParaRPr kumimoji="1" lang="ja-JP" altLang="en-US" sz="2400" dirty="0">
+              <a:solidFill>
+                <a:schemeClr val="tx1"/>
+              </a:solidFill>
+              <a:latin typeface="メイリオ" panose="020B0604030504040204" pitchFamily="50" charset="-128"/>
+              <a:ea typeface="メイリオ" panose="020B0604030504040204" pitchFamily="50" charset="-128"/>
+            </a:endParaRPr>
+          </a:p>
+        </p:txBody>
+      </p:sp>
+      <p:sp>
+        <p:nvSpPr>
+          <p:cNvPr id="8" name="山形 7"/>
+          <p:cNvSpPr/>
+          <p:nvPr/>
+        </p:nvSpPr>
+        <p:spPr>
+          <a:xfrm>
+            <a:off x="7729333" y="2754605"/>
+            <a:ext cx="2826024" cy="1719470"/>
+          </a:xfrm>
+          <a:prstGeom prst="chevron">
+            <a:avLst>
+              <a:gd name="adj" fmla="val 21543"/>
+            </a:avLst>
+          </a:prstGeom>
+          <a:solidFill>
+            <a:schemeClr val="bg2"/>
+          </a:solidFill>
+        </p:spPr>
+        <p:style>
+          <a:lnRef idx="2">
+            <a:schemeClr val="accent3"/>
+          </a:lnRef>
+          <a:fillRef idx="1">
+            <a:schemeClr val="lt1"/>
+          </a:fillRef>
+          <a:effectRef idx="0">
+            <a:schemeClr val="accent3"/>
+          </a:effectRef>
+          <a:fontRef idx="minor">
+            <a:schemeClr val="dk1"/>
+          </a:fontRef>
+        </p:style>
+        <p:txBody>
+          <a:bodyPr rtlCol="0" anchor="ctr"/>
+          <a:lstStyle/>
+          <a:p>
+            <a:pPr algn="ctr"/>
+            <a:r>
+              <a:rPr kumimoji="1" lang="ja-JP" altLang="en-US" sz="2400" dirty="0" smtClean="0">
+                <a:solidFill>
+                  <a:schemeClr val="tx1"/>
+                </a:solidFill>
+                <a:latin typeface="メイリオ" panose="020B0604030504040204" pitchFamily="50" charset="-128"/>
+                <a:ea typeface="メイリオ" panose="020B0604030504040204" pitchFamily="50" charset="-128"/>
+              </a:rPr>
+              <a:t>テスト</a:t>
+            </a:r>
+            <a:endParaRPr kumimoji="1" lang="en-US" altLang="ja-JP" sz="2400" dirty="0" smtClean="0">
+              <a:solidFill>
+                <a:schemeClr val="tx1"/>
+              </a:solidFill>
+              <a:latin typeface="メイリオ" panose="020B0604030504040204" pitchFamily="50" charset="-128"/>
+              <a:ea typeface="メイリオ" panose="020B0604030504040204" pitchFamily="50" charset="-128"/>
+            </a:endParaRPr>
+          </a:p>
+          <a:p>
+            <a:pPr marL="285750" indent="-285750">
+              <a:buFont typeface="Arial" panose="020B0604020202020204" pitchFamily="34" charset="0"/>
+              <a:buChar char="•"/>
+            </a:pPr>
+            <a:r>
+              <a:rPr lang="ja-JP" altLang="en-US" b="1" dirty="0" smtClean="0">
+                <a:solidFill>
+                  <a:schemeClr val="tx1"/>
+                </a:solidFill>
+                <a:latin typeface="メイリオ" panose="020B0604030504040204" pitchFamily="50" charset="-128"/>
+                <a:ea typeface="メイリオ" panose="020B0604030504040204" pitchFamily="50" charset="-128"/>
+              </a:rPr>
+              <a:t>単体テスト</a:t>
+            </a:r>
+          </a:p>
+          <a:p>
+            <a:pPr marL="285750" indent="-285750">
+              <a:buFont typeface="Arial" panose="020B0604020202020204" pitchFamily="34" charset="0"/>
+              <a:buChar char="•"/>
+            </a:pPr>
+            <a:r>
+              <a:rPr kumimoji="1" lang="ja-JP" altLang="en-US" dirty="0" smtClean="0">
+                <a:solidFill>
+                  <a:schemeClr val="tx1"/>
+                </a:solidFill>
+                <a:latin typeface="メイリオ" panose="020B0604030504040204" pitchFamily="50" charset="-128"/>
+                <a:ea typeface="メイリオ" panose="020B0604030504040204" pitchFamily="50" charset="-128"/>
+              </a:rPr>
+              <a:t>結合テスト</a:t>
+            </a:r>
+            <a:endParaRPr kumimoji="1" lang="en-US" altLang="ja-JP" dirty="0" smtClean="0">
+              <a:solidFill>
+                <a:schemeClr val="tx1"/>
+              </a:solidFill>
+              <a:latin typeface="メイリオ" panose="020B0604030504040204" pitchFamily="50" charset="-128"/>
+              <a:ea typeface="メイリオ" panose="020B0604030504040204" pitchFamily="50" charset="-128"/>
+            </a:endParaRPr>
+          </a:p>
+          <a:p>
+            <a:pPr marL="285750" indent="-285750">
+              <a:buFont typeface="Arial" panose="020B0604020202020204" pitchFamily="34" charset="0"/>
+              <a:buChar char="•"/>
+            </a:pPr>
+            <a:r>
+              <a:rPr lang="ja-JP" altLang="en-US" dirty="0" smtClean="0">
+                <a:solidFill>
+                  <a:schemeClr val="tx1"/>
+                </a:solidFill>
+                <a:latin typeface="メイリオ" panose="020B0604030504040204" pitchFamily="50" charset="-128"/>
+                <a:ea typeface="メイリオ" panose="020B0604030504040204" pitchFamily="50" charset="-128"/>
+              </a:rPr>
+              <a:t>システムテスト</a:t>
+            </a:r>
+            <a:endParaRPr kumimoji="1" lang="ja-JP" altLang="en-US" dirty="0">
+              <a:solidFill>
+                <a:schemeClr val="tx1"/>
+              </a:solidFill>
+              <a:latin typeface="メイリオ" panose="020B0604030504040204" pitchFamily="50" charset="-128"/>
+              <a:ea typeface="メイリオ" panose="020B0604030504040204" pitchFamily="50" charset="-128"/>
+            </a:endParaRPr>
+          </a:p>
+        </p:txBody>
+      </p:sp>
+      <p:sp>
+        <p:nvSpPr>
+          <p:cNvPr id="9" name="角丸四角形吹き出し 8"/>
+          <p:cNvSpPr/>
+          <p:nvPr/>
+        </p:nvSpPr>
+        <p:spPr>
+          <a:xfrm>
+            <a:off x="1612210" y="4787823"/>
+            <a:ext cx="9113902" cy="787132"/>
+          </a:xfrm>
+          <a:prstGeom prst="wedgeRoundRectCallout">
+            <a:avLst>
+              <a:gd name="adj1" fmla="val 31700"/>
+              <a:gd name="adj2" fmla="val -116106"/>
+              <a:gd name="adj3" fmla="val 16667"/>
+            </a:avLst>
+          </a:prstGeom>
+        </p:spPr>
+        <p:style>
+          <a:lnRef idx="1">
+            <a:schemeClr val="accent4"/>
+          </a:lnRef>
+          <a:fillRef idx="2">
+            <a:schemeClr val="accent4"/>
+          </a:fillRef>
+          <a:effectRef idx="1">
+            <a:schemeClr val="accent4"/>
+          </a:effectRef>
+          <a:fontRef idx="minor">
+            <a:schemeClr val="dk1"/>
+          </a:fontRef>
+        </p:style>
+        <p:txBody>
+          <a:bodyPr rtlCol="0" anchor="ctr"/>
+          <a:lstStyle/>
+          <a:p>
+            <a:r>
+              <a:rPr lang="ja-JP" altLang="en-US" sz="2400" dirty="0" smtClean="0">
+                <a:latin typeface="メイリオ" panose="020B0604030504040204" pitchFamily="50" charset="-128"/>
+                <a:ea typeface="メイリオ" panose="020B0604030504040204" pitchFamily="50" charset="-128"/>
+              </a:rPr>
+              <a:t>開発</a:t>
+            </a:r>
+            <a:r>
+              <a:rPr lang="ja-JP" altLang="en-US" sz="2400" dirty="0">
+                <a:latin typeface="メイリオ" panose="020B0604030504040204" pitchFamily="50" charset="-128"/>
+                <a:ea typeface="メイリオ" panose="020B0604030504040204" pitchFamily="50" charset="-128"/>
+              </a:rPr>
+              <a:t>全体</a:t>
+            </a:r>
+            <a:r>
+              <a:rPr lang="ja-JP" altLang="en-US" sz="2400" dirty="0" smtClean="0">
+                <a:latin typeface="メイリオ" panose="020B0604030504040204" pitchFamily="50" charset="-128"/>
+                <a:ea typeface="メイリオ" panose="020B0604030504040204" pitchFamily="50" charset="-128"/>
+              </a:rPr>
+              <a:t>のコストの内、</a:t>
+            </a:r>
+            <a:r>
+              <a:rPr lang="en-US" altLang="ja-JP" sz="2400" dirty="0" smtClean="0">
+                <a:latin typeface="メイリオ" panose="020B0604030504040204" pitchFamily="50" charset="-128"/>
+                <a:ea typeface="メイリオ" panose="020B0604030504040204" pitchFamily="50" charset="-128"/>
+              </a:rPr>
+              <a:t>30%~50%</a:t>
+            </a:r>
+            <a:r>
+              <a:rPr lang="ja-JP" altLang="en-US" sz="2400" dirty="0" smtClean="0">
+                <a:latin typeface="メイリオ" panose="020B0604030504040204" pitchFamily="50" charset="-128"/>
+                <a:ea typeface="メイリオ" panose="020B0604030504040204" pitchFamily="50" charset="-128"/>
+              </a:rPr>
+              <a:t>を占めると言われている</a:t>
+            </a:r>
+            <a:r>
+              <a:rPr lang="en-US" altLang="ja-JP" sz="2400" dirty="0" smtClean="0">
+                <a:latin typeface="メイリオ" panose="020B0604030504040204" pitchFamily="50" charset="-128"/>
+                <a:ea typeface="メイリオ" panose="020B0604030504040204" pitchFamily="50" charset="-128"/>
+              </a:rPr>
+              <a:t>[1]</a:t>
+            </a:r>
+            <a:endParaRPr lang="ja-JP" altLang="en-US" sz="2400" dirty="0">
+              <a:latin typeface="メイリオ" panose="020B0604030504040204" pitchFamily="50" charset="-128"/>
+              <a:ea typeface="メイリオ" panose="020B0604030504040204" pitchFamily="50" charset="-128"/>
+            </a:endParaRPr>
+          </a:p>
+        </p:txBody>
+      </p:sp>
+      <p:sp>
+        <p:nvSpPr>
+          <p:cNvPr id="10" name="Rectangle 4"/>
+          <p:cNvSpPr>
+            <a:spLocks noChangeArrowheads="1"/>
+          </p:cNvSpPr>
+          <p:nvPr/>
+        </p:nvSpPr>
+        <p:spPr bwMode="auto">
+          <a:xfrm>
+            <a:off x="881899" y="6231135"/>
+            <a:ext cx="10582888" cy="307777"/>
+          </a:xfrm>
+          <a:prstGeom prst="rect">
+            <a:avLst/>
+          </a:prstGeom>
+          <a:ln>
+            <a:headEnd/>
+            <a:tailEnd/>
+          </a:ln>
+        </p:spPr>
+        <p:style>
+          <a:lnRef idx="2">
+            <a:schemeClr val="dk1"/>
+          </a:lnRef>
+          <a:fillRef idx="1">
+            <a:schemeClr val="lt1"/>
+          </a:fillRef>
+          <a:effectRef idx="0">
+            <a:schemeClr val="dk1"/>
+          </a:effectRef>
+          <a:fontRef idx="minor">
+            <a:schemeClr val="dk1"/>
+          </a:fontRef>
+        </p:style>
+        <p:txBody>
+          <a:bodyPr wrap="square">
+            <a:spAutoFit/>
+          </a:bodyPr>
+          <a:lstStyle/>
+          <a:p>
+            <a:pPr>
+              <a:defRPr/>
+            </a:pPr>
+            <a:r>
+              <a:rPr lang="en-US" altLang="ja-JP" sz="1400" dirty="0" smtClean="0">
+                <a:solidFill>
+                  <a:schemeClr val="tx2"/>
+                </a:solidFill>
+              </a:rPr>
+              <a:t>[1] M. </a:t>
+            </a:r>
+            <a:r>
+              <a:rPr lang="en-US" altLang="ja-JP" sz="1400" dirty="0" err="1" smtClean="0">
+                <a:solidFill>
+                  <a:schemeClr val="tx2"/>
+                </a:solidFill>
+              </a:rPr>
+              <a:t>Ellims</a:t>
+            </a:r>
+            <a:r>
+              <a:rPr lang="en-US" altLang="ja-JP" sz="1400" dirty="0" smtClean="0">
+                <a:solidFill>
+                  <a:schemeClr val="tx2"/>
+                </a:solidFill>
+              </a:rPr>
+              <a:t> </a:t>
+            </a:r>
+            <a:r>
+              <a:rPr lang="en-US" altLang="ja-JP" sz="1400" dirty="0">
+                <a:solidFill>
+                  <a:schemeClr val="tx2"/>
+                </a:solidFill>
+              </a:rPr>
+              <a:t>and </a:t>
+            </a:r>
+            <a:r>
+              <a:rPr lang="en-US" altLang="ja-JP" sz="1400" dirty="0" smtClean="0">
+                <a:solidFill>
+                  <a:schemeClr val="tx2"/>
+                </a:solidFill>
+              </a:rPr>
+              <a:t>J. Bridges and D. C. </a:t>
+            </a:r>
+            <a:r>
+              <a:rPr lang="en-US" altLang="ja-JP" sz="1400" dirty="0" err="1" smtClean="0">
+                <a:solidFill>
+                  <a:schemeClr val="tx2"/>
+                </a:solidFill>
+              </a:rPr>
+              <a:t>Ince</a:t>
+            </a:r>
+            <a:r>
+              <a:rPr lang="en-US" altLang="ja-JP" sz="1400" dirty="0" smtClean="0">
+                <a:solidFill>
+                  <a:schemeClr val="tx2"/>
+                </a:solidFill>
+              </a:rPr>
+              <a:t>. </a:t>
+            </a:r>
+            <a:r>
+              <a:rPr lang="en-US" altLang="ja-JP" sz="1400" dirty="0">
+                <a:solidFill>
+                  <a:schemeClr val="tx2"/>
+                </a:solidFill>
+              </a:rPr>
+              <a:t>The Economics of Unit Testing. Empirical Software Engineering</a:t>
+            </a:r>
+            <a:r>
+              <a:rPr lang="en-US" altLang="ja-JP" sz="1400" dirty="0" smtClean="0">
+                <a:solidFill>
+                  <a:schemeClr val="tx2"/>
+                </a:solidFill>
+              </a:rPr>
+              <a:t>, 11(1):5-31, 2006.</a:t>
+            </a:r>
+            <a:endParaRPr lang="en-US" altLang="ja-JP" sz="1400" dirty="0">
+              <a:solidFill>
+                <a:schemeClr val="tx2"/>
+              </a:solidFill>
+            </a:endParaRPr>
+          </a:p>
+        </p:txBody>
+      </p:sp>
+      <p:sp>
+        <p:nvSpPr>
+          <p:cNvPr id="11" name="テキスト ボックス 10"/>
+          <p:cNvSpPr txBox="1"/>
+          <p:nvPr/>
+        </p:nvSpPr>
+        <p:spPr>
+          <a:xfrm>
+            <a:off x="4324351" y="2371971"/>
+            <a:ext cx="3252580" cy="400110"/>
+          </a:xfrm>
+          <a:prstGeom prst="rect">
+            <a:avLst/>
+          </a:prstGeom>
+          <a:noFill/>
+        </p:spPr>
+        <p:txBody>
+          <a:bodyPr wrap="square" rtlCol="0">
+            <a:spAutoFit/>
+          </a:bodyPr>
+          <a:lstStyle/>
+          <a:p>
+            <a:r>
+              <a:rPr lang="ja-JP" altLang="en-US" sz="2000" dirty="0" smtClean="0">
+                <a:latin typeface="メイリオ" panose="020B0604030504040204" pitchFamily="50" charset="-128"/>
+                <a:ea typeface="メイリオ" panose="020B0604030504040204" pitchFamily="50" charset="-128"/>
+              </a:rPr>
+              <a:t>ソフトウェア開発プロセス</a:t>
+            </a:r>
+            <a:endParaRPr kumimoji="1" lang="ja-JP" altLang="en-US" sz="2000" dirty="0">
+              <a:latin typeface="メイリオ" panose="020B0604030504040204" pitchFamily="50" charset="-128"/>
+              <a:ea typeface="メイリオ" panose="020B0604030504040204" pitchFamily="50" charset="-128"/>
+            </a:endParaRPr>
+          </a:p>
+        </p:txBody>
+      </p:sp>
+    </p:spTree>
+    <p:extLst>
+      <p:ext uri="{BB962C8B-B14F-4D97-AF65-F5344CB8AC3E}">
+        <p14:creationId xmlns:p14="http://schemas.microsoft.com/office/powerpoint/2010/main" val="1727871028"/>
+      </p:ext>
+    </p:extLst>
+  </p:cSld>
+  <p:clrMapOvr>
+    <a:masterClrMapping/>
+  </p:clrMapOvr>
+  <p:timing>
+    <p:tnLst>
+      <p:par>
+        <p:cTn id="1" dur="indefinite" restart="never" nodeType="tmRoot"/>
+      </p:par>
+    </p:tnLst>
+  </p:timing>
+</p:sld>
+</file>
+
+<file path=ppt/slides/slide20.xml><?xml version="1.0" encoding="utf-8"?>
 <p:sld xmlns:a="http://schemas.openxmlformats.org/drawingml/2006/main" xmlns:r="http://schemas.openxmlformats.org/officeDocument/2006/relationships" xmlns:p="http://schemas.openxmlformats.org/presentationml/2006/main">
   <p:cSld>
     <p:spTree>
@@ -21587,637 +23423,7 @@
 </p:sld>
 </file>
 
-<file path=ppt/slides/slide2.xml><?xml version="1.0" encoding="utf-8"?>
-<p:sld xmlns:a="http://schemas.openxmlformats.org/drawingml/2006/main" xmlns:r="http://schemas.openxmlformats.org/officeDocument/2006/relationships" xmlns:p="http://schemas.openxmlformats.org/presentationml/2006/main">
-  <p:cSld>
-    <p:spTree>
-      <p:nvGrpSpPr>
-        <p:cNvPr id="1" name=""/>
-        <p:cNvGrpSpPr/>
-        <p:nvPr/>
-      </p:nvGrpSpPr>
-      <p:grpSpPr>
-        <a:xfrm>
-          <a:off x="0" y="0"/>
-          <a:ext cx="0" cy="0"/>
-          <a:chOff x="0" y="0"/>
-          <a:chExt cx="0" cy="0"/>
-        </a:xfrm>
-      </p:grpSpPr>
-      <p:sp>
-        <p:nvSpPr>
-          <p:cNvPr id="2" name="タイトル 1"/>
-          <p:cNvSpPr>
-            <a:spLocks noGrp="1"/>
-          </p:cNvSpPr>
-          <p:nvPr>
-            <p:ph type="title"/>
-          </p:nvPr>
-        </p:nvSpPr>
-        <p:spPr/>
-        <p:txBody>
-          <a:bodyPr/>
-          <a:lstStyle/>
-          <a:p>
-            <a:r>
-              <a:rPr kumimoji="1" lang="ja-JP" altLang="en-US" dirty="0" smtClean="0">
-                <a:solidFill>
-                  <a:schemeClr val="bg1"/>
-                </a:solidFill>
-              </a:rPr>
-              <a:t>ソフトウェアテスト</a:t>
-            </a:r>
-            <a:endParaRPr kumimoji="1" lang="ja-JP" altLang="en-US" dirty="0">
-              <a:solidFill>
-                <a:schemeClr val="bg1"/>
-              </a:solidFill>
-            </a:endParaRPr>
-          </a:p>
-        </p:txBody>
-      </p:sp>
-      <p:sp>
-        <p:nvSpPr>
-          <p:cNvPr id="4" name="コンテンツ プレースホルダー 2"/>
-          <p:cNvSpPr>
-            <a:spLocks noGrp="1"/>
-          </p:cNvSpPr>
-          <p:nvPr>
-            <p:ph idx="1"/>
-          </p:nvPr>
-        </p:nvSpPr>
-        <p:spPr>
-          <a:xfrm>
-            <a:off x="838200" y="1653725"/>
-            <a:ext cx="10515600" cy="1180962"/>
-          </a:xfrm>
-        </p:spPr>
-        <p:txBody>
-          <a:bodyPr/>
-          <a:lstStyle/>
-          <a:p>
-            <a:r>
-              <a:rPr kumimoji="1" lang="ja-JP" altLang="en-US" dirty="0" smtClean="0"/>
-              <a:t>ソフトウェア開発におけるソフトウェアの品質を確かめる工程</a:t>
-            </a:r>
-          </a:p>
-        </p:txBody>
-      </p:sp>
-      <p:sp>
-        <p:nvSpPr>
-          <p:cNvPr id="5" name="山形 4"/>
-          <p:cNvSpPr/>
-          <p:nvPr/>
-        </p:nvSpPr>
-        <p:spPr>
-          <a:xfrm>
-            <a:off x="1621735" y="2754605"/>
-            <a:ext cx="2315817" cy="1719470"/>
-          </a:xfrm>
-          <a:prstGeom prst="chevron">
-            <a:avLst>
-              <a:gd name="adj" fmla="val 21543"/>
-            </a:avLst>
-          </a:prstGeom>
-        </p:spPr>
-        <p:style>
-          <a:lnRef idx="2">
-            <a:schemeClr val="accent3"/>
-          </a:lnRef>
-          <a:fillRef idx="1">
-            <a:schemeClr val="lt1"/>
-          </a:fillRef>
-          <a:effectRef idx="0">
-            <a:schemeClr val="accent3"/>
-          </a:effectRef>
-          <a:fontRef idx="minor">
-            <a:schemeClr val="dk1"/>
-          </a:fontRef>
-        </p:style>
-        <p:txBody>
-          <a:bodyPr rtlCol="0" anchor="ctr"/>
-          <a:lstStyle/>
-          <a:p>
-            <a:pPr algn="ctr"/>
-            <a:r>
-              <a:rPr kumimoji="1" lang="ja-JP" altLang="en-US" sz="2400" dirty="0" smtClean="0">
-                <a:solidFill>
-                  <a:schemeClr val="tx1"/>
-                </a:solidFill>
-                <a:latin typeface="メイリオ" panose="020B0604030504040204" pitchFamily="50" charset="-128"/>
-                <a:ea typeface="メイリオ" panose="020B0604030504040204" pitchFamily="50" charset="-128"/>
-              </a:rPr>
-              <a:t>要件定義</a:t>
-            </a:r>
-            <a:endParaRPr kumimoji="1" lang="ja-JP" altLang="en-US" sz="2400" dirty="0">
-              <a:solidFill>
-                <a:schemeClr val="tx1"/>
-              </a:solidFill>
-              <a:latin typeface="メイリオ" panose="020B0604030504040204" pitchFamily="50" charset="-128"/>
-              <a:ea typeface="メイリオ" panose="020B0604030504040204" pitchFamily="50" charset="-128"/>
-            </a:endParaRPr>
-          </a:p>
-        </p:txBody>
-      </p:sp>
-      <p:sp>
-        <p:nvSpPr>
-          <p:cNvPr id="6" name="山形 5"/>
-          <p:cNvSpPr/>
-          <p:nvPr/>
-        </p:nvSpPr>
-        <p:spPr>
-          <a:xfrm>
-            <a:off x="3657601" y="2754605"/>
-            <a:ext cx="2315817" cy="1719470"/>
-          </a:xfrm>
-          <a:prstGeom prst="chevron">
-            <a:avLst>
-              <a:gd name="adj" fmla="val 21543"/>
-            </a:avLst>
-          </a:prstGeom>
-        </p:spPr>
-        <p:style>
-          <a:lnRef idx="2">
-            <a:schemeClr val="accent3"/>
-          </a:lnRef>
-          <a:fillRef idx="1">
-            <a:schemeClr val="lt1"/>
-          </a:fillRef>
-          <a:effectRef idx="0">
-            <a:schemeClr val="accent3"/>
-          </a:effectRef>
-          <a:fontRef idx="minor">
-            <a:schemeClr val="dk1"/>
-          </a:fontRef>
-        </p:style>
-        <p:txBody>
-          <a:bodyPr rtlCol="0" anchor="ctr"/>
-          <a:lstStyle/>
-          <a:p>
-            <a:pPr algn="ctr"/>
-            <a:r>
-              <a:rPr kumimoji="1" lang="ja-JP" altLang="en-US" sz="2400" dirty="0" smtClean="0">
-                <a:solidFill>
-                  <a:schemeClr val="tx1"/>
-                </a:solidFill>
-                <a:latin typeface="メイリオ" panose="020B0604030504040204" pitchFamily="50" charset="-128"/>
-                <a:ea typeface="メイリオ" panose="020B0604030504040204" pitchFamily="50" charset="-128"/>
-              </a:rPr>
-              <a:t>設計</a:t>
-            </a:r>
-            <a:endParaRPr kumimoji="1" lang="ja-JP" altLang="en-US" sz="2400" dirty="0">
-              <a:solidFill>
-                <a:schemeClr val="tx1"/>
-              </a:solidFill>
-              <a:latin typeface="メイリオ" panose="020B0604030504040204" pitchFamily="50" charset="-128"/>
-              <a:ea typeface="メイリオ" panose="020B0604030504040204" pitchFamily="50" charset="-128"/>
-            </a:endParaRPr>
-          </a:p>
-        </p:txBody>
-      </p:sp>
-      <p:sp>
-        <p:nvSpPr>
-          <p:cNvPr id="7" name="山形 6"/>
-          <p:cNvSpPr/>
-          <p:nvPr/>
-        </p:nvSpPr>
-        <p:spPr>
-          <a:xfrm>
-            <a:off x="5693467" y="2754605"/>
-            <a:ext cx="2315817" cy="1719470"/>
-          </a:xfrm>
-          <a:prstGeom prst="chevron">
-            <a:avLst>
-              <a:gd name="adj" fmla="val 21543"/>
-            </a:avLst>
-          </a:prstGeom>
-        </p:spPr>
-        <p:style>
-          <a:lnRef idx="2">
-            <a:schemeClr val="accent3"/>
-          </a:lnRef>
-          <a:fillRef idx="1">
-            <a:schemeClr val="lt1"/>
-          </a:fillRef>
-          <a:effectRef idx="0">
-            <a:schemeClr val="accent3"/>
-          </a:effectRef>
-          <a:fontRef idx="minor">
-            <a:schemeClr val="dk1"/>
-          </a:fontRef>
-        </p:style>
-        <p:txBody>
-          <a:bodyPr rtlCol="0" anchor="ctr"/>
-          <a:lstStyle/>
-          <a:p>
-            <a:pPr algn="ctr"/>
-            <a:r>
-              <a:rPr kumimoji="1" lang="ja-JP" altLang="en-US" sz="2400" dirty="0" smtClean="0">
-                <a:solidFill>
-                  <a:schemeClr val="tx1"/>
-                </a:solidFill>
-                <a:latin typeface="メイリオ" panose="020B0604030504040204" pitchFamily="50" charset="-128"/>
-                <a:ea typeface="メイリオ" panose="020B0604030504040204" pitchFamily="50" charset="-128"/>
-              </a:rPr>
-              <a:t>実装</a:t>
-            </a:r>
-            <a:endParaRPr kumimoji="1" lang="ja-JP" altLang="en-US" sz="2400" dirty="0">
-              <a:solidFill>
-                <a:schemeClr val="tx1"/>
-              </a:solidFill>
-              <a:latin typeface="メイリオ" panose="020B0604030504040204" pitchFamily="50" charset="-128"/>
-              <a:ea typeface="メイリオ" panose="020B0604030504040204" pitchFamily="50" charset="-128"/>
-            </a:endParaRPr>
-          </a:p>
-        </p:txBody>
-      </p:sp>
-      <p:sp>
-        <p:nvSpPr>
-          <p:cNvPr id="8" name="山形 7"/>
-          <p:cNvSpPr/>
-          <p:nvPr/>
-        </p:nvSpPr>
-        <p:spPr>
-          <a:xfrm>
-            <a:off x="7729333" y="2754605"/>
-            <a:ext cx="2826024" cy="1719470"/>
-          </a:xfrm>
-          <a:prstGeom prst="chevron">
-            <a:avLst>
-              <a:gd name="adj" fmla="val 21543"/>
-            </a:avLst>
-          </a:prstGeom>
-          <a:solidFill>
-            <a:schemeClr val="bg2"/>
-          </a:solidFill>
-        </p:spPr>
-        <p:style>
-          <a:lnRef idx="2">
-            <a:schemeClr val="accent3"/>
-          </a:lnRef>
-          <a:fillRef idx="1">
-            <a:schemeClr val="lt1"/>
-          </a:fillRef>
-          <a:effectRef idx="0">
-            <a:schemeClr val="accent3"/>
-          </a:effectRef>
-          <a:fontRef idx="minor">
-            <a:schemeClr val="dk1"/>
-          </a:fontRef>
-        </p:style>
-        <p:txBody>
-          <a:bodyPr rtlCol="0" anchor="ctr"/>
-          <a:lstStyle/>
-          <a:p>
-            <a:pPr algn="ctr"/>
-            <a:r>
-              <a:rPr kumimoji="1" lang="ja-JP" altLang="en-US" sz="2400" dirty="0" smtClean="0">
-                <a:solidFill>
-                  <a:schemeClr val="tx1"/>
-                </a:solidFill>
-                <a:latin typeface="メイリオ" panose="020B0604030504040204" pitchFamily="50" charset="-128"/>
-                <a:ea typeface="メイリオ" panose="020B0604030504040204" pitchFamily="50" charset="-128"/>
-              </a:rPr>
-              <a:t>テスト</a:t>
-            </a:r>
-            <a:endParaRPr kumimoji="1" lang="en-US" altLang="ja-JP" sz="2400" dirty="0" smtClean="0">
-              <a:solidFill>
-                <a:schemeClr val="tx1"/>
-              </a:solidFill>
-              <a:latin typeface="メイリオ" panose="020B0604030504040204" pitchFamily="50" charset="-128"/>
-              <a:ea typeface="メイリオ" panose="020B0604030504040204" pitchFamily="50" charset="-128"/>
-            </a:endParaRPr>
-          </a:p>
-          <a:p>
-            <a:pPr marL="285750" indent="-285750">
-              <a:buFont typeface="Arial" panose="020B0604020202020204" pitchFamily="34" charset="0"/>
-              <a:buChar char="•"/>
-            </a:pPr>
-            <a:r>
-              <a:rPr lang="ja-JP" altLang="en-US" b="1" dirty="0" smtClean="0">
-                <a:solidFill>
-                  <a:schemeClr val="tx1"/>
-                </a:solidFill>
-                <a:latin typeface="メイリオ" panose="020B0604030504040204" pitchFamily="50" charset="-128"/>
-                <a:ea typeface="メイリオ" panose="020B0604030504040204" pitchFamily="50" charset="-128"/>
-              </a:rPr>
-              <a:t>単体テスト</a:t>
-            </a:r>
-          </a:p>
-          <a:p>
-            <a:pPr marL="285750" indent="-285750">
-              <a:buFont typeface="Arial" panose="020B0604020202020204" pitchFamily="34" charset="0"/>
-              <a:buChar char="•"/>
-            </a:pPr>
-            <a:r>
-              <a:rPr kumimoji="1" lang="ja-JP" altLang="en-US" dirty="0" smtClean="0">
-                <a:solidFill>
-                  <a:schemeClr val="tx1"/>
-                </a:solidFill>
-                <a:latin typeface="メイリオ" panose="020B0604030504040204" pitchFamily="50" charset="-128"/>
-                <a:ea typeface="メイリオ" panose="020B0604030504040204" pitchFamily="50" charset="-128"/>
-              </a:rPr>
-              <a:t>結合テスト</a:t>
-            </a:r>
-            <a:endParaRPr kumimoji="1" lang="en-US" altLang="ja-JP" dirty="0" smtClean="0">
-              <a:solidFill>
-                <a:schemeClr val="tx1"/>
-              </a:solidFill>
-              <a:latin typeface="メイリオ" panose="020B0604030504040204" pitchFamily="50" charset="-128"/>
-              <a:ea typeface="メイリオ" panose="020B0604030504040204" pitchFamily="50" charset="-128"/>
-            </a:endParaRPr>
-          </a:p>
-          <a:p>
-            <a:pPr marL="285750" indent="-285750">
-              <a:buFont typeface="Arial" panose="020B0604020202020204" pitchFamily="34" charset="0"/>
-              <a:buChar char="•"/>
-            </a:pPr>
-            <a:r>
-              <a:rPr lang="ja-JP" altLang="en-US" dirty="0" smtClean="0">
-                <a:solidFill>
-                  <a:schemeClr val="tx1"/>
-                </a:solidFill>
-                <a:latin typeface="メイリオ" panose="020B0604030504040204" pitchFamily="50" charset="-128"/>
-                <a:ea typeface="メイリオ" panose="020B0604030504040204" pitchFamily="50" charset="-128"/>
-              </a:rPr>
-              <a:t>システムテスト</a:t>
-            </a:r>
-            <a:endParaRPr kumimoji="1" lang="ja-JP" altLang="en-US" dirty="0">
-              <a:solidFill>
-                <a:schemeClr val="tx1"/>
-              </a:solidFill>
-              <a:latin typeface="メイリオ" panose="020B0604030504040204" pitchFamily="50" charset="-128"/>
-              <a:ea typeface="メイリオ" panose="020B0604030504040204" pitchFamily="50" charset="-128"/>
-            </a:endParaRPr>
-          </a:p>
-        </p:txBody>
-      </p:sp>
-      <p:sp>
-        <p:nvSpPr>
-          <p:cNvPr id="9" name="角丸四角形吹き出し 8"/>
-          <p:cNvSpPr/>
-          <p:nvPr/>
-        </p:nvSpPr>
-        <p:spPr>
-          <a:xfrm>
-            <a:off x="1612210" y="4787823"/>
-            <a:ext cx="9113902" cy="787132"/>
-          </a:xfrm>
-          <a:prstGeom prst="wedgeRoundRectCallout">
-            <a:avLst>
-              <a:gd name="adj1" fmla="val 31700"/>
-              <a:gd name="adj2" fmla="val -116106"/>
-              <a:gd name="adj3" fmla="val 16667"/>
-            </a:avLst>
-          </a:prstGeom>
-        </p:spPr>
-        <p:style>
-          <a:lnRef idx="1">
-            <a:schemeClr val="accent4"/>
-          </a:lnRef>
-          <a:fillRef idx="2">
-            <a:schemeClr val="accent4"/>
-          </a:fillRef>
-          <a:effectRef idx="1">
-            <a:schemeClr val="accent4"/>
-          </a:effectRef>
-          <a:fontRef idx="minor">
-            <a:schemeClr val="dk1"/>
-          </a:fontRef>
-        </p:style>
-        <p:txBody>
-          <a:bodyPr rtlCol="0" anchor="ctr"/>
-          <a:lstStyle/>
-          <a:p>
-            <a:r>
-              <a:rPr lang="ja-JP" altLang="en-US" sz="2400" dirty="0" smtClean="0">
-                <a:latin typeface="メイリオ" panose="020B0604030504040204" pitchFamily="50" charset="-128"/>
-                <a:ea typeface="メイリオ" panose="020B0604030504040204" pitchFamily="50" charset="-128"/>
-              </a:rPr>
-              <a:t>開発</a:t>
-            </a:r>
-            <a:r>
-              <a:rPr lang="ja-JP" altLang="en-US" sz="2400" dirty="0">
-                <a:latin typeface="メイリオ" panose="020B0604030504040204" pitchFamily="50" charset="-128"/>
-                <a:ea typeface="メイリオ" panose="020B0604030504040204" pitchFamily="50" charset="-128"/>
-              </a:rPr>
-              <a:t>全体</a:t>
-            </a:r>
-            <a:r>
-              <a:rPr lang="ja-JP" altLang="en-US" sz="2400" dirty="0" smtClean="0">
-                <a:latin typeface="メイリオ" panose="020B0604030504040204" pitchFamily="50" charset="-128"/>
-                <a:ea typeface="メイリオ" panose="020B0604030504040204" pitchFamily="50" charset="-128"/>
-              </a:rPr>
-              <a:t>のコストの内、</a:t>
-            </a:r>
-            <a:r>
-              <a:rPr lang="en-US" altLang="ja-JP" sz="2400" dirty="0" smtClean="0">
-                <a:latin typeface="メイリオ" panose="020B0604030504040204" pitchFamily="50" charset="-128"/>
-                <a:ea typeface="メイリオ" panose="020B0604030504040204" pitchFamily="50" charset="-128"/>
-              </a:rPr>
-              <a:t>30%~50%</a:t>
-            </a:r>
-            <a:r>
-              <a:rPr lang="ja-JP" altLang="en-US" sz="2400" dirty="0" smtClean="0">
-                <a:latin typeface="メイリオ" panose="020B0604030504040204" pitchFamily="50" charset="-128"/>
-                <a:ea typeface="メイリオ" panose="020B0604030504040204" pitchFamily="50" charset="-128"/>
-              </a:rPr>
-              <a:t>を占めると言われている</a:t>
-            </a:r>
-            <a:r>
-              <a:rPr lang="en-US" altLang="ja-JP" sz="2400" dirty="0" smtClean="0">
-                <a:latin typeface="メイリオ" panose="020B0604030504040204" pitchFamily="50" charset="-128"/>
-                <a:ea typeface="メイリオ" panose="020B0604030504040204" pitchFamily="50" charset="-128"/>
-              </a:rPr>
-              <a:t>[1]</a:t>
-            </a:r>
-            <a:endParaRPr lang="ja-JP" altLang="en-US" sz="2400" dirty="0">
-              <a:latin typeface="メイリオ" panose="020B0604030504040204" pitchFamily="50" charset="-128"/>
-              <a:ea typeface="メイリオ" panose="020B0604030504040204" pitchFamily="50" charset="-128"/>
-            </a:endParaRPr>
-          </a:p>
-        </p:txBody>
-      </p:sp>
-      <p:sp>
-        <p:nvSpPr>
-          <p:cNvPr id="10" name="Rectangle 4"/>
-          <p:cNvSpPr>
-            <a:spLocks noChangeArrowheads="1"/>
-          </p:cNvSpPr>
-          <p:nvPr/>
-        </p:nvSpPr>
-        <p:spPr bwMode="auto">
-          <a:xfrm>
-            <a:off x="881899" y="6231135"/>
-            <a:ext cx="10582888" cy="307777"/>
-          </a:xfrm>
-          <a:prstGeom prst="rect">
-            <a:avLst/>
-          </a:prstGeom>
-          <a:ln>
-            <a:headEnd/>
-            <a:tailEnd/>
-          </a:ln>
-        </p:spPr>
-        <p:style>
-          <a:lnRef idx="2">
-            <a:schemeClr val="dk1"/>
-          </a:lnRef>
-          <a:fillRef idx="1">
-            <a:schemeClr val="lt1"/>
-          </a:fillRef>
-          <a:effectRef idx="0">
-            <a:schemeClr val="dk1"/>
-          </a:effectRef>
-          <a:fontRef idx="minor">
-            <a:schemeClr val="dk1"/>
-          </a:fontRef>
-        </p:style>
-        <p:txBody>
-          <a:bodyPr wrap="square">
-            <a:spAutoFit/>
-          </a:bodyPr>
-          <a:lstStyle/>
-          <a:p>
-            <a:pPr>
-              <a:defRPr/>
-            </a:pPr>
-            <a:r>
-              <a:rPr lang="en-US" altLang="ja-JP" sz="1400" dirty="0" smtClean="0">
-                <a:solidFill>
-                  <a:schemeClr val="tx2"/>
-                </a:solidFill>
-              </a:rPr>
-              <a:t>[1] M. </a:t>
-            </a:r>
-            <a:r>
-              <a:rPr lang="en-US" altLang="ja-JP" sz="1400" dirty="0" err="1" smtClean="0">
-                <a:solidFill>
-                  <a:schemeClr val="tx2"/>
-                </a:solidFill>
-              </a:rPr>
-              <a:t>Ellims</a:t>
-            </a:r>
-            <a:r>
-              <a:rPr lang="en-US" altLang="ja-JP" sz="1400" dirty="0" smtClean="0">
-                <a:solidFill>
-                  <a:schemeClr val="tx2"/>
-                </a:solidFill>
-              </a:rPr>
-              <a:t> </a:t>
-            </a:r>
-            <a:r>
-              <a:rPr lang="en-US" altLang="ja-JP" sz="1400" dirty="0">
-                <a:solidFill>
-                  <a:schemeClr val="tx2"/>
-                </a:solidFill>
-              </a:rPr>
-              <a:t>and </a:t>
-            </a:r>
-            <a:r>
-              <a:rPr lang="en-US" altLang="ja-JP" sz="1400" dirty="0" smtClean="0">
-                <a:solidFill>
-                  <a:schemeClr val="tx2"/>
-                </a:solidFill>
-              </a:rPr>
-              <a:t>J. Bridges and D. C. </a:t>
-            </a:r>
-            <a:r>
-              <a:rPr lang="en-US" altLang="ja-JP" sz="1400" dirty="0" err="1" smtClean="0">
-                <a:solidFill>
-                  <a:schemeClr val="tx2"/>
-                </a:solidFill>
-              </a:rPr>
-              <a:t>Ince</a:t>
-            </a:r>
-            <a:r>
-              <a:rPr lang="en-US" altLang="ja-JP" sz="1400" dirty="0" smtClean="0">
-                <a:solidFill>
-                  <a:schemeClr val="tx2"/>
-                </a:solidFill>
-              </a:rPr>
-              <a:t>. </a:t>
-            </a:r>
-            <a:r>
-              <a:rPr lang="en-US" altLang="ja-JP" sz="1400" dirty="0">
-                <a:solidFill>
-                  <a:schemeClr val="tx2"/>
-                </a:solidFill>
-              </a:rPr>
-              <a:t>The Economics of Unit Testing. Empirical Software Engineering</a:t>
-            </a:r>
-            <a:r>
-              <a:rPr lang="en-US" altLang="ja-JP" sz="1400" dirty="0" smtClean="0">
-                <a:solidFill>
-                  <a:schemeClr val="tx2"/>
-                </a:solidFill>
-              </a:rPr>
-              <a:t>, 11(1):5-31, 2006.</a:t>
-            </a:r>
-            <a:endParaRPr lang="en-US" altLang="ja-JP" sz="1400" dirty="0">
-              <a:solidFill>
-                <a:schemeClr val="tx2"/>
-              </a:solidFill>
-            </a:endParaRPr>
-          </a:p>
-        </p:txBody>
-      </p:sp>
-      <p:sp>
-        <p:nvSpPr>
-          <p:cNvPr id="11" name="テキスト ボックス 10"/>
-          <p:cNvSpPr txBox="1"/>
-          <p:nvPr/>
-        </p:nvSpPr>
-        <p:spPr>
-          <a:xfrm>
-            <a:off x="4324351" y="2371971"/>
-            <a:ext cx="3252580" cy="400110"/>
-          </a:xfrm>
-          <a:prstGeom prst="rect">
-            <a:avLst/>
-          </a:prstGeom>
-          <a:noFill/>
-        </p:spPr>
-        <p:txBody>
-          <a:bodyPr wrap="square" rtlCol="0">
-            <a:spAutoFit/>
-          </a:bodyPr>
-          <a:lstStyle/>
-          <a:p>
-            <a:r>
-              <a:rPr lang="ja-JP" altLang="en-US" sz="2000" dirty="0" smtClean="0">
-                <a:latin typeface="メイリオ" panose="020B0604030504040204" pitchFamily="50" charset="-128"/>
-                <a:ea typeface="メイリオ" panose="020B0604030504040204" pitchFamily="50" charset="-128"/>
-              </a:rPr>
-              <a:t>ソフトウェア開発プロセス</a:t>
-            </a:r>
-            <a:endParaRPr kumimoji="1" lang="ja-JP" altLang="en-US" sz="2000" dirty="0">
-              <a:latin typeface="メイリオ" panose="020B0604030504040204" pitchFamily="50" charset="-128"/>
-              <a:ea typeface="メイリオ" panose="020B0604030504040204" pitchFamily="50" charset="-128"/>
-            </a:endParaRPr>
-          </a:p>
-        </p:txBody>
-      </p:sp>
-    </p:spTree>
-    <p:extLst>
-      <p:ext uri="{BB962C8B-B14F-4D97-AF65-F5344CB8AC3E}">
-        <p14:creationId xmlns:p14="http://schemas.microsoft.com/office/powerpoint/2010/main" val="1727871028"/>
-      </p:ext>
-    </p:extLst>
-  </p:cSld>
-  <p:clrMapOvr>
-    <a:masterClrMapping/>
-  </p:clrMapOvr>
-  <p:timing>
-    <p:tnLst>
-      <p:par>
-        <p:cTn id="1" dur="indefinite" restart="never" nodeType="tmRoot"/>
-      </p:par>
-    </p:tnLst>
-  </p:timing>
-</p:sld>
-</file>
-
-<file path=ppt/slides/slide20.xml><?xml version="1.0" encoding="utf-8"?>
+<file path=ppt/slides/slide21.xml><?xml version="1.0" encoding="utf-8"?>
 <p:sld xmlns:a="http://schemas.openxmlformats.org/drawingml/2006/main" xmlns:r="http://schemas.openxmlformats.org/officeDocument/2006/relationships" xmlns:p="http://schemas.openxmlformats.org/presentationml/2006/main">
   <p:cSld>
     <p:spTree>
@@ -22796,7 +24002,7 @@
 </p:sld>
 </file>
 
-<file path=ppt/slides/slide21.xml><?xml version="1.0" encoding="utf-8"?>
+<file path=ppt/slides/slide22.xml><?xml version="1.0" encoding="utf-8"?>
 <p:sld xmlns:a="http://schemas.openxmlformats.org/drawingml/2006/main" xmlns:r="http://schemas.openxmlformats.org/officeDocument/2006/relationships" xmlns:p="http://schemas.openxmlformats.org/presentationml/2006/main">
   <p:cSld>
     <p:spTree>
@@ -22986,7 +24192,7 @@
 </p:sld>
 </file>
 
-<file path=ppt/slides/slide22.xml><?xml version="1.0" encoding="utf-8"?>
+<file path=ppt/slides/slide23.xml><?xml version="1.0" encoding="utf-8"?>
 <p:sld xmlns:a="http://schemas.openxmlformats.org/drawingml/2006/main" xmlns:r="http://schemas.openxmlformats.org/officeDocument/2006/relationships" xmlns:p="http://schemas.openxmlformats.org/presentationml/2006/main">
   <p:cSld>
     <p:spTree>
@@ -23047,7 +24253,7 @@
 </p:sld>
 </file>
 
-<file path=ppt/slides/slide23.xml><?xml version="1.0" encoding="utf-8"?>
+<file path=ppt/slides/slide24.xml><?xml version="1.0" encoding="utf-8"?>
 <p:sld xmlns:a="http://schemas.openxmlformats.org/drawingml/2006/main" xmlns:r="http://schemas.openxmlformats.org/officeDocument/2006/relationships" xmlns:p="http://schemas.openxmlformats.org/presentationml/2006/main">
   <p:cSld>
     <p:spTree>
@@ -24633,7 +25839,7 @@
 </p:sld>
 </file>
 
-<file path=ppt/slides/slide24.xml><?xml version="1.0" encoding="utf-8"?>
+<file path=ppt/slides/slide25.xml><?xml version="1.0" encoding="utf-8"?>
 <p:sld xmlns:a="http://schemas.openxmlformats.org/drawingml/2006/main" xmlns:r="http://schemas.openxmlformats.org/officeDocument/2006/relationships" xmlns:p="http://schemas.openxmlformats.org/presentationml/2006/main">
   <p:cSld>
     <p:spTree>
@@ -25352,7 +26558,7 @@
 </p:sld>
 </file>
 
-<file path=ppt/slides/slide25.xml><?xml version="1.0" encoding="utf-8"?>
+<file path=ppt/slides/slide26.xml><?xml version="1.0" encoding="utf-8"?>
 <p:sld xmlns:a="http://schemas.openxmlformats.org/drawingml/2006/main" xmlns:r="http://schemas.openxmlformats.org/officeDocument/2006/relationships" xmlns:p="http://schemas.openxmlformats.org/presentationml/2006/main">
   <p:cSld>
     <p:spTree>
@@ -26361,7 +27567,7 @@
 </p:sld>
 </file>
 
-<file path=ppt/slides/slide26.xml><?xml version="1.0" encoding="utf-8"?>
+<file path=ppt/slides/slide27.xml><?xml version="1.0" encoding="utf-8"?>
 <p:sld xmlns:a="http://schemas.openxmlformats.org/drawingml/2006/main" xmlns:r="http://schemas.openxmlformats.org/officeDocument/2006/relationships" xmlns:p="http://schemas.openxmlformats.org/presentationml/2006/main">
   <p:cSld>
     <p:spTree>
@@ -27553,7 +28759,7 @@
 </p:sld>
 </file>
 
-<file path=ppt/slides/slide27.xml><?xml version="1.0" encoding="utf-8"?>
+<file path=ppt/slides/slide28.xml><?xml version="1.0" encoding="utf-8"?>
 <p:sld xmlns:a="http://schemas.openxmlformats.org/drawingml/2006/main" xmlns:r="http://schemas.openxmlformats.org/officeDocument/2006/relationships" xmlns:p="http://schemas.openxmlformats.org/presentationml/2006/main">
   <p:cSld>
     <p:spTree>
@@ -27927,7 +29133,7 @@
 </p:sld>
 </file>
 
-<file path=ppt/slides/slide28.xml><?xml version="1.0" encoding="utf-8"?>
+<file path=ppt/slides/slide29.xml><?xml version="1.0" encoding="utf-8"?>
 <p:sld xmlns:a="http://schemas.openxmlformats.org/drawingml/2006/main" xmlns:r="http://schemas.openxmlformats.org/officeDocument/2006/relationships" xmlns:p="http://schemas.openxmlformats.org/presentationml/2006/main">
   <p:cSld>
     <p:spTree>
@@ -28205,7 +29411,409 @@
 </p:sld>
 </file>
 
-<file path=ppt/slides/slide29.xml><?xml version="1.0" encoding="utf-8"?>
+<file path=ppt/slides/slide3.xml><?xml version="1.0" encoding="utf-8"?>
+<p:sld xmlns:a="http://schemas.openxmlformats.org/drawingml/2006/main" xmlns:r="http://schemas.openxmlformats.org/officeDocument/2006/relationships" xmlns:p="http://schemas.openxmlformats.org/presentationml/2006/main">
+  <p:cSld>
+    <p:spTree>
+      <p:nvGrpSpPr>
+        <p:cNvPr id="1" name=""/>
+        <p:cNvGrpSpPr/>
+        <p:nvPr/>
+      </p:nvGrpSpPr>
+      <p:grpSpPr>
+        <a:xfrm>
+          <a:off x="0" y="0"/>
+          <a:ext cx="0" cy="0"/>
+          <a:chOff x="0" y="0"/>
+          <a:chExt cx="0" cy="0"/>
+        </a:xfrm>
+      </p:grpSpPr>
+      <p:sp>
+        <p:nvSpPr>
+          <p:cNvPr id="2" name="タイトル 1"/>
+          <p:cNvSpPr>
+            <a:spLocks noGrp="1"/>
+          </p:cNvSpPr>
+          <p:nvPr>
+            <p:ph type="title"/>
+          </p:nvPr>
+        </p:nvSpPr>
+        <p:spPr>
+          <a:xfrm>
+            <a:off x="197018" y="219428"/>
+            <a:ext cx="5608931" cy="729386"/>
+          </a:xfrm>
+        </p:spPr>
+        <p:txBody>
+          <a:bodyPr/>
+          <a:lstStyle/>
+          <a:p>
+            <a:r>
+              <a:rPr kumimoji="1" lang="ja-JP" altLang="en-US" dirty="0" smtClean="0">
+                <a:solidFill>
+                  <a:schemeClr val="bg1"/>
+                </a:solidFill>
+              </a:rPr>
+              <a:t>テストコード自動生成ツール</a:t>
+            </a:r>
+            <a:endParaRPr kumimoji="1" lang="ja-JP" altLang="en-US" dirty="0">
+              <a:solidFill>
+                <a:schemeClr val="bg1"/>
+              </a:solidFill>
+            </a:endParaRPr>
+          </a:p>
+        </p:txBody>
+      </p:sp>
+      <p:sp>
+        <p:nvSpPr>
+          <p:cNvPr id="4" name="コンテンツ プレースホルダー 2"/>
+          <p:cNvSpPr>
+            <a:spLocks noGrp="1"/>
+          </p:cNvSpPr>
+          <p:nvPr>
+            <p:ph idx="1"/>
+          </p:nvPr>
+        </p:nvSpPr>
+        <p:spPr>
+          <a:xfrm>
+            <a:off x="838198" y="1587161"/>
+            <a:ext cx="10741183" cy="902666"/>
+          </a:xfrm>
+        </p:spPr>
+        <p:txBody>
+          <a:bodyPr/>
+          <a:lstStyle/>
+          <a:p>
+            <a:r>
+              <a:rPr lang="ja-JP" altLang="en-US" dirty="0" smtClean="0"/>
+              <a:t>テスト</a:t>
+            </a:r>
+            <a:r>
+              <a:rPr lang="ja-JP" altLang="en-US" dirty="0"/>
+              <a:t>工程</a:t>
+            </a:r>
+            <a:r>
+              <a:rPr lang="ja-JP" altLang="en-US" dirty="0" smtClean="0"/>
+              <a:t>を支援するために、これまでに様々な自動生成ツールが提案されてき</a:t>
+            </a:r>
+            <a:r>
+              <a:rPr lang="ja-JP" altLang="en-US" dirty="0"/>
+              <a:t>た</a:t>
+            </a:r>
+            <a:endParaRPr kumimoji="1" lang="ja-JP" altLang="en-US" dirty="0"/>
+          </a:p>
+        </p:txBody>
+      </p:sp>
+      <p:pic>
+        <p:nvPicPr>
+          <p:cNvPr id="5" name="Picture 2" descr="site logo"/>
+          <p:cNvPicPr>
+            <a:picLocks noChangeAspect="1" noChangeArrowheads="1"/>
+          </p:cNvPicPr>
+          <p:nvPr/>
+        </p:nvPicPr>
+        <p:blipFill>
+          <a:blip r:embed="rId3">
+            <a:extLst>
+              <a:ext uri="{28A0092B-C50C-407E-A947-70E740481C1C}">
+                <a14:useLocalDpi xmlns:a14="http://schemas.microsoft.com/office/drawing/2010/main" val="0"/>
+              </a:ext>
+            </a:extLst>
+          </a:blip>
+          <a:srcRect/>
+          <a:stretch>
+            <a:fillRect/>
+          </a:stretch>
+        </p:blipFill>
+        <p:spPr bwMode="auto">
+          <a:xfrm>
+            <a:off x="1793321" y="2748979"/>
+            <a:ext cx="2692699" cy="435477"/>
+          </a:xfrm>
+          <a:prstGeom prst="rect">
+            <a:avLst/>
+          </a:prstGeom>
+          <a:noFill/>
+          <a:extLst>
+            <a:ext uri="{909E8E84-426E-40DD-AFC4-6F175D3DCCD1}">
+              <a14:hiddenFill xmlns:a14="http://schemas.microsoft.com/office/drawing/2010/main">
+                <a:solidFill>
+                  <a:srgbClr val="FFFFFF"/>
+                </a:solidFill>
+              </a14:hiddenFill>
+            </a:ext>
+          </a:extLst>
+        </p:spPr>
+      </p:pic>
+      <p:pic>
+        <p:nvPicPr>
+          <p:cNvPr id="6" name="Picture 8" descr="Javaå¯¾å¿éçè§£æã»åä½ãã¹ããã¼ã« Jtest"/>
+          <p:cNvPicPr>
+            <a:picLocks noChangeAspect="1" noChangeArrowheads="1"/>
+          </p:cNvPicPr>
+          <p:nvPr/>
+        </p:nvPicPr>
+        <p:blipFill>
+          <a:blip r:embed="rId4" cstate="print">
+            <a:extLst>
+              <a:ext uri="{28A0092B-C50C-407E-A947-70E740481C1C}">
+                <a14:useLocalDpi xmlns:a14="http://schemas.microsoft.com/office/drawing/2010/main" val="0"/>
+              </a:ext>
+            </a:extLst>
+          </a:blip>
+          <a:srcRect/>
+          <a:stretch>
+            <a:fillRect/>
+          </a:stretch>
+        </p:blipFill>
+        <p:spPr bwMode="auto">
+          <a:xfrm>
+            <a:off x="5019255" y="3465187"/>
+            <a:ext cx="1902255" cy="1141353"/>
+          </a:xfrm>
+          <a:prstGeom prst="rect">
+            <a:avLst/>
+          </a:prstGeom>
+          <a:noFill/>
+          <a:extLst>
+            <a:ext uri="{909E8E84-426E-40DD-AFC4-6F175D3DCCD1}">
+              <a14:hiddenFill xmlns:a14="http://schemas.microsoft.com/office/drawing/2010/main">
+                <a:solidFill>
+                  <a:srgbClr val="FFFFFF"/>
+                </a:solidFill>
+              </a14:hiddenFill>
+            </a:ext>
+          </a:extLst>
+        </p:spPr>
+      </p:pic>
+      <p:pic>
+        <p:nvPicPr>
+          <p:cNvPr id="7" name="図 6"/>
+          <p:cNvPicPr>
+            <a:picLocks noChangeAspect="1"/>
+          </p:cNvPicPr>
+          <p:nvPr/>
+        </p:nvPicPr>
+        <p:blipFill rotWithShape="1">
+          <a:blip r:embed="rId5"/>
+          <a:srcRect l="2412" t="14151" r="48903" b="69708"/>
+          <a:stretch/>
+        </p:blipFill>
+        <p:spPr>
+          <a:xfrm>
+            <a:off x="1238895" y="3613445"/>
+            <a:ext cx="3451873" cy="643728"/>
+          </a:xfrm>
+          <a:prstGeom prst="rect">
+            <a:avLst/>
+          </a:prstGeom>
+        </p:spPr>
+      </p:pic>
+      <p:sp>
+        <p:nvSpPr>
+          <p:cNvPr id="8" name="テキスト ボックス 7"/>
+          <p:cNvSpPr txBox="1"/>
+          <p:nvPr/>
+        </p:nvSpPr>
+        <p:spPr>
+          <a:xfrm>
+            <a:off x="5195276" y="2652720"/>
+            <a:ext cx="2286000" cy="707886"/>
+          </a:xfrm>
+          <a:prstGeom prst="rect">
+            <a:avLst/>
+          </a:prstGeom>
+          <a:noFill/>
+        </p:spPr>
+        <p:txBody>
+          <a:bodyPr wrap="square" rtlCol="0">
+            <a:spAutoFit/>
+          </a:bodyPr>
+          <a:lstStyle/>
+          <a:p>
+            <a:r>
+              <a:rPr kumimoji="1" lang="en-US" altLang="ja-JP" sz="4000" b="1" dirty="0" err="1" smtClean="0"/>
+              <a:t>TestFul</a:t>
+            </a:r>
+            <a:endParaRPr kumimoji="1" lang="ja-JP" altLang="en-US" sz="4000" b="1" dirty="0"/>
+          </a:p>
+        </p:txBody>
+      </p:sp>
+      <p:sp>
+        <p:nvSpPr>
+          <p:cNvPr id="9" name="テキスト ボックス 8"/>
+          <p:cNvSpPr txBox="1"/>
+          <p:nvPr/>
+        </p:nvSpPr>
+        <p:spPr>
+          <a:xfrm>
+            <a:off x="7299996" y="3549287"/>
+            <a:ext cx="1140622" cy="707886"/>
+          </a:xfrm>
+          <a:prstGeom prst="rect">
+            <a:avLst/>
+          </a:prstGeom>
+          <a:noFill/>
+        </p:spPr>
+        <p:txBody>
+          <a:bodyPr wrap="square" rtlCol="0">
+            <a:spAutoFit/>
+          </a:bodyPr>
+          <a:lstStyle/>
+          <a:p>
+            <a:r>
+              <a:rPr lang="en-US" altLang="ja-JP" sz="4000" b="1" dirty="0" err="1" smtClean="0"/>
+              <a:t>Pex</a:t>
+            </a:r>
+            <a:endParaRPr kumimoji="1" lang="ja-JP" altLang="en-US" sz="4000" b="1" dirty="0"/>
+          </a:p>
+        </p:txBody>
+      </p:sp>
+      <p:sp>
+        <p:nvSpPr>
+          <p:cNvPr id="10" name="テキスト ボックス 9"/>
+          <p:cNvSpPr txBox="1"/>
+          <p:nvPr/>
+        </p:nvSpPr>
+        <p:spPr>
+          <a:xfrm>
+            <a:off x="7825156" y="2612774"/>
+            <a:ext cx="2286000" cy="707886"/>
+          </a:xfrm>
+          <a:prstGeom prst="rect">
+            <a:avLst/>
+          </a:prstGeom>
+          <a:noFill/>
+        </p:spPr>
+        <p:txBody>
+          <a:bodyPr wrap="square" rtlCol="0">
+            <a:spAutoFit/>
+          </a:bodyPr>
+          <a:lstStyle/>
+          <a:p>
+            <a:r>
+              <a:rPr kumimoji="1" lang="en-US" altLang="ja-JP" sz="4000" b="1" dirty="0" smtClean="0"/>
+              <a:t>Seeker</a:t>
+            </a:r>
+            <a:endParaRPr kumimoji="1" lang="ja-JP" altLang="en-US" sz="4000" b="1" dirty="0"/>
+          </a:p>
+        </p:txBody>
+      </p:sp>
+      <p:sp>
+        <p:nvSpPr>
+          <p:cNvPr id="11" name="角丸四角形 10"/>
+          <p:cNvSpPr/>
+          <p:nvPr/>
+        </p:nvSpPr>
+        <p:spPr>
+          <a:xfrm>
+            <a:off x="872601" y="5153688"/>
+            <a:ext cx="10195561" cy="1152939"/>
+          </a:xfrm>
+          <a:prstGeom prst="roundRect">
+            <a:avLst/>
+          </a:prstGeom>
+        </p:spPr>
+        <p:style>
+          <a:lnRef idx="1">
+            <a:schemeClr val="accent4"/>
+          </a:lnRef>
+          <a:fillRef idx="2">
+            <a:schemeClr val="accent4"/>
+          </a:fillRef>
+          <a:effectRef idx="1">
+            <a:schemeClr val="accent4"/>
+          </a:effectRef>
+          <a:fontRef idx="minor">
+            <a:schemeClr val="dk1"/>
+          </a:fontRef>
+        </p:style>
+        <p:txBody>
+          <a:bodyPr rtlCol="0" anchor="ctr"/>
+          <a:lstStyle/>
+          <a:p>
+            <a:r>
+              <a:rPr lang="ja-JP" altLang="en-US" sz="3200" dirty="0" smtClean="0">
+                <a:latin typeface="メイリオ" panose="020B0604030504040204" pitchFamily="50" charset="-128"/>
+                <a:ea typeface="メイリオ" panose="020B0604030504040204" pitchFamily="50" charset="-128"/>
+              </a:rPr>
+              <a:t>開発者</a:t>
+            </a:r>
+            <a:r>
+              <a:rPr lang="ja-JP" altLang="en-US" sz="3200" dirty="0">
+                <a:latin typeface="メイリオ" panose="020B0604030504040204" pitchFamily="50" charset="-128"/>
+                <a:ea typeface="メイリオ" panose="020B0604030504040204" pitchFamily="50" charset="-128"/>
+              </a:rPr>
+              <a:t>の実装コストを削減</a:t>
+            </a:r>
+            <a:r>
+              <a:rPr lang="ja-JP" altLang="en-US" sz="3200" dirty="0" smtClean="0">
+                <a:latin typeface="メイリオ" panose="020B0604030504040204" pitchFamily="50" charset="-128"/>
+                <a:ea typeface="メイリオ" panose="020B0604030504040204" pitchFamily="50" charset="-128"/>
+              </a:rPr>
+              <a:t>し、短期間</a:t>
+            </a:r>
+            <a:r>
+              <a:rPr lang="ja-JP" altLang="en-US" sz="3200" dirty="0">
+                <a:latin typeface="メイリオ" panose="020B0604030504040204" pitchFamily="50" charset="-128"/>
+                <a:ea typeface="メイリオ" panose="020B0604030504040204" pitchFamily="50" charset="-128"/>
+              </a:rPr>
+              <a:t>でテストコードを作成できる</a:t>
+            </a:r>
+          </a:p>
+        </p:txBody>
+      </p:sp>
+      <p:sp>
+        <p:nvSpPr>
+          <p:cNvPr id="12" name="テキスト ボックス 11"/>
+          <p:cNvSpPr txBox="1"/>
+          <p:nvPr/>
+        </p:nvSpPr>
+        <p:spPr>
+          <a:xfrm>
+            <a:off x="8671593" y="3549287"/>
+            <a:ext cx="2286000" cy="707886"/>
+          </a:xfrm>
+          <a:prstGeom prst="rect">
+            <a:avLst/>
+          </a:prstGeom>
+          <a:noFill/>
+        </p:spPr>
+        <p:txBody>
+          <a:bodyPr wrap="square" rtlCol="0">
+            <a:spAutoFit/>
+          </a:bodyPr>
+          <a:lstStyle/>
+          <a:p>
+            <a:r>
+              <a:rPr lang="en-US" altLang="ja-JP" sz="4000" b="1" dirty="0" smtClean="0"/>
+              <a:t>Grafter</a:t>
+            </a:r>
+            <a:endParaRPr kumimoji="1" lang="ja-JP" altLang="en-US" sz="4000" b="1" dirty="0"/>
+          </a:p>
+        </p:txBody>
+      </p:sp>
+    </p:spTree>
+    <p:extLst>
+      <p:ext uri="{BB962C8B-B14F-4D97-AF65-F5344CB8AC3E}">
+        <p14:creationId xmlns:p14="http://schemas.microsoft.com/office/powerpoint/2010/main" val="2209929105"/>
+      </p:ext>
+    </p:extLst>
+  </p:cSld>
+  <p:clrMapOvr>
+    <a:masterClrMapping/>
+  </p:clrMapOvr>
+  <p:timing>
+    <p:tnLst>
+      <p:par>
+        <p:cTn id="1" dur="indefinite" restart="never" nodeType="tmRoot"/>
+      </p:par>
+    </p:tnLst>
+  </p:timing>
+</p:sld>
+</file>
+
+<file path=ppt/slides/slide30.xml><?xml version="1.0" encoding="utf-8"?>
 <p:sld xmlns:a="http://schemas.openxmlformats.org/drawingml/2006/main" xmlns:r="http://schemas.openxmlformats.org/officeDocument/2006/relationships" xmlns:p="http://schemas.openxmlformats.org/presentationml/2006/main">
   <p:cSld>
     <p:spTree>
@@ -29314,409 +30922,7 @@
 </p:sld>
 </file>
 
-<file path=ppt/slides/slide3.xml><?xml version="1.0" encoding="utf-8"?>
-<p:sld xmlns:a="http://schemas.openxmlformats.org/drawingml/2006/main" xmlns:r="http://schemas.openxmlformats.org/officeDocument/2006/relationships" xmlns:p="http://schemas.openxmlformats.org/presentationml/2006/main">
-  <p:cSld>
-    <p:spTree>
-      <p:nvGrpSpPr>
-        <p:cNvPr id="1" name=""/>
-        <p:cNvGrpSpPr/>
-        <p:nvPr/>
-      </p:nvGrpSpPr>
-      <p:grpSpPr>
-        <a:xfrm>
-          <a:off x="0" y="0"/>
-          <a:ext cx="0" cy="0"/>
-          <a:chOff x="0" y="0"/>
-          <a:chExt cx="0" cy="0"/>
-        </a:xfrm>
-      </p:grpSpPr>
-      <p:sp>
-        <p:nvSpPr>
-          <p:cNvPr id="2" name="タイトル 1"/>
-          <p:cNvSpPr>
-            <a:spLocks noGrp="1"/>
-          </p:cNvSpPr>
-          <p:nvPr>
-            <p:ph type="title"/>
-          </p:nvPr>
-        </p:nvSpPr>
-        <p:spPr>
-          <a:xfrm>
-            <a:off x="197018" y="219428"/>
-            <a:ext cx="5608931" cy="729386"/>
-          </a:xfrm>
-        </p:spPr>
-        <p:txBody>
-          <a:bodyPr/>
-          <a:lstStyle/>
-          <a:p>
-            <a:r>
-              <a:rPr kumimoji="1" lang="ja-JP" altLang="en-US" dirty="0" smtClean="0">
-                <a:solidFill>
-                  <a:schemeClr val="bg1"/>
-                </a:solidFill>
-              </a:rPr>
-              <a:t>テストコード自動生成ツール</a:t>
-            </a:r>
-            <a:endParaRPr kumimoji="1" lang="ja-JP" altLang="en-US" dirty="0">
-              <a:solidFill>
-                <a:schemeClr val="bg1"/>
-              </a:solidFill>
-            </a:endParaRPr>
-          </a:p>
-        </p:txBody>
-      </p:sp>
-      <p:sp>
-        <p:nvSpPr>
-          <p:cNvPr id="4" name="コンテンツ プレースホルダー 2"/>
-          <p:cNvSpPr>
-            <a:spLocks noGrp="1"/>
-          </p:cNvSpPr>
-          <p:nvPr>
-            <p:ph idx="1"/>
-          </p:nvPr>
-        </p:nvSpPr>
-        <p:spPr>
-          <a:xfrm>
-            <a:off x="838198" y="1587161"/>
-            <a:ext cx="10741183" cy="902666"/>
-          </a:xfrm>
-        </p:spPr>
-        <p:txBody>
-          <a:bodyPr/>
-          <a:lstStyle/>
-          <a:p>
-            <a:r>
-              <a:rPr lang="ja-JP" altLang="en-US" dirty="0" smtClean="0"/>
-              <a:t>テスト</a:t>
-            </a:r>
-            <a:r>
-              <a:rPr lang="ja-JP" altLang="en-US" dirty="0"/>
-              <a:t>工程</a:t>
-            </a:r>
-            <a:r>
-              <a:rPr lang="ja-JP" altLang="en-US" dirty="0" smtClean="0"/>
-              <a:t>を支援するために、これまでに様々な自動生成ツールが提案されてき</a:t>
-            </a:r>
-            <a:r>
-              <a:rPr lang="ja-JP" altLang="en-US" dirty="0"/>
-              <a:t>た</a:t>
-            </a:r>
-            <a:endParaRPr kumimoji="1" lang="ja-JP" altLang="en-US" dirty="0"/>
-          </a:p>
-        </p:txBody>
-      </p:sp>
-      <p:pic>
-        <p:nvPicPr>
-          <p:cNvPr id="5" name="Picture 2" descr="site logo"/>
-          <p:cNvPicPr>
-            <a:picLocks noChangeAspect="1" noChangeArrowheads="1"/>
-          </p:cNvPicPr>
-          <p:nvPr/>
-        </p:nvPicPr>
-        <p:blipFill>
-          <a:blip r:embed="rId3">
-            <a:extLst>
-              <a:ext uri="{28A0092B-C50C-407E-A947-70E740481C1C}">
-                <a14:useLocalDpi xmlns:a14="http://schemas.microsoft.com/office/drawing/2010/main" val="0"/>
-              </a:ext>
-            </a:extLst>
-          </a:blip>
-          <a:srcRect/>
-          <a:stretch>
-            <a:fillRect/>
-          </a:stretch>
-        </p:blipFill>
-        <p:spPr bwMode="auto">
-          <a:xfrm>
-            <a:off x="1793321" y="2748979"/>
-            <a:ext cx="2692699" cy="435477"/>
-          </a:xfrm>
-          <a:prstGeom prst="rect">
-            <a:avLst/>
-          </a:prstGeom>
-          <a:noFill/>
-          <a:extLst>
-            <a:ext uri="{909E8E84-426E-40DD-AFC4-6F175D3DCCD1}">
-              <a14:hiddenFill xmlns:a14="http://schemas.microsoft.com/office/drawing/2010/main">
-                <a:solidFill>
-                  <a:srgbClr val="FFFFFF"/>
-                </a:solidFill>
-              </a14:hiddenFill>
-            </a:ext>
-          </a:extLst>
-        </p:spPr>
-      </p:pic>
-      <p:pic>
-        <p:nvPicPr>
-          <p:cNvPr id="6" name="Picture 8" descr="Javaå¯¾å¿éçè§£æã»åä½ãã¹ããã¼ã« Jtest"/>
-          <p:cNvPicPr>
-            <a:picLocks noChangeAspect="1" noChangeArrowheads="1"/>
-          </p:cNvPicPr>
-          <p:nvPr/>
-        </p:nvPicPr>
-        <p:blipFill>
-          <a:blip r:embed="rId4" cstate="print">
-            <a:extLst>
-              <a:ext uri="{28A0092B-C50C-407E-A947-70E740481C1C}">
-                <a14:useLocalDpi xmlns:a14="http://schemas.microsoft.com/office/drawing/2010/main" val="0"/>
-              </a:ext>
-            </a:extLst>
-          </a:blip>
-          <a:srcRect/>
-          <a:stretch>
-            <a:fillRect/>
-          </a:stretch>
-        </p:blipFill>
-        <p:spPr bwMode="auto">
-          <a:xfrm>
-            <a:off x="5019255" y="3465187"/>
-            <a:ext cx="1902255" cy="1141353"/>
-          </a:xfrm>
-          <a:prstGeom prst="rect">
-            <a:avLst/>
-          </a:prstGeom>
-          <a:noFill/>
-          <a:extLst>
-            <a:ext uri="{909E8E84-426E-40DD-AFC4-6F175D3DCCD1}">
-              <a14:hiddenFill xmlns:a14="http://schemas.microsoft.com/office/drawing/2010/main">
-                <a:solidFill>
-                  <a:srgbClr val="FFFFFF"/>
-                </a:solidFill>
-              </a14:hiddenFill>
-            </a:ext>
-          </a:extLst>
-        </p:spPr>
-      </p:pic>
-      <p:pic>
-        <p:nvPicPr>
-          <p:cNvPr id="7" name="図 6"/>
-          <p:cNvPicPr>
-            <a:picLocks noChangeAspect="1"/>
-          </p:cNvPicPr>
-          <p:nvPr/>
-        </p:nvPicPr>
-        <p:blipFill rotWithShape="1">
-          <a:blip r:embed="rId5"/>
-          <a:srcRect l="2412" t="14151" r="48903" b="69708"/>
-          <a:stretch/>
-        </p:blipFill>
-        <p:spPr>
-          <a:xfrm>
-            <a:off x="1238895" y="3613445"/>
-            <a:ext cx="3451873" cy="643728"/>
-          </a:xfrm>
-          <a:prstGeom prst="rect">
-            <a:avLst/>
-          </a:prstGeom>
-        </p:spPr>
-      </p:pic>
-      <p:sp>
-        <p:nvSpPr>
-          <p:cNvPr id="8" name="テキスト ボックス 7"/>
-          <p:cNvSpPr txBox="1"/>
-          <p:nvPr/>
-        </p:nvSpPr>
-        <p:spPr>
-          <a:xfrm>
-            <a:off x="5195276" y="2652720"/>
-            <a:ext cx="2286000" cy="707886"/>
-          </a:xfrm>
-          <a:prstGeom prst="rect">
-            <a:avLst/>
-          </a:prstGeom>
-          <a:noFill/>
-        </p:spPr>
-        <p:txBody>
-          <a:bodyPr wrap="square" rtlCol="0">
-            <a:spAutoFit/>
-          </a:bodyPr>
-          <a:lstStyle/>
-          <a:p>
-            <a:r>
-              <a:rPr kumimoji="1" lang="en-US" altLang="ja-JP" sz="4000" b="1" dirty="0" err="1" smtClean="0"/>
-              <a:t>TestFul</a:t>
-            </a:r>
-            <a:endParaRPr kumimoji="1" lang="ja-JP" altLang="en-US" sz="4000" b="1" dirty="0"/>
-          </a:p>
-        </p:txBody>
-      </p:sp>
-      <p:sp>
-        <p:nvSpPr>
-          <p:cNvPr id="9" name="テキスト ボックス 8"/>
-          <p:cNvSpPr txBox="1"/>
-          <p:nvPr/>
-        </p:nvSpPr>
-        <p:spPr>
-          <a:xfrm>
-            <a:off x="7299996" y="3549287"/>
-            <a:ext cx="1140622" cy="707886"/>
-          </a:xfrm>
-          <a:prstGeom prst="rect">
-            <a:avLst/>
-          </a:prstGeom>
-          <a:noFill/>
-        </p:spPr>
-        <p:txBody>
-          <a:bodyPr wrap="square" rtlCol="0">
-            <a:spAutoFit/>
-          </a:bodyPr>
-          <a:lstStyle/>
-          <a:p>
-            <a:r>
-              <a:rPr lang="en-US" altLang="ja-JP" sz="4000" b="1" dirty="0" err="1" smtClean="0"/>
-              <a:t>Pex</a:t>
-            </a:r>
-            <a:endParaRPr kumimoji="1" lang="ja-JP" altLang="en-US" sz="4000" b="1" dirty="0"/>
-          </a:p>
-        </p:txBody>
-      </p:sp>
-      <p:sp>
-        <p:nvSpPr>
-          <p:cNvPr id="10" name="テキスト ボックス 9"/>
-          <p:cNvSpPr txBox="1"/>
-          <p:nvPr/>
-        </p:nvSpPr>
-        <p:spPr>
-          <a:xfrm>
-            <a:off x="7825156" y="2612774"/>
-            <a:ext cx="2286000" cy="707886"/>
-          </a:xfrm>
-          <a:prstGeom prst="rect">
-            <a:avLst/>
-          </a:prstGeom>
-          <a:noFill/>
-        </p:spPr>
-        <p:txBody>
-          <a:bodyPr wrap="square" rtlCol="0">
-            <a:spAutoFit/>
-          </a:bodyPr>
-          <a:lstStyle/>
-          <a:p>
-            <a:r>
-              <a:rPr kumimoji="1" lang="en-US" altLang="ja-JP" sz="4000" b="1" dirty="0" smtClean="0"/>
-              <a:t>Seeker</a:t>
-            </a:r>
-            <a:endParaRPr kumimoji="1" lang="ja-JP" altLang="en-US" sz="4000" b="1" dirty="0"/>
-          </a:p>
-        </p:txBody>
-      </p:sp>
-      <p:sp>
-        <p:nvSpPr>
-          <p:cNvPr id="11" name="角丸四角形 10"/>
-          <p:cNvSpPr/>
-          <p:nvPr/>
-        </p:nvSpPr>
-        <p:spPr>
-          <a:xfrm>
-            <a:off x="872601" y="5153688"/>
-            <a:ext cx="10195561" cy="1152939"/>
-          </a:xfrm>
-          <a:prstGeom prst="roundRect">
-            <a:avLst/>
-          </a:prstGeom>
-        </p:spPr>
-        <p:style>
-          <a:lnRef idx="1">
-            <a:schemeClr val="accent4"/>
-          </a:lnRef>
-          <a:fillRef idx="2">
-            <a:schemeClr val="accent4"/>
-          </a:fillRef>
-          <a:effectRef idx="1">
-            <a:schemeClr val="accent4"/>
-          </a:effectRef>
-          <a:fontRef idx="minor">
-            <a:schemeClr val="dk1"/>
-          </a:fontRef>
-        </p:style>
-        <p:txBody>
-          <a:bodyPr rtlCol="0" anchor="ctr"/>
-          <a:lstStyle/>
-          <a:p>
-            <a:r>
-              <a:rPr lang="ja-JP" altLang="en-US" sz="3200" dirty="0" smtClean="0">
-                <a:latin typeface="メイリオ" panose="020B0604030504040204" pitchFamily="50" charset="-128"/>
-                <a:ea typeface="メイリオ" panose="020B0604030504040204" pitchFamily="50" charset="-128"/>
-              </a:rPr>
-              <a:t>開発者</a:t>
-            </a:r>
-            <a:r>
-              <a:rPr lang="ja-JP" altLang="en-US" sz="3200" dirty="0">
-                <a:latin typeface="メイリオ" panose="020B0604030504040204" pitchFamily="50" charset="-128"/>
-                <a:ea typeface="メイリオ" panose="020B0604030504040204" pitchFamily="50" charset="-128"/>
-              </a:rPr>
-              <a:t>の実装コストを削減</a:t>
-            </a:r>
-            <a:r>
-              <a:rPr lang="ja-JP" altLang="en-US" sz="3200" dirty="0" smtClean="0">
-                <a:latin typeface="メイリオ" panose="020B0604030504040204" pitchFamily="50" charset="-128"/>
-                <a:ea typeface="メイリオ" panose="020B0604030504040204" pitchFamily="50" charset="-128"/>
-              </a:rPr>
-              <a:t>し、短期間</a:t>
-            </a:r>
-            <a:r>
-              <a:rPr lang="ja-JP" altLang="en-US" sz="3200" dirty="0">
-                <a:latin typeface="メイリオ" panose="020B0604030504040204" pitchFamily="50" charset="-128"/>
-                <a:ea typeface="メイリオ" panose="020B0604030504040204" pitchFamily="50" charset="-128"/>
-              </a:rPr>
-              <a:t>でテストコードを作成できる</a:t>
-            </a:r>
-          </a:p>
-        </p:txBody>
-      </p:sp>
-      <p:sp>
-        <p:nvSpPr>
-          <p:cNvPr id="12" name="テキスト ボックス 11"/>
-          <p:cNvSpPr txBox="1"/>
-          <p:nvPr/>
-        </p:nvSpPr>
-        <p:spPr>
-          <a:xfrm>
-            <a:off x="8671593" y="3549287"/>
-            <a:ext cx="2286000" cy="707886"/>
-          </a:xfrm>
-          <a:prstGeom prst="rect">
-            <a:avLst/>
-          </a:prstGeom>
-          <a:noFill/>
-        </p:spPr>
-        <p:txBody>
-          <a:bodyPr wrap="square" rtlCol="0">
-            <a:spAutoFit/>
-          </a:bodyPr>
-          <a:lstStyle/>
-          <a:p>
-            <a:r>
-              <a:rPr lang="en-US" altLang="ja-JP" sz="4000" b="1" dirty="0" smtClean="0"/>
-              <a:t>Grafter</a:t>
-            </a:r>
-            <a:endParaRPr kumimoji="1" lang="ja-JP" altLang="en-US" sz="4000" b="1" dirty="0"/>
-          </a:p>
-        </p:txBody>
-      </p:sp>
-    </p:spTree>
-    <p:extLst>
-      <p:ext uri="{BB962C8B-B14F-4D97-AF65-F5344CB8AC3E}">
-        <p14:creationId xmlns:p14="http://schemas.microsoft.com/office/powerpoint/2010/main" val="2209929105"/>
-      </p:ext>
-    </p:extLst>
-  </p:cSld>
-  <p:clrMapOvr>
-    <a:masterClrMapping/>
-  </p:clrMapOvr>
-  <p:timing>
-    <p:tnLst>
-      <p:par>
-        <p:cTn id="1" dur="indefinite" restart="never" nodeType="tmRoot"/>
-      </p:par>
-    </p:tnLst>
-  </p:timing>
-</p:sld>
-</file>
-
-<file path=ppt/slides/slide30.xml><?xml version="1.0" encoding="utf-8"?>
+<file path=ppt/slides/slide31.xml><?xml version="1.0" encoding="utf-8"?>
 <p:sld xmlns:a="http://schemas.openxmlformats.org/drawingml/2006/main" xmlns:r="http://schemas.openxmlformats.org/officeDocument/2006/relationships" xmlns:p="http://schemas.openxmlformats.org/presentationml/2006/main">
   <p:cSld>
     <p:spTree>
@@ -29916,7 +31122,7 @@
 </p:sld>
 </file>
 
-<file path=ppt/slides/slide31.xml><?xml version="1.0" encoding="utf-8"?>
+<file path=ppt/slides/slide32.xml><?xml version="1.0" encoding="utf-8"?>
 <p:sld xmlns:a="http://schemas.openxmlformats.org/drawingml/2006/main" xmlns:r="http://schemas.openxmlformats.org/officeDocument/2006/relationships" xmlns:p="http://schemas.openxmlformats.org/presentationml/2006/main">
   <p:cSld>
     <p:spTree>
@@ -30378,7 +31584,7 @@
 </p:sld>
 </file>
 
-<file path=ppt/slides/slide32.xml><?xml version="1.0" encoding="utf-8"?>
+<file path=ppt/slides/slide33.xml><?xml version="1.0" encoding="utf-8"?>
 <p:sld xmlns:a="http://schemas.openxmlformats.org/drawingml/2006/main" xmlns:r="http://schemas.openxmlformats.org/officeDocument/2006/relationships" xmlns:p="http://schemas.openxmlformats.org/presentationml/2006/main" show="0">
   <p:cSld>
     <p:spTree>
@@ -31625,7 +32831,7 @@
 </p:sld>
 </file>
 
-<file path=ppt/slides/slide33.xml><?xml version="1.0" encoding="utf-8"?>
+<file path=ppt/slides/slide34.xml><?xml version="1.0" encoding="utf-8"?>
 <p:sld xmlns:a="http://schemas.openxmlformats.org/drawingml/2006/main" xmlns:r="http://schemas.openxmlformats.org/officeDocument/2006/relationships" xmlns:p="http://schemas.openxmlformats.org/presentationml/2006/main" show="0">
   <p:cSld>
     <p:spTree>

--- a/�v���[��0122.pptx
+++ b/�v���[��0122.pptx
@@ -18638,14 +18638,14 @@
           <p:nvPr>
             <p:extLst>
               <p:ext uri="{D42A27DB-BD31-4B8C-83A1-F6EECF244321}">
-                <p14:modId xmlns:p14="http://schemas.microsoft.com/office/powerpoint/2010/main" val="2952369831"/>
+                <p14:modId xmlns:p14="http://schemas.microsoft.com/office/powerpoint/2010/main" val="969446958"/>
               </p:ext>
             </p:extLst>
           </p:nvPr>
         </p:nvGraphicFramePr>
         <p:xfrm>
-          <a:off x="1590077" y="2610557"/>
-          <a:ext cx="9157619" cy="2004010"/>
+          <a:off x="1590077" y="2663686"/>
+          <a:ext cx="9157619" cy="1901190"/>
         </p:xfrm>
         <a:graphic>
           <a:graphicData uri="http://schemas.openxmlformats.org/drawingml/2006/table">
@@ -18683,7 +18683,7 @@
                   </a:extLst>
                 </a:gridCol>
               </a:tblGrid>
-              <a:tr h="308708">
+              <a:tr h="426631">
                 <a:tc>
                   <a:txBody>
                     <a:bodyPr/>
@@ -18791,7 +18791,7 @@
                   </a:ext>
                 </a:extLst>
               </a:tr>
-              <a:tr h="1076676">
+              <a:tr h="971193">
                 <a:tc>
                   <a:txBody>
                     <a:bodyPr/>
@@ -19130,7 +19130,7 @@
                   </a:ext>
                 </a:extLst>
               </a:tr>
-              <a:tr h="458704">
+              <a:tr h="332981">
                 <a:tc>
                   <a:txBody>
                     <a:bodyPr/>
@@ -19154,7 +19154,7 @@
                         <a:defRPr/>
                       </a:pPr>
                       <a:r>
-                        <a:rPr kumimoji="1" lang="ja-JP" altLang="en-US" sz="1800">
+                        <a:rPr kumimoji="1" lang="ja-JP" altLang="en-US" sz="1800" dirty="0">
                           <a:latin typeface="メイリオ" panose="020B0604030504040204" pitchFamily="50" charset="-128"/>
                           <a:ea typeface="メイリオ" panose="020B0604030504040204" pitchFamily="50" charset="-128"/>
                         </a:rPr>
@@ -19175,13 +19175,13 @@
                         </a:lnSpc>
                       </a:pPr>
                       <a:r>
-                        <a:rPr kumimoji="1" lang="en-US" altLang="ja-JP" sz="2000" dirty="0">
+                        <a:rPr kumimoji="1" lang="en-US" altLang="ja-JP" sz="1800" dirty="0">
                           <a:latin typeface="メイリオ" panose="020B0604030504040204" pitchFamily="50" charset="-128"/>
                           <a:ea typeface="メイリオ" panose="020B0604030504040204" pitchFamily="50" charset="-128"/>
                         </a:rPr>
                         <a:t>8</a:t>
                       </a:r>
-                      <a:endParaRPr kumimoji="1" lang="ja-JP" altLang="en-US" sz="2000" dirty="0">
+                      <a:endParaRPr kumimoji="1" lang="ja-JP" altLang="en-US" sz="1800" dirty="0">
                         <a:latin typeface="メイリオ" panose="020B0604030504040204" pitchFamily="50" charset="-128"/>
                         <a:ea typeface="メイリオ" panose="020B0604030504040204" pitchFamily="50" charset="-128"/>
                       </a:endParaRPr>
@@ -19200,13 +19200,13 @@
                         </a:lnSpc>
                       </a:pPr>
                       <a:r>
-                        <a:rPr kumimoji="1" lang="en-US" altLang="ja-JP" sz="2000" dirty="0">
+                        <a:rPr kumimoji="1" lang="en-US" altLang="ja-JP" sz="1800" dirty="0">
                           <a:latin typeface="メイリオ" panose="020B0604030504040204" pitchFamily="50" charset="-128"/>
                           <a:ea typeface="メイリオ" panose="020B0604030504040204" pitchFamily="50" charset="-128"/>
                         </a:rPr>
                         <a:t>16</a:t>
                       </a:r>
-                      <a:endParaRPr kumimoji="1" lang="ja-JP" altLang="en-US" sz="2000" dirty="0">
+                      <a:endParaRPr kumimoji="1" lang="ja-JP" altLang="en-US" sz="1800" dirty="0">
                         <a:latin typeface="メイリオ" panose="020B0604030504040204" pitchFamily="50" charset="-128"/>
                         <a:ea typeface="メイリオ" panose="020B0604030504040204" pitchFamily="50" charset="-128"/>
                       </a:endParaRPr>
@@ -19225,13 +19225,13 @@
                         </a:lnSpc>
                       </a:pPr>
                       <a:r>
-                        <a:rPr kumimoji="1" lang="en-US" altLang="ja-JP" sz="2000" dirty="0">
+                        <a:rPr kumimoji="1" lang="en-US" altLang="ja-JP" sz="1800" dirty="0">
                           <a:latin typeface="メイリオ" panose="020B0604030504040204" pitchFamily="50" charset="-128"/>
                           <a:ea typeface="メイリオ" panose="020B0604030504040204" pitchFamily="50" charset="-128"/>
                         </a:rPr>
                         <a:t>24</a:t>
                       </a:r>
-                      <a:endParaRPr kumimoji="1" lang="ja-JP" altLang="en-US" sz="2000" dirty="0">
+                      <a:endParaRPr kumimoji="1" lang="ja-JP" altLang="en-US" sz="1800" dirty="0">
                         <a:latin typeface="メイリオ" panose="020B0604030504040204" pitchFamily="50" charset="-128"/>
                         <a:ea typeface="メイリオ" panose="020B0604030504040204" pitchFamily="50" charset="-128"/>
                       </a:endParaRPr>

--- a/�v���[��0122.pptx
+++ b/�v���[��0122.pptx
@@ -6939,15 +6939,19 @@
           <a:p>
             <a:r>
               <a:rPr kumimoji="1" lang="ja-JP" altLang="en-US" dirty="0" smtClean="0"/>
-              <a:t>この結果から、</a:t>
-            </a:r>
-            <a:r>
-              <a:rPr kumimoji="1" lang="en-US" altLang="ja-JP" dirty="0" err="1" smtClean="0"/>
-              <a:t>SuiteRec</a:t>
+              <a:t>この結果は、タスク</a:t>
+            </a:r>
+            <a:r>
+              <a:rPr kumimoji="1" lang="en-US" altLang="ja-JP" dirty="0" smtClean="0"/>
+              <a:t>2</a:t>
             </a:r>
             <a:r>
               <a:rPr kumimoji="1" lang="ja-JP" altLang="en-US" dirty="0" smtClean="0"/>
-              <a:t>を利用は、被験者が無駄なテストコードを作成するのを防ぎ、短期間でのテストコード作成を支援できる場合もあることが分かった。</a:t>
+              <a:t>の性質上、手作業の場合は、余分なテスト項目を</a:t>
+            </a:r>
+            <a:r>
+              <a:rPr kumimoji="1" lang="ja-JP" altLang="en-US" smtClean="0"/>
+              <a:t>作成してしまい、この部分に時間を費やしてしまった可能性があります</a:t>
             </a:r>
             <a:endParaRPr kumimoji="1" lang="en-US" altLang="ja-JP" dirty="0" smtClean="0"/>
           </a:p>

--- a/�v���[��0122.pptx
+++ b/�v���[��0122.pptx
@@ -5,13 +5,13 @@
     <p:sldMasterId id="2147483648" r:id="rId1"/>
   </p:sldMasterIdLst>
   <p:notesMasterIdLst>
-    <p:notesMasterId r:id="rId41"/>
+    <p:notesMasterId r:id="rId42"/>
   </p:notesMasterIdLst>
   <p:sldIdLst>
     <p:sldId id="274" r:id="rId2"/>
     <p:sldId id="337" r:id="rId3"/>
     <p:sldId id="259" r:id="rId4"/>
-    <p:sldId id="358" r:id="rId5"/>
+    <p:sldId id="372" r:id="rId5"/>
     <p:sldId id="361" r:id="rId6"/>
     <p:sldId id="339" r:id="rId7"/>
     <p:sldId id="262" r:id="rId8"/>
@@ -46,7 +46,8 @@
     <p:sldId id="362" r:id="rId37"/>
     <p:sldId id="360" r:id="rId38"/>
     <p:sldId id="268" r:id="rId39"/>
-    <p:sldId id="279" r:id="rId40"/>
+    <p:sldId id="358" r:id="rId40"/>
+    <p:sldId id="279" r:id="rId41"/>
   </p:sldIdLst>
   <p:sldSz cx="12192000" cy="6858000"/>
   <p:notesSz cx="6858000" cy="9144000"/>
@@ -6947,11 +6948,7 @@
             </a:r>
             <a:r>
               <a:rPr kumimoji="1" lang="ja-JP" altLang="en-US" dirty="0" smtClean="0"/>
-              <a:t>の性質上、手作業の場合は、余分なテスト項目を</a:t>
-            </a:r>
-            <a:r>
-              <a:rPr kumimoji="1" lang="ja-JP" altLang="en-US" smtClean="0"/>
-              <a:t>作成してしまい、この部分に時間を費やしてしまった可能性があります</a:t>
+              <a:t>の性質上、手作業の場合は、余分なテスト項目を作成してしまい、この部分に時間を費やしてしまった可能性があります</a:t>
             </a:r>
             <a:endParaRPr kumimoji="1" lang="en-US" altLang="ja-JP" dirty="0" smtClean="0"/>
           </a:p>
@@ -9809,23 +9806,76 @@
           <a:p>
             <a:r>
               <a:rPr kumimoji="1" lang="ja-JP" altLang="en-US" dirty="0" smtClean="0"/>
-              <a:t>次に</a:t>
-            </a:r>
+              <a:t>次に課題です。</a:t>
+            </a:r>
+            <a:endParaRPr kumimoji="1" lang="en-US" altLang="ja-JP" dirty="0" smtClean="0"/>
+          </a:p>
+          <a:p>
+            <a:endParaRPr kumimoji="1" lang="en-US" altLang="ja-JP" dirty="0" smtClean="0"/>
+          </a:p>
+          <a:p>
+            <a:r>
+              <a:rPr kumimoji="1" lang="ja-JP" altLang="en-US" dirty="0" smtClean="0"/>
+              <a:t>既存の自動生成ツールの利用は実装コスト削減のメリットがありますが，自動生成されたテストコードは，開発者の保守作業を困難にするといった課題があります．</a:t>
+            </a:r>
+          </a:p>
+          <a:p>
+            <a:endParaRPr kumimoji="1" lang="en-US" altLang="ja-JP" dirty="0" smtClean="0"/>
+          </a:p>
+          <a:p>
+            <a:r>
+              <a:rPr kumimoji="1" lang="ja-JP" altLang="en-US" dirty="0" smtClean="0"/>
+              <a:t>自動生成されたテストコードは、テスト対象コードの作成経緯や意図に基づいて生成されていないので開発者にとって理解しにくいということや</a:t>
+            </a:r>
+            <a:endParaRPr kumimoji="1" lang="en-US" altLang="ja-JP" dirty="0" smtClean="0"/>
+          </a:p>
+          <a:p>
+            <a:endParaRPr kumimoji="1" lang="en-US" altLang="ja-JP" dirty="0" smtClean="0"/>
+          </a:p>
+          <a:p>
+            <a:r>
+              <a:rPr kumimoji="1" lang="ja-JP" altLang="en-US" dirty="0" smtClean="0"/>
+              <a:t>開発者は自動生成されたテストコードを信用していない</a:t>
+            </a:r>
+            <a:endParaRPr kumimoji="1" lang="en-US" altLang="ja-JP" dirty="0" smtClean="0"/>
+          </a:p>
+          <a:p>
             <a:r>
               <a:rPr kumimoji="1" lang="en-US" altLang="ja-JP" dirty="0" smtClean="0"/>
-              <a:t>RQ2</a:t>
-            </a:r>
+              <a:t>	</a:t>
+            </a:r>
+          </a:p>
+          <a:p>
             <a:r>
               <a:rPr kumimoji="1" lang="ja-JP" altLang="en-US" dirty="0" smtClean="0"/>
-              <a:t>は、</a:t>
-            </a:r>
-            <a:r>
-              <a:rPr kumimoji="1" lang="en-US" altLang="ja-JP" dirty="0" err="1" smtClean="0"/>
-              <a:t>SuiteRec</a:t>
-            </a:r>
+              <a:t>ということが挙げられます．</a:t>
+            </a:r>
+            <a:endParaRPr kumimoji="1" lang="en-US" altLang="ja-JP" dirty="0" smtClean="0"/>
+          </a:p>
+          <a:p>
+            <a:endParaRPr kumimoji="1" lang="en-US" altLang="ja-JP" dirty="0" smtClean="0"/>
+          </a:p>
+          <a:p>
+            <a:pPr marL="0" marR="0" indent="0" algn="l" defTabSz="914400" rtl="0" eaLnBrk="1" fontAlgn="auto" latinLnBrk="0" hangingPunct="1">
+              <a:lnSpc>
+                <a:spcPct val="100000"/>
+              </a:lnSpc>
+              <a:spcBef>
+                <a:spcPts val="0"/>
+              </a:spcBef>
+              <a:spcAft>
+                <a:spcPts val="0"/>
+              </a:spcAft>
+              <a:buClrTx/>
+              <a:buSzTx/>
+              <a:buFontTx/>
+              <a:buNone/>
+              <a:tabLst/>
+              <a:defRPr/>
+            </a:pPr>
             <a:r>
               <a:rPr kumimoji="1" lang="ja-JP" altLang="en-US" dirty="0" smtClean="0"/>
-              <a:t>は、開発者のテストコードの作成時間を削減できるか？という質問です。</a:t>
+              <a:t>このような原因から開発者はテストが失敗した時、その原因を特定するのが難しくなります</a:t>
             </a:r>
             <a:endParaRPr kumimoji="1" lang="en-US" altLang="ja-JP" dirty="0" smtClean="0"/>
           </a:p>
@@ -9835,151 +9885,15 @@
           <a:p>
             <a:r>
               <a:rPr kumimoji="1" lang="ja-JP" altLang="en-US" dirty="0" smtClean="0"/>
-              <a:t>この質問に答えるために、被験者のタスク完了までの時間を比較しました。</a:t>
-            </a:r>
-            <a:endParaRPr kumimoji="1" lang="en-US" altLang="ja-JP" dirty="0" smtClean="0"/>
-          </a:p>
-          <a:p>
-            <a:endParaRPr kumimoji="1" lang="en-US" altLang="ja-JP" dirty="0" smtClean="0"/>
-          </a:p>
-          <a:p>
-            <a:r>
-              <a:rPr kumimoji="1" lang="ja-JP" altLang="en-US" dirty="0" smtClean="0"/>
-              <a:t>この図は、各被験者のタスク完了までに費やした時間の分布が示されています。</a:t>
-            </a:r>
-            <a:endParaRPr kumimoji="1" lang="en-US" altLang="ja-JP" dirty="0" smtClean="0"/>
-          </a:p>
-          <a:p>
-            <a:endParaRPr kumimoji="1" lang="en-US" altLang="ja-JP" dirty="0" smtClean="0"/>
-          </a:p>
-          <a:p>
-            <a:r>
-              <a:rPr lang="ja-JP" altLang="en-US" sz="1200" dirty="0" smtClean="0">
-                <a:latin typeface="メイリオ" panose="020B0604030504040204" pitchFamily="50" charset="-128"/>
-                <a:ea typeface="メイリオ" panose="020B0604030504040204" pitchFamily="50" charset="-128"/>
-              </a:rPr>
-              <a:t>結果をみると</a:t>
-            </a:r>
-            <a:r>
-              <a:rPr kumimoji="1" lang="en-US" altLang="ja-JP" u="sng" dirty="0" err="1" smtClean="0"/>
-              <a:t>SuiRec</a:t>
-            </a:r>
-            <a:r>
-              <a:rPr kumimoji="1" lang="ja-JP" altLang="en-US" u="sng" dirty="0" smtClean="0"/>
-              <a:t>を利用した場合、</a:t>
-            </a:r>
-            <a:r>
-              <a:rPr lang="ja-JP" altLang="en-US" sz="1200" u="sng" dirty="0" smtClean="0">
-                <a:latin typeface="メイリオ" panose="020B0604030504040204" pitchFamily="50" charset="-128"/>
-                <a:ea typeface="メイリオ" panose="020B0604030504040204" pitchFamily="50" charset="-128"/>
-              </a:rPr>
-              <a:t>タスク</a:t>
-            </a:r>
-            <a:r>
-              <a:rPr lang="en-US" altLang="ja-JP" sz="1200" u="sng" dirty="0" smtClean="0">
-                <a:latin typeface="メイリオ" panose="020B0604030504040204" pitchFamily="50" charset="-128"/>
-                <a:ea typeface="メイリオ" panose="020B0604030504040204" pitchFamily="50" charset="-128"/>
-              </a:rPr>
-              <a:t>1,3</a:t>
-            </a:r>
-            <a:r>
-              <a:rPr lang="ja-JP" altLang="en-US" sz="1200" u="sng" dirty="0" smtClean="0">
-                <a:latin typeface="メイリオ" panose="020B0604030504040204" pitchFamily="50" charset="-128"/>
-                <a:ea typeface="メイリオ" panose="020B0604030504040204" pitchFamily="50" charset="-128"/>
-              </a:rPr>
-              <a:t>は、</a:t>
-            </a:r>
-            <a:r>
-              <a:rPr kumimoji="1" lang="ja-JP" altLang="en-US" u="sng" dirty="0" smtClean="0"/>
-              <a:t>タスク完了までの時間が長いことが分かります。 </a:t>
-            </a:r>
-            <a:endParaRPr kumimoji="1" lang="en-US" altLang="ja-JP" u="sng" dirty="0" smtClean="0"/>
-          </a:p>
-          <a:p>
-            <a:endParaRPr kumimoji="1" lang="en-US" altLang="ja-JP" dirty="0" smtClean="0"/>
-          </a:p>
-          <a:p>
-            <a:r>
-              <a:rPr kumimoji="1" lang="en-US" altLang="ja-JP" b="1" dirty="0" err="1" smtClean="0"/>
-              <a:t>SuiteRec</a:t>
+              <a:t>一般に，</a:t>
             </a:r>
             <a:r>
               <a:rPr kumimoji="1" lang="ja-JP" altLang="en-US" b="1" dirty="0" smtClean="0"/>
-              <a:t>を利用した場合に、時間がかかってしまう原因として、開発者は、推薦される複数のテストコードを理解し、再利用する際に変更をしなければならないことが考えられます。</a:t>
-            </a:r>
-            <a:endParaRPr kumimoji="1" lang="en-US" altLang="ja-JP" b="1" dirty="0" smtClean="0"/>
-          </a:p>
-          <a:p>
-            <a:endParaRPr kumimoji="1" lang="en-US" altLang="ja-JP" dirty="0" smtClean="0"/>
-          </a:p>
-          <a:p>
-            <a:r>
-              <a:rPr kumimoji="1" lang="ja-JP" altLang="en-US" dirty="0" smtClean="0"/>
-              <a:t>一方で、タスク</a:t>
-            </a:r>
-            <a:r>
-              <a:rPr kumimoji="1" lang="en-US" altLang="ja-JP" dirty="0" smtClean="0"/>
-              <a:t>2</a:t>
-            </a:r>
-            <a:r>
-              <a:rPr kumimoji="1" lang="ja-JP" altLang="en-US" dirty="0" smtClean="0"/>
-              <a:t>については、</a:t>
-            </a:r>
-            <a:r>
-              <a:rPr kumimoji="1" lang="en-US" altLang="ja-JP" dirty="0" err="1" smtClean="0"/>
-              <a:t>SuiteRec</a:t>
-            </a:r>
-            <a:r>
-              <a:rPr kumimoji="1" lang="ja-JP" altLang="en-US" dirty="0" smtClean="0"/>
-              <a:t>を使用した方がタスク完了時間が短いことが分かる。</a:t>
-            </a:r>
-            <a:endParaRPr kumimoji="1" lang="en-US" altLang="ja-JP" dirty="0" smtClean="0"/>
-          </a:p>
-          <a:p>
-            <a:endParaRPr kumimoji="1" lang="en-US" altLang="ja-JP" dirty="0" smtClean="0"/>
-          </a:p>
-          <a:p>
-            <a:r>
-              <a:rPr kumimoji="1" lang="ja-JP" altLang="en-US" dirty="0" smtClean="0"/>
-              <a:t>我々は、提出されたテストコードを調査したところ、カバレッジに差はないものの、手作業で作成した場合は、テスト項目の重複が多いことが分かりました。</a:t>
-            </a:r>
-            <a:endParaRPr kumimoji="1" lang="en-US" altLang="ja-JP" dirty="0" smtClean="0"/>
-          </a:p>
-          <a:p>
-            <a:endParaRPr kumimoji="1" lang="en-US" altLang="ja-JP" dirty="0" smtClean="0"/>
-          </a:p>
-          <a:p>
-            <a:r>
-              <a:rPr kumimoji="1" lang="ja-JP" altLang="en-US" dirty="0" smtClean="0"/>
-              <a:t>この結果から、</a:t>
-            </a:r>
-            <a:r>
-              <a:rPr kumimoji="1" lang="en-US" altLang="ja-JP" dirty="0" err="1" smtClean="0"/>
-              <a:t>SuiteRec</a:t>
-            </a:r>
-            <a:r>
-              <a:rPr kumimoji="1" lang="ja-JP" altLang="en-US" dirty="0" smtClean="0"/>
-              <a:t>を利用は、被験者が無駄なテストコードを作成するのを防ぎ、短期間でのテストコード作成を支援できる場合もあることが分かった。</a:t>
-            </a:r>
-            <a:endParaRPr kumimoji="1" lang="en-US" altLang="ja-JP" dirty="0" smtClean="0"/>
-          </a:p>
-          <a:p>
-            <a:endParaRPr kumimoji="1" lang="en-US" altLang="ja-JP" dirty="0" smtClean="0"/>
-          </a:p>
-          <a:p>
-            <a:r>
-              <a:rPr kumimoji="1" lang="ja-JP" altLang="en-US" dirty="0" smtClean="0"/>
-              <a:t>次に</a:t>
-            </a:r>
-            <a:r>
-              <a:rPr kumimoji="1" lang="en-US" altLang="ja-JP" dirty="0" smtClean="0"/>
-              <a:t>RQ3</a:t>
-            </a:r>
-            <a:r>
-              <a:rPr kumimoji="1" lang="ja-JP" altLang="en-US" dirty="0" smtClean="0"/>
-              <a:t>です。</a:t>
-            </a:r>
-            <a:endParaRPr kumimoji="1" lang="en-US" altLang="ja-JP" dirty="0" smtClean="0"/>
+              <a:t>テストコードのメンテナンスにかかる継続的なコストは，テストコードの作成コストをはるかに上回るため，はじめから保守性に優れたテストコードの作成を支援する必要があります</a:t>
+            </a:r>
+          </a:p>
+          <a:p>
+            <a:endParaRPr kumimoji="1" lang="ja-JP" altLang="en-US" dirty="0"/>
           </a:p>
         </p:txBody>
       </p:sp>
@@ -10001,6 +9915,262 @@
             <a:fld id="{A375FAFC-A5AB-4FEC-AA23-92E34682EFAF}" type="slidenum">
               <a:rPr kumimoji="1" lang="ja-JP" altLang="en-US" smtClean="0"/>
               <a:t>39</a:t>
+            </a:fld>
+            <a:endParaRPr kumimoji="1" lang="ja-JP" altLang="en-US"/>
+          </a:p>
+        </p:txBody>
+      </p:sp>
+    </p:spTree>
+    <p:extLst>
+      <p:ext uri="{BB962C8B-B14F-4D97-AF65-F5344CB8AC3E}">
+        <p14:creationId xmlns:p14="http://schemas.microsoft.com/office/powerpoint/2010/main" val="3508250299"/>
+      </p:ext>
+    </p:extLst>
+  </p:cSld>
+  <p:clrMapOvr>
+    <a:masterClrMapping/>
+  </p:clrMapOvr>
+</p:notes>
+</file>
+
+<file path=ppt/notesSlides/notesSlide29.xml><?xml version="1.0" encoding="utf-8"?>
+<p:notes xmlns:a="http://schemas.openxmlformats.org/drawingml/2006/main" xmlns:r="http://schemas.openxmlformats.org/officeDocument/2006/relationships" xmlns:p="http://schemas.openxmlformats.org/presentationml/2006/main">
+  <p:cSld>
+    <p:spTree>
+      <p:nvGrpSpPr>
+        <p:cNvPr id="1" name=""/>
+        <p:cNvGrpSpPr/>
+        <p:nvPr/>
+      </p:nvGrpSpPr>
+      <p:grpSpPr>
+        <a:xfrm>
+          <a:off x="0" y="0"/>
+          <a:ext cx="0" cy="0"/>
+          <a:chOff x="0" y="0"/>
+          <a:chExt cx="0" cy="0"/>
+        </a:xfrm>
+      </p:grpSpPr>
+      <p:sp>
+        <p:nvSpPr>
+          <p:cNvPr id="2" name="スライド イメージ プレースホルダー 1"/>
+          <p:cNvSpPr>
+            <a:spLocks noGrp="1" noRot="1" noChangeAspect="1"/>
+          </p:cNvSpPr>
+          <p:nvPr>
+            <p:ph type="sldImg"/>
+          </p:nvPr>
+        </p:nvSpPr>
+        <p:spPr/>
+      </p:sp>
+      <p:sp>
+        <p:nvSpPr>
+          <p:cNvPr id="3" name="ノート プレースホルダー 2"/>
+          <p:cNvSpPr>
+            <a:spLocks noGrp="1"/>
+          </p:cNvSpPr>
+          <p:nvPr>
+            <p:ph type="body" idx="1"/>
+          </p:nvPr>
+        </p:nvSpPr>
+        <p:spPr/>
+        <p:txBody>
+          <a:bodyPr/>
+          <a:lstStyle/>
+          <a:p>
+            <a:r>
+              <a:rPr kumimoji="1" lang="ja-JP" altLang="en-US" dirty="0" smtClean="0"/>
+              <a:t>次に</a:t>
+            </a:r>
+            <a:r>
+              <a:rPr kumimoji="1" lang="en-US" altLang="ja-JP" dirty="0" smtClean="0"/>
+              <a:t>RQ2</a:t>
+            </a:r>
+            <a:r>
+              <a:rPr kumimoji="1" lang="ja-JP" altLang="en-US" dirty="0" smtClean="0"/>
+              <a:t>は、</a:t>
+            </a:r>
+            <a:r>
+              <a:rPr kumimoji="1" lang="en-US" altLang="ja-JP" dirty="0" err="1" smtClean="0"/>
+              <a:t>SuiteRec</a:t>
+            </a:r>
+            <a:r>
+              <a:rPr kumimoji="1" lang="ja-JP" altLang="en-US" dirty="0" smtClean="0"/>
+              <a:t>は、開発者のテストコードの作成時間を削減できるか？という質問です。</a:t>
+            </a:r>
+            <a:endParaRPr kumimoji="1" lang="en-US" altLang="ja-JP" dirty="0" smtClean="0"/>
+          </a:p>
+          <a:p>
+            <a:endParaRPr kumimoji="1" lang="en-US" altLang="ja-JP" dirty="0" smtClean="0"/>
+          </a:p>
+          <a:p>
+            <a:r>
+              <a:rPr kumimoji="1" lang="ja-JP" altLang="en-US" dirty="0" smtClean="0"/>
+              <a:t>この質問に答えるために、被験者のタスク完了までの時間を比較しました。</a:t>
+            </a:r>
+            <a:endParaRPr kumimoji="1" lang="en-US" altLang="ja-JP" dirty="0" smtClean="0"/>
+          </a:p>
+          <a:p>
+            <a:endParaRPr kumimoji="1" lang="en-US" altLang="ja-JP" dirty="0" smtClean="0"/>
+          </a:p>
+          <a:p>
+            <a:r>
+              <a:rPr kumimoji="1" lang="ja-JP" altLang="en-US" dirty="0" smtClean="0"/>
+              <a:t>この図は、各被験者のタスク完了までに費やした時間の分布が示されています。</a:t>
+            </a:r>
+            <a:endParaRPr kumimoji="1" lang="en-US" altLang="ja-JP" dirty="0" smtClean="0"/>
+          </a:p>
+          <a:p>
+            <a:endParaRPr kumimoji="1" lang="en-US" altLang="ja-JP" dirty="0" smtClean="0"/>
+          </a:p>
+          <a:p>
+            <a:r>
+              <a:rPr lang="ja-JP" altLang="en-US" sz="1200" dirty="0" smtClean="0">
+                <a:latin typeface="メイリオ" panose="020B0604030504040204" pitchFamily="50" charset="-128"/>
+                <a:ea typeface="メイリオ" panose="020B0604030504040204" pitchFamily="50" charset="-128"/>
+              </a:rPr>
+              <a:t>結果をみると</a:t>
+            </a:r>
+            <a:r>
+              <a:rPr kumimoji="1" lang="en-US" altLang="ja-JP" u="sng" dirty="0" err="1" smtClean="0"/>
+              <a:t>SuiRec</a:t>
+            </a:r>
+            <a:r>
+              <a:rPr kumimoji="1" lang="ja-JP" altLang="en-US" u="sng" dirty="0" smtClean="0"/>
+              <a:t>を利用した場合、</a:t>
+            </a:r>
+            <a:r>
+              <a:rPr lang="ja-JP" altLang="en-US" sz="1200" u="sng" dirty="0" smtClean="0">
+                <a:latin typeface="メイリオ" panose="020B0604030504040204" pitchFamily="50" charset="-128"/>
+                <a:ea typeface="メイリオ" panose="020B0604030504040204" pitchFamily="50" charset="-128"/>
+              </a:rPr>
+              <a:t>タスク</a:t>
+            </a:r>
+            <a:r>
+              <a:rPr lang="en-US" altLang="ja-JP" sz="1200" u="sng" dirty="0" smtClean="0">
+                <a:latin typeface="メイリオ" panose="020B0604030504040204" pitchFamily="50" charset="-128"/>
+                <a:ea typeface="メイリオ" panose="020B0604030504040204" pitchFamily="50" charset="-128"/>
+              </a:rPr>
+              <a:t>1,3</a:t>
+            </a:r>
+            <a:r>
+              <a:rPr lang="ja-JP" altLang="en-US" sz="1200" u="sng" dirty="0" smtClean="0">
+                <a:latin typeface="メイリオ" panose="020B0604030504040204" pitchFamily="50" charset="-128"/>
+                <a:ea typeface="メイリオ" panose="020B0604030504040204" pitchFamily="50" charset="-128"/>
+              </a:rPr>
+              <a:t>は、</a:t>
+            </a:r>
+            <a:r>
+              <a:rPr kumimoji="1" lang="ja-JP" altLang="en-US" u="sng" dirty="0" smtClean="0"/>
+              <a:t>タスク完了までの時間が長いことが分かります。 </a:t>
+            </a:r>
+            <a:endParaRPr kumimoji="1" lang="en-US" altLang="ja-JP" u="sng" dirty="0" smtClean="0"/>
+          </a:p>
+          <a:p>
+            <a:endParaRPr kumimoji="1" lang="en-US" altLang="ja-JP" dirty="0" smtClean="0"/>
+          </a:p>
+          <a:p>
+            <a:r>
+              <a:rPr kumimoji="1" lang="en-US" altLang="ja-JP" b="1" dirty="0" err="1" smtClean="0"/>
+              <a:t>SuiteRec</a:t>
+            </a:r>
+            <a:r>
+              <a:rPr kumimoji="1" lang="ja-JP" altLang="en-US" b="1" dirty="0" smtClean="0"/>
+              <a:t>を利用した場合に、時間がかかってしまう原因として、開発者は、推薦される複数のテストコードを理解し、再利用する際に変更をしなければならないことが考えられます。</a:t>
+            </a:r>
+            <a:endParaRPr kumimoji="1" lang="en-US" altLang="ja-JP" b="1" dirty="0" smtClean="0"/>
+          </a:p>
+          <a:p>
+            <a:endParaRPr kumimoji="1" lang="en-US" altLang="ja-JP" dirty="0" smtClean="0"/>
+          </a:p>
+          <a:p>
+            <a:r>
+              <a:rPr kumimoji="1" lang="ja-JP" altLang="en-US" dirty="0" smtClean="0"/>
+              <a:t>一方で、タスク</a:t>
+            </a:r>
+            <a:r>
+              <a:rPr kumimoji="1" lang="en-US" altLang="ja-JP" dirty="0" smtClean="0"/>
+              <a:t>2</a:t>
+            </a:r>
+            <a:r>
+              <a:rPr kumimoji="1" lang="ja-JP" altLang="en-US" dirty="0" smtClean="0"/>
+              <a:t>については、</a:t>
+            </a:r>
+            <a:r>
+              <a:rPr kumimoji="1" lang="en-US" altLang="ja-JP" dirty="0" err="1" smtClean="0"/>
+              <a:t>SuiteRec</a:t>
+            </a:r>
+            <a:r>
+              <a:rPr kumimoji="1" lang="ja-JP" altLang="en-US" dirty="0" smtClean="0"/>
+              <a:t>を使用した方がタスク完了時間が短いことが分かる。</a:t>
+            </a:r>
+            <a:endParaRPr kumimoji="1" lang="en-US" altLang="ja-JP" dirty="0" smtClean="0"/>
+          </a:p>
+          <a:p>
+            <a:endParaRPr kumimoji="1" lang="en-US" altLang="ja-JP" dirty="0" smtClean="0"/>
+          </a:p>
+          <a:p>
+            <a:r>
+              <a:rPr kumimoji="1" lang="ja-JP" altLang="en-US" dirty="0" smtClean="0"/>
+              <a:t>我々は、提出されたテストコードを調査したところ、カバレッジに差はないものの、手作業で作成した場合は、テスト項目の重複が多いことが分かりました。</a:t>
+            </a:r>
+            <a:endParaRPr kumimoji="1" lang="en-US" altLang="ja-JP" dirty="0" smtClean="0"/>
+          </a:p>
+          <a:p>
+            <a:endParaRPr kumimoji="1" lang="en-US" altLang="ja-JP" dirty="0" smtClean="0"/>
+          </a:p>
+          <a:p>
+            <a:r>
+              <a:rPr kumimoji="1" lang="ja-JP" altLang="en-US" dirty="0" smtClean="0"/>
+              <a:t>この結果から、</a:t>
+            </a:r>
+            <a:r>
+              <a:rPr kumimoji="1" lang="en-US" altLang="ja-JP" dirty="0" err="1" smtClean="0"/>
+              <a:t>SuiteRec</a:t>
+            </a:r>
+            <a:r>
+              <a:rPr kumimoji="1" lang="ja-JP" altLang="en-US" dirty="0" smtClean="0"/>
+              <a:t>を利用は、被験者が無駄なテストコードを作成するのを防ぎ、短期間でのテストコード作成を支援できる場合もあることが分かった。</a:t>
+            </a:r>
+            <a:endParaRPr kumimoji="1" lang="en-US" altLang="ja-JP" dirty="0" smtClean="0"/>
+          </a:p>
+          <a:p>
+            <a:endParaRPr kumimoji="1" lang="en-US" altLang="ja-JP" dirty="0" smtClean="0"/>
+          </a:p>
+          <a:p>
+            <a:r>
+              <a:rPr kumimoji="1" lang="ja-JP" altLang="en-US" dirty="0" smtClean="0"/>
+              <a:t>次に</a:t>
+            </a:r>
+            <a:r>
+              <a:rPr kumimoji="1" lang="en-US" altLang="ja-JP" dirty="0" smtClean="0"/>
+              <a:t>RQ3</a:t>
+            </a:r>
+            <a:r>
+              <a:rPr kumimoji="1" lang="ja-JP" altLang="en-US" dirty="0" smtClean="0"/>
+              <a:t>です。</a:t>
+            </a:r>
+            <a:endParaRPr kumimoji="1" lang="en-US" altLang="ja-JP" dirty="0" smtClean="0"/>
+          </a:p>
+        </p:txBody>
+      </p:sp>
+      <p:sp>
+        <p:nvSpPr>
+          <p:cNvPr id="4" name="スライド番号プレースホルダー 3"/>
+          <p:cNvSpPr>
+            <a:spLocks noGrp="1"/>
+          </p:cNvSpPr>
+          <p:nvPr>
+            <p:ph type="sldNum" sz="quarter" idx="10"/>
+          </p:nvPr>
+        </p:nvSpPr>
+        <p:spPr/>
+        <p:txBody>
+          <a:bodyPr/>
+          <a:lstStyle/>
+          <a:p>
+            <a:fld id="{A375FAFC-A5AB-4FEC-AA23-92E34682EFAF}" type="slidenum">
+              <a:rPr kumimoji="1" lang="ja-JP" altLang="en-US" smtClean="0"/>
+              <a:t>40</a:t>
             </a:fld>
             <a:endParaRPr kumimoji="1" lang="ja-JP" altLang="en-US"/>
           </a:p>
@@ -10222,7 +10392,7 @@
           <a:p>
             <a:r>
               <a:rPr kumimoji="1" lang="ja-JP" altLang="en-US" dirty="0" smtClean="0"/>
-              <a:t>開発者は自動生成されたテストコードを信用していない</a:t>
+              <a:t>自動生成されたテストコードは、テストコードの保守に影響を与えるテストスメルが多く含んでいると言われています。</a:t>
             </a:r>
             <a:endParaRPr kumimoji="1" lang="en-US" altLang="ja-JP" dirty="0" smtClean="0"/>
           </a:p>
@@ -10231,16 +10401,6 @@
               <a:rPr kumimoji="1" lang="en-US" altLang="ja-JP" dirty="0" smtClean="0"/>
               <a:t>	</a:t>
             </a:r>
-          </a:p>
-          <a:p>
-            <a:r>
-              <a:rPr kumimoji="1" lang="ja-JP" altLang="en-US" dirty="0" smtClean="0"/>
-              <a:t>ということが挙げられます．</a:t>
-            </a:r>
-            <a:endParaRPr kumimoji="1" lang="en-US" altLang="ja-JP" dirty="0" smtClean="0"/>
-          </a:p>
-          <a:p>
-            <a:endParaRPr kumimoji="1" lang="en-US" altLang="ja-JP" dirty="0" smtClean="0"/>
           </a:p>
           <a:p>
             <a:pPr marL="0" marR="0" indent="0" algn="l" defTabSz="914400" rtl="0" eaLnBrk="1" fontAlgn="auto" latinLnBrk="0" hangingPunct="1">
@@ -10310,7 +10470,7 @@
     </p:spTree>
     <p:extLst>
       <p:ext uri="{BB962C8B-B14F-4D97-AF65-F5344CB8AC3E}">
-        <p14:creationId xmlns:p14="http://schemas.microsoft.com/office/powerpoint/2010/main" val="3508250299"/>
+        <p14:creationId xmlns:p14="http://schemas.microsoft.com/office/powerpoint/2010/main" val="2453551095"/>
       </p:ext>
     </p:extLst>
   </p:cSld>
@@ -10396,7 +10556,15 @@
           <a:p>
             <a:r>
               <a:rPr kumimoji="1" lang="ja-JP" altLang="en-US" dirty="0" smtClean="0"/>
-              <a:t>既存テストの利用は，コーディング規約や</a:t>
+              <a:t>既存テストの利用</a:t>
+            </a:r>
+            <a:r>
+              <a:rPr kumimoji="1" lang="ja-JP" altLang="en-US" dirty="0" smtClean="0"/>
+              <a:t>はコーディング</a:t>
+            </a:r>
+            <a:r>
+              <a:rPr kumimoji="1" lang="ja-JP" altLang="en-US" dirty="0" smtClean="0"/>
+              <a:t>規約や</a:t>
             </a:r>
             <a:r>
               <a:rPr kumimoji="1" lang="en-US" altLang="ja-JP" dirty="0" smtClean="0"/>
@@ -10404,15 +10572,33 @@
             </a:r>
             <a:r>
               <a:rPr kumimoji="1" lang="ja-JP" altLang="en-US" dirty="0" smtClean="0"/>
-              <a:t>ことや</a:t>
-            </a:r>
-            <a:r>
-              <a:rPr kumimoji="1" lang="en-US" altLang="ja-JP" dirty="0" smtClean="0"/>
-              <a:t>~~</a:t>
+              <a:t>利用する</a:t>
             </a:r>
             <a:r>
               <a:rPr kumimoji="1" lang="ja-JP" altLang="en-US" dirty="0" smtClean="0"/>
-              <a:t>を使用することができます</a:t>
+              <a:t>ことが</a:t>
+            </a:r>
+            <a:r>
+              <a:rPr kumimoji="1" lang="ja-JP" altLang="en-US" dirty="0" smtClean="0"/>
+              <a:t>できます。</a:t>
+            </a:r>
+            <a:endParaRPr kumimoji="1" lang="en-US" altLang="ja-JP" dirty="0" smtClean="0"/>
+          </a:p>
+          <a:p>
+            <a:endParaRPr kumimoji="1" lang="en-US" altLang="ja-JP" dirty="0" smtClean="0"/>
+          </a:p>
+          <a:p>
+            <a:r>
+              <a:rPr kumimoji="1" lang="ja-JP" altLang="en-US" dirty="0" smtClean="0"/>
+              <a:t>また，</a:t>
+            </a:r>
+            <a:r>
+              <a:rPr kumimoji="1" lang="en-US" altLang="ja-JP" dirty="0" err="1" smtClean="0"/>
+              <a:t>SuiteRec</a:t>
+            </a:r>
+            <a:r>
+              <a:rPr kumimoji="1" lang="ja-JP" altLang="en-US" dirty="0" smtClean="0"/>
+              <a:t>では推薦されるテストコードのスメルを検出し、より品質が高いテストコードを推薦します。</a:t>
             </a:r>
             <a:endParaRPr kumimoji="1" lang="en-US" altLang="ja-JP" dirty="0" smtClean="0"/>
           </a:p>
@@ -36376,6 +36562,936 @@
       </p:grpSpPr>
       <p:sp>
         <p:nvSpPr>
+          <p:cNvPr id="2" name="タイトル 1"/>
+          <p:cNvSpPr>
+            <a:spLocks noGrp="1"/>
+          </p:cNvSpPr>
+          <p:nvPr>
+            <p:ph type="title"/>
+          </p:nvPr>
+        </p:nvSpPr>
+        <p:spPr>
+          <a:xfrm>
+            <a:off x="192102" y="219428"/>
+            <a:ext cx="5608931" cy="729386"/>
+          </a:xfrm>
+        </p:spPr>
+        <p:txBody>
+          <a:bodyPr/>
+          <a:lstStyle/>
+          <a:p>
+            <a:r>
+              <a:rPr kumimoji="1" lang="ja-JP" altLang="en-US" dirty="0" smtClean="0">
+                <a:solidFill>
+                  <a:schemeClr val="bg1"/>
+                </a:solidFill>
+              </a:rPr>
+              <a:t>自動生成ツールにおける課題</a:t>
+            </a:r>
+            <a:endParaRPr kumimoji="1" lang="ja-JP" altLang="en-US" dirty="0">
+              <a:solidFill>
+                <a:schemeClr val="bg1"/>
+              </a:solidFill>
+            </a:endParaRPr>
+          </a:p>
+        </p:txBody>
+      </p:sp>
+      <p:sp>
+        <p:nvSpPr>
+          <p:cNvPr id="4" name="コンテンツ プレースホルダー 2"/>
+          <p:cNvSpPr>
+            <a:spLocks noGrp="1"/>
+          </p:cNvSpPr>
+          <p:nvPr>
+            <p:ph idx="1"/>
+          </p:nvPr>
+        </p:nvSpPr>
+        <p:spPr>
+          <a:xfrm>
+            <a:off x="913333" y="1409665"/>
+            <a:ext cx="10601150" cy="3559023"/>
+          </a:xfrm>
+        </p:spPr>
+        <p:txBody>
+          <a:bodyPr>
+            <a:normAutofit/>
+          </a:bodyPr>
+          <a:lstStyle/>
+          <a:p>
+            <a:pPr marL="0" indent="0">
+              <a:buNone/>
+            </a:pPr>
+            <a:r>
+              <a:rPr lang="ja-JP" altLang="en-US" sz="3000" dirty="0"/>
+              <a:t>自動生成されたテストコード</a:t>
+            </a:r>
+            <a:r>
+              <a:rPr lang="ja-JP" altLang="en-US" sz="3000" dirty="0" smtClean="0"/>
+              <a:t>は、保守</a:t>
+            </a:r>
+            <a:r>
+              <a:rPr lang="ja-JP" altLang="en-US" sz="3000" dirty="0"/>
+              <a:t>作業を困難にする</a:t>
+            </a:r>
+            <a:r>
+              <a:rPr lang="en-US" altLang="ja-JP" sz="3000" dirty="0" smtClean="0"/>
+              <a:t>[2]</a:t>
+            </a:r>
+          </a:p>
+          <a:p>
+            <a:pPr lvl="1"/>
+            <a:endParaRPr lang="en-US" altLang="ja-JP" sz="800" dirty="0"/>
+          </a:p>
+          <a:p>
+            <a:pPr lvl="1"/>
+            <a:r>
+              <a:rPr lang="ja-JP" altLang="en-US" sz="2800" dirty="0" smtClean="0"/>
+              <a:t>対象コードの</a:t>
+            </a:r>
+            <a:r>
+              <a:rPr lang="ja-JP" altLang="en-US" sz="2800" dirty="0" smtClean="0">
+                <a:solidFill>
+                  <a:srgbClr val="FF0000"/>
+                </a:solidFill>
+              </a:rPr>
+              <a:t>作成経緯</a:t>
+            </a:r>
+            <a:r>
+              <a:rPr lang="ja-JP" altLang="en-US" sz="2800" dirty="0">
+                <a:solidFill>
+                  <a:srgbClr val="FF0000"/>
+                </a:solidFill>
+              </a:rPr>
+              <a:t>や意図に基づいて生成されて</a:t>
+            </a:r>
+            <a:r>
+              <a:rPr lang="ja-JP" altLang="en-US" sz="2800" dirty="0" smtClean="0">
+                <a:solidFill>
+                  <a:srgbClr val="FF0000"/>
+                </a:solidFill>
+              </a:rPr>
+              <a:t>いない</a:t>
+            </a:r>
+            <a:r>
+              <a:rPr lang="en-US" altLang="ja-JP" sz="2800" dirty="0" smtClean="0">
+                <a:solidFill>
+                  <a:srgbClr val="FF0000"/>
+                </a:solidFill>
+              </a:rPr>
+              <a:t/>
+            </a:r>
+            <a:br>
+              <a:rPr lang="en-US" altLang="ja-JP" sz="2800" dirty="0" smtClean="0">
+                <a:solidFill>
+                  <a:srgbClr val="FF0000"/>
+                </a:solidFill>
+              </a:rPr>
+            </a:br>
+            <a:endParaRPr lang="en-US" altLang="ja-JP" sz="600" dirty="0"/>
+          </a:p>
+          <a:p>
+            <a:pPr lvl="1"/>
+            <a:r>
+              <a:rPr lang="ja-JP" altLang="en-US" sz="2800" dirty="0" smtClean="0"/>
+              <a:t>テストコードの良くない実装を表す</a:t>
+            </a:r>
+            <a:r>
+              <a:rPr lang="ja-JP" altLang="en-US" sz="2800" dirty="0" smtClean="0">
+                <a:solidFill>
+                  <a:srgbClr val="FF0000"/>
+                </a:solidFill>
+              </a:rPr>
+              <a:t>テストスメルが多い</a:t>
+            </a:r>
+            <a:endParaRPr lang="en-US" altLang="ja-JP" sz="2800" dirty="0">
+              <a:solidFill>
+                <a:srgbClr val="FF0000"/>
+              </a:solidFill>
+            </a:endParaRPr>
+          </a:p>
+          <a:p>
+            <a:pPr lvl="1"/>
+            <a:endParaRPr lang="en-US" altLang="ja-JP" sz="2800" dirty="0" smtClean="0">
+              <a:solidFill>
+                <a:srgbClr val="FF0000"/>
+              </a:solidFill>
+            </a:endParaRPr>
+          </a:p>
+          <a:p>
+            <a:pPr lvl="1"/>
+            <a:endParaRPr lang="en-US" altLang="ja-JP" sz="1400" dirty="0" smtClean="0">
+              <a:solidFill>
+                <a:srgbClr val="FF0000"/>
+              </a:solidFill>
+            </a:endParaRPr>
+          </a:p>
+          <a:p>
+            <a:pPr marL="457200" lvl="1" indent="0">
+              <a:buNone/>
+            </a:pPr>
+            <a:r>
+              <a:rPr lang="ja-JP" altLang="en-US" sz="2800" dirty="0" smtClean="0"/>
+              <a:t>　　　　　</a:t>
+            </a:r>
+            <a:r>
+              <a:rPr lang="ja-JP" altLang="en-US" sz="2800" u="sng" dirty="0" smtClean="0"/>
+              <a:t>テスト</a:t>
+            </a:r>
+            <a:r>
+              <a:rPr lang="ja-JP" altLang="en-US" sz="2800" u="sng" dirty="0"/>
+              <a:t>失敗</a:t>
+            </a:r>
+            <a:r>
+              <a:rPr lang="ja-JP" altLang="en-US" sz="2800" u="sng" dirty="0" smtClean="0"/>
+              <a:t>の原因を特定するのが難しい</a:t>
+            </a:r>
+            <a:endParaRPr lang="ja-JP" altLang="en-US" sz="2800" u="sng" dirty="0"/>
+          </a:p>
+          <a:p>
+            <a:pPr lvl="1"/>
+            <a:endParaRPr lang="en-US" altLang="ja-JP" sz="2800" dirty="0">
+              <a:solidFill>
+                <a:srgbClr val="FF0000"/>
+              </a:solidFill>
+            </a:endParaRPr>
+          </a:p>
+          <a:p>
+            <a:pPr lvl="1"/>
+            <a:endParaRPr lang="ja-JP" altLang="en-US" sz="2800" dirty="0" smtClean="0">
+              <a:solidFill>
+                <a:srgbClr val="FF0000"/>
+              </a:solidFill>
+            </a:endParaRPr>
+          </a:p>
+          <a:p>
+            <a:pPr marL="457200" lvl="1" indent="0">
+              <a:buNone/>
+            </a:pPr>
+            <a:endParaRPr lang="en-US" altLang="ja-JP" sz="2800" dirty="0"/>
+          </a:p>
+          <a:p>
+            <a:pPr lvl="1"/>
+            <a:endParaRPr kumimoji="1" lang="ja-JP" altLang="en-US" dirty="0"/>
+          </a:p>
+        </p:txBody>
+      </p:sp>
+      <p:sp>
+        <p:nvSpPr>
+          <p:cNvPr id="5" name="Rectangle 4"/>
+          <p:cNvSpPr>
+            <a:spLocks noChangeArrowheads="1"/>
+          </p:cNvSpPr>
+          <p:nvPr/>
+        </p:nvSpPr>
+        <p:spPr bwMode="auto">
+          <a:xfrm>
+            <a:off x="1130060" y="5894685"/>
+            <a:ext cx="10078064" cy="461665"/>
+          </a:xfrm>
+          <a:prstGeom prst="rect">
+            <a:avLst/>
+          </a:prstGeom>
+          <a:ln>
+            <a:headEnd/>
+            <a:tailEnd/>
+          </a:ln>
+        </p:spPr>
+        <p:style>
+          <a:lnRef idx="2">
+            <a:schemeClr val="dk1"/>
+          </a:lnRef>
+          <a:fillRef idx="1">
+            <a:schemeClr val="lt1"/>
+          </a:fillRef>
+          <a:effectRef idx="0">
+            <a:schemeClr val="dk1"/>
+          </a:effectRef>
+          <a:fontRef idx="minor">
+            <a:schemeClr val="dk1"/>
+          </a:fontRef>
+        </p:style>
+        <p:txBody>
+          <a:bodyPr wrap="square">
+            <a:spAutoFit/>
+          </a:bodyPr>
+          <a:lstStyle/>
+          <a:p>
+            <a:pPr>
+              <a:defRPr/>
+            </a:pPr>
+            <a:r>
+              <a:rPr lang="en-US" altLang="ja-JP" sz="1200" dirty="0" smtClean="0">
+                <a:solidFill>
+                  <a:schemeClr val="tx2"/>
+                </a:solidFill>
+              </a:rPr>
+              <a:t>[2] S</a:t>
+            </a:r>
+            <a:r>
+              <a:rPr lang="en-US" altLang="ja-JP" sz="1200" dirty="0">
+                <a:solidFill>
+                  <a:schemeClr val="tx2"/>
+                </a:solidFill>
+              </a:rPr>
+              <a:t>. </a:t>
+            </a:r>
+            <a:r>
+              <a:rPr lang="en-US" altLang="ja-JP" sz="1200" dirty="0" err="1">
+                <a:solidFill>
+                  <a:schemeClr val="tx2"/>
+                </a:solidFill>
+              </a:rPr>
+              <a:t>Shamshiri</a:t>
+            </a:r>
+            <a:r>
+              <a:rPr lang="en-US" altLang="ja-JP" sz="1200" dirty="0">
+                <a:solidFill>
+                  <a:schemeClr val="tx2"/>
+                </a:solidFill>
+              </a:rPr>
+              <a:t>, J. M. Rojas, J. P. </a:t>
+            </a:r>
+            <a:r>
+              <a:rPr lang="en-US" altLang="ja-JP" sz="1200" dirty="0" err="1">
+                <a:solidFill>
+                  <a:schemeClr val="tx2"/>
+                </a:solidFill>
+              </a:rPr>
+              <a:t>Galeotti</a:t>
+            </a:r>
+            <a:r>
+              <a:rPr lang="en-US" altLang="ja-JP" sz="1200" dirty="0">
+                <a:solidFill>
+                  <a:schemeClr val="tx2"/>
+                </a:solidFill>
+              </a:rPr>
+              <a:t>, N. Walkinshaw, and G. Fraser. How do automatically generated unit tests inﬂuence software maintenance? In Proceedings of the International Conference on Software Testing, Veriﬁcation and Validation (ICST), pages 250–261, 2018</a:t>
+            </a:r>
+            <a:r>
+              <a:rPr lang="en-US" altLang="ja-JP" sz="1200" dirty="0" smtClean="0">
+                <a:solidFill>
+                  <a:schemeClr val="tx2"/>
+                </a:solidFill>
+              </a:rPr>
+              <a:t>.</a:t>
+            </a:r>
+            <a:endParaRPr lang="en-US" altLang="ja-JP" sz="1200" dirty="0">
+              <a:solidFill>
+                <a:schemeClr val="tx2"/>
+              </a:solidFill>
+            </a:endParaRPr>
+          </a:p>
+        </p:txBody>
+      </p:sp>
+      <p:sp>
+        <p:nvSpPr>
+          <p:cNvPr id="6" name="フローチャート: 組合せ 5"/>
+          <p:cNvSpPr/>
+          <p:nvPr/>
+        </p:nvSpPr>
+        <p:spPr>
+          <a:xfrm>
+            <a:off x="4118742" y="3136669"/>
+            <a:ext cx="3927616" cy="411133"/>
+          </a:xfrm>
+          <a:prstGeom prst="flowChartMerge">
+            <a:avLst/>
+          </a:prstGeom>
+          <a:ln/>
+        </p:spPr>
+        <p:style>
+          <a:lnRef idx="1">
+            <a:schemeClr val="accent3"/>
+          </a:lnRef>
+          <a:fillRef idx="2">
+            <a:schemeClr val="accent3"/>
+          </a:fillRef>
+          <a:effectRef idx="1">
+            <a:schemeClr val="accent3"/>
+          </a:effectRef>
+          <a:fontRef idx="minor">
+            <a:schemeClr val="dk1"/>
+          </a:fontRef>
+        </p:style>
+        <p:txBody>
+          <a:bodyPr rtlCol="0" anchor="ctr"/>
+          <a:lstStyle/>
+          <a:p>
+            <a:pPr algn="ctr"/>
+            <a:endParaRPr kumimoji="1" lang="ja-JP" altLang="en-US" dirty="0"/>
+          </a:p>
+        </p:txBody>
+      </p:sp>
+      <p:sp>
+        <p:nvSpPr>
+          <p:cNvPr id="7" name="フローチャート: 代替処理 6"/>
+          <p:cNvSpPr/>
+          <p:nvPr/>
+        </p:nvSpPr>
+        <p:spPr>
+          <a:xfrm>
+            <a:off x="1460959" y="4492556"/>
+            <a:ext cx="9243182" cy="1005877"/>
+          </a:xfrm>
+          <a:prstGeom prst="flowChartAlternateProcess">
+            <a:avLst/>
+          </a:prstGeom>
+          <a:ln w="6350"/>
+        </p:spPr>
+        <p:style>
+          <a:lnRef idx="1">
+            <a:schemeClr val="accent4"/>
+          </a:lnRef>
+          <a:fillRef idx="2">
+            <a:schemeClr val="accent4"/>
+          </a:fillRef>
+          <a:effectRef idx="1">
+            <a:schemeClr val="accent4"/>
+          </a:effectRef>
+          <a:fontRef idx="minor">
+            <a:schemeClr val="dk1"/>
+          </a:fontRef>
+        </p:style>
+        <p:txBody>
+          <a:bodyPr rtlCol="0" anchor="ctr"/>
+          <a:lstStyle/>
+          <a:p>
+            <a:r>
+              <a:rPr lang="ja-JP" altLang="en-US" sz="2800" dirty="0" smtClean="0">
+                <a:latin typeface="メイリオ" panose="020B0604030504040204" pitchFamily="50" charset="-128"/>
+                <a:ea typeface="メイリオ" panose="020B0604030504040204" pitchFamily="50" charset="-128"/>
+              </a:rPr>
+              <a:t>理解</a:t>
+            </a:r>
+            <a:r>
+              <a:rPr lang="ja-JP" altLang="en-US" sz="2800" dirty="0">
+                <a:latin typeface="メイリオ" panose="020B0604030504040204" pitchFamily="50" charset="-128"/>
+                <a:ea typeface="メイリオ" panose="020B0604030504040204" pitchFamily="50" charset="-128"/>
+              </a:rPr>
+              <a:t>しやすく良質なテストコードを作成する必要が</a:t>
+            </a:r>
+            <a:r>
+              <a:rPr lang="ja-JP" altLang="en-US" sz="2800" dirty="0" smtClean="0">
+                <a:latin typeface="メイリオ" panose="020B0604030504040204" pitchFamily="50" charset="-128"/>
+                <a:ea typeface="メイリオ" panose="020B0604030504040204" pitchFamily="50" charset="-128"/>
+              </a:rPr>
+              <a:t>ある</a:t>
+            </a:r>
+            <a:endParaRPr lang="ja-JP" altLang="en-US" sz="2800" dirty="0">
+              <a:latin typeface="メイリオ" panose="020B0604030504040204" pitchFamily="50" charset="-128"/>
+              <a:ea typeface="メイリオ" panose="020B0604030504040204" pitchFamily="50" charset="-128"/>
+            </a:endParaRPr>
+          </a:p>
+        </p:txBody>
+      </p:sp>
+    </p:spTree>
+    <p:extLst>
+      <p:ext uri="{BB962C8B-B14F-4D97-AF65-F5344CB8AC3E}">
+        <p14:creationId xmlns:p14="http://schemas.microsoft.com/office/powerpoint/2010/main" val="581419563"/>
+      </p:ext>
+    </p:extLst>
+  </p:cSld>
+  <p:clrMapOvr>
+    <a:masterClrMapping/>
+  </p:clrMapOvr>
+  <mc:AlternateContent xmlns:mc="http://schemas.openxmlformats.org/markup-compatibility/2006">
+    <mc:Choice xmlns:p14="http://schemas.microsoft.com/office/powerpoint/2010/main" Requires="p14">
+      <p:transition spd="slow" p14:dur="2000"/>
+    </mc:Choice>
+    <mc:Fallback>
+      <p:transition spd="slow"/>
+    </mc:Fallback>
+  </mc:AlternateContent>
+  <p:timing>
+    <p:tnLst>
+      <p:par>
+        <p:cTn id="1" dur="indefinite" restart="never" nodeType="tmRoot"/>
+      </p:par>
+    </p:tnLst>
+  </p:timing>
+</p:sld>
+</file>
+
+<file path=ppt/slides/slide4.xml><?xml version="1.0" encoding="utf-8"?>
+<p:sld xmlns:a="http://schemas.openxmlformats.org/drawingml/2006/main" xmlns:r="http://schemas.openxmlformats.org/officeDocument/2006/relationships" xmlns:p="http://schemas.openxmlformats.org/presentationml/2006/main">
+  <p:cSld>
+    <p:spTree>
+      <p:nvGrpSpPr>
+        <p:cNvPr id="1" name=""/>
+        <p:cNvGrpSpPr/>
+        <p:nvPr/>
+      </p:nvGrpSpPr>
+      <p:grpSpPr>
+        <a:xfrm>
+          <a:off x="0" y="0"/>
+          <a:ext cx="0" cy="0"/>
+          <a:chOff x="0" y="0"/>
+          <a:chExt cx="0" cy="0"/>
+        </a:xfrm>
+      </p:grpSpPr>
+      <p:sp>
+        <p:nvSpPr>
+          <p:cNvPr id="2" name="タイトル 1"/>
+          <p:cNvSpPr>
+            <a:spLocks noGrp="1"/>
+          </p:cNvSpPr>
+          <p:nvPr>
+            <p:ph type="title"/>
+          </p:nvPr>
+        </p:nvSpPr>
+        <p:spPr>
+          <a:xfrm>
+            <a:off x="192102" y="219428"/>
+            <a:ext cx="5608931" cy="729386"/>
+          </a:xfrm>
+        </p:spPr>
+        <p:txBody>
+          <a:bodyPr/>
+          <a:lstStyle/>
+          <a:p>
+            <a:r>
+              <a:rPr kumimoji="1" lang="ja-JP" altLang="en-US" dirty="0" smtClean="0">
+                <a:solidFill>
+                  <a:schemeClr val="bg1"/>
+                </a:solidFill>
+              </a:rPr>
+              <a:t>自動生成ツールにおける課題</a:t>
+            </a:r>
+            <a:endParaRPr kumimoji="1" lang="ja-JP" altLang="en-US" dirty="0">
+              <a:solidFill>
+                <a:schemeClr val="bg1"/>
+              </a:solidFill>
+            </a:endParaRPr>
+          </a:p>
+        </p:txBody>
+      </p:sp>
+      <p:sp>
+        <p:nvSpPr>
+          <p:cNvPr id="4" name="コンテンツ プレースホルダー 2"/>
+          <p:cNvSpPr>
+            <a:spLocks noGrp="1"/>
+          </p:cNvSpPr>
+          <p:nvPr>
+            <p:ph idx="1"/>
+          </p:nvPr>
+        </p:nvSpPr>
+        <p:spPr>
+          <a:xfrm>
+            <a:off x="913333" y="1409665"/>
+            <a:ext cx="10601150" cy="3559023"/>
+          </a:xfrm>
+        </p:spPr>
+        <p:txBody>
+          <a:bodyPr>
+            <a:normAutofit/>
+          </a:bodyPr>
+          <a:lstStyle/>
+          <a:p>
+            <a:pPr marL="0" indent="0">
+              <a:buNone/>
+            </a:pPr>
+            <a:r>
+              <a:rPr lang="ja-JP" altLang="en-US" sz="3000" dirty="0"/>
+              <a:t>自動生成されたテストコード</a:t>
+            </a:r>
+            <a:r>
+              <a:rPr lang="ja-JP" altLang="en-US" sz="3000" dirty="0" smtClean="0"/>
+              <a:t>は、保守</a:t>
+            </a:r>
+            <a:r>
+              <a:rPr lang="ja-JP" altLang="en-US" sz="3000" dirty="0"/>
+              <a:t>作業を困難にする</a:t>
+            </a:r>
+            <a:r>
+              <a:rPr lang="en-US" altLang="ja-JP" sz="3000" dirty="0" smtClean="0"/>
+              <a:t>[2]</a:t>
+            </a:r>
+          </a:p>
+          <a:p>
+            <a:pPr lvl="1"/>
+            <a:endParaRPr lang="en-US" altLang="ja-JP" sz="800" dirty="0"/>
+          </a:p>
+          <a:p>
+            <a:pPr lvl="1"/>
+            <a:r>
+              <a:rPr lang="ja-JP" altLang="en-US" sz="2800" dirty="0" smtClean="0"/>
+              <a:t>対象コードの</a:t>
+            </a:r>
+            <a:r>
+              <a:rPr lang="ja-JP" altLang="en-US" sz="2800" dirty="0" smtClean="0">
+                <a:solidFill>
+                  <a:srgbClr val="FF0000"/>
+                </a:solidFill>
+              </a:rPr>
+              <a:t>作成経緯</a:t>
+            </a:r>
+            <a:r>
+              <a:rPr lang="ja-JP" altLang="en-US" sz="2800" dirty="0">
+                <a:solidFill>
+                  <a:srgbClr val="FF0000"/>
+                </a:solidFill>
+              </a:rPr>
+              <a:t>や意図に基づいて生成されて</a:t>
+            </a:r>
+            <a:r>
+              <a:rPr lang="ja-JP" altLang="en-US" sz="2800" dirty="0" smtClean="0">
+                <a:solidFill>
+                  <a:srgbClr val="FF0000"/>
+                </a:solidFill>
+              </a:rPr>
+              <a:t>いない</a:t>
+            </a:r>
+            <a:r>
+              <a:rPr lang="en-US" altLang="ja-JP" sz="2800" dirty="0" smtClean="0">
+                <a:solidFill>
+                  <a:srgbClr val="FF0000"/>
+                </a:solidFill>
+              </a:rPr>
+              <a:t/>
+            </a:r>
+            <a:br>
+              <a:rPr lang="en-US" altLang="ja-JP" sz="2800" dirty="0" smtClean="0">
+                <a:solidFill>
+                  <a:srgbClr val="FF0000"/>
+                </a:solidFill>
+              </a:rPr>
+            </a:br>
+            <a:endParaRPr lang="en-US" altLang="ja-JP" sz="600" dirty="0"/>
+          </a:p>
+          <a:p>
+            <a:pPr lvl="1"/>
+            <a:r>
+              <a:rPr lang="ja-JP" altLang="en-US" sz="2800" dirty="0" smtClean="0"/>
+              <a:t>テストコードの良くない実装を表す</a:t>
+            </a:r>
+            <a:r>
+              <a:rPr lang="ja-JP" altLang="en-US" sz="2800" dirty="0" smtClean="0">
+                <a:solidFill>
+                  <a:srgbClr val="FF0000"/>
+                </a:solidFill>
+              </a:rPr>
+              <a:t>テストスメルが多い</a:t>
+            </a:r>
+            <a:endParaRPr lang="en-US" altLang="ja-JP" sz="2800" dirty="0">
+              <a:solidFill>
+                <a:srgbClr val="FF0000"/>
+              </a:solidFill>
+            </a:endParaRPr>
+          </a:p>
+          <a:p>
+            <a:pPr lvl="1"/>
+            <a:endParaRPr lang="en-US" altLang="ja-JP" sz="2800" dirty="0" smtClean="0">
+              <a:solidFill>
+                <a:srgbClr val="FF0000"/>
+              </a:solidFill>
+            </a:endParaRPr>
+          </a:p>
+          <a:p>
+            <a:pPr lvl="1"/>
+            <a:endParaRPr lang="en-US" altLang="ja-JP" sz="1400" dirty="0" smtClean="0">
+              <a:solidFill>
+                <a:srgbClr val="FF0000"/>
+              </a:solidFill>
+            </a:endParaRPr>
+          </a:p>
+          <a:p>
+            <a:pPr marL="457200" lvl="1" indent="0">
+              <a:buNone/>
+            </a:pPr>
+            <a:r>
+              <a:rPr lang="ja-JP" altLang="en-US" sz="2800" dirty="0" smtClean="0"/>
+              <a:t>　　　　　</a:t>
+            </a:r>
+            <a:r>
+              <a:rPr lang="ja-JP" altLang="en-US" sz="2800" u="sng" dirty="0" smtClean="0"/>
+              <a:t>テスト</a:t>
+            </a:r>
+            <a:r>
+              <a:rPr lang="ja-JP" altLang="en-US" sz="2800" u="sng" dirty="0"/>
+              <a:t>失敗</a:t>
+            </a:r>
+            <a:r>
+              <a:rPr lang="ja-JP" altLang="en-US" sz="2800" u="sng" dirty="0" smtClean="0"/>
+              <a:t>の原因を特定するのが難しい</a:t>
+            </a:r>
+            <a:endParaRPr lang="ja-JP" altLang="en-US" sz="2800" u="sng" dirty="0"/>
+          </a:p>
+          <a:p>
+            <a:pPr lvl="1"/>
+            <a:endParaRPr lang="en-US" altLang="ja-JP" sz="2800" dirty="0">
+              <a:solidFill>
+                <a:srgbClr val="FF0000"/>
+              </a:solidFill>
+            </a:endParaRPr>
+          </a:p>
+          <a:p>
+            <a:pPr lvl="1"/>
+            <a:endParaRPr lang="ja-JP" altLang="en-US" sz="2800" dirty="0" smtClean="0">
+              <a:solidFill>
+                <a:srgbClr val="FF0000"/>
+              </a:solidFill>
+            </a:endParaRPr>
+          </a:p>
+          <a:p>
+            <a:pPr marL="457200" lvl="1" indent="0">
+              <a:buNone/>
+            </a:pPr>
+            <a:endParaRPr lang="en-US" altLang="ja-JP" sz="2800" dirty="0"/>
+          </a:p>
+          <a:p>
+            <a:pPr lvl="1"/>
+            <a:endParaRPr kumimoji="1" lang="ja-JP" altLang="en-US" dirty="0"/>
+          </a:p>
+        </p:txBody>
+      </p:sp>
+      <p:sp>
+        <p:nvSpPr>
+          <p:cNvPr id="5" name="Rectangle 4"/>
+          <p:cNvSpPr>
+            <a:spLocks noChangeArrowheads="1"/>
+          </p:cNvSpPr>
+          <p:nvPr/>
+        </p:nvSpPr>
+        <p:spPr bwMode="auto">
+          <a:xfrm>
+            <a:off x="1130060" y="5894685"/>
+            <a:ext cx="10078064" cy="461665"/>
+          </a:xfrm>
+          <a:prstGeom prst="rect">
+            <a:avLst/>
+          </a:prstGeom>
+          <a:ln>
+            <a:headEnd/>
+            <a:tailEnd/>
+          </a:ln>
+        </p:spPr>
+        <p:style>
+          <a:lnRef idx="2">
+            <a:schemeClr val="dk1"/>
+          </a:lnRef>
+          <a:fillRef idx="1">
+            <a:schemeClr val="lt1"/>
+          </a:fillRef>
+          <a:effectRef idx="0">
+            <a:schemeClr val="dk1"/>
+          </a:effectRef>
+          <a:fontRef idx="minor">
+            <a:schemeClr val="dk1"/>
+          </a:fontRef>
+        </p:style>
+        <p:txBody>
+          <a:bodyPr wrap="square">
+            <a:spAutoFit/>
+          </a:bodyPr>
+          <a:lstStyle/>
+          <a:p>
+            <a:pPr>
+              <a:defRPr/>
+            </a:pPr>
+            <a:r>
+              <a:rPr lang="en-US" altLang="ja-JP" sz="1200" dirty="0" smtClean="0">
+                <a:solidFill>
+                  <a:schemeClr val="tx2"/>
+                </a:solidFill>
+              </a:rPr>
+              <a:t>[2] S</a:t>
+            </a:r>
+            <a:r>
+              <a:rPr lang="en-US" altLang="ja-JP" sz="1200" dirty="0">
+                <a:solidFill>
+                  <a:schemeClr val="tx2"/>
+                </a:solidFill>
+              </a:rPr>
+              <a:t>. </a:t>
+            </a:r>
+            <a:r>
+              <a:rPr lang="en-US" altLang="ja-JP" sz="1200" dirty="0" err="1">
+                <a:solidFill>
+                  <a:schemeClr val="tx2"/>
+                </a:solidFill>
+              </a:rPr>
+              <a:t>Shamshiri</a:t>
+            </a:r>
+            <a:r>
+              <a:rPr lang="en-US" altLang="ja-JP" sz="1200" dirty="0">
+                <a:solidFill>
+                  <a:schemeClr val="tx2"/>
+                </a:solidFill>
+              </a:rPr>
+              <a:t>, J. M. Rojas, J. P. </a:t>
+            </a:r>
+            <a:r>
+              <a:rPr lang="en-US" altLang="ja-JP" sz="1200" dirty="0" err="1">
+                <a:solidFill>
+                  <a:schemeClr val="tx2"/>
+                </a:solidFill>
+              </a:rPr>
+              <a:t>Galeotti</a:t>
+            </a:r>
+            <a:r>
+              <a:rPr lang="en-US" altLang="ja-JP" sz="1200" dirty="0">
+                <a:solidFill>
+                  <a:schemeClr val="tx2"/>
+                </a:solidFill>
+              </a:rPr>
+              <a:t>, N. Walkinshaw, and G. Fraser. How do automatically generated unit tests inﬂuence software maintenance? In Proceedings of the International Conference on Software Testing, Veriﬁcation and Validation (ICST), pages 250–261, 2018</a:t>
+            </a:r>
+            <a:r>
+              <a:rPr lang="en-US" altLang="ja-JP" sz="1200" dirty="0" smtClean="0">
+                <a:solidFill>
+                  <a:schemeClr val="tx2"/>
+                </a:solidFill>
+              </a:rPr>
+              <a:t>.</a:t>
+            </a:r>
+            <a:endParaRPr lang="en-US" altLang="ja-JP" sz="1200" dirty="0">
+              <a:solidFill>
+                <a:schemeClr val="tx2"/>
+              </a:solidFill>
+            </a:endParaRPr>
+          </a:p>
+        </p:txBody>
+      </p:sp>
+      <p:sp>
+        <p:nvSpPr>
+          <p:cNvPr id="6" name="フローチャート: 組合せ 5"/>
+          <p:cNvSpPr/>
+          <p:nvPr/>
+        </p:nvSpPr>
+        <p:spPr>
+          <a:xfrm>
+            <a:off x="4118742" y="3136669"/>
+            <a:ext cx="3927616" cy="411133"/>
+          </a:xfrm>
+          <a:prstGeom prst="flowChartMerge">
+            <a:avLst/>
+          </a:prstGeom>
+          <a:ln/>
+        </p:spPr>
+        <p:style>
+          <a:lnRef idx="1">
+            <a:schemeClr val="accent3"/>
+          </a:lnRef>
+          <a:fillRef idx="2">
+            <a:schemeClr val="accent3"/>
+          </a:fillRef>
+          <a:effectRef idx="1">
+            <a:schemeClr val="accent3"/>
+          </a:effectRef>
+          <a:fontRef idx="minor">
+            <a:schemeClr val="dk1"/>
+          </a:fontRef>
+        </p:style>
+        <p:txBody>
+          <a:bodyPr rtlCol="0" anchor="ctr"/>
+          <a:lstStyle/>
+          <a:p>
+            <a:pPr algn="ctr"/>
+            <a:endParaRPr kumimoji="1" lang="ja-JP" altLang="en-US" dirty="0"/>
+          </a:p>
+        </p:txBody>
+      </p:sp>
+      <p:sp>
+        <p:nvSpPr>
+          <p:cNvPr id="7" name="フローチャート: 代替処理 6"/>
+          <p:cNvSpPr/>
+          <p:nvPr/>
+        </p:nvSpPr>
+        <p:spPr>
+          <a:xfrm>
+            <a:off x="1460959" y="4492556"/>
+            <a:ext cx="9243182" cy="1005877"/>
+          </a:xfrm>
+          <a:prstGeom prst="flowChartAlternateProcess">
+            <a:avLst/>
+          </a:prstGeom>
+          <a:ln w="6350"/>
+        </p:spPr>
+        <p:style>
+          <a:lnRef idx="1">
+            <a:schemeClr val="accent4"/>
+          </a:lnRef>
+          <a:fillRef idx="2">
+            <a:schemeClr val="accent4"/>
+          </a:fillRef>
+          <a:effectRef idx="1">
+            <a:schemeClr val="accent4"/>
+          </a:effectRef>
+          <a:fontRef idx="minor">
+            <a:schemeClr val="dk1"/>
+          </a:fontRef>
+        </p:style>
+        <p:txBody>
+          <a:bodyPr rtlCol="0" anchor="ctr"/>
+          <a:lstStyle/>
+          <a:p>
+            <a:r>
+              <a:rPr lang="ja-JP" altLang="en-US" sz="2800" dirty="0" smtClean="0">
+                <a:latin typeface="メイリオ" panose="020B0604030504040204" pitchFamily="50" charset="-128"/>
+                <a:ea typeface="メイリオ" panose="020B0604030504040204" pitchFamily="50" charset="-128"/>
+              </a:rPr>
+              <a:t>理解</a:t>
+            </a:r>
+            <a:r>
+              <a:rPr lang="ja-JP" altLang="en-US" sz="2800" dirty="0">
+                <a:latin typeface="メイリオ" panose="020B0604030504040204" pitchFamily="50" charset="-128"/>
+                <a:ea typeface="メイリオ" panose="020B0604030504040204" pitchFamily="50" charset="-128"/>
+              </a:rPr>
+              <a:t>しやすく良質なテストコードを作成する必要が</a:t>
+            </a:r>
+            <a:r>
+              <a:rPr lang="ja-JP" altLang="en-US" sz="2800" dirty="0" smtClean="0">
+                <a:latin typeface="メイリオ" panose="020B0604030504040204" pitchFamily="50" charset="-128"/>
+                <a:ea typeface="メイリオ" panose="020B0604030504040204" pitchFamily="50" charset="-128"/>
+              </a:rPr>
+              <a:t>ある</a:t>
+            </a:r>
+            <a:endParaRPr lang="ja-JP" altLang="en-US" sz="2800" dirty="0">
+              <a:latin typeface="メイリオ" panose="020B0604030504040204" pitchFamily="50" charset="-128"/>
+              <a:ea typeface="メイリオ" panose="020B0604030504040204" pitchFamily="50" charset="-128"/>
+            </a:endParaRPr>
+          </a:p>
+        </p:txBody>
+      </p:sp>
+    </p:spTree>
+    <p:extLst>
+      <p:ext uri="{BB962C8B-B14F-4D97-AF65-F5344CB8AC3E}">
+        <p14:creationId xmlns:p14="http://schemas.microsoft.com/office/powerpoint/2010/main" val="3663765090"/>
+      </p:ext>
+    </p:extLst>
+  </p:cSld>
+  <p:clrMapOvr>
+    <a:masterClrMapping/>
+  </p:clrMapOvr>
+  <p:timing>
+    <p:tnLst>
+      <p:par>
+        <p:cTn id="1" dur="indefinite" restart="never" nodeType="tmRoot"/>
+      </p:par>
+    </p:tnLst>
+  </p:timing>
+</p:sld>
+</file>
+
+<file path=ppt/slides/slide40.xml><?xml version="1.0" encoding="utf-8"?>
+<p:sld xmlns:a="http://schemas.openxmlformats.org/drawingml/2006/main" xmlns:r="http://schemas.openxmlformats.org/officeDocument/2006/relationships" xmlns:p="http://schemas.openxmlformats.org/presentationml/2006/main" show="0">
+  <p:cSld>
+    <p:spTree>
+      <p:nvGrpSpPr>
+        <p:cNvPr id="1" name=""/>
+        <p:cNvGrpSpPr/>
+        <p:nvPr/>
+      </p:nvGrpSpPr>
+      <p:grpSpPr>
+        <a:xfrm>
+          <a:off x="0" y="0"/>
+          <a:ext cx="0" cy="0"/>
+          <a:chOff x="0" y="0"/>
+          <a:chExt cx="0" cy="0"/>
+        </a:xfrm>
+      </p:grpSpPr>
+      <p:sp>
+        <p:nvSpPr>
           <p:cNvPr id="3" name="タイトル 2"/>
           <p:cNvSpPr>
             <a:spLocks noGrp="1"/>
@@ -37019,467 +38135,6 @@
       <p:transition spd="slow"/>
     </mc:Fallback>
   </mc:AlternateContent>
-  <p:timing>
-    <p:tnLst>
-      <p:par>
-        <p:cTn id="1" dur="indefinite" restart="never" nodeType="tmRoot"/>
-      </p:par>
-    </p:tnLst>
-  </p:timing>
-</p:sld>
-</file>
-
-<file path=ppt/slides/slide4.xml><?xml version="1.0" encoding="utf-8"?>
-<p:sld xmlns:a="http://schemas.openxmlformats.org/drawingml/2006/main" xmlns:r="http://schemas.openxmlformats.org/officeDocument/2006/relationships" xmlns:p="http://schemas.openxmlformats.org/presentationml/2006/main">
-  <p:cSld>
-    <p:spTree>
-      <p:nvGrpSpPr>
-        <p:cNvPr id="1" name=""/>
-        <p:cNvGrpSpPr/>
-        <p:nvPr/>
-      </p:nvGrpSpPr>
-      <p:grpSpPr>
-        <a:xfrm>
-          <a:off x="0" y="0"/>
-          <a:ext cx="0" cy="0"/>
-          <a:chOff x="0" y="0"/>
-          <a:chExt cx="0" cy="0"/>
-        </a:xfrm>
-      </p:grpSpPr>
-      <p:sp>
-        <p:nvSpPr>
-          <p:cNvPr id="2" name="タイトル 1"/>
-          <p:cNvSpPr>
-            <a:spLocks noGrp="1"/>
-          </p:cNvSpPr>
-          <p:nvPr>
-            <p:ph type="title"/>
-          </p:nvPr>
-        </p:nvSpPr>
-        <p:spPr>
-          <a:xfrm>
-            <a:off x="192102" y="219428"/>
-            <a:ext cx="5608931" cy="729386"/>
-          </a:xfrm>
-        </p:spPr>
-        <p:txBody>
-          <a:bodyPr/>
-          <a:lstStyle/>
-          <a:p>
-            <a:r>
-              <a:rPr kumimoji="1" lang="ja-JP" altLang="en-US" dirty="0" smtClean="0">
-                <a:solidFill>
-                  <a:schemeClr val="bg1"/>
-                </a:solidFill>
-              </a:rPr>
-              <a:t>自動生成ツールにおける課題</a:t>
-            </a:r>
-            <a:endParaRPr kumimoji="1" lang="ja-JP" altLang="en-US" dirty="0">
-              <a:solidFill>
-                <a:schemeClr val="bg1"/>
-              </a:solidFill>
-            </a:endParaRPr>
-          </a:p>
-        </p:txBody>
-      </p:sp>
-      <p:sp>
-        <p:nvSpPr>
-          <p:cNvPr id="4" name="コンテンツ プレースホルダー 2"/>
-          <p:cNvSpPr>
-            <a:spLocks noGrp="1"/>
-          </p:cNvSpPr>
-          <p:nvPr>
-            <p:ph idx="1"/>
-          </p:nvPr>
-        </p:nvSpPr>
-        <p:spPr>
-          <a:xfrm>
-            <a:off x="913333" y="1409665"/>
-            <a:ext cx="10601150" cy="3559023"/>
-          </a:xfrm>
-        </p:spPr>
-        <p:txBody>
-          <a:bodyPr>
-            <a:normAutofit/>
-          </a:bodyPr>
-          <a:lstStyle/>
-          <a:p>
-            <a:pPr marL="0" indent="0">
-              <a:buNone/>
-            </a:pPr>
-            <a:r>
-              <a:rPr lang="ja-JP" altLang="en-US" sz="3000" dirty="0"/>
-              <a:t>自動生成されたテストコード</a:t>
-            </a:r>
-            <a:r>
-              <a:rPr lang="ja-JP" altLang="en-US" sz="3000" dirty="0" smtClean="0"/>
-              <a:t>は、保守</a:t>
-            </a:r>
-            <a:r>
-              <a:rPr lang="ja-JP" altLang="en-US" sz="3000" dirty="0"/>
-              <a:t>作業を困難にする</a:t>
-            </a:r>
-            <a:r>
-              <a:rPr lang="en-US" altLang="ja-JP" sz="3000" dirty="0" smtClean="0"/>
-              <a:t>[2]</a:t>
-            </a:r>
-          </a:p>
-          <a:p>
-            <a:pPr lvl="1"/>
-            <a:endParaRPr lang="en-US" altLang="ja-JP" sz="800" dirty="0"/>
-          </a:p>
-          <a:p>
-            <a:pPr lvl="1"/>
-            <a:r>
-              <a:rPr lang="ja-JP" altLang="en-US" sz="2800" dirty="0" smtClean="0"/>
-              <a:t>対象コードの</a:t>
-            </a:r>
-            <a:r>
-              <a:rPr lang="ja-JP" altLang="en-US" sz="2800" dirty="0" smtClean="0">
-                <a:solidFill>
-                  <a:srgbClr val="FF0000"/>
-                </a:solidFill>
-              </a:rPr>
-              <a:t>作成経緯</a:t>
-            </a:r>
-            <a:r>
-              <a:rPr lang="ja-JP" altLang="en-US" sz="2800" dirty="0">
-                <a:solidFill>
-                  <a:srgbClr val="FF0000"/>
-                </a:solidFill>
-              </a:rPr>
-              <a:t>や意図に基づいて生成されて</a:t>
-            </a:r>
-            <a:r>
-              <a:rPr lang="ja-JP" altLang="en-US" sz="2800" dirty="0" smtClean="0">
-                <a:solidFill>
-                  <a:srgbClr val="FF0000"/>
-                </a:solidFill>
-              </a:rPr>
-              <a:t>いない</a:t>
-            </a:r>
-            <a:r>
-              <a:rPr lang="en-US" altLang="ja-JP" sz="2800" dirty="0" smtClean="0">
-                <a:solidFill>
-                  <a:srgbClr val="FF0000"/>
-                </a:solidFill>
-              </a:rPr>
-              <a:t/>
-            </a:r>
-            <a:br>
-              <a:rPr lang="en-US" altLang="ja-JP" sz="2800" dirty="0" smtClean="0">
-                <a:solidFill>
-                  <a:srgbClr val="FF0000"/>
-                </a:solidFill>
-              </a:rPr>
-            </a:br>
-            <a:endParaRPr lang="en-US" altLang="ja-JP" sz="600" dirty="0"/>
-          </a:p>
-          <a:p>
-            <a:pPr lvl="1"/>
-            <a:r>
-              <a:rPr lang="ja-JP" altLang="en-US" sz="2800" dirty="0" smtClean="0"/>
-              <a:t>テストコードの良くない実装を表す</a:t>
-            </a:r>
-            <a:r>
-              <a:rPr lang="ja-JP" altLang="en-US" sz="2800" dirty="0" smtClean="0">
-                <a:solidFill>
-                  <a:srgbClr val="FF0000"/>
-                </a:solidFill>
-              </a:rPr>
-              <a:t>テストスメルが多い</a:t>
-            </a:r>
-            <a:endParaRPr lang="en-US" altLang="ja-JP" sz="2800" dirty="0">
-              <a:solidFill>
-                <a:srgbClr val="FF0000"/>
-              </a:solidFill>
-            </a:endParaRPr>
-          </a:p>
-          <a:p>
-            <a:pPr lvl="1"/>
-            <a:endParaRPr lang="en-US" altLang="ja-JP" sz="2800" dirty="0" smtClean="0">
-              <a:solidFill>
-                <a:srgbClr val="FF0000"/>
-              </a:solidFill>
-            </a:endParaRPr>
-          </a:p>
-          <a:p>
-            <a:pPr lvl="1"/>
-            <a:endParaRPr lang="en-US" altLang="ja-JP" sz="1400" dirty="0" smtClean="0">
-              <a:solidFill>
-                <a:srgbClr val="FF0000"/>
-              </a:solidFill>
-            </a:endParaRPr>
-          </a:p>
-          <a:p>
-            <a:pPr marL="457200" lvl="1" indent="0">
-              <a:buNone/>
-            </a:pPr>
-            <a:r>
-              <a:rPr lang="ja-JP" altLang="en-US" sz="2800" dirty="0" smtClean="0"/>
-              <a:t>　　　　　</a:t>
-            </a:r>
-            <a:r>
-              <a:rPr lang="ja-JP" altLang="en-US" sz="2800" u="sng" dirty="0" smtClean="0"/>
-              <a:t>テスト</a:t>
-            </a:r>
-            <a:r>
-              <a:rPr lang="ja-JP" altLang="en-US" sz="2800" u="sng" dirty="0"/>
-              <a:t>失敗</a:t>
-            </a:r>
-            <a:r>
-              <a:rPr lang="ja-JP" altLang="en-US" sz="2800" u="sng" dirty="0" smtClean="0"/>
-              <a:t>の原因を特定するのが難しい</a:t>
-            </a:r>
-            <a:endParaRPr lang="ja-JP" altLang="en-US" sz="2800" u="sng" dirty="0"/>
-          </a:p>
-          <a:p>
-            <a:pPr lvl="1"/>
-            <a:endParaRPr lang="en-US" altLang="ja-JP" sz="2800" dirty="0">
-              <a:solidFill>
-                <a:srgbClr val="FF0000"/>
-              </a:solidFill>
-            </a:endParaRPr>
-          </a:p>
-          <a:p>
-            <a:pPr lvl="1"/>
-            <a:endParaRPr lang="ja-JP" altLang="en-US" sz="2800" dirty="0" smtClean="0">
-              <a:solidFill>
-                <a:srgbClr val="FF0000"/>
-              </a:solidFill>
-            </a:endParaRPr>
-          </a:p>
-          <a:p>
-            <a:pPr marL="457200" lvl="1" indent="0">
-              <a:buNone/>
-            </a:pPr>
-            <a:endParaRPr lang="en-US" altLang="ja-JP" sz="2800" dirty="0"/>
-          </a:p>
-          <a:p>
-            <a:pPr lvl="1"/>
-            <a:endParaRPr kumimoji="1" lang="ja-JP" altLang="en-US" dirty="0"/>
-          </a:p>
-        </p:txBody>
-      </p:sp>
-      <p:sp>
-        <p:nvSpPr>
-          <p:cNvPr id="5" name="Rectangle 4"/>
-          <p:cNvSpPr>
-            <a:spLocks noChangeArrowheads="1"/>
-          </p:cNvSpPr>
-          <p:nvPr/>
-        </p:nvSpPr>
-        <p:spPr bwMode="auto">
-          <a:xfrm>
-            <a:off x="1130060" y="5894685"/>
-            <a:ext cx="10078064" cy="461665"/>
-          </a:xfrm>
-          <a:prstGeom prst="rect">
-            <a:avLst/>
-          </a:prstGeom>
-          <a:ln>
-            <a:headEnd/>
-            <a:tailEnd/>
-          </a:ln>
-        </p:spPr>
-        <p:style>
-          <a:lnRef idx="2">
-            <a:schemeClr val="dk1"/>
-          </a:lnRef>
-          <a:fillRef idx="1">
-            <a:schemeClr val="lt1"/>
-          </a:fillRef>
-          <a:effectRef idx="0">
-            <a:schemeClr val="dk1"/>
-          </a:effectRef>
-          <a:fontRef idx="minor">
-            <a:schemeClr val="dk1"/>
-          </a:fontRef>
-        </p:style>
-        <p:txBody>
-          <a:bodyPr wrap="square">
-            <a:spAutoFit/>
-          </a:bodyPr>
-          <a:lstStyle/>
-          <a:p>
-            <a:pPr>
-              <a:defRPr/>
-            </a:pPr>
-            <a:r>
-              <a:rPr lang="en-US" altLang="ja-JP" sz="1200" dirty="0" smtClean="0">
-                <a:solidFill>
-                  <a:schemeClr val="tx2"/>
-                </a:solidFill>
-              </a:rPr>
-              <a:t>[2] S</a:t>
-            </a:r>
-            <a:r>
-              <a:rPr lang="en-US" altLang="ja-JP" sz="1200" dirty="0">
-                <a:solidFill>
-                  <a:schemeClr val="tx2"/>
-                </a:solidFill>
-              </a:rPr>
-              <a:t>. </a:t>
-            </a:r>
-            <a:r>
-              <a:rPr lang="en-US" altLang="ja-JP" sz="1200" dirty="0" err="1">
-                <a:solidFill>
-                  <a:schemeClr val="tx2"/>
-                </a:solidFill>
-              </a:rPr>
-              <a:t>Shamshiri</a:t>
-            </a:r>
-            <a:r>
-              <a:rPr lang="en-US" altLang="ja-JP" sz="1200" dirty="0">
-                <a:solidFill>
-                  <a:schemeClr val="tx2"/>
-                </a:solidFill>
-              </a:rPr>
-              <a:t>, J. M. Rojas, J. P. </a:t>
-            </a:r>
-            <a:r>
-              <a:rPr lang="en-US" altLang="ja-JP" sz="1200" dirty="0" err="1">
-                <a:solidFill>
-                  <a:schemeClr val="tx2"/>
-                </a:solidFill>
-              </a:rPr>
-              <a:t>Galeotti</a:t>
-            </a:r>
-            <a:r>
-              <a:rPr lang="en-US" altLang="ja-JP" sz="1200" dirty="0">
-                <a:solidFill>
-                  <a:schemeClr val="tx2"/>
-                </a:solidFill>
-              </a:rPr>
-              <a:t>, N. Walkinshaw, and G. Fraser. How do automatically generated unit tests inﬂuence software maintenance? In Proceedings of the International Conference on Software Testing, Veriﬁcation and Validation (ICST), pages 250–261, 2018</a:t>
-            </a:r>
-            <a:r>
-              <a:rPr lang="en-US" altLang="ja-JP" sz="1200" dirty="0" smtClean="0">
-                <a:solidFill>
-                  <a:schemeClr val="tx2"/>
-                </a:solidFill>
-              </a:rPr>
-              <a:t>.</a:t>
-            </a:r>
-            <a:endParaRPr lang="en-US" altLang="ja-JP" sz="1200" dirty="0">
-              <a:solidFill>
-                <a:schemeClr val="tx2"/>
-              </a:solidFill>
-            </a:endParaRPr>
-          </a:p>
-        </p:txBody>
-      </p:sp>
-      <p:sp>
-        <p:nvSpPr>
-          <p:cNvPr id="6" name="フローチャート: 組合せ 5"/>
-          <p:cNvSpPr/>
-          <p:nvPr/>
-        </p:nvSpPr>
-        <p:spPr>
-          <a:xfrm>
-            <a:off x="4118742" y="3136669"/>
-            <a:ext cx="3927616" cy="411133"/>
-          </a:xfrm>
-          <a:prstGeom prst="flowChartMerge">
-            <a:avLst/>
-          </a:prstGeom>
-          <a:ln/>
-        </p:spPr>
-        <p:style>
-          <a:lnRef idx="1">
-            <a:schemeClr val="accent3"/>
-          </a:lnRef>
-          <a:fillRef idx="2">
-            <a:schemeClr val="accent3"/>
-          </a:fillRef>
-          <a:effectRef idx="1">
-            <a:schemeClr val="accent3"/>
-          </a:effectRef>
-          <a:fontRef idx="minor">
-            <a:schemeClr val="dk1"/>
-          </a:fontRef>
-        </p:style>
-        <p:txBody>
-          <a:bodyPr rtlCol="0" anchor="ctr"/>
-          <a:lstStyle/>
-          <a:p>
-            <a:pPr algn="ctr"/>
-            <a:endParaRPr kumimoji="1" lang="ja-JP" altLang="en-US" dirty="0"/>
-          </a:p>
-        </p:txBody>
-      </p:sp>
-      <p:sp>
-        <p:nvSpPr>
-          <p:cNvPr id="7" name="フローチャート: 代替処理 6"/>
-          <p:cNvSpPr/>
-          <p:nvPr/>
-        </p:nvSpPr>
-        <p:spPr>
-          <a:xfrm>
-            <a:off x="1460959" y="4492556"/>
-            <a:ext cx="9243182" cy="1005877"/>
-          </a:xfrm>
-          <a:prstGeom prst="flowChartAlternateProcess">
-            <a:avLst/>
-          </a:prstGeom>
-          <a:ln w="6350"/>
-        </p:spPr>
-        <p:style>
-          <a:lnRef idx="1">
-            <a:schemeClr val="accent4"/>
-          </a:lnRef>
-          <a:fillRef idx="2">
-            <a:schemeClr val="accent4"/>
-          </a:fillRef>
-          <a:effectRef idx="1">
-            <a:schemeClr val="accent4"/>
-          </a:effectRef>
-          <a:fontRef idx="minor">
-            <a:schemeClr val="dk1"/>
-          </a:fontRef>
-        </p:style>
-        <p:txBody>
-          <a:bodyPr rtlCol="0" anchor="ctr"/>
-          <a:lstStyle/>
-          <a:p>
-            <a:r>
-              <a:rPr lang="ja-JP" altLang="en-US" sz="2800" dirty="0" smtClean="0">
-                <a:latin typeface="メイリオ" panose="020B0604030504040204" pitchFamily="50" charset="-128"/>
-                <a:ea typeface="メイリオ" panose="020B0604030504040204" pitchFamily="50" charset="-128"/>
-              </a:rPr>
-              <a:t>理解</a:t>
-            </a:r>
-            <a:r>
-              <a:rPr lang="ja-JP" altLang="en-US" sz="2800" dirty="0">
-                <a:latin typeface="メイリオ" panose="020B0604030504040204" pitchFamily="50" charset="-128"/>
-                <a:ea typeface="メイリオ" panose="020B0604030504040204" pitchFamily="50" charset="-128"/>
-              </a:rPr>
-              <a:t>しやすく良質なテストコードを作成する必要が</a:t>
-            </a:r>
-            <a:r>
-              <a:rPr lang="ja-JP" altLang="en-US" sz="2800" dirty="0" smtClean="0">
-                <a:latin typeface="メイリオ" panose="020B0604030504040204" pitchFamily="50" charset="-128"/>
-                <a:ea typeface="メイリオ" panose="020B0604030504040204" pitchFamily="50" charset="-128"/>
-              </a:rPr>
-              <a:t>ある</a:t>
-            </a:r>
-            <a:endParaRPr lang="ja-JP" altLang="en-US" sz="2800" dirty="0">
-              <a:latin typeface="メイリオ" panose="020B0604030504040204" pitchFamily="50" charset="-128"/>
-              <a:ea typeface="メイリオ" panose="020B0604030504040204" pitchFamily="50" charset="-128"/>
-            </a:endParaRPr>
-          </a:p>
-        </p:txBody>
-      </p:sp>
-    </p:spTree>
-    <p:extLst>
-      <p:ext uri="{BB962C8B-B14F-4D97-AF65-F5344CB8AC3E}">
-        <p14:creationId xmlns:p14="http://schemas.microsoft.com/office/powerpoint/2010/main" val="581419563"/>
-      </p:ext>
-    </p:extLst>
-  </p:cSld>
-  <p:clrMapOvr>
-    <a:masterClrMapping/>
-  </p:clrMapOvr>
   <p:timing>
     <p:tnLst>
       <p:par>

--- a/�v���[��0122.pptx
+++ b/�v���[��0122.pptx
@@ -5,7 +5,7 @@
     <p:sldMasterId id="2147483648" r:id="rId1"/>
   </p:sldMasterIdLst>
   <p:notesMasterIdLst>
-    <p:notesMasterId r:id="rId42"/>
+    <p:notesMasterId r:id="rId43"/>
   </p:notesMasterIdLst>
   <p:sldIdLst>
     <p:sldId id="274" r:id="rId2"/>
@@ -16,7 +16,7 @@
     <p:sldId id="339" r:id="rId7"/>
     <p:sldId id="262" r:id="rId8"/>
     <p:sldId id="338" r:id="rId9"/>
-    <p:sldId id="328" r:id="rId10"/>
+    <p:sldId id="362" r:id="rId10"/>
     <p:sldId id="285" r:id="rId11"/>
     <p:sldId id="266" r:id="rId12"/>
     <p:sldId id="352" r:id="rId13"/>
@@ -43,11 +43,12 @@
     <p:sldId id="370" r:id="rId34"/>
     <p:sldId id="286" r:id="rId35"/>
     <p:sldId id="295" r:id="rId36"/>
-    <p:sldId id="362" r:id="rId37"/>
-    <p:sldId id="360" r:id="rId38"/>
-    <p:sldId id="268" r:id="rId39"/>
-    <p:sldId id="358" r:id="rId40"/>
-    <p:sldId id="279" r:id="rId41"/>
+    <p:sldId id="360" r:id="rId37"/>
+    <p:sldId id="268" r:id="rId38"/>
+    <p:sldId id="358" r:id="rId39"/>
+    <p:sldId id="279" r:id="rId40"/>
+    <p:sldId id="328" r:id="rId41"/>
+    <p:sldId id="373" r:id="rId42"/>
   </p:sldIdLst>
   <p:sldSz cx="12192000" cy="6858000"/>
   <p:notesSz cx="6858000" cy="9144000"/>
@@ -9010,20 +9011,54 @@
           <a:lstStyle/>
           <a:p>
             <a:r>
+              <a:rPr kumimoji="1" lang="ja-JP" altLang="en-US" dirty="0" smtClean="0"/>
+              <a:t>そこで，本研究では，</a:t>
+            </a:r>
+            <a:r>
               <a:rPr kumimoji="1" lang="en-US" altLang="ja-JP" dirty="0" smtClean="0"/>
-              <a:t>Step3</a:t>
+              <a:t>OSS</a:t>
             </a:r>
             <a:r>
               <a:rPr kumimoji="1" lang="ja-JP" altLang="en-US" dirty="0" smtClean="0"/>
-              <a:t>では、</a:t>
+              <a:t>に存在する既存の品質の高いテストコードを推薦するツール</a:t>
+            </a:r>
+            <a:r>
+              <a:rPr kumimoji="1" lang="en-US" altLang="ja-JP" dirty="0" err="1" smtClean="0"/>
+              <a:t>SuiteRec</a:t>
+            </a:r>
+            <a:r>
+              <a:rPr kumimoji="1" lang="ja-JP" altLang="en-US" dirty="0" err="1" smtClean="0"/>
+              <a:t>を紹</a:t>
+            </a:r>
+            <a:r>
+              <a:rPr kumimoji="1" lang="ja-JP" altLang="en-US" dirty="0" smtClean="0"/>
+              <a:t>介します。</a:t>
+            </a:r>
+            <a:endParaRPr kumimoji="1" lang="en-US" altLang="ja-JP" dirty="0" smtClean="0"/>
+          </a:p>
+          <a:p>
+            <a:endParaRPr kumimoji="1" lang="en-US" altLang="ja-JP" dirty="0" smtClean="0"/>
+          </a:p>
+          <a:p>
+            <a:r>
+              <a:rPr kumimoji="1" lang="ja-JP" altLang="en-US" dirty="0" smtClean="0"/>
+              <a:t>既存テストの利用は，コーディング規約や</a:t>
             </a:r>
             <a:r>
               <a:rPr kumimoji="1" lang="en-US" altLang="ja-JP" dirty="0" smtClean="0"/>
-              <a:t>Step2</a:t>
+              <a:t>~~</a:t>
             </a:r>
             <a:r>
               <a:rPr kumimoji="1" lang="ja-JP" altLang="en-US" dirty="0" smtClean="0"/>
-              <a:t>で検索されたテストコード内に含まれるテストスメルを検出します</a:t>
+              <a:t>ことや</a:t>
+            </a:r>
+            <a:r>
+              <a:rPr kumimoji="1" lang="en-US" altLang="ja-JP" dirty="0" smtClean="0"/>
+              <a:t>~~</a:t>
+            </a:r>
+            <a:r>
+              <a:rPr kumimoji="1" lang="ja-JP" altLang="en-US" dirty="0" smtClean="0"/>
+              <a:t>を使用することができます</a:t>
             </a:r>
             <a:endParaRPr kumimoji="1" lang="en-US" altLang="ja-JP" dirty="0" smtClean="0"/>
           </a:p>
@@ -9032,16 +9067,38 @@
           </a:p>
           <a:p>
             <a:r>
+              <a:rPr kumimoji="1" lang="en-US" altLang="ja-JP" dirty="0" err="1" smtClean="0"/>
+              <a:t>SuiteRec</a:t>
+            </a:r>
+            <a:r>
               <a:rPr kumimoji="1" lang="ja-JP" altLang="en-US" dirty="0" smtClean="0"/>
-              <a:t>テストスメルというのはテストコードの良くない実装を表す指標のことで、ドゥーセンらによって</a:t>
+              <a:t>の推薦手法の基本となるアイディアは，類似するソースコード間でのテストコードを再利用することです。</a:t>
+            </a:r>
+            <a:endParaRPr kumimoji="1" lang="en-US" altLang="ja-JP" dirty="0" smtClean="0"/>
+          </a:p>
+          <a:p>
+            <a:endParaRPr kumimoji="1" lang="en-US" altLang="ja-JP" dirty="0" smtClean="0"/>
+          </a:p>
+          <a:p>
+            <a:r>
+              <a:rPr kumimoji="1" lang="ja-JP" altLang="en-US" dirty="0" smtClean="0"/>
+              <a:t>この手法は，テストコードがない入力コード片</a:t>
             </a:r>
             <a:r>
               <a:rPr kumimoji="1" lang="en-US" altLang="ja-JP" dirty="0" smtClean="0"/>
-              <a:t>11</a:t>
+              <a:t>A</a:t>
             </a:r>
             <a:r>
               <a:rPr kumimoji="1" lang="ja-JP" altLang="en-US" dirty="0" smtClean="0"/>
-              <a:t>種類のテストスメルが提唱されました．</a:t>
+              <a:t>に対して類似したコード片を検出し，その類似コードに対応するテストコードを改変して，コード片</a:t>
+            </a:r>
+            <a:r>
+              <a:rPr kumimoji="1" lang="en-US" altLang="ja-JP" dirty="0" smtClean="0"/>
+              <a:t>A</a:t>
+            </a:r>
+            <a:r>
+              <a:rPr kumimoji="1" lang="ja-JP" altLang="en-US" dirty="0" smtClean="0"/>
+              <a:t>に再利用するといった手法になります．</a:t>
             </a:r>
             <a:endParaRPr kumimoji="1" lang="en-US" altLang="ja-JP" dirty="0" smtClean="0"/>
           </a:p>
@@ -9051,130 +9108,20 @@
           <a:p>
             <a:r>
               <a:rPr kumimoji="1" lang="ja-JP" altLang="en-US" dirty="0" smtClean="0"/>
-              <a:t>例えばこれはテストスメルの例ですが、このテストコードには、</a:t>
-            </a:r>
-            <a:r>
-              <a:rPr kumimoji="1" lang="ja-JP" altLang="en-US" b="1" dirty="0" smtClean="0"/>
-              <a:t>アサーションルーレット</a:t>
+              <a:t>次に</a:t>
+            </a:r>
+            <a:r>
+              <a:rPr kumimoji="1" lang="en-US" altLang="ja-JP" dirty="0" err="1" smtClean="0"/>
+              <a:t>SuiteRec</a:t>
             </a:r>
             <a:r>
               <a:rPr kumimoji="1" lang="ja-JP" altLang="en-US" dirty="0" smtClean="0"/>
-              <a:t>というテストスメルが含まれており、</a:t>
-            </a:r>
-            <a:r>
-              <a:rPr kumimoji="1" lang="en-US" altLang="ja-JP" dirty="0" smtClean="0"/>
-              <a:t>1</a:t>
-            </a:r>
-            <a:r>
-              <a:rPr kumimoji="1" lang="ja-JP" altLang="en-US" dirty="0" err="1" smtClean="0"/>
-              <a:t>つの</a:t>
-            </a:r>
-            <a:r>
-              <a:rPr kumimoji="1" lang="ja-JP" altLang="en-US" u="sng" dirty="0" smtClean="0"/>
-              <a:t>テストメソッド内に複数の</a:t>
-            </a:r>
-            <a:r>
-              <a:rPr kumimoji="1" lang="en-US" altLang="ja-JP" u="sng" dirty="0" err="1" smtClean="0"/>
-              <a:t>asser</a:t>
-            </a:r>
-            <a:r>
-              <a:rPr kumimoji="1" lang="ja-JP" altLang="en-US" u="sng" dirty="0" smtClean="0"/>
-              <a:t>文を含む場合にこのテストスメルが発生します。</a:t>
+              <a:t>の概要です</a:t>
             </a:r>
             <a:endParaRPr kumimoji="1" lang="en-US" altLang="ja-JP" dirty="0" smtClean="0"/>
           </a:p>
           <a:p>
-            <a:endParaRPr kumimoji="1" lang="en-US" altLang="ja-JP" dirty="0" smtClean="0"/>
-          </a:p>
-          <a:p>
-            <a:pPr marL="0" marR="0" indent="0" algn="l" defTabSz="914400" rtl="0" eaLnBrk="1" fontAlgn="auto" latinLnBrk="0" hangingPunct="1">
-              <a:lnSpc>
-                <a:spcPct val="100000"/>
-              </a:lnSpc>
-              <a:spcBef>
-                <a:spcPts val="0"/>
-              </a:spcBef>
-              <a:spcAft>
-                <a:spcPts val="0"/>
-              </a:spcAft>
-              <a:buClrTx/>
-              <a:buSzTx/>
-              <a:buFontTx/>
-              <a:buNone/>
-              <a:tabLst/>
-              <a:defRPr/>
-            </a:pPr>
-            <a:r>
-              <a:rPr kumimoji="1" lang="ja-JP" altLang="en-US" dirty="0" smtClean="0"/>
-              <a:t>で、最近では、これらのテストスメルについて多くの調査研究が行われており、テストスメルがソフトウェアの保守活動に悪影響を与えることが分かっています。</a:t>
-            </a:r>
-            <a:endParaRPr kumimoji="1" lang="en-US" altLang="ja-JP" dirty="0" smtClean="0"/>
-          </a:p>
-          <a:p>
-            <a:endParaRPr kumimoji="1" lang="en-US" altLang="ja-JP" dirty="0" smtClean="0"/>
-          </a:p>
-          <a:p>
-            <a:r>
-              <a:rPr kumimoji="1" lang="en-US" altLang="ja-JP" dirty="0" smtClean="0"/>
-              <a:t>Step3</a:t>
-            </a:r>
-            <a:r>
-              <a:rPr kumimoji="1" lang="ja-JP" altLang="en-US" dirty="0" smtClean="0"/>
-              <a:t>では、これらのテストスメルを高速で検出するために、テストスメルを自動で検出できる</a:t>
-            </a:r>
-            <a:r>
-              <a:rPr kumimoji="1" lang="en-US" altLang="ja-JP" dirty="0" err="1" smtClean="0"/>
-              <a:t>tsDetect</a:t>
-            </a:r>
-            <a:r>
-              <a:rPr kumimoji="1" lang="ja-JP" altLang="en-US" dirty="0" smtClean="0"/>
-              <a:t>というツールを利用しています。</a:t>
-            </a:r>
-            <a:endParaRPr kumimoji="1" lang="en-US" altLang="ja-JP" dirty="0" smtClean="0"/>
-          </a:p>
-          <a:p>
-            <a:endParaRPr kumimoji="1" lang="en-US" altLang="ja-JP" dirty="0" smtClean="0"/>
-          </a:p>
-          <a:p>
-            <a:r>
-              <a:rPr kumimoji="1" lang="ja-JP" altLang="en-US" dirty="0" smtClean="0"/>
-              <a:t>このツールは</a:t>
-            </a:r>
-            <a:r>
-              <a:rPr kumimoji="1" lang="en-US" altLang="ja-JP" dirty="0" smtClean="0"/>
-              <a:t>AST</a:t>
-            </a:r>
-            <a:r>
-              <a:rPr kumimoji="1" lang="ja-JP" altLang="en-US" dirty="0" smtClean="0"/>
-              <a:t>ベースの検出手法で実装されたツールであり、</a:t>
-            </a:r>
-            <a:r>
-              <a:rPr kumimoji="1" lang="en-US" altLang="ja-JP" dirty="0" smtClean="0"/>
-              <a:t>19</a:t>
-            </a:r>
-            <a:r>
-              <a:rPr kumimoji="1" lang="ja-JP" altLang="en-US" dirty="0" smtClean="0"/>
-              <a:t>種類のテストスメルを高い精度と再現率で検出することができます。</a:t>
-            </a:r>
-            <a:endParaRPr kumimoji="1" lang="en-US" altLang="ja-JP" dirty="0" smtClean="0"/>
-          </a:p>
-          <a:p>
-            <a:endParaRPr kumimoji="1" lang="en-US" altLang="ja-JP" baseline="0" dirty="0" smtClean="0"/>
-          </a:p>
-          <a:p>
-            <a:r>
-              <a:rPr kumimoji="1" lang="ja-JP" altLang="en-US" baseline="0" dirty="0" smtClean="0"/>
-              <a:t>最後に</a:t>
-            </a:r>
-            <a:r>
-              <a:rPr kumimoji="1" lang="en-US" altLang="ja-JP" baseline="0" dirty="0" smtClean="0"/>
-              <a:t>Step4</a:t>
-            </a:r>
-            <a:r>
-              <a:rPr kumimoji="1" lang="ja-JP" altLang="en-US" baseline="0" dirty="0" smtClean="0"/>
-              <a:t>です。</a:t>
-            </a:r>
-            <a:endParaRPr kumimoji="1" lang="en-US" altLang="ja-JP" baseline="0" dirty="0" smtClean="0"/>
+            <a:endParaRPr kumimoji="1" lang="ja-JP" altLang="en-US" dirty="0"/>
           </a:p>
         </p:txBody>
       </p:sp>
@@ -9204,7 +9151,7 @@
     </p:spTree>
     <p:extLst>
       <p:ext uri="{BB962C8B-B14F-4D97-AF65-F5344CB8AC3E}">
-        <p14:creationId xmlns:p14="http://schemas.microsoft.com/office/powerpoint/2010/main" val="2973487452"/>
+        <p14:creationId xmlns:p14="http://schemas.microsoft.com/office/powerpoint/2010/main" val="2355544867"/>
       </p:ext>
     </p:extLst>
   </p:cSld>
@@ -9260,115 +9207,271 @@
           <a:p>
             <a:r>
               <a:rPr kumimoji="1" lang="ja-JP" altLang="en-US" dirty="0" smtClean="0"/>
-              <a:t>そこで，本研究では，</a:t>
+              <a:t>評価実験</a:t>
             </a:r>
             <a:r>
               <a:rPr kumimoji="1" lang="en-US" altLang="ja-JP" dirty="0" smtClean="0"/>
-              <a:t>OSS</a:t>
+              <a:t>1</a:t>
             </a:r>
             <a:r>
               <a:rPr kumimoji="1" lang="ja-JP" altLang="en-US" dirty="0" smtClean="0"/>
-              <a:t>に存在する既存の品質の高いテストコードを推薦するツール</a:t>
-            </a:r>
-            <a:r>
-              <a:rPr kumimoji="1" lang="en-US" altLang="ja-JP" dirty="0" err="1" smtClean="0"/>
+              <a:t>では、</a:t>
+            </a:r>
+            <a:r>
+              <a:rPr kumimoji="1" lang="en-US" altLang="ja-JP" b="1" dirty="0" err="1" smtClean="0"/>
               <a:t>SuiteRec</a:t>
             </a:r>
             <a:r>
-              <a:rPr kumimoji="1" lang="ja-JP" altLang="en-US" dirty="0" err="1" smtClean="0"/>
-              <a:t>を紹</a:t>
-            </a:r>
-            <a:r>
-              <a:rPr kumimoji="1" lang="ja-JP" altLang="en-US" dirty="0" smtClean="0"/>
-              <a:t>介します。</a:t>
-            </a:r>
-            <a:endParaRPr kumimoji="1" lang="en-US" altLang="ja-JP" dirty="0" smtClean="0"/>
-          </a:p>
-          <a:p>
-            <a:endParaRPr kumimoji="1" lang="en-US" altLang="ja-JP" dirty="0" smtClean="0"/>
-          </a:p>
-          <a:p>
-            <a:r>
-              <a:rPr kumimoji="1" lang="ja-JP" altLang="en-US" dirty="0" smtClean="0"/>
-              <a:t>既存テストの利用は，コーディング規約や</a:t>
-            </a:r>
-            <a:r>
-              <a:rPr kumimoji="1" lang="en-US" altLang="ja-JP" dirty="0" smtClean="0"/>
-              <a:t>~~</a:t>
-            </a:r>
-            <a:r>
-              <a:rPr kumimoji="1" lang="ja-JP" altLang="en-US" dirty="0" smtClean="0"/>
-              <a:t>ことや</a:t>
-            </a:r>
-            <a:r>
-              <a:rPr kumimoji="1" lang="en-US" altLang="ja-JP" dirty="0" smtClean="0"/>
-              <a:t>~~</a:t>
-            </a:r>
-            <a:r>
-              <a:rPr kumimoji="1" lang="ja-JP" altLang="en-US" dirty="0" smtClean="0"/>
-              <a:t>を使用することができます</a:t>
-            </a:r>
-            <a:endParaRPr kumimoji="1" lang="en-US" altLang="ja-JP" dirty="0" smtClean="0"/>
-          </a:p>
-          <a:p>
-            <a:endParaRPr kumimoji="1" lang="en-US" altLang="ja-JP" dirty="0" smtClean="0"/>
-          </a:p>
-          <a:p>
-            <a:r>
-              <a:rPr kumimoji="1" lang="en-US" altLang="ja-JP" dirty="0" err="1" smtClean="0"/>
+              <a:rPr kumimoji="1" lang="ja-JP" altLang="en-US" b="1" dirty="0" smtClean="0"/>
+              <a:t>が開発者の</a:t>
+            </a:r>
+            <a:r>
+              <a:rPr lang="ja-JP" altLang="en-US" sz="1200" b="1" dirty="0" smtClean="0"/>
+              <a:t>テストコード作成をどの程度支援できるかを評価するために被験者実験を行いました。</a:t>
+            </a:r>
+            <a:endParaRPr lang="en-US" altLang="ja-JP" sz="1200" b="1" dirty="0" smtClean="0"/>
+          </a:p>
+          <a:p>
+            <a:endParaRPr kumimoji="1" lang="en-US" altLang="ja-JP" sz="1200" dirty="0" smtClean="0"/>
+          </a:p>
+          <a:p>
+            <a:pPr marL="0" marR="0" lvl="1" indent="0" algn="l" defTabSz="914400" rtl="0" eaLnBrk="1" fontAlgn="auto" latinLnBrk="0" hangingPunct="1">
+              <a:lnSpc>
+                <a:spcPct val="100000"/>
+              </a:lnSpc>
+              <a:spcBef>
+                <a:spcPts val="0"/>
+              </a:spcBef>
+              <a:spcAft>
+                <a:spcPts val="0"/>
+              </a:spcAft>
+              <a:buClrTx/>
+              <a:buSzTx/>
+              <a:buFontTx/>
+              <a:buNone/>
+              <a:tabLst/>
+              <a:defRPr/>
+            </a:pPr>
+            <a:r>
+              <a:rPr kumimoji="1" lang="ja-JP" altLang="en-US" sz="1200" dirty="0" smtClean="0"/>
+              <a:t>具体的には、情報科学を専攻する修士課程の学生</a:t>
+            </a:r>
+            <a:r>
+              <a:rPr kumimoji="1" lang="en-US" altLang="ja-JP" sz="1200" dirty="0" smtClean="0"/>
+              <a:t>10</a:t>
+            </a:r>
+            <a:r>
+              <a:rPr kumimoji="1" lang="ja-JP" altLang="en-US" sz="1200" dirty="0" smtClean="0"/>
+              <a:t>人に対して</a:t>
+            </a:r>
+            <a:r>
+              <a:rPr kumimoji="1" lang="ja-JP" altLang="en-US" sz="1200" b="1" dirty="0" smtClean="0"/>
+              <a:t>プログラムとその仕様が書かれた</a:t>
+            </a:r>
+            <a:r>
+              <a:rPr kumimoji="1" lang="en-US" altLang="ja-JP" sz="1200" b="1" dirty="0" smtClean="0"/>
+              <a:t>3</a:t>
+            </a:r>
+            <a:r>
+              <a:rPr kumimoji="1" lang="ja-JP" altLang="en-US" sz="1200" b="1" dirty="0" err="1" smtClean="0"/>
+              <a:t>つの</a:t>
+            </a:r>
+            <a:r>
+              <a:rPr kumimoji="1" lang="ja-JP" altLang="en-US" sz="1200" b="1" dirty="0" smtClean="0"/>
+              <a:t>タスクを与え</a:t>
+            </a:r>
+            <a:r>
+              <a:rPr kumimoji="1" lang="ja-JP" altLang="en-US" sz="1200" dirty="0" smtClean="0"/>
+              <a:t>、各タスクのテストコードを作成してもらいました。</a:t>
+            </a:r>
+            <a:endParaRPr kumimoji="1" lang="en-US" altLang="ja-JP" sz="1200" dirty="0" smtClean="0"/>
+          </a:p>
+          <a:p>
+            <a:pPr marL="0" marR="0" lvl="1" indent="0" algn="l" defTabSz="914400" rtl="0" eaLnBrk="1" fontAlgn="auto" latinLnBrk="0" hangingPunct="1">
+              <a:lnSpc>
+                <a:spcPct val="100000"/>
+              </a:lnSpc>
+              <a:spcBef>
+                <a:spcPts val="0"/>
+              </a:spcBef>
+              <a:spcAft>
+                <a:spcPts val="0"/>
+              </a:spcAft>
+              <a:buClrTx/>
+              <a:buSzTx/>
+              <a:buFontTx/>
+              <a:buNone/>
+              <a:tabLst/>
+              <a:defRPr/>
+            </a:pPr>
+            <a:endParaRPr kumimoji="1" lang="en-US" altLang="ja-JP" sz="1200" dirty="0" smtClean="0"/>
+          </a:p>
+          <a:p>
+            <a:pPr marL="0" marR="0" lvl="1" indent="0" algn="l" defTabSz="914400" rtl="0" eaLnBrk="1" fontAlgn="auto" latinLnBrk="0" hangingPunct="1">
+              <a:lnSpc>
+                <a:spcPct val="100000"/>
+              </a:lnSpc>
+              <a:spcBef>
+                <a:spcPts val="0"/>
+              </a:spcBef>
+              <a:spcAft>
+                <a:spcPts val="0"/>
+              </a:spcAft>
+              <a:buClrTx/>
+              <a:buSzTx/>
+              <a:buFontTx/>
+              <a:buNone/>
+              <a:tabLst/>
+              <a:defRPr/>
+            </a:pPr>
+            <a:r>
+              <a:rPr kumimoji="1" lang="ja-JP" altLang="en-US" sz="1200" dirty="0" smtClean="0"/>
+              <a:t>こちらが、実験タスクの概要になります。各タスクで違いを出すために、</a:t>
+            </a:r>
+            <a:r>
+              <a:rPr kumimoji="1" lang="ja-JP" altLang="en-US" sz="1200" u="sng" dirty="0" smtClean="0"/>
+              <a:t>プログラムの条件分岐の数が異なっており、タスク</a:t>
+            </a:r>
+            <a:r>
+              <a:rPr kumimoji="1" lang="en-US" altLang="ja-JP" sz="1200" u="sng" dirty="0" smtClean="0"/>
+              <a:t>1</a:t>
+            </a:r>
+            <a:r>
+              <a:rPr kumimoji="1" lang="ja-JP" altLang="en-US" sz="1200" u="sng" dirty="0" smtClean="0"/>
+              <a:t>から</a:t>
+            </a:r>
+            <a:r>
+              <a:rPr kumimoji="1" lang="en-US" altLang="ja-JP" sz="1200" u="sng" dirty="0" smtClean="0"/>
+              <a:t>3</a:t>
+            </a:r>
+            <a:r>
+              <a:rPr kumimoji="1" lang="ja-JP" altLang="en-US" sz="1200" u="sng" dirty="0" smtClean="0"/>
+              <a:t>に行くにつれて分岐の数が多くなり複雑なプログラムになっています。</a:t>
+            </a:r>
+            <a:endParaRPr kumimoji="1" lang="en-US" altLang="ja-JP" sz="1200" u="sng" dirty="0" smtClean="0"/>
+          </a:p>
+          <a:p>
+            <a:pPr marL="0" marR="0" lvl="1" indent="0" algn="l" defTabSz="914400" rtl="0" eaLnBrk="1" fontAlgn="auto" latinLnBrk="0" hangingPunct="1">
+              <a:lnSpc>
+                <a:spcPct val="100000"/>
+              </a:lnSpc>
+              <a:spcBef>
+                <a:spcPts val="0"/>
+              </a:spcBef>
+              <a:spcAft>
+                <a:spcPts val="0"/>
+              </a:spcAft>
+              <a:buClrTx/>
+              <a:buSzTx/>
+              <a:buFontTx/>
+              <a:buNone/>
+              <a:tabLst/>
+              <a:defRPr/>
+            </a:pPr>
+            <a:endParaRPr kumimoji="1" lang="en-US" altLang="ja-JP" sz="1200" dirty="0" smtClean="0"/>
+          </a:p>
+          <a:p>
+            <a:pPr marL="0" marR="0" lvl="1" indent="0" algn="l" defTabSz="914400" rtl="0" eaLnBrk="1" fontAlgn="auto" latinLnBrk="0" hangingPunct="1">
+              <a:lnSpc>
+                <a:spcPct val="100000"/>
+              </a:lnSpc>
+              <a:spcBef>
+                <a:spcPts val="0"/>
+              </a:spcBef>
+              <a:spcAft>
+                <a:spcPts val="0"/>
+              </a:spcAft>
+              <a:buClrTx/>
+              <a:buSzTx/>
+              <a:buFontTx/>
+              <a:buNone/>
+              <a:tabLst/>
+              <a:defRPr/>
+            </a:pPr>
+            <a:r>
+              <a:rPr kumimoji="1" lang="ja-JP" altLang="en-US" sz="1200" dirty="0" smtClean="0"/>
+              <a:t>そして、</a:t>
+            </a:r>
+            <a:r>
+              <a:rPr lang="en-US" altLang="ja-JP" dirty="0" err="1" smtClean="0"/>
               <a:t>SuiteRec</a:t>
             </a:r>
             <a:r>
-              <a:rPr kumimoji="1" lang="ja-JP" altLang="en-US" dirty="0" smtClean="0"/>
-              <a:t>の推薦手法の基本となるアイディアは，類似するソースコード間でのテストコードを再利用することです。</a:t>
-            </a:r>
-            <a:endParaRPr kumimoji="1" lang="en-US" altLang="ja-JP" dirty="0" smtClean="0"/>
-          </a:p>
-          <a:p>
-            <a:endParaRPr kumimoji="1" lang="en-US" altLang="ja-JP" dirty="0" smtClean="0"/>
-          </a:p>
-          <a:p>
-            <a:r>
-              <a:rPr kumimoji="1" lang="ja-JP" altLang="en-US" dirty="0" smtClean="0"/>
-              <a:t>この手法は，テストコードがない入力コード片</a:t>
-            </a:r>
-            <a:r>
-              <a:rPr kumimoji="1" lang="en-US" altLang="ja-JP" dirty="0" smtClean="0"/>
-              <a:t>A</a:t>
-            </a:r>
-            <a:r>
-              <a:rPr kumimoji="1" lang="ja-JP" altLang="en-US" dirty="0" smtClean="0"/>
-              <a:t>に対して類似したコード片を検出し，その類似コードに対応するテストコードを改変して，コード片</a:t>
-            </a:r>
-            <a:r>
-              <a:rPr kumimoji="1" lang="en-US" altLang="ja-JP" dirty="0" smtClean="0"/>
-              <a:t>A</a:t>
-            </a:r>
-            <a:r>
-              <a:rPr kumimoji="1" lang="ja-JP" altLang="en-US" dirty="0" smtClean="0"/>
-              <a:t>に再利用するといった手法になります．</a:t>
-            </a:r>
-            <a:endParaRPr kumimoji="1" lang="en-US" altLang="ja-JP" dirty="0" smtClean="0"/>
-          </a:p>
-          <a:p>
-            <a:endParaRPr kumimoji="1" lang="en-US" altLang="ja-JP" dirty="0" smtClean="0"/>
-          </a:p>
-          <a:p>
-            <a:r>
-              <a:rPr kumimoji="1" lang="ja-JP" altLang="en-US" dirty="0" smtClean="0"/>
-              <a:t>次に</a:t>
-            </a:r>
-            <a:r>
-              <a:rPr kumimoji="1" lang="en-US" altLang="ja-JP" dirty="0" err="1" smtClean="0"/>
-              <a:t>SuiteRec</a:t>
-            </a:r>
-            <a:r>
-              <a:rPr kumimoji="1" lang="ja-JP" altLang="en-US" dirty="0" smtClean="0"/>
-              <a:t>の概要です</a:t>
-            </a:r>
-            <a:endParaRPr kumimoji="1" lang="en-US" altLang="ja-JP" dirty="0" smtClean="0"/>
-          </a:p>
-          <a:p>
+              <a:rPr lang="ja-JP" altLang="en-US" dirty="0" smtClean="0"/>
+              <a:t>を使用した場合とそうでない場合で被験者が作成したテストコード比較することで評価します</a:t>
+            </a:r>
+            <a:endParaRPr lang="en-US" altLang="ja-JP" dirty="0" smtClean="0"/>
+          </a:p>
+          <a:p>
+            <a:pPr marL="0" marR="0" lvl="1" indent="0" algn="l" defTabSz="914400" rtl="0" eaLnBrk="1" fontAlgn="auto" latinLnBrk="0" hangingPunct="1">
+              <a:lnSpc>
+                <a:spcPct val="100000"/>
+              </a:lnSpc>
+              <a:spcBef>
+                <a:spcPts val="0"/>
+              </a:spcBef>
+              <a:spcAft>
+                <a:spcPts val="0"/>
+              </a:spcAft>
+              <a:buClrTx/>
+              <a:buSzTx/>
+              <a:buFontTx/>
+              <a:buNone/>
+              <a:tabLst/>
+              <a:defRPr/>
+            </a:pPr>
+            <a:endParaRPr lang="en-US" altLang="ja-JP" dirty="0" smtClean="0"/>
+          </a:p>
+          <a:p>
+            <a:pPr marL="0" marR="0" lvl="1" indent="0" algn="l" defTabSz="914400" rtl="0" eaLnBrk="1" fontAlgn="auto" latinLnBrk="0" hangingPunct="1">
+              <a:lnSpc>
+                <a:spcPct val="100000"/>
+              </a:lnSpc>
+              <a:spcBef>
+                <a:spcPts val="0"/>
+              </a:spcBef>
+              <a:spcAft>
+                <a:spcPts val="0"/>
+              </a:spcAft>
+              <a:buClrTx/>
+              <a:buSzTx/>
+              <a:buFontTx/>
+              <a:buNone/>
+              <a:tabLst/>
+              <a:defRPr/>
+            </a:pPr>
+            <a:r>
+              <a:rPr lang="ja-JP" altLang="en-US" dirty="0" smtClean="0"/>
+              <a:t>また、定性的な評価をするために、</a:t>
+            </a:r>
+            <a:r>
+              <a:rPr lang="ja-JP" altLang="en-US" b="1" dirty="0" smtClean="0"/>
+              <a:t>実験後の被験者に</a:t>
+            </a:r>
+            <a:r>
+              <a:rPr lang="ja-JP" altLang="en-US" dirty="0" smtClean="0"/>
+              <a:t>～～ました。</a:t>
+            </a:r>
+            <a:endParaRPr lang="en-US" altLang="ja-JP" dirty="0" smtClean="0"/>
+          </a:p>
+          <a:p>
+            <a:pPr marL="0" marR="0" lvl="1" indent="0" algn="l" defTabSz="914400" rtl="0" eaLnBrk="1" fontAlgn="auto" latinLnBrk="0" hangingPunct="1">
+              <a:lnSpc>
+                <a:spcPct val="100000"/>
+              </a:lnSpc>
+              <a:spcBef>
+                <a:spcPts val="0"/>
+              </a:spcBef>
+              <a:spcAft>
+                <a:spcPts val="0"/>
+              </a:spcAft>
+              <a:buClrTx/>
+              <a:buSzTx/>
+              <a:buFontTx/>
+              <a:buNone/>
+              <a:tabLst/>
+              <a:defRPr/>
+            </a:pPr>
             <a:endParaRPr kumimoji="1" lang="ja-JP" altLang="en-US" dirty="0"/>
           </a:p>
         </p:txBody>
@@ -9399,7 +9502,7 @@
     </p:spTree>
     <p:extLst>
       <p:ext uri="{BB962C8B-B14F-4D97-AF65-F5344CB8AC3E}">
-        <p14:creationId xmlns:p14="http://schemas.microsoft.com/office/powerpoint/2010/main" val="2355544867"/>
+        <p14:creationId xmlns:p14="http://schemas.microsoft.com/office/powerpoint/2010/main" val="4038886281"/>
       </p:ext>
     </p:extLst>
   </p:cSld>
@@ -9455,35 +9558,57 @@
           <a:p>
             <a:r>
               <a:rPr kumimoji="1" lang="ja-JP" altLang="en-US" dirty="0" smtClean="0"/>
-              <a:t>評価実験</a:t>
-            </a:r>
+              <a:t>次に課題です。</a:t>
+            </a:r>
+            <a:endParaRPr kumimoji="1" lang="en-US" altLang="ja-JP" dirty="0" smtClean="0"/>
+          </a:p>
+          <a:p>
+            <a:endParaRPr kumimoji="1" lang="en-US" altLang="ja-JP" dirty="0" smtClean="0"/>
+          </a:p>
+          <a:p>
+            <a:r>
+              <a:rPr kumimoji="1" lang="ja-JP" altLang="en-US" dirty="0" smtClean="0"/>
+              <a:t>既存の自動生成ツールの利用は実装コスト削減のメリットがありますが，自動生成されたテストコードは，開発者の保守作業を困難にするといった課題があります．</a:t>
+            </a:r>
+          </a:p>
+          <a:p>
+            <a:endParaRPr kumimoji="1" lang="en-US" altLang="ja-JP" dirty="0" smtClean="0"/>
+          </a:p>
+          <a:p>
+            <a:r>
+              <a:rPr kumimoji="1" lang="ja-JP" altLang="en-US" dirty="0" smtClean="0"/>
+              <a:t>自動生成されたテストコードは、テスト対象コードの作成経緯や意図に基づいて生成されていないので開発者にとって理解しにくいということや</a:t>
+            </a:r>
+            <a:endParaRPr kumimoji="1" lang="en-US" altLang="ja-JP" dirty="0" smtClean="0"/>
+          </a:p>
+          <a:p>
+            <a:endParaRPr kumimoji="1" lang="en-US" altLang="ja-JP" dirty="0" smtClean="0"/>
+          </a:p>
+          <a:p>
+            <a:r>
+              <a:rPr kumimoji="1" lang="ja-JP" altLang="en-US" dirty="0" smtClean="0"/>
+              <a:t>開発者は自動生成されたテストコードを信用していない</a:t>
+            </a:r>
+            <a:endParaRPr kumimoji="1" lang="en-US" altLang="ja-JP" dirty="0" smtClean="0"/>
+          </a:p>
+          <a:p>
             <a:r>
               <a:rPr kumimoji="1" lang="en-US" altLang="ja-JP" dirty="0" smtClean="0"/>
-              <a:t>1</a:t>
-            </a:r>
+              <a:t>	</a:t>
+            </a:r>
+          </a:p>
+          <a:p>
             <a:r>
               <a:rPr kumimoji="1" lang="ja-JP" altLang="en-US" dirty="0" smtClean="0"/>
-              <a:t>では、</a:t>
-            </a:r>
-            <a:r>
-              <a:rPr kumimoji="1" lang="en-US" altLang="ja-JP" b="1" dirty="0" err="1" smtClean="0"/>
-              <a:t>SuiteRec</a:t>
-            </a:r>
-            <a:r>
-              <a:rPr kumimoji="1" lang="ja-JP" altLang="en-US" b="1" dirty="0" smtClean="0"/>
-              <a:t>が開発者の</a:t>
-            </a:r>
-            <a:r>
-              <a:rPr lang="ja-JP" altLang="en-US" sz="1200" b="1" dirty="0" smtClean="0"/>
-              <a:t>テストコード作成をどの程度支援できるかを評価するために被験者実験を行いました。</a:t>
-            </a:r>
-            <a:endParaRPr lang="en-US" altLang="ja-JP" sz="1200" b="1" dirty="0" smtClean="0"/>
-          </a:p>
-          <a:p>
-            <a:endParaRPr kumimoji="1" lang="en-US" altLang="ja-JP" sz="1200" dirty="0" smtClean="0"/>
-          </a:p>
-          <a:p>
-            <a:pPr marL="0" marR="0" lvl="1" indent="0" algn="l" defTabSz="914400" rtl="0" eaLnBrk="1" fontAlgn="auto" latinLnBrk="0" hangingPunct="1">
+              <a:t>ということが挙げられます．</a:t>
+            </a:r>
+            <a:endParaRPr kumimoji="1" lang="en-US" altLang="ja-JP" dirty="0" smtClean="0"/>
+          </a:p>
+          <a:p>
+            <a:endParaRPr kumimoji="1" lang="en-US" altLang="ja-JP" dirty="0" smtClean="0"/>
+          </a:p>
+          <a:p>
+            <a:pPr marL="0" marR="0" indent="0" algn="l" defTabSz="914400" rtl="0" eaLnBrk="1" fontAlgn="auto" latinLnBrk="0" hangingPunct="1">
               <a:lnSpc>
                 <a:spcPct val="100000"/>
               </a:lnSpc>
@@ -9501,225 +9626,25 @@
               <a:defRPr/>
             </a:pPr>
             <a:r>
-              <a:rPr kumimoji="1" lang="ja-JP" altLang="en-US" sz="1200" dirty="0" smtClean="0"/>
-              <a:t>具体的には、情報科学を専攻する修士課程の学生</a:t>
-            </a:r>
-            <a:r>
-              <a:rPr kumimoji="1" lang="en-US" altLang="ja-JP" sz="1200" dirty="0" smtClean="0"/>
-              <a:t>10</a:t>
-            </a:r>
-            <a:r>
-              <a:rPr kumimoji="1" lang="ja-JP" altLang="en-US" sz="1200" dirty="0" smtClean="0"/>
-              <a:t>人に対して</a:t>
-            </a:r>
-            <a:r>
-              <a:rPr kumimoji="1" lang="ja-JP" altLang="en-US" sz="1200" b="1" dirty="0" smtClean="0"/>
-              <a:t>プログラムとその仕様が書かれた</a:t>
-            </a:r>
-            <a:r>
-              <a:rPr kumimoji="1" lang="en-US" altLang="ja-JP" sz="1200" b="1" dirty="0" smtClean="0"/>
-              <a:t>3</a:t>
-            </a:r>
-            <a:r>
-              <a:rPr kumimoji="1" lang="ja-JP" altLang="en-US" sz="1200" b="1" dirty="0" err="1" smtClean="0"/>
-              <a:t>つの</a:t>
-            </a:r>
-            <a:r>
-              <a:rPr kumimoji="1" lang="ja-JP" altLang="en-US" sz="1200" b="1" dirty="0" smtClean="0"/>
-              <a:t>タスクを与え</a:t>
-            </a:r>
-            <a:r>
-              <a:rPr kumimoji="1" lang="ja-JP" altLang="en-US" sz="1200" dirty="0" smtClean="0"/>
-              <a:t>、各タスクのテストコードを作成してもらいました。</a:t>
-            </a:r>
-            <a:endParaRPr kumimoji="1" lang="en-US" altLang="ja-JP" sz="1200" dirty="0" smtClean="0"/>
-          </a:p>
-          <a:p>
-            <a:pPr marL="0" marR="0" lvl="1" indent="0" algn="l" defTabSz="914400" rtl="0" eaLnBrk="1" fontAlgn="auto" latinLnBrk="0" hangingPunct="1">
-              <a:lnSpc>
-                <a:spcPct val="100000"/>
-              </a:lnSpc>
-              <a:spcBef>
-                <a:spcPts val="0"/>
-              </a:spcBef>
-              <a:spcAft>
-                <a:spcPts val="0"/>
-              </a:spcAft>
-              <a:buClrTx/>
-              <a:buSzTx/>
-              <a:buFontTx/>
-              <a:buNone/>
-              <a:tabLst/>
-              <a:defRPr/>
-            </a:pPr>
-            <a:endParaRPr kumimoji="1" lang="en-US" altLang="ja-JP" sz="1200" dirty="0" smtClean="0"/>
-          </a:p>
-          <a:p>
-            <a:pPr marL="0" marR="0" lvl="1" indent="0" algn="l" defTabSz="914400" rtl="0" eaLnBrk="1" fontAlgn="auto" latinLnBrk="0" hangingPunct="1">
-              <a:lnSpc>
-                <a:spcPct val="100000"/>
-              </a:lnSpc>
-              <a:spcBef>
-                <a:spcPts val="0"/>
-              </a:spcBef>
-              <a:spcAft>
-                <a:spcPts val="0"/>
-              </a:spcAft>
-              <a:buClrTx/>
-              <a:buSzTx/>
-              <a:buFontTx/>
-              <a:buNone/>
-              <a:tabLst/>
-              <a:defRPr/>
-            </a:pPr>
-            <a:r>
-              <a:rPr kumimoji="1" lang="ja-JP" altLang="en-US" sz="1200" dirty="0" smtClean="0"/>
-              <a:t>こちらが、実験タスクの概要になります。各タスクで違いを出すために、</a:t>
-            </a:r>
-            <a:r>
-              <a:rPr kumimoji="1" lang="ja-JP" altLang="en-US" sz="1200" u="sng" dirty="0" smtClean="0"/>
-              <a:t>プログラムの条件分岐の数が異なっており、タスク</a:t>
-            </a:r>
-            <a:r>
-              <a:rPr kumimoji="1" lang="en-US" altLang="ja-JP" sz="1200" u="sng" dirty="0" smtClean="0"/>
-              <a:t>1</a:t>
-            </a:r>
-            <a:r>
-              <a:rPr kumimoji="1" lang="ja-JP" altLang="en-US" sz="1200" u="sng" dirty="0" smtClean="0"/>
-              <a:t>から</a:t>
-            </a:r>
-            <a:r>
-              <a:rPr kumimoji="1" lang="en-US" altLang="ja-JP" sz="1200" u="sng" dirty="0" smtClean="0"/>
-              <a:t>3</a:t>
-            </a:r>
-            <a:r>
-              <a:rPr kumimoji="1" lang="ja-JP" altLang="en-US" sz="1200" u="sng" dirty="0" smtClean="0"/>
-              <a:t>に行くにつれて分岐の数が多くなり複雑なプログラムになっています。</a:t>
-            </a:r>
-            <a:endParaRPr kumimoji="1" lang="en-US" altLang="ja-JP" sz="1200" u="sng" dirty="0" smtClean="0"/>
-          </a:p>
-          <a:p>
-            <a:pPr marL="0" marR="0" lvl="1" indent="0" algn="l" defTabSz="914400" rtl="0" eaLnBrk="1" fontAlgn="auto" latinLnBrk="0" hangingPunct="1">
-              <a:lnSpc>
-                <a:spcPct val="100000"/>
-              </a:lnSpc>
-              <a:spcBef>
-                <a:spcPts val="0"/>
-              </a:spcBef>
-              <a:spcAft>
-                <a:spcPts val="0"/>
-              </a:spcAft>
-              <a:buClrTx/>
-              <a:buSzTx/>
-              <a:buFontTx/>
-              <a:buNone/>
-              <a:tabLst/>
-              <a:defRPr/>
-            </a:pPr>
-            <a:endParaRPr kumimoji="1" lang="en-US" altLang="ja-JP" sz="1200" dirty="0" smtClean="0"/>
-          </a:p>
-          <a:p>
-            <a:pPr marL="0" marR="0" lvl="1" indent="0" algn="l" defTabSz="914400" rtl="0" eaLnBrk="1" fontAlgn="auto" latinLnBrk="0" hangingPunct="1">
-              <a:lnSpc>
-                <a:spcPct val="100000"/>
-              </a:lnSpc>
-              <a:spcBef>
-                <a:spcPts val="0"/>
-              </a:spcBef>
-              <a:spcAft>
-                <a:spcPts val="0"/>
-              </a:spcAft>
-              <a:buClrTx/>
-              <a:buSzTx/>
-              <a:buFontTx/>
-              <a:buNone/>
-              <a:tabLst/>
-              <a:defRPr/>
-            </a:pPr>
-            <a:r>
-              <a:rPr kumimoji="1" lang="ja-JP" altLang="en-US" sz="1200" dirty="0" smtClean="0"/>
-              <a:t>そして、</a:t>
-            </a:r>
-            <a:r>
-              <a:rPr lang="en-US" altLang="ja-JP" dirty="0" err="1" smtClean="0"/>
-              <a:t>SuiteRec</a:t>
-            </a:r>
-            <a:r>
-              <a:rPr lang="ja-JP" altLang="en-US" dirty="0" smtClean="0"/>
-              <a:t>を使用した場合とそうでない場合で被験者が作成したテストコード比較することで評価します</a:t>
-            </a:r>
-            <a:endParaRPr lang="en-US" altLang="ja-JP" dirty="0" smtClean="0"/>
-          </a:p>
-          <a:p>
-            <a:pPr marL="0" marR="0" lvl="1" indent="0" algn="l" defTabSz="914400" rtl="0" eaLnBrk="1" fontAlgn="auto" latinLnBrk="0" hangingPunct="1">
-              <a:lnSpc>
-                <a:spcPct val="100000"/>
-              </a:lnSpc>
-              <a:spcBef>
-                <a:spcPts val="0"/>
-              </a:spcBef>
-              <a:spcAft>
-                <a:spcPts val="0"/>
-              </a:spcAft>
-              <a:buClrTx/>
-              <a:buSzTx/>
-              <a:buFontTx/>
-              <a:buNone/>
-              <a:tabLst/>
-              <a:defRPr/>
-            </a:pPr>
-            <a:endParaRPr lang="en-US" altLang="ja-JP" dirty="0" smtClean="0"/>
-          </a:p>
-          <a:p>
-            <a:pPr marL="0" marR="0" lvl="1" indent="0" algn="l" defTabSz="914400" rtl="0" eaLnBrk="1" fontAlgn="auto" latinLnBrk="0" hangingPunct="1">
-              <a:lnSpc>
-                <a:spcPct val="100000"/>
-              </a:lnSpc>
-              <a:spcBef>
-                <a:spcPts val="0"/>
-              </a:spcBef>
-              <a:spcAft>
-                <a:spcPts val="0"/>
-              </a:spcAft>
-              <a:buClrTx/>
-              <a:buSzTx/>
-              <a:buFontTx/>
-              <a:buNone/>
-              <a:tabLst/>
-              <a:defRPr/>
-            </a:pPr>
-            <a:r>
-              <a:rPr lang="ja-JP" altLang="en-US" dirty="0" smtClean="0"/>
-              <a:t>また、定性的な評価をするために、</a:t>
-            </a:r>
-            <a:r>
-              <a:rPr lang="ja-JP" altLang="en-US" b="1" dirty="0" smtClean="0"/>
-              <a:t>実験後の被験者に</a:t>
-            </a:r>
-            <a:r>
-              <a:rPr lang="ja-JP" altLang="en-US" dirty="0" smtClean="0"/>
-              <a:t>～～ました。</a:t>
-            </a:r>
-            <a:endParaRPr lang="en-US" altLang="ja-JP" dirty="0" smtClean="0"/>
-          </a:p>
-          <a:p>
-            <a:pPr marL="0" marR="0" lvl="1" indent="0" algn="l" defTabSz="914400" rtl="0" eaLnBrk="1" fontAlgn="auto" latinLnBrk="0" hangingPunct="1">
-              <a:lnSpc>
-                <a:spcPct val="100000"/>
-              </a:lnSpc>
-              <a:spcBef>
-                <a:spcPts val="0"/>
-              </a:spcBef>
-              <a:spcAft>
-                <a:spcPts val="0"/>
-              </a:spcAft>
-              <a:buClrTx/>
-              <a:buSzTx/>
-              <a:buFontTx/>
-              <a:buNone/>
-              <a:tabLst/>
-              <a:defRPr/>
-            </a:pPr>
+              <a:rPr kumimoji="1" lang="ja-JP" altLang="en-US" dirty="0" smtClean="0"/>
+              <a:t>このような原因から開発者はテストが失敗した時、その原因を特定するのが難しくなります</a:t>
+            </a:r>
+            <a:endParaRPr kumimoji="1" lang="en-US" altLang="ja-JP" dirty="0" smtClean="0"/>
+          </a:p>
+          <a:p>
+            <a:endParaRPr kumimoji="1" lang="en-US" altLang="ja-JP" dirty="0" smtClean="0"/>
+          </a:p>
+          <a:p>
+            <a:r>
+              <a:rPr kumimoji="1" lang="ja-JP" altLang="en-US" dirty="0" smtClean="0"/>
+              <a:t>一般に，</a:t>
+            </a:r>
+            <a:r>
+              <a:rPr kumimoji="1" lang="ja-JP" altLang="en-US" b="1" dirty="0" smtClean="0"/>
+              <a:t>テストコードのメンテナンスにかかる継続的なコストは，テストコードの作成コストをはるかに上回るため，はじめから保守性に優れたテストコードの作成を支援する必要があります</a:t>
+            </a:r>
+          </a:p>
+          <a:p>
             <a:endParaRPr kumimoji="1" lang="ja-JP" altLang="en-US" dirty="0"/>
           </a:p>
         </p:txBody>
@@ -9750,7 +9675,7 @@
     </p:spTree>
     <p:extLst>
       <p:ext uri="{BB962C8B-B14F-4D97-AF65-F5344CB8AC3E}">
-        <p14:creationId xmlns:p14="http://schemas.microsoft.com/office/powerpoint/2010/main" val="4038886281"/>
+        <p14:creationId xmlns:p14="http://schemas.microsoft.com/office/powerpoint/2010/main" val="3508250299"/>
       </p:ext>
     </p:extLst>
   </p:cSld>
@@ -9806,7 +9731,23 @@
           <a:p>
             <a:r>
               <a:rPr kumimoji="1" lang="ja-JP" altLang="en-US" dirty="0" smtClean="0"/>
-              <a:t>次に課題です。</a:t>
+              <a:t>次に</a:t>
+            </a:r>
+            <a:r>
+              <a:rPr kumimoji="1" lang="en-US" altLang="ja-JP" dirty="0" smtClean="0"/>
+              <a:t>RQ2</a:t>
+            </a:r>
+            <a:r>
+              <a:rPr kumimoji="1" lang="ja-JP" altLang="en-US" dirty="0" smtClean="0"/>
+              <a:t>は、</a:t>
+            </a:r>
+            <a:r>
+              <a:rPr kumimoji="1" lang="en-US" altLang="ja-JP" dirty="0" err="1" smtClean="0"/>
+              <a:t>SuiteRec</a:t>
+            </a:r>
+            <a:r>
+              <a:rPr kumimoji="1" lang="ja-JP" altLang="en-US" dirty="0" smtClean="0"/>
+              <a:t>は、開発者のテストコードの作成時間を削減できるか？という質問です。</a:t>
             </a:r>
             <a:endParaRPr kumimoji="1" lang="en-US" altLang="ja-JP" dirty="0" smtClean="0"/>
           </a:p>
@@ -9816,16 +9757,17 @@
           <a:p>
             <a:r>
               <a:rPr kumimoji="1" lang="ja-JP" altLang="en-US" dirty="0" smtClean="0"/>
-              <a:t>既存の自動生成ツールの利用は実装コスト削減のメリットがありますが，自動生成されたテストコードは，開発者の保守作業を困難にするといった課題があります．</a:t>
-            </a:r>
-          </a:p>
-          <a:p>
+              <a:t>この質問に答えるために、被験者のタスク完了までの時間を比較しました。</a:t>
+            </a:r>
             <a:endParaRPr kumimoji="1" lang="en-US" altLang="ja-JP" dirty="0" smtClean="0"/>
           </a:p>
           <a:p>
+            <a:endParaRPr kumimoji="1" lang="en-US" altLang="ja-JP" dirty="0" smtClean="0"/>
+          </a:p>
+          <a:p>
             <a:r>
               <a:rPr kumimoji="1" lang="ja-JP" altLang="en-US" dirty="0" smtClean="0"/>
-              <a:t>自動生成されたテストコードは、テスト対象コードの作成経緯や意図に基づいて生成されていないので開発者にとって理解しにくいということや</a:t>
+              <a:t>この図は、各被験者のタスク完了までに費やした時間の分布が示されています。</a:t>
             </a:r>
             <a:endParaRPr kumimoji="1" lang="en-US" altLang="ja-JP" dirty="0" smtClean="0"/>
           </a:p>
@@ -9834,66 +9776,132 @@
           </a:p>
           <a:p>
             <a:r>
+              <a:rPr lang="ja-JP" altLang="en-US" sz="1200" dirty="0" smtClean="0">
+                <a:latin typeface="メイリオ" panose="020B0604030504040204" pitchFamily="50" charset="-128"/>
+                <a:ea typeface="メイリオ" panose="020B0604030504040204" pitchFamily="50" charset="-128"/>
+              </a:rPr>
+              <a:t>結果をみると</a:t>
+            </a:r>
+            <a:r>
+              <a:rPr kumimoji="1" lang="en-US" altLang="ja-JP" u="sng" dirty="0" err="1" smtClean="0"/>
+              <a:t>SuiRec</a:t>
+            </a:r>
+            <a:r>
+              <a:rPr kumimoji="1" lang="ja-JP" altLang="en-US" u="sng" dirty="0" smtClean="0"/>
+              <a:t>を利用した場合、</a:t>
+            </a:r>
+            <a:r>
+              <a:rPr lang="ja-JP" altLang="en-US" sz="1200" u="sng" dirty="0" smtClean="0">
+                <a:latin typeface="メイリオ" panose="020B0604030504040204" pitchFamily="50" charset="-128"/>
+                <a:ea typeface="メイリオ" panose="020B0604030504040204" pitchFamily="50" charset="-128"/>
+              </a:rPr>
+              <a:t>タスク</a:t>
+            </a:r>
+            <a:r>
+              <a:rPr lang="en-US" altLang="ja-JP" sz="1200" u="sng" dirty="0" smtClean="0">
+                <a:latin typeface="メイリオ" panose="020B0604030504040204" pitchFamily="50" charset="-128"/>
+                <a:ea typeface="メイリオ" panose="020B0604030504040204" pitchFamily="50" charset="-128"/>
+              </a:rPr>
+              <a:t>1,3</a:t>
+            </a:r>
+            <a:r>
+              <a:rPr lang="ja-JP" altLang="en-US" sz="1200" u="sng" dirty="0" smtClean="0">
+                <a:latin typeface="メイリオ" panose="020B0604030504040204" pitchFamily="50" charset="-128"/>
+                <a:ea typeface="メイリオ" panose="020B0604030504040204" pitchFamily="50" charset="-128"/>
+              </a:rPr>
+              <a:t>は、</a:t>
+            </a:r>
+            <a:r>
+              <a:rPr kumimoji="1" lang="ja-JP" altLang="en-US" u="sng" dirty="0" smtClean="0"/>
+              <a:t>タスク完了までの時間が長いことが分かります。 </a:t>
+            </a:r>
+            <a:endParaRPr kumimoji="1" lang="en-US" altLang="ja-JP" u="sng" dirty="0" smtClean="0"/>
+          </a:p>
+          <a:p>
+            <a:endParaRPr kumimoji="1" lang="en-US" altLang="ja-JP" dirty="0" smtClean="0"/>
+          </a:p>
+          <a:p>
+            <a:r>
+              <a:rPr kumimoji="1" lang="en-US" altLang="ja-JP" b="1" dirty="0" err="1" smtClean="0"/>
+              <a:t>SuiteRec</a:t>
+            </a:r>
+            <a:r>
+              <a:rPr kumimoji="1" lang="ja-JP" altLang="en-US" b="1" dirty="0" smtClean="0"/>
+              <a:t>を利用した場合に、時間がかかってしまう原因として、開発者は、推薦される複数のテストコードを理解し、再利用する際に変更をしなければならないことが考えられます。</a:t>
+            </a:r>
+            <a:endParaRPr kumimoji="1" lang="en-US" altLang="ja-JP" b="1" dirty="0" smtClean="0"/>
+          </a:p>
+          <a:p>
+            <a:endParaRPr kumimoji="1" lang="en-US" altLang="ja-JP" dirty="0" smtClean="0"/>
+          </a:p>
+          <a:p>
+            <a:r>
               <a:rPr kumimoji="1" lang="ja-JP" altLang="en-US" dirty="0" smtClean="0"/>
-              <a:t>開発者は自動生成されたテストコードを信用していない</a:t>
+              <a:t>一方で、タスク</a:t>
+            </a:r>
+            <a:r>
+              <a:rPr kumimoji="1" lang="en-US" altLang="ja-JP" dirty="0" smtClean="0"/>
+              <a:t>2</a:t>
+            </a:r>
+            <a:r>
+              <a:rPr kumimoji="1" lang="ja-JP" altLang="en-US" dirty="0" smtClean="0"/>
+              <a:t>については、</a:t>
+            </a:r>
+            <a:r>
+              <a:rPr kumimoji="1" lang="en-US" altLang="ja-JP" dirty="0" err="1" smtClean="0"/>
+              <a:t>SuiteRec</a:t>
+            </a:r>
+            <a:r>
+              <a:rPr kumimoji="1" lang="ja-JP" altLang="en-US" dirty="0" smtClean="0"/>
+              <a:t>を使用した方がタスク完了時間が短いことが分かる。</a:t>
             </a:r>
             <a:endParaRPr kumimoji="1" lang="en-US" altLang="ja-JP" dirty="0" smtClean="0"/>
           </a:p>
           <a:p>
+            <a:endParaRPr kumimoji="1" lang="en-US" altLang="ja-JP" dirty="0" smtClean="0"/>
+          </a:p>
+          <a:p>
+            <a:r>
+              <a:rPr kumimoji="1" lang="ja-JP" altLang="en-US" dirty="0" smtClean="0"/>
+              <a:t>我々は、提出されたテストコードを調査したところ、カバレッジに差はないものの、手作業で作成した場合は、テスト項目の重複が多いことが分かりました。</a:t>
+            </a:r>
+            <a:endParaRPr kumimoji="1" lang="en-US" altLang="ja-JP" dirty="0" smtClean="0"/>
+          </a:p>
+          <a:p>
+            <a:endParaRPr kumimoji="1" lang="en-US" altLang="ja-JP" dirty="0" smtClean="0"/>
+          </a:p>
+          <a:p>
+            <a:r>
+              <a:rPr kumimoji="1" lang="ja-JP" altLang="en-US" dirty="0" smtClean="0"/>
+              <a:t>この結果から、</a:t>
+            </a:r>
+            <a:r>
+              <a:rPr kumimoji="1" lang="en-US" altLang="ja-JP" dirty="0" err="1" smtClean="0"/>
+              <a:t>SuiteRec</a:t>
+            </a:r>
+            <a:r>
+              <a:rPr kumimoji="1" lang="ja-JP" altLang="en-US" dirty="0" smtClean="0"/>
+              <a:t>を利用は、被験者が無駄なテストコードを作成するのを防ぎ、短期間でのテストコード作成を支援できる場合もあることが分かった。</a:t>
+            </a:r>
+            <a:endParaRPr kumimoji="1" lang="en-US" altLang="ja-JP" dirty="0" smtClean="0"/>
+          </a:p>
+          <a:p>
+            <a:endParaRPr kumimoji="1" lang="en-US" altLang="ja-JP" dirty="0" smtClean="0"/>
+          </a:p>
+          <a:p>
+            <a:r>
+              <a:rPr kumimoji="1" lang="ja-JP" altLang="en-US" dirty="0" smtClean="0"/>
+              <a:t>次に</a:t>
+            </a:r>
             <a:r>
               <a:rPr kumimoji="1" lang="en-US" altLang="ja-JP" dirty="0" smtClean="0"/>
-              <a:t>	</a:t>
-            </a:r>
-          </a:p>
-          <a:p>
+              <a:t>RQ3</a:t>
+            </a:r>
             <a:r>
               <a:rPr kumimoji="1" lang="ja-JP" altLang="en-US" dirty="0" smtClean="0"/>
-              <a:t>ということが挙げられます．</a:t>
+              <a:t>です。</a:t>
             </a:r>
             <a:endParaRPr kumimoji="1" lang="en-US" altLang="ja-JP" dirty="0" smtClean="0"/>
-          </a:p>
-          <a:p>
-            <a:endParaRPr kumimoji="1" lang="en-US" altLang="ja-JP" dirty="0" smtClean="0"/>
-          </a:p>
-          <a:p>
-            <a:pPr marL="0" marR="0" indent="0" algn="l" defTabSz="914400" rtl="0" eaLnBrk="1" fontAlgn="auto" latinLnBrk="0" hangingPunct="1">
-              <a:lnSpc>
-                <a:spcPct val="100000"/>
-              </a:lnSpc>
-              <a:spcBef>
-                <a:spcPts val="0"/>
-              </a:spcBef>
-              <a:spcAft>
-                <a:spcPts val="0"/>
-              </a:spcAft>
-              <a:buClrTx/>
-              <a:buSzTx/>
-              <a:buFontTx/>
-              <a:buNone/>
-              <a:tabLst/>
-              <a:defRPr/>
-            </a:pPr>
-            <a:r>
-              <a:rPr kumimoji="1" lang="ja-JP" altLang="en-US" dirty="0" smtClean="0"/>
-              <a:t>このような原因から開発者はテストが失敗した時、その原因を特定するのが難しくなります</a:t>
-            </a:r>
-            <a:endParaRPr kumimoji="1" lang="en-US" altLang="ja-JP" dirty="0" smtClean="0"/>
-          </a:p>
-          <a:p>
-            <a:endParaRPr kumimoji="1" lang="en-US" altLang="ja-JP" dirty="0" smtClean="0"/>
-          </a:p>
-          <a:p>
-            <a:r>
-              <a:rPr kumimoji="1" lang="ja-JP" altLang="en-US" dirty="0" smtClean="0"/>
-              <a:t>一般に，</a:t>
-            </a:r>
-            <a:r>
-              <a:rPr kumimoji="1" lang="ja-JP" altLang="en-US" b="1" dirty="0" smtClean="0"/>
-              <a:t>テストコードのメンテナンスにかかる継続的なコストは，テストコードの作成コストをはるかに上回るため，はじめから保守性に優れたテストコードの作成を支援する必要があります</a:t>
-            </a:r>
-          </a:p>
-          <a:p>
-            <a:endParaRPr kumimoji="1" lang="ja-JP" altLang="en-US" dirty="0"/>
           </a:p>
         </p:txBody>
       </p:sp>
@@ -9923,7 +9931,7 @@
     </p:spTree>
     <p:extLst>
       <p:ext uri="{BB962C8B-B14F-4D97-AF65-F5344CB8AC3E}">
-        <p14:creationId xmlns:p14="http://schemas.microsoft.com/office/powerpoint/2010/main" val="3508250299"/>
+        <p14:creationId xmlns:p14="http://schemas.microsoft.com/office/powerpoint/2010/main" val="2256701357"/>
       </p:ext>
     </p:extLst>
   </p:cSld>
@@ -9978,24 +9986,125 @@
           <a:lstStyle/>
           <a:p>
             <a:r>
+              <a:rPr kumimoji="1" lang="en-US" altLang="ja-JP" dirty="0" smtClean="0"/>
+              <a:t>Step3</a:t>
+            </a:r>
+            <a:r>
               <a:rPr kumimoji="1" lang="ja-JP" altLang="en-US" dirty="0" smtClean="0"/>
-              <a:t>次に</a:t>
+              <a:t>では、</a:t>
             </a:r>
             <a:r>
               <a:rPr kumimoji="1" lang="en-US" altLang="ja-JP" dirty="0" smtClean="0"/>
-              <a:t>RQ2</a:t>
+              <a:t>Step2</a:t>
             </a:r>
             <a:r>
               <a:rPr kumimoji="1" lang="ja-JP" altLang="en-US" dirty="0" smtClean="0"/>
-              <a:t>は、</a:t>
+              <a:t>で検索されたテストコード内に含まれるテストスメルを検出します</a:t>
+            </a:r>
+            <a:endParaRPr kumimoji="1" lang="en-US" altLang="ja-JP" dirty="0" smtClean="0"/>
+          </a:p>
+          <a:p>
+            <a:endParaRPr kumimoji="1" lang="en-US" altLang="ja-JP" dirty="0" smtClean="0"/>
+          </a:p>
+          <a:p>
+            <a:r>
+              <a:rPr kumimoji="1" lang="ja-JP" altLang="en-US" dirty="0" smtClean="0"/>
+              <a:t>テストスメルというのはテストコードの良くない実装を表す指標のことで、ドゥーセンらによって</a:t>
+            </a:r>
+            <a:r>
+              <a:rPr kumimoji="1" lang="en-US" altLang="ja-JP" dirty="0" smtClean="0"/>
+              <a:t>11</a:t>
+            </a:r>
+            <a:r>
+              <a:rPr kumimoji="1" lang="ja-JP" altLang="en-US" dirty="0" smtClean="0"/>
+              <a:t>種類のテストスメルが提唱されました．</a:t>
+            </a:r>
+            <a:endParaRPr kumimoji="1" lang="en-US" altLang="ja-JP" dirty="0" smtClean="0"/>
+          </a:p>
+          <a:p>
+            <a:endParaRPr kumimoji="1" lang="en-US" altLang="ja-JP" dirty="0" smtClean="0"/>
+          </a:p>
+          <a:p>
+            <a:r>
+              <a:rPr kumimoji="1" lang="ja-JP" altLang="en-US" dirty="0" smtClean="0"/>
+              <a:t>例えばこれはテストスメルの例ですが、このテストコードには、</a:t>
+            </a:r>
+            <a:r>
+              <a:rPr kumimoji="1" lang="ja-JP" altLang="en-US" b="1" dirty="0" smtClean="0"/>
+              <a:t>アサーションルーレット</a:t>
+            </a:r>
+            <a:r>
+              <a:rPr kumimoji="1" lang="ja-JP" altLang="en-US" dirty="0" smtClean="0"/>
+              <a:t>というテストスメルが含まれており、</a:t>
+            </a:r>
+            <a:r>
+              <a:rPr kumimoji="1" lang="en-US" altLang="ja-JP" dirty="0" smtClean="0"/>
+              <a:t>1</a:t>
+            </a:r>
+            <a:r>
+              <a:rPr kumimoji="1" lang="ja-JP" altLang="en-US" dirty="0" err="1" smtClean="0"/>
+              <a:t>つの</a:t>
+            </a:r>
+            <a:r>
+              <a:rPr kumimoji="1" lang="ja-JP" altLang="en-US" u="sng" dirty="0" smtClean="0"/>
+              <a:t>テストメソッド内に複数の</a:t>
+            </a:r>
+            <a:r>
+              <a:rPr kumimoji="1" lang="en-US" altLang="ja-JP" u="sng" dirty="0" err="1" smtClean="0"/>
+              <a:t>asser</a:t>
+            </a:r>
+            <a:r>
+              <a:rPr kumimoji="1" lang="ja-JP" altLang="en-US" u="sng" dirty="0" smtClean="0"/>
+              <a:t>文を含む場合にこのテストスメルが発生します。</a:t>
+            </a:r>
+            <a:endParaRPr kumimoji="1" lang="en-US" altLang="ja-JP" dirty="0" smtClean="0"/>
+          </a:p>
+          <a:p>
+            <a:endParaRPr kumimoji="1" lang="en-US" altLang="ja-JP" dirty="0" smtClean="0"/>
+          </a:p>
+          <a:p>
+            <a:pPr marL="0" marR="0" indent="0" algn="l" defTabSz="914400" rtl="0" eaLnBrk="1" fontAlgn="auto" latinLnBrk="0" hangingPunct="1">
+              <a:lnSpc>
+                <a:spcPct val="100000"/>
+              </a:lnSpc>
+              <a:spcBef>
+                <a:spcPts val="0"/>
+              </a:spcBef>
+              <a:spcAft>
+                <a:spcPts val="0"/>
+              </a:spcAft>
+              <a:buClrTx/>
+              <a:buSzTx/>
+              <a:buFontTx/>
+              <a:buNone/>
+              <a:tabLst/>
+              <a:defRPr/>
+            </a:pPr>
+            <a:r>
+              <a:rPr kumimoji="1" lang="ja-JP" altLang="en-US" dirty="0" smtClean="0"/>
+              <a:t>で、最近では、これらのテストスメルについて多くの調査研究が行われており、テストスメルがソフトウェアの保守活動に悪影響を与えることが分かっています。</a:t>
+            </a:r>
+            <a:endParaRPr kumimoji="1" lang="en-US" altLang="ja-JP" dirty="0" smtClean="0"/>
+          </a:p>
+          <a:p>
+            <a:endParaRPr kumimoji="1" lang="en-US" altLang="ja-JP" dirty="0" smtClean="0"/>
+          </a:p>
+          <a:p>
+            <a:r>
+              <a:rPr kumimoji="1" lang="en-US" altLang="ja-JP" dirty="0" smtClean="0"/>
+              <a:t>Step3</a:t>
+            </a:r>
+            <a:r>
+              <a:rPr kumimoji="1" lang="ja-JP" altLang="en-US" dirty="0" smtClean="0"/>
+              <a:t>では、これらのテストスメルを高速で検出するために、テストスメルを自動で検出できる</a:t>
             </a:r>
             <a:r>
               <a:rPr kumimoji="1" lang="en-US" altLang="ja-JP" dirty="0" err="1" smtClean="0"/>
-              <a:t>SuiteRec</a:t>
+              <a:t>tsDetect</a:t>
             </a:r>
             <a:r>
               <a:rPr kumimoji="1" lang="ja-JP" altLang="en-US" dirty="0" smtClean="0"/>
-              <a:t>は、開発者のテストコードの作成時間を削減できるか？という質問です。</a:t>
+              <a:t>というツールを利用しています。</a:t>
             </a:r>
             <a:endParaRPr kumimoji="1" lang="en-US" altLang="ja-JP" dirty="0" smtClean="0"/>
           </a:p>
@@ -10005,151 +10114,43 @@
           <a:p>
             <a:r>
               <a:rPr kumimoji="1" lang="ja-JP" altLang="en-US" dirty="0" smtClean="0"/>
-              <a:t>この質問に答えるために、被験者のタスク完了までの時間を比較しました。</a:t>
+              <a:t>このツールは</a:t>
+            </a:r>
+            <a:r>
+              <a:rPr kumimoji="1" lang="en-US" altLang="ja-JP" dirty="0" smtClean="0"/>
+              <a:t>AST</a:t>
+            </a:r>
+            <a:r>
+              <a:rPr kumimoji="1" lang="ja-JP" altLang="en-US" dirty="0" smtClean="0"/>
+              <a:t>ベースの検出手法で実装されたツールであり、</a:t>
+            </a:r>
+            <a:r>
+              <a:rPr kumimoji="1" lang="en-US" altLang="ja-JP" dirty="0" smtClean="0"/>
+              <a:t>19</a:t>
+            </a:r>
+            <a:r>
+              <a:rPr kumimoji="1" lang="ja-JP" altLang="en-US" dirty="0" smtClean="0"/>
+              <a:t>種類のテストスメルを高い精度と再現率で検出することができます。</a:t>
             </a:r>
             <a:endParaRPr kumimoji="1" lang="en-US" altLang="ja-JP" dirty="0" smtClean="0"/>
           </a:p>
           <a:p>
-            <a:endParaRPr kumimoji="1" lang="en-US" altLang="ja-JP" dirty="0" smtClean="0"/>
-          </a:p>
-          <a:p>
-            <a:r>
-              <a:rPr kumimoji="1" lang="ja-JP" altLang="en-US" dirty="0" smtClean="0"/>
-              <a:t>この図は、各被験者のタスク完了までに費やした時間の分布が示されています。</a:t>
-            </a:r>
-            <a:endParaRPr kumimoji="1" lang="en-US" altLang="ja-JP" dirty="0" smtClean="0"/>
-          </a:p>
-          <a:p>
-            <a:endParaRPr kumimoji="1" lang="en-US" altLang="ja-JP" dirty="0" smtClean="0"/>
-          </a:p>
-          <a:p>
-            <a:r>
-              <a:rPr lang="ja-JP" altLang="en-US" sz="1200" dirty="0" smtClean="0">
-                <a:latin typeface="メイリオ" panose="020B0604030504040204" pitchFamily="50" charset="-128"/>
-                <a:ea typeface="メイリオ" panose="020B0604030504040204" pitchFamily="50" charset="-128"/>
-              </a:rPr>
-              <a:t>結果をみると</a:t>
-            </a:r>
-            <a:r>
-              <a:rPr kumimoji="1" lang="en-US" altLang="ja-JP" u="sng" dirty="0" err="1" smtClean="0"/>
-              <a:t>SuiRec</a:t>
-            </a:r>
-            <a:r>
-              <a:rPr kumimoji="1" lang="ja-JP" altLang="en-US" u="sng" dirty="0" smtClean="0"/>
-              <a:t>を利用した場合、</a:t>
-            </a:r>
-            <a:r>
-              <a:rPr lang="ja-JP" altLang="en-US" sz="1200" u="sng" dirty="0" smtClean="0">
-                <a:latin typeface="メイリオ" panose="020B0604030504040204" pitchFamily="50" charset="-128"/>
-                <a:ea typeface="メイリオ" panose="020B0604030504040204" pitchFamily="50" charset="-128"/>
-              </a:rPr>
-              <a:t>タスク</a:t>
-            </a:r>
-            <a:r>
-              <a:rPr lang="en-US" altLang="ja-JP" sz="1200" u="sng" dirty="0" smtClean="0">
-                <a:latin typeface="メイリオ" panose="020B0604030504040204" pitchFamily="50" charset="-128"/>
-                <a:ea typeface="メイリオ" panose="020B0604030504040204" pitchFamily="50" charset="-128"/>
-              </a:rPr>
-              <a:t>1,3</a:t>
-            </a:r>
-            <a:r>
-              <a:rPr lang="ja-JP" altLang="en-US" sz="1200" u="sng" dirty="0" smtClean="0">
-                <a:latin typeface="メイリオ" panose="020B0604030504040204" pitchFamily="50" charset="-128"/>
-                <a:ea typeface="メイリオ" panose="020B0604030504040204" pitchFamily="50" charset="-128"/>
-              </a:rPr>
-              <a:t>は、</a:t>
-            </a:r>
-            <a:r>
-              <a:rPr kumimoji="1" lang="ja-JP" altLang="en-US" u="sng" dirty="0" smtClean="0"/>
-              <a:t>タスク完了までの時間が長いことが分かります。 </a:t>
-            </a:r>
-            <a:endParaRPr kumimoji="1" lang="en-US" altLang="ja-JP" u="sng" dirty="0" smtClean="0"/>
-          </a:p>
-          <a:p>
-            <a:endParaRPr kumimoji="1" lang="en-US" altLang="ja-JP" dirty="0" smtClean="0"/>
-          </a:p>
-          <a:p>
-            <a:r>
-              <a:rPr kumimoji="1" lang="en-US" altLang="ja-JP" b="1" dirty="0" err="1" smtClean="0"/>
-              <a:t>SuiteRec</a:t>
-            </a:r>
-            <a:r>
-              <a:rPr kumimoji="1" lang="ja-JP" altLang="en-US" b="1" dirty="0" smtClean="0"/>
-              <a:t>を利用した場合に、時間がかかってしまう原因として、開発者は、推薦される複数のテストコードを理解し、再利用する際に変更をしなければならないことが考えられます。</a:t>
-            </a:r>
-            <a:endParaRPr kumimoji="1" lang="en-US" altLang="ja-JP" b="1" dirty="0" smtClean="0"/>
-          </a:p>
-          <a:p>
-            <a:endParaRPr kumimoji="1" lang="en-US" altLang="ja-JP" dirty="0" smtClean="0"/>
-          </a:p>
-          <a:p>
-            <a:r>
-              <a:rPr kumimoji="1" lang="ja-JP" altLang="en-US" dirty="0" smtClean="0"/>
-              <a:t>一方で、タスク</a:t>
-            </a:r>
-            <a:r>
-              <a:rPr kumimoji="1" lang="en-US" altLang="ja-JP" dirty="0" smtClean="0"/>
-              <a:t>2</a:t>
-            </a:r>
-            <a:r>
-              <a:rPr kumimoji="1" lang="ja-JP" altLang="en-US" dirty="0" smtClean="0"/>
-              <a:t>については、</a:t>
-            </a:r>
-            <a:r>
-              <a:rPr kumimoji="1" lang="en-US" altLang="ja-JP" dirty="0" err="1" smtClean="0"/>
-              <a:t>SuiteRec</a:t>
-            </a:r>
-            <a:r>
-              <a:rPr kumimoji="1" lang="ja-JP" altLang="en-US" dirty="0" smtClean="0"/>
-              <a:t>を使用した方がタスク完了時間が短いことが分かる。</a:t>
-            </a:r>
-            <a:endParaRPr kumimoji="1" lang="en-US" altLang="ja-JP" dirty="0" smtClean="0"/>
-          </a:p>
-          <a:p>
-            <a:endParaRPr kumimoji="1" lang="en-US" altLang="ja-JP" dirty="0" smtClean="0"/>
-          </a:p>
-          <a:p>
-            <a:r>
-              <a:rPr kumimoji="1" lang="ja-JP" altLang="en-US" dirty="0" smtClean="0"/>
-              <a:t>我々は、提出されたテストコードを調査したところ、カバレッジに差はないものの、手作業で作成した場合は、テスト項目の重複が多いことが分かりました。</a:t>
-            </a:r>
-            <a:endParaRPr kumimoji="1" lang="en-US" altLang="ja-JP" dirty="0" smtClean="0"/>
-          </a:p>
-          <a:p>
-            <a:endParaRPr kumimoji="1" lang="en-US" altLang="ja-JP" dirty="0" smtClean="0"/>
-          </a:p>
-          <a:p>
-            <a:r>
-              <a:rPr kumimoji="1" lang="ja-JP" altLang="en-US" dirty="0" smtClean="0"/>
-              <a:t>この結果から、</a:t>
-            </a:r>
-            <a:r>
-              <a:rPr kumimoji="1" lang="en-US" altLang="ja-JP" dirty="0" err="1" smtClean="0"/>
-              <a:t>SuiteRec</a:t>
-            </a:r>
-            <a:r>
-              <a:rPr kumimoji="1" lang="ja-JP" altLang="en-US" dirty="0" smtClean="0"/>
-              <a:t>を利用は、被験者が無駄なテストコードを作成するのを防ぎ、短期間でのテストコード作成を支援できる場合もあることが分かった。</a:t>
-            </a:r>
-            <a:endParaRPr kumimoji="1" lang="en-US" altLang="ja-JP" dirty="0" smtClean="0"/>
-          </a:p>
-          <a:p>
-            <a:endParaRPr kumimoji="1" lang="en-US" altLang="ja-JP" dirty="0" smtClean="0"/>
-          </a:p>
-          <a:p>
-            <a:r>
-              <a:rPr kumimoji="1" lang="ja-JP" altLang="en-US" dirty="0" smtClean="0"/>
-              <a:t>次に</a:t>
-            </a:r>
-            <a:r>
-              <a:rPr kumimoji="1" lang="en-US" altLang="ja-JP" dirty="0" smtClean="0"/>
-              <a:t>RQ3</a:t>
-            </a:r>
-            <a:r>
-              <a:rPr kumimoji="1" lang="ja-JP" altLang="en-US" dirty="0" smtClean="0"/>
+            <a:endParaRPr kumimoji="1" lang="en-US" altLang="ja-JP" baseline="0" dirty="0" smtClean="0"/>
+          </a:p>
+          <a:p>
+            <a:r>
+              <a:rPr kumimoji="1" lang="ja-JP" altLang="en-US" baseline="0" dirty="0" smtClean="0"/>
+              <a:t>最後に</a:t>
+            </a:r>
+            <a:r>
+              <a:rPr kumimoji="1" lang="en-US" altLang="ja-JP" baseline="0" dirty="0" smtClean="0"/>
+              <a:t>Step4</a:t>
+            </a:r>
+            <a:r>
+              <a:rPr kumimoji="1" lang="ja-JP" altLang="en-US" baseline="0" dirty="0" smtClean="0"/>
               <a:t>です。</a:t>
             </a:r>
-            <a:endParaRPr kumimoji="1" lang="en-US" altLang="ja-JP" dirty="0" smtClean="0"/>
+            <a:endParaRPr kumimoji="1" lang="en-US" altLang="ja-JP" baseline="0" dirty="0" smtClean="0"/>
           </a:p>
         </p:txBody>
       </p:sp>
@@ -10179,7 +10180,7 @@
     </p:spTree>
     <p:extLst>
       <p:ext uri="{BB962C8B-B14F-4D97-AF65-F5344CB8AC3E}">
-        <p14:creationId xmlns:p14="http://schemas.microsoft.com/office/powerpoint/2010/main" val="2256701357"/>
+        <p14:creationId xmlns:p14="http://schemas.microsoft.com/office/powerpoint/2010/main" val="1581621344"/>
       </p:ext>
     </p:extLst>
   </p:cSld>
@@ -10308,6 +10309,255 @@
     <p:extLst>
       <p:ext uri="{BB962C8B-B14F-4D97-AF65-F5344CB8AC3E}">
         <p14:creationId xmlns:p14="http://schemas.microsoft.com/office/powerpoint/2010/main" val="1134456064"/>
+      </p:ext>
+    </p:extLst>
+  </p:cSld>
+  <p:clrMapOvr>
+    <a:masterClrMapping/>
+  </p:clrMapOvr>
+</p:notes>
+</file>
+
+<file path=ppt/notesSlides/notesSlide30.xml><?xml version="1.0" encoding="utf-8"?>
+<p:notes xmlns:a="http://schemas.openxmlformats.org/drawingml/2006/main" xmlns:r="http://schemas.openxmlformats.org/officeDocument/2006/relationships" xmlns:p="http://schemas.openxmlformats.org/presentationml/2006/main">
+  <p:cSld>
+    <p:spTree>
+      <p:nvGrpSpPr>
+        <p:cNvPr id="1" name=""/>
+        <p:cNvGrpSpPr/>
+        <p:nvPr/>
+      </p:nvGrpSpPr>
+      <p:grpSpPr>
+        <a:xfrm>
+          <a:off x="0" y="0"/>
+          <a:ext cx="0" cy="0"/>
+          <a:chOff x="0" y="0"/>
+          <a:chExt cx="0" cy="0"/>
+        </a:xfrm>
+      </p:grpSpPr>
+      <p:sp>
+        <p:nvSpPr>
+          <p:cNvPr id="2" name="スライド イメージ プレースホルダー 1"/>
+          <p:cNvSpPr>
+            <a:spLocks noGrp="1" noRot="1" noChangeAspect="1"/>
+          </p:cNvSpPr>
+          <p:nvPr>
+            <p:ph type="sldImg"/>
+          </p:nvPr>
+        </p:nvSpPr>
+        <p:spPr/>
+      </p:sp>
+      <p:sp>
+        <p:nvSpPr>
+          <p:cNvPr id="3" name="ノート プレースホルダー 2"/>
+          <p:cNvSpPr>
+            <a:spLocks noGrp="1"/>
+          </p:cNvSpPr>
+          <p:nvPr>
+            <p:ph type="body" idx="1"/>
+          </p:nvPr>
+        </p:nvSpPr>
+        <p:spPr/>
+        <p:txBody>
+          <a:bodyPr/>
+          <a:lstStyle/>
+          <a:p>
+            <a:r>
+              <a:rPr kumimoji="1" lang="en-US" altLang="ja-JP" dirty="0" smtClean="0"/>
+              <a:t>Step3</a:t>
+            </a:r>
+            <a:r>
+              <a:rPr kumimoji="1" lang="ja-JP" altLang="en-US" dirty="0" smtClean="0"/>
+              <a:t>では、</a:t>
+            </a:r>
+            <a:r>
+              <a:rPr kumimoji="1" lang="en-US" altLang="ja-JP" dirty="0" smtClean="0"/>
+              <a:t>Step2</a:t>
+            </a:r>
+            <a:r>
+              <a:rPr kumimoji="1" lang="ja-JP" altLang="en-US" dirty="0" smtClean="0"/>
+              <a:t>で検索されたテストコード内に含まれるテストスメルを検出します</a:t>
+            </a:r>
+            <a:endParaRPr kumimoji="1" lang="en-US" altLang="ja-JP" dirty="0" smtClean="0"/>
+          </a:p>
+          <a:p>
+            <a:endParaRPr kumimoji="1" lang="en-US" altLang="ja-JP" dirty="0" smtClean="0"/>
+          </a:p>
+          <a:p>
+            <a:r>
+              <a:rPr kumimoji="1" lang="ja-JP" altLang="en-US" dirty="0" smtClean="0"/>
+              <a:t>テストスメルというのはテストコードの良くない実装を表す指標のことで、ドゥーセンらによって</a:t>
+            </a:r>
+            <a:r>
+              <a:rPr kumimoji="1" lang="en-US" altLang="ja-JP" dirty="0" smtClean="0"/>
+              <a:t>11</a:t>
+            </a:r>
+            <a:r>
+              <a:rPr kumimoji="1" lang="ja-JP" altLang="en-US" dirty="0" smtClean="0"/>
+              <a:t>種類のテストスメルが提唱されました．</a:t>
+            </a:r>
+            <a:endParaRPr kumimoji="1" lang="en-US" altLang="ja-JP" dirty="0" smtClean="0"/>
+          </a:p>
+          <a:p>
+            <a:endParaRPr kumimoji="1" lang="en-US" altLang="ja-JP" dirty="0" smtClean="0"/>
+          </a:p>
+          <a:p>
+            <a:r>
+              <a:rPr kumimoji="1" lang="ja-JP" altLang="en-US" dirty="0" smtClean="0"/>
+              <a:t>例えばこれはテストスメルの例ですが、このテストコードには、</a:t>
+            </a:r>
+            <a:r>
+              <a:rPr kumimoji="1" lang="ja-JP" altLang="en-US" b="1" dirty="0" smtClean="0"/>
+              <a:t>アサーションルーレット</a:t>
+            </a:r>
+            <a:r>
+              <a:rPr kumimoji="1" lang="ja-JP" altLang="en-US" dirty="0" smtClean="0"/>
+              <a:t>というテストスメルが含まれており、</a:t>
+            </a:r>
+            <a:r>
+              <a:rPr kumimoji="1" lang="en-US" altLang="ja-JP" dirty="0" smtClean="0"/>
+              <a:t>1</a:t>
+            </a:r>
+            <a:r>
+              <a:rPr kumimoji="1" lang="ja-JP" altLang="en-US" dirty="0" err="1" smtClean="0"/>
+              <a:t>つの</a:t>
+            </a:r>
+            <a:r>
+              <a:rPr kumimoji="1" lang="ja-JP" altLang="en-US" u="sng" dirty="0" smtClean="0"/>
+              <a:t>テストメソッド内に複数の</a:t>
+            </a:r>
+            <a:r>
+              <a:rPr kumimoji="1" lang="en-US" altLang="ja-JP" u="sng" dirty="0" err="1" smtClean="0"/>
+              <a:t>asser</a:t>
+            </a:r>
+            <a:r>
+              <a:rPr kumimoji="1" lang="ja-JP" altLang="en-US" u="sng" dirty="0" smtClean="0"/>
+              <a:t>文を含む場合にこのテストスメルが発生します。</a:t>
+            </a:r>
+            <a:endParaRPr kumimoji="1" lang="en-US" altLang="ja-JP" dirty="0" smtClean="0"/>
+          </a:p>
+          <a:p>
+            <a:endParaRPr kumimoji="1" lang="en-US" altLang="ja-JP" dirty="0" smtClean="0"/>
+          </a:p>
+          <a:p>
+            <a:pPr marL="0" marR="0" indent="0" algn="l" defTabSz="914400" rtl="0" eaLnBrk="1" fontAlgn="auto" latinLnBrk="0" hangingPunct="1">
+              <a:lnSpc>
+                <a:spcPct val="100000"/>
+              </a:lnSpc>
+              <a:spcBef>
+                <a:spcPts val="0"/>
+              </a:spcBef>
+              <a:spcAft>
+                <a:spcPts val="0"/>
+              </a:spcAft>
+              <a:buClrTx/>
+              <a:buSzTx/>
+              <a:buFontTx/>
+              <a:buNone/>
+              <a:tabLst/>
+              <a:defRPr/>
+            </a:pPr>
+            <a:r>
+              <a:rPr kumimoji="1" lang="ja-JP" altLang="en-US" dirty="0" smtClean="0"/>
+              <a:t>で、最近では、これらのテストスメルについて多くの調査研究が行われており、テストスメルがソフトウェアの保守活動に悪影響を与えることが分かっています。</a:t>
+            </a:r>
+            <a:endParaRPr kumimoji="1" lang="en-US" altLang="ja-JP" dirty="0" smtClean="0"/>
+          </a:p>
+          <a:p>
+            <a:endParaRPr kumimoji="1" lang="en-US" altLang="ja-JP" dirty="0" smtClean="0"/>
+          </a:p>
+          <a:p>
+            <a:r>
+              <a:rPr kumimoji="1" lang="en-US" altLang="ja-JP" dirty="0" smtClean="0"/>
+              <a:t>Step3</a:t>
+            </a:r>
+            <a:r>
+              <a:rPr kumimoji="1" lang="ja-JP" altLang="en-US" dirty="0" smtClean="0"/>
+              <a:t>では、これらのテストスメルを高速で検出するために、テストスメルを自動で検出できる</a:t>
+            </a:r>
+            <a:r>
+              <a:rPr kumimoji="1" lang="en-US" altLang="ja-JP" dirty="0" err="1" smtClean="0"/>
+              <a:t>tsDetect</a:t>
+            </a:r>
+            <a:r>
+              <a:rPr kumimoji="1" lang="ja-JP" altLang="en-US" dirty="0" smtClean="0"/>
+              <a:t>というツールを利用しています。</a:t>
+            </a:r>
+            <a:endParaRPr kumimoji="1" lang="en-US" altLang="ja-JP" dirty="0" smtClean="0"/>
+          </a:p>
+          <a:p>
+            <a:endParaRPr kumimoji="1" lang="en-US" altLang="ja-JP" dirty="0" smtClean="0"/>
+          </a:p>
+          <a:p>
+            <a:r>
+              <a:rPr kumimoji="1" lang="ja-JP" altLang="en-US" dirty="0" smtClean="0"/>
+              <a:t>このツールは</a:t>
+            </a:r>
+            <a:r>
+              <a:rPr kumimoji="1" lang="en-US" altLang="ja-JP" dirty="0" smtClean="0"/>
+              <a:t>AST</a:t>
+            </a:r>
+            <a:r>
+              <a:rPr kumimoji="1" lang="ja-JP" altLang="en-US" dirty="0" smtClean="0"/>
+              <a:t>ベースの検出手法で実装されたツールであり、</a:t>
+            </a:r>
+            <a:r>
+              <a:rPr kumimoji="1" lang="en-US" altLang="ja-JP" dirty="0" smtClean="0"/>
+              <a:t>19</a:t>
+            </a:r>
+            <a:r>
+              <a:rPr kumimoji="1" lang="ja-JP" altLang="en-US" dirty="0" smtClean="0"/>
+              <a:t>種類のテストスメルを高い精度と再現率で検出することができます。</a:t>
+            </a:r>
+            <a:endParaRPr kumimoji="1" lang="en-US" altLang="ja-JP" dirty="0" smtClean="0"/>
+          </a:p>
+          <a:p>
+            <a:endParaRPr kumimoji="1" lang="en-US" altLang="ja-JP" baseline="0" dirty="0" smtClean="0"/>
+          </a:p>
+          <a:p>
+            <a:r>
+              <a:rPr kumimoji="1" lang="ja-JP" altLang="en-US" baseline="0" dirty="0" smtClean="0"/>
+              <a:t>最後に</a:t>
+            </a:r>
+            <a:r>
+              <a:rPr kumimoji="1" lang="en-US" altLang="ja-JP" baseline="0" dirty="0" smtClean="0"/>
+              <a:t>Step4</a:t>
+            </a:r>
+            <a:r>
+              <a:rPr kumimoji="1" lang="ja-JP" altLang="en-US" baseline="0" dirty="0" smtClean="0"/>
+              <a:t>です。</a:t>
+            </a:r>
+            <a:endParaRPr kumimoji="1" lang="en-US" altLang="ja-JP" baseline="0" dirty="0" smtClean="0"/>
+          </a:p>
+        </p:txBody>
+      </p:sp>
+      <p:sp>
+        <p:nvSpPr>
+          <p:cNvPr id="4" name="スライド番号プレースホルダー 3"/>
+          <p:cNvSpPr>
+            <a:spLocks noGrp="1"/>
+          </p:cNvSpPr>
+          <p:nvPr>
+            <p:ph type="sldNum" sz="quarter" idx="10"/>
+          </p:nvPr>
+        </p:nvSpPr>
+        <p:spPr/>
+        <p:txBody>
+          <a:bodyPr/>
+          <a:lstStyle/>
+          <a:p>
+            <a:fld id="{A375FAFC-A5AB-4FEC-AA23-92E34682EFAF}" type="slidenum">
+              <a:rPr kumimoji="1" lang="ja-JP" altLang="en-US" smtClean="0"/>
+              <a:t>41</a:t>
+            </a:fld>
+            <a:endParaRPr kumimoji="1" lang="ja-JP" altLang="en-US"/>
+          </a:p>
+        </p:txBody>
+      </p:sp>
+    </p:spTree>
+    <p:extLst>
+      <p:ext uri="{BB962C8B-B14F-4D97-AF65-F5344CB8AC3E}">
+        <p14:creationId xmlns:p14="http://schemas.microsoft.com/office/powerpoint/2010/main" val="2229764843"/>
       </p:ext>
     </p:extLst>
   </p:cSld>
@@ -10898,9 +11148,12 @@
             <a:endParaRPr kumimoji="1" lang="en-US" altLang="ja-JP" dirty="0" smtClean="0"/>
           </a:p>
           <a:p>
+            <a:endParaRPr kumimoji="1" lang="en-US" altLang="ja-JP" dirty="0" smtClean="0"/>
+          </a:p>
+          <a:p>
             <a:r>
               <a:rPr kumimoji="1" lang="ja-JP" altLang="en-US" dirty="0" smtClean="0"/>
-              <a:t>テストコードデータベース内からテストコード検索するために</a:t>
+              <a:t>で、</a:t>
             </a:r>
             <a:r>
               <a:rPr kumimoji="1" lang="en-US" altLang="ja-JP" dirty="0" smtClean="0"/>
@@ -10908,24 +11161,6 @@
             </a:r>
             <a:r>
               <a:rPr kumimoji="1" lang="ja-JP" altLang="en-US" dirty="0" smtClean="0"/>
-              <a:t>では対象コードとテストコードの対応付けを行います</a:t>
-            </a:r>
-            <a:endParaRPr kumimoji="1" lang="en-US" altLang="ja-JP" dirty="0" smtClean="0"/>
-          </a:p>
-          <a:p>
-            <a:endParaRPr kumimoji="1" lang="en-US" altLang="ja-JP" dirty="0" smtClean="0"/>
-          </a:p>
-          <a:p>
-            <a:r>
-              <a:rPr kumimoji="1" lang="ja-JP" altLang="en-US" dirty="0" smtClean="0"/>
-              <a:t>で、</a:t>
-            </a:r>
-            <a:r>
-              <a:rPr kumimoji="1" lang="en-US" altLang="ja-JP" dirty="0" smtClean="0"/>
-              <a:t>Step2</a:t>
-            </a:r>
-            <a:r>
-              <a:rPr kumimoji="1" lang="ja-JP" altLang="en-US" dirty="0" smtClean="0"/>
               <a:t>で検索できたテストコードは、すべてが品質が高いとは限らないので、</a:t>
             </a:r>
             <a:r>
@@ -10934,7 +11169,11 @@
             </a:r>
             <a:r>
               <a:rPr kumimoji="1" lang="ja-JP" altLang="en-US" dirty="0" smtClean="0"/>
-              <a:t>ではテストコードの良くない実装を表す指標であるテストスメルを検出します</a:t>
+              <a:t>ではテストコードの良くない実装を表す指標であるテストスメルを検出</a:t>
+            </a:r>
+            <a:r>
+              <a:rPr kumimoji="1" lang="ja-JP" altLang="en-US" dirty="0" smtClean="0"/>
+              <a:t>します。</a:t>
             </a:r>
             <a:endParaRPr kumimoji="1" lang="en-US" altLang="ja-JP" dirty="0" smtClean="0"/>
           </a:p>
@@ -11698,7 +11937,7 @@
     </p:spTree>
     <p:extLst>
       <p:ext uri="{BB962C8B-B14F-4D97-AF65-F5344CB8AC3E}">
-        <p14:creationId xmlns:p14="http://schemas.microsoft.com/office/powerpoint/2010/main" val="1581621344"/>
+        <p14:creationId xmlns:p14="http://schemas.microsoft.com/office/powerpoint/2010/main" val="2973487452"/>
       </p:ext>
     </p:extLst>
   </p:cSld>
@@ -33820,1253 +34059,6 @@
       </p:grpSpPr>
       <p:sp>
         <p:nvSpPr>
-          <p:cNvPr id="3" name="タイトル 2"/>
-          <p:cNvSpPr>
-            <a:spLocks noGrp="1"/>
-          </p:cNvSpPr>
-          <p:nvPr>
-            <p:ph type="title"/>
-          </p:nvPr>
-        </p:nvSpPr>
-        <p:spPr/>
-        <p:txBody>
-          <a:bodyPr/>
-          <a:lstStyle/>
-          <a:p>
-            <a:r>
-              <a:rPr lang="en-US" altLang="ja-JP" b="1" dirty="0"/>
-              <a:t>Step3:</a:t>
-            </a:r>
-            <a:r>
-              <a:rPr lang="en-US" altLang="ja-JP" dirty="0"/>
-              <a:t> </a:t>
-            </a:r>
-            <a:r>
-              <a:rPr lang="ja-JP" altLang="en-US" dirty="0"/>
-              <a:t>テストスメルの検出</a:t>
-            </a:r>
-            <a:endParaRPr kumimoji="1" lang="ja-JP" altLang="en-US" dirty="0"/>
-          </a:p>
-        </p:txBody>
-      </p:sp>
-      <p:sp>
-        <p:nvSpPr>
-          <p:cNvPr id="5" name="Rectangle 4"/>
-          <p:cNvSpPr>
-            <a:spLocks noChangeArrowheads="1"/>
-          </p:cNvSpPr>
-          <p:nvPr/>
-        </p:nvSpPr>
-        <p:spPr bwMode="auto">
-          <a:xfrm>
-            <a:off x="838200" y="6040632"/>
-            <a:ext cx="9994491" cy="600164"/>
-          </a:xfrm>
-          <a:prstGeom prst="rect">
-            <a:avLst/>
-          </a:prstGeom>
-          <a:ln>
-            <a:headEnd/>
-            <a:tailEnd/>
-          </a:ln>
-        </p:spPr>
-        <p:style>
-          <a:lnRef idx="2">
-            <a:schemeClr val="dk1"/>
-          </a:lnRef>
-          <a:fillRef idx="1">
-            <a:schemeClr val="lt1"/>
-          </a:fillRef>
-          <a:effectRef idx="0">
-            <a:schemeClr val="dk1"/>
-          </a:effectRef>
-          <a:fontRef idx="minor">
-            <a:schemeClr val="dk1"/>
-          </a:fontRef>
-        </p:style>
-        <p:txBody>
-          <a:bodyPr wrap="square">
-            <a:spAutoFit/>
-          </a:bodyPr>
-          <a:lstStyle/>
-          <a:p>
-            <a:pPr>
-              <a:defRPr/>
-            </a:pPr>
-            <a:r>
-              <a:rPr lang="en-US" altLang="ja-JP" sz="1100" dirty="0">
-                <a:solidFill>
-                  <a:schemeClr val="tx2"/>
-                </a:solidFill>
-              </a:rPr>
-              <a:t>[4] A. </a:t>
-            </a:r>
-            <a:r>
-              <a:rPr lang="en-US" altLang="ja-JP" sz="1100" dirty="0" err="1">
-                <a:solidFill>
-                  <a:schemeClr val="tx2"/>
-                </a:solidFill>
-              </a:rPr>
-              <a:t>Deursen</a:t>
-            </a:r>
-            <a:r>
-              <a:rPr lang="en-US" altLang="ja-JP" sz="1100" dirty="0">
-                <a:solidFill>
-                  <a:schemeClr val="tx2"/>
-                </a:solidFill>
-              </a:rPr>
-              <a:t>, L. M. F. </a:t>
-            </a:r>
-            <a:r>
-              <a:rPr lang="en-US" altLang="ja-JP" sz="1100" dirty="0" err="1">
-                <a:solidFill>
-                  <a:schemeClr val="tx2"/>
-                </a:solidFill>
-              </a:rPr>
-              <a:t>Moonen</a:t>
-            </a:r>
-            <a:r>
-              <a:rPr lang="en-US" altLang="ja-JP" sz="1100" dirty="0">
-                <a:solidFill>
-                  <a:schemeClr val="tx2"/>
-                </a:solidFill>
-              </a:rPr>
-              <a:t>, A. Bergh, and G. </a:t>
-            </a:r>
-            <a:r>
-              <a:rPr lang="en-US" altLang="ja-JP" sz="1100" dirty="0" err="1">
-                <a:solidFill>
-                  <a:schemeClr val="tx2"/>
-                </a:solidFill>
-              </a:rPr>
-              <a:t>Kok</a:t>
-            </a:r>
-            <a:r>
-              <a:rPr lang="en-US" altLang="ja-JP" sz="1100" dirty="0">
-                <a:solidFill>
-                  <a:schemeClr val="tx2"/>
-                </a:solidFill>
-              </a:rPr>
-              <a:t>. Refactoring test code. Technical report, 2001.</a:t>
-            </a:r>
-          </a:p>
-          <a:p>
-            <a:pPr>
-              <a:defRPr/>
-            </a:pPr>
-            <a:r>
-              <a:rPr lang="en-US" altLang="ja-JP" sz="1100" dirty="0" smtClean="0">
-                <a:solidFill>
-                  <a:schemeClr val="tx2"/>
-                </a:solidFill>
-              </a:rPr>
-              <a:t>[5] A. </a:t>
-            </a:r>
-            <a:r>
-              <a:rPr lang="en-US" altLang="ja-JP" sz="1100" dirty="0" err="1" smtClean="0">
-                <a:solidFill>
-                  <a:schemeClr val="tx2"/>
-                </a:solidFill>
-              </a:rPr>
-              <a:t>Peruma</a:t>
-            </a:r>
-            <a:r>
-              <a:rPr lang="en-US" altLang="ja-JP" sz="1100" dirty="0" smtClean="0">
-                <a:solidFill>
-                  <a:schemeClr val="tx2"/>
-                </a:solidFill>
-              </a:rPr>
-              <a:t>, K. </a:t>
-            </a:r>
-            <a:r>
-              <a:rPr lang="en-US" altLang="ja-JP" sz="1100" dirty="0" err="1" smtClean="0">
-                <a:solidFill>
-                  <a:schemeClr val="tx2"/>
-                </a:solidFill>
-              </a:rPr>
-              <a:t>Almalki</a:t>
-            </a:r>
-            <a:r>
-              <a:rPr lang="en-US" altLang="ja-JP" sz="1100" dirty="0" smtClean="0">
-                <a:solidFill>
-                  <a:schemeClr val="tx2"/>
-                </a:solidFill>
-              </a:rPr>
-              <a:t>, C. D. Newman, M. W. </a:t>
-            </a:r>
-            <a:r>
-              <a:rPr lang="en-US" altLang="ja-JP" sz="1100" dirty="0" err="1" smtClean="0">
-                <a:solidFill>
-                  <a:schemeClr val="tx2"/>
-                </a:solidFill>
-              </a:rPr>
-              <a:t>Mkaouer,A</a:t>
-            </a:r>
-            <a:r>
-              <a:rPr lang="en-US" altLang="ja-JP" sz="1100" dirty="0" smtClean="0">
-                <a:solidFill>
-                  <a:schemeClr val="tx2"/>
-                </a:solidFill>
-              </a:rPr>
-              <a:t>. </a:t>
-            </a:r>
-            <a:r>
-              <a:rPr lang="en-US" altLang="ja-JP" sz="1100" dirty="0" err="1" smtClean="0">
-                <a:solidFill>
-                  <a:schemeClr val="tx2"/>
-                </a:solidFill>
-              </a:rPr>
-              <a:t>Ouni</a:t>
-            </a:r>
-            <a:r>
-              <a:rPr lang="en-US" altLang="ja-JP" sz="1100" dirty="0" smtClean="0">
-                <a:solidFill>
-                  <a:schemeClr val="tx2"/>
-                </a:solidFill>
-              </a:rPr>
-              <a:t> and F. </a:t>
-            </a:r>
-            <a:r>
-              <a:rPr lang="en-US" altLang="ja-JP" sz="1100" dirty="0" err="1" smtClean="0">
-                <a:solidFill>
-                  <a:schemeClr val="tx2"/>
-                </a:solidFill>
-              </a:rPr>
-              <a:t>Palomba</a:t>
-            </a:r>
-            <a:r>
-              <a:rPr lang="en-US" altLang="ja-JP" sz="1100" dirty="0" smtClean="0">
-                <a:solidFill>
-                  <a:schemeClr val="tx2"/>
-                </a:solidFill>
-              </a:rPr>
-              <a:t>: “On the distribution of test smells </a:t>
-            </a:r>
-            <a:r>
-              <a:rPr lang="en-US" altLang="ja-JP" sz="1100" dirty="0" err="1" smtClean="0">
-                <a:solidFill>
-                  <a:schemeClr val="tx2"/>
-                </a:solidFill>
-              </a:rPr>
-              <a:t>inopen</a:t>
-            </a:r>
-            <a:r>
-              <a:rPr lang="en-US" altLang="ja-JP" sz="1100" dirty="0" smtClean="0">
-                <a:solidFill>
-                  <a:schemeClr val="tx2"/>
-                </a:solidFill>
-              </a:rPr>
-              <a:t> source android applications: An exploratory study”, </a:t>
-            </a:r>
-            <a:r>
-              <a:rPr lang="en-US" altLang="ja-JP" sz="1100" dirty="0" err="1" smtClean="0">
-                <a:solidFill>
-                  <a:schemeClr val="tx2"/>
-                </a:solidFill>
-              </a:rPr>
-              <a:t>Pro.of</a:t>
-            </a:r>
-            <a:r>
-              <a:rPr lang="en-US" altLang="ja-JP" sz="1100" dirty="0" smtClean="0">
-                <a:solidFill>
-                  <a:schemeClr val="tx2"/>
-                </a:solidFill>
-              </a:rPr>
-              <a:t> CASCON, pp. 193–202 (2019).</a:t>
-            </a:r>
-            <a:endParaRPr lang="en-US" altLang="ja-JP" sz="1100" dirty="0">
-              <a:solidFill>
-                <a:schemeClr val="tx2"/>
-              </a:solidFill>
-            </a:endParaRPr>
-          </a:p>
-        </p:txBody>
-      </p:sp>
-      <p:sp>
-        <p:nvSpPr>
-          <p:cNvPr id="16" name="正方形/長方形 15"/>
-          <p:cNvSpPr/>
-          <p:nvPr/>
-        </p:nvSpPr>
-        <p:spPr>
-          <a:xfrm>
-            <a:off x="1035416" y="2759549"/>
-            <a:ext cx="5285640" cy="2339102"/>
-          </a:xfrm>
-          <a:prstGeom prst="rect">
-            <a:avLst/>
-          </a:prstGeom>
-          <a:ln w="38100"/>
-        </p:spPr>
-        <p:style>
-          <a:lnRef idx="2">
-            <a:schemeClr val="accent3"/>
-          </a:lnRef>
-          <a:fillRef idx="1">
-            <a:schemeClr val="lt1"/>
-          </a:fillRef>
-          <a:effectRef idx="0">
-            <a:schemeClr val="accent3"/>
-          </a:effectRef>
-          <a:fontRef idx="minor">
-            <a:schemeClr val="dk1"/>
-          </a:fontRef>
-        </p:style>
-        <p:txBody>
-          <a:bodyPr wrap="square">
-            <a:spAutoFit/>
-          </a:bodyPr>
-          <a:lstStyle/>
-          <a:p>
-            <a:r>
-              <a:rPr lang="en-US" altLang="ja-JP" sz="1600" dirty="0" smtClean="0">
-                <a:solidFill>
-                  <a:schemeClr val="tx1"/>
-                </a:solidFill>
-                <a:latin typeface="Consolas" panose="020B0609020204030204" pitchFamily="49" charset="0"/>
-              </a:rPr>
-              <a:t>@Test</a:t>
-            </a:r>
-          </a:p>
-          <a:p>
-            <a:r>
-              <a:rPr lang="en-US" altLang="ja-JP" sz="1600" dirty="0" smtClean="0">
-                <a:solidFill>
-                  <a:schemeClr val="tx1"/>
-                </a:solidFill>
-                <a:latin typeface="Consolas" panose="020B0609020204030204" pitchFamily="49" charset="0"/>
-              </a:rPr>
-              <a:t>public void </a:t>
-            </a:r>
-            <a:r>
-              <a:rPr lang="en-US" altLang="ja-JP" sz="1600" dirty="0" err="1" smtClean="0">
-                <a:solidFill>
-                  <a:schemeClr val="tx1"/>
-                </a:solidFill>
-                <a:latin typeface="Consolas" panose="020B0609020204030204" pitchFamily="49" charset="0"/>
-              </a:rPr>
-              <a:t>testCalcPrice</a:t>
-            </a:r>
-            <a:r>
-              <a:rPr lang="en-US" altLang="ja-JP" sz="1600" dirty="0" smtClean="0">
-                <a:solidFill>
-                  <a:schemeClr val="tx1"/>
-                </a:solidFill>
-                <a:latin typeface="Consolas" panose="020B0609020204030204" pitchFamily="49" charset="0"/>
-              </a:rPr>
-              <a:t>() throws </a:t>
-            </a:r>
-            <a:r>
-              <a:rPr lang="en-US" altLang="ja-JP" sz="1600" dirty="0" err="1" smtClean="0">
-                <a:solidFill>
-                  <a:schemeClr val="tx1"/>
-                </a:solidFill>
-                <a:latin typeface="Consolas" panose="020B0609020204030204" pitchFamily="49" charset="0"/>
-              </a:rPr>
-              <a:t>Throwable</a:t>
-            </a:r>
-            <a:r>
-              <a:rPr lang="en-US" altLang="ja-JP" sz="1600" dirty="0" smtClean="0">
-                <a:solidFill>
-                  <a:schemeClr val="tx1"/>
-                </a:solidFill>
-                <a:latin typeface="Consolas" panose="020B0609020204030204" pitchFamily="49" charset="0"/>
-              </a:rPr>
-              <a:t>{</a:t>
-            </a:r>
-          </a:p>
-          <a:p>
-            <a:r>
-              <a:rPr lang="en-US" altLang="ja-JP" sz="1600" dirty="0" smtClean="0">
-                <a:solidFill>
-                  <a:schemeClr val="tx1"/>
-                </a:solidFill>
-                <a:latin typeface="Consolas" panose="020B0609020204030204" pitchFamily="49" charset="0"/>
-              </a:rPr>
-              <a:t>    </a:t>
-            </a:r>
-            <a:r>
-              <a:rPr lang="en-US" altLang="ja-JP" sz="1600" dirty="0" err="1" smtClean="0">
-                <a:solidFill>
-                  <a:schemeClr val="tx1"/>
-                </a:solidFill>
-                <a:latin typeface="Consolas" panose="020B0609020204030204" pitchFamily="49" charset="0"/>
-              </a:rPr>
-              <a:t>CalcPrice</a:t>
-            </a:r>
-            <a:r>
-              <a:rPr lang="en-US" altLang="ja-JP" sz="1600" dirty="0" smtClean="0">
-                <a:solidFill>
-                  <a:schemeClr val="tx1"/>
-                </a:solidFill>
-                <a:latin typeface="Consolas" panose="020B0609020204030204" pitchFamily="49" charset="0"/>
-              </a:rPr>
-              <a:t> </a:t>
-            </a:r>
-            <a:r>
-              <a:rPr lang="en-US" altLang="ja-JP" sz="1600" dirty="0" err="1" smtClean="0">
-                <a:solidFill>
-                  <a:schemeClr val="tx1"/>
-                </a:solidFill>
-                <a:latin typeface="Consolas" panose="020B0609020204030204" pitchFamily="49" charset="0"/>
-              </a:rPr>
-              <a:t>sut</a:t>
-            </a:r>
-            <a:r>
-              <a:rPr lang="en-US" altLang="ja-JP" sz="1600" dirty="0" smtClean="0">
-                <a:solidFill>
-                  <a:schemeClr val="tx1"/>
-                </a:solidFill>
-                <a:latin typeface="Consolas" panose="020B0609020204030204" pitchFamily="49" charset="0"/>
-              </a:rPr>
-              <a:t> = new </a:t>
-            </a:r>
-            <a:r>
-              <a:rPr lang="en-US" altLang="ja-JP" sz="1600" dirty="0" err="1" smtClean="0">
-                <a:solidFill>
-                  <a:schemeClr val="tx1"/>
-                </a:solidFill>
-                <a:latin typeface="Consolas" panose="020B0609020204030204" pitchFamily="49" charset="0"/>
-              </a:rPr>
-              <a:t>CalcPrice</a:t>
-            </a:r>
-            <a:r>
-              <a:rPr lang="en-US" altLang="ja-JP" sz="1600" dirty="0" smtClean="0">
-                <a:solidFill>
-                  <a:schemeClr val="tx1"/>
-                </a:solidFill>
-                <a:latin typeface="Consolas" panose="020B0609020204030204" pitchFamily="49" charset="0"/>
-              </a:rPr>
-              <a:t>();</a:t>
-            </a:r>
-          </a:p>
-          <a:p>
-            <a:r>
-              <a:rPr lang="en-US" altLang="ja-JP" sz="1600" dirty="0" smtClean="0">
-                <a:solidFill>
-                  <a:schemeClr val="tx1"/>
-                </a:solidFill>
-                <a:latin typeface="Consolas" panose="020B0609020204030204" pitchFamily="49" charset="0"/>
-              </a:rPr>
-              <a:t>    </a:t>
-            </a:r>
-            <a:r>
-              <a:rPr lang="en-US" altLang="ja-JP" sz="1600" dirty="0" err="1" smtClean="0">
-                <a:solidFill>
-                  <a:schemeClr val="tx1"/>
-                </a:solidFill>
-                <a:latin typeface="Consolas" panose="020B0609020204030204" pitchFamily="49" charset="0"/>
-              </a:rPr>
-              <a:t>int</a:t>
-            </a:r>
-            <a:r>
-              <a:rPr lang="en-US" altLang="ja-JP" sz="1600" dirty="0" smtClean="0">
-                <a:solidFill>
-                  <a:schemeClr val="tx1"/>
-                </a:solidFill>
-                <a:latin typeface="Consolas" panose="020B0609020204030204" pitchFamily="49" charset="0"/>
-              </a:rPr>
-              <a:t>[] item1 = new </a:t>
-            </a:r>
-            <a:r>
-              <a:rPr lang="en-US" altLang="ja-JP" sz="1600" dirty="0" err="1" smtClean="0">
-                <a:solidFill>
-                  <a:schemeClr val="tx1"/>
-                </a:solidFill>
-                <a:latin typeface="Consolas" panose="020B0609020204030204" pitchFamily="49" charset="0"/>
-              </a:rPr>
-              <a:t>int</a:t>
-            </a:r>
-            <a:r>
-              <a:rPr lang="en-US" altLang="ja-JP" sz="1600" dirty="0" smtClean="0">
-                <a:solidFill>
-                  <a:schemeClr val="tx1"/>
-                </a:solidFill>
-                <a:latin typeface="Consolas" panose="020B0609020204030204" pitchFamily="49" charset="0"/>
-              </a:rPr>
-              <a:t>[0];</a:t>
-            </a:r>
-          </a:p>
-          <a:p>
-            <a:r>
-              <a:rPr lang="en-US" altLang="ja-JP" sz="1600" dirty="0" smtClean="0">
-                <a:solidFill>
-                  <a:schemeClr val="tx1"/>
-                </a:solidFill>
-                <a:latin typeface="Consolas" panose="020B0609020204030204" pitchFamily="49" charset="0"/>
-              </a:rPr>
-              <a:t>    </a:t>
-            </a:r>
-            <a:r>
-              <a:rPr lang="en-US" altLang="ja-JP" sz="1600" dirty="0" err="1" smtClean="0">
-                <a:solidFill>
-                  <a:schemeClr val="tx1"/>
-                </a:solidFill>
-                <a:latin typeface="Consolas" panose="020B0609020204030204" pitchFamily="49" charset="0"/>
-              </a:rPr>
-              <a:t>int</a:t>
-            </a:r>
-            <a:r>
-              <a:rPr lang="en-US" altLang="ja-JP" sz="1600" dirty="0" smtClean="0">
-                <a:solidFill>
-                  <a:schemeClr val="tx1"/>
-                </a:solidFill>
-                <a:latin typeface="Consolas" panose="020B0609020204030204" pitchFamily="49" charset="0"/>
-              </a:rPr>
-              <a:t>[] item2 = new </a:t>
-            </a:r>
-            <a:r>
-              <a:rPr lang="en-US" altLang="ja-JP" sz="1600" dirty="0" err="1" smtClean="0">
-                <a:solidFill>
-                  <a:schemeClr val="tx1"/>
-                </a:solidFill>
-                <a:latin typeface="Consolas" panose="020B0609020204030204" pitchFamily="49" charset="0"/>
-              </a:rPr>
-              <a:t>int</a:t>
-            </a:r>
-            <a:r>
-              <a:rPr lang="en-US" altLang="ja-JP" sz="1600" dirty="0" smtClean="0">
-                <a:solidFill>
-                  <a:schemeClr val="tx1"/>
-                </a:solidFill>
-                <a:latin typeface="Consolas" panose="020B0609020204030204" pitchFamily="49" charset="0"/>
-              </a:rPr>
-              <a:t>[100];</a:t>
-            </a:r>
-          </a:p>
-          <a:p>
-            <a:r>
-              <a:rPr lang="en-US" altLang="ja-JP" sz="1600" dirty="0" smtClean="0">
-                <a:solidFill>
-                  <a:schemeClr val="tx1"/>
-                </a:solidFill>
-                <a:latin typeface="Consolas" panose="020B0609020204030204" pitchFamily="49" charset="0"/>
-              </a:rPr>
-              <a:t>    </a:t>
-            </a:r>
-            <a:r>
-              <a:rPr lang="en-US" altLang="ja-JP" sz="1600" dirty="0" err="1" smtClean="0">
-                <a:solidFill>
-                  <a:schemeClr val="tx1"/>
-                </a:solidFill>
-                <a:latin typeface="Consolas" panose="020B0609020204030204" pitchFamily="49" charset="0"/>
-              </a:rPr>
-              <a:t>assertEquals</a:t>
-            </a:r>
-            <a:r>
-              <a:rPr lang="en-US" altLang="ja-JP" sz="1600" dirty="0" smtClean="0">
-                <a:solidFill>
-                  <a:schemeClr val="tx1"/>
-                </a:solidFill>
-                <a:latin typeface="Consolas" panose="020B0609020204030204" pitchFamily="49" charset="0"/>
-              </a:rPr>
-              <a:t>(0, </a:t>
-            </a:r>
-            <a:r>
-              <a:rPr lang="en-US" altLang="ja-JP" sz="1600" dirty="0" err="1">
-                <a:solidFill>
-                  <a:schemeClr val="tx1"/>
-                </a:solidFill>
-                <a:latin typeface="Consolas" panose="020B0609020204030204" pitchFamily="49" charset="0"/>
-              </a:rPr>
-              <a:t>sut.calcPrice</a:t>
-            </a:r>
-            <a:r>
-              <a:rPr lang="en-US" altLang="ja-JP" sz="1600" dirty="0">
-                <a:solidFill>
-                  <a:schemeClr val="tx1"/>
-                </a:solidFill>
-                <a:latin typeface="Consolas" panose="020B0609020204030204" pitchFamily="49" charset="0"/>
-              </a:rPr>
-              <a:t>(item1));</a:t>
-            </a:r>
-            <a:endParaRPr lang="en-US" altLang="ja-JP" sz="1600" dirty="0" smtClean="0">
-              <a:solidFill>
-                <a:schemeClr val="tx1"/>
-              </a:solidFill>
-              <a:latin typeface="Consolas" panose="020B0609020204030204" pitchFamily="49" charset="0"/>
-            </a:endParaRPr>
-          </a:p>
-          <a:p>
-            <a:r>
-              <a:rPr lang="en-US" altLang="ja-JP" sz="1600" dirty="0" smtClean="0">
-                <a:solidFill>
-                  <a:schemeClr val="tx1"/>
-                </a:solidFill>
-                <a:latin typeface="Consolas" panose="020B0609020204030204" pitchFamily="49" charset="0"/>
-              </a:rPr>
-              <a:t>    </a:t>
-            </a:r>
-            <a:r>
-              <a:rPr lang="en-US" altLang="ja-JP" sz="1600" dirty="0" err="1" smtClean="0">
-                <a:solidFill>
-                  <a:schemeClr val="tx1"/>
-                </a:solidFill>
-                <a:latin typeface="Consolas" panose="020B0609020204030204" pitchFamily="49" charset="0"/>
-              </a:rPr>
-              <a:t>assertEquals</a:t>
-            </a:r>
-            <a:r>
-              <a:rPr lang="en-US" altLang="ja-JP" sz="1600" dirty="0" smtClean="0">
-                <a:solidFill>
-                  <a:schemeClr val="tx1"/>
-                </a:solidFill>
-                <a:latin typeface="Consolas" panose="020B0609020204030204" pitchFamily="49" charset="0"/>
-              </a:rPr>
-              <a:t>(100, </a:t>
-            </a:r>
-            <a:r>
-              <a:rPr lang="en-US" altLang="ja-JP" sz="1600" dirty="0" err="1">
-                <a:solidFill>
-                  <a:schemeClr val="tx1"/>
-                </a:solidFill>
-                <a:latin typeface="Consolas" panose="020B0609020204030204" pitchFamily="49" charset="0"/>
-              </a:rPr>
-              <a:t>sut.calcPrice</a:t>
-            </a:r>
-            <a:r>
-              <a:rPr lang="en-US" altLang="ja-JP" sz="1600" dirty="0">
-                <a:solidFill>
-                  <a:schemeClr val="tx1"/>
-                </a:solidFill>
-                <a:latin typeface="Consolas" panose="020B0609020204030204" pitchFamily="49" charset="0"/>
-              </a:rPr>
-              <a:t>(item2</a:t>
-            </a:r>
-            <a:r>
-              <a:rPr lang="en-US" altLang="ja-JP" sz="1600" dirty="0" smtClean="0">
-                <a:solidFill>
-                  <a:schemeClr val="tx1"/>
-                </a:solidFill>
-                <a:latin typeface="Consolas" panose="020B0609020204030204" pitchFamily="49" charset="0"/>
-              </a:rPr>
-              <a:t>));</a:t>
-            </a:r>
-          </a:p>
-          <a:p>
-            <a:r>
-              <a:rPr lang="ja-JP" altLang="en-US" sz="1600" dirty="0" smtClean="0">
-                <a:solidFill>
-                  <a:schemeClr val="tx1"/>
-                </a:solidFill>
-                <a:latin typeface="Consolas" panose="020B0609020204030204" pitchFamily="49" charset="0"/>
-              </a:rPr>
-              <a:t>    </a:t>
-            </a:r>
-            <a:r>
-              <a:rPr lang="en-US" altLang="ja-JP" sz="1600" dirty="0" err="1" smtClean="0">
-                <a:solidFill>
-                  <a:schemeClr val="tx1"/>
-                </a:solidFill>
-                <a:latin typeface="Consolas" panose="020B0609020204030204" pitchFamily="49" charset="0"/>
-              </a:rPr>
-              <a:t>assertNotNull</a:t>
-            </a:r>
-            <a:r>
-              <a:rPr lang="en-US" altLang="ja-JP" sz="1600" dirty="0" smtClean="0">
-                <a:solidFill>
-                  <a:schemeClr val="tx1"/>
-                </a:solidFill>
-                <a:latin typeface="Consolas" panose="020B0609020204030204" pitchFamily="49" charset="0"/>
-              </a:rPr>
-              <a:t>(</a:t>
-            </a:r>
-            <a:r>
-              <a:rPr lang="en-US" altLang="ja-JP" sz="1600" dirty="0" err="1">
-                <a:solidFill>
-                  <a:schemeClr val="tx1"/>
-                </a:solidFill>
-                <a:latin typeface="Consolas" panose="020B0609020204030204" pitchFamily="49" charset="0"/>
-              </a:rPr>
-              <a:t>sut.calcPrice</a:t>
-            </a:r>
-            <a:r>
-              <a:rPr lang="en-US" altLang="ja-JP" sz="1600" dirty="0">
-                <a:solidFill>
-                  <a:schemeClr val="tx1"/>
-                </a:solidFill>
-                <a:latin typeface="Consolas" panose="020B0609020204030204" pitchFamily="49" charset="0"/>
-              </a:rPr>
-              <a:t>(item1)</a:t>
-            </a:r>
-            <a:r>
-              <a:rPr lang="en-US" altLang="ja-JP" sz="1600" dirty="0" smtClean="0">
-                <a:solidFill>
-                  <a:schemeClr val="tx1"/>
-                </a:solidFill>
-                <a:latin typeface="Consolas" panose="020B0609020204030204" pitchFamily="49" charset="0"/>
-              </a:rPr>
-              <a:t>);</a:t>
-            </a:r>
-            <a:endParaRPr lang="en-US" altLang="ja-JP" sz="1600" dirty="0">
-              <a:solidFill>
-                <a:schemeClr val="tx1"/>
-              </a:solidFill>
-              <a:latin typeface="Consolas" panose="020B0609020204030204" pitchFamily="49" charset="0"/>
-            </a:endParaRPr>
-          </a:p>
-          <a:p>
-            <a:r>
-              <a:rPr lang="en-US" altLang="ja-JP" sz="1600" dirty="0" smtClean="0">
-                <a:solidFill>
-                  <a:schemeClr val="tx1"/>
-                </a:solidFill>
-                <a:latin typeface="Consolas" panose="020B0609020204030204" pitchFamily="49" charset="0"/>
-              </a:rPr>
-              <a:t>}</a:t>
-            </a:r>
-            <a:endParaRPr lang="en-US" altLang="ja-JP" sz="1600" dirty="0">
-              <a:solidFill>
-                <a:schemeClr val="tx1"/>
-              </a:solidFill>
-              <a:latin typeface="Consolas" panose="020B0609020204030204" pitchFamily="49" charset="0"/>
-            </a:endParaRPr>
-          </a:p>
-        </p:txBody>
-      </p:sp>
-      <p:sp>
-        <p:nvSpPr>
-          <p:cNvPr id="4" name="コンテンツ プレースホルダー 2"/>
-          <p:cNvSpPr>
-            <a:spLocks noGrp="1"/>
-          </p:cNvSpPr>
-          <p:nvPr>
-            <p:ph idx="1"/>
-          </p:nvPr>
-        </p:nvSpPr>
-        <p:spPr>
-          <a:xfrm>
-            <a:off x="838200" y="1280720"/>
-            <a:ext cx="10611678" cy="1320110"/>
-          </a:xfrm>
-        </p:spPr>
-        <p:txBody>
-          <a:bodyPr>
-            <a:normAutofit/>
-          </a:bodyPr>
-          <a:lstStyle/>
-          <a:p>
-            <a:r>
-              <a:rPr lang="ja-JP" altLang="en-US" dirty="0"/>
-              <a:t>テストコードの良くない実装を表す</a:t>
-            </a:r>
-            <a:r>
-              <a:rPr lang="ja-JP" altLang="en-US" dirty="0" smtClean="0"/>
-              <a:t>指標</a:t>
-            </a:r>
-            <a:endParaRPr lang="en-US" altLang="ja-JP" sz="100" dirty="0"/>
-          </a:p>
-          <a:p>
-            <a:pPr lvl="1"/>
-            <a:r>
-              <a:rPr lang="en-US" altLang="ja-JP" dirty="0" err="1" smtClean="0"/>
-              <a:t>Deursen</a:t>
-            </a:r>
-            <a:r>
-              <a:rPr lang="ja-JP" altLang="en-US" dirty="0" smtClean="0"/>
-              <a:t>ら</a:t>
-            </a:r>
-            <a:r>
-              <a:rPr lang="en-US" altLang="ja-JP" dirty="0" smtClean="0"/>
-              <a:t>[4]</a:t>
-            </a:r>
-            <a:r>
-              <a:rPr lang="ja-JP" altLang="en-US" dirty="0" smtClean="0"/>
-              <a:t>は、</a:t>
-            </a:r>
-            <a:r>
-              <a:rPr lang="en-US" altLang="ja-JP" dirty="0" smtClean="0"/>
-              <a:t>11</a:t>
-            </a:r>
-            <a:r>
-              <a:rPr lang="ja-JP" altLang="en-US" dirty="0" smtClean="0"/>
-              <a:t>種類のテストスメルを提唱した</a:t>
-            </a:r>
-            <a:r>
-              <a:rPr lang="en-US" altLang="ja-JP" dirty="0" smtClean="0"/>
-              <a:t>(</a:t>
-            </a:r>
-            <a:r>
-              <a:rPr lang="ja-JP" altLang="en-US" dirty="0" smtClean="0"/>
-              <a:t>現在</a:t>
-            </a:r>
-            <a:r>
-              <a:rPr lang="en-US" altLang="ja-JP" dirty="0" smtClean="0"/>
-              <a:t>19</a:t>
-            </a:r>
-            <a:r>
-              <a:rPr lang="ja-JP" altLang="en-US" dirty="0" smtClean="0"/>
-              <a:t>種類</a:t>
-            </a:r>
-            <a:r>
-              <a:rPr lang="en-US" altLang="ja-JP" dirty="0" smtClean="0"/>
-              <a:t>)</a:t>
-            </a:r>
-          </a:p>
-          <a:p>
-            <a:pPr lvl="1"/>
-            <a:endParaRPr lang="en-US" altLang="ja-JP" dirty="0" smtClean="0"/>
-          </a:p>
-          <a:p>
-            <a:endParaRPr kumimoji="1" lang="ja-JP" altLang="en-US" dirty="0"/>
-          </a:p>
-        </p:txBody>
-      </p:sp>
-      <p:sp>
-        <p:nvSpPr>
-          <p:cNvPr id="6" name="テキスト ボックス 5"/>
-          <p:cNvSpPr txBox="1"/>
-          <p:nvPr/>
-        </p:nvSpPr>
-        <p:spPr>
-          <a:xfrm>
-            <a:off x="1035416" y="2378055"/>
-            <a:ext cx="5164730" cy="400110"/>
-          </a:xfrm>
-          <a:prstGeom prst="rect">
-            <a:avLst/>
-          </a:prstGeom>
-          <a:noFill/>
-        </p:spPr>
-        <p:txBody>
-          <a:bodyPr wrap="square" rtlCol="0">
-            <a:spAutoFit/>
-          </a:bodyPr>
-          <a:lstStyle/>
-          <a:p>
-            <a:pPr algn="ctr"/>
-            <a:r>
-              <a:rPr lang="ja-JP" altLang="en-US" sz="2000" dirty="0">
-                <a:latin typeface="メイリオ" panose="020B0604030504040204" pitchFamily="50" charset="-128"/>
-                <a:ea typeface="メイリオ" panose="020B0604030504040204" pitchFamily="50" charset="-128"/>
-              </a:rPr>
-              <a:t>テストスメルの例</a:t>
-            </a:r>
-            <a:r>
-              <a:rPr lang="en-US" altLang="ja-JP" sz="2000" dirty="0">
-                <a:latin typeface="メイリオ" panose="020B0604030504040204" pitchFamily="50" charset="-128"/>
-                <a:ea typeface="メイリオ" panose="020B0604030504040204" pitchFamily="50" charset="-128"/>
-              </a:rPr>
-              <a:t>: </a:t>
-            </a:r>
-            <a:r>
-              <a:rPr lang="en-US" altLang="ja-JP" sz="2000" b="1" dirty="0">
-                <a:latin typeface="メイリオ" panose="020B0604030504040204" pitchFamily="50" charset="-128"/>
-                <a:ea typeface="メイリオ" panose="020B0604030504040204" pitchFamily="50" charset="-128"/>
-              </a:rPr>
-              <a:t>Assertion </a:t>
-            </a:r>
-            <a:r>
-              <a:rPr lang="en-US" altLang="ja-JP" sz="2000" b="1" dirty="0" smtClean="0">
-                <a:latin typeface="メイリオ" panose="020B0604030504040204" pitchFamily="50" charset="-128"/>
-                <a:ea typeface="メイリオ" panose="020B0604030504040204" pitchFamily="50" charset="-128"/>
-              </a:rPr>
-              <a:t>Roulette</a:t>
-            </a:r>
-            <a:endParaRPr lang="en-US" altLang="ja-JP" sz="2000" b="1" dirty="0">
-              <a:latin typeface="メイリオ" panose="020B0604030504040204" pitchFamily="50" charset="-128"/>
-              <a:ea typeface="メイリオ" panose="020B0604030504040204" pitchFamily="50" charset="-128"/>
-            </a:endParaRPr>
-          </a:p>
-        </p:txBody>
-      </p:sp>
-      <p:sp>
-        <p:nvSpPr>
-          <p:cNvPr id="12" name="コンテンツ プレースホルダー 2"/>
-          <p:cNvSpPr txBox="1">
-            <a:spLocks/>
-          </p:cNvSpPr>
-          <p:nvPr/>
-        </p:nvSpPr>
-        <p:spPr>
-          <a:xfrm>
-            <a:off x="6438991" y="2754245"/>
-            <a:ext cx="5091031" cy="1304851"/>
-          </a:xfrm>
-          <a:prstGeom prst="rect">
-            <a:avLst/>
-          </a:prstGeom>
-        </p:spPr>
-        <p:txBody>
-          <a:bodyPr vert="horz" lIns="91440" tIns="45720" rIns="91440" bIns="45720" rtlCol="0">
-            <a:normAutofit/>
-          </a:bodyPr>
-          <a:lstStyle>
-            <a:lvl1pPr marL="228600" indent="-228600" algn="l" defTabSz="914400" rtl="0" eaLnBrk="1" latinLnBrk="0" hangingPunct="1">
-              <a:lnSpc>
-                <a:spcPct val="90000"/>
-              </a:lnSpc>
-              <a:spcBef>
-                <a:spcPts val="1000"/>
-              </a:spcBef>
-              <a:buFont typeface="Arial" panose="020B0604020202020204" pitchFamily="34" charset="0"/>
-              <a:buChar char="•"/>
-              <a:defRPr kumimoji="1" sz="2800" kern="1200">
-                <a:solidFill>
-                  <a:schemeClr val="tx1"/>
-                </a:solidFill>
-                <a:latin typeface="メイリオ" panose="020B0604030504040204" pitchFamily="50" charset="-128"/>
-                <a:ea typeface="メイリオ" panose="020B0604030504040204" pitchFamily="50" charset="-128"/>
-                <a:cs typeface="+mn-cs"/>
-              </a:defRPr>
-            </a:lvl1pPr>
-            <a:lvl2pPr marL="685800" indent="-228600" algn="l" defTabSz="914400" rtl="0" eaLnBrk="1" latinLnBrk="0" hangingPunct="1">
-              <a:lnSpc>
-                <a:spcPct val="90000"/>
-              </a:lnSpc>
-              <a:spcBef>
-                <a:spcPts val="500"/>
-              </a:spcBef>
-              <a:buFont typeface="Arial" panose="020B0604020202020204" pitchFamily="34" charset="0"/>
-              <a:buChar char="•"/>
-              <a:defRPr kumimoji="1" sz="2400" kern="1200">
-                <a:solidFill>
-                  <a:schemeClr val="tx1"/>
-                </a:solidFill>
-                <a:latin typeface="メイリオ" panose="020B0604030504040204" pitchFamily="50" charset="-128"/>
-                <a:ea typeface="メイリオ" panose="020B0604030504040204" pitchFamily="50" charset="-128"/>
-                <a:cs typeface="+mn-cs"/>
-              </a:defRPr>
-            </a:lvl2pPr>
-            <a:lvl3pPr marL="1143000" indent="-228600" algn="l" defTabSz="914400" rtl="0" eaLnBrk="1" latinLnBrk="0" hangingPunct="1">
-              <a:lnSpc>
-                <a:spcPct val="90000"/>
-              </a:lnSpc>
-              <a:spcBef>
-                <a:spcPts val="500"/>
-              </a:spcBef>
-              <a:buFont typeface="Arial" panose="020B0604020202020204" pitchFamily="34" charset="0"/>
-              <a:buChar char="•"/>
-              <a:defRPr kumimoji="1" sz="2000" kern="1200">
-                <a:solidFill>
-                  <a:schemeClr val="tx1"/>
-                </a:solidFill>
-                <a:latin typeface="メイリオ" panose="020B0604030504040204" pitchFamily="50" charset="-128"/>
-                <a:ea typeface="メイリオ" panose="020B0604030504040204" pitchFamily="50" charset="-128"/>
-                <a:cs typeface="+mn-cs"/>
-              </a:defRPr>
-            </a:lvl3pPr>
-            <a:lvl4pPr marL="1600200" indent="-228600" algn="l" defTabSz="914400" rtl="0" eaLnBrk="1" latinLnBrk="0" hangingPunct="1">
-              <a:lnSpc>
-                <a:spcPct val="90000"/>
-              </a:lnSpc>
-              <a:spcBef>
-                <a:spcPts val="500"/>
-              </a:spcBef>
-              <a:buFont typeface="Arial" panose="020B0604020202020204" pitchFamily="34" charset="0"/>
-              <a:buChar char="•"/>
-              <a:defRPr kumimoji="1" sz="1800" kern="1200">
-                <a:solidFill>
-                  <a:schemeClr val="tx1"/>
-                </a:solidFill>
-                <a:latin typeface="メイリオ" panose="020B0604030504040204" pitchFamily="50" charset="-128"/>
-                <a:ea typeface="メイリオ" panose="020B0604030504040204" pitchFamily="50" charset="-128"/>
-                <a:cs typeface="+mn-cs"/>
-              </a:defRPr>
-            </a:lvl4pPr>
-            <a:lvl5pPr marL="2057400" indent="-228600" algn="l" defTabSz="914400" rtl="0" eaLnBrk="1" latinLnBrk="0" hangingPunct="1">
-              <a:lnSpc>
-                <a:spcPct val="90000"/>
-              </a:lnSpc>
-              <a:spcBef>
-                <a:spcPts val="500"/>
-              </a:spcBef>
-              <a:buFont typeface="Arial" panose="020B0604020202020204" pitchFamily="34" charset="0"/>
-              <a:buChar char="•"/>
-              <a:defRPr kumimoji="1" sz="1800" kern="1200">
-                <a:solidFill>
-                  <a:schemeClr val="tx1"/>
-                </a:solidFill>
-                <a:latin typeface="メイリオ" panose="020B0604030504040204" pitchFamily="50" charset="-128"/>
-                <a:ea typeface="メイリオ" panose="020B0604030504040204" pitchFamily="50" charset="-128"/>
-                <a:cs typeface="+mn-cs"/>
-              </a:defRPr>
-            </a:lvl5pPr>
-            <a:lvl6pPr marL="2514600" indent="-228600" algn="l" defTabSz="914400" rtl="0" eaLnBrk="1" latinLnBrk="0" hangingPunct="1">
-              <a:lnSpc>
-                <a:spcPct val="90000"/>
-              </a:lnSpc>
-              <a:spcBef>
-                <a:spcPts val="500"/>
-              </a:spcBef>
-              <a:buFont typeface="Arial" panose="020B0604020202020204" pitchFamily="34" charset="0"/>
-              <a:buChar char="•"/>
-              <a:defRPr kumimoji="1" sz="1800" kern="1200">
-                <a:solidFill>
-                  <a:schemeClr val="tx1"/>
-                </a:solidFill>
-                <a:latin typeface="+mn-lt"/>
-                <a:ea typeface="+mn-ea"/>
-                <a:cs typeface="+mn-cs"/>
-              </a:defRPr>
-            </a:lvl6pPr>
-            <a:lvl7pPr marL="2971800" indent="-228600" algn="l" defTabSz="914400" rtl="0" eaLnBrk="1" latinLnBrk="0" hangingPunct="1">
-              <a:lnSpc>
-                <a:spcPct val="90000"/>
-              </a:lnSpc>
-              <a:spcBef>
-                <a:spcPts val="500"/>
-              </a:spcBef>
-              <a:buFont typeface="Arial" panose="020B0604020202020204" pitchFamily="34" charset="0"/>
-              <a:buChar char="•"/>
-              <a:defRPr kumimoji="1" sz="1800" kern="1200">
-                <a:solidFill>
-                  <a:schemeClr val="tx1"/>
-                </a:solidFill>
-                <a:latin typeface="+mn-lt"/>
-                <a:ea typeface="+mn-ea"/>
-                <a:cs typeface="+mn-cs"/>
-              </a:defRPr>
-            </a:lvl7pPr>
-            <a:lvl8pPr marL="3429000" indent="-228600" algn="l" defTabSz="914400" rtl="0" eaLnBrk="1" latinLnBrk="0" hangingPunct="1">
-              <a:lnSpc>
-                <a:spcPct val="90000"/>
-              </a:lnSpc>
-              <a:spcBef>
-                <a:spcPts val="500"/>
-              </a:spcBef>
-              <a:buFont typeface="Arial" panose="020B0604020202020204" pitchFamily="34" charset="0"/>
-              <a:buChar char="•"/>
-              <a:defRPr kumimoji="1" sz="1800" kern="1200">
-                <a:solidFill>
-                  <a:schemeClr val="tx1"/>
-                </a:solidFill>
-                <a:latin typeface="+mn-lt"/>
-                <a:ea typeface="+mn-ea"/>
-                <a:cs typeface="+mn-cs"/>
-              </a:defRPr>
-            </a:lvl8pPr>
-            <a:lvl9pPr marL="3886200" indent="-228600" algn="l" defTabSz="914400" rtl="0" eaLnBrk="1" latinLnBrk="0" hangingPunct="1">
-              <a:lnSpc>
-                <a:spcPct val="90000"/>
-              </a:lnSpc>
-              <a:spcBef>
-                <a:spcPts val="500"/>
-              </a:spcBef>
-              <a:buFont typeface="Arial" panose="020B0604020202020204" pitchFamily="34" charset="0"/>
-              <a:buChar char="•"/>
-              <a:defRPr kumimoji="1" sz="1800" kern="1200">
-                <a:solidFill>
-                  <a:schemeClr val="tx1"/>
-                </a:solidFill>
-                <a:latin typeface="+mn-lt"/>
-                <a:ea typeface="+mn-ea"/>
-                <a:cs typeface="+mn-cs"/>
-              </a:defRPr>
-            </a:lvl9pPr>
-          </a:lstStyle>
-          <a:p>
-            <a:pPr marL="0" indent="0">
-              <a:buNone/>
-            </a:pPr>
-            <a:r>
-              <a:rPr lang="ja-JP" altLang="en-US" sz="2200" dirty="0" smtClean="0"/>
-              <a:t>テストスメル検出ツール</a:t>
-            </a:r>
-            <a:r>
-              <a:rPr lang="en-US" altLang="ja-JP" sz="2200" dirty="0" smtClean="0"/>
-              <a:t>: </a:t>
-            </a:r>
-            <a:r>
-              <a:rPr lang="en-US" altLang="ja-JP" sz="2200" dirty="0" err="1" smtClean="0"/>
-              <a:t>tsDetect</a:t>
-            </a:r>
-            <a:r>
-              <a:rPr lang="en-US" altLang="ja-JP" sz="2200" dirty="0" smtClean="0"/>
-              <a:t>[5]</a:t>
-            </a:r>
-          </a:p>
-          <a:p>
-            <a:r>
-              <a:rPr lang="en-US" altLang="ja-JP" sz="2100" dirty="0" smtClean="0"/>
-              <a:t>19</a:t>
-            </a:r>
-            <a:r>
-              <a:rPr lang="ja-JP" altLang="en-US" sz="2100" dirty="0" smtClean="0"/>
-              <a:t>種類のテストスメルを検出可能</a:t>
-            </a:r>
-            <a:endParaRPr lang="en-US" altLang="ja-JP" sz="2100" dirty="0" smtClean="0"/>
-          </a:p>
-          <a:p>
-            <a:r>
-              <a:rPr lang="ja-JP" altLang="en-US" sz="2100" dirty="0" smtClean="0"/>
-              <a:t>各テストスメルを高精度で検出可能</a:t>
-            </a:r>
-            <a:endParaRPr lang="en-US" altLang="ja-JP" sz="2100" dirty="0" smtClean="0"/>
-          </a:p>
-        </p:txBody>
-      </p:sp>
-      <p:sp>
-        <p:nvSpPr>
-          <p:cNvPr id="7" name="角丸四角形 6"/>
-          <p:cNvSpPr/>
-          <p:nvPr/>
-        </p:nvSpPr>
-        <p:spPr>
-          <a:xfrm>
-            <a:off x="1360967" y="4038009"/>
-            <a:ext cx="4710224" cy="733647"/>
-          </a:xfrm>
-          <a:prstGeom prst="roundRect">
-            <a:avLst/>
-          </a:prstGeom>
-          <a:noFill/>
-          <a:ln w="38100">
-            <a:solidFill>
-              <a:schemeClr val="accent2"/>
-            </a:solidFill>
-          </a:ln>
-        </p:spPr>
-        <p:style>
-          <a:lnRef idx="2">
-            <a:schemeClr val="accent4"/>
-          </a:lnRef>
-          <a:fillRef idx="1">
-            <a:schemeClr val="lt1"/>
-          </a:fillRef>
-          <a:effectRef idx="0">
-            <a:schemeClr val="accent4"/>
-          </a:effectRef>
-          <a:fontRef idx="minor">
-            <a:schemeClr val="dk1"/>
-          </a:fontRef>
-        </p:style>
-        <p:txBody>
-          <a:bodyPr rtlCol="0" anchor="ctr"/>
-          <a:lstStyle/>
-          <a:p>
-            <a:pPr algn="ctr"/>
-            <a:endParaRPr kumimoji="1" lang="ja-JP" altLang="en-US"/>
-          </a:p>
-        </p:txBody>
-      </p:sp>
-      <p:pic>
-        <p:nvPicPr>
-          <p:cNvPr id="14" name="図 13"/>
-          <p:cNvPicPr>
-            <a:picLocks noChangeAspect="1"/>
-          </p:cNvPicPr>
-          <p:nvPr/>
-        </p:nvPicPr>
-        <p:blipFill>
-          <a:blip r:embed="rId3" cstate="print">
-            <a:extLst>
-              <a:ext uri="{28A0092B-C50C-407E-A947-70E740481C1C}">
-                <a14:useLocalDpi xmlns:a14="http://schemas.microsoft.com/office/drawing/2010/main" val="0"/>
-              </a:ext>
-            </a:extLst>
-          </a:blip>
-          <a:stretch>
-            <a:fillRect/>
-          </a:stretch>
-        </p:blipFill>
-        <p:spPr>
-          <a:xfrm>
-            <a:off x="1100469" y="3815208"/>
-            <a:ext cx="445604" cy="445604"/>
-          </a:xfrm>
-          <a:prstGeom prst="rect">
-            <a:avLst/>
-          </a:prstGeom>
-        </p:spPr>
-      </p:pic>
-      <p:sp>
-        <p:nvSpPr>
-          <p:cNvPr id="2" name="テキスト ボックス 1"/>
-          <p:cNvSpPr txBox="1"/>
-          <p:nvPr/>
-        </p:nvSpPr>
-        <p:spPr>
-          <a:xfrm>
-            <a:off x="1191043" y="5149092"/>
-            <a:ext cx="5076407" cy="646331"/>
-          </a:xfrm>
-          <a:prstGeom prst="rect">
-            <a:avLst/>
-          </a:prstGeom>
-          <a:noFill/>
-        </p:spPr>
-        <p:txBody>
-          <a:bodyPr wrap="square" rtlCol="0">
-            <a:spAutoFit/>
-          </a:bodyPr>
-          <a:lstStyle/>
-          <a:p>
-            <a:r>
-              <a:rPr kumimoji="1" lang="ja-JP" altLang="en-US" dirty="0" smtClean="0">
-                <a:latin typeface="メイリオ" panose="020B0604030504040204" pitchFamily="50" charset="-128"/>
-                <a:ea typeface="メイリオ" panose="020B0604030504040204" pitchFamily="50" charset="-128"/>
-              </a:rPr>
-              <a:t>複数の</a:t>
-            </a:r>
-            <a:r>
-              <a:rPr kumimoji="1" lang="en-US" altLang="ja-JP" dirty="0" smtClean="0">
-                <a:latin typeface="メイリオ" panose="020B0604030504040204" pitchFamily="50" charset="-128"/>
-                <a:ea typeface="メイリオ" panose="020B0604030504040204" pitchFamily="50" charset="-128"/>
-              </a:rPr>
-              <a:t>assert</a:t>
-            </a:r>
-            <a:r>
-              <a:rPr kumimoji="1" lang="ja-JP" altLang="en-US" dirty="0" smtClean="0">
-                <a:latin typeface="メイリオ" panose="020B0604030504040204" pitchFamily="50" charset="-128"/>
-                <a:ea typeface="メイリオ" panose="020B0604030504040204" pitchFamily="50" charset="-128"/>
-              </a:rPr>
-              <a:t>文が存在するとテストメソッドが失敗した時、原因を特定するのが困難</a:t>
-            </a:r>
-            <a:endParaRPr kumimoji="1" lang="ja-JP" altLang="en-US" dirty="0">
-              <a:latin typeface="メイリオ" panose="020B0604030504040204" pitchFamily="50" charset="-128"/>
-              <a:ea typeface="メイリオ" panose="020B0604030504040204" pitchFamily="50" charset="-128"/>
-            </a:endParaRPr>
-          </a:p>
-        </p:txBody>
-      </p:sp>
-    </p:spTree>
-    <p:extLst>
-      <p:ext uri="{BB962C8B-B14F-4D97-AF65-F5344CB8AC3E}">
-        <p14:creationId xmlns:p14="http://schemas.microsoft.com/office/powerpoint/2010/main" val="3722225565"/>
-      </p:ext>
-    </p:extLst>
-  </p:cSld>
-  <p:clrMapOvr>
-    <a:masterClrMapping/>
-  </p:clrMapOvr>
-  <mc:AlternateContent xmlns:mc="http://schemas.openxmlformats.org/markup-compatibility/2006">
-    <mc:Choice xmlns:p14="http://schemas.microsoft.com/office/powerpoint/2010/main" Requires="p14">
-      <p:transition spd="slow" p14:dur="2000"/>
-    </mc:Choice>
-    <mc:Fallback>
-      <p:transition spd="slow"/>
-    </mc:Fallback>
-  </mc:AlternateContent>
-  <p:timing>
-    <p:tnLst>
-      <p:par>
-        <p:cTn id="1" dur="indefinite" restart="never" nodeType="tmRoot"/>
-      </p:par>
-    </p:tnLst>
-  </p:timing>
-</p:sld>
-</file>
-
-<file path=ppt/slides/slide37.xml><?xml version="1.0" encoding="utf-8"?>
-<p:sld xmlns:a="http://schemas.openxmlformats.org/drawingml/2006/main" xmlns:r="http://schemas.openxmlformats.org/officeDocument/2006/relationships" xmlns:p="http://schemas.openxmlformats.org/presentationml/2006/main" show="0">
-  <p:cSld>
-    <p:spTree>
-      <p:nvGrpSpPr>
-        <p:cNvPr id="1" name=""/>
-        <p:cNvGrpSpPr/>
-        <p:nvPr/>
-      </p:nvGrpSpPr>
-      <p:grpSpPr>
-        <a:xfrm>
-          <a:off x="0" y="0"/>
-          <a:ext cx="0" cy="0"/>
-          <a:chOff x="0" y="0"/>
-          <a:chExt cx="0" cy="0"/>
-        </a:xfrm>
-      </p:grpSpPr>
-      <p:sp>
-        <p:nvSpPr>
           <p:cNvPr id="2" name="タイトル 1"/>
           <p:cNvSpPr>
             <a:spLocks noGrp="1"/>
@@ -35919,7 +34911,7 @@
 </p:sld>
 </file>
 
-<file path=ppt/slides/slide38.xml><?xml version="1.0" encoding="utf-8"?>
+<file path=ppt/slides/slide37.xml><?xml version="1.0" encoding="utf-8"?>
 <p:sld xmlns:a="http://schemas.openxmlformats.org/drawingml/2006/main" xmlns:r="http://schemas.openxmlformats.org/officeDocument/2006/relationships" xmlns:p="http://schemas.openxmlformats.org/presentationml/2006/main" show="0">
   <p:cSld>
     <p:spTree>
@@ -36543,7 +35535,7 @@
 </p:sld>
 </file>
 
-<file path=ppt/slides/slide39.xml><?xml version="1.0" encoding="utf-8"?>
+<file path=ppt/slides/slide38.xml><?xml version="1.0" encoding="utf-8"?>
 <p:sld xmlns:a="http://schemas.openxmlformats.org/drawingml/2006/main" xmlns:r="http://schemas.openxmlformats.org/officeDocument/2006/relationships" xmlns:p="http://schemas.openxmlformats.org/presentationml/2006/main" show="0">
   <p:cSld>
     <p:spTree>
@@ -37012,468 +36004,7 @@
 </p:sld>
 </file>
 
-<file path=ppt/slides/slide4.xml><?xml version="1.0" encoding="utf-8"?>
-<p:sld xmlns:a="http://schemas.openxmlformats.org/drawingml/2006/main" xmlns:r="http://schemas.openxmlformats.org/officeDocument/2006/relationships" xmlns:p="http://schemas.openxmlformats.org/presentationml/2006/main">
-  <p:cSld>
-    <p:spTree>
-      <p:nvGrpSpPr>
-        <p:cNvPr id="1" name=""/>
-        <p:cNvGrpSpPr/>
-        <p:nvPr/>
-      </p:nvGrpSpPr>
-      <p:grpSpPr>
-        <a:xfrm>
-          <a:off x="0" y="0"/>
-          <a:ext cx="0" cy="0"/>
-          <a:chOff x="0" y="0"/>
-          <a:chExt cx="0" cy="0"/>
-        </a:xfrm>
-      </p:grpSpPr>
-      <p:sp>
-        <p:nvSpPr>
-          <p:cNvPr id="2" name="タイトル 1"/>
-          <p:cNvSpPr>
-            <a:spLocks noGrp="1"/>
-          </p:cNvSpPr>
-          <p:nvPr>
-            <p:ph type="title"/>
-          </p:nvPr>
-        </p:nvSpPr>
-        <p:spPr>
-          <a:xfrm>
-            <a:off x="192102" y="219428"/>
-            <a:ext cx="5608931" cy="729386"/>
-          </a:xfrm>
-        </p:spPr>
-        <p:txBody>
-          <a:bodyPr/>
-          <a:lstStyle/>
-          <a:p>
-            <a:r>
-              <a:rPr kumimoji="1" lang="ja-JP" altLang="en-US" dirty="0" smtClean="0">
-                <a:solidFill>
-                  <a:schemeClr val="bg1"/>
-                </a:solidFill>
-              </a:rPr>
-              <a:t>自動生成ツールにおける課題</a:t>
-            </a:r>
-            <a:endParaRPr kumimoji="1" lang="ja-JP" altLang="en-US" dirty="0">
-              <a:solidFill>
-                <a:schemeClr val="bg1"/>
-              </a:solidFill>
-            </a:endParaRPr>
-          </a:p>
-        </p:txBody>
-      </p:sp>
-      <p:sp>
-        <p:nvSpPr>
-          <p:cNvPr id="4" name="コンテンツ プレースホルダー 2"/>
-          <p:cNvSpPr>
-            <a:spLocks noGrp="1"/>
-          </p:cNvSpPr>
-          <p:nvPr>
-            <p:ph idx="1"/>
-          </p:nvPr>
-        </p:nvSpPr>
-        <p:spPr>
-          <a:xfrm>
-            <a:off x="913333" y="1409665"/>
-            <a:ext cx="10601150" cy="3559023"/>
-          </a:xfrm>
-        </p:spPr>
-        <p:txBody>
-          <a:bodyPr>
-            <a:normAutofit/>
-          </a:bodyPr>
-          <a:lstStyle/>
-          <a:p>
-            <a:pPr marL="0" indent="0">
-              <a:buNone/>
-            </a:pPr>
-            <a:r>
-              <a:rPr lang="ja-JP" altLang="en-US" sz="3000" dirty="0"/>
-              <a:t>自動生成されたテストコード</a:t>
-            </a:r>
-            <a:r>
-              <a:rPr lang="ja-JP" altLang="en-US" sz="3000" dirty="0" smtClean="0"/>
-              <a:t>は、保守</a:t>
-            </a:r>
-            <a:r>
-              <a:rPr lang="ja-JP" altLang="en-US" sz="3000" dirty="0"/>
-              <a:t>作業を困難にする</a:t>
-            </a:r>
-            <a:r>
-              <a:rPr lang="en-US" altLang="ja-JP" sz="3000" dirty="0" smtClean="0"/>
-              <a:t>[2]</a:t>
-            </a:r>
-          </a:p>
-          <a:p>
-            <a:pPr lvl="1"/>
-            <a:endParaRPr lang="en-US" altLang="ja-JP" sz="800" dirty="0"/>
-          </a:p>
-          <a:p>
-            <a:pPr lvl="1"/>
-            <a:r>
-              <a:rPr lang="ja-JP" altLang="en-US" sz="2800" dirty="0" smtClean="0"/>
-              <a:t>対象コードの</a:t>
-            </a:r>
-            <a:r>
-              <a:rPr lang="ja-JP" altLang="en-US" sz="2800" dirty="0" smtClean="0">
-                <a:solidFill>
-                  <a:srgbClr val="FF0000"/>
-                </a:solidFill>
-              </a:rPr>
-              <a:t>作成経緯</a:t>
-            </a:r>
-            <a:r>
-              <a:rPr lang="ja-JP" altLang="en-US" sz="2800" dirty="0">
-                <a:solidFill>
-                  <a:srgbClr val="FF0000"/>
-                </a:solidFill>
-              </a:rPr>
-              <a:t>や意図に基づいて生成されて</a:t>
-            </a:r>
-            <a:r>
-              <a:rPr lang="ja-JP" altLang="en-US" sz="2800" dirty="0" smtClean="0">
-                <a:solidFill>
-                  <a:srgbClr val="FF0000"/>
-                </a:solidFill>
-              </a:rPr>
-              <a:t>いない</a:t>
-            </a:r>
-            <a:r>
-              <a:rPr lang="en-US" altLang="ja-JP" sz="2800" dirty="0" smtClean="0">
-                <a:solidFill>
-                  <a:srgbClr val="FF0000"/>
-                </a:solidFill>
-              </a:rPr>
-              <a:t/>
-            </a:r>
-            <a:br>
-              <a:rPr lang="en-US" altLang="ja-JP" sz="2800" dirty="0" smtClean="0">
-                <a:solidFill>
-                  <a:srgbClr val="FF0000"/>
-                </a:solidFill>
-              </a:rPr>
-            </a:br>
-            <a:endParaRPr lang="en-US" altLang="ja-JP" sz="600" dirty="0"/>
-          </a:p>
-          <a:p>
-            <a:pPr lvl="1"/>
-            <a:r>
-              <a:rPr lang="ja-JP" altLang="en-US" sz="2800" dirty="0" smtClean="0"/>
-              <a:t>テストコードの良くない実装を表す</a:t>
-            </a:r>
-            <a:r>
-              <a:rPr lang="ja-JP" altLang="en-US" sz="2800" dirty="0" smtClean="0">
-                <a:solidFill>
-                  <a:srgbClr val="FF0000"/>
-                </a:solidFill>
-              </a:rPr>
-              <a:t>テストスメルが多い</a:t>
-            </a:r>
-            <a:endParaRPr lang="en-US" altLang="ja-JP" sz="2800" dirty="0">
-              <a:solidFill>
-                <a:srgbClr val="FF0000"/>
-              </a:solidFill>
-            </a:endParaRPr>
-          </a:p>
-          <a:p>
-            <a:pPr lvl="1"/>
-            <a:endParaRPr lang="en-US" altLang="ja-JP" sz="2800" dirty="0" smtClean="0">
-              <a:solidFill>
-                <a:srgbClr val="FF0000"/>
-              </a:solidFill>
-            </a:endParaRPr>
-          </a:p>
-          <a:p>
-            <a:pPr lvl="1"/>
-            <a:endParaRPr lang="en-US" altLang="ja-JP" sz="1400" dirty="0" smtClean="0">
-              <a:solidFill>
-                <a:srgbClr val="FF0000"/>
-              </a:solidFill>
-            </a:endParaRPr>
-          </a:p>
-          <a:p>
-            <a:pPr marL="457200" lvl="1" indent="0">
-              <a:buNone/>
-            </a:pPr>
-            <a:r>
-              <a:rPr lang="ja-JP" altLang="en-US" sz="2800" dirty="0" smtClean="0"/>
-              <a:t>　　　　　</a:t>
-            </a:r>
-            <a:r>
-              <a:rPr lang="ja-JP" altLang="en-US" sz="2800" u="sng" dirty="0" smtClean="0"/>
-              <a:t>テスト</a:t>
-            </a:r>
-            <a:r>
-              <a:rPr lang="ja-JP" altLang="en-US" sz="2800" u="sng" dirty="0"/>
-              <a:t>失敗</a:t>
-            </a:r>
-            <a:r>
-              <a:rPr lang="ja-JP" altLang="en-US" sz="2800" u="sng" dirty="0" smtClean="0"/>
-              <a:t>の原因を特定するのが難しい</a:t>
-            </a:r>
-            <a:endParaRPr lang="ja-JP" altLang="en-US" sz="2800" u="sng" dirty="0"/>
-          </a:p>
-          <a:p>
-            <a:pPr lvl="1"/>
-            <a:endParaRPr lang="en-US" altLang="ja-JP" sz="2800" dirty="0">
-              <a:solidFill>
-                <a:srgbClr val="FF0000"/>
-              </a:solidFill>
-            </a:endParaRPr>
-          </a:p>
-          <a:p>
-            <a:pPr lvl="1"/>
-            <a:endParaRPr lang="ja-JP" altLang="en-US" sz="2800" dirty="0" smtClean="0">
-              <a:solidFill>
-                <a:srgbClr val="FF0000"/>
-              </a:solidFill>
-            </a:endParaRPr>
-          </a:p>
-          <a:p>
-            <a:pPr marL="457200" lvl="1" indent="0">
-              <a:buNone/>
-            </a:pPr>
-            <a:endParaRPr lang="en-US" altLang="ja-JP" sz="2800" dirty="0"/>
-          </a:p>
-          <a:p>
-            <a:pPr lvl="1"/>
-            <a:endParaRPr kumimoji="1" lang="ja-JP" altLang="en-US" dirty="0"/>
-          </a:p>
-        </p:txBody>
-      </p:sp>
-      <p:sp>
-        <p:nvSpPr>
-          <p:cNvPr id="5" name="Rectangle 4"/>
-          <p:cNvSpPr>
-            <a:spLocks noChangeArrowheads="1"/>
-          </p:cNvSpPr>
-          <p:nvPr/>
-        </p:nvSpPr>
-        <p:spPr bwMode="auto">
-          <a:xfrm>
-            <a:off x="1130060" y="5894685"/>
-            <a:ext cx="10078064" cy="461665"/>
-          </a:xfrm>
-          <a:prstGeom prst="rect">
-            <a:avLst/>
-          </a:prstGeom>
-          <a:ln>
-            <a:headEnd/>
-            <a:tailEnd/>
-          </a:ln>
-        </p:spPr>
-        <p:style>
-          <a:lnRef idx="2">
-            <a:schemeClr val="dk1"/>
-          </a:lnRef>
-          <a:fillRef idx="1">
-            <a:schemeClr val="lt1"/>
-          </a:fillRef>
-          <a:effectRef idx="0">
-            <a:schemeClr val="dk1"/>
-          </a:effectRef>
-          <a:fontRef idx="minor">
-            <a:schemeClr val="dk1"/>
-          </a:fontRef>
-        </p:style>
-        <p:txBody>
-          <a:bodyPr wrap="square">
-            <a:spAutoFit/>
-          </a:bodyPr>
-          <a:lstStyle/>
-          <a:p>
-            <a:pPr>
-              <a:defRPr/>
-            </a:pPr>
-            <a:r>
-              <a:rPr lang="en-US" altLang="ja-JP" sz="1200" dirty="0" smtClean="0">
-                <a:solidFill>
-                  <a:schemeClr val="tx2"/>
-                </a:solidFill>
-              </a:rPr>
-              <a:t>[2] S</a:t>
-            </a:r>
-            <a:r>
-              <a:rPr lang="en-US" altLang="ja-JP" sz="1200" dirty="0">
-                <a:solidFill>
-                  <a:schemeClr val="tx2"/>
-                </a:solidFill>
-              </a:rPr>
-              <a:t>. </a:t>
-            </a:r>
-            <a:r>
-              <a:rPr lang="en-US" altLang="ja-JP" sz="1200" dirty="0" err="1">
-                <a:solidFill>
-                  <a:schemeClr val="tx2"/>
-                </a:solidFill>
-              </a:rPr>
-              <a:t>Shamshiri</a:t>
-            </a:r>
-            <a:r>
-              <a:rPr lang="en-US" altLang="ja-JP" sz="1200" dirty="0">
-                <a:solidFill>
-                  <a:schemeClr val="tx2"/>
-                </a:solidFill>
-              </a:rPr>
-              <a:t>, J. M. Rojas, J. P. </a:t>
-            </a:r>
-            <a:r>
-              <a:rPr lang="en-US" altLang="ja-JP" sz="1200" dirty="0" err="1">
-                <a:solidFill>
-                  <a:schemeClr val="tx2"/>
-                </a:solidFill>
-              </a:rPr>
-              <a:t>Galeotti</a:t>
-            </a:r>
-            <a:r>
-              <a:rPr lang="en-US" altLang="ja-JP" sz="1200" dirty="0">
-                <a:solidFill>
-                  <a:schemeClr val="tx2"/>
-                </a:solidFill>
-              </a:rPr>
-              <a:t>, N. Walkinshaw, and G. Fraser. How do automatically generated unit tests inﬂuence software maintenance? In Proceedings of the International Conference on Software Testing, Veriﬁcation and Validation (ICST), pages 250–261, 2018</a:t>
-            </a:r>
-            <a:r>
-              <a:rPr lang="en-US" altLang="ja-JP" sz="1200" dirty="0" smtClean="0">
-                <a:solidFill>
-                  <a:schemeClr val="tx2"/>
-                </a:solidFill>
-              </a:rPr>
-              <a:t>.</a:t>
-            </a:r>
-            <a:endParaRPr lang="en-US" altLang="ja-JP" sz="1200" dirty="0">
-              <a:solidFill>
-                <a:schemeClr val="tx2"/>
-              </a:solidFill>
-            </a:endParaRPr>
-          </a:p>
-        </p:txBody>
-      </p:sp>
-      <p:sp>
-        <p:nvSpPr>
-          <p:cNvPr id="6" name="フローチャート: 組合せ 5"/>
-          <p:cNvSpPr/>
-          <p:nvPr/>
-        </p:nvSpPr>
-        <p:spPr>
-          <a:xfrm>
-            <a:off x="4118742" y="3136669"/>
-            <a:ext cx="3927616" cy="411133"/>
-          </a:xfrm>
-          <a:prstGeom prst="flowChartMerge">
-            <a:avLst/>
-          </a:prstGeom>
-          <a:ln/>
-        </p:spPr>
-        <p:style>
-          <a:lnRef idx="1">
-            <a:schemeClr val="accent3"/>
-          </a:lnRef>
-          <a:fillRef idx="2">
-            <a:schemeClr val="accent3"/>
-          </a:fillRef>
-          <a:effectRef idx="1">
-            <a:schemeClr val="accent3"/>
-          </a:effectRef>
-          <a:fontRef idx="minor">
-            <a:schemeClr val="dk1"/>
-          </a:fontRef>
-        </p:style>
-        <p:txBody>
-          <a:bodyPr rtlCol="0" anchor="ctr"/>
-          <a:lstStyle/>
-          <a:p>
-            <a:pPr algn="ctr"/>
-            <a:endParaRPr kumimoji="1" lang="ja-JP" altLang="en-US" dirty="0"/>
-          </a:p>
-        </p:txBody>
-      </p:sp>
-      <p:sp>
-        <p:nvSpPr>
-          <p:cNvPr id="7" name="フローチャート: 代替処理 6"/>
-          <p:cNvSpPr/>
-          <p:nvPr/>
-        </p:nvSpPr>
-        <p:spPr>
-          <a:xfrm>
-            <a:off x="1460959" y="4492556"/>
-            <a:ext cx="9243182" cy="1005877"/>
-          </a:xfrm>
-          <a:prstGeom prst="flowChartAlternateProcess">
-            <a:avLst/>
-          </a:prstGeom>
-          <a:ln w="6350"/>
-        </p:spPr>
-        <p:style>
-          <a:lnRef idx="1">
-            <a:schemeClr val="accent4"/>
-          </a:lnRef>
-          <a:fillRef idx="2">
-            <a:schemeClr val="accent4"/>
-          </a:fillRef>
-          <a:effectRef idx="1">
-            <a:schemeClr val="accent4"/>
-          </a:effectRef>
-          <a:fontRef idx="minor">
-            <a:schemeClr val="dk1"/>
-          </a:fontRef>
-        </p:style>
-        <p:txBody>
-          <a:bodyPr rtlCol="0" anchor="ctr"/>
-          <a:lstStyle/>
-          <a:p>
-            <a:r>
-              <a:rPr lang="ja-JP" altLang="en-US" sz="2800" dirty="0" smtClean="0">
-                <a:latin typeface="メイリオ" panose="020B0604030504040204" pitchFamily="50" charset="-128"/>
-                <a:ea typeface="メイリオ" panose="020B0604030504040204" pitchFamily="50" charset="-128"/>
-              </a:rPr>
-              <a:t>理解</a:t>
-            </a:r>
-            <a:r>
-              <a:rPr lang="ja-JP" altLang="en-US" sz="2800" dirty="0">
-                <a:latin typeface="メイリオ" panose="020B0604030504040204" pitchFamily="50" charset="-128"/>
-                <a:ea typeface="メイリオ" panose="020B0604030504040204" pitchFamily="50" charset="-128"/>
-              </a:rPr>
-              <a:t>しやすく良質なテストコードを作成する必要が</a:t>
-            </a:r>
-            <a:r>
-              <a:rPr lang="ja-JP" altLang="en-US" sz="2800" dirty="0" smtClean="0">
-                <a:latin typeface="メイリオ" panose="020B0604030504040204" pitchFamily="50" charset="-128"/>
-                <a:ea typeface="メイリオ" panose="020B0604030504040204" pitchFamily="50" charset="-128"/>
-              </a:rPr>
-              <a:t>ある</a:t>
-            </a:r>
-            <a:endParaRPr lang="ja-JP" altLang="en-US" sz="2800" dirty="0">
-              <a:latin typeface="メイリオ" panose="020B0604030504040204" pitchFamily="50" charset="-128"/>
-              <a:ea typeface="メイリオ" panose="020B0604030504040204" pitchFamily="50" charset="-128"/>
-            </a:endParaRPr>
-          </a:p>
-        </p:txBody>
-      </p:sp>
-    </p:spTree>
-    <p:extLst>
-      <p:ext uri="{BB962C8B-B14F-4D97-AF65-F5344CB8AC3E}">
-        <p14:creationId xmlns:p14="http://schemas.microsoft.com/office/powerpoint/2010/main" val="3663765090"/>
-      </p:ext>
-    </p:extLst>
-  </p:cSld>
-  <p:clrMapOvr>
-    <a:masterClrMapping/>
-  </p:clrMapOvr>
-  <p:timing>
-    <p:tnLst>
-      <p:par>
-        <p:cTn id="1" dur="indefinite" restart="never" nodeType="tmRoot"/>
-      </p:par>
-    </p:tnLst>
-  </p:timing>
-</p:sld>
-</file>
-
-<file path=ppt/slides/slide40.xml><?xml version="1.0" encoding="utf-8"?>
+<file path=ppt/slides/slide39.xml><?xml version="1.0" encoding="utf-8"?>
 <p:sld xmlns:a="http://schemas.openxmlformats.org/drawingml/2006/main" xmlns:r="http://schemas.openxmlformats.org/officeDocument/2006/relationships" xmlns:p="http://schemas.openxmlformats.org/presentationml/2006/main" show="0">
   <p:cSld>
     <p:spTree>
@@ -38121,6 +36652,2914 @@
     <p:extLst>
       <p:ext uri="{BB962C8B-B14F-4D97-AF65-F5344CB8AC3E}">
         <p14:creationId xmlns:p14="http://schemas.microsoft.com/office/powerpoint/2010/main" val="3631209980"/>
+      </p:ext>
+    </p:extLst>
+  </p:cSld>
+  <p:clrMapOvr>
+    <a:masterClrMapping/>
+  </p:clrMapOvr>
+  <mc:AlternateContent xmlns:mc="http://schemas.openxmlformats.org/markup-compatibility/2006">
+    <mc:Choice xmlns:p14="http://schemas.microsoft.com/office/powerpoint/2010/main" Requires="p14">
+      <p:transition spd="slow" p14:dur="2000"/>
+    </mc:Choice>
+    <mc:Fallback>
+      <p:transition spd="slow"/>
+    </mc:Fallback>
+  </mc:AlternateContent>
+  <p:timing>
+    <p:tnLst>
+      <p:par>
+        <p:cTn id="1" dur="indefinite" restart="never" nodeType="tmRoot"/>
+      </p:par>
+    </p:tnLst>
+  </p:timing>
+</p:sld>
+</file>
+
+<file path=ppt/slides/slide4.xml><?xml version="1.0" encoding="utf-8"?>
+<p:sld xmlns:a="http://schemas.openxmlformats.org/drawingml/2006/main" xmlns:r="http://schemas.openxmlformats.org/officeDocument/2006/relationships" xmlns:p="http://schemas.openxmlformats.org/presentationml/2006/main">
+  <p:cSld>
+    <p:spTree>
+      <p:nvGrpSpPr>
+        <p:cNvPr id="1" name=""/>
+        <p:cNvGrpSpPr/>
+        <p:nvPr/>
+      </p:nvGrpSpPr>
+      <p:grpSpPr>
+        <a:xfrm>
+          <a:off x="0" y="0"/>
+          <a:ext cx="0" cy="0"/>
+          <a:chOff x="0" y="0"/>
+          <a:chExt cx="0" cy="0"/>
+        </a:xfrm>
+      </p:grpSpPr>
+      <p:sp>
+        <p:nvSpPr>
+          <p:cNvPr id="2" name="タイトル 1"/>
+          <p:cNvSpPr>
+            <a:spLocks noGrp="1"/>
+          </p:cNvSpPr>
+          <p:nvPr>
+            <p:ph type="title"/>
+          </p:nvPr>
+        </p:nvSpPr>
+        <p:spPr>
+          <a:xfrm>
+            <a:off x="192102" y="219428"/>
+            <a:ext cx="5608931" cy="729386"/>
+          </a:xfrm>
+        </p:spPr>
+        <p:txBody>
+          <a:bodyPr/>
+          <a:lstStyle/>
+          <a:p>
+            <a:r>
+              <a:rPr kumimoji="1" lang="ja-JP" altLang="en-US" dirty="0" smtClean="0">
+                <a:solidFill>
+                  <a:schemeClr val="bg1"/>
+                </a:solidFill>
+              </a:rPr>
+              <a:t>自動生成ツールにおける課題</a:t>
+            </a:r>
+            <a:endParaRPr kumimoji="1" lang="ja-JP" altLang="en-US" dirty="0">
+              <a:solidFill>
+                <a:schemeClr val="bg1"/>
+              </a:solidFill>
+            </a:endParaRPr>
+          </a:p>
+        </p:txBody>
+      </p:sp>
+      <p:sp>
+        <p:nvSpPr>
+          <p:cNvPr id="4" name="コンテンツ プレースホルダー 2"/>
+          <p:cNvSpPr>
+            <a:spLocks noGrp="1"/>
+          </p:cNvSpPr>
+          <p:nvPr>
+            <p:ph idx="1"/>
+          </p:nvPr>
+        </p:nvSpPr>
+        <p:spPr>
+          <a:xfrm>
+            <a:off x="913333" y="1409665"/>
+            <a:ext cx="10601150" cy="3559023"/>
+          </a:xfrm>
+        </p:spPr>
+        <p:txBody>
+          <a:bodyPr>
+            <a:normAutofit/>
+          </a:bodyPr>
+          <a:lstStyle/>
+          <a:p>
+            <a:pPr marL="0" indent="0">
+              <a:buNone/>
+            </a:pPr>
+            <a:r>
+              <a:rPr lang="ja-JP" altLang="en-US" sz="3000" dirty="0"/>
+              <a:t>自動生成されたテストコード</a:t>
+            </a:r>
+            <a:r>
+              <a:rPr lang="ja-JP" altLang="en-US" sz="3000" dirty="0" smtClean="0"/>
+              <a:t>は、保守</a:t>
+            </a:r>
+            <a:r>
+              <a:rPr lang="ja-JP" altLang="en-US" sz="3000" dirty="0"/>
+              <a:t>作業を困難にする</a:t>
+            </a:r>
+            <a:r>
+              <a:rPr lang="en-US" altLang="ja-JP" sz="3000" dirty="0" smtClean="0"/>
+              <a:t>[2]</a:t>
+            </a:r>
+          </a:p>
+          <a:p>
+            <a:pPr lvl="1"/>
+            <a:endParaRPr lang="en-US" altLang="ja-JP" sz="800" dirty="0"/>
+          </a:p>
+          <a:p>
+            <a:pPr lvl="1"/>
+            <a:r>
+              <a:rPr lang="ja-JP" altLang="en-US" sz="2800" dirty="0" smtClean="0"/>
+              <a:t>対象コードの</a:t>
+            </a:r>
+            <a:r>
+              <a:rPr lang="ja-JP" altLang="en-US" sz="2800" dirty="0" smtClean="0">
+                <a:solidFill>
+                  <a:srgbClr val="FF0000"/>
+                </a:solidFill>
+              </a:rPr>
+              <a:t>作成経緯</a:t>
+            </a:r>
+            <a:r>
+              <a:rPr lang="ja-JP" altLang="en-US" sz="2800" dirty="0">
+                <a:solidFill>
+                  <a:srgbClr val="FF0000"/>
+                </a:solidFill>
+              </a:rPr>
+              <a:t>や意図に基づいて生成されて</a:t>
+            </a:r>
+            <a:r>
+              <a:rPr lang="ja-JP" altLang="en-US" sz="2800" dirty="0" smtClean="0">
+                <a:solidFill>
+                  <a:srgbClr val="FF0000"/>
+                </a:solidFill>
+              </a:rPr>
+              <a:t>いない</a:t>
+            </a:r>
+            <a:r>
+              <a:rPr lang="en-US" altLang="ja-JP" sz="2800" dirty="0" smtClean="0">
+                <a:solidFill>
+                  <a:srgbClr val="FF0000"/>
+                </a:solidFill>
+              </a:rPr>
+              <a:t/>
+            </a:r>
+            <a:br>
+              <a:rPr lang="en-US" altLang="ja-JP" sz="2800" dirty="0" smtClean="0">
+                <a:solidFill>
+                  <a:srgbClr val="FF0000"/>
+                </a:solidFill>
+              </a:rPr>
+            </a:br>
+            <a:endParaRPr lang="en-US" altLang="ja-JP" sz="600" dirty="0"/>
+          </a:p>
+          <a:p>
+            <a:pPr lvl="1"/>
+            <a:r>
+              <a:rPr lang="ja-JP" altLang="en-US" sz="2800" dirty="0" smtClean="0"/>
+              <a:t>テストコードの良くない実装を表す</a:t>
+            </a:r>
+            <a:r>
+              <a:rPr lang="ja-JP" altLang="en-US" sz="2800" dirty="0" smtClean="0">
+                <a:solidFill>
+                  <a:srgbClr val="FF0000"/>
+                </a:solidFill>
+              </a:rPr>
+              <a:t>テストスメルが多い</a:t>
+            </a:r>
+            <a:endParaRPr lang="en-US" altLang="ja-JP" sz="2800" dirty="0">
+              <a:solidFill>
+                <a:srgbClr val="FF0000"/>
+              </a:solidFill>
+            </a:endParaRPr>
+          </a:p>
+          <a:p>
+            <a:pPr lvl="1"/>
+            <a:endParaRPr lang="en-US" altLang="ja-JP" sz="2800" dirty="0" smtClean="0">
+              <a:solidFill>
+                <a:srgbClr val="FF0000"/>
+              </a:solidFill>
+            </a:endParaRPr>
+          </a:p>
+          <a:p>
+            <a:pPr lvl="1"/>
+            <a:endParaRPr lang="en-US" altLang="ja-JP" sz="1400" dirty="0" smtClean="0">
+              <a:solidFill>
+                <a:srgbClr val="FF0000"/>
+              </a:solidFill>
+            </a:endParaRPr>
+          </a:p>
+          <a:p>
+            <a:pPr marL="457200" lvl="1" indent="0">
+              <a:buNone/>
+            </a:pPr>
+            <a:r>
+              <a:rPr lang="ja-JP" altLang="en-US" sz="2800" dirty="0" smtClean="0"/>
+              <a:t>　　　　　</a:t>
+            </a:r>
+            <a:r>
+              <a:rPr lang="ja-JP" altLang="en-US" sz="2800" u="sng" dirty="0" smtClean="0"/>
+              <a:t>テスト</a:t>
+            </a:r>
+            <a:r>
+              <a:rPr lang="ja-JP" altLang="en-US" sz="2800" u="sng" dirty="0"/>
+              <a:t>失敗</a:t>
+            </a:r>
+            <a:r>
+              <a:rPr lang="ja-JP" altLang="en-US" sz="2800" u="sng" dirty="0" smtClean="0"/>
+              <a:t>の原因を特定するのが難しい</a:t>
+            </a:r>
+            <a:endParaRPr lang="ja-JP" altLang="en-US" sz="2800" u="sng" dirty="0"/>
+          </a:p>
+          <a:p>
+            <a:pPr lvl="1"/>
+            <a:endParaRPr lang="en-US" altLang="ja-JP" sz="2800" dirty="0">
+              <a:solidFill>
+                <a:srgbClr val="FF0000"/>
+              </a:solidFill>
+            </a:endParaRPr>
+          </a:p>
+          <a:p>
+            <a:pPr lvl="1"/>
+            <a:endParaRPr lang="ja-JP" altLang="en-US" sz="2800" dirty="0" smtClean="0">
+              <a:solidFill>
+                <a:srgbClr val="FF0000"/>
+              </a:solidFill>
+            </a:endParaRPr>
+          </a:p>
+          <a:p>
+            <a:pPr marL="457200" lvl="1" indent="0">
+              <a:buNone/>
+            </a:pPr>
+            <a:endParaRPr lang="en-US" altLang="ja-JP" sz="2800" dirty="0"/>
+          </a:p>
+          <a:p>
+            <a:pPr lvl="1"/>
+            <a:endParaRPr kumimoji="1" lang="ja-JP" altLang="en-US" dirty="0"/>
+          </a:p>
+        </p:txBody>
+      </p:sp>
+      <p:sp>
+        <p:nvSpPr>
+          <p:cNvPr id="5" name="Rectangle 4"/>
+          <p:cNvSpPr>
+            <a:spLocks noChangeArrowheads="1"/>
+          </p:cNvSpPr>
+          <p:nvPr/>
+        </p:nvSpPr>
+        <p:spPr bwMode="auto">
+          <a:xfrm>
+            <a:off x="1130060" y="5894685"/>
+            <a:ext cx="10078064" cy="461665"/>
+          </a:xfrm>
+          <a:prstGeom prst="rect">
+            <a:avLst/>
+          </a:prstGeom>
+          <a:ln>
+            <a:headEnd/>
+            <a:tailEnd/>
+          </a:ln>
+        </p:spPr>
+        <p:style>
+          <a:lnRef idx="2">
+            <a:schemeClr val="dk1"/>
+          </a:lnRef>
+          <a:fillRef idx="1">
+            <a:schemeClr val="lt1"/>
+          </a:fillRef>
+          <a:effectRef idx="0">
+            <a:schemeClr val="dk1"/>
+          </a:effectRef>
+          <a:fontRef idx="minor">
+            <a:schemeClr val="dk1"/>
+          </a:fontRef>
+        </p:style>
+        <p:txBody>
+          <a:bodyPr wrap="square">
+            <a:spAutoFit/>
+          </a:bodyPr>
+          <a:lstStyle/>
+          <a:p>
+            <a:pPr>
+              <a:defRPr/>
+            </a:pPr>
+            <a:r>
+              <a:rPr lang="en-US" altLang="ja-JP" sz="1200" dirty="0" smtClean="0">
+                <a:solidFill>
+                  <a:schemeClr val="tx2"/>
+                </a:solidFill>
+              </a:rPr>
+              <a:t>[2] S</a:t>
+            </a:r>
+            <a:r>
+              <a:rPr lang="en-US" altLang="ja-JP" sz="1200" dirty="0">
+                <a:solidFill>
+                  <a:schemeClr val="tx2"/>
+                </a:solidFill>
+              </a:rPr>
+              <a:t>. </a:t>
+            </a:r>
+            <a:r>
+              <a:rPr lang="en-US" altLang="ja-JP" sz="1200" dirty="0" err="1">
+                <a:solidFill>
+                  <a:schemeClr val="tx2"/>
+                </a:solidFill>
+              </a:rPr>
+              <a:t>Shamshiri</a:t>
+            </a:r>
+            <a:r>
+              <a:rPr lang="en-US" altLang="ja-JP" sz="1200" dirty="0">
+                <a:solidFill>
+                  <a:schemeClr val="tx2"/>
+                </a:solidFill>
+              </a:rPr>
+              <a:t>, J. M. Rojas, J. P. </a:t>
+            </a:r>
+            <a:r>
+              <a:rPr lang="en-US" altLang="ja-JP" sz="1200" dirty="0" err="1">
+                <a:solidFill>
+                  <a:schemeClr val="tx2"/>
+                </a:solidFill>
+              </a:rPr>
+              <a:t>Galeotti</a:t>
+            </a:r>
+            <a:r>
+              <a:rPr lang="en-US" altLang="ja-JP" sz="1200" dirty="0">
+                <a:solidFill>
+                  <a:schemeClr val="tx2"/>
+                </a:solidFill>
+              </a:rPr>
+              <a:t>, N. Walkinshaw, and G. Fraser. How do automatically generated unit tests inﬂuence software maintenance? In Proceedings of the International Conference on Software Testing, Veriﬁcation and Validation (ICST), pages 250–261, 2018</a:t>
+            </a:r>
+            <a:r>
+              <a:rPr lang="en-US" altLang="ja-JP" sz="1200" dirty="0" smtClean="0">
+                <a:solidFill>
+                  <a:schemeClr val="tx2"/>
+                </a:solidFill>
+              </a:rPr>
+              <a:t>.</a:t>
+            </a:r>
+            <a:endParaRPr lang="en-US" altLang="ja-JP" sz="1200" dirty="0">
+              <a:solidFill>
+                <a:schemeClr val="tx2"/>
+              </a:solidFill>
+            </a:endParaRPr>
+          </a:p>
+        </p:txBody>
+      </p:sp>
+      <p:sp>
+        <p:nvSpPr>
+          <p:cNvPr id="6" name="フローチャート: 組合せ 5"/>
+          <p:cNvSpPr/>
+          <p:nvPr/>
+        </p:nvSpPr>
+        <p:spPr>
+          <a:xfrm>
+            <a:off x="4118742" y="3136669"/>
+            <a:ext cx="3927616" cy="411133"/>
+          </a:xfrm>
+          <a:prstGeom prst="flowChartMerge">
+            <a:avLst/>
+          </a:prstGeom>
+          <a:ln/>
+        </p:spPr>
+        <p:style>
+          <a:lnRef idx="1">
+            <a:schemeClr val="accent3"/>
+          </a:lnRef>
+          <a:fillRef idx="2">
+            <a:schemeClr val="accent3"/>
+          </a:fillRef>
+          <a:effectRef idx="1">
+            <a:schemeClr val="accent3"/>
+          </a:effectRef>
+          <a:fontRef idx="minor">
+            <a:schemeClr val="dk1"/>
+          </a:fontRef>
+        </p:style>
+        <p:txBody>
+          <a:bodyPr rtlCol="0" anchor="ctr"/>
+          <a:lstStyle/>
+          <a:p>
+            <a:pPr algn="ctr"/>
+            <a:endParaRPr kumimoji="1" lang="ja-JP" altLang="en-US" dirty="0"/>
+          </a:p>
+        </p:txBody>
+      </p:sp>
+      <p:sp>
+        <p:nvSpPr>
+          <p:cNvPr id="7" name="フローチャート: 代替処理 6"/>
+          <p:cNvSpPr/>
+          <p:nvPr/>
+        </p:nvSpPr>
+        <p:spPr>
+          <a:xfrm>
+            <a:off x="1460959" y="4492556"/>
+            <a:ext cx="9243182" cy="1005877"/>
+          </a:xfrm>
+          <a:prstGeom prst="flowChartAlternateProcess">
+            <a:avLst/>
+          </a:prstGeom>
+          <a:ln w="6350"/>
+        </p:spPr>
+        <p:style>
+          <a:lnRef idx="1">
+            <a:schemeClr val="accent4"/>
+          </a:lnRef>
+          <a:fillRef idx="2">
+            <a:schemeClr val="accent4"/>
+          </a:fillRef>
+          <a:effectRef idx="1">
+            <a:schemeClr val="accent4"/>
+          </a:effectRef>
+          <a:fontRef idx="minor">
+            <a:schemeClr val="dk1"/>
+          </a:fontRef>
+        </p:style>
+        <p:txBody>
+          <a:bodyPr rtlCol="0" anchor="ctr"/>
+          <a:lstStyle/>
+          <a:p>
+            <a:r>
+              <a:rPr lang="ja-JP" altLang="en-US" sz="2800" dirty="0" smtClean="0">
+                <a:latin typeface="メイリオ" panose="020B0604030504040204" pitchFamily="50" charset="-128"/>
+                <a:ea typeface="メイリオ" panose="020B0604030504040204" pitchFamily="50" charset="-128"/>
+              </a:rPr>
+              <a:t>理解</a:t>
+            </a:r>
+            <a:r>
+              <a:rPr lang="ja-JP" altLang="en-US" sz="2800" dirty="0">
+                <a:latin typeface="メイリオ" panose="020B0604030504040204" pitchFamily="50" charset="-128"/>
+                <a:ea typeface="メイリオ" panose="020B0604030504040204" pitchFamily="50" charset="-128"/>
+              </a:rPr>
+              <a:t>しやすく良質なテストコードを作成する必要が</a:t>
+            </a:r>
+            <a:r>
+              <a:rPr lang="ja-JP" altLang="en-US" sz="2800" dirty="0" smtClean="0">
+                <a:latin typeface="メイリオ" panose="020B0604030504040204" pitchFamily="50" charset="-128"/>
+                <a:ea typeface="メイリオ" panose="020B0604030504040204" pitchFamily="50" charset="-128"/>
+              </a:rPr>
+              <a:t>ある</a:t>
+            </a:r>
+            <a:endParaRPr lang="ja-JP" altLang="en-US" sz="2800" dirty="0">
+              <a:latin typeface="メイリオ" panose="020B0604030504040204" pitchFamily="50" charset="-128"/>
+              <a:ea typeface="メイリオ" panose="020B0604030504040204" pitchFamily="50" charset="-128"/>
+            </a:endParaRPr>
+          </a:p>
+        </p:txBody>
+      </p:sp>
+    </p:spTree>
+    <p:extLst>
+      <p:ext uri="{BB962C8B-B14F-4D97-AF65-F5344CB8AC3E}">
+        <p14:creationId xmlns:p14="http://schemas.microsoft.com/office/powerpoint/2010/main" val="3663765090"/>
+      </p:ext>
+    </p:extLst>
+  </p:cSld>
+  <p:clrMapOvr>
+    <a:masterClrMapping/>
+  </p:clrMapOvr>
+  <p:timing>
+    <p:tnLst>
+      <p:par>
+        <p:cTn id="1" dur="indefinite" restart="never" nodeType="tmRoot"/>
+      </p:par>
+    </p:tnLst>
+  </p:timing>
+</p:sld>
+</file>
+
+<file path=ppt/slides/slide40.xml><?xml version="1.0" encoding="utf-8"?>
+<p:sld xmlns:a="http://schemas.openxmlformats.org/drawingml/2006/main" xmlns:r="http://schemas.openxmlformats.org/officeDocument/2006/relationships" xmlns:p="http://schemas.openxmlformats.org/presentationml/2006/main" show="0">
+  <p:cSld>
+    <p:spTree>
+      <p:nvGrpSpPr>
+        <p:cNvPr id="1" name=""/>
+        <p:cNvGrpSpPr/>
+        <p:nvPr/>
+      </p:nvGrpSpPr>
+      <p:grpSpPr>
+        <a:xfrm>
+          <a:off x="0" y="0"/>
+          <a:ext cx="0" cy="0"/>
+          <a:chOff x="0" y="0"/>
+          <a:chExt cx="0" cy="0"/>
+        </a:xfrm>
+      </p:grpSpPr>
+      <p:sp>
+        <p:nvSpPr>
+          <p:cNvPr id="3" name="タイトル 2"/>
+          <p:cNvSpPr>
+            <a:spLocks noGrp="1"/>
+          </p:cNvSpPr>
+          <p:nvPr>
+            <p:ph type="title"/>
+          </p:nvPr>
+        </p:nvSpPr>
+        <p:spPr/>
+        <p:txBody>
+          <a:bodyPr/>
+          <a:lstStyle/>
+          <a:p>
+            <a:r>
+              <a:rPr lang="en-US" altLang="ja-JP" b="1" dirty="0"/>
+              <a:t>Step3:</a:t>
+            </a:r>
+            <a:r>
+              <a:rPr lang="en-US" altLang="ja-JP" dirty="0"/>
+              <a:t> </a:t>
+            </a:r>
+            <a:r>
+              <a:rPr lang="ja-JP" altLang="en-US" dirty="0"/>
+              <a:t>テストスメルの検出</a:t>
+            </a:r>
+            <a:endParaRPr kumimoji="1" lang="ja-JP" altLang="en-US" dirty="0"/>
+          </a:p>
+        </p:txBody>
+      </p:sp>
+      <p:sp>
+        <p:nvSpPr>
+          <p:cNvPr id="5" name="Rectangle 4"/>
+          <p:cNvSpPr>
+            <a:spLocks noChangeArrowheads="1"/>
+          </p:cNvSpPr>
+          <p:nvPr/>
+        </p:nvSpPr>
+        <p:spPr bwMode="auto">
+          <a:xfrm>
+            <a:off x="988911" y="5912843"/>
+            <a:ext cx="9994491" cy="600164"/>
+          </a:xfrm>
+          <a:prstGeom prst="rect">
+            <a:avLst/>
+          </a:prstGeom>
+          <a:ln>
+            <a:headEnd/>
+            <a:tailEnd/>
+          </a:ln>
+        </p:spPr>
+        <p:style>
+          <a:lnRef idx="2">
+            <a:schemeClr val="dk1"/>
+          </a:lnRef>
+          <a:fillRef idx="1">
+            <a:schemeClr val="lt1"/>
+          </a:fillRef>
+          <a:effectRef idx="0">
+            <a:schemeClr val="dk1"/>
+          </a:effectRef>
+          <a:fontRef idx="minor">
+            <a:schemeClr val="dk1"/>
+          </a:fontRef>
+        </p:style>
+        <p:txBody>
+          <a:bodyPr wrap="square">
+            <a:spAutoFit/>
+          </a:bodyPr>
+          <a:lstStyle/>
+          <a:p>
+            <a:pPr>
+              <a:defRPr/>
+            </a:pPr>
+            <a:r>
+              <a:rPr lang="en-US" altLang="ja-JP" sz="1100" dirty="0">
+                <a:solidFill>
+                  <a:schemeClr val="tx2"/>
+                </a:solidFill>
+              </a:rPr>
+              <a:t>[4] A. </a:t>
+            </a:r>
+            <a:r>
+              <a:rPr lang="en-US" altLang="ja-JP" sz="1100" dirty="0" err="1">
+                <a:solidFill>
+                  <a:schemeClr val="tx2"/>
+                </a:solidFill>
+              </a:rPr>
+              <a:t>Deursen</a:t>
+            </a:r>
+            <a:r>
+              <a:rPr lang="en-US" altLang="ja-JP" sz="1100" dirty="0">
+                <a:solidFill>
+                  <a:schemeClr val="tx2"/>
+                </a:solidFill>
+              </a:rPr>
+              <a:t>, L. M. F. </a:t>
+            </a:r>
+            <a:r>
+              <a:rPr lang="en-US" altLang="ja-JP" sz="1100" dirty="0" err="1">
+                <a:solidFill>
+                  <a:schemeClr val="tx2"/>
+                </a:solidFill>
+              </a:rPr>
+              <a:t>Moonen</a:t>
+            </a:r>
+            <a:r>
+              <a:rPr lang="en-US" altLang="ja-JP" sz="1100" dirty="0">
+                <a:solidFill>
+                  <a:schemeClr val="tx2"/>
+                </a:solidFill>
+              </a:rPr>
+              <a:t>, A. Bergh, and G. </a:t>
+            </a:r>
+            <a:r>
+              <a:rPr lang="en-US" altLang="ja-JP" sz="1100" dirty="0" err="1">
+                <a:solidFill>
+                  <a:schemeClr val="tx2"/>
+                </a:solidFill>
+              </a:rPr>
+              <a:t>Kok</a:t>
+            </a:r>
+            <a:r>
+              <a:rPr lang="en-US" altLang="ja-JP" sz="1100" dirty="0">
+                <a:solidFill>
+                  <a:schemeClr val="tx2"/>
+                </a:solidFill>
+              </a:rPr>
+              <a:t>. Refactoring test code. Technical report, 2001.</a:t>
+            </a:r>
+          </a:p>
+          <a:p>
+            <a:pPr>
+              <a:defRPr/>
+            </a:pPr>
+            <a:r>
+              <a:rPr lang="en-US" altLang="ja-JP" sz="1100" dirty="0" smtClean="0">
+                <a:solidFill>
+                  <a:schemeClr val="tx2"/>
+                </a:solidFill>
+              </a:rPr>
+              <a:t>[5] A. </a:t>
+            </a:r>
+            <a:r>
+              <a:rPr lang="en-US" altLang="ja-JP" sz="1100" dirty="0" err="1" smtClean="0">
+                <a:solidFill>
+                  <a:schemeClr val="tx2"/>
+                </a:solidFill>
+              </a:rPr>
+              <a:t>Peruma</a:t>
+            </a:r>
+            <a:r>
+              <a:rPr lang="en-US" altLang="ja-JP" sz="1100" dirty="0" smtClean="0">
+                <a:solidFill>
+                  <a:schemeClr val="tx2"/>
+                </a:solidFill>
+              </a:rPr>
+              <a:t>, K. </a:t>
+            </a:r>
+            <a:r>
+              <a:rPr lang="en-US" altLang="ja-JP" sz="1100" dirty="0" err="1" smtClean="0">
+                <a:solidFill>
+                  <a:schemeClr val="tx2"/>
+                </a:solidFill>
+              </a:rPr>
+              <a:t>Almalki</a:t>
+            </a:r>
+            <a:r>
+              <a:rPr lang="en-US" altLang="ja-JP" sz="1100" dirty="0" smtClean="0">
+                <a:solidFill>
+                  <a:schemeClr val="tx2"/>
+                </a:solidFill>
+              </a:rPr>
+              <a:t>, C. D. Newman, M. W. </a:t>
+            </a:r>
+            <a:r>
+              <a:rPr lang="en-US" altLang="ja-JP" sz="1100" dirty="0" err="1" smtClean="0">
+                <a:solidFill>
+                  <a:schemeClr val="tx2"/>
+                </a:solidFill>
+              </a:rPr>
+              <a:t>Mkaouer,A</a:t>
+            </a:r>
+            <a:r>
+              <a:rPr lang="en-US" altLang="ja-JP" sz="1100" dirty="0" smtClean="0">
+                <a:solidFill>
+                  <a:schemeClr val="tx2"/>
+                </a:solidFill>
+              </a:rPr>
+              <a:t>. </a:t>
+            </a:r>
+            <a:r>
+              <a:rPr lang="en-US" altLang="ja-JP" sz="1100" dirty="0" err="1" smtClean="0">
+                <a:solidFill>
+                  <a:schemeClr val="tx2"/>
+                </a:solidFill>
+              </a:rPr>
+              <a:t>Ouni</a:t>
+            </a:r>
+            <a:r>
+              <a:rPr lang="en-US" altLang="ja-JP" sz="1100" dirty="0" smtClean="0">
+                <a:solidFill>
+                  <a:schemeClr val="tx2"/>
+                </a:solidFill>
+              </a:rPr>
+              <a:t> and F. </a:t>
+            </a:r>
+            <a:r>
+              <a:rPr lang="en-US" altLang="ja-JP" sz="1100" dirty="0" err="1" smtClean="0">
+                <a:solidFill>
+                  <a:schemeClr val="tx2"/>
+                </a:solidFill>
+              </a:rPr>
+              <a:t>Palomba</a:t>
+            </a:r>
+            <a:r>
+              <a:rPr lang="en-US" altLang="ja-JP" sz="1100" dirty="0" smtClean="0">
+                <a:solidFill>
+                  <a:schemeClr val="tx2"/>
+                </a:solidFill>
+              </a:rPr>
+              <a:t>: “On the distribution of test smells </a:t>
+            </a:r>
+            <a:r>
+              <a:rPr lang="en-US" altLang="ja-JP" sz="1100" dirty="0" err="1" smtClean="0">
+                <a:solidFill>
+                  <a:schemeClr val="tx2"/>
+                </a:solidFill>
+              </a:rPr>
+              <a:t>inopen</a:t>
+            </a:r>
+            <a:r>
+              <a:rPr lang="en-US" altLang="ja-JP" sz="1100" dirty="0" smtClean="0">
+                <a:solidFill>
+                  <a:schemeClr val="tx2"/>
+                </a:solidFill>
+              </a:rPr>
+              <a:t> source android applications: An exploratory study”, </a:t>
+            </a:r>
+            <a:r>
+              <a:rPr lang="en-US" altLang="ja-JP" sz="1100" dirty="0" err="1" smtClean="0">
+                <a:solidFill>
+                  <a:schemeClr val="tx2"/>
+                </a:solidFill>
+              </a:rPr>
+              <a:t>Pro.of</a:t>
+            </a:r>
+            <a:r>
+              <a:rPr lang="en-US" altLang="ja-JP" sz="1100" dirty="0" smtClean="0">
+                <a:solidFill>
+                  <a:schemeClr val="tx2"/>
+                </a:solidFill>
+              </a:rPr>
+              <a:t> CASCON, pp. 193–202 (2019).</a:t>
+            </a:r>
+            <a:endParaRPr lang="en-US" altLang="ja-JP" sz="1100" dirty="0">
+              <a:solidFill>
+                <a:schemeClr val="tx2"/>
+              </a:solidFill>
+            </a:endParaRPr>
+          </a:p>
+        </p:txBody>
+      </p:sp>
+      <p:sp>
+        <p:nvSpPr>
+          <p:cNvPr id="16" name="正方形/長方形 15"/>
+          <p:cNvSpPr/>
+          <p:nvPr/>
+        </p:nvSpPr>
+        <p:spPr>
+          <a:xfrm>
+            <a:off x="1035416" y="2708749"/>
+            <a:ext cx="5285640" cy="2339102"/>
+          </a:xfrm>
+          <a:prstGeom prst="rect">
+            <a:avLst/>
+          </a:prstGeom>
+          <a:ln w="38100"/>
+        </p:spPr>
+        <p:style>
+          <a:lnRef idx="2">
+            <a:schemeClr val="accent3"/>
+          </a:lnRef>
+          <a:fillRef idx="1">
+            <a:schemeClr val="lt1"/>
+          </a:fillRef>
+          <a:effectRef idx="0">
+            <a:schemeClr val="accent3"/>
+          </a:effectRef>
+          <a:fontRef idx="minor">
+            <a:schemeClr val="dk1"/>
+          </a:fontRef>
+        </p:style>
+        <p:txBody>
+          <a:bodyPr wrap="square">
+            <a:spAutoFit/>
+          </a:bodyPr>
+          <a:lstStyle/>
+          <a:p>
+            <a:r>
+              <a:rPr lang="en-US" altLang="ja-JP" sz="1600" dirty="0" smtClean="0">
+                <a:solidFill>
+                  <a:schemeClr val="tx1"/>
+                </a:solidFill>
+                <a:latin typeface="Consolas" panose="020B0609020204030204" pitchFamily="49" charset="0"/>
+              </a:rPr>
+              <a:t>@Test</a:t>
+            </a:r>
+          </a:p>
+          <a:p>
+            <a:r>
+              <a:rPr lang="en-US" altLang="ja-JP" sz="1600" dirty="0" smtClean="0">
+                <a:solidFill>
+                  <a:schemeClr val="tx1"/>
+                </a:solidFill>
+                <a:latin typeface="Consolas" panose="020B0609020204030204" pitchFamily="49" charset="0"/>
+              </a:rPr>
+              <a:t>public void </a:t>
+            </a:r>
+            <a:r>
+              <a:rPr lang="en-US" altLang="ja-JP" sz="1600" dirty="0" err="1" smtClean="0">
+                <a:solidFill>
+                  <a:schemeClr val="tx1"/>
+                </a:solidFill>
+                <a:latin typeface="Consolas" panose="020B0609020204030204" pitchFamily="49" charset="0"/>
+              </a:rPr>
+              <a:t>testCalcPrice</a:t>
+            </a:r>
+            <a:r>
+              <a:rPr lang="en-US" altLang="ja-JP" sz="1600" dirty="0" smtClean="0">
+                <a:solidFill>
+                  <a:schemeClr val="tx1"/>
+                </a:solidFill>
+                <a:latin typeface="Consolas" panose="020B0609020204030204" pitchFamily="49" charset="0"/>
+              </a:rPr>
+              <a:t>() throws </a:t>
+            </a:r>
+            <a:r>
+              <a:rPr lang="en-US" altLang="ja-JP" sz="1600" dirty="0" err="1" smtClean="0">
+                <a:solidFill>
+                  <a:schemeClr val="tx1"/>
+                </a:solidFill>
+                <a:latin typeface="Consolas" panose="020B0609020204030204" pitchFamily="49" charset="0"/>
+              </a:rPr>
+              <a:t>Throwable</a:t>
+            </a:r>
+            <a:r>
+              <a:rPr lang="en-US" altLang="ja-JP" sz="1600" dirty="0" smtClean="0">
+                <a:solidFill>
+                  <a:schemeClr val="tx1"/>
+                </a:solidFill>
+                <a:latin typeface="Consolas" panose="020B0609020204030204" pitchFamily="49" charset="0"/>
+              </a:rPr>
+              <a:t>{</a:t>
+            </a:r>
+          </a:p>
+          <a:p>
+            <a:r>
+              <a:rPr lang="en-US" altLang="ja-JP" sz="1600" dirty="0" smtClean="0">
+                <a:solidFill>
+                  <a:schemeClr val="tx1"/>
+                </a:solidFill>
+                <a:latin typeface="Consolas" panose="020B0609020204030204" pitchFamily="49" charset="0"/>
+              </a:rPr>
+              <a:t>    </a:t>
+            </a:r>
+            <a:r>
+              <a:rPr lang="en-US" altLang="ja-JP" sz="1600" dirty="0" err="1" smtClean="0">
+                <a:solidFill>
+                  <a:schemeClr val="tx1"/>
+                </a:solidFill>
+                <a:latin typeface="Consolas" panose="020B0609020204030204" pitchFamily="49" charset="0"/>
+              </a:rPr>
+              <a:t>CalcPrice</a:t>
+            </a:r>
+            <a:r>
+              <a:rPr lang="en-US" altLang="ja-JP" sz="1600" dirty="0" smtClean="0">
+                <a:solidFill>
+                  <a:schemeClr val="tx1"/>
+                </a:solidFill>
+                <a:latin typeface="Consolas" panose="020B0609020204030204" pitchFamily="49" charset="0"/>
+              </a:rPr>
+              <a:t> </a:t>
+            </a:r>
+            <a:r>
+              <a:rPr lang="en-US" altLang="ja-JP" sz="1600" dirty="0" err="1" smtClean="0">
+                <a:solidFill>
+                  <a:schemeClr val="tx1"/>
+                </a:solidFill>
+                <a:latin typeface="Consolas" panose="020B0609020204030204" pitchFamily="49" charset="0"/>
+              </a:rPr>
+              <a:t>sut</a:t>
+            </a:r>
+            <a:r>
+              <a:rPr lang="en-US" altLang="ja-JP" sz="1600" dirty="0" smtClean="0">
+                <a:solidFill>
+                  <a:schemeClr val="tx1"/>
+                </a:solidFill>
+                <a:latin typeface="Consolas" panose="020B0609020204030204" pitchFamily="49" charset="0"/>
+              </a:rPr>
+              <a:t> = new </a:t>
+            </a:r>
+            <a:r>
+              <a:rPr lang="en-US" altLang="ja-JP" sz="1600" dirty="0" err="1" smtClean="0">
+                <a:solidFill>
+                  <a:schemeClr val="tx1"/>
+                </a:solidFill>
+                <a:latin typeface="Consolas" panose="020B0609020204030204" pitchFamily="49" charset="0"/>
+              </a:rPr>
+              <a:t>CalcPrice</a:t>
+            </a:r>
+            <a:r>
+              <a:rPr lang="en-US" altLang="ja-JP" sz="1600" dirty="0" smtClean="0">
+                <a:solidFill>
+                  <a:schemeClr val="tx1"/>
+                </a:solidFill>
+                <a:latin typeface="Consolas" panose="020B0609020204030204" pitchFamily="49" charset="0"/>
+              </a:rPr>
+              <a:t>();</a:t>
+            </a:r>
+          </a:p>
+          <a:p>
+            <a:r>
+              <a:rPr lang="en-US" altLang="ja-JP" sz="1600" dirty="0" smtClean="0">
+                <a:solidFill>
+                  <a:schemeClr val="tx1"/>
+                </a:solidFill>
+                <a:latin typeface="Consolas" panose="020B0609020204030204" pitchFamily="49" charset="0"/>
+              </a:rPr>
+              <a:t>    </a:t>
+            </a:r>
+            <a:r>
+              <a:rPr lang="en-US" altLang="ja-JP" sz="1600" dirty="0" err="1" smtClean="0">
+                <a:solidFill>
+                  <a:schemeClr val="tx1"/>
+                </a:solidFill>
+                <a:latin typeface="Consolas" panose="020B0609020204030204" pitchFamily="49" charset="0"/>
+              </a:rPr>
+              <a:t>int</a:t>
+            </a:r>
+            <a:r>
+              <a:rPr lang="en-US" altLang="ja-JP" sz="1600" dirty="0" smtClean="0">
+                <a:solidFill>
+                  <a:schemeClr val="tx1"/>
+                </a:solidFill>
+                <a:latin typeface="Consolas" panose="020B0609020204030204" pitchFamily="49" charset="0"/>
+              </a:rPr>
+              <a:t>[] item1 = new </a:t>
+            </a:r>
+            <a:r>
+              <a:rPr lang="en-US" altLang="ja-JP" sz="1600" dirty="0" err="1" smtClean="0">
+                <a:solidFill>
+                  <a:schemeClr val="tx1"/>
+                </a:solidFill>
+                <a:latin typeface="Consolas" panose="020B0609020204030204" pitchFamily="49" charset="0"/>
+              </a:rPr>
+              <a:t>int</a:t>
+            </a:r>
+            <a:r>
+              <a:rPr lang="en-US" altLang="ja-JP" sz="1600" dirty="0" smtClean="0">
+                <a:solidFill>
+                  <a:schemeClr val="tx1"/>
+                </a:solidFill>
+                <a:latin typeface="Consolas" panose="020B0609020204030204" pitchFamily="49" charset="0"/>
+              </a:rPr>
+              <a:t>[0];</a:t>
+            </a:r>
+          </a:p>
+          <a:p>
+            <a:r>
+              <a:rPr lang="en-US" altLang="ja-JP" sz="1600" dirty="0" smtClean="0">
+                <a:solidFill>
+                  <a:schemeClr val="tx1"/>
+                </a:solidFill>
+                <a:latin typeface="Consolas" panose="020B0609020204030204" pitchFamily="49" charset="0"/>
+              </a:rPr>
+              <a:t>    </a:t>
+            </a:r>
+            <a:r>
+              <a:rPr lang="en-US" altLang="ja-JP" sz="1600" dirty="0" err="1" smtClean="0">
+                <a:solidFill>
+                  <a:schemeClr val="tx1"/>
+                </a:solidFill>
+                <a:latin typeface="Consolas" panose="020B0609020204030204" pitchFamily="49" charset="0"/>
+              </a:rPr>
+              <a:t>int</a:t>
+            </a:r>
+            <a:r>
+              <a:rPr lang="en-US" altLang="ja-JP" sz="1600" dirty="0" smtClean="0">
+                <a:solidFill>
+                  <a:schemeClr val="tx1"/>
+                </a:solidFill>
+                <a:latin typeface="Consolas" panose="020B0609020204030204" pitchFamily="49" charset="0"/>
+              </a:rPr>
+              <a:t>[] item2 = new </a:t>
+            </a:r>
+            <a:r>
+              <a:rPr lang="en-US" altLang="ja-JP" sz="1600" dirty="0" err="1" smtClean="0">
+                <a:solidFill>
+                  <a:schemeClr val="tx1"/>
+                </a:solidFill>
+                <a:latin typeface="Consolas" panose="020B0609020204030204" pitchFamily="49" charset="0"/>
+              </a:rPr>
+              <a:t>int</a:t>
+            </a:r>
+            <a:r>
+              <a:rPr lang="en-US" altLang="ja-JP" sz="1600" dirty="0" smtClean="0">
+                <a:solidFill>
+                  <a:schemeClr val="tx1"/>
+                </a:solidFill>
+                <a:latin typeface="Consolas" panose="020B0609020204030204" pitchFamily="49" charset="0"/>
+              </a:rPr>
+              <a:t>[100];</a:t>
+            </a:r>
+          </a:p>
+          <a:p>
+            <a:r>
+              <a:rPr lang="en-US" altLang="ja-JP" sz="1600" dirty="0" smtClean="0">
+                <a:solidFill>
+                  <a:schemeClr val="tx1"/>
+                </a:solidFill>
+                <a:latin typeface="Consolas" panose="020B0609020204030204" pitchFamily="49" charset="0"/>
+              </a:rPr>
+              <a:t>    </a:t>
+            </a:r>
+            <a:r>
+              <a:rPr lang="en-US" altLang="ja-JP" sz="1600" dirty="0" err="1" smtClean="0">
+                <a:solidFill>
+                  <a:schemeClr val="tx1"/>
+                </a:solidFill>
+                <a:latin typeface="Consolas" panose="020B0609020204030204" pitchFamily="49" charset="0"/>
+              </a:rPr>
+              <a:t>assertEquals</a:t>
+            </a:r>
+            <a:r>
+              <a:rPr lang="en-US" altLang="ja-JP" sz="1600" dirty="0" smtClean="0">
+                <a:solidFill>
+                  <a:schemeClr val="tx1"/>
+                </a:solidFill>
+                <a:latin typeface="Consolas" panose="020B0609020204030204" pitchFamily="49" charset="0"/>
+              </a:rPr>
+              <a:t>(0, </a:t>
+            </a:r>
+            <a:r>
+              <a:rPr lang="en-US" altLang="ja-JP" sz="1600" dirty="0" err="1">
+                <a:solidFill>
+                  <a:schemeClr val="tx1"/>
+                </a:solidFill>
+                <a:latin typeface="Consolas" panose="020B0609020204030204" pitchFamily="49" charset="0"/>
+              </a:rPr>
+              <a:t>sut.calcPrice</a:t>
+            </a:r>
+            <a:r>
+              <a:rPr lang="en-US" altLang="ja-JP" sz="1600" dirty="0">
+                <a:solidFill>
+                  <a:schemeClr val="tx1"/>
+                </a:solidFill>
+                <a:latin typeface="Consolas" panose="020B0609020204030204" pitchFamily="49" charset="0"/>
+              </a:rPr>
+              <a:t>(item1));</a:t>
+            </a:r>
+            <a:endParaRPr lang="en-US" altLang="ja-JP" sz="1600" dirty="0" smtClean="0">
+              <a:solidFill>
+                <a:schemeClr val="tx1"/>
+              </a:solidFill>
+              <a:latin typeface="Consolas" panose="020B0609020204030204" pitchFamily="49" charset="0"/>
+            </a:endParaRPr>
+          </a:p>
+          <a:p>
+            <a:r>
+              <a:rPr lang="en-US" altLang="ja-JP" sz="1600" dirty="0" smtClean="0">
+                <a:solidFill>
+                  <a:schemeClr val="tx1"/>
+                </a:solidFill>
+                <a:latin typeface="Consolas" panose="020B0609020204030204" pitchFamily="49" charset="0"/>
+              </a:rPr>
+              <a:t>    </a:t>
+            </a:r>
+            <a:r>
+              <a:rPr lang="en-US" altLang="ja-JP" sz="1600" dirty="0" err="1" smtClean="0">
+                <a:solidFill>
+                  <a:schemeClr val="tx1"/>
+                </a:solidFill>
+                <a:latin typeface="Consolas" panose="020B0609020204030204" pitchFamily="49" charset="0"/>
+              </a:rPr>
+              <a:t>assertEquals</a:t>
+            </a:r>
+            <a:r>
+              <a:rPr lang="en-US" altLang="ja-JP" sz="1600" dirty="0" smtClean="0">
+                <a:solidFill>
+                  <a:schemeClr val="tx1"/>
+                </a:solidFill>
+                <a:latin typeface="Consolas" panose="020B0609020204030204" pitchFamily="49" charset="0"/>
+              </a:rPr>
+              <a:t>(100, </a:t>
+            </a:r>
+            <a:r>
+              <a:rPr lang="en-US" altLang="ja-JP" sz="1600" dirty="0" err="1">
+                <a:solidFill>
+                  <a:schemeClr val="tx1"/>
+                </a:solidFill>
+                <a:latin typeface="Consolas" panose="020B0609020204030204" pitchFamily="49" charset="0"/>
+              </a:rPr>
+              <a:t>sut.calcPrice</a:t>
+            </a:r>
+            <a:r>
+              <a:rPr lang="en-US" altLang="ja-JP" sz="1600" dirty="0">
+                <a:solidFill>
+                  <a:schemeClr val="tx1"/>
+                </a:solidFill>
+                <a:latin typeface="Consolas" panose="020B0609020204030204" pitchFamily="49" charset="0"/>
+              </a:rPr>
+              <a:t>(item2</a:t>
+            </a:r>
+            <a:r>
+              <a:rPr lang="en-US" altLang="ja-JP" sz="1600" dirty="0" smtClean="0">
+                <a:solidFill>
+                  <a:schemeClr val="tx1"/>
+                </a:solidFill>
+                <a:latin typeface="Consolas" panose="020B0609020204030204" pitchFamily="49" charset="0"/>
+              </a:rPr>
+              <a:t>));</a:t>
+            </a:r>
+          </a:p>
+          <a:p>
+            <a:r>
+              <a:rPr lang="ja-JP" altLang="en-US" sz="1600" dirty="0" smtClean="0">
+                <a:solidFill>
+                  <a:schemeClr val="tx1"/>
+                </a:solidFill>
+                <a:latin typeface="Consolas" panose="020B0609020204030204" pitchFamily="49" charset="0"/>
+              </a:rPr>
+              <a:t>    </a:t>
+            </a:r>
+            <a:r>
+              <a:rPr lang="en-US" altLang="ja-JP" sz="1600" dirty="0" err="1" smtClean="0">
+                <a:solidFill>
+                  <a:schemeClr val="tx1"/>
+                </a:solidFill>
+                <a:latin typeface="Consolas" panose="020B0609020204030204" pitchFamily="49" charset="0"/>
+              </a:rPr>
+              <a:t>assertNotNull</a:t>
+            </a:r>
+            <a:r>
+              <a:rPr lang="en-US" altLang="ja-JP" sz="1600" dirty="0" smtClean="0">
+                <a:solidFill>
+                  <a:schemeClr val="tx1"/>
+                </a:solidFill>
+                <a:latin typeface="Consolas" panose="020B0609020204030204" pitchFamily="49" charset="0"/>
+              </a:rPr>
+              <a:t>(</a:t>
+            </a:r>
+            <a:r>
+              <a:rPr lang="en-US" altLang="ja-JP" sz="1600" dirty="0" err="1">
+                <a:solidFill>
+                  <a:schemeClr val="tx1"/>
+                </a:solidFill>
+                <a:latin typeface="Consolas" panose="020B0609020204030204" pitchFamily="49" charset="0"/>
+              </a:rPr>
+              <a:t>sut.calcPrice</a:t>
+            </a:r>
+            <a:r>
+              <a:rPr lang="en-US" altLang="ja-JP" sz="1600" dirty="0">
+                <a:solidFill>
+                  <a:schemeClr val="tx1"/>
+                </a:solidFill>
+                <a:latin typeface="Consolas" panose="020B0609020204030204" pitchFamily="49" charset="0"/>
+              </a:rPr>
+              <a:t>(item1)</a:t>
+            </a:r>
+            <a:r>
+              <a:rPr lang="en-US" altLang="ja-JP" sz="1600" dirty="0" smtClean="0">
+                <a:solidFill>
+                  <a:schemeClr val="tx1"/>
+                </a:solidFill>
+                <a:latin typeface="Consolas" panose="020B0609020204030204" pitchFamily="49" charset="0"/>
+              </a:rPr>
+              <a:t>);</a:t>
+            </a:r>
+            <a:endParaRPr lang="en-US" altLang="ja-JP" sz="1600" dirty="0">
+              <a:solidFill>
+                <a:schemeClr val="tx1"/>
+              </a:solidFill>
+              <a:latin typeface="Consolas" panose="020B0609020204030204" pitchFamily="49" charset="0"/>
+            </a:endParaRPr>
+          </a:p>
+          <a:p>
+            <a:r>
+              <a:rPr lang="en-US" altLang="ja-JP" sz="1600" dirty="0" smtClean="0">
+                <a:solidFill>
+                  <a:schemeClr val="tx1"/>
+                </a:solidFill>
+                <a:latin typeface="Consolas" panose="020B0609020204030204" pitchFamily="49" charset="0"/>
+              </a:rPr>
+              <a:t>}</a:t>
+            </a:r>
+            <a:endParaRPr lang="en-US" altLang="ja-JP" sz="1600" dirty="0">
+              <a:solidFill>
+                <a:schemeClr val="tx1"/>
+              </a:solidFill>
+              <a:latin typeface="Consolas" panose="020B0609020204030204" pitchFamily="49" charset="0"/>
+            </a:endParaRPr>
+          </a:p>
+        </p:txBody>
+      </p:sp>
+      <p:sp>
+        <p:nvSpPr>
+          <p:cNvPr id="4" name="コンテンツ プレースホルダー 2"/>
+          <p:cNvSpPr>
+            <a:spLocks noGrp="1"/>
+          </p:cNvSpPr>
+          <p:nvPr>
+            <p:ph idx="1"/>
+          </p:nvPr>
+        </p:nvSpPr>
+        <p:spPr>
+          <a:xfrm>
+            <a:off x="838200" y="1280720"/>
+            <a:ext cx="10611678" cy="1320110"/>
+          </a:xfrm>
+        </p:spPr>
+        <p:txBody>
+          <a:bodyPr>
+            <a:normAutofit/>
+          </a:bodyPr>
+          <a:lstStyle/>
+          <a:p>
+            <a:r>
+              <a:rPr lang="ja-JP" altLang="en-US" dirty="0"/>
+              <a:t>テストコードの良くない実装を表す</a:t>
+            </a:r>
+            <a:r>
+              <a:rPr lang="ja-JP" altLang="en-US" dirty="0" smtClean="0"/>
+              <a:t>指標</a:t>
+            </a:r>
+            <a:endParaRPr lang="en-US" altLang="ja-JP" dirty="0" smtClean="0"/>
+          </a:p>
+          <a:p>
+            <a:endParaRPr lang="en-US" altLang="ja-JP" sz="100" dirty="0"/>
+          </a:p>
+          <a:p>
+            <a:pPr lvl="1"/>
+            <a:r>
+              <a:rPr lang="en-US" altLang="ja-JP" dirty="0" err="1" smtClean="0"/>
+              <a:t>Deursen</a:t>
+            </a:r>
+            <a:r>
+              <a:rPr lang="ja-JP" altLang="en-US" dirty="0" smtClean="0"/>
+              <a:t>ら</a:t>
+            </a:r>
+            <a:r>
+              <a:rPr lang="en-US" altLang="ja-JP" dirty="0" smtClean="0"/>
+              <a:t>[4]</a:t>
+            </a:r>
+            <a:r>
+              <a:rPr lang="ja-JP" altLang="en-US" dirty="0" smtClean="0"/>
+              <a:t>は、</a:t>
+            </a:r>
+            <a:r>
+              <a:rPr lang="en-US" altLang="ja-JP" dirty="0" smtClean="0"/>
+              <a:t>11</a:t>
+            </a:r>
+            <a:r>
+              <a:rPr lang="ja-JP" altLang="en-US" dirty="0" smtClean="0"/>
+              <a:t>種類のテストスメルを提唱した</a:t>
+            </a:r>
+            <a:r>
+              <a:rPr lang="en-US" altLang="ja-JP" dirty="0" smtClean="0"/>
+              <a:t>(</a:t>
+            </a:r>
+            <a:r>
+              <a:rPr lang="ja-JP" altLang="en-US" dirty="0" smtClean="0"/>
+              <a:t>現在</a:t>
+            </a:r>
+            <a:r>
+              <a:rPr lang="en-US" altLang="ja-JP" dirty="0" smtClean="0"/>
+              <a:t>19</a:t>
+            </a:r>
+            <a:r>
+              <a:rPr lang="ja-JP" altLang="en-US" dirty="0" smtClean="0"/>
+              <a:t>種類</a:t>
+            </a:r>
+            <a:r>
+              <a:rPr lang="en-US" altLang="ja-JP" dirty="0" smtClean="0"/>
+              <a:t>)</a:t>
+            </a:r>
+          </a:p>
+          <a:p>
+            <a:pPr lvl="1"/>
+            <a:endParaRPr lang="en-US" altLang="ja-JP" dirty="0" smtClean="0"/>
+          </a:p>
+          <a:p>
+            <a:endParaRPr kumimoji="1" lang="ja-JP" altLang="en-US" dirty="0"/>
+          </a:p>
+        </p:txBody>
+      </p:sp>
+      <p:sp>
+        <p:nvSpPr>
+          <p:cNvPr id="6" name="テキスト ボックス 5"/>
+          <p:cNvSpPr txBox="1"/>
+          <p:nvPr/>
+        </p:nvSpPr>
+        <p:spPr>
+          <a:xfrm>
+            <a:off x="1268915" y="5156437"/>
+            <a:ext cx="4875124" cy="369332"/>
+          </a:xfrm>
+          <a:prstGeom prst="rect">
+            <a:avLst/>
+          </a:prstGeom>
+          <a:noFill/>
+        </p:spPr>
+        <p:txBody>
+          <a:bodyPr wrap="square" rtlCol="0">
+            <a:spAutoFit/>
+          </a:bodyPr>
+          <a:lstStyle/>
+          <a:p>
+            <a:pPr algn="ctr"/>
+            <a:r>
+              <a:rPr lang="ja-JP" altLang="en-US" dirty="0">
+                <a:latin typeface="メイリオ" panose="020B0604030504040204" pitchFamily="50" charset="-128"/>
+                <a:ea typeface="メイリオ" panose="020B0604030504040204" pitchFamily="50" charset="-128"/>
+              </a:rPr>
+              <a:t>テストスメルの例</a:t>
+            </a:r>
+            <a:r>
+              <a:rPr lang="en-US" altLang="ja-JP" dirty="0">
+                <a:latin typeface="メイリオ" panose="020B0604030504040204" pitchFamily="50" charset="-128"/>
+                <a:ea typeface="メイリオ" panose="020B0604030504040204" pitchFamily="50" charset="-128"/>
+              </a:rPr>
+              <a:t>: </a:t>
+            </a:r>
+            <a:r>
+              <a:rPr lang="en-US" altLang="ja-JP" b="1" dirty="0">
+                <a:latin typeface="メイリオ" panose="020B0604030504040204" pitchFamily="50" charset="-128"/>
+                <a:ea typeface="メイリオ" panose="020B0604030504040204" pitchFamily="50" charset="-128"/>
+              </a:rPr>
+              <a:t>Assertion </a:t>
+            </a:r>
+            <a:r>
+              <a:rPr lang="en-US" altLang="ja-JP" b="1" dirty="0" smtClean="0">
+                <a:latin typeface="メイリオ" panose="020B0604030504040204" pitchFamily="50" charset="-128"/>
+                <a:ea typeface="メイリオ" panose="020B0604030504040204" pitchFamily="50" charset="-128"/>
+              </a:rPr>
+              <a:t>Roulette</a:t>
+            </a:r>
+            <a:endParaRPr lang="en-US" altLang="ja-JP" b="1" dirty="0">
+              <a:latin typeface="メイリオ" panose="020B0604030504040204" pitchFamily="50" charset="-128"/>
+              <a:ea typeface="メイリオ" panose="020B0604030504040204" pitchFamily="50" charset="-128"/>
+            </a:endParaRPr>
+          </a:p>
+        </p:txBody>
+      </p:sp>
+      <p:sp>
+        <p:nvSpPr>
+          <p:cNvPr id="12" name="コンテンツ プレースホルダー 2"/>
+          <p:cNvSpPr txBox="1">
+            <a:spLocks/>
+          </p:cNvSpPr>
+          <p:nvPr/>
+        </p:nvSpPr>
+        <p:spPr>
+          <a:xfrm>
+            <a:off x="6476687" y="2813396"/>
+            <a:ext cx="5091031" cy="1304851"/>
+          </a:xfrm>
+          <a:prstGeom prst="rect">
+            <a:avLst/>
+          </a:prstGeom>
+        </p:spPr>
+        <p:txBody>
+          <a:bodyPr vert="horz" lIns="91440" tIns="45720" rIns="91440" bIns="45720" rtlCol="0">
+            <a:normAutofit/>
+          </a:bodyPr>
+          <a:lstStyle>
+            <a:lvl1pPr marL="228600" indent="-228600" algn="l" defTabSz="914400" rtl="0" eaLnBrk="1" latinLnBrk="0" hangingPunct="1">
+              <a:lnSpc>
+                <a:spcPct val="90000"/>
+              </a:lnSpc>
+              <a:spcBef>
+                <a:spcPts val="1000"/>
+              </a:spcBef>
+              <a:buFont typeface="Arial" panose="020B0604020202020204" pitchFamily="34" charset="0"/>
+              <a:buChar char="•"/>
+              <a:defRPr kumimoji="1" sz="2800" kern="1200">
+                <a:solidFill>
+                  <a:schemeClr val="tx1"/>
+                </a:solidFill>
+                <a:latin typeface="メイリオ" panose="020B0604030504040204" pitchFamily="50" charset="-128"/>
+                <a:ea typeface="メイリオ" panose="020B0604030504040204" pitchFamily="50" charset="-128"/>
+                <a:cs typeface="+mn-cs"/>
+              </a:defRPr>
+            </a:lvl1pPr>
+            <a:lvl2pPr marL="685800" indent="-228600" algn="l" defTabSz="914400" rtl="0" eaLnBrk="1" latinLnBrk="0" hangingPunct="1">
+              <a:lnSpc>
+                <a:spcPct val="90000"/>
+              </a:lnSpc>
+              <a:spcBef>
+                <a:spcPts val="500"/>
+              </a:spcBef>
+              <a:buFont typeface="Arial" panose="020B0604020202020204" pitchFamily="34" charset="0"/>
+              <a:buChar char="•"/>
+              <a:defRPr kumimoji="1" sz="2400" kern="1200">
+                <a:solidFill>
+                  <a:schemeClr val="tx1"/>
+                </a:solidFill>
+                <a:latin typeface="メイリオ" panose="020B0604030504040204" pitchFamily="50" charset="-128"/>
+                <a:ea typeface="メイリオ" panose="020B0604030504040204" pitchFamily="50" charset="-128"/>
+                <a:cs typeface="+mn-cs"/>
+              </a:defRPr>
+            </a:lvl2pPr>
+            <a:lvl3pPr marL="1143000" indent="-228600" algn="l" defTabSz="914400" rtl="0" eaLnBrk="1" latinLnBrk="0" hangingPunct="1">
+              <a:lnSpc>
+                <a:spcPct val="90000"/>
+              </a:lnSpc>
+              <a:spcBef>
+                <a:spcPts val="500"/>
+              </a:spcBef>
+              <a:buFont typeface="Arial" panose="020B0604020202020204" pitchFamily="34" charset="0"/>
+              <a:buChar char="•"/>
+              <a:defRPr kumimoji="1" sz="2000" kern="1200">
+                <a:solidFill>
+                  <a:schemeClr val="tx1"/>
+                </a:solidFill>
+                <a:latin typeface="メイリオ" panose="020B0604030504040204" pitchFamily="50" charset="-128"/>
+                <a:ea typeface="メイリオ" panose="020B0604030504040204" pitchFamily="50" charset="-128"/>
+                <a:cs typeface="+mn-cs"/>
+              </a:defRPr>
+            </a:lvl3pPr>
+            <a:lvl4pPr marL="1600200" indent="-228600" algn="l" defTabSz="914400" rtl="0" eaLnBrk="1" latinLnBrk="0" hangingPunct="1">
+              <a:lnSpc>
+                <a:spcPct val="90000"/>
+              </a:lnSpc>
+              <a:spcBef>
+                <a:spcPts val="500"/>
+              </a:spcBef>
+              <a:buFont typeface="Arial" panose="020B0604020202020204" pitchFamily="34" charset="0"/>
+              <a:buChar char="•"/>
+              <a:defRPr kumimoji="1" sz="1800" kern="1200">
+                <a:solidFill>
+                  <a:schemeClr val="tx1"/>
+                </a:solidFill>
+                <a:latin typeface="メイリオ" panose="020B0604030504040204" pitchFamily="50" charset="-128"/>
+                <a:ea typeface="メイリオ" panose="020B0604030504040204" pitchFamily="50" charset="-128"/>
+                <a:cs typeface="+mn-cs"/>
+              </a:defRPr>
+            </a:lvl4pPr>
+            <a:lvl5pPr marL="2057400" indent="-228600" algn="l" defTabSz="914400" rtl="0" eaLnBrk="1" latinLnBrk="0" hangingPunct="1">
+              <a:lnSpc>
+                <a:spcPct val="90000"/>
+              </a:lnSpc>
+              <a:spcBef>
+                <a:spcPts val="500"/>
+              </a:spcBef>
+              <a:buFont typeface="Arial" panose="020B0604020202020204" pitchFamily="34" charset="0"/>
+              <a:buChar char="•"/>
+              <a:defRPr kumimoji="1" sz="1800" kern="1200">
+                <a:solidFill>
+                  <a:schemeClr val="tx1"/>
+                </a:solidFill>
+                <a:latin typeface="メイリオ" panose="020B0604030504040204" pitchFamily="50" charset="-128"/>
+                <a:ea typeface="メイリオ" panose="020B0604030504040204" pitchFamily="50" charset="-128"/>
+                <a:cs typeface="+mn-cs"/>
+              </a:defRPr>
+            </a:lvl5pPr>
+            <a:lvl6pPr marL="2514600" indent="-228600" algn="l" defTabSz="914400" rtl="0" eaLnBrk="1" latinLnBrk="0" hangingPunct="1">
+              <a:lnSpc>
+                <a:spcPct val="90000"/>
+              </a:lnSpc>
+              <a:spcBef>
+                <a:spcPts val="500"/>
+              </a:spcBef>
+              <a:buFont typeface="Arial" panose="020B0604020202020204" pitchFamily="34" charset="0"/>
+              <a:buChar char="•"/>
+              <a:defRPr kumimoji="1" sz="1800" kern="1200">
+                <a:solidFill>
+                  <a:schemeClr val="tx1"/>
+                </a:solidFill>
+                <a:latin typeface="+mn-lt"/>
+                <a:ea typeface="+mn-ea"/>
+                <a:cs typeface="+mn-cs"/>
+              </a:defRPr>
+            </a:lvl6pPr>
+            <a:lvl7pPr marL="2971800" indent="-228600" algn="l" defTabSz="914400" rtl="0" eaLnBrk="1" latinLnBrk="0" hangingPunct="1">
+              <a:lnSpc>
+                <a:spcPct val="90000"/>
+              </a:lnSpc>
+              <a:spcBef>
+                <a:spcPts val="500"/>
+              </a:spcBef>
+              <a:buFont typeface="Arial" panose="020B0604020202020204" pitchFamily="34" charset="0"/>
+              <a:buChar char="•"/>
+              <a:defRPr kumimoji="1" sz="1800" kern="1200">
+                <a:solidFill>
+                  <a:schemeClr val="tx1"/>
+                </a:solidFill>
+                <a:latin typeface="+mn-lt"/>
+                <a:ea typeface="+mn-ea"/>
+                <a:cs typeface="+mn-cs"/>
+              </a:defRPr>
+            </a:lvl7pPr>
+            <a:lvl8pPr marL="3429000" indent="-228600" algn="l" defTabSz="914400" rtl="0" eaLnBrk="1" latinLnBrk="0" hangingPunct="1">
+              <a:lnSpc>
+                <a:spcPct val="90000"/>
+              </a:lnSpc>
+              <a:spcBef>
+                <a:spcPts val="500"/>
+              </a:spcBef>
+              <a:buFont typeface="Arial" panose="020B0604020202020204" pitchFamily="34" charset="0"/>
+              <a:buChar char="•"/>
+              <a:defRPr kumimoji="1" sz="1800" kern="1200">
+                <a:solidFill>
+                  <a:schemeClr val="tx1"/>
+                </a:solidFill>
+                <a:latin typeface="+mn-lt"/>
+                <a:ea typeface="+mn-ea"/>
+                <a:cs typeface="+mn-cs"/>
+              </a:defRPr>
+            </a:lvl8pPr>
+            <a:lvl9pPr marL="3886200" indent="-228600" algn="l" defTabSz="914400" rtl="0" eaLnBrk="1" latinLnBrk="0" hangingPunct="1">
+              <a:lnSpc>
+                <a:spcPct val="90000"/>
+              </a:lnSpc>
+              <a:spcBef>
+                <a:spcPts val="500"/>
+              </a:spcBef>
+              <a:buFont typeface="Arial" panose="020B0604020202020204" pitchFamily="34" charset="0"/>
+              <a:buChar char="•"/>
+              <a:defRPr kumimoji="1" sz="1800" kern="1200">
+                <a:solidFill>
+                  <a:schemeClr val="tx1"/>
+                </a:solidFill>
+                <a:latin typeface="+mn-lt"/>
+                <a:ea typeface="+mn-ea"/>
+                <a:cs typeface="+mn-cs"/>
+              </a:defRPr>
+            </a:lvl9pPr>
+          </a:lstStyle>
+          <a:p>
+            <a:pPr marL="0" indent="0">
+              <a:buNone/>
+            </a:pPr>
+            <a:r>
+              <a:rPr lang="ja-JP" altLang="en-US" sz="2200" dirty="0" smtClean="0"/>
+              <a:t>テストスメル検出ツール</a:t>
+            </a:r>
+            <a:r>
+              <a:rPr lang="en-US" altLang="ja-JP" sz="2200" dirty="0" smtClean="0"/>
+              <a:t>: </a:t>
+            </a:r>
+            <a:r>
+              <a:rPr lang="en-US" altLang="ja-JP" sz="2200" dirty="0" err="1" smtClean="0"/>
+              <a:t>tsDetect</a:t>
+            </a:r>
+            <a:r>
+              <a:rPr lang="en-US" altLang="ja-JP" sz="2200" dirty="0" smtClean="0"/>
+              <a:t>[5]</a:t>
+            </a:r>
+          </a:p>
+          <a:p>
+            <a:r>
+              <a:rPr lang="en-US" altLang="ja-JP" sz="2100" dirty="0" smtClean="0"/>
+              <a:t>19</a:t>
+            </a:r>
+            <a:r>
+              <a:rPr lang="ja-JP" altLang="en-US" sz="2100" dirty="0" smtClean="0"/>
+              <a:t>種類のテストスメルを検出可能</a:t>
+            </a:r>
+            <a:endParaRPr lang="en-US" altLang="ja-JP" sz="2100" dirty="0" smtClean="0"/>
+          </a:p>
+          <a:p>
+            <a:r>
+              <a:rPr lang="ja-JP" altLang="en-US" sz="2100" dirty="0" smtClean="0"/>
+              <a:t>各テストスメルを高精度で検出可能</a:t>
+            </a:r>
+            <a:endParaRPr lang="en-US" altLang="ja-JP" sz="2100" dirty="0" smtClean="0"/>
+          </a:p>
+        </p:txBody>
+      </p:sp>
+      <p:sp>
+        <p:nvSpPr>
+          <p:cNvPr id="7" name="角丸四角形 6"/>
+          <p:cNvSpPr/>
+          <p:nvPr/>
+        </p:nvSpPr>
+        <p:spPr>
+          <a:xfrm>
+            <a:off x="1360967" y="3987209"/>
+            <a:ext cx="4710224" cy="733647"/>
+          </a:xfrm>
+          <a:prstGeom prst="roundRect">
+            <a:avLst/>
+          </a:prstGeom>
+          <a:noFill/>
+          <a:ln w="38100">
+            <a:solidFill>
+              <a:schemeClr val="accent2"/>
+            </a:solidFill>
+          </a:ln>
+        </p:spPr>
+        <p:style>
+          <a:lnRef idx="2">
+            <a:schemeClr val="accent4"/>
+          </a:lnRef>
+          <a:fillRef idx="1">
+            <a:schemeClr val="lt1"/>
+          </a:fillRef>
+          <a:effectRef idx="0">
+            <a:schemeClr val="accent4"/>
+          </a:effectRef>
+          <a:fontRef idx="minor">
+            <a:schemeClr val="dk1"/>
+          </a:fontRef>
+        </p:style>
+        <p:txBody>
+          <a:bodyPr rtlCol="0" anchor="ctr"/>
+          <a:lstStyle/>
+          <a:p>
+            <a:pPr algn="ctr"/>
+            <a:endParaRPr kumimoji="1" lang="ja-JP" altLang="en-US"/>
+          </a:p>
+        </p:txBody>
+      </p:sp>
+      <p:pic>
+        <p:nvPicPr>
+          <p:cNvPr id="14" name="図 13"/>
+          <p:cNvPicPr>
+            <a:picLocks noChangeAspect="1"/>
+          </p:cNvPicPr>
+          <p:nvPr/>
+        </p:nvPicPr>
+        <p:blipFill>
+          <a:blip r:embed="rId3" cstate="print">
+            <a:extLst>
+              <a:ext uri="{28A0092B-C50C-407E-A947-70E740481C1C}">
+                <a14:useLocalDpi xmlns:a14="http://schemas.microsoft.com/office/drawing/2010/main" val="0"/>
+              </a:ext>
+            </a:extLst>
+          </a:blip>
+          <a:stretch>
+            <a:fillRect/>
+          </a:stretch>
+        </p:blipFill>
+        <p:spPr>
+          <a:xfrm>
+            <a:off x="1100469" y="3764408"/>
+            <a:ext cx="445604" cy="445604"/>
+          </a:xfrm>
+          <a:prstGeom prst="rect">
+            <a:avLst/>
+          </a:prstGeom>
+        </p:spPr>
+      </p:pic>
+    </p:spTree>
+    <p:extLst>
+      <p:ext uri="{BB962C8B-B14F-4D97-AF65-F5344CB8AC3E}">
+        <p14:creationId xmlns:p14="http://schemas.microsoft.com/office/powerpoint/2010/main" val="999371037"/>
+      </p:ext>
+    </p:extLst>
+  </p:cSld>
+  <p:clrMapOvr>
+    <a:masterClrMapping/>
+  </p:clrMapOvr>
+  <mc:AlternateContent xmlns:mc="http://schemas.openxmlformats.org/markup-compatibility/2006">
+    <mc:Choice xmlns:p14="http://schemas.microsoft.com/office/powerpoint/2010/main" Requires="p14">
+      <p:transition spd="slow" p14:dur="2000"/>
+    </mc:Choice>
+    <mc:Fallback>
+      <p:transition spd="slow"/>
+    </mc:Fallback>
+  </mc:AlternateContent>
+  <p:timing>
+    <p:tnLst>
+      <p:par>
+        <p:cTn id="1" dur="indefinite" restart="never" nodeType="tmRoot"/>
+      </p:par>
+    </p:tnLst>
+  </p:timing>
+</p:sld>
+</file>
+
+<file path=ppt/slides/slide41.xml><?xml version="1.0" encoding="utf-8"?>
+<p:sld xmlns:a="http://schemas.openxmlformats.org/drawingml/2006/main" xmlns:r="http://schemas.openxmlformats.org/officeDocument/2006/relationships" xmlns:p="http://schemas.openxmlformats.org/presentationml/2006/main" show="0">
+  <p:cSld>
+    <p:spTree>
+      <p:nvGrpSpPr>
+        <p:cNvPr id="1" name=""/>
+        <p:cNvGrpSpPr/>
+        <p:nvPr/>
+      </p:nvGrpSpPr>
+      <p:grpSpPr>
+        <a:xfrm>
+          <a:off x="0" y="0"/>
+          <a:ext cx="0" cy="0"/>
+          <a:chOff x="0" y="0"/>
+          <a:chExt cx="0" cy="0"/>
+        </a:xfrm>
+      </p:grpSpPr>
+      <p:sp>
+        <p:nvSpPr>
+          <p:cNvPr id="3" name="タイトル 2"/>
+          <p:cNvSpPr>
+            <a:spLocks noGrp="1"/>
+          </p:cNvSpPr>
+          <p:nvPr>
+            <p:ph type="title"/>
+          </p:nvPr>
+        </p:nvSpPr>
+        <p:spPr/>
+        <p:txBody>
+          <a:bodyPr/>
+          <a:lstStyle/>
+          <a:p>
+            <a:r>
+              <a:rPr lang="en-US" altLang="ja-JP" b="1" dirty="0"/>
+              <a:t>Step3:</a:t>
+            </a:r>
+            <a:r>
+              <a:rPr lang="en-US" altLang="ja-JP" dirty="0"/>
+              <a:t> </a:t>
+            </a:r>
+            <a:r>
+              <a:rPr lang="ja-JP" altLang="en-US" dirty="0"/>
+              <a:t>テストスメルの検出</a:t>
+            </a:r>
+            <a:endParaRPr kumimoji="1" lang="ja-JP" altLang="en-US" dirty="0"/>
+          </a:p>
+        </p:txBody>
+      </p:sp>
+      <p:sp>
+        <p:nvSpPr>
+          <p:cNvPr id="5" name="Rectangle 4"/>
+          <p:cNvSpPr>
+            <a:spLocks noChangeArrowheads="1"/>
+          </p:cNvSpPr>
+          <p:nvPr/>
+        </p:nvSpPr>
+        <p:spPr bwMode="auto">
+          <a:xfrm>
+            <a:off x="1035416" y="6058413"/>
+            <a:ext cx="9994491" cy="600164"/>
+          </a:xfrm>
+          <a:prstGeom prst="rect">
+            <a:avLst/>
+          </a:prstGeom>
+          <a:ln>
+            <a:headEnd/>
+            <a:tailEnd/>
+          </a:ln>
+        </p:spPr>
+        <p:style>
+          <a:lnRef idx="2">
+            <a:schemeClr val="dk1"/>
+          </a:lnRef>
+          <a:fillRef idx="1">
+            <a:schemeClr val="lt1"/>
+          </a:fillRef>
+          <a:effectRef idx="0">
+            <a:schemeClr val="dk1"/>
+          </a:effectRef>
+          <a:fontRef idx="minor">
+            <a:schemeClr val="dk1"/>
+          </a:fontRef>
+        </p:style>
+        <p:txBody>
+          <a:bodyPr wrap="square">
+            <a:spAutoFit/>
+          </a:bodyPr>
+          <a:lstStyle/>
+          <a:p>
+            <a:pPr>
+              <a:defRPr/>
+            </a:pPr>
+            <a:r>
+              <a:rPr lang="en-US" altLang="ja-JP" sz="1100" dirty="0">
+                <a:solidFill>
+                  <a:schemeClr val="tx2"/>
+                </a:solidFill>
+              </a:rPr>
+              <a:t>[4] A. </a:t>
+            </a:r>
+            <a:r>
+              <a:rPr lang="en-US" altLang="ja-JP" sz="1100" dirty="0" err="1">
+                <a:solidFill>
+                  <a:schemeClr val="tx2"/>
+                </a:solidFill>
+              </a:rPr>
+              <a:t>Deursen</a:t>
+            </a:r>
+            <a:r>
+              <a:rPr lang="en-US" altLang="ja-JP" sz="1100" dirty="0">
+                <a:solidFill>
+                  <a:schemeClr val="tx2"/>
+                </a:solidFill>
+              </a:rPr>
+              <a:t>, L. M. F. </a:t>
+            </a:r>
+            <a:r>
+              <a:rPr lang="en-US" altLang="ja-JP" sz="1100" dirty="0" err="1">
+                <a:solidFill>
+                  <a:schemeClr val="tx2"/>
+                </a:solidFill>
+              </a:rPr>
+              <a:t>Moonen</a:t>
+            </a:r>
+            <a:r>
+              <a:rPr lang="en-US" altLang="ja-JP" sz="1100" dirty="0">
+                <a:solidFill>
+                  <a:schemeClr val="tx2"/>
+                </a:solidFill>
+              </a:rPr>
+              <a:t>, A. Bergh, and G. </a:t>
+            </a:r>
+            <a:r>
+              <a:rPr lang="en-US" altLang="ja-JP" sz="1100" dirty="0" err="1">
+                <a:solidFill>
+                  <a:schemeClr val="tx2"/>
+                </a:solidFill>
+              </a:rPr>
+              <a:t>Kok</a:t>
+            </a:r>
+            <a:r>
+              <a:rPr lang="en-US" altLang="ja-JP" sz="1100" dirty="0">
+                <a:solidFill>
+                  <a:schemeClr val="tx2"/>
+                </a:solidFill>
+              </a:rPr>
+              <a:t>. Refactoring test code. Technical report, 2001.</a:t>
+            </a:r>
+          </a:p>
+          <a:p>
+            <a:pPr>
+              <a:defRPr/>
+            </a:pPr>
+            <a:r>
+              <a:rPr lang="en-US" altLang="ja-JP" sz="1100" dirty="0" smtClean="0">
+                <a:solidFill>
+                  <a:schemeClr val="tx2"/>
+                </a:solidFill>
+              </a:rPr>
+              <a:t>[5] A. </a:t>
+            </a:r>
+            <a:r>
+              <a:rPr lang="en-US" altLang="ja-JP" sz="1100" dirty="0" err="1" smtClean="0">
+                <a:solidFill>
+                  <a:schemeClr val="tx2"/>
+                </a:solidFill>
+              </a:rPr>
+              <a:t>Peruma</a:t>
+            </a:r>
+            <a:r>
+              <a:rPr lang="en-US" altLang="ja-JP" sz="1100" dirty="0" smtClean="0">
+                <a:solidFill>
+                  <a:schemeClr val="tx2"/>
+                </a:solidFill>
+              </a:rPr>
+              <a:t>, K. </a:t>
+            </a:r>
+            <a:r>
+              <a:rPr lang="en-US" altLang="ja-JP" sz="1100" dirty="0" err="1" smtClean="0">
+                <a:solidFill>
+                  <a:schemeClr val="tx2"/>
+                </a:solidFill>
+              </a:rPr>
+              <a:t>Almalki</a:t>
+            </a:r>
+            <a:r>
+              <a:rPr lang="en-US" altLang="ja-JP" sz="1100" dirty="0" smtClean="0">
+                <a:solidFill>
+                  <a:schemeClr val="tx2"/>
+                </a:solidFill>
+              </a:rPr>
+              <a:t>, C. D. Newman, M. W. </a:t>
+            </a:r>
+            <a:r>
+              <a:rPr lang="en-US" altLang="ja-JP" sz="1100" dirty="0" err="1" smtClean="0">
+                <a:solidFill>
+                  <a:schemeClr val="tx2"/>
+                </a:solidFill>
+              </a:rPr>
+              <a:t>Mkaouer,A</a:t>
+            </a:r>
+            <a:r>
+              <a:rPr lang="en-US" altLang="ja-JP" sz="1100" dirty="0" smtClean="0">
+                <a:solidFill>
+                  <a:schemeClr val="tx2"/>
+                </a:solidFill>
+              </a:rPr>
+              <a:t>. </a:t>
+            </a:r>
+            <a:r>
+              <a:rPr lang="en-US" altLang="ja-JP" sz="1100" dirty="0" err="1" smtClean="0">
+                <a:solidFill>
+                  <a:schemeClr val="tx2"/>
+                </a:solidFill>
+              </a:rPr>
+              <a:t>Ouni</a:t>
+            </a:r>
+            <a:r>
+              <a:rPr lang="en-US" altLang="ja-JP" sz="1100" dirty="0" smtClean="0">
+                <a:solidFill>
+                  <a:schemeClr val="tx2"/>
+                </a:solidFill>
+              </a:rPr>
+              <a:t> and F. </a:t>
+            </a:r>
+            <a:r>
+              <a:rPr lang="en-US" altLang="ja-JP" sz="1100" dirty="0" err="1" smtClean="0">
+                <a:solidFill>
+                  <a:schemeClr val="tx2"/>
+                </a:solidFill>
+              </a:rPr>
+              <a:t>Palomba</a:t>
+            </a:r>
+            <a:r>
+              <a:rPr lang="en-US" altLang="ja-JP" sz="1100" dirty="0" smtClean="0">
+                <a:solidFill>
+                  <a:schemeClr val="tx2"/>
+                </a:solidFill>
+              </a:rPr>
+              <a:t>: “On the distribution of test smells </a:t>
+            </a:r>
+            <a:r>
+              <a:rPr lang="en-US" altLang="ja-JP" sz="1100" dirty="0" err="1" smtClean="0">
+                <a:solidFill>
+                  <a:schemeClr val="tx2"/>
+                </a:solidFill>
+              </a:rPr>
+              <a:t>inopen</a:t>
+            </a:r>
+            <a:r>
+              <a:rPr lang="en-US" altLang="ja-JP" sz="1100" dirty="0" smtClean="0">
+                <a:solidFill>
+                  <a:schemeClr val="tx2"/>
+                </a:solidFill>
+              </a:rPr>
+              <a:t> source android applications: An exploratory study”, </a:t>
+            </a:r>
+            <a:r>
+              <a:rPr lang="en-US" altLang="ja-JP" sz="1100" dirty="0" err="1" smtClean="0">
+                <a:solidFill>
+                  <a:schemeClr val="tx2"/>
+                </a:solidFill>
+              </a:rPr>
+              <a:t>Pro.of</a:t>
+            </a:r>
+            <a:r>
+              <a:rPr lang="en-US" altLang="ja-JP" sz="1100" dirty="0" smtClean="0">
+                <a:solidFill>
+                  <a:schemeClr val="tx2"/>
+                </a:solidFill>
+              </a:rPr>
+              <a:t> CASCON, pp. 193–202 (2019).</a:t>
+            </a:r>
+            <a:endParaRPr lang="en-US" altLang="ja-JP" sz="1100" dirty="0">
+              <a:solidFill>
+                <a:schemeClr val="tx2"/>
+              </a:solidFill>
+            </a:endParaRPr>
+          </a:p>
+        </p:txBody>
+      </p:sp>
+      <p:sp>
+        <p:nvSpPr>
+          <p:cNvPr id="16" name="正方形/長方形 15"/>
+          <p:cNvSpPr/>
+          <p:nvPr/>
+        </p:nvSpPr>
+        <p:spPr>
+          <a:xfrm>
+            <a:off x="1035416" y="2759549"/>
+            <a:ext cx="5285640" cy="2339102"/>
+          </a:xfrm>
+          <a:prstGeom prst="rect">
+            <a:avLst/>
+          </a:prstGeom>
+          <a:ln w="38100"/>
+        </p:spPr>
+        <p:style>
+          <a:lnRef idx="2">
+            <a:schemeClr val="accent3"/>
+          </a:lnRef>
+          <a:fillRef idx="1">
+            <a:schemeClr val="lt1"/>
+          </a:fillRef>
+          <a:effectRef idx="0">
+            <a:schemeClr val="accent3"/>
+          </a:effectRef>
+          <a:fontRef idx="minor">
+            <a:schemeClr val="dk1"/>
+          </a:fontRef>
+        </p:style>
+        <p:txBody>
+          <a:bodyPr wrap="square">
+            <a:spAutoFit/>
+          </a:bodyPr>
+          <a:lstStyle/>
+          <a:p>
+            <a:r>
+              <a:rPr lang="en-US" altLang="ja-JP" sz="1600" dirty="0" smtClean="0">
+                <a:solidFill>
+                  <a:schemeClr val="tx1"/>
+                </a:solidFill>
+                <a:latin typeface="Consolas" panose="020B0609020204030204" pitchFamily="49" charset="0"/>
+              </a:rPr>
+              <a:t>@Test</a:t>
+            </a:r>
+          </a:p>
+          <a:p>
+            <a:r>
+              <a:rPr lang="en-US" altLang="ja-JP" sz="1600" dirty="0" smtClean="0">
+                <a:solidFill>
+                  <a:schemeClr val="tx1"/>
+                </a:solidFill>
+                <a:latin typeface="Consolas" panose="020B0609020204030204" pitchFamily="49" charset="0"/>
+              </a:rPr>
+              <a:t>public void </a:t>
+            </a:r>
+            <a:r>
+              <a:rPr lang="en-US" altLang="ja-JP" sz="1600" dirty="0" err="1" smtClean="0">
+                <a:solidFill>
+                  <a:schemeClr val="tx1"/>
+                </a:solidFill>
+                <a:latin typeface="Consolas" panose="020B0609020204030204" pitchFamily="49" charset="0"/>
+              </a:rPr>
+              <a:t>testCalcPrice</a:t>
+            </a:r>
+            <a:r>
+              <a:rPr lang="en-US" altLang="ja-JP" sz="1600" dirty="0" smtClean="0">
+                <a:solidFill>
+                  <a:schemeClr val="tx1"/>
+                </a:solidFill>
+                <a:latin typeface="Consolas" panose="020B0609020204030204" pitchFamily="49" charset="0"/>
+              </a:rPr>
+              <a:t>() throws </a:t>
+            </a:r>
+            <a:r>
+              <a:rPr lang="en-US" altLang="ja-JP" sz="1600" dirty="0" err="1" smtClean="0">
+                <a:solidFill>
+                  <a:schemeClr val="tx1"/>
+                </a:solidFill>
+                <a:latin typeface="Consolas" panose="020B0609020204030204" pitchFamily="49" charset="0"/>
+              </a:rPr>
+              <a:t>Throwable</a:t>
+            </a:r>
+            <a:r>
+              <a:rPr lang="en-US" altLang="ja-JP" sz="1600" dirty="0" smtClean="0">
+                <a:solidFill>
+                  <a:schemeClr val="tx1"/>
+                </a:solidFill>
+                <a:latin typeface="Consolas" panose="020B0609020204030204" pitchFamily="49" charset="0"/>
+              </a:rPr>
+              <a:t>{</a:t>
+            </a:r>
+          </a:p>
+          <a:p>
+            <a:r>
+              <a:rPr lang="en-US" altLang="ja-JP" sz="1600" dirty="0" smtClean="0">
+                <a:solidFill>
+                  <a:schemeClr val="tx1"/>
+                </a:solidFill>
+                <a:latin typeface="Consolas" panose="020B0609020204030204" pitchFamily="49" charset="0"/>
+              </a:rPr>
+              <a:t>    </a:t>
+            </a:r>
+            <a:r>
+              <a:rPr lang="en-US" altLang="ja-JP" sz="1600" dirty="0" err="1" smtClean="0">
+                <a:solidFill>
+                  <a:schemeClr val="tx1"/>
+                </a:solidFill>
+                <a:latin typeface="Consolas" panose="020B0609020204030204" pitchFamily="49" charset="0"/>
+              </a:rPr>
+              <a:t>CalcPrice</a:t>
+            </a:r>
+            <a:r>
+              <a:rPr lang="en-US" altLang="ja-JP" sz="1600" dirty="0" smtClean="0">
+                <a:solidFill>
+                  <a:schemeClr val="tx1"/>
+                </a:solidFill>
+                <a:latin typeface="Consolas" panose="020B0609020204030204" pitchFamily="49" charset="0"/>
+              </a:rPr>
+              <a:t> </a:t>
+            </a:r>
+            <a:r>
+              <a:rPr lang="en-US" altLang="ja-JP" sz="1600" dirty="0" err="1" smtClean="0">
+                <a:solidFill>
+                  <a:schemeClr val="tx1"/>
+                </a:solidFill>
+                <a:latin typeface="Consolas" panose="020B0609020204030204" pitchFamily="49" charset="0"/>
+              </a:rPr>
+              <a:t>sut</a:t>
+            </a:r>
+            <a:r>
+              <a:rPr lang="en-US" altLang="ja-JP" sz="1600" dirty="0" smtClean="0">
+                <a:solidFill>
+                  <a:schemeClr val="tx1"/>
+                </a:solidFill>
+                <a:latin typeface="Consolas" panose="020B0609020204030204" pitchFamily="49" charset="0"/>
+              </a:rPr>
+              <a:t> = new </a:t>
+            </a:r>
+            <a:r>
+              <a:rPr lang="en-US" altLang="ja-JP" sz="1600" dirty="0" err="1" smtClean="0">
+                <a:solidFill>
+                  <a:schemeClr val="tx1"/>
+                </a:solidFill>
+                <a:latin typeface="Consolas" panose="020B0609020204030204" pitchFamily="49" charset="0"/>
+              </a:rPr>
+              <a:t>CalcPrice</a:t>
+            </a:r>
+            <a:r>
+              <a:rPr lang="en-US" altLang="ja-JP" sz="1600" dirty="0" smtClean="0">
+                <a:solidFill>
+                  <a:schemeClr val="tx1"/>
+                </a:solidFill>
+                <a:latin typeface="Consolas" panose="020B0609020204030204" pitchFamily="49" charset="0"/>
+              </a:rPr>
+              <a:t>();</a:t>
+            </a:r>
+          </a:p>
+          <a:p>
+            <a:r>
+              <a:rPr lang="en-US" altLang="ja-JP" sz="1600" dirty="0" smtClean="0">
+                <a:solidFill>
+                  <a:schemeClr val="tx1"/>
+                </a:solidFill>
+                <a:latin typeface="Consolas" panose="020B0609020204030204" pitchFamily="49" charset="0"/>
+              </a:rPr>
+              <a:t>    </a:t>
+            </a:r>
+            <a:r>
+              <a:rPr lang="en-US" altLang="ja-JP" sz="1600" dirty="0" err="1" smtClean="0">
+                <a:solidFill>
+                  <a:schemeClr val="tx1"/>
+                </a:solidFill>
+                <a:latin typeface="Consolas" panose="020B0609020204030204" pitchFamily="49" charset="0"/>
+              </a:rPr>
+              <a:t>int</a:t>
+            </a:r>
+            <a:r>
+              <a:rPr lang="en-US" altLang="ja-JP" sz="1600" dirty="0" smtClean="0">
+                <a:solidFill>
+                  <a:schemeClr val="tx1"/>
+                </a:solidFill>
+                <a:latin typeface="Consolas" panose="020B0609020204030204" pitchFamily="49" charset="0"/>
+              </a:rPr>
+              <a:t>[] item1 = new </a:t>
+            </a:r>
+            <a:r>
+              <a:rPr lang="en-US" altLang="ja-JP" sz="1600" dirty="0" err="1" smtClean="0">
+                <a:solidFill>
+                  <a:schemeClr val="tx1"/>
+                </a:solidFill>
+                <a:latin typeface="Consolas" panose="020B0609020204030204" pitchFamily="49" charset="0"/>
+              </a:rPr>
+              <a:t>int</a:t>
+            </a:r>
+            <a:r>
+              <a:rPr lang="en-US" altLang="ja-JP" sz="1600" dirty="0" smtClean="0">
+                <a:solidFill>
+                  <a:schemeClr val="tx1"/>
+                </a:solidFill>
+                <a:latin typeface="Consolas" panose="020B0609020204030204" pitchFamily="49" charset="0"/>
+              </a:rPr>
+              <a:t>[0];</a:t>
+            </a:r>
+          </a:p>
+          <a:p>
+            <a:r>
+              <a:rPr lang="en-US" altLang="ja-JP" sz="1600" dirty="0" smtClean="0">
+                <a:solidFill>
+                  <a:schemeClr val="tx1"/>
+                </a:solidFill>
+                <a:latin typeface="Consolas" panose="020B0609020204030204" pitchFamily="49" charset="0"/>
+              </a:rPr>
+              <a:t>    </a:t>
+            </a:r>
+            <a:r>
+              <a:rPr lang="en-US" altLang="ja-JP" sz="1600" dirty="0" err="1" smtClean="0">
+                <a:solidFill>
+                  <a:schemeClr val="tx1"/>
+                </a:solidFill>
+                <a:latin typeface="Consolas" panose="020B0609020204030204" pitchFamily="49" charset="0"/>
+              </a:rPr>
+              <a:t>int</a:t>
+            </a:r>
+            <a:r>
+              <a:rPr lang="en-US" altLang="ja-JP" sz="1600" dirty="0" smtClean="0">
+                <a:solidFill>
+                  <a:schemeClr val="tx1"/>
+                </a:solidFill>
+                <a:latin typeface="Consolas" panose="020B0609020204030204" pitchFamily="49" charset="0"/>
+              </a:rPr>
+              <a:t>[] item2 = new </a:t>
+            </a:r>
+            <a:r>
+              <a:rPr lang="en-US" altLang="ja-JP" sz="1600" dirty="0" err="1" smtClean="0">
+                <a:solidFill>
+                  <a:schemeClr val="tx1"/>
+                </a:solidFill>
+                <a:latin typeface="Consolas" panose="020B0609020204030204" pitchFamily="49" charset="0"/>
+              </a:rPr>
+              <a:t>int</a:t>
+            </a:r>
+            <a:r>
+              <a:rPr lang="en-US" altLang="ja-JP" sz="1600" dirty="0" smtClean="0">
+                <a:solidFill>
+                  <a:schemeClr val="tx1"/>
+                </a:solidFill>
+                <a:latin typeface="Consolas" panose="020B0609020204030204" pitchFamily="49" charset="0"/>
+              </a:rPr>
+              <a:t>[100];</a:t>
+            </a:r>
+          </a:p>
+          <a:p>
+            <a:r>
+              <a:rPr lang="en-US" altLang="ja-JP" sz="1600" dirty="0" smtClean="0">
+                <a:solidFill>
+                  <a:schemeClr val="tx1"/>
+                </a:solidFill>
+                <a:latin typeface="Consolas" panose="020B0609020204030204" pitchFamily="49" charset="0"/>
+              </a:rPr>
+              <a:t>    </a:t>
+            </a:r>
+            <a:r>
+              <a:rPr lang="en-US" altLang="ja-JP" sz="1600" dirty="0" err="1" smtClean="0">
+                <a:solidFill>
+                  <a:schemeClr val="tx1"/>
+                </a:solidFill>
+                <a:latin typeface="Consolas" panose="020B0609020204030204" pitchFamily="49" charset="0"/>
+              </a:rPr>
+              <a:t>assertEquals</a:t>
+            </a:r>
+            <a:r>
+              <a:rPr lang="en-US" altLang="ja-JP" sz="1600" dirty="0" smtClean="0">
+                <a:solidFill>
+                  <a:schemeClr val="tx1"/>
+                </a:solidFill>
+                <a:latin typeface="Consolas" panose="020B0609020204030204" pitchFamily="49" charset="0"/>
+              </a:rPr>
+              <a:t>(0, </a:t>
+            </a:r>
+            <a:r>
+              <a:rPr lang="en-US" altLang="ja-JP" sz="1600" dirty="0" err="1">
+                <a:solidFill>
+                  <a:schemeClr val="tx1"/>
+                </a:solidFill>
+                <a:latin typeface="Consolas" panose="020B0609020204030204" pitchFamily="49" charset="0"/>
+              </a:rPr>
+              <a:t>sut.calcPrice</a:t>
+            </a:r>
+            <a:r>
+              <a:rPr lang="en-US" altLang="ja-JP" sz="1600" dirty="0">
+                <a:solidFill>
+                  <a:schemeClr val="tx1"/>
+                </a:solidFill>
+                <a:latin typeface="Consolas" panose="020B0609020204030204" pitchFamily="49" charset="0"/>
+              </a:rPr>
+              <a:t>(item1));</a:t>
+            </a:r>
+            <a:endParaRPr lang="en-US" altLang="ja-JP" sz="1600" dirty="0" smtClean="0">
+              <a:solidFill>
+                <a:schemeClr val="tx1"/>
+              </a:solidFill>
+              <a:latin typeface="Consolas" panose="020B0609020204030204" pitchFamily="49" charset="0"/>
+            </a:endParaRPr>
+          </a:p>
+          <a:p>
+            <a:r>
+              <a:rPr lang="en-US" altLang="ja-JP" sz="1600" dirty="0" smtClean="0">
+                <a:solidFill>
+                  <a:schemeClr val="tx1"/>
+                </a:solidFill>
+                <a:latin typeface="Consolas" panose="020B0609020204030204" pitchFamily="49" charset="0"/>
+              </a:rPr>
+              <a:t>    </a:t>
+            </a:r>
+            <a:r>
+              <a:rPr lang="en-US" altLang="ja-JP" sz="1600" dirty="0" err="1" smtClean="0">
+                <a:solidFill>
+                  <a:schemeClr val="tx1"/>
+                </a:solidFill>
+                <a:latin typeface="Consolas" panose="020B0609020204030204" pitchFamily="49" charset="0"/>
+              </a:rPr>
+              <a:t>assertEquals</a:t>
+            </a:r>
+            <a:r>
+              <a:rPr lang="en-US" altLang="ja-JP" sz="1600" dirty="0" smtClean="0">
+                <a:solidFill>
+                  <a:schemeClr val="tx1"/>
+                </a:solidFill>
+                <a:latin typeface="Consolas" panose="020B0609020204030204" pitchFamily="49" charset="0"/>
+              </a:rPr>
+              <a:t>(100, </a:t>
+            </a:r>
+            <a:r>
+              <a:rPr lang="en-US" altLang="ja-JP" sz="1600" dirty="0" err="1">
+                <a:solidFill>
+                  <a:schemeClr val="tx1"/>
+                </a:solidFill>
+                <a:latin typeface="Consolas" panose="020B0609020204030204" pitchFamily="49" charset="0"/>
+              </a:rPr>
+              <a:t>sut.calcPrice</a:t>
+            </a:r>
+            <a:r>
+              <a:rPr lang="en-US" altLang="ja-JP" sz="1600" dirty="0">
+                <a:solidFill>
+                  <a:schemeClr val="tx1"/>
+                </a:solidFill>
+                <a:latin typeface="Consolas" panose="020B0609020204030204" pitchFamily="49" charset="0"/>
+              </a:rPr>
+              <a:t>(item2</a:t>
+            </a:r>
+            <a:r>
+              <a:rPr lang="en-US" altLang="ja-JP" sz="1600" dirty="0" smtClean="0">
+                <a:solidFill>
+                  <a:schemeClr val="tx1"/>
+                </a:solidFill>
+                <a:latin typeface="Consolas" panose="020B0609020204030204" pitchFamily="49" charset="0"/>
+              </a:rPr>
+              <a:t>));</a:t>
+            </a:r>
+          </a:p>
+          <a:p>
+            <a:r>
+              <a:rPr lang="ja-JP" altLang="en-US" sz="1600" dirty="0" smtClean="0">
+                <a:solidFill>
+                  <a:schemeClr val="tx1"/>
+                </a:solidFill>
+                <a:latin typeface="Consolas" panose="020B0609020204030204" pitchFamily="49" charset="0"/>
+              </a:rPr>
+              <a:t>    </a:t>
+            </a:r>
+            <a:r>
+              <a:rPr lang="en-US" altLang="ja-JP" sz="1600" dirty="0" err="1" smtClean="0">
+                <a:solidFill>
+                  <a:schemeClr val="tx1"/>
+                </a:solidFill>
+                <a:latin typeface="Consolas" panose="020B0609020204030204" pitchFamily="49" charset="0"/>
+              </a:rPr>
+              <a:t>assertNotNull</a:t>
+            </a:r>
+            <a:r>
+              <a:rPr lang="en-US" altLang="ja-JP" sz="1600" dirty="0" smtClean="0">
+                <a:solidFill>
+                  <a:schemeClr val="tx1"/>
+                </a:solidFill>
+                <a:latin typeface="Consolas" panose="020B0609020204030204" pitchFamily="49" charset="0"/>
+              </a:rPr>
+              <a:t>(</a:t>
+            </a:r>
+            <a:r>
+              <a:rPr lang="en-US" altLang="ja-JP" sz="1600" dirty="0" err="1">
+                <a:solidFill>
+                  <a:schemeClr val="tx1"/>
+                </a:solidFill>
+                <a:latin typeface="Consolas" panose="020B0609020204030204" pitchFamily="49" charset="0"/>
+              </a:rPr>
+              <a:t>sut.calcPrice</a:t>
+            </a:r>
+            <a:r>
+              <a:rPr lang="en-US" altLang="ja-JP" sz="1600" dirty="0">
+                <a:solidFill>
+                  <a:schemeClr val="tx1"/>
+                </a:solidFill>
+                <a:latin typeface="Consolas" panose="020B0609020204030204" pitchFamily="49" charset="0"/>
+              </a:rPr>
+              <a:t>(item1)</a:t>
+            </a:r>
+            <a:r>
+              <a:rPr lang="en-US" altLang="ja-JP" sz="1600" dirty="0" smtClean="0">
+                <a:solidFill>
+                  <a:schemeClr val="tx1"/>
+                </a:solidFill>
+                <a:latin typeface="Consolas" panose="020B0609020204030204" pitchFamily="49" charset="0"/>
+              </a:rPr>
+              <a:t>);</a:t>
+            </a:r>
+            <a:endParaRPr lang="en-US" altLang="ja-JP" sz="1600" dirty="0">
+              <a:solidFill>
+                <a:schemeClr val="tx1"/>
+              </a:solidFill>
+              <a:latin typeface="Consolas" panose="020B0609020204030204" pitchFamily="49" charset="0"/>
+            </a:endParaRPr>
+          </a:p>
+          <a:p>
+            <a:r>
+              <a:rPr lang="en-US" altLang="ja-JP" sz="1600" dirty="0" smtClean="0">
+                <a:solidFill>
+                  <a:schemeClr val="tx1"/>
+                </a:solidFill>
+                <a:latin typeface="Consolas" panose="020B0609020204030204" pitchFamily="49" charset="0"/>
+              </a:rPr>
+              <a:t>}</a:t>
+            </a:r>
+            <a:endParaRPr lang="en-US" altLang="ja-JP" sz="1600" dirty="0">
+              <a:solidFill>
+                <a:schemeClr val="tx1"/>
+              </a:solidFill>
+              <a:latin typeface="Consolas" panose="020B0609020204030204" pitchFamily="49" charset="0"/>
+            </a:endParaRPr>
+          </a:p>
+        </p:txBody>
+      </p:sp>
+      <p:sp>
+        <p:nvSpPr>
+          <p:cNvPr id="4" name="コンテンツ プレースホルダー 2"/>
+          <p:cNvSpPr>
+            <a:spLocks noGrp="1"/>
+          </p:cNvSpPr>
+          <p:nvPr>
+            <p:ph idx="1"/>
+          </p:nvPr>
+        </p:nvSpPr>
+        <p:spPr>
+          <a:xfrm>
+            <a:off x="838200" y="1280720"/>
+            <a:ext cx="10611678" cy="1320110"/>
+          </a:xfrm>
+        </p:spPr>
+        <p:txBody>
+          <a:bodyPr>
+            <a:normAutofit/>
+          </a:bodyPr>
+          <a:lstStyle/>
+          <a:p>
+            <a:r>
+              <a:rPr lang="ja-JP" altLang="en-US" dirty="0"/>
+              <a:t>テストコードの良くない実装を表す</a:t>
+            </a:r>
+            <a:r>
+              <a:rPr lang="ja-JP" altLang="en-US" dirty="0" smtClean="0"/>
+              <a:t>指標</a:t>
+            </a:r>
+            <a:endParaRPr lang="en-US" altLang="ja-JP" sz="100" dirty="0"/>
+          </a:p>
+          <a:p>
+            <a:pPr lvl="1"/>
+            <a:r>
+              <a:rPr lang="en-US" altLang="ja-JP" dirty="0" err="1" smtClean="0"/>
+              <a:t>Deursen</a:t>
+            </a:r>
+            <a:r>
+              <a:rPr lang="ja-JP" altLang="en-US" dirty="0" smtClean="0"/>
+              <a:t>ら</a:t>
+            </a:r>
+            <a:r>
+              <a:rPr lang="en-US" altLang="ja-JP" dirty="0" smtClean="0"/>
+              <a:t>[4]</a:t>
+            </a:r>
+            <a:r>
+              <a:rPr lang="ja-JP" altLang="en-US" dirty="0" smtClean="0"/>
+              <a:t>は、</a:t>
+            </a:r>
+            <a:r>
+              <a:rPr lang="en-US" altLang="ja-JP" dirty="0" smtClean="0"/>
+              <a:t>11</a:t>
+            </a:r>
+            <a:r>
+              <a:rPr lang="ja-JP" altLang="en-US" dirty="0" smtClean="0"/>
+              <a:t>種類のテストスメルを提唱した</a:t>
+            </a:r>
+            <a:r>
+              <a:rPr lang="en-US" altLang="ja-JP" dirty="0" smtClean="0"/>
+              <a:t>(</a:t>
+            </a:r>
+            <a:r>
+              <a:rPr lang="ja-JP" altLang="en-US" dirty="0" smtClean="0"/>
+              <a:t>現在</a:t>
+            </a:r>
+            <a:r>
+              <a:rPr lang="en-US" altLang="ja-JP" dirty="0" smtClean="0"/>
+              <a:t>19</a:t>
+            </a:r>
+            <a:r>
+              <a:rPr lang="ja-JP" altLang="en-US" dirty="0" smtClean="0"/>
+              <a:t>種類</a:t>
+            </a:r>
+            <a:r>
+              <a:rPr lang="en-US" altLang="ja-JP" dirty="0" smtClean="0"/>
+              <a:t>)</a:t>
+            </a:r>
+          </a:p>
+          <a:p>
+            <a:pPr lvl="1"/>
+            <a:endParaRPr lang="en-US" altLang="ja-JP" dirty="0" smtClean="0"/>
+          </a:p>
+          <a:p>
+            <a:endParaRPr kumimoji="1" lang="ja-JP" altLang="en-US" dirty="0"/>
+          </a:p>
+        </p:txBody>
+      </p:sp>
+      <p:sp>
+        <p:nvSpPr>
+          <p:cNvPr id="6" name="テキスト ボックス 5"/>
+          <p:cNvSpPr txBox="1"/>
+          <p:nvPr/>
+        </p:nvSpPr>
+        <p:spPr>
+          <a:xfrm>
+            <a:off x="1035416" y="2378055"/>
+            <a:ext cx="5164730" cy="400110"/>
+          </a:xfrm>
+          <a:prstGeom prst="rect">
+            <a:avLst/>
+          </a:prstGeom>
+          <a:noFill/>
+        </p:spPr>
+        <p:txBody>
+          <a:bodyPr wrap="square" rtlCol="0">
+            <a:spAutoFit/>
+          </a:bodyPr>
+          <a:lstStyle/>
+          <a:p>
+            <a:pPr algn="ctr"/>
+            <a:r>
+              <a:rPr lang="ja-JP" altLang="en-US" sz="2000" dirty="0">
+                <a:latin typeface="メイリオ" panose="020B0604030504040204" pitchFamily="50" charset="-128"/>
+                <a:ea typeface="メイリオ" panose="020B0604030504040204" pitchFamily="50" charset="-128"/>
+              </a:rPr>
+              <a:t>テストスメルの例</a:t>
+            </a:r>
+            <a:r>
+              <a:rPr lang="en-US" altLang="ja-JP" sz="2000" dirty="0">
+                <a:latin typeface="メイリオ" panose="020B0604030504040204" pitchFamily="50" charset="-128"/>
+                <a:ea typeface="メイリオ" panose="020B0604030504040204" pitchFamily="50" charset="-128"/>
+              </a:rPr>
+              <a:t>: </a:t>
+            </a:r>
+            <a:r>
+              <a:rPr lang="en-US" altLang="ja-JP" sz="2000" b="1" dirty="0">
+                <a:latin typeface="メイリオ" panose="020B0604030504040204" pitchFamily="50" charset="-128"/>
+                <a:ea typeface="メイリオ" panose="020B0604030504040204" pitchFamily="50" charset="-128"/>
+              </a:rPr>
+              <a:t>Assertion </a:t>
+            </a:r>
+            <a:r>
+              <a:rPr lang="en-US" altLang="ja-JP" sz="2000" b="1" dirty="0" smtClean="0">
+                <a:latin typeface="メイリオ" panose="020B0604030504040204" pitchFamily="50" charset="-128"/>
+                <a:ea typeface="メイリオ" panose="020B0604030504040204" pitchFamily="50" charset="-128"/>
+              </a:rPr>
+              <a:t>Roulette</a:t>
+            </a:r>
+            <a:endParaRPr lang="en-US" altLang="ja-JP" sz="2000" b="1" dirty="0">
+              <a:latin typeface="メイリオ" panose="020B0604030504040204" pitchFamily="50" charset="-128"/>
+              <a:ea typeface="メイリオ" panose="020B0604030504040204" pitchFamily="50" charset="-128"/>
+            </a:endParaRPr>
+          </a:p>
+        </p:txBody>
+      </p:sp>
+      <p:sp>
+        <p:nvSpPr>
+          <p:cNvPr id="12" name="コンテンツ プレースホルダー 2"/>
+          <p:cNvSpPr txBox="1">
+            <a:spLocks/>
+          </p:cNvSpPr>
+          <p:nvPr/>
+        </p:nvSpPr>
+        <p:spPr>
+          <a:xfrm>
+            <a:off x="6438991" y="2754245"/>
+            <a:ext cx="5091031" cy="1304851"/>
+          </a:xfrm>
+          <a:prstGeom prst="rect">
+            <a:avLst/>
+          </a:prstGeom>
+        </p:spPr>
+        <p:txBody>
+          <a:bodyPr vert="horz" lIns="91440" tIns="45720" rIns="91440" bIns="45720" rtlCol="0">
+            <a:normAutofit/>
+          </a:bodyPr>
+          <a:lstStyle>
+            <a:lvl1pPr marL="228600" indent="-228600" algn="l" defTabSz="914400" rtl="0" eaLnBrk="1" latinLnBrk="0" hangingPunct="1">
+              <a:lnSpc>
+                <a:spcPct val="90000"/>
+              </a:lnSpc>
+              <a:spcBef>
+                <a:spcPts val="1000"/>
+              </a:spcBef>
+              <a:buFont typeface="Arial" panose="020B0604020202020204" pitchFamily="34" charset="0"/>
+              <a:buChar char="•"/>
+              <a:defRPr kumimoji="1" sz="2800" kern="1200">
+                <a:solidFill>
+                  <a:schemeClr val="tx1"/>
+                </a:solidFill>
+                <a:latin typeface="メイリオ" panose="020B0604030504040204" pitchFamily="50" charset="-128"/>
+                <a:ea typeface="メイリオ" panose="020B0604030504040204" pitchFamily="50" charset="-128"/>
+                <a:cs typeface="+mn-cs"/>
+              </a:defRPr>
+            </a:lvl1pPr>
+            <a:lvl2pPr marL="685800" indent="-228600" algn="l" defTabSz="914400" rtl="0" eaLnBrk="1" latinLnBrk="0" hangingPunct="1">
+              <a:lnSpc>
+                <a:spcPct val="90000"/>
+              </a:lnSpc>
+              <a:spcBef>
+                <a:spcPts val="500"/>
+              </a:spcBef>
+              <a:buFont typeface="Arial" panose="020B0604020202020204" pitchFamily="34" charset="0"/>
+              <a:buChar char="•"/>
+              <a:defRPr kumimoji="1" sz="2400" kern="1200">
+                <a:solidFill>
+                  <a:schemeClr val="tx1"/>
+                </a:solidFill>
+                <a:latin typeface="メイリオ" panose="020B0604030504040204" pitchFamily="50" charset="-128"/>
+                <a:ea typeface="メイリオ" panose="020B0604030504040204" pitchFamily="50" charset="-128"/>
+                <a:cs typeface="+mn-cs"/>
+              </a:defRPr>
+            </a:lvl2pPr>
+            <a:lvl3pPr marL="1143000" indent="-228600" algn="l" defTabSz="914400" rtl="0" eaLnBrk="1" latinLnBrk="0" hangingPunct="1">
+              <a:lnSpc>
+                <a:spcPct val="90000"/>
+              </a:lnSpc>
+              <a:spcBef>
+                <a:spcPts val="500"/>
+              </a:spcBef>
+              <a:buFont typeface="Arial" panose="020B0604020202020204" pitchFamily="34" charset="0"/>
+              <a:buChar char="•"/>
+              <a:defRPr kumimoji="1" sz="2000" kern="1200">
+                <a:solidFill>
+                  <a:schemeClr val="tx1"/>
+                </a:solidFill>
+                <a:latin typeface="メイリオ" panose="020B0604030504040204" pitchFamily="50" charset="-128"/>
+                <a:ea typeface="メイリオ" panose="020B0604030504040204" pitchFamily="50" charset="-128"/>
+                <a:cs typeface="+mn-cs"/>
+              </a:defRPr>
+            </a:lvl3pPr>
+            <a:lvl4pPr marL="1600200" indent="-228600" algn="l" defTabSz="914400" rtl="0" eaLnBrk="1" latinLnBrk="0" hangingPunct="1">
+              <a:lnSpc>
+                <a:spcPct val="90000"/>
+              </a:lnSpc>
+              <a:spcBef>
+                <a:spcPts val="500"/>
+              </a:spcBef>
+              <a:buFont typeface="Arial" panose="020B0604020202020204" pitchFamily="34" charset="0"/>
+              <a:buChar char="•"/>
+              <a:defRPr kumimoji="1" sz="1800" kern="1200">
+                <a:solidFill>
+                  <a:schemeClr val="tx1"/>
+                </a:solidFill>
+                <a:latin typeface="メイリオ" panose="020B0604030504040204" pitchFamily="50" charset="-128"/>
+                <a:ea typeface="メイリオ" panose="020B0604030504040204" pitchFamily="50" charset="-128"/>
+                <a:cs typeface="+mn-cs"/>
+              </a:defRPr>
+            </a:lvl4pPr>
+            <a:lvl5pPr marL="2057400" indent="-228600" algn="l" defTabSz="914400" rtl="0" eaLnBrk="1" latinLnBrk="0" hangingPunct="1">
+              <a:lnSpc>
+                <a:spcPct val="90000"/>
+              </a:lnSpc>
+              <a:spcBef>
+                <a:spcPts val="500"/>
+              </a:spcBef>
+              <a:buFont typeface="Arial" panose="020B0604020202020204" pitchFamily="34" charset="0"/>
+              <a:buChar char="•"/>
+              <a:defRPr kumimoji="1" sz="1800" kern="1200">
+                <a:solidFill>
+                  <a:schemeClr val="tx1"/>
+                </a:solidFill>
+                <a:latin typeface="メイリオ" panose="020B0604030504040204" pitchFamily="50" charset="-128"/>
+                <a:ea typeface="メイリオ" panose="020B0604030504040204" pitchFamily="50" charset="-128"/>
+                <a:cs typeface="+mn-cs"/>
+              </a:defRPr>
+            </a:lvl5pPr>
+            <a:lvl6pPr marL="2514600" indent="-228600" algn="l" defTabSz="914400" rtl="0" eaLnBrk="1" latinLnBrk="0" hangingPunct="1">
+              <a:lnSpc>
+                <a:spcPct val="90000"/>
+              </a:lnSpc>
+              <a:spcBef>
+                <a:spcPts val="500"/>
+              </a:spcBef>
+              <a:buFont typeface="Arial" panose="020B0604020202020204" pitchFamily="34" charset="0"/>
+              <a:buChar char="•"/>
+              <a:defRPr kumimoji="1" sz="1800" kern="1200">
+                <a:solidFill>
+                  <a:schemeClr val="tx1"/>
+                </a:solidFill>
+                <a:latin typeface="+mn-lt"/>
+                <a:ea typeface="+mn-ea"/>
+                <a:cs typeface="+mn-cs"/>
+              </a:defRPr>
+            </a:lvl6pPr>
+            <a:lvl7pPr marL="2971800" indent="-228600" algn="l" defTabSz="914400" rtl="0" eaLnBrk="1" latinLnBrk="0" hangingPunct="1">
+              <a:lnSpc>
+                <a:spcPct val="90000"/>
+              </a:lnSpc>
+              <a:spcBef>
+                <a:spcPts val="500"/>
+              </a:spcBef>
+              <a:buFont typeface="Arial" panose="020B0604020202020204" pitchFamily="34" charset="0"/>
+              <a:buChar char="•"/>
+              <a:defRPr kumimoji="1" sz="1800" kern="1200">
+                <a:solidFill>
+                  <a:schemeClr val="tx1"/>
+                </a:solidFill>
+                <a:latin typeface="+mn-lt"/>
+                <a:ea typeface="+mn-ea"/>
+                <a:cs typeface="+mn-cs"/>
+              </a:defRPr>
+            </a:lvl7pPr>
+            <a:lvl8pPr marL="3429000" indent="-228600" algn="l" defTabSz="914400" rtl="0" eaLnBrk="1" latinLnBrk="0" hangingPunct="1">
+              <a:lnSpc>
+                <a:spcPct val="90000"/>
+              </a:lnSpc>
+              <a:spcBef>
+                <a:spcPts val="500"/>
+              </a:spcBef>
+              <a:buFont typeface="Arial" panose="020B0604020202020204" pitchFamily="34" charset="0"/>
+              <a:buChar char="•"/>
+              <a:defRPr kumimoji="1" sz="1800" kern="1200">
+                <a:solidFill>
+                  <a:schemeClr val="tx1"/>
+                </a:solidFill>
+                <a:latin typeface="+mn-lt"/>
+                <a:ea typeface="+mn-ea"/>
+                <a:cs typeface="+mn-cs"/>
+              </a:defRPr>
+            </a:lvl8pPr>
+            <a:lvl9pPr marL="3886200" indent="-228600" algn="l" defTabSz="914400" rtl="0" eaLnBrk="1" latinLnBrk="0" hangingPunct="1">
+              <a:lnSpc>
+                <a:spcPct val="90000"/>
+              </a:lnSpc>
+              <a:spcBef>
+                <a:spcPts val="500"/>
+              </a:spcBef>
+              <a:buFont typeface="Arial" panose="020B0604020202020204" pitchFamily="34" charset="0"/>
+              <a:buChar char="•"/>
+              <a:defRPr kumimoji="1" sz="1800" kern="1200">
+                <a:solidFill>
+                  <a:schemeClr val="tx1"/>
+                </a:solidFill>
+                <a:latin typeface="+mn-lt"/>
+                <a:ea typeface="+mn-ea"/>
+                <a:cs typeface="+mn-cs"/>
+              </a:defRPr>
+            </a:lvl9pPr>
+          </a:lstStyle>
+          <a:p>
+            <a:pPr marL="0" indent="0">
+              <a:buNone/>
+            </a:pPr>
+            <a:r>
+              <a:rPr lang="ja-JP" altLang="en-US" sz="2200" dirty="0" smtClean="0"/>
+              <a:t>テストスメル検出ツール</a:t>
+            </a:r>
+            <a:r>
+              <a:rPr lang="en-US" altLang="ja-JP" sz="2200" dirty="0" smtClean="0"/>
+              <a:t>: </a:t>
+            </a:r>
+            <a:r>
+              <a:rPr lang="en-US" altLang="ja-JP" sz="2200" dirty="0" err="1" smtClean="0"/>
+              <a:t>tsDetect</a:t>
+            </a:r>
+            <a:r>
+              <a:rPr lang="en-US" altLang="ja-JP" sz="2200" dirty="0" smtClean="0"/>
+              <a:t>[5]</a:t>
+            </a:r>
+          </a:p>
+          <a:p>
+            <a:r>
+              <a:rPr lang="en-US" altLang="ja-JP" sz="2100" dirty="0" smtClean="0"/>
+              <a:t>19</a:t>
+            </a:r>
+            <a:r>
+              <a:rPr lang="ja-JP" altLang="en-US" sz="2100" dirty="0" smtClean="0"/>
+              <a:t>種類のテストスメルを検出可能</a:t>
+            </a:r>
+            <a:endParaRPr lang="en-US" altLang="ja-JP" sz="2100" dirty="0" smtClean="0"/>
+          </a:p>
+          <a:p>
+            <a:r>
+              <a:rPr lang="ja-JP" altLang="en-US" sz="2100" dirty="0" smtClean="0"/>
+              <a:t>各テストスメルを高精度で検出可能</a:t>
+            </a:r>
+            <a:endParaRPr lang="en-US" altLang="ja-JP" sz="2100" dirty="0" smtClean="0"/>
+          </a:p>
+        </p:txBody>
+      </p:sp>
+      <p:sp>
+        <p:nvSpPr>
+          <p:cNvPr id="7" name="角丸四角形 6"/>
+          <p:cNvSpPr/>
+          <p:nvPr/>
+        </p:nvSpPr>
+        <p:spPr>
+          <a:xfrm>
+            <a:off x="1360967" y="4038009"/>
+            <a:ext cx="4710224" cy="733647"/>
+          </a:xfrm>
+          <a:prstGeom prst="roundRect">
+            <a:avLst/>
+          </a:prstGeom>
+          <a:noFill/>
+          <a:ln w="38100">
+            <a:solidFill>
+              <a:schemeClr val="accent2"/>
+            </a:solidFill>
+          </a:ln>
+        </p:spPr>
+        <p:style>
+          <a:lnRef idx="2">
+            <a:schemeClr val="accent4"/>
+          </a:lnRef>
+          <a:fillRef idx="1">
+            <a:schemeClr val="lt1"/>
+          </a:fillRef>
+          <a:effectRef idx="0">
+            <a:schemeClr val="accent4"/>
+          </a:effectRef>
+          <a:fontRef idx="minor">
+            <a:schemeClr val="dk1"/>
+          </a:fontRef>
+        </p:style>
+        <p:txBody>
+          <a:bodyPr rtlCol="0" anchor="ctr"/>
+          <a:lstStyle/>
+          <a:p>
+            <a:pPr algn="ctr"/>
+            <a:endParaRPr kumimoji="1" lang="ja-JP" altLang="en-US"/>
+          </a:p>
+        </p:txBody>
+      </p:sp>
+      <p:pic>
+        <p:nvPicPr>
+          <p:cNvPr id="14" name="図 13"/>
+          <p:cNvPicPr>
+            <a:picLocks noChangeAspect="1"/>
+          </p:cNvPicPr>
+          <p:nvPr/>
+        </p:nvPicPr>
+        <p:blipFill>
+          <a:blip r:embed="rId3" cstate="print">
+            <a:extLst>
+              <a:ext uri="{28A0092B-C50C-407E-A947-70E740481C1C}">
+                <a14:useLocalDpi xmlns:a14="http://schemas.microsoft.com/office/drawing/2010/main" val="0"/>
+              </a:ext>
+            </a:extLst>
+          </a:blip>
+          <a:stretch>
+            <a:fillRect/>
+          </a:stretch>
+        </p:blipFill>
+        <p:spPr>
+          <a:xfrm>
+            <a:off x="1100469" y="3815208"/>
+            <a:ext cx="445604" cy="445604"/>
+          </a:xfrm>
+          <a:prstGeom prst="rect">
+            <a:avLst/>
+          </a:prstGeom>
+        </p:spPr>
+      </p:pic>
+      <p:sp>
+        <p:nvSpPr>
+          <p:cNvPr id="2" name="テキスト ボックス 1"/>
+          <p:cNvSpPr txBox="1"/>
+          <p:nvPr/>
+        </p:nvSpPr>
+        <p:spPr>
+          <a:xfrm>
+            <a:off x="1191043" y="5149092"/>
+            <a:ext cx="5076407" cy="646331"/>
+          </a:xfrm>
+          <a:prstGeom prst="rect">
+            <a:avLst/>
+          </a:prstGeom>
+          <a:noFill/>
+        </p:spPr>
+        <p:txBody>
+          <a:bodyPr wrap="square" rtlCol="0">
+            <a:spAutoFit/>
+          </a:bodyPr>
+          <a:lstStyle/>
+          <a:p>
+            <a:r>
+              <a:rPr kumimoji="1" lang="ja-JP" altLang="en-US" dirty="0" smtClean="0">
+                <a:latin typeface="メイリオ" panose="020B0604030504040204" pitchFamily="50" charset="-128"/>
+                <a:ea typeface="メイリオ" panose="020B0604030504040204" pitchFamily="50" charset="-128"/>
+              </a:rPr>
+              <a:t>複数の</a:t>
+            </a:r>
+            <a:r>
+              <a:rPr kumimoji="1" lang="en-US" altLang="ja-JP" dirty="0" smtClean="0">
+                <a:latin typeface="メイリオ" panose="020B0604030504040204" pitchFamily="50" charset="-128"/>
+                <a:ea typeface="メイリオ" panose="020B0604030504040204" pitchFamily="50" charset="-128"/>
+              </a:rPr>
+              <a:t>assert</a:t>
+            </a:r>
+            <a:r>
+              <a:rPr kumimoji="1" lang="ja-JP" altLang="en-US" dirty="0" smtClean="0">
+                <a:latin typeface="メイリオ" panose="020B0604030504040204" pitchFamily="50" charset="-128"/>
+                <a:ea typeface="メイリオ" panose="020B0604030504040204" pitchFamily="50" charset="-128"/>
+              </a:rPr>
+              <a:t>文が存在するとテストメソッドが失敗した時、原因を特定するのが困難</a:t>
+            </a:r>
+            <a:endParaRPr kumimoji="1" lang="ja-JP" altLang="en-US" dirty="0">
+              <a:latin typeface="メイリオ" panose="020B0604030504040204" pitchFamily="50" charset="-128"/>
+              <a:ea typeface="メイリオ" panose="020B0604030504040204" pitchFamily="50" charset="-128"/>
+            </a:endParaRPr>
+          </a:p>
+        </p:txBody>
+      </p:sp>
+    </p:spTree>
+    <p:extLst>
+      <p:ext uri="{BB962C8B-B14F-4D97-AF65-F5344CB8AC3E}">
+        <p14:creationId xmlns:p14="http://schemas.microsoft.com/office/powerpoint/2010/main" val="1349197247"/>
       </p:ext>
     </p:extLst>
   </p:cSld>
@@ -40567,7 +42006,7 @@
         </p:nvSpPr>
         <p:spPr>
           <a:xfrm>
-            <a:off x="7669334" y="5929232"/>
+            <a:off x="7669333" y="5929231"/>
             <a:ext cx="1908387" cy="430887"/>
           </a:xfrm>
           <a:prstGeom prst="rect">
@@ -41542,8 +42981,8 @@
         </p:nvSpPr>
         <p:spPr bwMode="auto">
           <a:xfrm>
-            <a:off x="988911" y="5912843"/>
-            <a:ext cx="9994491" cy="600164"/>
+            <a:off x="933824" y="6081496"/>
+            <a:ext cx="10409518" cy="553998"/>
           </a:xfrm>
           <a:prstGeom prst="rect">
             <a:avLst/>
@@ -41577,7 +43016,7 @@
               <a:defRPr/>
             </a:pPr>
             <a:r>
-              <a:rPr lang="en-US" altLang="ja-JP" sz="1100" dirty="0">
+              <a:rPr lang="en-US" altLang="ja-JP" sz="1000" dirty="0">
                 <a:solidFill>
                   <a:schemeClr val="tx2"/>
                 </a:solidFill>
@@ -41585,7 +43024,7 @@
               <a:t>[4] A. </a:t>
             </a:r>
             <a:r>
-              <a:rPr lang="en-US" altLang="ja-JP" sz="1100" dirty="0" err="1">
+              <a:rPr lang="en-US" altLang="ja-JP" sz="1000" dirty="0" err="1">
                 <a:solidFill>
                   <a:schemeClr val="tx2"/>
                 </a:solidFill>
@@ -41593,7 +43032,7 @@
               <a:t>Deursen</a:t>
             </a:r>
             <a:r>
-              <a:rPr lang="en-US" altLang="ja-JP" sz="1100" dirty="0">
+              <a:rPr lang="en-US" altLang="ja-JP" sz="1000" dirty="0">
                 <a:solidFill>
                   <a:schemeClr val="tx2"/>
                 </a:solidFill>
@@ -41601,7 +43040,7 @@
               <a:t>, L. M. F. </a:t>
             </a:r>
             <a:r>
-              <a:rPr lang="en-US" altLang="ja-JP" sz="1100" dirty="0" err="1">
+              <a:rPr lang="en-US" altLang="ja-JP" sz="1000" dirty="0" err="1">
                 <a:solidFill>
                   <a:schemeClr val="tx2"/>
                 </a:solidFill>
@@ -41609,7 +43048,7 @@
               <a:t>Moonen</a:t>
             </a:r>
             <a:r>
-              <a:rPr lang="en-US" altLang="ja-JP" sz="1100" dirty="0">
+              <a:rPr lang="en-US" altLang="ja-JP" sz="1000" dirty="0">
                 <a:solidFill>
                   <a:schemeClr val="tx2"/>
                 </a:solidFill>
@@ -41617,7 +43056,7 @@
               <a:t>, A. Bergh, and G. </a:t>
             </a:r>
             <a:r>
-              <a:rPr lang="en-US" altLang="ja-JP" sz="1100" dirty="0" err="1">
+              <a:rPr lang="en-US" altLang="ja-JP" sz="1000" dirty="0" err="1">
                 <a:solidFill>
                   <a:schemeClr val="tx2"/>
                 </a:solidFill>
@@ -41625,7 +43064,7 @@
               <a:t>Kok</a:t>
             </a:r>
             <a:r>
-              <a:rPr lang="en-US" altLang="ja-JP" sz="1100" dirty="0">
+              <a:rPr lang="en-US" altLang="ja-JP" sz="1000" dirty="0">
                 <a:solidFill>
                   <a:schemeClr val="tx2"/>
                 </a:solidFill>
@@ -41638,7 +43077,7 @@
               <a:defRPr/>
             </a:pPr>
             <a:r>
-              <a:rPr lang="en-US" altLang="ja-JP" sz="1100" dirty="0" smtClean="0">
+              <a:rPr lang="en-US" altLang="ja-JP" sz="1000" dirty="0" smtClean="0">
                 <a:solidFill>
                   <a:schemeClr val="tx2"/>
                 </a:solidFill>
@@ -41646,7 +43085,7 @@
               <a:t>[5] A. </a:t>
             </a:r>
             <a:r>
-              <a:rPr lang="en-US" altLang="ja-JP" sz="1100" dirty="0" err="1" smtClean="0">
+              <a:rPr lang="en-US" altLang="ja-JP" sz="1000" dirty="0" err="1" smtClean="0">
                 <a:solidFill>
                   <a:schemeClr val="tx2"/>
                 </a:solidFill>
@@ -41654,7 +43093,7 @@
               <a:t>Peruma</a:t>
             </a:r>
             <a:r>
-              <a:rPr lang="en-US" altLang="ja-JP" sz="1100" dirty="0" smtClean="0">
+              <a:rPr lang="en-US" altLang="ja-JP" sz="1000" dirty="0" smtClean="0">
                 <a:solidFill>
                   <a:schemeClr val="tx2"/>
                 </a:solidFill>
@@ -41662,7 +43101,7 @@
               <a:t>, K. </a:t>
             </a:r>
             <a:r>
-              <a:rPr lang="en-US" altLang="ja-JP" sz="1100" dirty="0" err="1" smtClean="0">
+              <a:rPr lang="en-US" altLang="ja-JP" sz="1000" dirty="0" err="1" smtClean="0">
                 <a:solidFill>
                   <a:schemeClr val="tx2"/>
                 </a:solidFill>
@@ -41670,7 +43109,7 @@
               <a:t>Almalki</a:t>
             </a:r>
             <a:r>
-              <a:rPr lang="en-US" altLang="ja-JP" sz="1100" dirty="0" smtClean="0">
+              <a:rPr lang="en-US" altLang="ja-JP" sz="1000" dirty="0" smtClean="0">
                 <a:solidFill>
                   <a:schemeClr val="tx2"/>
                 </a:solidFill>
@@ -41678,7 +43117,7 @@
               <a:t>, C. D. Newman, M. W. </a:t>
             </a:r>
             <a:r>
-              <a:rPr lang="en-US" altLang="ja-JP" sz="1100" dirty="0" err="1" smtClean="0">
+              <a:rPr lang="en-US" altLang="ja-JP" sz="1000" dirty="0" err="1" smtClean="0">
                 <a:solidFill>
                   <a:schemeClr val="tx2"/>
                 </a:solidFill>
@@ -41686,7 +43125,7 @@
               <a:t>Mkaouer,A</a:t>
             </a:r>
             <a:r>
-              <a:rPr lang="en-US" altLang="ja-JP" sz="1100" dirty="0" smtClean="0">
+              <a:rPr lang="en-US" altLang="ja-JP" sz="1000" dirty="0" smtClean="0">
                 <a:solidFill>
                   <a:schemeClr val="tx2"/>
                 </a:solidFill>
@@ -41694,7 +43133,7 @@
               <a:t>. </a:t>
             </a:r>
             <a:r>
-              <a:rPr lang="en-US" altLang="ja-JP" sz="1100" dirty="0" err="1" smtClean="0">
+              <a:rPr lang="en-US" altLang="ja-JP" sz="1000" dirty="0" err="1" smtClean="0">
                 <a:solidFill>
                   <a:schemeClr val="tx2"/>
                 </a:solidFill>
@@ -41702,7 +43141,7 @@
               <a:t>Ouni</a:t>
             </a:r>
             <a:r>
-              <a:rPr lang="en-US" altLang="ja-JP" sz="1100" dirty="0" smtClean="0">
+              <a:rPr lang="en-US" altLang="ja-JP" sz="1000" dirty="0" smtClean="0">
                 <a:solidFill>
                   <a:schemeClr val="tx2"/>
                 </a:solidFill>
@@ -41710,7 +43149,7 @@
               <a:t> and F. </a:t>
             </a:r>
             <a:r>
-              <a:rPr lang="en-US" altLang="ja-JP" sz="1100" dirty="0" err="1" smtClean="0">
+              <a:rPr lang="en-US" altLang="ja-JP" sz="1000" dirty="0" err="1" smtClean="0">
                 <a:solidFill>
                   <a:schemeClr val="tx2"/>
                 </a:solidFill>
@@ -41718,7 +43157,7 @@
               <a:t>Palomba</a:t>
             </a:r>
             <a:r>
-              <a:rPr lang="en-US" altLang="ja-JP" sz="1100" dirty="0" smtClean="0">
+              <a:rPr lang="en-US" altLang="ja-JP" sz="1000" dirty="0" smtClean="0">
                 <a:solidFill>
                   <a:schemeClr val="tx2"/>
                 </a:solidFill>
@@ -41726,7 +43165,7 @@
               <a:t>: “On the distribution of test smells </a:t>
             </a:r>
             <a:r>
-              <a:rPr lang="en-US" altLang="ja-JP" sz="1100" dirty="0" err="1" smtClean="0">
+              <a:rPr lang="en-US" altLang="ja-JP" sz="1000" dirty="0" err="1" smtClean="0">
                 <a:solidFill>
                   <a:schemeClr val="tx2"/>
                 </a:solidFill>
@@ -41734,7 +43173,7 @@
               <a:t>inopen</a:t>
             </a:r>
             <a:r>
-              <a:rPr lang="en-US" altLang="ja-JP" sz="1100" dirty="0" smtClean="0">
+              <a:rPr lang="en-US" altLang="ja-JP" sz="1000" dirty="0" smtClean="0">
                 <a:solidFill>
                   <a:schemeClr val="tx2"/>
                 </a:solidFill>
@@ -41742,7 +43181,7 @@
               <a:t> source android applications: An exploratory study”, </a:t>
             </a:r>
             <a:r>
-              <a:rPr lang="en-US" altLang="ja-JP" sz="1100" dirty="0" err="1" smtClean="0">
+              <a:rPr lang="en-US" altLang="ja-JP" sz="1000" dirty="0" err="1" smtClean="0">
                 <a:solidFill>
                   <a:schemeClr val="tx2"/>
                 </a:solidFill>
@@ -41750,14 +43189,14 @@
               <a:t>Pro.of</a:t>
             </a:r>
             <a:r>
-              <a:rPr lang="en-US" altLang="ja-JP" sz="1100" dirty="0" smtClean="0">
+              <a:rPr lang="en-US" altLang="ja-JP" sz="1000" dirty="0" smtClean="0">
                 <a:solidFill>
                   <a:schemeClr val="tx2"/>
                 </a:solidFill>
               </a:rPr>
               <a:t> CASCON, pp. 193–202 (2019).</a:t>
             </a:r>
-            <a:endParaRPr lang="en-US" altLang="ja-JP" sz="1100" dirty="0">
+            <a:endParaRPr lang="en-US" altLang="ja-JP" sz="1000" dirty="0">
               <a:solidFill>
                 <a:schemeClr val="tx2"/>
               </a:solidFill>
@@ -41773,7 +43212,7 @@
         </p:nvSpPr>
         <p:spPr>
           <a:xfrm>
-            <a:off x="1035416" y="2708749"/>
+            <a:off x="1035416" y="2759549"/>
             <a:ext cx="5285640" cy="2339102"/>
           </a:xfrm>
           <a:prstGeom prst="rect">
@@ -42237,9 +43676,6 @@
               <a:rPr lang="ja-JP" altLang="en-US" dirty="0" smtClean="0"/>
               <a:t>指標</a:t>
             </a:r>
-            <a:endParaRPr lang="en-US" altLang="ja-JP" dirty="0" smtClean="0"/>
-          </a:p>
-          <a:p>
             <a:endParaRPr lang="en-US" altLang="ja-JP" sz="100" dirty="0"/>
           </a:p>
           <a:p>
@@ -42306,8 +43742,8 @@
         </p:nvSpPr>
         <p:spPr>
           <a:xfrm>
-            <a:off x="1268915" y="5156437"/>
-            <a:ext cx="4875124" cy="369332"/>
+            <a:off x="1035416" y="2378055"/>
+            <a:ext cx="5164730" cy="400110"/>
           </a:xfrm>
           <a:prstGeom prst="rect">
             <a:avLst/>
@@ -42322,34 +43758,34 @@
           <a:p>
             <a:pPr algn="ctr"/>
             <a:r>
-              <a:rPr lang="ja-JP" altLang="en-US" dirty="0">
+              <a:rPr lang="ja-JP" altLang="en-US" sz="2000" dirty="0">
                 <a:latin typeface="メイリオ" panose="020B0604030504040204" pitchFamily="50" charset="-128"/>
                 <a:ea typeface="メイリオ" panose="020B0604030504040204" pitchFamily="50" charset="-128"/>
               </a:rPr>
               <a:t>テストスメルの例</a:t>
             </a:r>
             <a:r>
-              <a:rPr lang="en-US" altLang="ja-JP" dirty="0">
+              <a:rPr lang="en-US" altLang="ja-JP" sz="2000" dirty="0">
                 <a:latin typeface="メイリオ" panose="020B0604030504040204" pitchFamily="50" charset="-128"/>
                 <a:ea typeface="メイリオ" panose="020B0604030504040204" pitchFamily="50" charset="-128"/>
               </a:rPr>
               <a:t>: </a:t>
             </a:r>
             <a:r>
-              <a:rPr lang="en-US" altLang="ja-JP" b="1" dirty="0">
+              <a:rPr lang="en-US" altLang="ja-JP" sz="2000" b="1" dirty="0">
                 <a:latin typeface="メイリオ" panose="020B0604030504040204" pitchFamily="50" charset="-128"/>
                 <a:ea typeface="メイリオ" panose="020B0604030504040204" pitchFamily="50" charset="-128"/>
               </a:rPr>
               <a:t>Assertion </a:t>
             </a:r>
             <a:r>
-              <a:rPr lang="en-US" altLang="ja-JP" b="1" dirty="0" smtClean="0">
+              <a:rPr lang="en-US" altLang="ja-JP" sz="2000" b="1" dirty="0" smtClean="0">
                 <a:latin typeface="メイリオ" panose="020B0604030504040204" pitchFamily="50" charset="-128"/>
                 <a:ea typeface="メイリオ" panose="020B0604030504040204" pitchFamily="50" charset="-128"/>
               </a:rPr>
               <a:t>Roulette</a:t>
             </a:r>
-            <a:endParaRPr lang="en-US" altLang="ja-JP" b="1" dirty="0">
+            <a:endParaRPr lang="en-US" altLang="ja-JP" sz="2000" b="1" dirty="0">
               <a:latin typeface="メイリオ" panose="020B0604030504040204" pitchFamily="50" charset="-128"/>
               <a:ea typeface="メイリオ" panose="020B0604030504040204" pitchFamily="50" charset="-128"/>
             </a:endParaRPr>
@@ -42366,7 +43802,7 @@
         </p:nvSpPr>
         <p:spPr>
           <a:xfrm>
-            <a:off x="6476687" y="2813396"/>
+            <a:off x="6460644" y="2778165"/>
             <a:ext cx="5091031" cy="1304851"/>
           </a:xfrm>
           <a:prstGeom prst="rect">
@@ -42563,6 +43999,10 @@
             </a:r>
           </a:p>
           <a:p>
+            <a:pPr>
+              <a:buFont typeface="Wingdings" panose="05000000000000000000" pitchFamily="2" charset="2"/>
+              <a:buChar char="ü"/>
+            </a:pPr>
             <a:r>
               <a:rPr lang="en-US" altLang="ja-JP" sz="2100" dirty="0" smtClean="0"/>
               <a:t>19</a:t>
@@ -42574,6 +44014,10 @@
             <a:endParaRPr lang="en-US" altLang="ja-JP" sz="2100" dirty="0" smtClean="0"/>
           </a:p>
           <a:p>
+            <a:pPr>
+              <a:buFont typeface="Wingdings" panose="05000000000000000000" pitchFamily="2" charset="2"/>
+              <a:buChar char="ü"/>
+            </a:pPr>
             <a:r>
               <a:rPr lang="ja-JP" altLang="en-US" sz="2100" dirty="0" smtClean="0"/>
               <a:t>各テストスメルを高精度で検出可能</a:t>
@@ -42590,7 +44034,7 @@
         </p:nvSpPr>
         <p:spPr>
           <a:xfrm>
-            <a:off x="1360967" y="3987209"/>
+            <a:off x="1360967" y="4038009"/>
             <a:ext cx="4710224" cy="733647"/>
           </a:xfrm>
           <a:prstGeom prst="roundRect">
@@ -42599,7 +44043,7 @@
           <a:noFill/>
           <a:ln w="38100">
             <a:solidFill>
-              <a:schemeClr val="accent2"/>
+              <a:schemeClr val="accent5"/>
             </a:solidFill>
           </a:ln>
         </p:spPr>
@@ -42648,7 +44092,7 @@
         </p:blipFill>
         <p:spPr>
           <a:xfrm>
-            <a:off x="1100469" y="3764408"/>
+            <a:off x="1100469" y="3815208"/>
             <a:ext cx="445604" cy="445604"/>
           </a:xfrm>
           <a:prstGeom prst="rect">
@@ -42656,16 +44100,89 @@
           </a:prstGeom>
         </p:spPr>
       </p:pic>
+      <p:sp>
+        <p:nvSpPr>
+          <p:cNvPr id="8" name="角丸四角形吹き出し 7"/>
+          <p:cNvSpPr/>
+          <p:nvPr/>
+        </p:nvSpPr>
+        <p:spPr>
+          <a:xfrm>
+            <a:off x="1128397" y="5164150"/>
+            <a:ext cx="5099677" cy="651815"/>
+          </a:xfrm>
+          <a:prstGeom prst="wedgeRoundRectCallout">
+            <a:avLst>
+              <a:gd name="adj1" fmla="val -646"/>
+              <a:gd name="adj2" fmla="val -113634"/>
+              <a:gd name="adj3" fmla="val 16667"/>
+            </a:avLst>
+          </a:prstGeom>
+        </p:spPr>
+        <p:style>
+          <a:lnRef idx="1">
+            <a:schemeClr val="accent4"/>
+          </a:lnRef>
+          <a:fillRef idx="2">
+            <a:schemeClr val="accent4"/>
+          </a:fillRef>
+          <a:effectRef idx="1">
+            <a:schemeClr val="accent4"/>
+          </a:effectRef>
+          <a:fontRef idx="minor">
+            <a:schemeClr val="dk1"/>
+          </a:fontRef>
+        </p:style>
+        <p:txBody>
+          <a:bodyPr rtlCol="0" anchor="ctr"/>
+          <a:lstStyle/>
+          <a:p>
+            <a:r>
+              <a:rPr lang="ja-JP" altLang="en-US" dirty="0">
+                <a:latin typeface="メイリオ" panose="020B0604030504040204" pitchFamily="50" charset="-128"/>
+                <a:ea typeface="メイリオ" panose="020B0604030504040204" pitchFamily="50" charset="-128"/>
+              </a:rPr>
+              <a:t>複数の</a:t>
+            </a:r>
+            <a:r>
+              <a:rPr lang="en-US" altLang="ja-JP" dirty="0">
+                <a:latin typeface="メイリオ" panose="020B0604030504040204" pitchFamily="50" charset="-128"/>
+                <a:ea typeface="メイリオ" panose="020B0604030504040204" pitchFamily="50" charset="-128"/>
+              </a:rPr>
+              <a:t>assert</a:t>
+            </a:r>
+            <a:r>
+              <a:rPr lang="ja-JP" altLang="en-US" dirty="0">
+                <a:latin typeface="メイリオ" panose="020B0604030504040204" pitchFamily="50" charset="-128"/>
+                <a:ea typeface="メイリオ" panose="020B0604030504040204" pitchFamily="50" charset="-128"/>
+              </a:rPr>
+              <a:t>文が存在するとテストメソッドが失敗した時、原因を特定するのが困難</a:t>
+            </a:r>
+            <a:endParaRPr lang="ja-JP" altLang="en-US" dirty="0">
+              <a:latin typeface="メイリオ" panose="020B0604030504040204" pitchFamily="50" charset="-128"/>
+              <a:ea typeface="メイリオ" panose="020B0604030504040204" pitchFamily="50" charset="-128"/>
+            </a:endParaRPr>
+          </a:p>
+        </p:txBody>
+      </p:sp>
     </p:spTree>
     <p:extLst>
       <p:ext uri="{BB962C8B-B14F-4D97-AF65-F5344CB8AC3E}">
-        <p14:creationId xmlns:p14="http://schemas.microsoft.com/office/powerpoint/2010/main" val="999371037"/>
+        <p14:creationId xmlns:p14="http://schemas.microsoft.com/office/powerpoint/2010/main" val="3722225565"/>
       </p:ext>
     </p:extLst>
   </p:cSld>
   <p:clrMapOvr>
     <a:masterClrMapping/>
   </p:clrMapOvr>
+  <mc:AlternateContent xmlns:mc="http://schemas.openxmlformats.org/markup-compatibility/2006">
+    <mc:Choice xmlns:p14="http://schemas.microsoft.com/office/powerpoint/2010/main" Requires="p14">
+      <p:transition spd="slow" p14:dur="2000"/>
+    </mc:Choice>
+    <mc:Fallback>
+      <p:transition spd="slow"/>
+    </mc:Fallback>
+  </mc:AlternateContent>
   <p:timing>
     <p:tnLst>
       <p:par>

--- a/�v���[��0122.pptx
+++ b/�v���[��0122.pptx
@@ -43212,7 +43212,7 @@
         </p:nvSpPr>
         <p:spPr>
           <a:xfrm>
-            <a:off x="1035416" y="2759549"/>
+            <a:off x="1005536" y="2759549"/>
             <a:ext cx="5285640" cy="2339102"/>
           </a:xfrm>
           <a:prstGeom prst="rect">
@@ -43742,7 +43742,7 @@
         </p:nvSpPr>
         <p:spPr>
           <a:xfrm>
-            <a:off x="1035416" y="2378055"/>
+            <a:off x="1005536" y="2378055"/>
             <a:ext cx="5164730" cy="400110"/>
           </a:xfrm>
           <a:prstGeom prst="rect">
@@ -44034,7 +44034,7 @@
         </p:nvSpPr>
         <p:spPr>
           <a:xfrm>
-            <a:off x="1360967" y="4038009"/>
+            <a:off x="1331087" y="4038009"/>
             <a:ext cx="4710224" cy="733647"/>
           </a:xfrm>
           <a:prstGeom prst="roundRect">
@@ -44092,7 +44092,7 @@
         </p:blipFill>
         <p:spPr>
           <a:xfrm>
-            <a:off x="1100469" y="3815208"/>
+            <a:off x="1070589" y="3815208"/>
             <a:ext cx="445604" cy="445604"/>
           </a:xfrm>
           <a:prstGeom prst="rect">
@@ -44108,7 +44108,7 @@
         </p:nvSpPr>
         <p:spPr>
           <a:xfrm>
-            <a:off x="1128397" y="5164150"/>
+            <a:off x="1098517" y="5164150"/>
             <a:ext cx="5099677" cy="651815"/>
           </a:xfrm>
           <a:prstGeom prst="wedgeRoundRectCallout">

--- a/�v���[��0122.pptx
+++ b/�v���[��0122.pptx
@@ -5184,7 +5184,11 @@
             </a:r>
             <a:r>
               <a:rPr kumimoji="1" lang="ja-JP" altLang="en-US" dirty="0" smtClean="0"/>
-              <a:t>要素に着目しています。</a:t>
+              <a:t>要素に</a:t>
+            </a:r>
+            <a:r>
+              <a:rPr kumimoji="1" lang="ja-JP" altLang="en-US" dirty="0" smtClean="0"/>
+              <a:t>着目しています。</a:t>
             </a:r>
             <a:endParaRPr kumimoji="1" lang="en-US" altLang="ja-JP" dirty="0" smtClean="0"/>
           </a:p>
@@ -5216,7 +5220,15 @@
           <a:p>
             <a:r>
               <a:rPr kumimoji="1" lang="ja-JP" altLang="en-US" dirty="0" smtClean="0"/>
-              <a:t>以前の調査結果で、類似度が高いほどテストコードを再利用できる可能性が高いことが分かっており、この結果を基に類似度を要素として選んでいます。</a:t>
+              <a:t>以前の調査結果で</a:t>
+            </a:r>
+            <a:r>
+              <a:rPr kumimoji="1" lang="ja-JP" altLang="en-US" dirty="0" smtClean="0"/>
+              <a:t>、この類似度</a:t>
+            </a:r>
+            <a:r>
+              <a:rPr kumimoji="1" lang="ja-JP" altLang="en-US" dirty="0" smtClean="0"/>
+              <a:t>が高いほどテストコードを再利用できる可能性が高いことが分かっており、この結果を基に類似度を要素として選んでいます。</a:t>
             </a:r>
             <a:endParaRPr kumimoji="1" lang="en-US" altLang="ja-JP" dirty="0" smtClean="0"/>
           </a:p>
@@ -7778,17 +7790,11 @@
           <a:p>
             <a:r>
               <a:rPr kumimoji="1" lang="ja-JP" altLang="en-US" dirty="0" smtClean="0"/>
-              <a:t>で、ソフトウェアテストはソフトウェアの不具合を検出して、それを修正することでソフトウェアの品質を向上させることを、目的として行われます。</a:t>
-            </a:r>
-            <a:endParaRPr kumimoji="1" lang="en-US" altLang="ja-JP" dirty="0" smtClean="0"/>
-          </a:p>
-          <a:p>
-            <a:endParaRPr kumimoji="1" lang="en-US" altLang="ja-JP" dirty="0" smtClean="0"/>
-          </a:p>
-          <a:p>
+              <a:t>そして、この</a:t>
+            </a:r>
             <a:r>
               <a:rPr kumimoji="1" lang="ja-JP" altLang="en-US" dirty="0" smtClean="0"/>
-              <a:t>このテスト工程は、テストする対象の粒度によって大きく</a:t>
+              <a:t>テスト工程は、テストする対象の粒度によって大きく</a:t>
             </a:r>
             <a:r>
               <a:rPr kumimoji="1" lang="en-US" altLang="ja-JP" dirty="0" smtClean="0"/>
@@ -11807,12 +11813,16 @@
               <a:t>テストメソッド内に複数の</a:t>
             </a:r>
             <a:r>
-              <a:rPr kumimoji="1" lang="en-US" altLang="ja-JP" u="sng" dirty="0" err="1" smtClean="0"/>
-              <a:t>asser</a:t>
+              <a:rPr kumimoji="1" lang="en-US" altLang="ja-JP" u="sng" dirty="0" smtClean="0"/>
+              <a:t>assert</a:t>
             </a:r>
             <a:r>
               <a:rPr kumimoji="1" lang="ja-JP" altLang="en-US" u="sng" dirty="0" smtClean="0"/>
-              <a:t>文を含む場合にこのテストスメルが発生します。</a:t>
+              <a:t>文</a:t>
+            </a:r>
+            <a:r>
+              <a:rPr kumimoji="1" lang="ja-JP" altLang="en-US" u="sng" dirty="0" smtClean="0"/>
+              <a:t>を含む場合にこのテストスメルが発生します。</a:t>
             </a:r>
             <a:endParaRPr kumimoji="1" lang="en-US" altLang="ja-JP" dirty="0" smtClean="0"/>
           </a:p>
@@ -11853,7 +11863,11 @@
             </a:r>
             <a:r>
               <a:rPr kumimoji="1" lang="ja-JP" altLang="en-US" dirty="0" smtClean="0"/>
-              <a:t>では、これらのテストスメルを高速で検出するために、テストスメルを自動で検出できる</a:t>
+              <a:t>では、これらのテストスメルを高速で検出するために</a:t>
+            </a:r>
+            <a:r>
+              <a:rPr kumimoji="1" lang="ja-JP" altLang="en-US" dirty="0" smtClean="0"/>
+              <a:t>、</a:t>
             </a:r>
             <a:r>
               <a:rPr kumimoji="1" lang="en-US" altLang="ja-JP" dirty="0" err="1" smtClean="0"/>
@@ -17659,8 +17673,8 @@
         </p:nvSpPr>
         <p:spPr>
           <a:xfrm rot="10800000">
-            <a:off x="3733800" y="4171353"/>
-            <a:ext cx="4724400" cy="317500"/>
+            <a:off x="3733800" y="4093436"/>
+            <a:ext cx="4724400" cy="395417"/>
           </a:xfrm>
           <a:prstGeom prst="triangle">
             <a:avLst/>

--- a/�v���[��0122.pptx
+++ b/�v���[��0122.pptx
@@ -5371,8 +5371,33 @@
                 <a:latin typeface="メイリオ" panose="020B0604030504040204" pitchFamily="50" charset="-128"/>
                 <a:ea typeface="メイリオ" panose="020B0604030504040204" pitchFamily="50" charset="-128"/>
               </a:rPr>
-              <a:t>次に評価実験です</a:t>
-            </a:r>
+              <a:t>次</a:t>
+            </a:r>
+            <a:r>
+              <a:rPr lang="ja-JP" altLang="en-US" sz="1200" dirty="0" smtClean="0">
+                <a:latin typeface="メイリオ" panose="020B0604030504040204" pitchFamily="50" charset="-128"/>
+                <a:ea typeface="メイリオ" panose="020B0604030504040204" pitchFamily="50" charset="-128"/>
+              </a:rPr>
+              <a:t>に</a:t>
+            </a:r>
+            <a:r>
+              <a:rPr lang="en-US" altLang="ja-JP" sz="1200" dirty="0" err="1" smtClean="0">
+                <a:latin typeface="メイリオ" panose="020B0604030504040204" pitchFamily="50" charset="-128"/>
+                <a:ea typeface="メイリオ" panose="020B0604030504040204" pitchFamily="50" charset="-128"/>
+              </a:rPr>
+              <a:t>SuiteRec</a:t>
+            </a:r>
+            <a:r>
+              <a:rPr lang="ja-JP" altLang="en-US" sz="1200" dirty="0" smtClean="0">
+                <a:latin typeface="メイリオ" panose="020B0604030504040204" pitchFamily="50" charset="-128"/>
+                <a:ea typeface="メイリオ" panose="020B0604030504040204" pitchFamily="50" charset="-128"/>
+              </a:rPr>
+              <a:t>のインターフェスを紹介します</a:t>
+            </a:r>
+            <a:endParaRPr lang="ja-JP" altLang="en-US" sz="1200" dirty="0" smtClean="0">
+              <a:latin typeface="メイリオ" panose="020B0604030504040204" pitchFamily="50" charset="-128"/>
+              <a:ea typeface="メイリオ" panose="020B0604030504040204" pitchFamily="50" charset="-128"/>
+            </a:endParaRPr>
           </a:p>
           <a:p>
             <a:endParaRPr kumimoji="1" lang="en-US" altLang="ja-JP" dirty="0" smtClean="0"/>
@@ -5485,7 +5510,11 @@
           <a:p>
             <a:r>
               <a:rPr kumimoji="1" lang="ja-JP" altLang="en-US" dirty="0" smtClean="0"/>
-              <a:t>①は、開発者から与えられた入力コードが表示されます。そして②には、入力コードに対応する類似コードが表示され、③にはその類似度が表示されます</a:t>
+              <a:t>①は、開発者から与えられた入力コードが表示されます。そして②には、入力コードに対応する類似コードが表示され</a:t>
+            </a:r>
+            <a:r>
+              <a:rPr kumimoji="1" lang="ja-JP" altLang="en-US" dirty="0" smtClean="0"/>
+              <a:t>、</a:t>
             </a:r>
             <a:endParaRPr kumimoji="1" lang="en-US" altLang="ja-JP" dirty="0" smtClean="0"/>
           </a:p>
@@ -5495,7 +5524,46 @@
           <a:p>
             <a:r>
               <a:rPr kumimoji="1" lang="ja-JP" altLang="en-US" dirty="0" smtClean="0"/>
-              <a:t>④には、推薦されるテストコード内に含まれるテストスメルがハイライトされ、⑤は推薦されたテストコードが表示されます</a:t>
+              <a:t>③</a:t>
+            </a:r>
+            <a:r>
+              <a:rPr kumimoji="1" lang="ja-JP" altLang="en-US" dirty="0" smtClean="0"/>
+              <a:t>にはその類似度が表示されます</a:t>
+            </a:r>
+            <a:endParaRPr kumimoji="1" lang="en-US" altLang="ja-JP" dirty="0" smtClean="0"/>
+          </a:p>
+          <a:p>
+            <a:endParaRPr kumimoji="1" lang="en-US" altLang="ja-JP" dirty="0" smtClean="0"/>
+          </a:p>
+          <a:p>
+            <a:pPr marL="0" marR="0" indent="0" algn="l" defTabSz="914400" rtl="0" eaLnBrk="1" fontAlgn="auto" latinLnBrk="0" hangingPunct="1">
+              <a:lnSpc>
+                <a:spcPct val="100000"/>
+              </a:lnSpc>
+              <a:spcBef>
+                <a:spcPts val="0"/>
+              </a:spcBef>
+              <a:spcAft>
+                <a:spcPts val="0"/>
+              </a:spcAft>
+              <a:buClrTx/>
+              <a:buSzTx/>
+              <a:buFontTx/>
+              <a:buNone/>
+              <a:tabLst/>
+              <a:defRPr/>
+            </a:pPr>
+            <a:r>
+              <a:rPr kumimoji="1" lang="ja-JP" altLang="en-US" dirty="0" smtClean="0"/>
+              <a:t>⑤は推薦されたテストコードが表示され、④</a:t>
+            </a:r>
+            <a:r>
+              <a:rPr kumimoji="1" lang="ja-JP" altLang="en-US" dirty="0" smtClean="0"/>
+              <a:t>には、推薦されるテストコード内に含まれるテストスメルがハイライト</a:t>
+            </a:r>
+            <a:r>
+              <a:rPr kumimoji="1" lang="ja-JP" altLang="en-US" dirty="0" smtClean="0"/>
+              <a:t>されるようになっています</a:t>
             </a:r>
             <a:endParaRPr kumimoji="1" lang="en-US" altLang="ja-JP" dirty="0" smtClean="0"/>
           </a:p>
@@ -6625,7 +6693,31 @@
             </a:r>
             <a:r>
               <a:rPr kumimoji="1" lang="ja-JP" altLang="en-US" dirty="0" smtClean="0"/>
-              <a:t>を使用した場合と手作業の場合で、ほとんど差がなく、どのタスクでも網羅率が高いことが分かります。</a:t>
+              <a:t>を使用した場合と手作業の場合で</a:t>
+            </a:r>
+            <a:r>
+              <a:rPr kumimoji="1" lang="ja-JP" altLang="en-US" dirty="0" smtClean="0"/>
+              <a:t>、</a:t>
+            </a:r>
+            <a:r>
+              <a:rPr kumimoji="1" lang="en-US" altLang="ja-JP" dirty="0" smtClean="0"/>
+              <a:t>2</a:t>
+            </a:r>
+            <a:r>
+              <a:rPr kumimoji="1" lang="ja-JP" altLang="en-US" dirty="0" err="1" smtClean="0"/>
+              <a:t>つの</a:t>
+            </a:r>
+            <a:r>
+              <a:rPr kumimoji="1" lang="ja-JP" altLang="en-US" dirty="0" smtClean="0"/>
+              <a:t>カバレッジに大きな差はなく、</a:t>
+            </a:r>
+            <a:r>
+              <a:rPr kumimoji="1" lang="ja-JP" altLang="en-US" dirty="0" smtClean="0"/>
+              <a:t>どのタスクでも網羅率が高いことが</a:t>
+            </a:r>
+            <a:r>
+              <a:rPr kumimoji="1" lang="ja-JP" altLang="en-US" dirty="0" smtClean="0"/>
+              <a:t>分かりました。</a:t>
             </a:r>
             <a:endParaRPr kumimoji="1" lang="en-US" altLang="ja-JP" dirty="0" smtClean="0"/>
           </a:p>
@@ -6675,31 +6767,20 @@
             </a:r>
             <a:r>
               <a:rPr kumimoji="1" lang="ja-JP" altLang="en-US" u="sng" dirty="0" smtClean="0"/>
-              <a:t>％以上カバレッジを向上できることが分かりました。</a:t>
+              <a:t>％以上カバレッジ</a:t>
+            </a:r>
+            <a:r>
+              <a:rPr kumimoji="1" lang="ja-JP" altLang="en-US" u="sng" dirty="0" smtClean="0"/>
+              <a:t>を高くなっているが</a:t>
+            </a:r>
+            <a:r>
+              <a:rPr kumimoji="1" lang="ja-JP" altLang="en-US" u="sng" dirty="0" smtClean="0"/>
+              <a:t>分かりました。</a:t>
             </a:r>
             <a:endParaRPr kumimoji="1" lang="en-US" altLang="ja-JP" u="sng" dirty="0" smtClean="0"/>
           </a:p>
           <a:p>
             <a:endParaRPr kumimoji="1" lang="en-US" altLang="ja-JP" dirty="0" smtClean="0"/>
-          </a:p>
-          <a:p>
-            <a:r>
-              <a:rPr kumimoji="1" lang="ja-JP" altLang="en-US" dirty="0" smtClean="0"/>
-              <a:t>この結果は、</a:t>
-            </a:r>
-            <a:r>
-              <a:rPr kumimoji="1" lang="ja-JP" altLang="en-US" u="sng" dirty="0" smtClean="0"/>
-              <a:t>分岐が多く複雑なプログラムのテストコードを作成する際に</a:t>
-            </a:r>
-            <a:r>
-              <a:rPr kumimoji="1" lang="en-US" altLang="ja-JP" u="sng" dirty="0" err="1" smtClean="0"/>
-              <a:t>SuiteRec</a:t>
-            </a:r>
-            <a:r>
-              <a:rPr kumimoji="1" lang="ja-JP" altLang="en-US" u="sng" dirty="0" smtClean="0"/>
-              <a:t>は分岐網羅率を向上するのに役立つ可能性があることが分かりました。</a:t>
-            </a:r>
-            <a:endParaRPr kumimoji="1" lang="en-US" altLang="ja-JP" u="sng" dirty="0" smtClean="0"/>
           </a:p>
           <a:p>
             <a:endParaRPr kumimoji="1" lang="en-US" altLang="ja-JP" u="sng" dirty="0" smtClean="0"/>
@@ -6877,37 +6958,29 @@
             </a:r>
             <a:r>
               <a:rPr kumimoji="1" lang="ja-JP" altLang="en-US" u="sng" dirty="0" smtClean="0"/>
-              <a:t>時間手作業の場合と比べて</a:t>
-            </a:r>
-            <a:r>
-              <a:rPr kumimoji="1" lang="ja-JP" altLang="en-US" u="sng" dirty="0" err="1" smtClean="0"/>
-              <a:t>が</a:t>
-            </a:r>
-            <a:r>
-              <a:rPr kumimoji="1" lang="ja-JP" altLang="en-US" u="sng" dirty="0" smtClean="0"/>
-              <a:t>長くなることが分かります。 </a:t>
+              <a:t>時間が、手作業の場合と比べて長くなることが分かりました。 </a:t>
             </a:r>
             <a:endParaRPr kumimoji="1" lang="en-US" altLang="ja-JP" u="sng" dirty="0" smtClean="0"/>
           </a:p>
           <a:p>
-            <a:endParaRPr kumimoji="1" lang="en-US" altLang="ja-JP" dirty="0" smtClean="0"/>
-          </a:p>
-          <a:p>
-            <a:r>
-              <a:rPr kumimoji="1" lang="en-US" altLang="ja-JP" b="1" dirty="0" err="1" smtClean="0"/>
-              <a:t>SuiteRec</a:t>
+            <a:endParaRPr kumimoji="1" lang="en-US" altLang="ja-JP" b="0" dirty="0" smtClean="0"/>
+          </a:p>
+          <a:p>
+            <a:r>
+              <a:rPr kumimoji="1" lang="ja-JP" altLang="en-US" b="0" dirty="0" smtClean="0"/>
+              <a:t>この結果から想定できる</a:t>
             </a:r>
             <a:r>
               <a:rPr kumimoji="1" lang="ja-JP" altLang="en-US" b="1" dirty="0" smtClean="0"/>
-              <a:t>を利用した場合に、時間がかかって</a:t>
+              <a:t>考察として</a:t>
             </a:r>
             <a:r>
               <a:rPr kumimoji="1" lang="ja-JP" altLang="en-US" b="1" dirty="0" smtClean="0"/>
-              <a:t>しまう考察として</a:t>
+              <a:t>、開発者は、推薦される複数のテストコードを理解し、再利用する際に</a:t>
             </a:r>
             <a:r>
               <a:rPr kumimoji="1" lang="ja-JP" altLang="en-US" b="1" dirty="0" smtClean="0"/>
-              <a:t>、開発者は、推薦される複数のテストコードを理解し、再利用する際に変更をしなければならないことが考えられます。</a:t>
+              <a:t>変更が必要でこの部分に時間を費やした可能性があります</a:t>
             </a:r>
             <a:endParaRPr kumimoji="1" lang="en-US" altLang="ja-JP" b="1" dirty="0" smtClean="0"/>
           </a:p>
@@ -6933,7 +7006,11 @@
             </a:r>
             <a:r>
               <a:rPr kumimoji="1" lang="ja-JP" altLang="en-US" dirty="0" smtClean="0"/>
-              <a:t>を使用した方がタスク完了時間が短いことが分かる。</a:t>
+              <a:t>を使用した方がタスク完了時間が短いことが</a:t>
+            </a:r>
+            <a:r>
+              <a:rPr kumimoji="1" lang="ja-JP" altLang="en-US" dirty="0" smtClean="0"/>
+              <a:t>分かります。</a:t>
             </a:r>
             <a:endParaRPr kumimoji="1" lang="en-US" altLang="ja-JP" dirty="0" smtClean="0"/>
           </a:p>
@@ -6943,7 +7020,23 @@
           <a:p>
             <a:r>
               <a:rPr kumimoji="1" lang="ja-JP" altLang="en-US" dirty="0" smtClean="0"/>
-              <a:t>我々は、提出されたテストコードを調査したところ、カバレッジに差はないものの、手作業で作成した場合は、テスト項目の重複が多いことが分かりました。</a:t>
+              <a:t>我々は、提出されたテストコードを調査したところ</a:t>
+            </a:r>
+            <a:r>
+              <a:rPr kumimoji="1" lang="ja-JP" altLang="en-US" dirty="0" smtClean="0"/>
+              <a:t>、タスク</a:t>
+            </a:r>
+            <a:r>
+              <a:rPr kumimoji="1" lang="en-US" altLang="ja-JP" dirty="0" smtClean="0"/>
+              <a:t>2</a:t>
+            </a:r>
+            <a:r>
+              <a:rPr kumimoji="1" lang="ja-JP" altLang="en-US" dirty="0" smtClean="0"/>
+              <a:t>はカバレッジ</a:t>
+            </a:r>
+            <a:r>
+              <a:rPr kumimoji="1" lang="ja-JP" altLang="en-US" dirty="0" smtClean="0"/>
+              <a:t>に差はないものの、手作業で作成した場合は、テスト項目の重複が多いことが分かりました。</a:t>
             </a:r>
             <a:endParaRPr kumimoji="1" lang="en-US" altLang="ja-JP" dirty="0" smtClean="0"/>
           </a:p>
@@ -6953,7 +7046,7 @@
           <a:p>
             <a:r>
               <a:rPr kumimoji="1" lang="ja-JP" altLang="en-US" dirty="0" smtClean="0"/>
-              <a:t>この結果は、タスク</a:t>
+              <a:t>ここからは想像ですが、タスク</a:t>
             </a:r>
             <a:r>
               <a:rPr kumimoji="1" lang="en-US" altLang="ja-JP" dirty="0" smtClean="0"/>
@@ -7135,7 +7228,15 @@
             </a:r>
             <a:r>
               <a:rPr kumimoji="1" lang="ja-JP" altLang="en-US" dirty="0" smtClean="0"/>
-              <a:t>によって推薦されたテストコードの品質が高く、被験者はそれを再利用することで品質を維持したままテストコードを作成した可能性があります。</a:t>
+              <a:t>によって推薦されたテストコードの品質が高く、被験者はそれを再利用することで品質を維持したままテストコードを</a:t>
+            </a:r>
+            <a:r>
+              <a:rPr kumimoji="1" lang="ja-JP" altLang="en-US" dirty="0" smtClean="0"/>
+              <a:t>作成できた可能性</a:t>
+            </a:r>
+            <a:r>
+              <a:rPr kumimoji="1" lang="ja-JP" altLang="en-US" dirty="0" smtClean="0"/>
+              <a:t>があります。</a:t>
             </a:r>
             <a:endParaRPr kumimoji="1" lang="en-US" altLang="ja-JP" dirty="0" smtClean="0"/>
           </a:p>
@@ -7769,8 +7870,35 @@
               <a:defRPr/>
             </a:pPr>
             <a:r>
+              <a:rPr kumimoji="1" lang="en-US" altLang="ja-JP" dirty="0" smtClean="0"/>
+              <a:t>0:56</a:t>
+            </a:r>
+          </a:p>
+          <a:p>
+            <a:pPr marL="0" marR="0" indent="0" algn="l" defTabSz="914400" rtl="0" eaLnBrk="1" fontAlgn="auto" latinLnBrk="0" hangingPunct="1">
+              <a:lnSpc>
+                <a:spcPct val="100000"/>
+              </a:lnSpc>
+              <a:spcBef>
+                <a:spcPts val="0"/>
+              </a:spcBef>
+              <a:spcAft>
+                <a:spcPts val="0"/>
+              </a:spcAft>
+              <a:buClrTx/>
+              <a:buSzTx/>
+              <a:buFontTx/>
+              <a:buNone/>
+              <a:tabLst/>
+              <a:defRPr/>
+            </a:pPr>
+            <a:r>
               <a:rPr kumimoji="1" lang="ja-JP" altLang="en-US" dirty="0" smtClean="0"/>
-              <a:t>まず、研究背景であるソフトウェアテストからです。</a:t>
+              <a:t>まず</a:t>
+            </a:r>
+            <a:r>
+              <a:rPr kumimoji="1" lang="ja-JP" altLang="en-US" dirty="0" smtClean="0"/>
+              <a:t>、研究背景であるソフトウェアテストからです。</a:t>
             </a:r>
             <a:endParaRPr kumimoji="1" lang="en-US" altLang="ja-JP" dirty="0" smtClean="0"/>
           </a:p>
@@ -10241,8 +10369,18 @@
           <a:lstStyle/>
           <a:p>
             <a:r>
+              <a:rPr kumimoji="1" lang="en-US" altLang="ja-JP" dirty="0" smtClean="0"/>
+              <a:t>1:25</a:t>
+            </a:r>
+          </a:p>
+          <a:p>
+            <a:r>
               <a:rPr kumimoji="1" lang="ja-JP" altLang="en-US" dirty="0" smtClean="0"/>
-              <a:t>そのため、テスト工程を支援するために、現在までにこのように様々なテストコード自動生成ツールが提案されてきました。</a:t>
+              <a:t>その</a:t>
+            </a:r>
+            <a:r>
+              <a:rPr kumimoji="1" lang="ja-JP" altLang="en-US" dirty="0" smtClean="0"/>
+              <a:t>ため、テスト工程を支援するために、現在までにこのように様々なテストコード自動生成ツールが提案されてきました。</a:t>
             </a:r>
             <a:endParaRPr kumimoji="1" lang="en-US" altLang="ja-JP" dirty="0" smtClean="0"/>
           </a:p>
@@ -10270,7 +10408,15 @@
           <a:p>
             <a:r>
               <a:rPr kumimoji="1" lang="ja-JP" altLang="en-US" dirty="0" smtClean="0"/>
-              <a:t>これらの既存の自動生成ツールを利用することで、開発者のテスト作成コストを削減し、短期間でテストコードを作成することができます。</a:t>
+              <a:t>これらの既存の自動生成ツールを利用することで、開発者</a:t>
+            </a:r>
+            <a:r>
+              <a:rPr kumimoji="1" lang="ja-JP" altLang="en-US" dirty="0" smtClean="0"/>
+              <a:t>の実装コスト</a:t>
+            </a:r>
+            <a:r>
+              <a:rPr kumimoji="1" lang="ja-JP" altLang="en-US" dirty="0" smtClean="0"/>
+              <a:t>を削減し、短期間でテストコードを作成することができます。</a:t>
             </a:r>
             <a:endParaRPr kumimoji="1" lang="en-US" altLang="ja-JP" dirty="0" smtClean="0"/>
           </a:p>
@@ -10618,8 +10764,18 @@
           <a:lstStyle/>
           <a:p>
             <a:r>
+              <a:rPr kumimoji="1" lang="en-US" altLang="ja-JP" dirty="0" smtClean="0"/>
+              <a:t>2:13</a:t>
+            </a:r>
+          </a:p>
+          <a:p>
+            <a:r>
               <a:rPr kumimoji="1" lang="ja-JP" altLang="en-US" dirty="0" smtClean="0"/>
-              <a:t>次に課題です。</a:t>
+              <a:t>次</a:t>
+            </a:r>
+            <a:r>
+              <a:rPr kumimoji="1" lang="ja-JP" altLang="en-US" dirty="0" smtClean="0"/>
+              <a:t>に課題です。</a:t>
             </a:r>
             <a:endParaRPr kumimoji="1" lang="en-US" altLang="ja-JP" dirty="0" smtClean="0"/>
           </a:p>
@@ -10781,8 +10937,18 @@
           <a:lstStyle/>
           <a:p>
             <a:r>
+              <a:rPr kumimoji="1" lang="en-US" altLang="ja-JP" dirty="0" smtClean="0"/>
+              <a:t>3:00</a:t>
+            </a:r>
+          </a:p>
+          <a:p>
+            <a:r>
               <a:rPr kumimoji="1" lang="ja-JP" altLang="en-US" dirty="0" smtClean="0"/>
-              <a:t>そこで，本研究では，</a:t>
+              <a:t>そこ</a:t>
+            </a:r>
+            <a:r>
+              <a:rPr kumimoji="1" lang="ja-JP" altLang="en-US" dirty="0" smtClean="0"/>
+              <a:t>で，本研究では，</a:t>
             </a:r>
             <a:r>
               <a:rPr kumimoji="1" lang="en-US" altLang="ja-JP" dirty="0" smtClean="0"/>
@@ -10816,27 +10982,23 @@
             </a:r>
             <a:r>
               <a:rPr kumimoji="1" lang="ja-JP" altLang="en-US" dirty="0" smtClean="0"/>
-              <a:t>はコーディング</a:t>
+              <a:t>は、コーディング</a:t>
             </a:r>
             <a:r>
               <a:rPr kumimoji="1" lang="ja-JP" altLang="en-US" dirty="0" smtClean="0"/>
-              <a:t>規約や</a:t>
-            </a:r>
-            <a:r>
-              <a:rPr kumimoji="1" lang="en-US" altLang="ja-JP" dirty="0" smtClean="0"/>
-              <a:t>~~</a:t>
+              <a:t>規約</a:t>
             </a:r>
             <a:r>
               <a:rPr kumimoji="1" lang="ja-JP" altLang="en-US" dirty="0" smtClean="0"/>
-              <a:t>利用する</a:t>
+              <a:t>や</a:t>
+            </a:r>
+            <a:r>
+              <a:rPr lang="ja-JP" altLang="en-US" sz="1200" dirty="0" smtClean="0"/>
+              <a:t>命名規則に従った可読性の高いテストコードの</a:t>
             </a:r>
             <a:r>
               <a:rPr kumimoji="1" lang="ja-JP" altLang="en-US" dirty="0" smtClean="0"/>
-              <a:t>ことが</a:t>
-            </a:r>
-            <a:r>
-              <a:rPr kumimoji="1" lang="ja-JP" altLang="en-US" dirty="0" smtClean="0"/>
-              <a:t>できます。</a:t>
+              <a:t>利用が期待できます</a:t>
             </a:r>
             <a:endParaRPr kumimoji="1" lang="en-US" altLang="ja-JP" dirty="0" smtClean="0"/>
           </a:p>
@@ -10854,7 +11016,7 @@
             </a:r>
             <a:r>
               <a:rPr kumimoji="1" lang="ja-JP" altLang="en-US" dirty="0" smtClean="0"/>
-              <a:t>では推薦されるテストコードのスメルを検出し、より品質が高いテストコードを推薦します。</a:t>
+              <a:t>では推薦されるテストコードのテストスメルを検出し、より品質が高いテストコードを推薦します。</a:t>
             </a:r>
             <a:endParaRPr kumimoji="1" lang="en-US" altLang="ja-JP" dirty="0" smtClean="0"/>
           </a:p>
@@ -11002,8 +11164,18 @@
           <a:lstStyle/>
           <a:p>
             <a:r>
+              <a:rPr kumimoji="1" lang="en-US" altLang="ja-JP" dirty="0" smtClean="0"/>
+              <a:t>4:02</a:t>
+            </a:r>
+          </a:p>
+          <a:p>
+            <a:r>
               <a:rPr kumimoji="1" lang="ja-JP" altLang="en-US" dirty="0" smtClean="0"/>
-              <a:t>こちらが</a:t>
+              <a:t>こちら</a:t>
+            </a:r>
+            <a:r>
+              <a:rPr kumimoji="1" lang="ja-JP" altLang="en-US" dirty="0" smtClean="0"/>
+              <a:t>が</a:t>
             </a:r>
             <a:r>
               <a:rPr kumimoji="1" lang="en-US" altLang="ja-JP" dirty="0" err="1" smtClean="0"/>
@@ -11322,6 +11494,12 @@
           <a:p>
             <a:r>
               <a:rPr kumimoji="1" lang="en-US" altLang="ja-JP" dirty="0" smtClean="0"/>
+              <a:t>4:49</a:t>
+            </a:r>
+          </a:p>
+          <a:p>
+            <a:r>
+              <a:rPr kumimoji="1" lang="en-US" altLang="ja-JP" dirty="0" smtClean="0"/>
               <a:t>Step1</a:t>
             </a:r>
             <a:r>
@@ -11353,39 +11531,43 @@
           </a:p>
           <a:p>
             <a:r>
+              <a:rPr kumimoji="1" lang="ja-JP" altLang="en-US" dirty="0" smtClean="0"/>
+              <a:t>このツールは、検索</a:t>
+            </a:r>
+            <a:r>
+              <a:rPr kumimoji="1" lang="ja-JP" altLang="en-US" dirty="0" smtClean="0"/>
+              <a:t>対象のソースコードのレイアウトを統一的に変更させ、行単位でソースコードを比較することで類似コード片を検出するツールであり、このような手法を取ることで、</a:t>
+            </a:r>
+            <a:endParaRPr kumimoji="1" lang="en-US" altLang="ja-JP" dirty="0" smtClean="0"/>
+          </a:p>
+          <a:p>
+            <a:endParaRPr kumimoji="1" lang="en-US" altLang="ja-JP" dirty="0" smtClean="0"/>
+          </a:p>
+          <a:p>
+            <a:r>
+              <a:rPr kumimoji="1" lang="ja-JP" altLang="en-US" dirty="0" smtClean="0"/>
+              <a:t>高精度・高再現率で類似コード片を</a:t>
+            </a:r>
+            <a:r>
+              <a:rPr kumimoji="1" lang="ja-JP" altLang="en-US" dirty="0" smtClean="0"/>
+              <a:t>検出を可能にしています。</a:t>
+            </a:r>
+            <a:endParaRPr kumimoji="1" lang="en-US" altLang="ja-JP" dirty="0" smtClean="0"/>
+          </a:p>
+          <a:p>
+            <a:endParaRPr kumimoji="1" lang="en-US" altLang="ja-JP" dirty="0" smtClean="0"/>
+          </a:p>
+          <a:p>
+            <a:r>
+              <a:rPr kumimoji="1" lang="ja-JP" altLang="en-US" dirty="0" smtClean="0"/>
+              <a:t>本研究では、テストコードの再利用を考える上で、より構文的に類似した関数単位のコード片を検出したいので</a:t>
+            </a:r>
+            <a:r>
               <a:rPr kumimoji="1" lang="en-US" altLang="ja-JP" dirty="0" smtClean="0"/>
               <a:t>NiCad</a:t>
             </a:r>
             <a:r>
               <a:rPr kumimoji="1" lang="ja-JP" altLang="en-US" dirty="0" smtClean="0"/>
-              <a:t>は、検索対象のソースコードのレイアウトを統一的に変更させ、行単位でソースコードを比較することで類似コード片を検出するツールであり、このような手法を取ることで、</a:t>
-            </a:r>
-            <a:endParaRPr kumimoji="1" lang="en-US" altLang="ja-JP" dirty="0" smtClean="0"/>
-          </a:p>
-          <a:p>
-            <a:endParaRPr kumimoji="1" lang="en-US" altLang="ja-JP" dirty="0" smtClean="0"/>
-          </a:p>
-          <a:p>
-            <a:r>
-              <a:rPr kumimoji="1" lang="ja-JP" altLang="en-US" dirty="0" smtClean="0"/>
-              <a:t>高精度・高再現率で類似コード片を検出することができます。</a:t>
-            </a:r>
-            <a:endParaRPr kumimoji="1" lang="en-US" altLang="ja-JP" dirty="0" smtClean="0"/>
-          </a:p>
-          <a:p>
-            <a:endParaRPr kumimoji="1" lang="en-US" altLang="ja-JP" dirty="0" smtClean="0"/>
-          </a:p>
-          <a:p>
-            <a:r>
-              <a:rPr kumimoji="1" lang="ja-JP" altLang="en-US" dirty="0" smtClean="0"/>
-              <a:t>本研究では、テストコードの再利用を考える上で、より構文的に類似した関数単位のコード片を検出したいので</a:t>
-            </a:r>
-            <a:r>
-              <a:rPr kumimoji="1" lang="en-US" altLang="ja-JP" dirty="0" smtClean="0"/>
-              <a:t>NiCad</a:t>
-            </a:r>
-            <a:r>
-              <a:rPr kumimoji="1" lang="ja-JP" altLang="en-US" dirty="0" smtClean="0"/>
               <a:t>を採用しました。</a:t>
             </a:r>
             <a:endParaRPr kumimoji="1" lang="en-US" altLang="ja-JP" dirty="0" smtClean="0"/>
@@ -11404,7 +11586,37 @@
             </a:r>
             <a:r>
               <a:rPr kumimoji="1" lang="ja-JP" altLang="en-US" dirty="0" smtClean="0"/>
-              <a:t>に例えばこのようなサンプルコードを入力すると、このような類似コード片を検出することができます。</a:t>
+              <a:t>に例えばこのような</a:t>
+            </a:r>
+            <a:r>
+              <a:rPr kumimoji="1" lang="ja-JP" altLang="en-US" dirty="0" smtClean="0"/>
+              <a:t>サンプルコード</a:t>
+            </a:r>
+            <a:r>
+              <a:rPr kumimoji="1" lang="ja-JP" altLang="en-US" dirty="0" smtClean="0"/>
+              <a:t>を入力すると、このような類似コード片を検出することができます</a:t>
+            </a:r>
+            <a:r>
+              <a:rPr kumimoji="1" lang="ja-JP" altLang="en-US" dirty="0" smtClean="0"/>
+              <a:t>。</a:t>
+            </a:r>
+            <a:endParaRPr kumimoji="1" lang="en-US" altLang="ja-JP" dirty="0" smtClean="0"/>
+          </a:p>
+          <a:p>
+            <a:endParaRPr kumimoji="1" lang="en-US" altLang="ja-JP" dirty="0" smtClean="0"/>
+          </a:p>
+          <a:p>
+            <a:r>
+              <a:rPr kumimoji="1" lang="ja-JP" altLang="en-US" dirty="0" smtClean="0"/>
+              <a:t>次に</a:t>
+            </a:r>
+            <a:r>
+              <a:rPr kumimoji="1" lang="en-US" altLang="ja-JP" dirty="0" smtClean="0"/>
+              <a:t>Step2</a:t>
+            </a:r>
+            <a:r>
+              <a:rPr kumimoji="1" lang="ja-JP" altLang="en-US" dirty="0" err="1" smtClean="0"/>
+              <a:t>です</a:t>
             </a:r>
             <a:endParaRPr kumimoji="1" lang="en-US" altLang="ja-JP" dirty="0" smtClean="0"/>
           </a:p>
@@ -11518,7 +11730,15 @@
           <a:p>
             <a:r>
               <a:rPr kumimoji="1" lang="ja-JP" altLang="en-US" dirty="0" smtClean="0"/>
-              <a:t>そこで、類似コード片からテストコードを検索するために、対象コードとテストコードをこのように</a:t>
+              <a:t>そこで、類似コード片からテストコードを検索するために</a:t>
+            </a:r>
+            <a:r>
+              <a:rPr kumimoji="1" lang="ja-JP" altLang="en-US" dirty="0" smtClean="0"/>
+              <a:t>、本研究では、テストコードと対象コードを</a:t>
+            </a:r>
+            <a:r>
+              <a:rPr kumimoji="1" lang="ja-JP" altLang="en-US" dirty="0" smtClean="0"/>
+              <a:t>このように</a:t>
             </a:r>
             <a:r>
               <a:rPr kumimoji="1" lang="en-US" altLang="ja-JP" dirty="0" smtClean="0"/>
@@ -11554,7 +11774,11 @@
           <a:p>
             <a:r>
               <a:rPr kumimoji="1" lang="ja-JP" altLang="en-US" dirty="0" smtClean="0"/>
-              <a:t>本研究では</a:t>
+              <a:t>本研究</a:t>
+            </a:r>
+            <a:r>
+              <a:rPr kumimoji="1" lang="ja-JP" altLang="en-US" dirty="0" smtClean="0"/>
+              <a:t>では</a:t>
             </a:r>
             <a:r>
               <a:rPr kumimoji="1" lang="en-US" altLang="ja-JP" b="1" dirty="0" smtClean="0"/>
@@ -11588,17 +11812,63 @@
             </a:r>
             <a:r>
               <a:rPr kumimoji="1" lang="ja-JP" altLang="en-US" dirty="0" smtClean="0"/>
-              <a:t>では、テストコード内のメソッド呼び出しを確認します。一般に、単体テストでは、このようにテストコード内で、対象メソッドを呼び出して実行します。</a:t>
-            </a:r>
+              <a:t>では、テストコード内のメソッド呼び出しを確認します</a:t>
+            </a:r>
+            <a:r>
+              <a:rPr kumimoji="1" lang="ja-JP" altLang="en-US" dirty="0" smtClean="0"/>
+              <a:t>。</a:t>
+            </a:r>
+            <a:r>
+              <a:rPr kumimoji="1" lang="en-US" altLang="ja-JP" dirty="0" smtClean="0"/>
+              <a:t/>
+            </a:r>
+            <a:br>
+              <a:rPr kumimoji="1" lang="en-US" altLang="ja-JP" dirty="0" smtClean="0"/>
+            </a:br>
             <a:endParaRPr kumimoji="1" lang="en-US" altLang="ja-JP" dirty="0" smtClean="0"/>
           </a:p>
           <a:p>
+            <a:r>
+              <a:rPr kumimoji="1" lang="ja-JP" altLang="en-US" dirty="0" smtClean="0"/>
+              <a:t>一般</a:t>
+            </a:r>
+            <a:r>
+              <a:rPr kumimoji="1" lang="ja-JP" altLang="en-US" dirty="0" smtClean="0"/>
+              <a:t>に、単体テストでは、このよう</a:t>
+            </a:r>
+            <a:r>
+              <a:rPr kumimoji="1" lang="ja-JP" altLang="en-US" dirty="0" smtClean="0"/>
+              <a:t>に、</a:t>
+            </a:r>
+            <a:r>
+              <a:rPr kumimoji="1" lang="ja-JP" altLang="en-US" dirty="0" smtClean="0"/>
+              <a:t>対象メソッドを呼び出して実行します</a:t>
+            </a:r>
+            <a:r>
+              <a:rPr kumimoji="1" lang="ja-JP" altLang="en-US" dirty="0" smtClean="0"/>
+              <a:t>。</a:t>
+            </a:r>
             <a:endParaRPr kumimoji="1" lang="en-US" altLang="ja-JP" dirty="0" smtClean="0"/>
           </a:p>
           <a:p>
+            <a:endParaRPr kumimoji="1" lang="en-US" altLang="ja-JP" dirty="0" smtClean="0"/>
+          </a:p>
+          <a:p>
             <a:r>
               <a:rPr kumimoji="1" lang="ja-JP" altLang="en-US" dirty="0" smtClean="0"/>
-              <a:t>したがって、テストコードを静的解析し、メソッド呼び出しを取得することで対象コードとテストコードを対応付けます。</a:t>
+              <a:t>したがって</a:t>
+            </a:r>
+            <a:r>
+              <a:rPr kumimoji="1" lang="ja-JP" altLang="en-US" dirty="0" smtClean="0"/>
+              <a:t>、テストコードを静的解析し、メソッド呼び出しを取得すること</a:t>
+            </a:r>
+            <a:r>
+              <a:rPr kumimoji="1" lang="ja-JP" altLang="en-US" dirty="0" smtClean="0"/>
+              <a:t>でテストコードと対象コードを</a:t>
+            </a:r>
+            <a:r>
+              <a:rPr kumimoji="1" lang="ja-JP" altLang="en-US" dirty="0" smtClean="0"/>
+              <a:t>対応付けます。</a:t>
             </a:r>
             <a:endParaRPr kumimoji="1" lang="en-US" altLang="ja-JP" dirty="0" smtClean="0"/>
           </a:p>
@@ -11638,7 +11908,23 @@
             </a:r>
             <a:r>
               <a:rPr kumimoji="1" lang="ja-JP" altLang="en-US" dirty="0" smtClean="0"/>
-              <a:t>フェーズを踏むことで対象コードとテストコードを厳密に対応付け、類似コード片からテストコードを正確に検索できるようにしました。</a:t>
+              <a:t>フェーズを踏むこと</a:t>
+            </a:r>
+            <a:r>
+              <a:rPr kumimoji="1" lang="ja-JP" altLang="en-US" dirty="0" smtClean="0"/>
+              <a:t>で厳密</a:t>
+            </a:r>
+            <a:r>
+              <a:rPr kumimoji="1" lang="ja-JP" altLang="en-US" dirty="0" smtClean="0"/>
+              <a:t>に</a:t>
+            </a:r>
+            <a:r>
+              <a:rPr kumimoji="1" lang="ja-JP" altLang="en-US" dirty="0" smtClean="0"/>
+              <a:t>対応付けを行い、</a:t>
+            </a:r>
+            <a:r>
+              <a:rPr kumimoji="1" lang="ja-JP" altLang="en-US" dirty="0" smtClean="0"/>
+              <a:t>類似コード片からテストコードを正確に検索できるようにしました。</a:t>
             </a:r>
             <a:endParaRPr kumimoji="1" lang="en-US" altLang="ja-JP" dirty="0" smtClean="0"/>
           </a:p>
@@ -18529,7 +18815,11 @@
             </a:pPr>
             <a:r>
               <a:rPr lang="ja-JP" altLang="en-US" sz="2400" dirty="0" smtClean="0"/>
-              <a:t>アンケート調査を実施し、開発者が参考にしたいテストコードを上位に推薦できるかを評価した</a:t>
+              <a:t>アンケート調査を実施し、開発者が参考にしたいテストコードを上位に推薦できるかを評価</a:t>
+            </a:r>
+            <a:r>
+              <a:rPr lang="ja-JP" altLang="en-US" sz="2400" dirty="0" smtClean="0"/>
+              <a:t>した</a:t>
             </a:r>
             <a:endParaRPr lang="en-US" altLang="ja-JP" sz="2400" dirty="0" smtClean="0"/>
           </a:p>
@@ -44122,13 +44412,13 @@
         </p:nvSpPr>
         <p:spPr>
           <a:xfrm>
-            <a:off x="1098517" y="5164150"/>
+            <a:off x="1098517" y="5222875"/>
             <a:ext cx="5099677" cy="651815"/>
           </a:xfrm>
           <a:prstGeom prst="wedgeRoundRectCallout">
             <a:avLst>
-              <a:gd name="adj1" fmla="val -646"/>
-              <a:gd name="adj2" fmla="val -113634"/>
+              <a:gd name="adj1" fmla="val -1869"/>
+              <a:gd name="adj2" fmla="val -129575"/>
               <a:gd name="adj3" fmla="val 16667"/>
             </a:avLst>
           </a:prstGeom>

--- a/�v���[��0122.pptx
+++ b/�v���[��0122.pptx
@@ -529,7 +529,6 @@
               </a:p>
             </c:rich>
           </c:tx>
-          <c:layout/>
           <c:overlay val="0"/>
           <c:spPr>
             <a:noFill/>
@@ -1025,7 +1024,6 @@
               </a:p>
             </c:rich>
           </c:tx>
-          <c:layout/>
           <c:overlay val="0"/>
           <c:spPr>
             <a:noFill/>
@@ -1619,7 +1617,6 @@
               </a:p>
             </c:rich>
           </c:tx>
-          <c:layout/>
           <c:overlay val="0"/>
           <c:spPr>
             <a:noFill/>
@@ -4695,7 +4692,7 @@
           <a:p>
             <a:fld id="{C4C8FA46-DAC1-48A5-A534-60EFFD85CDA3}" type="datetimeFigureOut">
               <a:rPr kumimoji="1" lang="ja-JP" altLang="en-US" smtClean="0"/>
-              <a:t>2020/2/6</a:t>
+              <a:t>2020/2/9</a:t>
             </a:fld>
             <a:endParaRPr kumimoji="1" lang="ja-JP" altLang="en-US"/>
           </a:p>
@@ -5184,11 +5181,7 @@
             </a:r>
             <a:r>
               <a:rPr kumimoji="1" lang="ja-JP" altLang="en-US" dirty="0" smtClean="0"/>
-              <a:t>要素に</a:t>
-            </a:r>
-            <a:r>
-              <a:rPr kumimoji="1" lang="ja-JP" altLang="en-US" dirty="0" smtClean="0"/>
-              <a:t>着目しています。</a:t>
+              <a:t>要素に着目しています。</a:t>
             </a:r>
             <a:endParaRPr kumimoji="1" lang="en-US" altLang="ja-JP" dirty="0" smtClean="0"/>
           </a:p>
@@ -5220,15 +5213,7 @@
           <a:p>
             <a:r>
               <a:rPr kumimoji="1" lang="ja-JP" altLang="en-US" dirty="0" smtClean="0"/>
-              <a:t>以前の調査結果で</a:t>
-            </a:r>
-            <a:r>
-              <a:rPr kumimoji="1" lang="ja-JP" altLang="en-US" dirty="0" smtClean="0"/>
-              <a:t>、この類似度</a:t>
-            </a:r>
-            <a:r>
-              <a:rPr kumimoji="1" lang="ja-JP" altLang="en-US" dirty="0" smtClean="0"/>
-              <a:t>が高いほどテストコードを再利用できる可能性が高いことが分かっており、この結果を基に類似度を要素として選んでいます。</a:t>
+              <a:t>以前の調査結果で、この類似度が高いほどテストコードを再利用できる可能性が高いことが分かっており、この結果を基に類似度を要素として選んでいます。</a:t>
             </a:r>
             <a:endParaRPr kumimoji="1" lang="en-US" altLang="ja-JP" dirty="0" smtClean="0"/>
           </a:p>
@@ -5371,33 +5356,22 @@
                 <a:latin typeface="メイリオ" panose="020B0604030504040204" pitchFamily="50" charset="-128"/>
                 <a:ea typeface="メイリオ" panose="020B0604030504040204" pitchFamily="50" charset="-128"/>
               </a:rPr>
-              <a:t>次</a:t>
+              <a:t>次に</a:t>
+            </a:r>
+            <a:r>
+              <a:rPr lang="en-US" altLang="ja-JP" sz="1200" dirty="0" err="1" smtClean="0">
+                <a:latin typeface="メイリオ" panose="020B0604030504040204" pitchFamily="50" charset="-128"/>
+                <a:ea typeface="メイリオ" panose="020B0604030504040204" pitchFamily="50" charset="-128"/>
+              </a:rPr>
+              <a:t>SuiteRec</a:t>
             </a:r>
             <a:r>
               <a:rPr lang="ja-JP" altLang="en-US" sz="1200" dirty="0" smtClean="0">
                 <a:latin typeface="メイリオ" panose="020B0604030504040204" pitchFamily="50" charset="-128"/>
                 <a:ea typeface="メイリオ" panose="020B0604030504040204" pitchFamily="50" charset="-128"/>
               </a:rPr>
-              <a:t>に</a:t>
-            </a:r>
-            <a:r>
-              <a:rPr lang="en-US" altLang="ja-JP" sz="1200" dirty="0" err="1" smtClean="0">
-                <a:latin typeface="メイリオ" panose="020B0604030504040204" pitchFamily="50" charset="-128"/>
-                <a:ea typeface="メイリオ" panose="020B0604030504040204" pitchFamily="50" charset="-128"/>
-              </a:rPr>
-              <a:t>SuiteRec</a:t>
-            </a:r>
-            <a:r>
-              <a:rPr lang="ja-JP" altLang="en-US" sz="1200" dirty="0" smtClean="0">
-                <a:latin typeface="メイリオ" panose="020B0604030504040204" pitchFamily="50" charset="-128"/>
-                <a:ea typeface="メイリオ" panose="020B0604030504040204" pitchFamily="50" charset="-128"/>
-              </a:rPr>
               <a:t>のインターフェスを紹介します</a:t>
             </a:r>
-            <a:endParaRPr lang="ja-JP" altLang="en-US" sz="1200" dirty="0" smtClean="0">
-              <a:latin typeface="メイリオ" panose="020B0604030504040204" pitchFamily="50" charset="-128"/>
-              <a:ea typeface="メイリオ" panose="020B0604030504040204" pitchFamily="50" charset="-128"/>
-            </a:endParaRPr>
           </a:p>
           <a:p>
             <a:endParaRPr kumimoji="1" lang="en-US" altLang="ja-JP" dirty="0" smtClean="0"/>
@@ -5510,25 +5484,17 @@
           <a:p>
             <a:r>
               <a:rPr kumimoji="1" lang="ja-JP" altLang="en-US" dirty="0" smtClean="0"/>
-              <a:t>①は、開発者から与えられた入力コードが表示されます。そして②には、入力コードに対応する類似コードが表示され</a:t>
-            </a:r>
+              <a:t>①は、開発者から与えられた入力コードが表示されます。そして②には、入力コードに対応する類似コードが表示され、</a:t>
+            </a:r>
+            <a:endParaRPr kumimoji="1" lang="en-US" altLang="ja-JP" dirty="0" smtClean="0"/>
+          </a:p>
+          <a:p>
+            <a:endParaRPr kumimoji="1" lang="en-US" altLang="ja-JP" dirty="0" smtClean="0"/>
+          </a:p>
+          <a:p>
             <a:r>
               <a:rPr kumimoji="1" lang="ja-JP" altLang="en-US" dirty="0" smtClean="0"/>
-              <a:t>、</a:t>
-            </a:r>
-            <a:endParaRPr kumimoji="1" lang="en-US" altLang="ja-JP" dirty="0" smtClean="0"/>
-          </a:p>
-          <a:p>
-            <a:endParaRPr kumimoji="1" lang="en-US" altLang="ja-JP" dirty="0" smtClean="0"/>
-          </a:p>
-          <a:p>
-            <a:r>
-              <a:rPr kumimoji="1" lang="ja-JP" altLang="en-US" dirty="0" smtClean="0"/>
-              <a:t>③</a:t>
-            </a:r>
-            <a:r>
-              <a:rPr kumimoji="1" lang="ja-JP" altLang="en-US" dirty="0" smtClean="0"/>
-              <a:t>にはその類似度が表示されます</a:t>
+              <a:t>③にはその類似度が表示されます</a:t>
             </a:r>
             <a:endParaRPr kumimoji="1" lang="en-US" altLang="ja-JP" dirty="0" smtClean="0"/>
           </a:p>
@@ -5555,15 +5521,7 @@
             </a:pPr>
             <a:r>
               <a:rPr kumimoji="1" lang="ja-JP" altLang="en-US" dirty="0" smtClean="0"/>
-              <a:t>⑤は推薦されたテストコードが表示され、④</a:t>
-            </a:r>
-            <a:r>
-              <a:rPr kumimoji="1" lang="ja-JP" altLang="en-US" dirty="0" smtClean="0"/>
-              <a:t>には、推薦されるテストコード内に含まれるテストスメルがハイライト</a:t>
-            </a:r>
-            <a:r>
-              <a:rPr kumimoji="1" lang="ja-JP" altLang="en-US" dirty="0" smtClean="0"/>
-              <a:t>されるようになっています</a:t>
+              <a:t>⑤は推薦されたテストコードが表示され、④には、推薦されるテストコード内に含まれるテストスメルがハイライトされるようになっています</a:t>
             </a:r>
             <a:endParaRPr kumimoji="1" lang="en-US" altLang="ja-JP" dirty="0" smtClean="0"/>
           </a:p>
@@ -6693,67 +6651,55 @@
             </a:r>
             <a:r>
               <a:rPr kumimoji="1" lang="ja-JP" altLang="en-US" dirty="0" smtClean="0"/>
-              <a:t>を使用した場合と手作業の場合で</a:t>
+              <a:t>を使用した場合と手作業の場合で、</a:t>
+            </a:r>
+            <a:r>
+              <a:rPr kumimoji="1" lang="en-US" altLang="ja-JP" dirty="0" smtClean="0"/>
+              <a:t>2</a:t>
+            </a:r>
+            <a:r>
+              <a:rPr kumimoji="1" lang="ja-JP" altLang="en-US" dirty="0" err="1" smtClean="0"/>
+              <a:t>つの</a:t>
+            </a:r>
+            <a:r>
+              <a:rPr kumimoji="1" lang="ja-JP" altLang="en-US" dirty="0" smtClean="0"/>
+              <a:t>カバレッジに大きな差はなく、どのタスクでも網羅率が高いことが分かりました。</a:t>
+            </a:r>
+            <a:endParaRPr kumimoji="1" lang="en-US" altLang="ja-JP" dirty="0" smtClean="0"/>
+          </a:p>
+          <a:p>
+            <a:endParaRPr kumimoji="1" lang="en-US" altLang="ja-JP" dirty="0" smtClean="0"/>
+          </a:p>
+          <a:p>
+            <a:r>
+              <a:rPr kumimoji="1" lang="ja-JP" altLang="en-US" dirty="0" smtClean="0"/>
+              <a:t>ただ、</a:t>
+            </a:r>
+            <a:r>
+              <a:rPr kumimoji="1" lang="ja-JP" altLang="en-US" b="1" dirty="0" smtClean="0"/>
+              <a:t>分岐網羅の</a:t>
+            </a:r>
+            <a:r>
+              <a:rPr kumimoji="1" lang="en-US" altLang="ja-JP" b="1" dirty="0" smtClean="0"/>
+              <a:t>1</a:t>
+            </a:r>
+            <a:r>
+              <a:rPr kumimoji="1" lang="ja-JP" altLang="en-US" b="1" dirty="0" smtClean="0"/>
+              <a:t>番複雑なプログラムであるタスク</a:t>
+            </a:r>
+            <a:r>
+              <a:rPr kumimoji="1" lang="en-US" altLang="ja-JP" b="1" dirty="0" smtClean="0"/>
+              <a:t>3</a:t>
+            </a:r>
+            <a:r>
+              <a:rPr kumimoji="1" lang="ja-JP" altLang="en-US" b="1" dirty="0" smtClean="0"/>
+              <a:t>については、若干差があり</a:t>
             </a:r>
             <a:r>
               <a:rPr kumimoji="1" lang="ja-JP" altLang="en-US" dirty="0" smtClean="0"/>
               <a:t>、</a:t>
             </a:r>
             <a:r>
-              <a:rPr kumimoji="1" lang="en-US" altLang="ja-JP" dirty="0" smtClean="0"/>
-              <a:t>2</a:t>
-            </a:r>
-            <a:r>
-              <a:rPr kumimoji="1" lang="ja-JP" altLang="en-US" dirty="0" err="1" smtClean="0"/>
-              <a:t>つの</a:t>
-            </a:r>
-            <a:r>
-              <a:rPr kumimoji="1" lang="ja-JP" altLang="en-US" dirty="0" smtClean="0"/>
-              <a:t>カバレッジに大きな差はなく、</a:t>
-            </a:r>
-            <a:r>
-              <a:rPr kumimoji="1" lang="ja-JP" altLang="en-US" dirty="0" smtClean="0"/>
-              <a:t>どのタスクでも網羅率が高いことが</a:t>
-            </a:r>
-            <a:r>
-              <a:rPr kumimoji="1" lang="ja-JP" altLang="en-US" dirty="0" smtClean="0"/>
-              <a:t>分かりました。</a:t>
-            </a:r>
-            <a:endParaRPr kumimoji="1" lang="en-US" altLang="ja-JP" dirty="0" smtClean="0"/>
-          </a:p>
-          <a:p>
-            <a:endParaRPr kumimoji="1" lang="en-US" altLang="ja-JP" dirty="0" smtClean="0"/>
-          </a:p>
-          <a:p>
-            <a:r>
-              <a:rPr kumimoji="1" lang="ja-JP" altLang="en-US" dirty="0" smtClean="0"/>
-              <a:t>ただ、</a:t>
-            </a:r>
-            <a:r>
-              <a:rPr kumimoji="1" lang="ja-JP" altLang="en-US" b="1" dirty="0" smtClean="0"/>
-              <a:t>分岐網羅の</a:t>
-            </a:r>
-            <a:r>
-              <a:rPr kumimoji="1" lang="en-US" altLang="ja-JP" b="1" dirty="0" smtClean="0"/>
-              <a:t>1</a:t>
-            </a:r>
-            <a:r>
-              <a:rPr kumimoji="1" lang="ja-JP" altLang="en-US" b="1" dirty="0" smtClean="0"/>
-              <a:t>番複雑なプログラムであるタスク</a:t>
-            </a:r>
-            <a:r>
-              <a:rPr kumimoji="1" lang="en-US" altLang="ja-JP" b="1" dirty="0" smtClean="0"/>
-              <a:t>3</a:t>
-            </a:r>
-            <a:r>
-              <a:rPr kumimoji="1" lang="ja-JP" altLang="en-US" b="1" dirty="0" smtClean="0"/>
-              <a:t>については、若干差があり</a:t>
-            </a:r>
-            <a:r>
-              <a:rPr kumimoji="1" lang="ja-JP" altLang="en-US" dirty="0" smtClean="0"/>
-              <a:t>、</a:t>
-            </a:r>
-            <a:r>
               <a:rPr kumimoji="1" lang="en-US" altLang="ja-JP" u="sng" dirty="0" err="1" smtClean="0"/>
               <a:t>SuiteRec</a:t>
             </a:r>
@@ -6767,15 +6713,7 @@
             </a:r>
             <a:r>
               <a:rPr kumimoji="1" lang="ja-JP" altLang="en-US" u="sng" dirty="0" smtClean="0"/>
-              <a:t>％以上カバレッジ</a:t>
-            </a:r>
-            <a:r>
-              <a:rPr kumimoji="1" lang="ja-JP" altLang="en-US" u="sng" dirty="0" smtClean="0"/>
-              <a:t>を高くなっているが</a:t>
-            </a:r>
-            <a:r>
-              <a:rPr kumimoji="1" lang="ja-JP" altLang="en-US" u="sng" dirty="0" smtClean="0"/>
-              <a:t>分かりました。</a:t>
+              <a:t>％以上カバレッジを高くなっているが分かりました。</a:t>
             </a:r>
             <a:endParaRPr kumimoji="1" lang="en-US" altLang="ja-JP" u="sng" dirty="0" smtClean="0"/>
           </a:p>
@@ -6954,11 +6892,7 @@
             </a:r>
             <a:r>
               <a:rPr kumimoji="1" lang="ja-JP" altLang="en-US" u="sng" dirty="0" smtClean="0"/>
-              <a:t>タスク完了までの</a:t>
-            </a:r>
-            <a:r>
-              <a:rPr kumimoji="1" lang="ja-JP" altLang="en-US" u="sng" dirty="0" smtClean="0"/>
-              <a:t>時間が、手作業の場合と比べて長くなることが分かりました。 </a:t>
+              <a:t>タスク完了までの時間が、手作業の場合と比べて長くなることが分かりました。 </a:t>
             </a:r>
             <a:endParaRPr kumimoji="1" lang="en-US" altLang="ja-JP" u="sng" dirty="0" smtClean="0"/>
           </a:p>
@@ -6972,15 +6906,7 @@
             </a:r>
             <a:r>
               <a:rPr kumimoji="1" lang="ja-JP" altLang="en-US" b="1" dirty="0" smtClean="0"/>
-              <a:t>考察として</a:t>
-            </a:r>
-            <a:r>
-              <a:rPr kumimoji="1" lang="ja-JP" altLang="en-US" b="1" dirty="0" smtClean="0"/>
-              <a:t>、開発者は、推薦される複数のテストコードを理解し、再利用する際に</a:t>
-            </a:r>
-            <a:r>
-              <a:rPr kumimoji="1" lang="ja-JP" altLang="en-US" b="1" dirty="0" smtClean="0"/>
-              <a:t>変更が必要でこの部分に時間を費やした可能性があります</a:t>
+              <a:t>考察として、開発者は、推薦される複数のテストコードを理解し、再利用する際に変更が必要でこの部分に時間を費やした可能性があります</a:t>
             </a:r>
             <a:endParaRPr kumimoji="1" lang="en-US" altLang="ja-JP" b="1" dirty="0" smtClean="0"/>
           </a:p>
@@ -7006,25 +6932,17 @@
             </a:r>
             <a:r>
               <a:rPr kumimoji="1" lang="ja-JP" altLang="en-US" dirty="0" smtClean="0"/>
-              <a:t>を使用した方がタスク完了時間が短いことが</a:t>
-            </a:r>
+              <a:t>を使用した方がタスク完了時間が短いことが分かります。</a:t>
+            </a:r>
+            <a:endParaRPr kumimoji="1" lang="en-US" altLang="ja-JP" dirty="0" smtClean="0"/>
+          </a:p>
+          <a:p>
+            <a:endParaRPr kumimoji="1" lang="en-US" altLang="ja-JP" dirty="0" smtClean="0"/>
+          </a:p>
+          <a:p>
             <a:r>
               <a:rPr kumimoji="1" lang="ja-JP" altLang="en-US" dirty="0" smtClean="0"/>
-              <a:t>分かります。</a:t>
-            </a:r>
-            <a:endParaRPr kumimoji="1" lang="en-US" altLang="ja-JP" dirty="0" smtClean="0"/>
-          </a:p>
-          <a:p>
-            <a:endParaRPr kumimoji="1" lang="en-US" altLang="ja-JP" dirty="0" smtClean="0"/>
-          </a:p>
-          <a:p>
-            <a:r>
-              <a:rPr kumimoji="1" lang="ja-JP" altLang="en-US" dirty="0" smtClean="0"/>
-              <a:t>我々は、提出されたテストコードを調査したところ</a:t>
-            </a:r>
-            <a:r>
-              <a:rPr kumimoji="1" lang="ja-JP" altLang="en-US" dirty="0" smtClean="0"/>
-              <a:t>、タスク</a:t>
+              <a:t>我々は、提出されたテストコードを調査したところ、タスク</a:t>
             </a:r>
             <a:r>
               <a:rPr kumimoji="1" lang="en-US" altLang="ja-JP" dirty="0" smtClean="0"/>
@@ -7032,11 +6950,7 @@
             </a:r>
             <a:r>
               <a:rPr kumimoji="1" lang="ja-JP" altLang="en-US" dirty="0" smtClean="0"/>
-              <a:t>はカバレッジ</a:t>
-            </a:r>
-            <a:r>
-              <a:rPr kumimoji="1" lang="ja-JP" altLang="en-US" dirty="0" smtClean="0"/>
-              <a:t>に差はないものの、手作業で作成した場合は、テスト項目の重複が多いことが分かりました。</a:t>
+              <a:t>はカバレッジに差はないものの、手作業で作成した場合は、テスト項目の重複が多いことが分かりました。</a:t>
             </a:r>
             <a:endParaRPr kumimoji="1" lang="en-US" altLang="ja-JP" dirty="0" smtClean="0"/>
           </a:p>
@@ -7228,15 +7142,7 @@
             </a:r>
             <a:r>
               <a:rPr kumimoji="1" lang="ja-JP" altLang="en-US" dirty="0" smtClean="0"/>
-              <a:t>によって推薦されたテストコードの品質が高く、被験者はそれを再利用することで品質を維持したままテストコードを</a:t>
-            </a:r>
-            <a:r>
-              <a:rPr kumimoji="1" lang="ja-JP" altLang="en-US" dirty="0" smtClean="0"/>
-              <a:t>作成できた可能性</a:t>
-            </a:r>
-            <a:r>
-              <a:rPr kumimoji="1" lang="ja-JP" altLang="en-US" dirty="0" smtClean="0"/>
-              <a:t>があります。</a:t>
+              <a:t>によって推薦されたテストコードの品質が高く、被験者はそれを再利用することで品質を維持したままテストコードを作成できた可能性があります。</a:t>
             </a:r>
             <a:endParaRPr kumimoji="1" lang="en-US" altLang="ja-JP" dirty="0" smtClean="0"/>
           </a:p>
@@ -7894,11 +7800,7 @@
             </a:pPr>
             <a:r>
               <a:rPr kumimoji="1" lang="ja-JP" altLang="en-US" dirty="0" smtClean="0"/>
-              <a:t>まず</a:t>
-            </a:r>
-            <a:r>
-              <a:rPr kumimoji="1" lang="ja-JP" altLang="en-US" dirty="0" smtClean="0"/>
-              <a:t>、研究背景であるソフトウェアテストからです。</a:t>
+              <a:t>まず、研究背景であるソフトウェアテストからです。</a:t>
             </a:r>
             <a:endParaRPr kumimoji="1" lang="en-US" altLang="ja-JP" dirty="0" smtClean="0"/>
           </a:p>
@@ -7918,11 +7820,7 @@
           <a:p>
             <a:r>
               <a:rPr kumimoji="1" lang="ja-JP" altLang="en-US" dirty="0" smtClean="0"/>
-              <a:t>そして、この</a:t>
-            </a:r>
-            <a:r>
-              <a:rPr kumimoji="1" lang="ja-JP" altLang="en-US" dirty="0" smtClean="0"/>
-              <a:t>テスト工程は、テストする対象の粒度によって大きく</a:t>
+              <a:t>そして、このテスト工程は、テストする対象の粒度によって大きく</a:t>
             </a:r>
             <a:r>
               <a:rPr kumimoji="1" lang="en-US" altLang="ja-JP" dirty="0" smtClean="0"/>
@@ -10376,11 +10274,7 @@
           <a:p>
             <a:r>
               <a:rPr kumimoji="1" lang="ja-JP" altLang="en-US" dirty="0" smtClean="0"/>
-              <a:t>その</a:t>
-            </a:r>
-            <a:r>
-              <a:rPr kumimoji="1" lang="ja-JP" altLang="en-US" dirty="0" smtClean="0"/>
-              <a:t>ため、テスト工程を支援するために、現在までにこのように様々なテストコード自動生成ツールが提案されてきました。</a:t>
+              <a:t>そのため、テスト工程を支援するために、現在までにこのように様々なテストコード自動生成ツールが提案されてきました。</a:t>
             </a:r>
             <a:endParaRPr kumimoji="1" lang="en-US" altLang="ja-JP" dirty="0" smtClean="0"/>
           </a:p>
@@ -10408,15 +10302,7 @@
           <a:p>
             <a:r>
               <a:rPr kumimoji="1" lang="ja-JP" altLang="en-US" dirty="0" smtClean="0"/>
-              <a:t>これらの既存の自動生成ツールを利用することで、開発者</a:t>
-            </a:r>
-            <a:r>
-              <a:rPr kumimoji="1" lang="ja-JP" altLang="en-US" dirty="0" smtClean="0"/>
-              <a:t>の実装コスト</a:t>
-            </a:r>
-            <a:r>
-              <a:rPr kumimoji="1" lang="ja-JP" altLang="en-US" dirty="0" smtClean="0"/>
-              <a:t>を削減し、短期間でテストコードを作成することができます。</a:t>
+              <a:t>これらの既存の自動生成ツールを利用することで、開発者の実装コストを削減し、短期間でテストコードを作成することができます。</a:t>
             </a:r>
             <a:endParaRPr kumimoji="1" lang="en-US" altLang="ja-JP" dirty="0" smtClean="0"/>
           </a:p>
@@ -10771,11 +10657,7 @@
           <a:p>
             <a:r>
               <a:rPr kumimoji="1" lang="ja-JP" altLang="en-US" dirty="0" smtClean="0"/>
-              <a:t>次</a:t>
-            </a:r>
-            <a:r>
-              <a:rPr kumimoji="1" lang="ja-JP" altLang="en-US" dirty="0" smtClean="0"/>
-              <a:t>に課題です。</a:t>
+              <a:t>次に課題です。</a:t>
             </a:r>
             <a:endParaRPr kumimoji="1" lang="en-US" altLang="ja-JP" dirty="0" smtClean="0"/>
           </a:p>
@@ -10944,11 +10826,7 @@
           <a:p>
             <a:r>
               <a:rPr kumimoji="1" lang="ja-JP" altLang="en-US" dirty="0" smtClean="0"/>
-              <a:t>そこ</a:t>
-            </a:r>
-            <a:r>
-              <a:rPr kumimoji="1" lang="ja-JP" altLang="en-US" dirty="0" smtClean="0"/>
-              <a:t>で，本研究では，</a:t>
+              <a:t>そこで，本研究では，</a:t>
             </a:r>
             <a:r>
               <a:rPr kumimoji="1" lang="en-US" altLang="ja-JP" dirty="0" smtClean="0"/>
@@ -10978,19 +10856,7 @@
           <a:p>
             <a:r>
               <a:rPr kumimoji="1" lang="ja-JP" altLang="en-US" dirty="0" smtClean="0"/>
-              <a:t>既存テストの利用</a:t>
-            </a:r>
-            <a:r>
-              <a:rPr kumimoji="1" lang="ja-JP" altLang="en-US" dirty="0" smtClean="0"/>
-              <a:t>は、コーディング</a:t>
-            </a:r>
-            <a:r>
-              <a:rPr kumimoji="1" lang="ja-JP" altLang="en-US" dirty="0" smtClean="0"/>
-              <a:t>規約</a:t>
-            </a:r>
-            <a:r>
-              <a:rPr kumimoji="1" lang="ja-JP" altLang="en-US" dirty="0" smtClean="0"/>
-              <a:t>や</a:t>
+              <a:t>既存テストの利用は、コーディング規約や</a:t>
             </a:r>
             <a:r>
               <a:rPr lang="ja-JP" altLang="en-US" sz="1200" dirty="0" smtClean="0"/>
@@ -11171,11 +11037,7 @@
           <a:p>
             <a:r>
               <a:rPr kumimoji="1" lang="ja-JP" altLang="en-US" dirty="0" smtClean="0"/>
-              <a:t>こちら</a:t>
-            </a:r>
-            <a:r>
-              <a:rPr kumimoji="1" lang="ja-JP" altLang="en-US" dirty="0" smtClean="0"/>
-              <a:t>が</a:t>
+              <a:t>こちらが</a:t>
             </a:r>
             <a:r>
               <a:rPr kumimoji="1" lang="en-US" altLang="ja-JP" dirty="0" err="1" smtClean="0"/>
@@ -11347,11 +11209,7 @@
             </a:r>
             <a:r>
               <a:rPr kumimoji="1" lang="ja-JP" altLang="en-US" dirty="0" smtClean="0"/>
-              <a:t>ではテストコードの良くない実装を表す指標であるテストスメルを検出</a:t>
-            </a:r>
-            <a:r>
-              <a:rPr kumimoji="1" lang="ja-JP" altLang="en-US" dirty="0" smtClean="0"/>
-              <a:t>します。</a:t>
+              <a:t>ではテストコードの良くない実装を表す指標であるテストスメルを検出します。</a:t>
             </a:r>
             <a:endParaRPr kumimoji="1" lang="en-US" altLang="ja-JP" dirty="0" smtClean="0"/>
           </a:p>
@@ -11532,25 +11390,17 @@
           <a:p>
             <a:r>
               <a:rPr kumimoji="1" lang="ja-JP" altLang="en-US" dirty="0" smtClean="0"/>
-              <a:t>このツールは、検索</a:t>
-            </a:r>
+              <a:t>このツールは、検索対象のソースコードのレイアウトを統一的に変更させ、行単位でソースコードを比較することで類似コード片を検出するツールであり、このような手法を取ることで、</a:t>
+            </a:r>
+            <a:endParaRPr kumimoji="1" lang="en-US" altLang="ja-JP" dirty="0" smtClean="0"/>
+          </a:p>
+          <a:p>
+            <a:endParaRPr kumimoji="1" lang="en-US" altLang="ja-JP" dirty="0" smtClean="0"/>
+          </a:p>
+          <a:p>
             <a:r>
               <a:rPr kumimoji="1" lang="ja-JP" altLang="en-US" dirty="0" smtClean="0"/>
-              <a:t>対象のソースコードのレイアウトを統一的に変更させ、行単位でソースコードを比較することで類似コード片を検出するツールであり、このような手法を取ることで、</a:t>
-            </a:r>
-            <a:endParaRPr kumimoji="1" lang="en-US" altLang="ja-JP" dirty="0" smtClean="0"/>
-          </a:p>
-          <a:p>
-            <a:endParaRPr kumimoji="1" lang="en-US" altLang="ja-JP" dirty="0" smtClean="0"/>
-          </a:p>
-          <a:p>
-            <a:r>
-              <a:rPr kumimoji="1" lang="ja-JP" altLang="en-US" dirty="0" smtClean="0"/>
-              <a:t>高精度・高再現率で類似コード片を</a:t>
-            </a:r>
-            <a:r>
-              <a:rPr kumimoji="1" lang="ja-JP" altLang="en-US" dirty="0" smtClean="0"/>
-              <a:t>検出を可能にしています。</a:t>
+              <a:t>高精度・高再現率で類似コード片を検出を可能にしています。</a:t>
             </a:r>
             <a:endParaRPr kumimoji="1" lang="en-US" altLang="ja-JP" dirty="0" smtClean="0"/>
           </a:p>
@@ -11586,19 +11436,7 @@
             </a:r>
             <a:r>
               <a:rPr kumimoji="1" lang="ja-JP" altLang="en-US" dirty="0" smtClean="0"/>
-              <a:t>に例えばこのような</a:t>
-            </a:r>
-            <a:r>
-              <a:rPr kumimoji="1" lang="ja-JP" altLang="en-US" dirty="0" smtClean="0"/>
-              <a:t>サンプルコード</a:t>
-            </a:r>
-            <a:r>
-              <a:rPr kumimoji="1" lang="ja-JP" altLang="en-US" dirty="0" smtClean="0"/>
-              <a:t>を入力すると、このような類似コード片を検出することができます</a:t>
-            </a:r>
-            <a:r>
-              <a:rPr kumimoji="1" lang="ja-JP" altLang="en-US" dirty="0" smtClean="0"/>
-              <a:t>。</a:t>
+              <a:t>に例えばこのようなサンプルコードを入力すると、このような類似コード片を検出することができます。</a:t>
             </a:r>
             <a:endParaRPr kumimoji="1" lang="en-US" altLang="ja-JP" dirty="0" smtClean="0"/>
           </a:p>
@@ -11730,15 +11568,7 @@
           <a:p>
             <a:r>
               <a:rPr kumimoji="1" lang="ja-JP" altLang="en-US" dirty="0" smtClean="0"/>
-              <a:t>そこで、類似コード片からテストコードを検索するために</a:t>
-            </a:r>
-            <a:r>
-              <a:rPr kumimoji="1" lang="ja-JP" altLang="en-US" dirty="0" smtClean="0"/>
-              <a:t>、本研究では、テストコードと対象コードを</a:t>
-            </a:r>
-            <a:r>
-              <a:rPr kumimoji="1" lang="ja-JP" altLang="en-US" dirty="0" smtClean="0"/>
-              <a:t>このように</a:t>
+              <a:t>そこで、類似コード片からテストコードを検索するために、本研究では、テストコードと対象コードをこのように</a:t>
             </a:r>
             <a:r>
               <a:rPr kumimoji="1" lang="en-US" altLang="ja-JP" dirty="0" smtClean="0"/>
@@ -11774,11 +11604,7 @@
           <a:p>
             <a:r>
               <a:rPr kumimoji="1" lang="ja-JP" altLang="en-US" dirty="0" smtClean="0"/>
-              <a:t>本研究</a:t>
-            </a:r>
-            <a:r>
-              <a:rPr kumimoji="1" lang="ja-JP" altLang="en-US" dirty="0" smtClean="0"/>
-              <a:t>では</a:t>
+              <a:t>本研究では</a:t>
             </a:r>
             <a:r>
               <a:rPr kumimoji="1" lang="en-US" altLang="ja-JP" b="1" dirty="0" smtClean="0"/>
@@ -11812,11 +11638,7 @@
             </a:r>
             <a:r>
               <a:rPr kumimoji="1" lang="ja-JP" altLang="en-US" dirty="0" smtClean="0"/>
-              <a:t>では、テストコード内のメソッド呼び出しを確認します</a:t>
-            </a:r>
-            <a:r>
-              <a:rPr kumimoji="1" lang="ja-JP" altLang="en-US" dirty="0" smtClean="0"/>
-              <a:t>。</a:t>
+              <a:t>では、テストコード内のメソッド呼び出しを確認します。</a:t>
             </a:r>
             <a:r>
               <a:rPr kumimoji="1" lang="en-US" altLang="ja-JP" dirty="0" smtClean="0"/>
@@ -11830,45 +11652,17 @@
           <a:p>
             <a:r>
               <a:rPr kumimoji="1" lang="ja-JP" altLang="en-US" dirty="0" smtClean="0"/>
-              <a:t>一般</a:t>
-            </a:r>
+              <a:t>一般に、単体テストでは、このように、対象メソッドを呼び出して実行します。</a:t>
+            </a:r>
+            <a:endParaRPr kumimoji="1" lang="en-US" altLang="ja-JP" dirty="0" smtClean="0"/>
+          </a:p>
+          <a:p>
+            <a:endParaRPr kumimoji="1" lang="en-US" altLang="ja-JP" dirty="0" smtClean="0"/>
+          </a:p>
+          <a:p>
             <a:r>
               <a:rPr kumimoji="1" lang="ja-JP" altLang="en-US" dirty="0" smtClean="0"/>
-              <a:t>に、単体テストでは、このよう</a:t>
-            </a:r>
-            <a:r>
-              <a:rPr kumimoji="1" lang="ja-JP" altLang="en-US" dirty="0" smtClean="0"/>
-              <a:t>に、</a:t>
-            </a:r>
-            <a:r>
-              <a:rPr kumimoji="1" lang="ja-JP" altLang="en-US" dirty="0" smtClean="0"/>
-              <a:t>対象メソッドを呼び出して実行します</a:t>
-            </a:r>
-            <a:r>
-              <a:rPr kumimoji="1" lang="ja-JP" altLang="en-US" dirty="0" smtClean="0"/>
-              <a:t>。</a:t>
-            </a:r>
-            <a:endParaRPr kumimoji="1" lang="en-US" altLang="ja-JP" dirty="0" smtClean="0"/>
-          </a:p>
-          <a:p>
-            <a:endParaRPr kumimoji="1" lang="en-US" altLang="ja-JP" dirty="0" smtClean="0"/>
-          </a:p>
-          <a:p>
-            <a:r>
-              <a:rPr kumimoji="1" lang="ja-JP" altLang="en-US" dirty="0" smtClean="0"/>
-              <a:t>したがって</a:t>
-            </a:r>
-            <a:r>
-              <a:rPr kumimoji="1" lang="ja-JP" altLang="en-US" dirty="0" smtClean="0"/>
-              <a:t>、テストコードを静的解析し、メソッド呼び出しを取得すること</a:t>
-            </a:r>
-            <a:r>
-              <a:rPr kumimoji="1" lang="ja-JP" altLang="en-US" dirty="0" smtClean="0"/>
-              <a:t>でテストコードと対象コードを</a:t>
-            </a:r>
-            <a:r>
-              <a:rPr kumimoji="1" lang="ja-JP" altLang="en-US" dirty="0" smtClean="0"/>
-              <a:t>対応付けます。</a:t>
+              <a:t>したがって、テストコードを静的解析し、メソッド呼び出しを取得することでテストコードと対象コードを対応付けます。</a:t>
             </a:r>
             <a:endParaRPr kumimoji="1" lang="en-US" altLang="ja-JP" dirty="0" smtClean="0"/>
           </a:p>
@@ -11908,23 +11702,7 @@
             </a:r>
             <a:r>
               <a:rPr kumimoji="1" lang="ja-JP" altLang="en-US" dirty="0" smtClean="0"/>
-              <a:t>フェーズを踏むこと</a:t>
-            </a:r>
-            <a:r>
-              <a:rPr kumimoji="1" lang="ja-JP" altLang="en-US" dirty="0" smtClean="0"/>
-              <a:t>で厳密</a:t>
-            </a:r>
-            <a:r>
-              <a:rPr kumimoji="1" lang="ja-JP" altLang="en-US" dirty="0" smtClean="0"/>
-              <a:t>に</a:t>
-            </a:r>
-            <a:r>
-              <a:rPr kumimoji="1" lang="ja-JP" altLang="en-US" dirty="0" smtClean="0"/>
-              <a:t>対応付けを行い、</a:t>
-            </a:r>
-            <a:r>
-              <a:rPr kumimoji="1" lang="ja-JP" altLang="en-US" dirty="0" smtClean="0"/>
-              <a:t>類似コード片からテストコードを正確に検索できるようにしました。</a:t>
+              <a:t>フェーズを踏むことで厳密に対応付けを行い、類似コード片からテストコードを正確に検索できるようにしました。</a:t>
             </a:r>
             <a:endParaRPr kumimoji="1" lang="en-US" altLang="ja-JP" dirty="0" smtClean="0"/>
           </a:p>
@@ -12104,11 +11882,7 @@
             </a:r>
             <a:r>
               <a:rPr kumimoji="1" lang="ja-JP" altLang="en-US" u="sng" dirty="0" smtClean="0"/>
-              <a:t>文</a:t>
-            </a:r>
-            <a:r>
-              <a:rPr kumimoji="1" lang="ja-JP" altLang="en-US" u="sng" dirty="0" smtClean="0"/>
-              <a:t>を含む場合にこのテストスメルが発生します。</a:t>
+              <a:t>文を含む場合にこのテストスメルが発生します。</a:t>
             </a:r>
             <a:endParaRPr kumimoji="1" lang="en-US" altLang="ja-JP" dirty="0" smtClean="0"/>
           </a:p>
@@ -12149,11 +11923,7 @@
             </a:r>
             <a:r>
               <a:rPr kumimoji="1" lang="ja-JP" altLang="en-US" dirty="0" smtClean="0"/>
-              <a:t>では、これらのテストスメルを高速で検出するために</a:t>
-            </a:r>
-            <a:r>
-              <a:rPr kumimoji="1" lang="ja-JP" altLang="en-US" dirty="0" smtClean="0"/>
-              <a:t>、</a:t>
+              <a:t>では、これらのテストスメルを高速で検出するために、</a:t>
             </a:r>
             <a:r>
               <a:rPr kumimoji="1" lang="en-US" altLang="ja-JP" dirty="0" err="1" smtClean="0"/>
@@ -12384,7 +12154,7 @@
           <a:p>
             <a:fld id="{9A935378-F4F8-4659-868E-727B0E96AC4C}" type="datetimeFigureOut">
               <a:rPr kumimoji="1" lang="ja-JP" altLang="en-US" smtClean="0"/>
-              <a:t>2020/2/6</a:t>
+              <a:t>2020/2/9</a:t>
             </a:fld>
             <a:endParaRPr kumimoji="1" lang="ja-JP" altLang="en-US"/>
           </a:p>
@@ -12447,7 +12217,7 @@
           <p:cNvPr id="7" name="長方形 103">
             <a:extLst>
               <a:ext uri="{C183D7F6-B498-43B3-948B-1728B52AA6E4}">
-                <adec:decorative xmlns="" xmlns:adec="http://schemas.microsoft.com/office/drawing/2017/decorative" val="1"/>
+                <adec:decorative xmlns:adec="http://schemas.microsoft.com/office/drawing/2017/decorative" xmlns="" val="1"/>
               </a:ext>
             </a:extLst>
           </p:cNvPr>
@@ -12669,7 +12439,7 @@
           <a:p>
             <a:fld id="{9A935378-F4F8-4659-868E-727B0E96AC4C}" type="datetimeFigureOut">
               <a:rPr kumimoji="1" lang="ja-JP" altLang="en-US" smtClean="0"/>
-              <a:t>2020/2/6</a:t>
+              <a:t>2020/2/9</a:t>
             </a:fld>
             <a:endParaRPr kumimoji="1" lang="ja-JP" altLang="en-US"/>
           </a:p>
@@ -12764,7 +12534,7 @@
           <a:p>
             <a:fld id="{9A935378-F4F8-4659-868E-727B0E96AC4C}" type="datetimeFigureOut">
               <a:rPr kumimoji="1" lang="ja-JP" altLang="en-US" smtClean="0"/>
-              <a:t>2020/2/6</a:t>
+              <a:t>2020/2/9</a:t>
             </a:fld>
             <a:endParaRPr kumimoji="1" lang="ja-JP" altLang="en-US"/>
           </a:p>
@@ -13073,7 +12843,7 @@
           <a:p>
             <a:fld id="{9A935378-F4F8-4659-868E-727B0E96AC4C}" type="datetimeFigureOut">
               <a:rPr kumimoji="1" lang="ja-JP" altLang="en-US" smtClean="0"/>
-              <a:t>2020/2/6</a:t>
+              <a:t>2020/2/9</a:t>
             </a:fld>
             <a:endParaRPr kumimoji="1" lang="ja-JP" altLang="en-US"/>
           </a:p>
@@ -13326,7 +13096,7 @@
           <a:p>
             <a:fld id="{9A935378-F4F8-4659-868E-727B0E96AC4C}" type="datetimeFigureOut">
               <a:rPr kumimoji="1" lang="ja-JP" altLang="en-US" smtClean="0"/>
-              <a:t>2020/2/6</a:t>
+              <a:t>2020/2/9</a:t>
             </a:fld>
             <a:endParaRPr kumimoji="1" lang="ja-JP" altLang="en-US"/>
           </a:p>
@@ -13528,7 +13298,7 @@
           <a:p>
             <a:fld id="{9A935378-F4F8-4659-868E-727B0E96AC4C}" type="datetimeFigureOut">
               <a:rPr kumimoji="1" lang="ja-JP" altLang="en-US" smtClean="0"/>
-              <a:t>2020/2/6</a:t>
+              <a:t>2020/2/9</a:t>
             </a:fld>
             <a:endParaRPr kumimoji="1" lang="ja-JP" altLang="en-US"/>
           </a:p>
@@ -13740,7 +13510,7 @@
           <a:p>
             <a:fld id="{9A935378-F4F8-4659-868E-727B0E96AC4C}" type="datetimeFigureOut">
               <a:rPr kumimoji="1" lang="ja-JP" altLang="en-US" smtClean="0"/>
-              <a:t>2020/2/6</a:t>
+              <a:t>2020/2/9</a:t>
             </a:fld>
             <a:endParaRPr kumimoji="1" lang="ja-JP" altLang="en-US"/>
           </a:p>
@@ -13950,7 +13720,7 @@
           <a:p>
             <a:fld id="{9A935378-F4F8-4659-868E-727B0E96AC4C}" type="datetimeFigureOut">
               <a:rPr kumimoji="1" lang="ja-JP" altLang="en-US" smtClean="0"/>
-              <a:t>2020/2/6</a:t>
+              <a:t>2020/2/9</a:t>
             </a:fld>
             <a:endParaRPr kumimoji="1" lang="ja-JP" altLang="en-US"/>
           </a:p>
@@ -14106,7 +13876,7 @@
           <p:cNvPr id="8" name="長方形 103">
             <a:extLst>
               <a:ext uri="{C183D7F6-B498-43B3-948B-1728B52AA6E4}">
-                <adec:decorative xmlns="" xmlns:adec="http://schemas.microsoft.com/office/drawing/2017/decorative" val="1"/>
+                <adec:decorative xmlns:adec="http://schemas.microsoft.com/office/drawing/2017/decorative" xmlns="" val="1"/>
               </a:ext>
             </a:extLst>
           </p:cNvPr>
@@ -14369,7 +14139,7 @@
           <a:p>
             <a:fld id="{9A935378-F4F8-4659-868E-727B0E96AC4C}" type="datetimeFigureOut">
               <a:rPr kumimoji="1" lang="ja-JP" altLang="en-US" smtClean="0"/>
-              <a:t>2020/2/6</a:t>
+              <a:t>2020/2/9</a:t>
             </a:fld>
             <a:endParaRPr kumimoji="1" lang="ja-JP" altLang="en-US"/>
           </a:p>
@@ -14525,7 +14295,7 @@
           <p:cNvPr id="8" name="長方形 103">
             <a:extLst>
               <a:ext uri="{C183D7F6-B498-43B3-948B-1728B52AA6E4}">
-                <adec:decorative xmlns="" xmlns:adec="http://schemas.microsoft.com/office/drawing/2017/decorative" val="1"/>
+                <adec:decorative xmlns:adec="http://schemas.microsoft.com/office/drawing/2017/decorative" xmlns="" val="1"/>
               </a:ext>
             </a:extLst>
           </p:cNvPr>
@@ -14796,7 +14566,7 @@
           <a:p>
             <a:fld id="{9A935378-F4F8-4659-868E-727B0E96AC4C}" type="datetimeFigureOut">
               <a:rPr kumimoji="1" lang="ja-JP" altLang="en-US" smtClean="0"/>
-              <a:t>2020/2/6</a:t>
+              <a:t>2020/2/9</a:t>
             </a:fld>
             <a:endParaRPr kumimoji="1" lang="ja-JP" altLang="en-US"/>
           </a:p>
@@ -14952,7 +14722,7 @@
           <p:cNvPr id="8" name="長方形 103">
             <a:extLst>
               <a:ext uri="{C183D7F6-B498-43B3-948B-1728B52AA6E4}">
-                <adec:decorative xmlns="" xmlns:adec="http://schemas.microsoft.com/office/drawing/2017/decorative" val="1"/>
+                <adec:decorative xmlns:adec="http://schemas.microsoft.com/office/drawing/2017/decorative" xmlns="" val="1"/>
               </a:ext>
             </a:extLst>
           </p:cNvPr>
@@ -15215,7 +14985,7 @@
           <a:p>
             <a:fld id="{9A935378-F4F8-4659-868E-727B0E96AC4C}" type="datetimeFigureOut">
               <a:rPr kumimoji="1" lang="ja-JP" altLang="en-US" smtClean="0"/>
-              <a:t>2020/2/6</a:t>
+              <a:t>2020/2/9</a:t>
             </a:fld>
             <a:endParaRPr kumimoji="1" lang="ja-JP" altLang="en-US"/>
           </a:p>
@@ -15371,7 +15141,7 @@
           <p:cNvPr id="8" name="長方形 103">
             <a:extLst>
               <a:ext uri="{C183D7F6-B498-43B3-948B-1728B52AA6E4}">
-                <adec:decorative xmlns="" xmlns:adec="http://schemas.microsoft.com/office/drawing/2017/decorative" val="1"/>
+                <adec:decorative xmlns:adec="http://schemas.microsoft.com/office/drawing/2017/decorative" xmlns="" val="1"/>
               </a:ext>
             </a:extLst>
           </p:cNvPr>
@@ -15634,7 +15404,7 @@
           <a:p>
             <a:fld id="{9A935378-F4F8-4659-868E-727B0E96AC4C}" type="datetimeFigureOut">
               <a:rPr kumimoji="1" lang="ja-JP" altLang="en-US" smtClean="0"/>
-              <a:t>2020/2/6</a:t>
+              <a:t>2020/2/9</a:t>
             </a:fld>
             <a:endParaRPr kumimoji="1" lang="ja-JP" altLang="en-US"/>
           </a:p>
@@ -15790,7 +15560,7 @@
           <p:cNvPr id="8" name="長方形 103">
             <a:extLst>
               <a:ext uri="{C183D7F6-B498-43B3-948B-1728B52AA6E4}">
-                <adec:decorative xmlns="" xmlns:adec="http://schemas.microsoft.com/office/drawing/2017/decorative" val="1"/>
+                <adec:decorative xmlns:adec="http://schemas.microsoft.com/office/drawing/2017/decorative" xmlns="" val="1"/>
               </a:ext>
             </a:extLst>
           </p:cNvPr>
@@ -16089,7 +15859,7 @@
           <a:p>
             <a:fld id="{9A935378-F4F8-4659-868E-727B0E96AC4C}" type="datetimeFigureOut">
               <a:rPr kumimoji="1" lang="ja-JP" altLang="en-US" smtClean="0"/>
-              <a:t>2020/2/6</a:t>
+              <a:t>2020/2/9</a:t>
             </a:fld>
             <a:endParaRPr kumimoji="1" lang="ja-JP" altLang="en-US"/>
           </a:p>
@@ -16385,7 +16155,7 @@
           <a:p>
             <a:fld id="{9A935378-F4F8-4659-868E-727B0E96AC4C}" type="datetimeFigureOut">
               <a:rPr kumimoji="1" lang="ja-JP" altLang="en-US" smtClean="0"/>
-              <a:t>2020/2/6</a:t>
+              <a:t>2020/2/9</a:t>
             </a:fld>
             <a:endParaRPr kumimoji="1" lang="ja-JP" altLang="en-US"/>
           </a:p>
@@ -16816,7 +16586,7 @@
           <a:p>
             <a:fld id="{9A935378-F4F8-4659-868E-727B0E96AC4C}" type="datetimeFigureOut">
               <a:rPr kumimoji="1" lang="ja-JP" altLang="en-US" smtClean="0"/>
-              <a:t>2020/2/6</a:t>
+              <a:t>2020/2/9</a:t>
             </a:fld>
             <a:endParaRPr kumimoji="1" lang="ja-JP" altLang="en-US"/>
           </a:p>
@@ -17061,7 +16831,7 @@
           <a:p>
             <a:fld id="{9A935378-F4F8-4659-868E-727B0E96AC4C}" type="datetimeFigureOut">
               <a:rPr kumimoji="1" lang="ja-JP" altLang="en-US" smtClean="0"/>
-              <a:t>2020/2/6</a:t>
+              <a:t>2020/2/9</a:t>
             </a:fld>
             <a:endParaRPr kumimoji="1" lang="ja-JP" altLang="en-US"/>
           </a:p>
@@ -18815,11 +18585,7 @@
             </a:pPr>
             <a:r>
               <a:rPr lang="ja-JP" altLang="en-US" sz="2400" dirty="0" smtClean="0"/>
-              <a:t>アンケート調査を実施し、開発者が参考にしたいテストコードを上位に推薦できるかを評価</a:t>
-            </a:r>
-            <a:r>
-              <a:rPr lang="ja-JP" altLang="en-US" sz="2400" dirty="0" smtClean="0"/>
-              <a:t>した</a:t>
+              <a:t>アンケート調査を実施し、開発者が参考にしたいテストコードを上位に推薦できるかを評価した</a:t>
             </a:r>
             <a:endParaRPr lang="en-US" altLang="ja-JP" sz="2400" dirty="0" smtClean="0"/>
           </a:p>
@@ -18956,11 +18722,7 @@
           <a:p>
             <a:r>
               <a:rPr lang="ja-JP" altLang="en-US" dirty="0" smtClean="0"/>
-              <a:t>実験</a:t>
-            </a:r>
-            <a:r>
-              <a:rPr lang="ja-JP" altLang="en-US" dirty="0" smtClean="0"/>
-              <a:t>概要</a:t>
+              <a:t>実験概要</a:t>
             </a:r>
             <a:endParaRPr lang="en-US" altLang="ja-JP" dirty="0" smtClean="0"/>
           </a:p>
@@ -19125,7 +18887,7 @@
         </p:nvGraphicFramePr>
         <p:xfrm>
           <a:off x="1590077" y="2782956"/>
-          <a:ext cx="9157619" cy="1901190"/>
+          <a:ext cx="9157619" cy="1935480"/>
         </p:xfrm>
         <a:graphic>
           <a:graphicData uri="http://schemas.openxmlformats.org/drawingml/2006/table">
@@ -20521,8 +20283,8 @@
           </a:p>
         </p:txBody>
       </p:sp>
-      <mc:AlternateContent xmlns:mc="http://schemas.openxmlformats.org/markup-compatibility/2006">
-        <mc:Choice xmlns:cx="http://schemas.microsoft.com/office/drawing/2014/chartex" Requires="cx">
+      <mc:AlternateContent xmlns:mc="http://schemas.openxmlformats.org/markup-compatibility/2006" xmlns:cx="http://schemas.microsoft.com/office/drawing/2014/chartex">
+        <mc:Choice Requires="cx">
           <p:graphicFrame>
             <p:nvGraphicFramePr>
               <p:cNvPr id="4" name="グラフ 3"/>
@@ -20546,7 +20308,7 @@
             </a:graphic>
           </p:graphicFrame>
         </mc:Choice>
-        <mc:Fallback>
+        <mc:Fallback xmlns="">
           <p:pic>
             <p:nvPicPr>
               <p:cNvPr id="4" name="グラフ 3"/>
@@ -20670,14 +20432,7 @@
                 <a:latin typeface="メイリオ" panose="020B0604030504040204" pitchFamily="50" charset="-128"/>
                 <a:ea typeface="メイリオ" panose="020B0604030504040204" pitchFamily="50" charset="-128"/>
               </a:rPr>
-              <a:t>は、タスク完了まで</a:t>
-            </a:r>
-            <a:r>
-              <a:rPr lang="ja-JP" altLang="en-US" sz="2200" dirty="0" smtClean="0">
-                <a:latin typeface="メイリオ" panose="020B0604030504040204" pitchFamily="50" charset="-128"/>
-                <a:ea typeface="メイリオ" panose="020B0604030504040204" pitchFamily="50" charset="-128"/>
-              </a:rPr>
-              <a:t>の時間が</a:t>
+              <a:t>は、タスク完了までの時間が</a:t>
             </a:r>
             <a:r>
               <a:rPr lang="ja-JP" altLang="en-US" sz="2200" dirty="0">
@@ -20786,14 +20541,7 @@
                 <a:latin typeface="メイリオ" panose="020B0604030504040204" pitchFamily="50" charset="-128"/>
                 <a:ea typeface="メイリオ" panose="020B0604030504040204" pitchFamily="50" charset="-128"/>
               </a:rPr>
-              <a:t>までの時間</a:t>
-            </a:r>
-            <a:r>
-              <a:rPr lang="ja-JP" altLang="en-US" sz="2200" dirty="0" smtClean="0">
-                <a:latin typeface="メイリオ" panose="020B0604030504040204" pitchFamily="50" charset="-128"/>
-                <a:ea typeface="メイリオ" panose="020B0604030504040204" pitchFamily="50" charset="-128"/>
-              </a:rPr>
-              <a:t>が手作業の場合と比べて短い</a:t>
+              <a:t>までの時間が手作業の場合と比べて短い</a:t>
             </a:r>
             <a:endParaRPr lang="en-US" altLang="ja-JP" sz="2200" dirty="0" smtClean="0">
               <a:latin typeface="メイリオ" panose="020B0604030504040204" pitchFamily="50" charset="-128"/>
@@ -20813,14 +20561,7 @@
                 <a:latin typeface="メイリオ" panose="020B0604030504040204" pitchFamily="50" charset="-128"/>
                 <a:ea typeface="メイリオ" panose="020B0604030504040204" pitchFamily="50" charset="-128"/>
               </a:rPr>
-              <a:t>手作業の場合</a:t>
-            </a:r>
-            <a:r>
-              <a:rPr lang="ja-JP" altLang="en-US" sz="2200" dirty="0" smtClean="0">
-                <a:latin typeface="メイリオ" panose="020B0604030504040204" pitchFamily="50" charset="-128"/>
-                <a:ea typeface="メイリオ" panose="020B0604030504040204" pitchFamily="50" charset="-128"/>
-              </a:rPr>
-              <a:t>、</a:t>
+              <a:t>手作業の場合、</a:t>
             </a:r>
             <a:r>
               <a:rPr lang="ja-JP" altLang="en-US" sz="2200" dirty="0">
@@ -21089,14 +20830,7 @@
                 <a:latin typeface="メイリオ" panose="020B0604030504040204" pitchFamily="50" charset="-128"/>
                 <a:ea typeface="メイリオ" panose="020B0604030504040204" pitchFamily="50" charset="-128"/>
               </a:rPr>
-              <a:t>開発者はテストコード作成に多くの時間を</a:t>
-            </a:r>
-            <a:r>
-              <a:rPr lang="ja-JP" altLang="en-US" sz="2800" dirty="0" smtClean="0">
-                <a:latin typeface="メイリオ" panose="020B0604030504040204" pitchFamily="50" charset="-128"/>
-                <a:ea typeface="メイリオ" panose="020B0604030504040204" pitchFamily="50" charset="-128"/>
-              </a:rPr>
-              <a:t>費やす</a:t>
+              <a:t>開発者はテストコード作成に多くの時間を費やす</a:t>
             </a:r>
             <a:endParaRPr lang="en-US" altLang="ja-JP" sz="2800" dirty="0" smtClean="0">
               <a:latin typeface="メイリオ" panose="020B0604030504040204" pitchFamily="50" charset="-128"/>
@@ -21542,28 +21276,7 @@
                 <a:latin typeface="メイリオ" panose="020B0604030504040204" pitchFamily="50" charset="-128"/>
                 <a:ea typeface="メイリオ" panose="020B0604030504040204" pitchFamily="50" charset="-128"/>
               </a:rPr>
-              <a:t>テストスメルの数が少なく、</a:t>
-            </a:r>
-            <a:r>
-              <a:rPr lang="ja-JP" altLang="en-US" sz="2800" dirty="0" smtClean="0">
-                <a:latin typeface="メイリオ" panose="020B0604030504040204" pitchFamily="50" charset="-128"/>
-                <a:ea typeface="メイリオ" panose="020B0604030504040204" pitchFamily="50" charset="-128"/>
-              </a:rPr>
-              <a:t>品質</a:t>
-            </a:r>
-            <a:r>
-              <a:rPr lang="ja-JP" altLang="en-US" sz="2800" dirty="0" smtClean="0">
-                <a:latin typeface="メイリオ" panose="020B0604030504040204" pitchFamily="50" charset="-128"/>
-                <a:ea typeface="メイリオ" panose="020B0604030504040204" pitchFamily="50" charset="-128"/>
-              </a:rPr>
-              <a:t>の高い</a:t>
-            </a:r>
-            <a:r>
-              <a:rPr lang="ja-JP" altLang="en-US" sz="2800" dirty="0" smtClean="0">
-                <a:latin typeface="メイリオ" panose="020B0604030504040204" pitchFamily="50" charset="-128"/>
-                <a:ea typeface="メイリオ" panose="020B0604030504040204" pitchFamily="50" charset="-128"/>
-              </a:rPr>
-              <a:t>テストコードの作成を支援できる</a:t>
+              <a:t>テストスメルの数が少なく、品質の高いテストコードの作成を支援できる</a:t>
             </a:r>
             <a:endParaRPr lang="ja-JP" altLang="en-US" sz="2800" dirty="0">
               <a:latin typeface="メイリオ" panose="020B0604030504040204" pitchFamily="50" charset="-128"/>
@@ -32447,11 +32160,7 @@
           <a:p>
             <a:r>
               <a:rPr kumimoji="1" lang="ja-JP" altLang="en-US" dirty="0" smtClean="0"/>
-              <a:t>評価</a:t>
-            </a:r>
-            <a:r>
-              <a:rPr kumimoji="1" lang="ja-JP" altLang="en-US" dirty="0" smtClean="0"/>
-              <a:t>実験</a:t>
+              <a:t>評価実験</a:t>
             </a:r>
             <a:r>
               <a:rPr lang="en-US" altLang="ja-JP" dirty="0"/>
@@ -32485,11 +32194,7 @@
           <a:p>
             <a:r>
               <a:rPr lang="ja-JP" altLang="en-US" dirty="0" smtClean="0"/>
-              <a:t>実験</a:t>
-            </a:r>
-            <a:r>
-              <a:rPr lang="ja-JP" altLang="en-US" dirty="0" smtClean="0"/>
-              <a:t>概要</a:t>
+              <a:t>実験概要</a:t>
             </a:r>
             <a:endParaRPr lang="en-US" altLang="ja-JP" dirty="0" smtClean="0"/>
           </a:p>
@@ -34451,11 +34156,7 @@
             </a:r>
             <a:r>
               <a:rPr lang="ja-JP" altLang="en-US" sz="3000" dirty="0" smtClean="0"/>
-              <a:t>に存在する高品質のテストコードを</a:t>
-            </a:r>
-            <a:r>
-              <a:rPr lang="ja-JP" altLang="en-US" sz="3000" dirty="0" smtClean="0"/>
-              <a:t>推薦</a:t>
+              <a:t>に存在する高品質のテストコードを推薦</a:t>
             </a:r>
             <a:endParaRPr lang="en-US" altLang="ja-JP" sz="3000" dirty="0" smtClean="0"/>
           </a:p>
@@ -34469,11 +34170,7 @@
             </a:pPr>
             <a:r>
               <a:rPr lang="ja-JP" altLang="en-US" sz="2600" dirty="0" smtClean="0"/>
-              <a:t>命名規則に従った可読性の高いテストコードを利用</a:t>
-            </a:r>
-            <a:r>
-              <a:rPr lang="ja-JP" altLang="en-US" sz="2600" dirty="0" smtClean="0"/>
-              <a:t>できる</a:t>
+              <a:t>命名規則に従った可読性の高いテストコードを利用できる</a:t>
             </a:r>
             <a:endParaRPr lang="en-US" altLang="ja-JP" sz="2600" dirty="0" smtClean="0"/>
           </a:p>
@@ -34520,15 +34217,7 @@
             </a:r>
             <a:r>
               <a:rPr lang="ja-JP" altLang="en-US" sz="3000" dirty="0" smtClean="0"/>
-              <a:t>類似</a:t>
-            </a:r>
-            <a:r>
-              <a:rPr lang="ja-JP" altLang="en-US" sz="3000" dirty="0" smtClean="0"/>
-              <a:t>するコード間でテストコードを</a:t>
-            </a:r>
-            <a:r>
-              <a:rPr lang="ja-JP" altLang="en-US" sz="3000" dirty="0" smtClean="0"/>
-              <a:t>再利用</a:t>
+              <a:t>類似するコード間でテストコードを再利用</a:t>
             </a:r>
             <a:endParaRPr lang="en-US" altLang="ja-JP" sz="3000" dirty="0" smtClean="0"/>
           </a:p>
@@ -35197,11 +34886,11 @@
   <p:clrMapOvr>
     <a:masterClrMapping/>
   </p:clrMapOvr>
-  <mc:AlternateContent xmlns:mc="http://schemas.openxmlformats.org/markup-compatibility/2006">
-    <mc:Choice xmlns:p14="http://schemas.microsoft.com/office/powerpoint/2010/main" Requires="p14">
+  <mc:AlternateContent xmlns:mc="http://schemas.openxmlformats.org/markup-compatibility/2006" xmlns:p14="http://schemas.microsoft.com/office/powerpoint/2010/main">
+    <mc:Choice Requires="p14">
       <p:transition spd="slow" p14:dur="2000"/>
     </mc:Choice>
-    <mc:Fallback>
+    <mc:Fallback xmlns="">
       <p:transition spd="slow"/>
     </mc:Fallback>
   </mc:AlternateContent>
@@ -35821,11 +35510,11 @@
   <p:clrMapOvr>
     <a:masterClrMapping/>
   </p:clrMapOvr>
-  <mc:AlternateContent xmlns:mc="http://schemas.openxmlformats.org/markup-compatibility/2006">
-    <mc:Choice xmlns:p14="http://schemas.microsoft.com/office/powerpoint/2010/main" Requires="p14">
+  <mc:AlternateContent xmlns:mc="http://schemas.openxmlformats.org/markup-compatibility/2006" xmlns:p14="http://schemas.microsoft.com/office/powerpoint/2010/main">
+    <mc:Choice Requires="p14">
       <p:transition spd="slow" p14:dur="2000"/>
     </mc:Choice>
-    <mc:Fallback>
+    <mc:Fallback xmlns="">
       <p:transition spd="slow"/>
     </mc:Fallback>
   </mc:AlternateContent>
@@ -36290,11 +35979,11 @@
   <p:clrMapOvr>
     <a:masterClrMapping/>
   </p:clrMapOvr>
-  <mc:AlternateContent xmlns:mc="http://schemas.openxmlformats.org/markup-compatibility/2006">
-    <mc:Choice xmlns:p14="http://schemas.microsoft.com/office/powerpoint/2010/main" Requires="p14">
+  <mc:AlternateContent xmlns:mc="http://schemas.openxmlformats.org/markup-compatibility/2006" xmlns:p14="http://schemas.microsoft.com/office/powerpoint/2010/main">
+    <mc:Choice Requires="p14">
       <p:transition spd="slow" p14:dur="2000"/>
     </mc:Choice>
-    <mc:Fallback>
+    <mc:Fallback xmlns="">
       <p:transition spd="slow"/>
     </mc:Fallback>
   </mc:AlternateContent>
@@ -36382,8 +36071,8 @@
           </a:p>
         </p:txBody>
       </p:sp>
-      <mc:AlternateContent xmlns:mc="http://schemas.openxmlformats.org/markup-compatibility/2006">
-        <mc:Choice xmlns:cx="http://schemas.microsoft.com/office/drawing/2014/chartex" Requires="cx">
+      <mc:AlternateContent xmlns:mc="http://schemas.openxmlformats.org/markup-compatibility/2006" xmlns:cx="http://schemas.microsoft.com/office/drawing/2014/chartex">
+        <mc:Choice Requires="cx">
           <p:graphicFrame>
             <p:nvGraphicFramePr>
               <p:cNvPr id="4" name="グラフ 3"/>
@@ -36407,7 +36096,7 @@
             </a:graphic>
           </p:graphicFrame>
         </mc:Choice>
-        <mc:Fallback>
+        <mc:Fallback xmlns="">
           <p:pic>
             <p:nvPicPr>
               <p:cNvPr id="4" name="グラフ 3"/>
@@ -36472,14 +36161,7 @@
                 <a:latin typeface="メイリオ" panose="020B0604030504040204" pitchFamily="50" charset="-128"/>
                 <a:ea typeface="メイリオ" panose="020B0604030504040204" pitchFamily="50" charset="-128"/>
               </a:rPr>
-              <a:t>開発者はテストコード作成に多くの時間を</a:t>
-            </a:r>
-            <a:r>
-              <a:rPr lang="ja-JP" altLang="en-US" sz="2800" dirty="0" smtClean="0">
-                <a:latin typeface="メイリオ" panose="020B0604030504040204" pitchFamily="50" charset="-128"/>
-                <a:ea typeface="メイリオ" panose="020B0604030504040204" pitchFamily="50" charset="-128"/>
-              </a:rPr>
-              <a:t>費やす</a:t>
+              <a:t>開発者はテストコード作成に多くの時間を費やす</a:t>
             </a:r>
             <a:endParaRPr lang="en-US" altLang="ja-JP" sz="2800" dirty="0" smtClean="0">
               <a:latin typeface="メイリオ" panose="020B0604030504040204" pitchFamily="50" charset="-128"/>
@@ -36714,14 +36396,7 @@
                 <a:latin typeface="メイリオ" panose="020B0604030504040204" pitchFamily="50" charset="-128"/>
                 <a:ea typeface="メイリオ" panose="020B0604030504040204" pitchFamily="50" charset="-128"/>
               </a:rPr>
-              <a:t>手作業の場合</a:t>
-            </a:r>
-            <a:r>
-              <a:rPr lang="ja-JP" altLang="en-US" sz="2200" dirty="0" smtClean="0">
-                <a:latin typeface="メイリオ" panose="020B0604030504040204" pitchFamily="50" charset="-128"/>
-                <a:ea typeface="メイリオ" panose="020B0604030504040204" pitchFamily="50" charset="-128"/>
-              </a:rPr>
-              <a:t>、</a:t>
+              <a:t>手作業の場合、</a:t>
             </a:r>
             <a:r>
               <a:rPr lang="ja-JP" altLang="en-US" sz="2200" dirty="0">
@@ -36962,11 +36637,11 @@
   <p:clrMapOvr>
     <a:masterClrMapping/>
   </p:clrMapOvr>
-  <mc:AlternateContent xmlns:mc="http://schemas.openxmlformats.org/markup-compatibility/2006">
-    <mc:Choice xmlns:p14="http://schemas.microsoft.com/office/powerpoint/2010/main" Requires="p14">
+  <mc:AlternateContent xmlns:mc="http://schemas.openxmlformats.org/markup-compatibility/2006" xmlns:p14="http://schemas.microsoft.com/office/powerpoint/2010/main">
+    <mc:Choice Requires="p14">
       <p:transition spd="slow" p14:dur="2000"/>
     </mc:Choice>
-    <mc:Fallback>
+    <mc:Fallback xmlns="">
       <p:transition spd="slow"/>
     </mc:Fallback>
   </mc:AlternateContent>
@@ -38623,11 +38298,11 @@
   <p:clrMapOvr>
     <a:masterClrMapping/>
   </p:clrMapOvr>
-  <mc:AlternateContent xmlns:mc="http://schemas.openxmlformats.org/markup-compatibility/2006">
-    <mc:Choice xmlns:p14="http://schemas.microsoft.com/office/powerpoint/2010/main" Requires="p14">
+  <mc:AlternateContent xmlns:mc="http://schemas.openxmlformats.org/markup-compatibility/2006" xmlns:p14="http://schemas.microsoft.com/office/powerpoint/2010/main">
+    <mc:Choice Requires="p14">
       <p:transition spd="slow" p14:dur="2000"/>
     </mc:Choice>
-    <mc:Fallback>
+    <mc:Fallback xmlns="">
       <p:transition spd="slow"/>
     </mc:Fallback>
   </mc:AlternateContent>
@@ -39870,11 +39545,11 @@
   <p:clrMapOvr>
     <a:masterClrMapping/>
   </p:clrMapOvr>
-  <mc:AlternateContent xmlns:mc="http://schemas.openxmlformats.org/markup-compatibility/2006">
-    <mc:Choice xmlns:p14="http://schemas.microsoft.com/office/powerpoint/2010/main" Requires="p14">
+  <mc:AlternateContent xmlns:mc="http://schemas.openxmlformats.org/markup-compatibility/2006" xmlns:p14="http://schemas.microsoft.com/office/powerpoint/2010/main">
+    <mc:Choice Requires="p14">
       <p:transition spd="slow" p14:dur="2000"/>
     </mc:Choice>
-    <mc:Fallback>
+    <mc:Fallback xmlns="">
       <p:transition spd="slow"/>
     </mc:Fallback>
   </mc:AlternateContent>
@@ -39995,11 +39670,7 @@
             </a:r>
             <a:r>
               <a:rPr lang="ja-JP" altLang="en-US" sz="3000" dirty="0" smtClean="0"/>
-              <a:t>に存在する高品質のテストコードを</a:t>
-            </a:r>
-            <a:r>
-              <a:rPr lang="ja-JP" altLang="en-US" sz="3000" dirty="0" smtClean="0"/>
-              <a:t>推薦</a:t>
+              <a:t>に存在する高品質のテストコードを推薦</a:t>
             </a:r>
             <a:endParaRPr lang="en-US" altLang="ja-JP" sz="3000" dirty="0" smtClean="0"/>
           </a:p>
@@ -40013,11 +39684,7 @@
             </a:pPr>
             <a:r>
               <a:rPr lang="ja-JP" altLang="en-US" sz="2600" dirty="0" smtClean="0"/>
-              <a:t>命名規則に従った可読性の高いテストコードを利用</a:t>
-            </a:r>
-            <a:r>
-              <a:rPr lang="ja-JP" altLang="en-US" sz="2600" dirty="0" smtClean="0"/>
-              <a:t>できる</a:t>
+              <a:t>命名規則に従った可読性の高いテストコードを利用できる</a:t>
             </a:r>
             <a:endParaRPr lang="en-US" altLang="ja-JP" sz="2600" dirty="0" smtClean="0"/>
           </a:p>
@@ -40064,15 +39731,7 @@
             </a:r>
             <a:r>
               <a:rPr lang="ja-JP" altLang="en-US" sz="3000" dirty="0" smtClean="0"/>
-              <a:t>類似</a:t>
-            </a:r>
-            <a:r>
-              <a:rPr lang="ja-JP" altLang="en-US" sz="3000" dirty="0" smtClean="0"/>
-              <a:t>するコード間でテストコードを</a:t>
-            </a:r>
-            <a:r>
-              <a:rPr lang="ja-JP" altLang="en-US" sz="3000" dirty="0" smtClean="0"/>
-              <a:t>再利用</a:t>
+              <a:t>類似するコード間でテストコードを再利用</a:t>
             </a:r>
             <a:endParaRPr lang="en-US" altLang="ja-JP" sz="3000" dirty="0" smtClean="0"/>
           </a:p>
@@ -44462,10 +44121,6 @@
               </a:rPr>
               <a:t>文が存在するとテストメソッドが失敗した時、原因を特定するのが困難</a:t>
             </a:r>
-            <a:endParaRPr lang="ja-JP" altLang="en-US" dirty="0">
-              <a:latin typeface="メイリオ" panose="020B0604030504040204" pitchFamily="50" charset="-128"/>
-              <a:ea typeface="メイリオ" panose="020B0604030504040204" pitchFamily="50" charset="-128"/>
-            </a:endParaRPr>
           </a:p>
         </p:txBody>
       </p:sp>
@@ -44479,11 +44134,11 @@
   <p:clrMapOvr>
     <a:masterClrMapping/>
   </p:clrMapOvr>
-  <mc:AlternateContent xmlns:mc="http://schemas.openxmlformats.org/markup-compatibility/2006">
-    <mc:Choice xmlns:p14="http://schemas.microsoft.com/office/powerpoint/2010/main" Requires="p14">
+  <mc:AlternateContent xmlns:mc="http://schemas.openxmlformats.org/markup-compatibility/2006" xmlns:p14="http://schemas.microsoft.com/office/powerpoint/2010/main">
+    <mc:Choice Requires="p14">
       <p:transition spd="slow" p14:dur="2000"/>
     </mc:Choice>
-    <mc:Fallback>
+    <mc:Fallback xmlns="">
       <p:transition spd="slow"/>
     </mc:Fallback>
   </mc:AlternateContent>

--- a/�v���[��0122.pptx
+++ b/�v���[��0122.pptx
@@ -529,6 +529,7 @@
               </a:p>
             </c:rich>
           </c:tx>
+          <c:layout/>
           <c:overlay val="0"/>
           <c:spPr>
             <a:noFill/>
@@ -1024,6 +1025,7 @@
               </a:p>
             </c:rich>
           </c:tx>
+          <c:layout/>
           <c:overlay val="0"/>
           <c:spPr>
             <a:noFill/>

--- a/�v���[��0122.pptx
+++ b/�v���[��0122.pptx
@@ -1619,6 +1619,7 @@
               </a:p>
             </c:rich>
           </c:tx>
+          <c:layout/>
           <c:overlay val="0"/>
           <c:spPr>
             <a:noFill/>
@@ -6617,7 +6618,21 @@
             </a:r>
             <a:r>
               <a:rPr kumimoji="1" lang="ja-JP" altLang="en-US" dirty="0" smtClean="0"/>
-              <a:t>を使用した場合と手作業の場合で、被験者が作成したテストコードのカバレッジを比較しました。</a:t>
+              <a:t>を使用した場合と手作業の場合で、被験者が作成したテストコードのカバレッジを比較しました</a:t>
+            </a:r>
+            <a:r>
+              <a:rPr kumimoji="1" lang="ja-JP" altLang="en-US" dirty="0" smtClean="0"/>
+              <a:t>。</a:t>
+            </a:r>
+            <a:endParaRPr kumimoji="1" lang="en-US" altLang="ja-JP" dirty="0" smtClean="0"/>
+          </a:p>
+          <a:p>
+            <a:endParaRPr kumimoji="1" lang="en-US" altLang="ja-JP" dirty="0" smtClean="0"/>
+          </a:p>
+          <a:p>
+            <a:r>
+              <a:rPr kumimoji="1" lang="ja-JP" altLang="en-US" dirty="0" smtClean="0"/>
+              <a:t>エラーバーは、最大値と最小値を示しています。</a:t>
             </a:r>
             <a:endParaRPr kumimoji="1" lang="en-US" altLang="ja-JP" dirty="0" smtClean="0"/>
           </a:p>
@@ -7162,7 +7177,11 @@
             </a:r>
             <a:r>
               <a:rPr kumimoji="1" lang="ja-JP" altLang="en-US" dirty="0" smtClean="0"/>
-              <a:t>倍以上テストスメル含んでいました。</a:t>
+              <a:t>倍以上テストスメル含んでいました</a:t>
+            </a:r>
+            <a:r>
+              <a:rPr kumimoji="1" lang="ja-JP" altLang="en-US" dirty="0" smtClean="0"/>
+              <a:t>。</a:t>
             </a:r>
             <a:endParaRPr kumimoji="1" lang="en-US" altLang="ja-JP" dirty="0" smtClean="0"/>
           </a:p>
@@ -7172,7 +7191,11 @@
           <a:p>
             <a:r>
               <a:rPr kumimoji="1" lang="ja-JP" altLang="en-US" dirty="0" smtClean="0"/>
-              <a:t>この中でも多く含まれていたテストスメルとしてこちらの</a:t>
+              <a:t>この</a:t>
+            </a:r>
+            <a:r>
+              <a:rPr kumimoji="1" lang="ja-JP" altLang="en-US" dirty="0" smtClean="0"/>
+              <a:t>中でも多く含まれていたテストスメルとしてこちらの</a:t>
             </a:r>
             <a:r>
               <a:rPr kumimoji="1" lang="en-US" altLang="ja-JP" dirty="0" smtClean="0"/>
@@ -23586,7 +23609,7 @@
         <p:spPr>
           <a:xfrm>
             <a:off x="838200" y="1518443"/>
-            <a:ext cx="10182225" cy="4603751"/>
+            <a:ext cx="10182225" cy="3794775"/>
           </a:xfrm>
         </p:spPr>
         <p:txBody>
@@ -23686,7 +23709,15 @@
             </a:r>
             <a:r>
               <a:rPr lang="ja-JP" altLang="en-US" sz="2400" dirty="0" smtClean="0"/>
-              <a:t>の類似コード検出ツールに対応す</a:t>
+              <a:t>の類似コード検出ツールに</a:t>
+            </a:r>
+            <a:r>
+              <a:rPr lang="ja-JP" altLang="en-US" sz="2400" dirty="0" smtClean="0"/>
+              <a:t>対応</a:t>
+            </a:r>
+            <a:r>
+              <a:rPr lang="ja-JP" altLang="en-US" sz="2400" dirty="0" smtClean="0"/>
+              <a:t>でき</a:t>
             </a:r>
             <a:r>
               <a:rPr lang="ja-JP" altLang="en-US" sz="2400" dirty="0"/>
@@ -23694,12 +23725,17 @@
             </a:r>
             <a:r>
               <a:rPr lang="ja-JP" altLang="en-US" sz="2400" dirty="0" smtClean="0"/>
-              <a:t>ようにツールを拡張する</a:t>
+              <a:t>ように</a:t>
+            </a:r>
+            <a:r>
+              <a:rPr lang="ja-JP" altLang="en-US" sz="2400" dirty="0" smtClean="0"/>
+              <a:t>ツールを拡張</a:t>
+            </a:r>
+            <a:r>
+              <a:rPr lang="ja-JP" altLang="en-US" sz="2400" dirty="0" smtClean="0"/>
+              <a:t>する</a:t>
             </a:r>
             <a:endParaRPr lang="en-US" altLang="ja-JP" sz="2400" dirty="0" smtClean="0"/>
-          </a:p>
-          <a:p>
-            <a:endParaRPr kumimoji="1" lang="ja-JP" altLang="en-US" dirty="0"/>
           </a:p>
         </p:txBody>
       </p:sp>

--- a/�v���[��0122.pptx
+++ b/�v���[��0122.pptx
@@ -5621,8 +5621,21 @@
           <a:lstStyle/>
           <a:p>
             <a:r>
+              <a:rPr kumimoji="1" lang="en-US" altLang="ja-JP" dirty="0" smtClean="0"/>
+              <a:t>0:54</a:t>
+            </a:r>
+          </a:p>
+          <a:p>
+            <a:endParaRPr kumimoji="1" lang="en-US" altLang="ja-JP" dirty="0" smtClean="0"/>
+          </a:p>
+          <a:p>
+            <a:r>
               <a:rPr kumimoji="1" lang="ja-JP" altLang="en-US" dirty="0" smtClean="0"/>
-              <a:t>本研究では、</a:t>
+              <a:t>本研究</a:t>
+            </a:r>
+            <a:r>
+              <a:rPr kumimoji="1" lang="ja-JP" altLang="en-US" dirty="0" smtClean="0"/>
+              <a:t>では、</a:t>
             </a:r>
             <a:r>
               <a:rPr kumimoji="1" lang="en-US" altLang="ja-JP" dirty="0" err="1" smtClean="0"/>
@@ -6588,6 +6601,15 @@
           <a:p>
             <a:r>
               <a:rPr kumimoji="1" lang="en-US" altLang="ja-JP" dirty="0" smtClean="0"/>
+              <a:t>1:02</a:t>
+            </a:r>
+          </a:p>
+          <a:p>
+            <a:endParaRPr kumimoji="1" lang="en-US" altLang="ja-JP" dirty="0" smtClean="0"/>
+          </a:p>
+          <a:p>
+            <a:r>
+              <a:rPr kumimoji="1" lang="en-US" altLang="ja-JP" dirty="0" smtClean="0"/>
               <a:t>RQ1</a:t>
             </a:r>
             <a:r>
@@ -6618,63 +6640,77 @@
             </a:r>
             <a:r>
               <a:rPr kumimoji="1" lang="ja-JP" altLang="en-US" dirty="0" smtClean="0"/>
-              <a:t>を使用した場合と手作業の場合で、被験者が作成したテストコードのカバレッジを比較しました</a:t>
+              <a:t>を使用した場合と手作業の場合で、被験者が作成したテストコード</a:t>
             </a:r>
             <a:r>
               <a:rPr kumimoji="1" lang="ja-JP" altLang="en-US" dirty="0" smtClean="0"/>
+              <a:t>の</a:t>
+            </a:r>
+            <a:r>
+              <a:rPr kumimoji="1" lang="ja-JP" altLang="en-US" b="1" dirty="0" smtClean="0"/>
+              <a:t>平均カバレッジ</a:t>
+            </a:r>
+            <a:r>
+              <a:rPr kumimoji="1" lang="ja-JP" altLang="en-US" b="1" dirty="0" smtClean="0"/>
+              <a:t>を比較しました</a:t>
+            </a:r>
+            <a:r>
+              <a:rPr kumimoji="1" lang="ja-JP" altLang="en-US" b="1" dirty="0" smtClean="0"/>
               <a:t>。</a:t>
             </a:r>
+            <a:endParaRPr kumimoji="1" lang="en-US" altLang="ja-JP" b="1" dirty="0" smtClean="0"/>
+          </a:p>
+          <a:p>
             <a:endParaRPr kumimoji="1" lang="en-US" altLang="ja-JP" dirty="0" smtClean="0"/>
           </a:p>
           <a:p>
+            <a:r>
+              <a:rPr kumimoji="1" lang="ja-JP" altLang="en-US" b="1" u="sng" dirty="0" smtClean="0"/>
+              <a:t>本研究では、既存ツールで計算できる命令網羅と分岐網羅の</a:t>
+            </a:r>
+            <a:r>
+              <a:rPr kumimoji="1" lang="en-US" altLang="ja-JP" b="1" u="sng" dirty="0" smtClean="0"/>
+              <a:t>2</a:t>
+            </a:r>
+            <a:r>
+              <a:rPr kumimoji="1" lang="ja-JP" altLang="en-US" b="1" u="sng" dirty="0" err="1" smtClean="0"/>
+              <a:t>つの</a:t>
+            </a:r>
+            <a:r>
+              <a:rPr kumimoji="1" lang="ja-JP" altLang="en-US" b="1" u="sng" dirty="0" smtClean="0"/>
+              <a:t>指標でカバレッジを計算しました。</a:t>
+            </a:r>
+            <a:endParaRPr kumimoji="1" lang="en-US" altLang="ja-JP" b="1" u="sng" dirty="0" smtClean="0"/>
+          </a:p>
+          <a:p>
             <a:endParaRPr kumimoji="1" lang="en-US" altLang="ja-JP" dirty="0" smtClean="0"/>
           </a:p>
           <a:p>
             <a:r>
               <a:rPr kumimoji="1" lang="ja-JP" altLang="en-US" dirty="0" smtClean="0"/>
-              <a:t>エラーバーは、最大値と最小値を示しています。</a:t>
-            </a:r>
-            <a:endParaRPr kumimoji="1" lang="en-US" altLang="ja-JP" dirty="0" smtClean="0"/>
-          </a:p>
-          <a:p>
-            <a:endParaRPr kumimoji="1" lang="en-US" altLang="ja-JP" dirty="0" smtClean="0"/>
-          </a:p>
-          <a:p>
+              <a:t>結果を見ると、</a:t>
+            </a:r>
+            <a:r>
+              <a:rPr kumimoji="1" lang="en-US" altLang="ja-JP" dirty="0" err="1" smtClean="0"/>
+              <a:t>SuiteRec</a:t>
+            </a:r>
             <a:r>
               <a:rPr kumimoji="1" lang="ja-JP" altLang="en-US" dirty="0" smtClean="0"/>
-              <a:t>本研究では、既存ツールで計算できる命令網羅と分岐網羅の</a:t>
+              <a:t>を使用した場合と</a:t>
+            </a:r>
+            <a:r>
+              <a:rPr kumimoji="1" lang="ja-JP" altLang="en-US" dirty="0" smtClean="0"/>
+              <a:t>手作業での</a:t>
+            </a:r>
+            <a:r>
+              <a:rPr kumimoji="1" lang="ja-JP" altLang="en-US" dirty="0" smtClean="0"/>
+              <a:t>場合で、</a:t>
             </a:r>
             <a:r>
               <a:rPr kumimoji="1" lang="en-US" altLang="ja-JP" dirty="0" smtClean="0"/>
               <a:t>2</a:t>
             </a:r>
             <a:r>
-              <a:rPr kumimoji="1" lang="ja-JP" altLang="en-US" dirty="0" smtClean="0"/>
-              <a:t>種類の指標でカバレッジを計算しました。</a:t>
-            </a:r>
-            <a:endParaRPr kumimoji="1" lang="en-US" altLang="ja-JP" dirty="0" smtClean="0"/>
-          </a:p>
-          <a:p>
-            <a:endParaRPr kumimoji="1" lang="en-US" altLang="ja-JP" dirty="0" smtClean="0"/>
-          </a:p>
-          <a:p>
-            <a:r>
-              <a:rPr kumimoji="1" lang="ja-JP" altLang="en-US" dirty="0" smtClean="0"/>
-              <a:t>結果を見ると、</a:t>
-            </a:r>
-            <a:r>
-              <a:rPr kumimoji="1" lang="en-US" altLang="ja-JP" dirty="0" err="1" smtClean="0"/>
-              <a:t>SuiteRec</a:t>
-            </a:r>
-            <a:r>
-              <a:rPr kumimoji="1" lang="ja-JP" altLang="en-US" dirty="0" smtClean="0"/>
-              <a:t>を使用した場合と手作業の場合で、</a:t>
-            </a:r>
-            <a:r>
-              <a:rPr kumimoji="1" lang="en-US" altLang="ja-JP" dirty="0" smtClean="0"/>
-              <a:t>2</a:t>
-            </a:r>
-            <a:r>
               <a:rPr kumimoji="1" lang="ja-JP" altLang="en-US" dirty="0" err="1" smtClean="0"/>
               <a:t>つの</a:t>
             </a:r>
@@ -6730,11 +6766,56 @@
             </a:r>
             <a:r>
               <a:rPr kumimoji="1" lang="ja-JP" altLang="en-US" u="sng" dirty="0" smtClean="0"/>
-              <a:t>％以上カバレッジを高くなっているが分かりました。</a:t>
+              <a:t>％以上カバレッジを高くなっているが分かりました</a:t>
+            </a:r>
+            <a:r>
+              <a:rPr kumimoji="1" lang="ja-JP" altLang="en-US" u="sng" dirty="0" smtClean="0"/>
+              <a:t>。</a:t>
             </a:r>
             <a:endParaRPr kumimoji="1" lang="en-US" altLang="ja-JP" u="sng" dirty="0" smtClean="0"/>
           </a:p>
           <a:p>
+            <a:endParaRPr kumimoji="1" lang="en-US" altLang="ja-JP" u="sng" dirty="0" smtClean="0"/>
+          </a:p>
+          <a:p>
+            <a:r>
+              <a:rPr kumimoji="1" lang="ja-JP" altLang="en-US" u="sng" dirty="0" smtClean="0"/>
+              <a:t>結果として、</a:t>
+            </a:r>
+            <a:r>
+              <a:rPr kumimoji="1" lang="en-US" altLang="ja-JP" u="sng" dirty="0" smtClean="0"/>
+              <a:t>RQ1</a:t>
+            </a:r>
+            <a:r>
+              <a:rPr kumimoji="1" lang="ja-JP" altLang="en-US" u="sng" dirty="0" smtClean="0"/>
+              <a:t>では、</a:t>
+            </a:r>
+            <a:r>
+              <a:rPr kumimoji="1" lang="en-US" altLang="ja-JP" u="sng" dirty="0" err="1" smtClean="0"/>
+              <a:t>SuiteRec</a:t>
+            </a:r>
+            <a:r>
+              <a:rPr kumimoji="1" lang="ja-JP" altLang="en-US" u="sng" dirty="0" smtClean="0"/>
+              <a:t>を使用した場合と手作業の場合で、カバレッジに大きな差はなく、どちらも網羅率が高いことが分かりました。</a:t>
+            </a:r>
+            <a:endParaRPr kumimoji="1" lang="en-US" altLang="ja-JP" u="sng" dirty="0" smtClean="0"/>
+          </a:p>
+          <a:p>
+            <a:endParaRPr kumimoji="1" lang="en-US" altLang="ja-JP" dirty="0" smtClean="0"/>
+          </a:p>
+          <a:p>
+            <a:r>
+              <a:rPr kumimoji="1" lang="ja-JP" altLang="en-US" dirty="0" smtClean="0"/>
+              <a:t>次に</a:t>
+            </a:r>
+            <a:r>
+              <a:rPr kumimoji="1" lang="en-US" altLang="ja-JP" dirty="0" smtClean="0"/>
+              <a:t>RQ2</a:t>
+            </a:r>
+            <a:r>
+              <a:rPr kumimoji="1" lang="ja-JP" altLang="en-US" dirty="0" err="1" smtClean="0"/>
+              <a:t>です</a:t>
+            </a:r>
             <a:endParaRPr kumimoji="1" lang="en-US" altLang="ja-JP" dirty="0" smtClean="0"/>
           </a:p>
           <a:p>
@@ -6826,8 +6907,18 @@
           <a:lstStyle/>
           <a:p>
             <a:r>
+              <a:rPr kumimoji="1" lang="en-US" altLang="ja-JP" dirty="0" smtClean="0"/>
+              <a:t>2:35 (1:33)</a:t>
+            </a:r>
+          </a:p>
+          <a:p>
+            <a:r>
               <a:rPr kumimoji="1" lang="ja-JP" altLang="en-US" dirty="0" smtClean="0"/>
-              <a:t>次に</a:t>
+              <a:t>次</a:t>
+            </a:r>
+            <a:r>
+              <a:rPr kumimoji="1" lang="ja-JP" altLang="en-US" dirty="0" smtClean="0"/>
+              <a:t>に</a:t>
             </a:r>
             <a:r>
               <a:rPr kumimoji="1" lang="en-US" altLang="ja-JP" dirty="0" smtClean="0"/>
@@ -6853,17 +6944,15 @@
           <a:p>
             <a:r>
               <a:rPr kumimoji="1" lang="ja-JP" altLang="en-US" dirty="0" smtClean="0"/>
-              <a:t>この質問に答えるために、被験者のタスク完了までの時間を比較しました。</a:t>
-            </a:r>
-            <a:endParaRPr kumimoji="1" lang="en-US" altLang="ja-JP" dirty="0" smtClean="0"/>
-          </a:p>
-          <a:p>
-            <a:endParaRPr kumimoji="1" lang="en-US" altLang="ja-JP" dirty="0" smtClean="0"/>
-          </a:p>
-          <a:p>
+              <a:t>この質問に答えるために、被験者のタスク完了までの時間を比較しました</a:t>
+            </a:r>
             <a:r>
               <a:rPr kumimoji="1" lang="ja-JP" altLang="en-US" dirty="0" smtClean="0"/>
-              <a:t>この図は、各被験者のタスク完了までに費やした時間の分布が示されています。</a:t>
+              <a:t>。　この</a:t>
+            </a:r>
+            <a:r>
+              <a:rPr kumimoji="1" lang="ja-JP" altLang="en-US" dirty="0" smtClean="0"/>
+              <a:t>図は、各被験者のタスク完了までに費やした時間の分布が示されています。</a:t>
             </a:r>
             <a:endParaRPr kumimoji="1" lang="en-US" altLang="ja-JP" dirty="0" smtClean="0"/>
           </a:p>
@@ -6918,14 +7007,30 @@
           </a:p>
           <a:p>
             <a:r>
+              <a:rPr kumimoji="1" lang="ja-JP" altLang="en-US" b="1" u="sng" dirty="0" smtClean="0"/>
+              <a:t>この結果から想定できる考察として、</a:t>
+            </a:r>
+            <a:r>
+              <a:rPr kumimoji="1" lang="en-US" altLang="ja-JP" b="1" u="sng" dirty="0" err="1" smtClean="0"/>
+              <a:t>SuiteRec</a:t>
+            </a:r>
+            <a:r>
+              <a:rPr kumimoji="1" lang="ja-JP" altLang="en-US" b="1" u="sng" dirty="0" smtClean="0"/>
+              <a:t>を利用した場合、開発者は</a:t>
+            </a:r>
+            <a:r>
               <a:rPr kumimoji="1" lang="ja-JP" altLang="en-US" b="0" dirty="0" smtClean="0"/>
-              <a:t>この結果から想定できる</a:t>
-            </a:r>
-            <a:r>
-              <a:rPr kumimoji="1" lang="ja-JP" altLang="en-US" b="1" dirty="0" smtClean="0"/>
-              <a:t>考察として、開発者は、推薦される複数のテストコードを理解し、再利用する際に変更が必要でこの部分に時間を費やした可能性があります</a:t>
-            </a:r>
-            <a:endParaRPr kumimoji="1" lang="en-US" altLang="ja-JP" b="1" dirty="0" smtClean="0"/>
+              <a:t>推薦</a:t>
+            </a:r>
+            <a:r>
+              <a:rPr kumimoji="1" lang="ja-JP" altLang="en-US" b="0" dirty="0" smtClean="0"/>
+              <a:t>される複数のテストコードを理解し、再利用する際に変更が必要でこの部分に時間を費やした可能性が</a:t>
+            </a:r>
+            <a:r>
+              <a:rPr kumimoji="1" lang="ja-JP" altLang="en-US" b="0" dirty="0" smtClean="0"/>
+              <a:t>あります</a:t>
+            </a:r>
+            <a:endParaRPr kumimoji="1" lang="en-US" altLang="ja-JP" b="0" dirty="0" smtClean="0"/>
           </a:p>
           <a:p>
             <a:endParaRPr kumimoji="1" lang="en-US" altLang="ja-JP" dirty="0" smtClean="0"/>
@@ -6958,34 +7063,100 @@
           </a:p>
           <a:p>
             <a:r>
+              <a:rPr kumimoji="1" lang="ja-JP" altLang="en-US" b="1" u="sng" dirty="0" smtClean="0"/>
+              <a:t>我々は、提出されたテストコードを調査したところ</a:t>
+            </a:r>
+            <a:r>
+              <a:rPr kumimoji="1" lang="ja-JP" altLang="en-US" b="1" u="sng" dirty="0" smtClean="0"/>
+              <a:t>、手作業</a:t>
+            </a:r>
+            <a:r>
+              <a:rPr kumimoji="1" lang="ja-JP" altLang="en-US" b="1" u="sng" dirty="0" smtClean="0"/>
+              <a:t>で作成した場合は、テスト項目の重複が</a:t>
+            </a:r>
+            <a:r>
+              <a:rPr kumimoji="1" lang="ja-JP" altLang="en-US" b="1" u="sng" dirty="0" smtClean="0"/>
+              <a:t>多くなっていること分かりました</a:t>
+            </a:r>
+            <a:r>
+              <a:rPr kumimoji="1" lang="ja-JP" altLang="en-US" b="1" u="sng" dirty="0" smtClean="0"/>
+              <a:t>。</a:t>
+            </a:r>
+            <a:endParaRPr kumimoji="1" lang="en-US" altLang="ja-JP" b="1" u="sng" dirty="0" smtClean="0"/>
+          </a:p>
+          <a:p>
+            <a:endParaRPr kumimoji="1" lang="en-US" altLang="ja-JP" dirty="0" smtClean="0"/>
+          </a:p>
+          <a:p>
+            <a:r>
+              <a:rPr kumimoji="1" lang="ja-JP" altLang="en-US" u="sng" dirty="0" smtClean="0"/>
+              <a:t>ここからは想像ですが、タスク</a:t>
+            </a:r>
+            <a:r>
+              <a:rPr kumimoji="1" lang="en-US" altLang="ja-JP" u="sng" dirty="0" smtClean="0"/>
+              <a:t>2</a:t>
+            </a:r>
+            <a:r>
+              <a:rPr kumimoji="1" lang="ja-JP" altLang="en-US" u="sng" dirty="0" smtClean="0"/>
+              <a:t>の性質上、手作業の場合</a:t>
+            </a:r>
+            <a:r>
+              <a:rPr kumimoji="1" lang="ja-JP" altLang="en-US" u="sng" dirty="0" smtClean="0"/>
+              <a:t>は余分</a:t>
+            </a:r>
+            <a:r>
+              <a:rPr kumimoji="1" lang="ja-JP" altLang="en-US" u="sng" dirty="0" smtClean="0"/>
+              <a:t>なテスト項目を作成してしまい、この部分に時間を費やしてしまった可能性があります</a:t>
+            </a:r>
+            <a:endParaRPr kumimoji="1" lang="en-US" altLang="ja-JP" u="sng" dirty="0" smtClean="0"/>
+          </a:p>
+          <a:p>
+            <a:endParaRPr kumimoji="1" lang="en-US" altLang="ja-JP" dirty="0" smtClean="0"/>
+          </a:p>
+          <a:p>
+            <a:pPr marL="0" marR="0" indent="0" algn="l" defTabSz="914400" rtl="0" eaLnBrk="1" fontAlgn="auto" latinLnBrk="0" hangingPunct="1">
+              <a:lnSpc>
+                <a:spcPct val="100000"/>
+              </a:lnSpc>
+              <a:spcBef>
+                <a:spcPts val="0"/>
+              </a:spcBef>
+              <a:spcAft>
+                <a:spcPts val="0"/>
+              </a:spcAft>
+              <a:buClrTx/>
+              <a:buSzTx/>
+              <a:buFontTx/>
+              <a:buNone/>
+              <a:tabLst/>
+              <a:defRPr/>
+            </a:pPr>
+            <a:r>
               <a:rPr kumimoji="1" lang="ja-JP" altLang="en-US" dirty="0" smtClean="0"/>
-              <a:t>我々は、提出されたテストコードを調査したところ、タスク</a:t>
+              <a:t>結果として、</a:t>
             </a:r>
             <a:r>
               <a:rPr kumimoji="1" lang="en-US" altLang="ja-JP" dirty="0" smtClean="0"/>
-              <a:t>2</a:t>
+              <a:t>RQ2</a:t>
             </a:r>
             <a:r>
               <a:rPr kumimoji="1" lang="ja-JP" altLang="en-US" dirty="0" smtClean="0"/>
-              <a:t>はカバレッジに差はないものの、手作業で作成した場合は、テスト項目の重複が多いことが分かりました。</a:t>
-            </a:r>
-            <a:endParaRPr kumimoji="1" lang="en-US" altLang="ja-JP" dirty="0" smtClean="0"/>
-          </a:p>
-          <a:p>
-            <a:endParaRPr kumimoji="1" lang="en-US" altLang="ja-JP" dirty="0" smtClean="0"/>
-          </a:p>
-          <a:p>
+              <a:t>は</a:t>
+            </a:r>
+            <a:r>
+              <a:rPr kumimoji="1" lang="en-US" altLang="ja-JP" dirty="0" err="1" smtClean="0"/>
+              <a:t>SuiteRec</a:t>
+            </a:r>
             <a:r>
               <a:rPr kumimoji="1" lang="ja-JP" altLang="en-US" dirty="0" smtClean="0"/>
-              <a:t>ここからは想像ですが、タスク</a:t>
-            </a:r>
-            <a:r>
-              <a:rPr kumimoji="1" lang="en-US" altLang="ja-JP" dirty="0" smtClean="0"/>
-              <a:t>2</a:t>
-            </a:r>
-            <a:r>
-              <a:rPr kumimoji="1" lang="ja-JP" altLang="en-US" dirty="0" smtClean="0"/>
-              <a:t>の性質上、手作業の場合は、余分なテスト項目を作成してしまい、この部分に時間を費やしてしまった可能性があります</a:t>
+              <a:t>の利用によって、</a:t>
+            </a:r>
+            <a:r>
+              <a:rPr lang="ja-JP" altLang="en-US" sz="1200" dirty="0" smtClean="0">
+                <a:latin typeface="メイリオ" panose="020B0604030504040204" pitchFamily="50" charset="-128"/>
+                <a:ea typeface="メイリオ" panose="020B0604030504040204" pitchFamily="50" charset="-128"/>
+              </a:rPr>
+              <a:t>開発者はテストコード作成に多くの時間を費やす可能性があることが分かりました。</a:t>
             </a:r>
             <a:endParaRPr kumimoji="1" lang="en-US" altLang="ja-JP" dirty="0" smtClean="0"/>
           </a:p>
@@ -7091,6 +7262,23 @@
           <a:p>
             <a:r>
               <a:rPr kumimoji="1" lang="en-US" altLang="ja-JP" dirty="0" smtClean="0"/>
+              <a:t>4:05</a:t>
+            </a:r>
+            <a:r>
+              <a:rPr kumimoji="1" lang="en-US" altLang="ja-JP" baseline="0" dirty="0" smtClean="0"/>
+              <a:t> (</a:t>
+            </a:r>
+            <a:r>
+              <a:rPr kumimoji="1" lang="en-US" altLang="ja-JP" dirty="0" smtClean="0"/>
+              <a:t>1:30)</a:t>
+            </a:r>
+          </a:p>
+          <a:p>
+            <a:endParaRPr kumimoji="1" lang="en-US" altLang="ja-JP" dirty="0" smtClean="0"/>
+          </a:p>
+          <a:p>
+            <a:r>
+              <a:rPr kumimoji="1" lang="en-US" altLang="ja-JP" dirty="0" smtClean="0"/>
               <a:t>RQ3</a:t>
             </a:r>
             <a:r>
@@ -7328,6 +7516,12 @@
           <a:p>
             <a:r>
               <a:rPr kumimoji="1" lang="en-US" altLang="ja-JP" dirty="0" smtClean="0"/>
+              <a:t>4:33 (0:28)</a:t>
+            </a:r>
+          </a:p>
+          <a:p>
+            <a:r>
+              <a:rPr kumimoji="1" lang="en-US" altLang="ja-JP" dirty="0" smtClean="0"/>
               <a:t>RQ4</a:t>
             </a:r>
             <a:r>
@@ -7455,8 +7649,18 @@
           <a:lstStyle/>
           <a:p>
             <a:r>
+              <a:rPr kumimoji="1" lang="en-US" altLang="ja-JP" dirty="0" smtClean="0"/>
+              <a:t>5:41 (1:08)</a:t>
+            </a:r>
+          </a:p>
+          <a:p>
+            <a:r>
               <a:rPr kumimoji="1" lang="ja-JP" altLang="en-US" dirty="0" smtClean="0"/>
-              <a:t>こちらがアンケートの結果になります。</a:t>
+              <a:t>こちら</a:t>
+            </a:r>
+            <a:r>
+              <a:rPr kumimoji="1" lang="ja-JP" altLang="en-US" dirty="0" smtClean="0"/>
+              <a:t>がアンケートの結果になります。</a:t>
             </a:r>
             <a:endParaRPr kumimoji="1" lang="en-US" altLang="ja-JP" dirty="0" smtClean="0"/>
           </a:p>
@@ -7976,8 +8180,23 @@
           <a:lstStyle/>
           <a:p>
             <a:r>
+              <a:rPr kumimoji="1" lang="en-US" altLang="ja-JP" dirty="0" smtClean="0"/>
+              <a:t>6:49</a:t>
+            </a:r>
+            <a:r>
+              <a:rPr kumimoji="1" lang="en-US" altLang="ja-JP" baseline="0" dirty="0" smtClean="0"/>
+              <a:t> (1:09)</a:t>
+            </a:r>
+            <a:endParaRPr kumimoji="1" lang="en-US" altLang="ja-JP" dirty="0" smtClean="0"/>
+          </a:p>
+          <a:p>
+            <a:r>
               <a:rPr kumimoji="1" lang="ja-JP" altLang="en-US" dirty="0" smtClean="0"/>
-              <a:t>最後に、まとめと今後の課題です。</a:t>
+              <a:t>最後</a:t>
+            </a:r>
+            <a:r>
+              <a:rPr kumimoji="1" lang="ja-JP" altLang="en-US" dirty="0" smtClean="0"/>
+              <a:t>に、まとめと今後の課題です。</a:t>
             </a:r>
             <a:endParaRPr kumimoji="1" lang="en-US" altLang="ja-JP" dirty="0" smtClean="0"/>
           </a:p>
@@ -8029,7 +8248,23 @@
             </a:r>
             <a:r>
               <a:rPr kumimoji="1" lang="ja-JP" altLang="en-US" dirty="0" smtClean="0"/>
-              <a:t>つ目は、提案ツールのより実用的な利用に備えてツールを改善していく必要があることです。具体的には、自動編集機能などを考えています。</a:t>
+              <a:t>つ目は、提案ツールのより実用的な利用に備えてツールを改善していく必要が</a:t>
+            </a:r>
+            <a:r>
+              <a:rPr kumimoji="1" lang="ja-JP" altLang="en-US" dirty="0" smtClean="0"/>
+              <a:t>あります。</a:t>
+            </a:r>
+            <a:r>
+              <a:rPr kumimoji="1" lang="ja-JP" altLang="en-US" dirty="0" smtClean="0"/>
+              <a:t>具体的には</a:t>
+            </a:r>
+            <a:r>
+              <a:rPr kumimoji="1" lang="ja-JP" altLang="en-US" dirty="0" smtClean="0"/>
+              <a:t>、テストコードを再利用する際に、自動で編集する機能</a:t>
+            </a:r>
+            <a:r>
+              <a:rPr kumimoji="1" lang="ja-JP" altLang="en-US" dirty="0" smtClean="0"/>
+              <a:t>などを考えています。</a:t>
             </a:r>
             <a:endParaRPr kumimoji="1" lang="en-US" altLang="ja-JP" dirty="0" smtClean="0"/>
           </a:p>
@@ -8039,7 +8274,15 @@
           <a:p>
             <a:r>
               <a:rPr kumimoji="1" lang="ja-JP" altLang="en-US" dirty="0" smtClean="0"/>
-              <a:t>次に、提案ツールの有意性を検討するには被験者数を増やした更なる実験が必要です。</a:t>
+              <a:t>次に、提案ツールの有意性を検討</a:t>
+            </a:r>
+            <a:r>
+              <a:rPr kumimoji="1" lang="ja-JP" altLang="en-US" dirty="0" smtClean="0"/>
+              <a:t>するためには、被験者数</a:t>
+            </a:r>
+            <a:r>
+              <a:rPr kumimoji="1" lang="ja-JP" altLang="en-US" dirty="0" smtClean="0"/>
+              <a:t>を増やした更なる実験が必要です。</a:t>
             </a:r>
             <a:endParaRPr kumimoji="1" lang="en-US" altLang="ja-JP" dirty="0" smtClean="0"/>
           </a:p>
@@ -8049,15 +8292,35 @@
           <a:p>
             <a:r>
               <a:rPr kumimoji="1" lang="ja-JP" altLang="en-US" dirty="0" smtClean="0"/>
-              <a:t>最後に、提案ツールでは類似コード検出ツールとして</a:t>
-            </a:r>
-            <a:r>
-              <a:rPr kumimoji="1" lang="en-US" altLang="ja-JP" dirty="0" smtClean="0"/>
-              <a:t>NiCad</a:t>
+              <a:t>最後に</a:t>
             </a:r>
             <a:r>
               <a:rPr kumimoji="1" lang="ja-JP" altLang="en-US" dirty="0" smtClean="0"/>
-              <a:t>を使用しましたが、</a:t>
+              <a:t>、今回、提案</a:t>
+            </a:r>
+            <a:r>
+              <a:rPr kumimoji="1" lang="ja-JP" altLang="en-US" dirty="0" smtClean="0"/>
+              <a:t>ツール</a:t>
+            </a:r>
+            <a:r>
+              <a:rPr kumimoji="1" lang="ja-JP" altLang="en-US" dirty="0" smtClean="0"/>
+              <a:t>で利用した</a:t>
+            </a:r>
+            <a:r>
+              <a:rPr kumimoji="1" lang="ja-JP" altLang="en-US" b="1" dirty="0" smtClean="0"/>
+              <a:t>類似</a:t>
+            </a:r>
+            <a:r>
+              <a:rPr kumimoji="1" lang="ja-JP" altLang="en-US" b="1" dirty="0" smtClean="0"/>
+              <a:t>コード検出</a:t>
+            </a:r>
+            <a:r>
+              <a:rPr kumimoji="1" lang="ja-JP" altLang="en-US" b="1" dirty="0" smtClean="0"/>
+              <a:t>ツール</a:t>
+            </a:r>
+            <a:r>
+              <a:rPr kumimoji="1" lang="ja-JP" altLang="en-US" dirty="0" smtClean="0"/>
+              <a:t>だけでは検出できる類似コードに限りがあるので、</a:t>
             </a:r>
             <a:endParaRPr kumimoji="1" lang="en-US" altLang="ja-JP" dirty="0" smtClean="0"/>
           </a:p>
@@ -8066,16 +8329,8 @@
           </a:p>
           <a:p>
             <a:r>
-              <a:rPr kumimoji="1" lang="en-US" altLang="ja-JP" dirty="0" smtClean="0"/>
-              <a:t>NiCad</a:t>
-            </a:r>
-            <a:r>
-              <a:rPr kumimoji="1" lang="ja-JP" altLang="en-US" dirty="0" err="1" smtClean="0"/>
-              <a:t>だけ</a:t>
-            </a:r>
-            <a:r>
               <a:rPr kumimoji="1" lang="ja-JP" altLang="en-US" dirty="0" smtClean="0"/>
-              <a:t>では検出できる類似コードに限りがあるので、今後他のツールにも対応させ検出できる類似コードの幅を広げることを考えています。</a:t>
+              <a:t>今後他のツールにも対応させ検出できる類似コードの幅を広げることを考えています。</a:t>
             </a:r>
             <a:endParaRPr kumimoji="1" lang="en-US" altLang="ja-JP" dirty="0" smtClean="0"/>
           </a:p>
@@ -10902,14 +11157,22 @@
               <a:t>また，</a:t>
             </a:r>
             <a:r>
-              <a:rPr kumimoji="1" lang="en-US" altLang="ja-JP" dirty="0" err="1" smtClean="0"/>
+              <a:rPr kumimoji="1" lang="en-US" altLang="ja-JP" b="1" dirty="0" err="1" smtClean="0"/>
               <a:t>SuiteRec</a:t>
             </a:r>
             <a:r>
-              <a:rPr kumimoji="1" lang="ja-JP" altLang="en-US" dirty="0" smtClean="0"/>
-              <a:t>では推薦されるテストコードのテストスメルを検出し、より品質が高いテストコードを推薦します。</a:t>
-            </a:r>
-            <a:endParaRPr kumimoji="1" lang="en-US" altLang="ja-JP" dirty="0" smtClean="0"/>
+              <a:rPr kumimoji="1" lang="ja-JP" altLang="en-US" b="1" dirty="0" smtClean="0"/>
+              <a:t>では推薦されるテストコードのテストスメルを</a:t>
+            </a:r>
+            <a:r>
+              <a:rPr kumimoji="1" lang="ja-JP" altLang="en-US" b="1" dirty="0" smtClean="0"/>
+              <a:t>検出することで、</a:t>
+            </a:r>
+            <a:r>
+              <a:rPr kumimoji="1" lang="ja-JP" altLang="en-US" b="1" dirty="0" smtClean="0"/>
+              <a:t>より品質が高いテストコードを推薦します。</a:t>
+            </a:r>
+            <a:endParaRPr kumimoji="1" lang="en-US" altLang="ja-JP" b="1" dirty="0" smtClean="0"/>
           </a:p>
           <a:p>
             <a:endParaRPr kumimoji="1" lang="en-US" altLang="ja-JP" dirty="0" smtClean="0"/>

--- a/�v���[��0122.pptx
+++ b/�v���[��0122.pptx
@@ -8226,37 +8226,33 @@
           <a:p>
             <a:r>
               <a:rPr kumimoji="1" lang="ja-JP" altLang="en-US" dirty="0" smtClean="0"/>
-              <a:t>今後の課題として、以下の</a:t>
-            </a:r>
-            <a:r>
-              <a:rPr kumimoji="1" lang="en-US" altLang="ja-JP" dirty="0" smtClean="0"/>
-              <a:t>3</a:t>
+              <a:t>今後の課題として</a:t>
             </a:r>
             <a:r>
               <a:rPr kumimoji="1" lang="ja-JP" altLang="en-US" dirty="0" smtClean="0"/>
-              <a:t>つが挙げられます</a:t>
-            </a:r>
-            <a:endParaRPr kumimoji="1" lang="en-US" altLang="ja-JP" dirty="0" smtClean="0"/>
-          </a:p>
-          <a:p>
-            <a:endParaRPr kumimoji="1" lang="en-US" altLang="ja-JP" dirty="0" smtClean="0"/>
-          </a:p>
-          <a:p>
-            <a:r>
-              <a:rPr kumimoji="1" lang="en-US" altLang="ja-JP" dirty="0" smtClean="0"/>
-              <a:t>1</a:t>
+              <a:t>、提案</a:t>
             </a:r>
             <a:r>
               <a:rPr kumimoji="1" lang="ja-JP" altLang="en-US" dirty="0" smtClean="0"/>
-              <a:t>つ目は、提案ツールのより実用的な利用に備えてツールを改善していく必要が</a:t>
+              <a:t>ツールのより実用的な利用に備えてツールを改善していく必要が</a:t>
             </a:r>
             <a:r>
               <a:rPr kumimoji="1" lang="ja-JP" altLang="en-US" dirty="0" smtClean="0"/>
               <a:t>あります。</a:t>
             </a:r>
+            <a:endParaRPr kumimoji="1" lang="en-US" altLang="ja-JP" dirty="0" smtClean="0"/>
+          </a:p>
+          <a:p>
+            <a:endParaRPr kumimoji="1" lang="en-US" altLang="ja-JP" dirty="0" smtClean="0"/>
+          </a:p>
+          <a:p>
             <a:r>
               <a:rPr kumimoji="1" lang="ja-JP" altLang="en-US" dirty="0" smtClean="0"/>
-              <a:t>具体的には</a:t>
+              <a:t>具体的</a:t>
+            </a:r>
+            <a:r>
+              <a:rPr kumimoji="1" lang="ja-JP" altLang="en-US" dirty="0" smtClean="0"/>
+              <a:t>には</a:t>
             </a:r>
             <a:r>
               <a:rPr kumimoji="1" lang="ja-JP" altLang="en-US" dirty="0" smtClean="0"/>
@@ -8273,8 +8269,12 @@
           </a:p>
           <a:p>
             <a:r>
+              <a:rPr kumimoji="1" lang="ja-JP" altLang="en-US" smtClean="0"/>
+              <a:t>また、提案</a:t>
+            </a:r>
+            <a:r>
               <a:rPr kumimoji="1" lang="ja-JP" altLang="en-US" dirty="0" smtClean="0"/>
-              <a:t>次に、提案ツールの有意性を検討</a:t>
+              <a:t>ツールの有意性を検討</a:t>
             </a:r>
             <a:r>
               <a:rPr kumimoji="1" lang="ja-JP" altLang="en-US" dirty="0" smtClean="0"/>
@@ -8282,7 +8282,15 @@
             </a:r>
             <a:r>
               <a:rPr kumimoji="1" lang="ja-JP" altLang="en-US" dirty="0" smtClean="0"/>
-              <a:t>を増やした更なる実験が必要です。</a:t>
+              <a:t>を増やした更</a:t>
+            </a:r>
+            <a:r>
+              <a:rPr kumimoji="1" lang="ja-JP" altLang="en-US" smtClean="0"/>
+              <a:t>なる</a:t>
+            </a:r>
+            <a:r>
+              <a:rPr kumimoji="1" lang="ja-JP" altLang="en-US" smtClean="0"/>
+              <a:t>実験をする必要があります。</a:t>
             </a:r>
             <a:endParaRPr kumimoji="1" lang="en-US" altLang="ja-JP" dirty="0" smtClean="0"/>
           </a:p>
@@ -8292,55 +8300,11 @@
           <a:p>
             <a:r>
               <a:rPr kumimoji="1" lang="ja-JP" altLang="en-US" dirty="0" smtClean="0"/>
-              <a:t>最後に</a:t>
+              <a:t>以上</a:t>
             </a:r>
             <a:r>
               <a:rPr kumimoji="1" lang="ja-JP" altLang="en-US" dirty="0" smtClean="0"/>
-              <a:t>、今回、提案</a:t>
-            </a:r>
-            <a:r>
-              <a:rPr kumimoji="1" lang="ja-JP" altLang="en-US" dirty="0" smtClean="0"/>
-              <a:t>ツール</a:t>
-            </a:r>
-            <a:r>
-              <a:rPr kumimoji="1" lang="ja-JP" altLang="en-US" dirty="0" smtClean="0"/>
-              <a:t>で利用した</a:t>
-            </a:r>
-            <a:r>
-              <a:rPr kumimoji="1" lang="ja-JP" altLang="en-US" b="1" dirty="0" smtClean="0"/>
-              <a:t>類似</a:t>
-            </a:r>
-            <a:r>
-              <a:rPr kumimoji="1" lang="ja-JP" altLang="en-US" b="1" dirty="0" smtClean="0"/>
-              <a:t>コード検出</a:t>
-            </a:r>
-            <a:r>
-              <a:rPr kumimoji="1" lang="ja-JP" altLang="en-US" b="1" dirty="0" smtClean="0"/>
-              <a:t>ツール</a:t>
-            </a:r>
-            <a:r>
-              <a:rPr kumimoji="1" lang="ja-JP" altLang="en-US" dirty="0" smtClean="0"/>
-              <a:t>だけでは検出できる類似コードに限りがあるので、</a:t>
-            </a:r>
-            <a:endParaRPr kumimoji="1" lang="en-US" altLang="ja-JP" dirty="0" smtClean="0"/>
-          </a:p>
-          <a:p>
-            <a:endParaRPr kumimoji="1" lang="en-US" altLang="ja-JP" dirty="0" smtClean="0"/>
-          </a:p>
-          <a:p>
-            <a:r>
-              <a:rPr kumimoji="1" lang="ja-JP" altLang="en-US" dirty="0" smtClean="0"/>
-              <a:t>今後他のツールにも対応させ検出できる類似コードの幅を広げることを考えています。</a:t>
-            </a:r>
-            <a:endParaRPr kumimoji="1" lang="en-US" altLang="ja-JP" dirty="0" smtClean="0"/>
-          </a:p>
-          <a:p>
-            <a:endParaRPr kumimoji="1" lang="en-US" altLang="ja-JP" dirty="0" smtClean="0"/>
-          </a:p>
-          <a:p>
-            <a:r>
-              <a:rPr kumimoji="1" lang="ja-JP" altLang="en-US" dirty="0" smtClean="0"/>
-              <a:t>以上で発表を終わります。どうもありがとうございました。</a:t>
+              <a:t>で発表を終わります。どうもありがとうございました。</a:t>
             </a:r>
             <a:endParaRPr kumimoji="1" lang="en-US" altLang="ja-JP" dirty="0" smtClean="0"/>
           </a:p>
@@ -23956,47 +23920,11 @@
             </a:pPr>
             <a:r>
               <a:rPr lang="ja-JP" altLang="en-US" sz="2400" dirty="0" smtClean="0"/>
-              <a:t>被験者数を増やした更なる評価実験の実施</a:t>
-            </a:r>
-            <a:endParaRPr lang="en-US" altLang="ja-JP" sz="2400" dirty="0" smtClean="0"/>
-          </a:p>
-          <a:p>
-            <a:pPr marL="685800" lvl="2">
-              <a:spcBef>
-                <a:spcPts val="1000"/>
-              </a:spcBef>
-            </a:pPr>
-            <a:r>
-              <a:rPr lang="ja-JP" altLang="en-US" sz="2400" dirty="0"/>
-              <a:t>複数</a:t>
+              <a:t>被験者数を増やした更なる評価実験の</a:t>
             </a:r>
             <a:r>
               <a:rPr lang="ja-JP" altLang="en-US" sz="2400" dirty="0" smtClean="0"/>
-              <a:t>の類似コード検出ツールに</a:t>
-            </a:r>
-            <a:r>
-              <a:rPr lang="ja-JP" altLang="en-US" sz="2400" dirty="0" smtClean="0"/>
-              <a:t>対応</a:t>
-            </a:r>
-            <a:r>
-              <a:rPr lang="ja-JP" altLang="en-US" sz="2400" dirty="0" smtClean="0"/>
-              <a:t>でき</a:t>
-            </a:r>
-            <a:r>
-              <a:rPr lang="ja-JP" altLang="en-US" sz="2400" dirty="0"/>
-              <a:t>る</a:t>
-            </a:r>
-            <a:r>
-              <a:rPr lang="ja-JP" altLang="en-US" sz="2400" dirty="0" smtClean="0"/>
-              <a:t>ように</a:t>
-            </a:r>
-            <a:r>
-              <a:rPr lang="ja-JP" altLang="en-US" sz="2400" dirty="0" smtClean="0"/>
-              <a:t>ツールを拡張</a:t>
-            </a:r>
-            <a:r>
-              <a:rPr lang="ja-JP" altLang="en-US" sz="2400" dirty="0" smtClean="0"/>
-              <a:t>する</a:t>
+              <a:t>実施</a:t>
             </a:r>
             <a:endParaRPr lang="en-US" altLang="ja-JP" sz="2400" dirty="0" smtClean="0"/>
           </a:p>

--- a/�v���[��0122.pptx
+++ b/�v���[��0122.pptx
@@ -8269,7 +8269,7 @@
           </a:p>
           <a:p>
             <a:r>
-              <a:rPr kumimoji="1" lang="ja-JP" altLang="en-US" smtClean="0"/>
+              <a:rPr kumimoji="1" lang="ja-JP" altLang="en-US" dirty="0" smtClean="0"/>
               <a:t>また、提案</a:t>
             </a:r>
             <a:r>
@@ -8282,14 +8282,10 @@
             </a:r>
             <a:r>
               <a:rPr kumimoji="1" lang="ja-JP" altLang="en-US" dirty="0" smtClean="0"/>
-              <a:t>を増やした更</a:t>
-            </a:r>
-            <a:r>
-              <a:rPr kumimoji="1" lang="ja-JP" altLang="en-US" smtClean="0"/>
-              <a:t>なる</a:t>
-            </a:r>
-            <a:r>
-              <a:rPr kumimoji="1" lang="ja-JP" altLang="en-US" smtClean="0"/>
+              <a:t>を増やした更なる</a:t>
+            </a:r>
+            <a:r>
+              <a:rPr kumimoji="1" lang="ja-JP" altLang="en-US" dirty="0" smtClean="0"/>
               <a:t>実験をする必要があります。</a:t>
             </a:r>
             <a:endParaRPr kumimoji="1" lang="en-US" altLang="ja-JP" dirty="0" smtClean="0"/>
@@ -23908,7 +23904,11 @@
             </a:pPr>
             <a:r>
               <a:rPr lang="ja-JP" altLang="en-US" sz="2400" dirty="0" smtClean="0"/>
-              <a:t>より実用的な利用に備えてツールを改善</a:t>
+              <a:t>より実用的な利用に備えてツールを</a:t>
+            </a:r>
+            <a:r>
+              <a:rPr lang="ja-JP" altLang="en-US" sz="2400" dirty="0" smtClean="0"/>
+              <a:t>改善する必要がある</a:t>
             </a:r>
             <a:endParaRPr lang="en-US" altLang="ja-JP" sz="2400" dirty="0" smtClean="0"/>
           </a:p>
@@ -23920,11 +23920,15 @@
             </a:pPr>
             <a:r>
               <a:rPr lang="ja-JP" altLang="en-US" sz="2400" dirty="0" smtClean="0"/>
-              <a:t>被験者数を増やした更なる評価実験の</a:t>
+              <a:t>被験者数</a:t>
             </a:r>
             <a:r>
               <a:rPr lang="ja-JP" altLang="en-US" sz="2400" dirty="0" smtClean="0"/>
-              <a:t>実施</a:t>
+              <a:t>を増やした更</a:t>
+            </a:r>
+            <a:r>
+              <a:rPr lang="ja-JP" altLang="en-US" sz="2400" dirty="0" smtClean="0"/>
+              <a:t>なる実験が必要である</a:t>
             </a:r>
             <a:endParaRPr lang="en-US" altLang="ja-JP" sz="2400" dirty="0" smtClean="0"/>
           </a:p>

--- a/�v���[��0122.pptx
+++ b/�v���[��0122.pptx
@@ -5,7 +5,7 @@
     <p:sldMasterId id="2147483648" r:id="rId1"/>
   </p:sldMasterIdLst>
   <p:notesMasterIdLst>
-    <p:notesMasterId r:id="rId43"/>
+    <p:notesMasterId r:id="rId44"/>
   </p:notesMasterIdLst>
   <p:sldIdLst>
     <p:sldId id="274" r:id="rId2"/>
@@ -49,6 +49,7 @@
     <p:sldId id="279" r:id="rId40"/>
     <p:sldId id="328" r:id="rId41"/>
     <p:sldId id="373" r:id="rId42"/>
+    <p:sldId id="374" r:id="rId43"/>
   </p:sldIdLst>
   <p:sldSz cx="12192000" cy="6858000"/>
   <p:notesSz cx="6858000" cy="9144000"/>
@@ -10845,6 +10846,278 @@
 </p:notes>
 </file>
 
+<file path=ppt/notesSlides/notesSlide31.xml><?xml version="1.0" encoding="utf-8"?>
+<p:notes xmlns:a="http://schemas.openxmlformats.org/drawingml/2006/main" xmlns:r="http://schemas.openxmlformats.org/officeDocument/2006/relationships" xmlns:p="http://schemas.openxmlformats.org/presentationml/2006/main">
+  <p:cSld>
+    <p:spTree>
+      <p:nvGrpSpPr>
+        <p:cNvPr id="1" name=""/>
+        <p:cNvGrpSpPr/>
+        <p:nvPr/>
+      </p:nvGrpSpPr>
+      <p:grpSpPr>
+        <a:xfrm>
+          <a:off x="0" y="0"/>
+          <a:ext cx="0" cy="0"/>
+          <a:chOff x="0" y="0"/>
+          <a:chExt cx="0" cy="0"/>
+        </a:xfrm>
+      </p:grpSpPr>
+      <p:sp>
+        <p:nvSpPr>
+          <p:cNvPr id="2" name="スライド イメージ プレースホルダー 1"/>
+          <p:cNvSpPr>
+            <a:spLocks noGrp="1" noRot="1" noChangeAspect="1"/>
+          </p:cNvSpPr>
+          <p:nvPr>
+            <p:ph type="sldImg"/>
+          </p:nvPr>
+        </p:nvSpPr>
+        <p:spPr/>
+      </p:sp>
+      <p:sp>
+        <p:nvSpPr>
+          <p:cNvPr id="3" name="ノート プレースホルダー 2"/>
+          <p:cNvSpPr>
+            <a:spLocks noGrp="1"/>
+          </p:cNvSpPr>
+          <p:nvPr>
+            <p:ph type="body" idx="1"/>
+          </p:nvPr>
+        </p:nvSpPr>
+        <p:spPr/>
+        <p:txBody>
+          <a:bodyPr/>
+          <a:lstStyle/>
+          <a:p>
+            <a:r>
+              <a:rPr kumimoji="1" lang="en-US" altLang="ja-JP" dirty="0" smtClean="0"/>
+              <a:t>Step2</a:t>
+            </a:r>
+            <a:r>
+              <a:rPr kumimoji="1" lang="ja-JP" altLang="en-US" dirty="0" smtClean="0"/>
+              <a:t>では，</a:t>
+            </a:r>
+            <a:r>
+              <a:rPr kumimoji="1" lang="en-US" altLang="ja-JP" dirty="0" smtClean="0"/>
+              <a:t>Step1</a:t>
+            </a:r>
+            <a:r>
+              <a:rPr kumimoji="1" lang="ja-JP" altLang="en-US" dirty="0" err="1" smtClean="0"/>
+              <a:t>で検</a:t>
+            </a:r>
+            <a:r>
+              <a:rPr kumimoji="1" lang="ja-JP" altLang="en-US" dirty="0" smtClean="0"/>
+              <a:t>出された類似コード片に対応するテストコードを検索します</a:t>
+            </a:r>
+            <a:endParaRPr kumimoji="1" lang="en-US" altLang="ja-JP" dirty="0" smtClean="0"/>
+          </a:p>
+          <a:p>
+            <a:endParaRPr kumimoji="1" lang="en-US" altLang="ja-JP" dirty="0" smtClean="0"/>
+          </a:p>
+          <a:p>
+            <a:r>
+              <a:rPr kumimoji="1" lang="ja-JP" altLang="en-US" dirty="0" smtClean="0"/>
+              <a:t>そこで、類似コード片からテストコードを検索するために、本研究では、テストコードと対象コードをこのように</a:t>
+            </a:r>
+            <a:r>
+              <a:rPr kumimoji="1" lang="en-US" altLang="ja-JP" dirty="0" smtClean="0"/>
+              <a:t>3</a:t>
+            </a:r>
+            <a:r>
+              <a:rPr kumimoji="1" lang="ja-JP" altLang="en-US" dirty="0" smtClean="0"/>
+              <a:t>つフェーズを踏んで対応付けを行います。</a:t>
+            </a:r>
+            <a:endParaRPr kumimoji="1" lang="en-US" altLang="ja-JP" dirty="0" smtClean="0"/>
+          </a:p>
+          <a:p>
+            <a:endParaRPr kumimoji="1" lang="en-US" altLang="ja-JP" dirty="0" smtClean="0"/>
+          </a:p>
+          <a:p>
+            <a:r>
+              <a:rPr kumimoji="1" lang="ja-JP" altLang="en-US" dirty="0" smtClean="0"/>
+              <a:t>まず、フェーズ</a:t>
+            </a:r>
+            <a:r>
+              <a:rPr kumimoji="1" lang="en-US" altLang="ja-JP" dirty="0" smtClean="0"/>
+              <a:t>1</a:t>
+            </a:r>
+            <a:r>
+              <a:rPr kumimoji="1" lang="ja-JP" altLang="en-US" dirty="0" smtClean="0"/>
+              <a:t>では、命名規則によるクラス単位での対応付けです。</a:t>
+            </a:r>
+            <a:endParaRPr kumimoji="1" lang="en-US" altLang="ja-JP" dirty="0" smtClean="0"/>
+          </a:p>
+          <a:p>
+            <a:endParaRPr kumimoji="1" lang="en-US" altLang="ja-JP" dirty="0" smtClean="0"/>
+          </a:p>
+          <a:p>
+            <a:r>
+              <a:rPr kumimoji="1" lang="ja-JP" altLang="en-US" dirty="0" smtClean="0"/>
+              <a:t>本研究では</a:t>
+            </a:r>
+            <a:r>
+              <a:rPr kumimoji="1" lang="en-US" altLang="ja-JP" b="1" dirty="0" smtClean="0"/>
+              <a:t>JUnit</a:t>
+            </a:r>
+            <a:r>
+              <a:rPr kumimoji="1" lang="ja-JP" altLang="en-US" b="1" dirty="0" smtClean="0"/>
+              <a:t>の命名規則に従って、テストクラス名から</a:t>
+            </a:r>
+            <a:r>
+              <a:rPr kumimoji="1" lang="en-US" altLang="ja-JP" b="1" dirty="0" smtClean="0"/>
+              <a:t>”Test”</a:t>
+            </a:r>
+            <a:r>
+              <a:rPr kumimoji="1" lang="ja-JP" altLang="en-US" b="1" dirty="0" smtClean="0"/>
+              <a:t>という文字列を除いたクラス名がテスト対象クラスになります</a:t>
+            </a:r>
+            <a:endParaRPr kumimoji="1" lang="en-US" altLang="ja-JP" b="1" dirty="0" smtClean="0"/>
+          </a:p>
+          <a:p>
+            <a:endParaRPr kumimoji="1" lang="en-US" altLang="ja-JP" dirty="0" smtClean="0"/>
+          </a:p>
+          <a:p>
+            <a:r>
+              <a:rPr kumimoji="1" lang="ja-JP" altLang="en-US" dirty="0" smtClean="0"/>
+              <a:t>次に、フェーズ</a:t>
+            </a:r>
+            <a:r>
+              <a:rPr kumimoji="1" lang="en-US" altLang="ja-JP" dirty="0" smtClean="0"/>
+              <a:t>2</a:t>
+            </a:r>
+            <a:r>
+              <a:rPr kumimoji="1" lang="ja-JP" altLang="en-US" dirty="0" smtClean="0"/>
+              <a:t>では、テストコード内のメソッド呼び出しを確認します。</a:t>
+            </a:r>
+            <a:r>
+              <a:rPr kumimoji="1" lang="en-US" altLang="ja-JP" dirty="0" smtClean="0"/>
+              <a:t/>
+            </a:r>
+            <a:br>
+              <a:rPr kumimoji="1" lang="en-US" altLang="ja-JP" dirty="0" smtClean="0"/>
+            </a:br>
+            <a:endParaRPr kumimoji="1" lang="en-US" altLang="ja-JP" dirty="0" smtClean="0"/>
+          </a:p>
+          <a:p>
+            <a:r>
+              <a:rPr kumimoji="1" lang="ja-JP" altLang="en-US" dirty="0" smtClean="0"/>
+              <a:t>一般に、単体テストでは、このように、対象メソッドを呼び出して実行します。</a:t>
+            </a:r>
+            <a:endParaRPr kumimoji="1" lang="en-US" altLang="ja-JP" dirty="0" smtClean="0"/>
+          </a:p>
+          <a:p>
+            <a:endParaRPr kumimoji="1" lang="en-US" altLang="ja-JP" dirty="0" smtClean="0"/>
+          </a:p>
+          <a:p>
+            <a:r>
+              <a:rPr kumimoji="1" lang="ja-JP" altLang="en-US" dirty="0" smtClean="0"/>
+              <a:t>したがって、テストコードを静的解析し、メソッド呼び出しを取得することでテストコードと対象コードを対応付けます。</a:t>
+            </a:r>
+            <a:endParaRPr kumimoji="1" lang="en-US" altLang="ja-JP" dirty="0" smtClean="0"/>
+          </a:p>
+          <a:p>
+            <a:endParaRPr kumimoji="1" lang="en-US" altLang="ja-JP" dirty="0" smtClean="0"/>
+          </a:p>
+          <a:p>
+            <a:r>
+              <a:rPr kumimoji="1" lang="ja-JP" altLang="en-US" dirty="0" smtClean="0"/>
+              <a:t>ただし、テストメソッド内では、複数のメソッドが呼び出されていることも考えられるので、フェーズ</a:t>
+            </a:r>
+            <a:r>
+              <a:rPr kumimoji="1" lang="en-US" altLang="ja-JP" dirty="0" smtClean="0"/>
+              <a:t>3</a:t>
+            </a:r>
+            <a:r>
+              <a:rPr kumimoji="1" lang="ja-JP" altLang="en-US" dirty="0" smtClean="0"/>
+              <a:t>では、テストメソッドと対象メソッドの比較も行いました。</a:t>
+            </a:r>
+            <a:endParaRPr kumimoji="1" lang="en-US" altLang="ja-JP" dirty="0" smtClean="0"/>
+          </a:p>
+          <a:p>
+            <a:endParaRPr kumimoji="1" lang="en-US" altLang="ja-JP" dirty="0" smtClean="0"/>
+          </a:p>
+          <a:p>
+            <a:r>
+              <a:rPr kumimoji="1" lang="ja-JP" altLang="en-US" dirty="0" smtClean="0"/>
+              <a:t>このように</a:t>
+            </a:r>
+            <a:r>
+              <a:rPr kumimoji="1" lang="en-US" altLang="ja-JP" dirty="0" smtClean="0"/>
+              <a:t>3</a:t>
+            </a:r>
+            <a:r>
+              <a:rPr kumimoji="1" lang="ja-JP" altLang="en-US" dirty="0" err="1" smtClean="0"/>
+              <a:t>つの</a:t>
+            </a:r>
+            <a:r>
+              <a:rPr kumimoji="1" lang="ja-JP" altLang="en-US" dirty="0" smtClean="0"/>
+              <a:t>フェーズを踏むことで厳密に対応付けを行い、類似コード片からテストコードを正確に検索できるようにしました。</a:t>
+            </a:r>
+            <a:endParaRPr kumimoji="1" lang="en-US" altLang="ja-JP" dirty="0" smtClean="0"/>
+          </a:p>
+          <a:p>
+            <a:endParaRPr kumimoji="1" lang="en-US" altLang="ja-JP" dirty="0" smtClean="0"/>
+          </a:p>
+          <a:p>
+            <a:r>
+              <a:rPr kumimoji="1" lang="ja-JP" altLang="en-US" dirty="0" smtClean="0"/>
+              <a:t>次に</a:t>
+            </a:r>
+            <a:r>
+              <a:rPr kumimoji="1" lang="en-US" altLang="ja-JP" dirty="0" smtClean="0"/>
+              <a:t>Step3</a:t>
+            </a:r>
+            <a:r>
+              <a:rPr kumimoji="1" lang="ja-JP" altLang="en-US" dirty="0" err="1" smtClean="0"/>
+              <a:t>です</a:t>
+            </a:r>
+            <a:endParaRPr kumimoji="1" lang="en-US" altLang="ja-JP" dirty="0" smtClean="0"/>
+          </a:p>
+          <a:p>
+            <a:endParaRPr kumimoji="1" lang="en-US" altLang="ja-JP" dirty="0" smtClean="0"/>
+          </a:p>
+          <a:p>
+            <a:endParaRPr kumimoji="1" lang="ja-JP" altLang="en-US" dirty="0"/>
+          </a:p>
+        </p:txBody>
+      </p:sp>
+      <p:sp>
+        <p:nvSpPr>
+          <p:cNvPr id="4" name="スライド番号プレースホルダー 3"/>
+          <p:cNvSpPr>
+            <a:spLocks noGrp="1"/>
+          </p:cNvSpPr>
+          <p:nvPr>
+            <p:ph type="sldNum" sz="quarter" idx="10"/>
+          </p:nvPr>
+        </p:nvSpPr>
+        <p:spPr/>
+        <p:txBody>
+          <a:bodyPr/>
+          <a:lstStyle/>
+          <a:p>
+            <a:fld id="{A375FAFC-A5AB-4FEC-AA23-92E34682EFAF}" type="slidenum">
+              <a:rPr kumimoji="1" lang="ja-JP" altLang="en-US" smtClean="0"/>
+              <a:t>42</a:t>
+            </a:fld>
+            <a:endParaRPr kumimoji="1" lang="ja-JP" altLang="en-US"/>
+          </a:p>
+        </p:txBody>
+      </p:sp>
+    </p:spTree>
+    <p:extLst>
+      <p:ext uri="{BB962C8B-B14F-4D97-AF65-F5344CB8AC3E}">
+        <p14:creationId xmlns:p14="http://schemas.microsoft.com/office/powerpoint/2010/main" val="3462253436"/>
+      </p:ext>
+    </p:extLst>
+  </p:cSld>
+  <p:clrMapOvr>
+    <a:masterClrMapping/>
+  </p:clrMapOvr>
+</p:notes>
+</file>
+
 <file path=ppt/notesSlides/notesSlide4.xml><?xml version="1.0" encoding="utf-8"?>
 <p:notes xmlns:a="http://schemas.openxmlformats.org/drawingml/2006/main" xmlns:r="http://schemas.openxmlformats.org/officeDocument/2006/relationships" xmlns:p="http://schemas.openxmlformats.org/presentationml/2006/main">
   <p:cSld>
@@ -10926,9 +11199,25 @@
           <a:p>
             <a:r>
               <a:rPr kumimoji="1" lang="ja-JP" altLang="en-US" dirty="0" smtClean="0"/>
-              <a:t>自動生成されたテストコードは、テストコードの保守に影響を与えるテストスメルが多く含んでいると言われています。</a:t>
-            </a:r>
-            <a:endParaRPr kumimoji="1" lang="en-US" altLang="ja-JP" dirty="0" smtClean="0"/>
+              <a:t>自動生成されたテストコードは</a:t>
+            </a:r>
+            <a:r>
+              <a:rPr kumimoji="1" lang="ja-JP" altLang="en-US" dirty="0" smtClean="0"/>
+              <a:t>、</a:t>
+            </a:r>
+            <a:r>
+              <a:rPr kumimoji="1" lang="ja-JP" altLang="en-US" sz="1200" b="1" dirty="0" smtClean="0"/>
+              <a:t>保守作業に悪影響を与える</a:t>
+            </a:r>
+            <a:r>
+              <a:rPr kumimoji="1" lang="ja-JP" altLang="en-US" b="1" dirty="0" smtClean="0"/>
+              <a:t>テストスメルというものが</a:t>
+            </a:r>
+            <a:r>
+              <a:rPr kumimoji="1" lang="ja-JP" altLang="en-US" b="1" dirty="0" smtClean="0"/>
+              <a:t>多く含んでいると言われています。</a:t>
+            </a:r>
+            <a:endParaRPr kumimoji="1" lang="en-US" altLang="ja-JP" b="1" dirty="0" smtClean="0"/>
           </a:p>
           <a:p>
             <a:r>
@@ -11842,35 +12131,37 @@
             </a:r>
             <a:r>
               <a:rPr kumimoji="1" lang="ja-JP" altLang="en-US" dirty="0" smtClean="0"/>
-              <a:t>では、命名規則によるクラス単位での対応付けです。</a:t>
+              <a:t>では</a:t>
+            </a:r>
+            <a:r>
+              <a:rPr kumimoji="1" lang="ja-JP" altLang="en-US" dirty="0" smtClean="0"/>
+              <a:t>、</a:t>
+            </a:r>
+            <a:r>
+              <a:rPr kumimoji="1" lang="en-US" altLang="ja-JP" dirty="0" smtClean="0"/>
+              <a:t>JUnit</a:t>
+            </a:r>
+            <a:r>
+              <a:rPr kumimoji="1" lang="ja-JP" altLang="en-US" dirty="0" smtClean="0"/>
+              <a:t>の命名</a:t>
+            </a:r>
+            <a:r>
+              <a:rPr kumimoji="1" lang="ja-JP" altLang="en-US" dirty="0" smtClean="0"/>
+              <a:t>規則によるクラス</a:t>
+            </a:r>
+            <a:r>
+              <a:rPr kumimoji="1" lang="ja-JP" altLang="en-US" smtClean="0"/>
+              <a:t>単位</a:t>
+            </a:r>
+            <a:r>
+              <a:rPr kumimoji="1" lang="ja-JP" altLang="en-US" smtClean="0"/>
+              <a:t>での対応付け</a:t>
+            </a:r>
+            <a:r>
+              <a:rPr kumimoji="1" lang="ja-JP" altLang="en-US" dirty="0" smtClean="0"/>
+              <a:t>をしました。</a:t>
             </a:r>
             <a:endParaRPr kumimoji="1" lang="en-US" altLang="ja-JP" dirty="0" smtClean="0"/>
-          </a:p>
-          <a:p>
-            <a:endParaRPr kumimoji="1" lang="en-US" altLang="ja-JP" dirty="0" smtClean="0"/>
-          </a:p>
-          <a:p>
-            <a:r>
-              <a:rPr kumimoji="1" lang="ja-JP" altLang="en-US" dirty="0" smtClean="0"/>
-              <a:t>本研究では</a:t>
-            </a:r>
-            <a:r>
-              <a:rPr kumimoji="1" lang="en-US" altLang="ja-JP" b="1" dirty="0" smtClean="0"/>
-              <a:t>JUnit</a:t>
-            </a:r>
-            <a:r>
-              <a:rPr kumimoji="1" lang="ja-JP" altLang="en-US" b="1" dirty="0" smtClean="0"/>
-              <a:t>の命名規則に従って、テストクラス名から</a:t>
-            </a:r>
-            <a:r>
-              <a:rPr kumimoji="1" lang="en-US" altLang="ja-JP" b="1" dirty="0" smtClean="0"/>
-              <a:t>”Test”</a:t>
-            </a:r>
-            <a:r>
-              <a:rPr kumimoji="1" lang="ja-JP" altLang="en-US" b="1" dirty="0" smtClean="0"/>
-              <a:t>という文字列を除いたクラス名がテスト対象クラスになります</a:t>
-            </a:r>
-            <a:endParaRPr kumimoji="1" lang="en-US" altLang="ja-JP" b="1" dirty="0" smtClean="0"/>
           </a:p>
           <a:p>
             <a:endParaRPr kumimoji="1" lang="en-US" altLang="ja-JP" dirty="0" smtClean="0"/>
@@ -20591,8 +20882,8 @@
         </p:nvSpPr>
         <p:spPr>
           <a:xfrm>
-            <a:off x="5889524" y="1586526"/>
-            <a:ext cx="5560353" cy="3508653"/>
+            <a:off x="5967183" y="1760176"/>
+            <a:ext cx="5560353" cy="3262432"/>
           </a:xfrm>
           <a:prstGeom prst="rect">
             <a:avLst/>
@@ -20648,55 +20939,55 @@
               <a:buChar char="l"/>
             </a:pPr>
             <a:r>
-              <a:rPr lang="ja-JP" altLang="en-US" sz="2200" dirty="0" smtClean="0">
+              <a:rPr lang="ja-JP" altLang="en-US" sz="2000" dirty="0" smtClean="0">
                 <a:latin typeface="メイリオ" panose="020B0604030504040204" pitchFamily="50" charset="-128"/>
                 <a:ea typeface="メイリオ" panose="020B0604030504040204" pitchFamily="50" charset="-128"/>
               </a:rPr>
               <a:t>タスク</a:t>
             </a:r>
             <a:r>
-              <a:rPr lang="en-US" altLang="ja-JP" sz="2200" dirty="0" smtClean="0">
+              <a:rPr lang="en-US" altLang="ja-JP" sz="2000" dirty="0" smtClean="0">
                 <a:latin typeface="メイリオ" panose="020B0604030504040204" pitchFamily="50" charset="-128"/>
                 <a:ea typeface="メイリオ" panose="020B0604030504040204" pitchFamily="50" charset="-128"/>
               </a:rPr>
               <a:t>1</a:t>
             </a:r>
             <a:r>
-              <a:rPr lang="ja-JP" altLang="en-US" sz="2200" dirty="0" smtClean="0">
+              <a:rPr lang="ja-JP" altLang="en-US" sz="2000" dirty="0" smtClean="0">
                 <a:latin typeface="メイリオ" panose="020B0604030504040204" pitchFamily="50" charset="-128"/>
                 <a:ea typeface="メイリオ" panose="020B0604030504040204" pitchFamily="50" charset="-128"/>
               </a:rPr>
               <a:t>と</a:t>
             </a:r>
             <a:r>
-              <a:rPr lang="en-US" altLang="ja-JP" sz="2200" dirty="0" smtClean="0">
+              <a:rPr lang="en-US" altLang="ja-JP" sz="2000" dirty="0" smtClean="0">
                 <a:latin typeface="メイリオ" panose="020B0604030504040204" pitchFamily="50" charset="-128"/>
                 <a:ea typeface="メイリオ" panose="020B0604030504040204" pitchFamily="50" charset="-128"/>
               </a:rPr>
               <a:t>3</a:t>
             </a:r>
             <a:r>
-              <a:rPr lang="ja-JP" altLang="en-US" sz="2200" dirty="0" smtClean="0">
+              <a:rPr lang="ja-JP" altLang="en-US" sz="2000" dirty="0" smtClean="0">
                 <a:latin typeface="メイリオ" panose="020B0604030504040204" pitchFamily="50" charset="-128"/>
                 <a:ea typeface="メイリオ" panose="020B0604030504040204" pitchFamily="50" charset="-128"/>
               </a:rPr>
               <a:t>は、タスク完了までの時間が</a:t>
             </a:r>
             <a:r>
-              <a:rPr lang="ja-JP" altLang="en-US" sz="2200" dirty="0">
+              <a:rPr lang="ja-JP" altLang="en-US" sz="2000" dirty="0">
                 <a:latin typeface="メイリオ" panose="020B0604030504040204" pitchFamily="50" charset="-128"/>
                 <a:ea typeface="メイリオ" panose="020B0604030504040204" pitchFamily="50" charset="-128"/>
               </a:rPr>
               <a:t>手作業</a:t>
             </a:r>
             <a:r>
-              <a:rPr lang="ja-JP" altLang="en-US" sz="2200" dirty="0" smtClean="0">
+              <a:rPr lang="ja-JP" altLang="en-US" sz="2000" dirty="0" smtClean="0">
                 <a:latin typeface="メイリオ" panose="020B0604030504040204" pitchFamily="50" charset="-128"/>
                 <a:ea typeface="メイリオ" panose="020B0604030504040204" pitchFamily="50" charset="-128"/>
               </a:rPr>
               <a:t>の場合と比べて長い</a:t>
             </a:r>
-            <a:endParaRPr lang="en-US" altLang="ja-JP" sz="2200" dirty="0">
+            <a:endParaRPr lang="en-US" altLang="ja-JP" sz="2000" dirty="0">
               <a:latin typeface="メイリオ" panose="020B0604030504040204" pitchFamily="50" charset="-128"/>
               <a:ea typeface="メイリオ" panose="020B0604030504040204" pitchFamily="50" charset="-128"/>
             </a:endParaRPr>
@@ -20710,27 +21001,27 @@
               <a:buChar char="Ø"/>
             </a:pPr>
             <a:r>
-              <a:rPr lang="ja-JP" altLang="en-US" sz="2200" dirty="0">
+              <a:rPr lang="ja-JP" altLang="en-US" sz="2000" dirty="0">
                 <a:latin typeface="メイリオ" panose="020B0604030504040204" pitchFamily="50" charset="-128"/>
                 <a:ea typeface="メイリオ" panose="020B0604030504040204" pitchFamily="50" charset="-128"/>
               </a:rPr>
               <a:t>考察</a:t>
             </a:r>
             <a:r>
-              <a:rPr lang="en-US" altLang="ja-JP" sz="2200" dirty="0" smtClean="0">
+              <a:rPr lang="en-US" altLang="ja-JP" sz="2000" dirty="0" smtClean="0">
                 <a:latin typeface="メイリオ" panose="020B0604030504040204" pitchFamily="50" charset="-128"/>
                 <a:ea typeface="メイリオ" panose="020B0604030504040204" pitchFamily="50" charset="-128"/>
               </a:rPr>
               <a:t>: </a:t>
             </a:r>
             <a:r>
-              <a:rPr lang="ja-JP" altLang="en-US" sz="2200" dirty="0" smtClean="0">
+              <a:rPr lang="ja-JP" altLang="en-US" sz="2000" dirty="0" smtClean="0">
                 <a:latin typeface="メイリオ" panose="020B0604030504040204" pitchFamily="50" charset="-128"/>
                 <a:ea typeface="メイリオ" panose="020B0604030504040204" pitchFamily="50" charset="-128"/>
               </a:rPr>
               <a:t>推薦された複数のテストコードを理解し、変更する必要がある</a:t>
             </a:r>
-            <a:endParaRPr lang="en-US" altLang="ja-JP" sz="2200" dirty="0" smtClean="0">
+            <a:endParaRPr lang="en-US" altLang="ja-JP" sz="2000" dirty="0" smtClean="0">
               <a:latin typeface="メイリオ" panose="020B0604030504040204" pitchFamily="50" charset="-128"/>
               <a:ea typeface="メイリオ" panose="020B0604030504040204" pitchFamily="50" charset="-128"/>
             </a:endParaRPr>
@@ -20757,41 +21048,41 @@
               <a:buChar char="l"/>
             </a:pPr>
             <a:r>
-              <a:rPr lang="ja-JP" altLang="en-US" sz="2200" dirty="0" smtClean="0">
+              <a:rPr lang="ja-JP" altLang="en-US" sz="2000" dirty="0" smtClean="0">
                 <a:latin typeface="メイリオ" panose="020B0604030504040204" pitchFamily="50" charset="-128"/>
                 <a:ea typeface="メイリオ" panose="020B0604030504040204" pitchFamily="50" charset="-128"/>
               </a:rPr>
               <a:t>タスク</a:t>
             </a:r>
             <a:r>
-              <a:rPr lang="en-US" altLang="ja-JP" sz="2200" dirty="0" smtClean="0">
+              <a:rPr lang="en-US" altLang="ja-JP" sz="2000" dirty="0" smtClean="0">
                 <a:latin typeface="メイリオ" panose="020B0604030504040204" pitchFamily="50" charset="-128"/>
                 <a:ea typeface="メイリオ" panose="020B0604030504040204" pitchFamily="50" charset="-128"/>
               </a:rPr>
               <a:t>2</a:t>
             </a:r>
             <a:r>
-              <a:rPr lang="ja-JP" altLang="en-US" sz="2200" dirty="0" smtClean="0">
+              <a:rPr lang="ja-JP" altLang="en-US" sz="2000" dirty="0" smtClean="0">
                 <a:latin typeface="メイリオ" panose="020B0604030504040204" pitchFamily="50" charset="-128"/>
                 <a:ea typeface="メイリオ" panose="020B0604030504040204" pitchFamily="50" charset="-128"/>
               </a:rPr>
               <a:t>は、タスク</a:t>
             </a:r>
             <a:r>
-              <a:rPr lang="ja-JP" altLang="en-US" sz="2200" dirty="0">
+              <a:rPr lang="ja-JP" altLang="en-US" sz="2000" dirty="0">
                 <a:latin typeface="メイリオ" panose="020B0604030504040204" pitchFamily="50" charset="-128"/>
                 <a:ea typeface="メイリオ" panose="020B0604030504040204" pitchFamily="50" charset="-128"/>
               </a:rPr>
               <a:t>完了</a:t>
             </a:r>
             <a:r>
-              <a:rPr lang="ja-JP" altLang="en-US" sz="2200" dirty="0" smtClean="0">
+              <a:rPr lang="ja-JP" altLang="en-US" sz="2000" dirty="0" smtClean="0">
                 <a:latin typeface="メイリオ" panose="020B0604030504040204" pitchFamily="50" charset="-128"/>
                 <a:ea typeface="メイリオ" panose="020B0604030504040204" pitchFamily="50" charset="-128"/>
               </a:rPr>
               <a:t>までの時間が手作業の場合と比べて短い</a:t>
             </a:r>
-            <a:endParaRPr lang="en-US" altLang="ja-JP" sz="2200" dirty="0" smtClean="0">
+            <a:endParaRPr lang="en-US" altLang="ja-JP" sz="2000" dirty="0" smtClean="0">
               <a:latin typeface="メイリオ" panose="020B0604030504040204" pitchFamily="50" charset="-128"/>
               <a:ea typeface="メイリオ" panose="020B0604030504040204" pitchFamily="50" charset="-128"/>
             </a:endParaRPr>
@@ -20805,27 +21096,34 @@
               <a:buChar char="Ø"/>
             </a:pPr>
             <a:r>
-              <a:rPr lang="ja-JP" altLang="en-US" sz="2200" dirty="0" smtClean="0">
+              <a:rPr lang="ja-JP" altLang="en-US" sz="2000" dirty="0" smtClean="0">
                 <a:latin typeface="メイリオ" panose="020B0604030504040204" pitchFamily="50" charset="-128"/>
                 <a:ea typeface="メイリオ" panose="020B0604030504040204" pitchFamily="50" charset="-128"/>
               </a:rPr>
               <a:t>手作業の場合、</a:t>
             </a:r>
             <a:r>
-              <a:rPr lang="ja-JP" altLang="en-US" sz="2200" dirty="0">
+              <a:rPr lang="ja-JP" altLang="en-US" sz="2000" dirty="0">
                 <a:latin typeface="メイリオ" panose="020B0604030504040204" pitchFamily="50" charset="-128"/>
                 <a:ea typeface="メイリオ" panose="020B0604030504040204" pitchFamily="50" charset="-128"/>
               </a:rPr>
               <a:t>余分</a:t>
             </a:r>
             <a:r>
-              <a:rPr lang="ja-JP" altLang="en-US" sz="2200" dirty="0" smtClean="0">
+              <a:rPr lang="ja-JP" altLang="en-US" sz="2000" dirty="0" smtClean="0">
                 <a:latin typeface="メイリオ" panose="020B0604030504040204" pitchFamily="50" charset="-128"/>
                 <a:ea typeface="メイリオ" panose="020B0604030504040204" pitchFamily="50" charset="-128"/>
               </a:rPr>
-              <a:t>なテスト項目を作成する</a:t>
-            </a:r>
-            <a:endParaRPr lang="en-US" altLang="ja-JP" sz="2200" dirty="0" smtClean="0">
+              <a:t>なテスト項目を</a:t>
+            </a:r>
+            <a:r>
+              <a:rPr lang="ja-JP" altLang="en-US" sz="2000" dirty="0" smtClean="0">
+                <a:latin typeface="メイリオ" panose="020B0604030504040204" pitchFamily="50" charset="-128"/>
+                <a:ea typeface="メイリオ" panose="020B0604030504040204" pitchFamily="50" charset="-128"/>
+              </a:rPr>
+              <a:t>作成し、時間を費やした可能性がある</a:t>
+            </a:r>
+            <a:endParaRPr lang="en-US" altLang="ja-JP" sz="2000" dirty="0" smtClean="0">
               <a:latin typeface="メイリオ" panose="020B0604030504040204" pitchFamily="50" charset="-128"/>
               <a:ea typeface="メイリオ" panose="020B0604030504040204" pitchFamily="50" charset="-128"/>
             </a:endParaRPr>
@@ -37038,7 +37336,7 @@
             <a:pPr lvl="1"/>
             <a:r>
               <a:rPr lang="ja-JP" altLang="en-US" sz="2800" dirty="0" smtClean="0"/>
-              <a:t>テストコードの良くない実装を表す</a:t>
+              <a:t>テストコードの保守に悪影響を与える</a:t>
             </a:r>
             <a:r>
               <a:rPr lang="ja-JP" altLang="en-US" sz="2800" dirty="0" smtClean="0">
@@ -37046,7 +37344,15 @@
                   <a:srgbClr val="FF0000"/>
                 </a:solidFill>
               </a:rPr>
-              <a:t>テストスメルが多い</a:t>
+              <a:t>テストスメル</a:t>
+            </a:r>
+            <a:r>
+              <a:rPr lang="ja-JP" altLang="en-US" sz="2800" dirty="0" smtClean="0">
+                <a:solidFill>
+                  <a:srgbClr val="FF0000"/>
+                </a:solidFill>
+              </a:rPr>
+              <a:t>が多い</a:t>
             </a:r>
             <a:endParaRPr lang="en-US" altLang="ja-JP" sz="2800" dirty="0">
               <a:solidFill>
@@ -39786,6 +40092,1123 @@
       <p:transition spd="slow"/>
     </mc:Fallback>
   </mc:AlternateContent>
+  <p:timing>
+    <p:tnLst>
+      <p:par>
+        <p:cTn id="1" dur="indefinite" restart="never" nodeType="tmRoot"/>
+      </p:par>
+    </p:tnLst>
+  </p:timing>
+</p:sld>
+</file>
+
+<file path=ppt/slides/slide42.xml><?xml version="1.0" encoding="utf-8"?>
+<p:sld xmlns:a="http://schemas.openxmlformats.org/drawingml/2006/main" xmlns:r="http://schemas.openxmlformats.org/officeDocument/2006/relationships" xmlns:p="http://schemas.openxmlformats.org/presentationml/2006/main">
+  <p:cSld>
+    <p:spTree>
+      <p:nvGrpSpPr>
+        <p:cNvPr id="1" name=""/>
+        <p:cNvGrpSpPr/>
+        <p:nvPr/>
+      </p:nvGrpSpPr>
+      <p:grpSpPr>
+        <a:xfrm>
+          <a:off x="0" y="0"/>
+          <a:ext cx="0" cy="0"/>
+          <a:chOff x="0" y="0"/>
+          <a:chExt cx="0" cy="0"/>
+        </a:xfrm>
+      </p:grpSpPr>
+      <p:sp>
+        <p:nvSpPr>
+          <p:cNvPr id="2" name="タイトル 1"/>
+          <p:cNvSpPr>
+            <a:spLocks noGrp="1"/>
+          </p:cNvSpPr>
+          <p:nvPr>
+            <p:ph type="title"/>
+          </p:nvPr>
+        </p:nvSpPr>
+        <p:spPr/>
+        <p:txBody>
+          <a:bodyPr/>
+          <a:lstStyle/>
+          <a:p>
+            <a:r>
+              <a:rPr lang="en-US" altLang="ja-JP" b="1" dirty="0">
+                <a:solidFill>
+                  <a:schemeClr val="bg1"/>
+                </a:solidFill>
+              </a:rPr>
+              <a:t>Step2: </a:t>
+            </a:r>
+            <a:r>
+              <a:rPr lang="ja-JP" altLang="en-US" dirty="0">
+                <a:solidFill>
+                  <a:schemeClr val="bg1"/>
+                </a:solidFill>
+              </a:rPr>
+              <a:t>テストコードの検索</a:t>
+            </a:r>
+            <a:endParaRPr kumimoji="1" lang="ja-JP" altLang="en-US" dirty="0">
+              <a:solidFill>
+                <a:schemeClr val="bg1"/>
+              </a:solidFill>
+            </a:endParaRPr>
+          </a:p>
+        </p:txBody>
+      </p:sp>
+      <p:sp>
+        <p:nvSpPr>
+          <p:cNvPr id="4" name="コンテンツ プレースホルダー 2"/>
+          <p:cNvSpPr>
+            <a:spLocks noGrp="1"/>
+          </p:cNvSpPr>
+          <p:nvPr>
+            <p:ph idx="1"/>
+          </p:nvPr>
+        </p:nvSpPr>
+        <p:spPr>
+          <a:xfrm>
+            <a:off x="790456" y="1390141"/>
+            <a:ext cx="10515600" cy="2070813"/>
+          </a:xfrm>
+        </p:spPr>
+        <p:txBody>
+          <a:bodyPr>
+            <a:normAutofit/>
+          </a:bodyPr>
+          <a:lstStyle/>
+          <a:p>
+            <a:r>
+              <a:rPr lang="ja-JP" altLang="en-US" dirty="0" smtClean="0"/>
+              <a:t>テストコードと対象コード</a:t>
+            </a:r>
+            <a:r>
+              <a:rPr lang="ja-JP" altLang="en-US" dirty="0"/>
+              <a:t>の</a:t>
+            </a:r>
+            <a:r>
+              <a:rPr lang="ja-JP" altLang="en-US" dirty="0" smtClean="0"/>
+              <a:t>対応付け</a:t>
+            </a:r>
+            <a:endParaRPr lang="en-US" altLang="ja-JP" dirty="0" smtClean="0"/>
+          </a:p>
+          <a:p>
+            <a:pPr marL="914400" lvl="1" indent="-457200">
+              <a:buFont typeface="+mj-lt"/>
+              <a:buAutoNum type="arabicPeriod"/>
+            </a:pPr>
+            <a:r>
+              <a:rPr lang="ja-JP" altLang="en-US" sz="2200" dirty="0" smtClean="0"/>
+              <a:t>命名規則によるテストクラスと対象クラスの対応付け</a:t>
+            </a:r>
+            <a:endParaRPr lang="en-US" altLang="ja-JP" sz="2200" dirty="0" smtClean="0"/>
+          </a:p>
+          <a:p>
+            <a:pPr marL="914400" lvl="1" indent="-457200">
+              <a:buFont typeface="+mj-lt"/>
+              <a:buAutoNum type="arabicPeriod"/>
+            </a:pPr>
+            <a:r>
+              <a:rPr lang="ja-JP" altLang="en-US" sz="2200" dirty="0" smtClean="0"/>
+              <a:t>テストコード内のメソッド呼び出しを確認</a:t>
+            </a:r>
+            <a:endParaRPr lang="en-US" altLang="ja-JP" sz="2200" dirty="0" smtClean="0"/>
+          </a:p>
+          <a:p>
+            <a:pPr marL="914400" lvl="1" indent="-457200">
+              <a:buFont typeface="+mj-lt"/>
+              <a:buAutoNum type="arabicPeriod"/>
+            </a:pPr>
+            <a:r>
+              <a:rPr lang="ja-JP" altLang="en-US" sz="2200" dirty="0" smtClean="0"/>
+              <a:t>メソッド名の比較によるテストメソッドと対象メソッドの対応付け</a:t>
+            </a:r>
+            <a:endParaRPr lang="en-US" altLang="ja-JP" sz="2200" dirty="0" smtClean="0"/>
+          </a:p>
+        </p:txBody>
+      </p:sp>
+      <p:sp>
+        <p:nvSpPr>
+          <p:cNvPr id="5" name="テキスト ボックス 4"/>
+          <p:cNvSpPr txBox="1"/>
+          <p:nvPr/>
+        </p:nvSpPr>
+        <p:spPr>
+          <a:xfrm>
+            <a:off x="1298996" y="5929231"/>
+            <a:ext cx="4005159" cy="430887"/>
+          </a:xfrm>
+          <a:prstGeom prst="rect">
+            <a:avLst/>
+          </a:prstGeom>
+          <a:noFill/>
+        </p:spPr>
+        <p:txBody>
+          <a:bodyPr wrap="square" rtlCol="0">
+            <a:spAutoFit/>
+          </a:bodyPr>
+          <a:lstStyle/>
+          <a:p>
+            <a:pPr algn="ctr"/>
+            <a:r>
+              <a:rPr lang="ja-JP" altLang="en-US" sz="2200" dirty="0">
+                <a:latin typeface="メイリオ" panose="020B0604030504040204" pitchFamily="50" charset="-128"/>
+                <a:ea typeface="メイリオ" panose="020B0604030504040204" pitchFamily="50" charset="-128"/>
+              </a:rPr>
+              <a:t>類似</a:t>
+            </a:r>
+            <a:r>
+              <a:rPr lang="ja-JP" altLang="en-US" sz="2200" dirty="0" smtClean="0">
+                <a:latin typeface="メイリオ" panose="020B0604030504040204" pitchFamily="50" charset="-128"/>
+                <a:ea typeface="メイリオ" panose="020B0604030504040204" pitchFamily="50" charset="-128"/>
+              </a:rPr>
+              <a:t>コード片</a:t>
+            </a:r>
+            <a:r>
+              <a:rPr lang="en-US" altLang="ja-JP" sz="2200" dirty="0" smtClean="0">
+                <a:latin typeface="メイリオ" panose="020B0604030504040204" pitchFamily="50" charset="-128"/>
+                <a:ea typeface="メイリオ" panose="020B0604030504040204" pitchFamily="50" charset="-128"/>
+              </a:rPr>
+              <a:t>(</a:t>
+            </a:r>
+            <a:r>
+              <a:rPr lang="ja-JP" altLang="en-US" sz="2200" dirty="0" smtClean="0">
+                <a:latin typeface="メイリオ" panose="020B0604030504040204" pitchFamily="50" charset="-128"/>
+                <a:ea typeface="メイリオ" panose="020B0604030504040204" pitchFamily="50" charset="-128"/>
+              </a:rPr>
+              <a:t>テスト対象</a:t>
+            </a:r>
+            <a:r>
+              <a:rPr lang="en-US" altLang="ja-JP" sz="2200" dirty="0" smtClean="0">
+                <a:latin typeface="メイリオ" panose="020B0604030504040204" pitchFamily="50" charset="-128"/>
+                <a:ea typeface="メイリオ" panose="020B0604030504040204" pitchFamily="50" charset="-128"/>
+              </a:rPr>
+              <a:t>)</a:t>
+            </a:r>
+            <a:endParaRPr kumimoji="1" lang="ja-JP" altLang="en-US" sz="2200" dirty="0">
+              <a:latin typeface="メイリオ" panose="020B0604030504040204" pitchFamily="50" charset="-128"/>
+              <a:ea typeface="メイリオ" panose="020B0604030504040204" pitchFamily="50" charset="-128"/>
+            </a:endParaRPr>
+          </a:p>
+        </p:txBody>
+      </p:sp>
+      <p:sp>
+        <p:nvSpPr>
+          <p:cNvPr id="6" name="テキスト ボックス 5"/>
+          <p:cNvSpPr txBox="1"/>
+          <p:nvPr/>
+        </p:nvSpPr>
+        <p:spPr>
+          <a:xfrm>
+            <a:off x="7669333" y="5929231"/>
+            <a:ext cx="1908387" cy="430887"/>
+          </a:xfrm>
+          <a:prstGeom prst="rect">
+            <a:avLst/>
+          </a:prstGeom>
+          <a:noFill/>
+        </p:spPr>
+        <p:txBody>
+          <a:bodyPr wrap="square" rtlCol="0">
+            <a:spAutoFit/>
+          </a:bodyPr>
+          <a:lstStyle/>
+          <a:p>
+            <a:pPr algn="ctr"/>
+            <a:r>
+              <a:rPr lang="ja-JP" altLang="en-US" sz="2200" dirty="0">
+                <a:latin typeface="メイリオ" panose="020B0604030504040204" pitchFamily="50" charset="-128"/>
+                <a:ea typeface="メイリオ" panose="020B0604030504040204" pitchFamily="50" charset="-128"/>
+              </a:rPr>
+              <a:t>テストコード</a:t>
+            </a:r>
+            <a:endParaRPr kumimoji="1" lang="ja-JP" altLang="en-US" sz="2200" dirty="0">
+              <a:latin typeface="メイリオ" panose="020B0604030504040204" pitchFamily="50" charset="-128"/>
+              <a:ea typeface="メイリオ" panose="020B0604030504040204" pitchFamily="50" charset="-128"/>
+            </a:endParaRPr>
+          </a:p>
+        </p:txBody>
+      </p:sp>
+      <p:sp>
+        <p:nvSpPr>
+          <p:cNvPr id="7" name="正方形/長方形 6"/>
+          <p:cNvSpPr/>
+          <p:nvPr/>
+        </p:nvSpPr>
+        <p:spPr>
+          <a:xfrm>
+            <a:off x="958568" y="3568987"/>
+            <a:ext cx="4686022" cy="2308324"/>
+          </a:xfrm>
+          <a:prstGeom prst="rect">
+            <a:avLst/>
+          </a:prstGeom>
+          <a:ln w="38100"/>
+        </p:spPr>
+        <p:style>
+          <a:lnRef idx="2">
+            <a:schemeClr val="accent3"/>
+          </a:lnRef>
+          <a:fillRef idx="1">
+            <a:schemeClr val="lt1"/>
+          </a:fillRef>
+          <a:effectRef idx="0">
+            <a:schemeClr val="accent3"/>
+          </a:effectRef>
+          <a:fontRef idx="minor">
+            <a:schemeClr val="dk1"/>
+          </a:fontRef>
+        </p:style>
+        <p:txBody>
+          <a:bodyPr wrap="square">
+            <a:spAutoFit/>
+          </a:bodyPr>
+          <a:lstStyle/>
+          <a:p>
+            <a:r>
+              <a:rPr lang="en-US" altLang="ja-JP" sz="1600" dirty="0" smtClean="0">
+                <a:latin typeface="Consolas" panose="020B0609020204030204" pitchFamily="49" charset="0"/>
+              </a:rPr>
+              <a:t>public </a:t>
+            </a:r>
+            <a:r>
+              <a:rPr lang="en-US" altLang="ja-JP" sz="1600" dirty="0" err="1" smtClean="0">
+                <a:latin typeface="Consolas" panose="020B0609020204030204" pitchFamily="49" charset="0"/>
+              </a:rPr>
+              <a:t>int</a:t>
+            </a:r>
+            <a:r>
+              <a:rPr lang="en-US" altLang="ja-JP" sz="1600" dirty="0" smtClean="0">
+                <a:latin typeface="Consolas" panose="020B0609020204030204" pitchFamily="49" charset="0"/>
+              </a:rPr>
+              <a:t> </a:t>
+            </a:r>
+            <a:r>
+              <a:rPr lang="en-US" altLang="ja-JP" sz="1600" b="1" dirty="0" err="1" smtClean="0">
+                <a:solidFill>
+                  <a:schemeClr val="accent6"/>
+                </a:solidFill>
+                <a:effectLst>
+                  <a:outerShdw blurRad="38100" dist="38100" dir="2700000" algn="tl">
+                    <a:srgbClr val="000000">
+                      <a:alpha val="43137"/>
+                    </a:srgbClr>
+                  </a:outerShdw>
+                </a:effectLst>
+                <a:latin typeface="Consolas" panose="020B0609020204030204" pitchFamily="49" charset="0"/>
+              </a:rPr>
+              <a:t>calcPrice</a:t>
+            </a:r>
+            <a:r>
+              <a:rPr lang="en-US" altLang="ja-JP" sz="1600" dirty="0" smtClean="0">
+                <a:latin typeface="Consolas" panose="020B0609020204030204" pitchFamily="49" charset="0"/>
+              </a:rPr>
+              <a:t>(</a:t>
+            </a:r>
+            <a:r>
+              <a:rPr lang="en-US" altLang="ja-JP" sz="1600" dirty="0" err="1" smtClean="0">
+                <a:latin typeface="Consolas" panose="020B0609020204030204" pitchFamily="49" charset="0"/>
+              </a:rPr>
+              <a:t>int</a:t>
+            </a:r>
+            <a:r>
+              <a:rPr lang="en-US" altLang="ja-JP" sz="1600" dirty="0" smtClean="0">
+                <a:latin typeface="Consolas" panose="020B0609020204030204" pitchFamily="49" charset="0"/>
+              </a:rPr>
+              <a:t> ...cost){</a:t>
+            </a:r>
+          </a:p>
+          <a:p>
+            <a:r>
+              <a:rPr lang="ja-JP" altLang="en-US" sz="1600" dirty="0" smtClean="0">
+                <a:latin typeface="Consolas" panose="020B0609020204030204" pitchFamily="49" charset="0"/>
+              </a:rPr>
+              <a:t>    </a:t>
+            </a:r>
+            <a:r>
+              <a:rPr lang="en-US" altLang="ja-JP" sz="1600" dirty="0" err="1" smtClean="0">
+                <a:latin typeface="Consolas" panose="020B0609020204030204" pitchFamily="49" charset="0"/>
+              </a:rPr>
+              <a:t>int</a:t>
+            </a:r>
+            <a:r>
+              <a:rPr lang="en-US" altLang="ja-JP" sz="1600" dirty="0" smtClean="0">
+                <a:latin typeface="Consolas" panose="020B0609020204030204" pitchFamily="49" charset="0"/>
+              </a:rPr>
+              <a:t> </a:t>
+            </a:r>
+            <a:r>
+              <a:rPr lang="en-US" altLang="ja-JP" sz="1600" dirty="0" err="1" smtClean="0">
+                <a:latin typeface="Consolas" panose="020B0609020204030204" pitchFamily="49" charset="0"/>
+              </a:rPr>
+              <a:t>totalcost</a:t>
+            </a:r>
+            <a:r>
+              <a:rPr lang="en-US" altLang="ja-JP" sz="1600" dirty="0" smtClean="0">
+                <a:latin typeface="Consolas" panose="020B0609020204030204" pitchFamily="49" charset="0"/>
+              </a:rPr>
+              <a:t>= 0;</a:t>
+            </a:r>
+          </a:p>
+          <a:p>
+            <a:endParaRPr lang="en-US" altLang="ja-JP" sz="1600" dirty="0" smtClean="0">
+              <a:latin typeface="Consolas" panose="020B0609020204030204" pitchFamily="49" charset="0"/>
+            </a:endParaRPr>
+          </a:p>
+          <a:p>
+            <a:r>
+              <a:rPr lang="ja-JP" altLang="en-US" sz="1600" dirty="0" smtClean="0">
+                <a:latin typeface="Consolas" panose="020B0609020204030204" pitchFamily="49" charset="0"/>
+              </a:rPr>
+              <a:t>    </a:t>
+            </a:r>
+            <a:r>
+              <a:rPr lang="en-US" altLang="ja-JP" sz="1600" dirty="0" smtClean="0">
+                <a:latin typeface="Consolas" panose="020B0609020204030204" pitchFamily="49" charset="0"/>
+              </a:rPr>
+              <a:t>for(</a:t>
+            </a:r>
+            <a:r>
+              <a:rPr lang="en-US" altLang="ja-JP" sz="1600" dirty="0" err="1" smtClean="0">
+                <a:latin typeface="Consolas" panose="020B0609020204030204" pitchFamily="49" charset="0"/>
+              </a:rPr>
+              <a:t>int</a:t>
+            </a:r>
+            <a:r>
+              <a:rPr lang="en-US" altLang="ja-JP" sz="1600" dirty="0" smtClean="0">
+                <a:latin typeface="Consolas" panose="020B0609020204030204" pitchFamily="49" charset="0"/>
+              </a:rPr>
+              <a:t> </a:t>
+            </a:r>
+            <a:r>
+              <a:rPr lang="en-US" altLang="ja-JP" sz="1600" dirty="0" err="1" smtClean="0">
+                <a:latin typeface="Consolas" panose="020B0609020204030204" pitchFamily="49" charset="0"/>
+              </a:rPr>
+              <a:t>i</a:t>
+            </a:r>
+            <a:r>
+              <a:rPr lang="en-US" altLang="ja-JP" sz="1600" dirty="0" smtClean="0">
+                <a:latin typeface="Consolas" panose="020B0609020204030204" pitchFamily="49" charset="0"/>
+              </a:rPr>
+              <a:t>=0; </a:t>
+            </a:r>
+            <a:r>
+              <a:rPr lang="en-US" altLang="ja-JP" sz="1600" dirty="0" err="1" smtClean="0">
+                <a:latin typeface="Consolas" panose="020B0609020204030204" pitchFamily="49" charset="0"/>
+              </a:rPr>
+              <a:t>i</a:t>
+            </a:r>
+            <a:r>
+              <a:rPr lang="en-US" altLang="ja-JP" sz="1600" dirty="0" smtClean="0">
+                <a:latin typeface="Consolas" panose="020B0609020204030204" pitchFamily="49" charset="0"/>
+              </a:rPr>
+              <a:t> &lt; </a:t>
+            </a:r>
+            <a:r>
+              <a:rPr lang="en-US" altLang="ja-JP" sz="1600" dirty="0" err="1" smtClean="0">
+                <a:latin typeface="Consolas" panose="020B0609020204030204" pitchFamily="49" charset="0"/>
+              </a:rPr>
+              <a:t>cost.length</a:t>
+            </a:r>
+            <a:r>
+              <a:rPr lang="en-US" altLang="ja-JP" sz="1600" dirty="0" smtClean="0">
+                <a:latin typeface="Consolas" panose="020B0609020204030204" pitchFamily="49" charset="0"/>
+              </a:rPr>
+              <a:t>; </a:t>
+            </a:r>
+            <a:r>
+              <a:rPr lang="en-US" altLang="ja-JP" sz="1600" dirty="0" err="1" smtClean="0">
+                <a:latin typeface="Consolas" panose="020B0609020204030204" pitchFamily="49" charset="0"/>
+              </a:rPr>
+              <a:t>i</a:t>
+            </a:r>
+            <a:r>
+              <a:rPr lang="en-US" altLang="ja-JP" sz="1600" dirty="0" smtClean="0">
+                <a:latin typeface="Consolas" panose="020B0609020204030204" pitchFamily="49" charset="0"/>
+              </a:rPr>
+              <a:t>++){</a:t>
+            </a:r>
+          </a:p>
+          <a:p>
+            <a:r>
+              <a:rPr lang="en-US" altLang="ja-JP" sz="1600" dirty="0">
+                <a:latin typeface="Consolas" panose="020B0609020204030204" pitchFamily="49" charset="0"/>
+              </a:rPr>
+              <a:t> </a:t>
+            </a:r>
+            <a:r>
+              <a:rPr lang="en-US" altLang="ja-JP" sz="1600" dirty="0" smtClean="0">
+                <a:latin typeface="Consolas" panose="020B0609020204030204" pitchFamily="49" charset="0"/>
+              </a:rPr>
+              <a:t>       </a:t>
+            </a:r>
+            <a:r>
+              <a:rPr lang="en-US" altLang="ja-JP" sz="1600" dirty="0" err="1" smtClean="0">
+                <a:latin typeface="Consolas" panose="020B0609020204030204" pitchFamily="49" charset="0"/>
+              </a:rPr>
+              <a:t>totalcost</a:t>
+            </a:r>
+            <a:r>
+              <a:rPr lang="en-US" altLang="ja-JP" sz="1600" dirty="0" smtClean="0">
+                <a:latin typeface="Consolas" panose="020B0609020204030204" pitchFamily="49" charset="0"/>
+              </a:rPr>
+              <a:t> += cost[</a:t>
+            </a:r>
+            <a:r>
+              <a:rPr lang="en-US" altLang="ja-JP" sz="1600" dirty="0" err="1" smtClean="0">
+                <a:latin typeface="Consolas" panose="020B0609020204030204" pitchFamily="49" charset="0"/>
+              </a:rPr>
+              <a:t>i</a:t>
+            </a:r>
+            <a:r>
+              <a:rPr lang="en-US" altLang="ja-JP" sz="1600" dirty="0" smtClean="0">
+                <a:latin typeface="Consolas" panose="020B0609020204030204" pitchFamily="49" charset="0"/>
+              </a:rPr>
+              <a:t>];</a:t>
+            </a:r>
+          </a:p>
+          <a:p>
+            <a:r>
+              <a:rPr lang="en-US" altLang="ja-JP" sz="1600" dirty="0">
+                <a:latin typeface="Consolas" panose="020B0609020204030204" pitchFamily="49" charset="0"/>
+              </a:rPr>
+              <a:t> </a:t>
+            </a:r>
+            <a:r>
+              <a:rPr lang="en-US" altLang="ja-JP" sz="1600" dirty="0" smtClean="0">
+                <a:latin typeface="Consolas" panose="020B0609020204030204" pitchFamily="49" charset="0"/>
+              </a:rPr>
+              <a:t>   }</a:t>
+            </a:r>
+          </a:p>
+          <a:p>
+            <a:endParaRPr lang="en-US" altLang="ja-JP" sz="1600" dirty="0" smtClean="0">
+              <a:latin typeface="Consolas" panose="020B0609020204030204" pitchFamily="49" charset="0"/>
+            </a:endParaRPr>
+          </a:p>
+          <a:p>
+            <a:r>
+              <a:rPr lang="en-US" altLang="ja-JP" sz="1600" dirty="0">
+                <a:latin typeface="Consolas" panose="020B0609020204030204" pitchFamily="49" charset="0"/>
+              </a:rPr>
+              <a:t> </a:t>
+            </a:r>
+            <a:r>
+              <a:rPr lang="en-US" altLang="ja-JP" sz="1600" dirty="0" smtClean="0">
+                <a:latin typeface="Consolas" panose="020B0609020204030204" pitchFamily="49" charset="0"/>
+              </a:rPr>
+              <a:t>   return </a:t>
+            </a:r>
+            <a:r>
+              <a:rPr lang="en-US" altLang="ja-JP" sz="1600" dirty="0" err="1" smtClean="0">
+                <a:latin typeface="Consolas" panose="020B0609020204030204" pitchFamily="49" charset="0"/>
+              </a:rPr>
+              <a:t>totalcost</a:t>
+            </a:r>
+            <a:r>
+              <a:rPr lang="en-US" altLang="ja-JP" sz="1600" dirty="0" smtClean="0">
+                <a:latin typeface="Consolas" panose="020B0609020204030204" pitchFamily="49" charset="0"/>
+              </a:rPr>
+              <a:t>;</a:t>
+            </a:r>
+          </a:p>
+          <a:p>
+            <a:r>
+              <a:rPr lang="en-US" altLang="ja-JP" sz="1600" dirty="0" smtClean="0">
+                <a:latin typeface="Consolas" panose="020B0609020204030204" pitchFamily="49" charset="0"/>
+              </a:rPr>
+              <a:t>}</a:t>
+            </a:r>
+          </a:p>
+        </p:txBody>
+      </p:sp>
+      <p:sp>
+        <p:nvSpPr>
+          <p:cNvPr id="8" name="正方形/長方形 7"/>
+          <p:cNvSpPr/>
+          <p:nvPr/>
+        </p:nvSpPr>
+        <p:spPr>
+          <a:xfrm>
+            <a:off x="5967215" y="3565603"/>
+            <a:ext cx="5312630" cy="2308324"/>
+          </a:xfrm>
+          <a:prstGeom prst="rect">
+            <a:avLst/>
+          </a:prstGeom>
+          <a:ln w="38100"/>
+        </p:spPr>
+        <p:style>
+          <a:lnRef idx="2">
+            <a:schemeClr val="accent3"/>
+          </a:lnRef>
+          <a:fillRef idx="1">
+            <a:schemeClr val="lt1"/>
+          </a:fillRef>
+          <a:effectRef idx="0">
+            <a:schemeClr val="accent3"/>
+          </a:effectRef>
+          <a:fontRef idx="minor">
+            <a:schemeClr val="dk1"/>
+          </a:fontRef>
+        </p:style>
+        <p:txBody>
+          <a:bodyPr wrap="square">
+            <a:spAutoFit/>
+          </a:bodyPr>
+          <a:lstStyle/>
+          <a:p>
+            <a:r>
+              <a:rPr lang="en-US" altLang="ja-JP" sz="1600" b="0" dirty="0" smtClean="0">
+                <a:effectLst/>
+                <a:latin typeface="Consolas" panose="020B0609020204030204" pitchFamily="49" charset="0"/>
+              </a:rPr>
+              <a:t>@Test</a:t>
+            </a:r>
+          </a:p>
+          <a:p>
+            <a:r>
+              <a:rPr lang="en-US" altLang="ja-JP" sz="1600" b="0" dirty="0" smtClean="0">
+                <a:effectLst/>
+                <a:latin typeface="Consolas" panose="020B0609020204030204" pitchFamily="49" charset="0"/>
+              </a:rPr>
+              <a:t>public void </a:t>
+            </a:r>
+            <a:r>
+              <a:rPr lang="en-US" altLang="ja-JP" sz="1600" b="1" dirty="0" err="1" smtClean="0">
+                <a:solidFill>
+                  <a:schemeClr val="accent6"/>
+                </a:solidFill>
+                <a:effectLst>
+                  <a:outerShdw blurRad="38100" dist="38100" dir="2700000" algn="tl">
+                    <a:srgbClr val="000000">
+                      <a:alpha val="43137"/>
+                    </a:srgbClr>
+                  </a:outerShdw>
+                </a:effectLst>
+                <a:latin typeface="Consolas" panose="020B0609020204030204" pitchFamily="49" charset="0"/>
+              </a:rPr>
+              <a:t>testCalcPrice</a:t>
+            </a:r>
+            <a:r>
+              <a:rPr lang="en-US" altLang="ja-JP" sz="1600" b="0" dirty="0" smtClean="0">
+                <a:effectLst/>
+                <a:latin typeface="Consolas" panose="020B0609020204030204" pitchFamily="49" charset="0"/>
+              </a:rPr>
+              <a:t>() throws </a:t>
+            </a:r>
+            <a:r>
+              <a:rPr lang="en-US" altLang="ja-JP" sz="1600" b="0" dirty="0" err="1" smtClean="0">
+                <a:effectLst/>
+                <a:latin typeface="Consolas" panose="020B0609020204030204" pitchFamily="49" charset="0"/>
+              </a:rPr>
+              <a:t>Throwable</a:t>
+            </a:r>
+            <a:r>
+              <a:rPr lang="en-US" altLang="ja-JP" sz="1600" b="0" dirty="0" smtClean="0">
+                <a:effectLst/>
+                <a:latin typeface="Consolas" panose="020B0609020204030204" pitchFamily="49" charset="0"/>
+              </a:rPr>
+              <a:t>{</a:t>
+            </a:r>
+          </a:p>
+          <a:p>
+            <a:r>
+              <a:rPr lang="en-US" altLang="ja-JP" sz="1600" b="0" dirty="0" smtClean="0">
+                <a:effectLst/>
+                <a:latin typeface="Consolas" panose="020B0609020204030204" pitchFamily="49" charset="0"/>
+              </a:rPr>
+              <a:t>    </a:t>
+            </a:r>
+            <a:r>
+              <a:rPr lang="en-US" altLang="ja-JP" sz="1600" b="0" dirty="0" err="1" smtClean="0">
+                <a:effectLst/>
+                <a:latin typeface="Consolas" panose="020B0609020204030204" pitchFamily="49" charset="0"/>
+              </a:rPr>
+              <a:t>CalcPrice</a:t>
+            </a:r>
+            <a:r>
+              <a:rPr lang="en-US" altLang="ja-JP" sz="1600" b="0" dirty="0" smtClean="0">
+                <a:effectLst/>
+                <a:latin typeface="Consolas" panose="020B0609020204030204" pitchFamily="49" charset="0"/>
+              </a:rPr>
+              <a:t> </a:t>
+            </a:r>
+            <a:r>
+              <a:rPr lang="en-US" altLang="ja-JP" sz="1600" b="0" dirty="0" err="1" smtClean="0">
+                <a:effectLst/>
+                <a:latin typeface="Consolas" panose="020B0609020204030204" pitchFamily="49" charset="0"/>
+              </a:rPr>
+              <a:t>sut</a:t>
+            </a:r>
+            <a:r>
+              <a:rPr lang="en-US" altLang="ja-JP" sz="1600" b="0" dirty="0" smtClean="0">
+                <a:effectLst/>
+                <a:latin typeface="Consolas" panose="020B0609020204030204" pitchFamily="49" charset="0"/>
+              </a:rPr>
+              <a:t> = new </a:t>
+            </a:r>
+            <a:r>
+              <a:rPr lang="en-US" altLang="ja-JP" sz="1600" b="0" dirty="0" err="1" smtClean="0">
+                <a:effectLst/>
+                <a:latin typeface="Consolas" panose="020B0609020204030204" pitchFamily="49" charset="0"/>
+              </a:rPr>
+              <a:t>CalcPrice</a:t>
+            </a:r>
+            <a:r>
+              <a:rPr lang="en-US" altLang="ja-JP" sz="1600" b="0" dirty="0" smtClean="0">
+                <a:effectLst/>
+                <a:latin typeface="Consolas" panose="020B0609020204030204" pitchFamily="49" charset="0"/>
+              </a:rPr>
+              <a:t>();</a:t>
+            </a:r>
+          </a:p>
+          <a:p>
+            <a:r>
+              <a:rPr lang="en-US" altLang="ja-JP" sz="1600" b="0" dirty="0" smtClean="0">
+                <a:effectLst/>
+                <a:latin typeface="Consolas" panose="020B0609020204030204" pitchFamily="49" charset="0"/>
+              </a:rPr>
+              <a:t>    </a:t>
+            </a:r>
+            <a:r>
+              <a:rPr lang="en-US" altLang="ja-JP" sz="1600" b="0" dirty="0" err="1" smtClean="0">
+                <a:effectLst/>
+                <a:latin typeface="Consolas" panose="020B0609020204030204" pitchFamily="49" charset="0"/>
+              </a:rPr>
+              <a:t>int</a:t>
+            </a:r>
+            <a:r>
+              <a:rPr lang="en-US" altLang="ja-JP" sz="1600" b="0" dirty="0" smtClean="0">
+                <a:effectLst/>
+                <a:latin typeface="Consolas" panose="020B0609020204030204" pitchFamily="49" charset="0"/>
+              </a:rPr>
+              <a:t>[] item1 = new </a:t>
+            </a:r>
+            <a:r>
+              <a:rPr lang="en-US" altLang="ja-JP" sz="1600" b="0" dirty="0" err="1" smtClean="0">
+                <a:effectLst/>
+                <a:latin typeface="Consolas" panose="020B0609020204030204" pitchFamily="49" charset="0"/>
+              </a:rPr>
+              <a:t>int</a:t>
+            </a:r>
+            <a:r>
+              <a:rPr lang="en-US" altLang="ja-JP" sz="1600" b="0" dirty="0" smtClean="0">
+                <a:effectLst/>
+                <a:latin typeface="Consolas" panose="020B0609020204030204" pitchFamily="49" charset="0"/>
+              </a:rPr>
+              <a:t>[0];</a:t>
+            </a:r>
+          </a:p>
+          <a:p>
+            <a:r>
+              <a:rPr lang="en-US" altLang="ja-JP" sz="1600" b="0" dirty="0" smtClean="0">
+                <a:effectLst/>
+                <a:latin typeface="Consolas" panose="020B0609020204030204" pitchFamily="49" charset="0"/>
+              </a:rPr>
+              <a:t>    </a:t>
+            </a:r>
+            <a:r>
+              <a:rPr lang="en-US" altLang="ja-JP" sz="1600" b="0" dirty="0" err="1" smtClean="0">
+                <a:effectLst/>
+                <a:latin typeface="Consolas" panose="020B0609020204030204" pitchFamily="49" charset="0"/>
+              </a:rPr>
+              <a:t>int</a:t>
+            </a:r>
+            <a:r>
+              <a:rPr lang="en-US" altLang="ja-JP" sz="1600" b="0" dirty="0" smtClean="0">
+                <a:effectLst/>
+                <a:latin typeface="Consolas" panose="020B0609020204030204" pitchFamily="49" charset="0"/>
+              </a:rPr>
+              <a:t>[] item2 = new </a:t>
+            </a:r>
+            <a:r>
+              <a:rPr lang="en-US" altLang="ja-JP" sz="1600" b="0" dirty="0" err="1" smtClean="0">
+                <a:effectLst/>
+                <a:latin typeface="Consolas" panose="020B0609020204030204" pitchFamily="49" charset="0"/>
+              </a:rPr>
+              <a:t>int</a:t>
+            </a:r>
+            <a:r>
+              <a:rPr lang="en-US" altLang="ja-JP" sz="1600" b="0" dirty="0" smtClean="0">
+                <a:effectLst/>
+                <a:latin typeface="Consolas" panose="020B0609020204030204" pitchFamily="49" charset="0"/>
+              </a:rPr>
+              <a:t>[100];</a:t>
+            </a:r>
+          </a:p>
+          <a:p>
+            <a:r>
+              <a:rPr lang="en-US" altLang="ja-JP" sz="1600" b="0" dirty="0" smtClean="0">
+                <a:effectLst/>
+                <a:latin typeface="Consolas" panose="020B0609020204030204" pitchFamily="49" charset="0"/>
+              </a:rPr>
+              <a:t>    </a:t>
+            </a:r>
+            <a:r>
+              <a:rPr lang="en-US" altLang="ja-JP" sz="1600" b="0" dirty="0" err="1" smtClean="0">
+                <a:effectLst/>
+                <a:latin typeface="Consolas" panose="020B0609020204030204" pitchFamily="49" charset="0"/>
+              </a:rPr>
+              <a:t>assertEquals</a:t>
+            </a:r>
+            <a:r>
+              <a:rPr lang="en-US" altLang="ja-JP" sz="1600" b="0" dirty="0" smtClean="0">
+                <a:effectLst/>
+                <a:latin typeface="Consolas" panose="020B0609020204030204" pitchFamily="49" charset="0"/>
+              </a:rPr>
+              <a:t>(0, </a:t>
+            </a:r>
+            <a:r>
+              <a:rPr lang="en-US" altLang="ja-JP" sz="1600" dirty="0" err="1">
+                <a:latin typeface="Consolas" panose="020B0609020204030204" pitchFamily="49" charset="0"/>
+              </a:rPr>
+              <a:t>sut.</a:t>
+            </a:r>
+            <a:r>
+              <a:rPr lang="en-US" altLang="ja-JP" sz="1600" b="1" dirty="0" err="1">
+                <a:solidFill>
+                  <a:schemeClr val="accent6"/>
+                </a:solidFill>
+                <a:effectLst>
+                  <a:outerShdw blurRad="38100" dist="38100" dir="2700000" algn="tl">
+                    <a:srgbClr val="000000">
+                      <a:alpha val="43137"/>
+                    </a:srgbClr>
+                  </a:outerShdw>
+                </a:effectLst>
+                <a:latin typeface="Consolas" panose="020B0609020204030204" pitchFamily="49" charset="0"/>
+              </a:rPr>
+              <a:t>calcPrice</a:t>
+            </a:r>
+            <a:r>
+              <a:rPr lang="en-US" altLang="ja-JP" sz="1600" dirty="0">
+                <a:latin typeface="Consolas" panose="020B0609020204030204" pitchFamily="49" charset="0"/>
+              </a:rPr>
+              <a:t>(item1));</a:t>
+            </a:r>
+            <a:endParaRPr lang="en-US" altLang="ja-JP" sz="1600" b="0" dirty="0" smtClean="0">
+              <a:effectLst/>
+              <a:latin typeface="Consolas" panose="020B0609020204030204" pitchFamily="49" charset="0"/>
+            </a:endParaRPr>
+          </a:p>
+          <a:p>
+            <a:r>
+              <a:rPr lang="en-US" altLang="ja-JP" sz="1600" b="0" dirty="0" smtClean="0">
+                <a:effectLst/>
+                <a:latin typeface="Consolas" panose="020B0609020204030204" pitchFamily="49" charset="0"/>
+              </a:rPr>
+              <a:t>    </a:t>
+            </a:r>
+            <a:r>
+              <a:rPr lang="en-US" altLang="ja-JP" sz="1600" b="0" dirty="0" err="1" smtClean="0">
+                <a:effectLst/>
+                <a:latin typeface="Consolas" panose="020B0609020204030204" pitchFamily="49" charset="0"/>
+              </a:rPr>
+              <a:t>assertEquals</a:t>
+            </a:r>
+            <a:r>
+              <a:rPr lang="en-US" altLang="ja-JP" sz="1600" b="0" dirty="0" smtClean="0">
+                <a:effectLst/>
+                <a:latin typeface="Consolas" panose="020B0609020204030204" pitchFamily="49" charset="0"/>
+              </a:rPr>
+              <a:t>(100, </a:t>
+            </a:r>
+            <a:r>
+              <a:rPr lang="en-US" altLang="ja-JP" sz="1600" dirty="0" err="1">
+                <a:latin typeface="Consolas" panose="020B0609020204030204" pitchFamily="49" charset="0"/>
+              </a:rPr>
+              <a:t>sut.</a:t>
+            </a:r>
+            <a:r>
+              <a:rPr lang="en-US" altLang="ja-JP" sz="1600" b="1" dirty="0" err="1">
+                <a:solidFill>
+                  <a:schemeClr val="accent6"/>
+                </a:solidFill>
+                <a:effectLst>
+                  <a:outerShdw blurRad="38100" dist="38100" dir="2700000" algn="tl">
+                    <a:srgbClr val="000000">
+                      <a:alpha val="43137"/>
+                    </a:srgbClr>
+                  </a:outerShdw>
+                </a:effectLst>
+                <a:latin typeface="Consolas" panose="020B0609020204030204" pitchFamily="49" charset="0"/>
+              </a:rPr>
+              <a:t>calcPrice</a:t>
+            </a:r>
+            <a:r>
+              <a:rPr lang="en-US" altLang="ja-JP" sz="1600" dirty="0">
+                <a:latin typeface="Consolas" panose="020B0609020204030204" pitchFamily="49" charset="0"/>
+              </a:rPr>
+              <a:t>(item2</a:t>
+            </a:r>
+            <a:r>
+              <a:rPr lang="en-US" altLang="ja-JP" sz="1600" dirty="0" smtClean="0">
+                <a:latin typeface="Consolas" panose="020B0609020204030204" pitchFamily="49" charset="0"/>
+              </a:rPr>
+              <a:t>));</a:t>
+            </a:r>
+          </a:p>
+          <a:p>
+            <a:r>
+              <a:rPr lang="en-US" altLang="ja-JP" sz="1600" dirty="0" smtClean="0">
+                <a:solidFill>
+                  <a:schemeClr val="tx1"/>
+                </a:solidFill>
+                <a:latin typeface="Consolas" panose="020B0609020204030204" pitchFamily="49" charset="0"/>
+              </a:rPr>
+              <a:t>    </a:t>
+            </a:r>
+            <a:r>
+              <a:rPr lang="en-US" altLang="ja-JP" sz="1600" dirty="0" err="1" smtClean="0">
+                <a:solidFill>
+                  <a:schemeClr val="tx1"/>
+                </a:solidFill>
+                <a:latin typeface="Consolas" panose="020B0609020204030204" pitchFamily="49" charset="0"/>
+              </a:rPr>
+              <a:t>assertNotNull</a:t>
+            </a:r>
+            <a:r>
+              <a:rPr lang="en-US" altLang="ja-JP" sz="1600" dirty="0" smtClean="0">
+                <a:solidFill>
+                  <a:schemeClr val="tx1"/>
+                </a:solidFill>
+                <a:latin typeface="Consolas" panose="020B0609020204030204" pitchFamily="49" charset="0"/>
+              </a:rPr>
+              <a:t>(</a:t>
+            </a:r>
+            <a:r>
+              <a:rPr lang="en-US" altLang="ja-JP" sz="1600" dirty="0" err="1" smtClean="0">
+                <a:solidFill>
+                  <a:schemeClr val="tx1"/>
+                </a:solidFill>
+                <a:latin typeface="Consolas" panose="020B0609020204030204" pitchFamily="49" charset="0"/>
+              </a:rPr>
+              <a:t>sut.</a:t>
+            </a:r>
+            <a:r>
+              <a:rPr lang="en-US" altLang="ja-JP" sz="1600" b="1" dirty="0" err="1" smtClean="0">
+                <a:solidFill>
+                  <a:schemeClr val="accent6"/>
+                </a:solidFill>
+                <a:effectLst>
+                  <a:outerShdw blurRad="38100" dist="38100" dir="2700000" algn="tl">
+                    <a:srgbClr val="000000">
+                      <a:alpha val="43137"/>
+                    </a:srgbClr>
+                  </a:outerShdw>
+                </a:effectLst>
+                <a:latin typeface="Consolas" panose="020B0609020204030204" pitchFamily="49" charset="0"/>
+              </a:rPr>
+              <a:t>calcPrice</a:t>
+            </a:r>
+            <a:r>
+              <a:rPr lang="en-US" altLang="ja-JP" sz="1600" dirty="0" smtClean="0">
+                <a:solidFill>
+                  <a:schemeClr val="tx1"/>
+                </a:solidFill>
+                <a:latin typeface="Consolas" panose="020B0609020204030204" pitchFamily="49" charset="0"/>
+              </a:rPr>
+              <a:t>(item1</a:t>
+            </a:r>
+            <a:r>
+              <a:rPr lang="en-US" altLang="ja-JP" sz="1600" dirty="0">
+                <a:solidFill>
+                  <a:schemeClr val="tx1"/>
+                </a:solidFill>
+                <a:latin typeface="Consolas" panose="020B0609020204030204" pitchFamily="49" charset="0"/>
+              </a:rPr>
+              <a:t>));</a:t>
+            </a:r>
+            <a:endParaRPr lang="en-US" altLang="ja-JP" sz="1600" dirty="0" smtClean="0">
+              <a:solidFill>
+                <a:schemeClr val="tx1"/>
+              </a:solidFill>
+              <a:effectLst/>
+              <a:latin typeface="Consolas" panose="020B0609020204030204" pitchFamily="49" charset="0"/>
+            </a:endParaRPr>
+          </a:p>
+          <a:p>
+            <a:r>
+              <a:rPr lang="en-US" altLang="ja-JP" sz="1600" b="0" dirty="0" smtClean="0">
+                <a:effectLst/>
+                <a:latin typeface="Consolas" panose="020B0609020204030204" pitchFamily="49" charset="0"/>
+              </a:rPr>
+              <a:t>}</a:t>
+            </a:r>
+            <a:endParaRPr lang="en-US" altLang="ja-JP" sz="1600" b="0" dirty="0">
+              <a:effectLst/>
+              <a:latin typeface="Consolas" panose="020B0609020204030204" pitchFamily="49" charset="0"/>
+            </a:endParaRPr>
+          </a:p>
+        </p:txBody>
+      </p:sp>
+      <p:sp>
+        <p:nvSpPr>
+          <p:cNvPr id="9" name="テキスト ボックス 8"/>
+          <p:cNvSpPr txBox="1"/>
+          <p:nvPr/>
+        </p:nvSpPr>
+        <p:spPr>
+          <a:xfrm>
+            <a:off x="1787335" y="3203509"/>
+            <a:ext cx="3028479" cy="430887"/>
+          </a:xfrm>
+          <a:prstGeom prst="rect">
+            <a:avLst/>
+          </a:prstGeom>
+          <a:noFill/>
+        </p:spPr>
+        <p:txBody>
+          <a:bodyPr wrap="square" rtlCol="0">
+            <a:spAutoFit/>
+          </a:bodyPr>
+          <a:lstStyle/>
+          <a:p>
+            <a:pPr algn="ctr"/>
+            <a:r>
+              <a:rPr kumimoji="1" lang="en-US" altLang="ja-JP" sz="2200" dirty="0" smtClean="0">
+                <a:latin typeface="メイリオ" panose="020B0604030504040204" pitchFamily="50" charset="-128"/>
+                <a:ea typeface="メイリオ" panose="020B0604030504040204" pitchFamily="50" charset="-128"/>
+              </a:rPr>
+              <a:t>&lt;</a:t>
+            </a:r>
+            <a:r>
+              <a:rPr kumimoji="1" lang="en-US" altLang="ja-JP" sz="2200" b="1" dirty="0" err="1" smtClean="0">
+                <a:latin typeface="メイリオ" panose="020B0604030504040204" pitchFamily="50" charset="-128"/>
+                <a:ea typeface="メイリオ" panose="020B0604030504040204" pitchFamily="50" charset="-128"/>
+              </a:rPr>
+              <a:t>CalcPrice</a:t>
+            </a:r>
+            <a:r>
+              <a:rPr lang="ja-JP" altLang="en-US" sz="2200" dirty="0" smtClean="0">
+                <a:latin typeface="メイリオ" panose="020B0604030504040204" pitchFamily="50" charset="-128"/>
+                <a:ea typeface="メイリオ" panose="020B0604030504040204" pitchFamily="50" charset="-128"/>
+              </a:rPr>
+              <a:t>クラス</a:t>
+            </a:r>
+            <a:r>
+              <a:rPr lang="en-US" altLang="ja-JP" sz="2200" dirty="0">
+                <a:latin typeface="メイリオ" panose="020B0604030504040204" pitchFamily="50" charset="-128"/>
+                <a:ea typeface="メイリオ" panose="020B0604030504040204" pitchFamily="50" charset="-128"/>
+              </a:rPr>
+              <a:t>&gt;</a:t>
+            </a:r>
+            <a:endParaRPr kumimoji="1" lang="ja-JP" altLang="en-US" sz="2200" dirty="0">
+              <a:latin typeface="メイリオ" panose="020B0604030504040204" pitchFamily="50" charset="-128"/>
+              <a:ea typeface="メイリオ" panose="020B0604030504040204" pitchFamily="50" charset="-128"/>
+            </a:endParaRPr>
+          </a:p>
+        </p:txBody>
+      </p:sp>
+      <p:sp>
+        <p:nvSpPr>
+          <p:cNvPr id="10" name="テキスト ボックス 9"/>
+          <p:cNvSpPr txBox="1"/>
+          <p:nvPr/>
+        </p:nvSpPr>
+        <p:spPr>
+          <a:xfrm>
+            <a:off x="6825858" y="3203509"/>
+            <a:ext cx="3595338" cy="430887"/>
+          </a:xfrm>
+          <a:prstGeom prst="rect">
+            <a:avLst/>
+          </a:prstGeom>
+          <a:noFill/>
+        </p:spPr>
+        <p:txBody>
+          <a:bodyPr wrap="square" rtlCol="0">
+            <a:spAutoFit/>
+          </a:bodyPr>
+          <a:lstStyle/>
+          <a:p>
+            <a:pPr algn="ctr"/>
+            <a:r>
+              <a:rPr kumimoji="1" lang="en-US" altLang="ja-JP" sz="2200" dirty="0" smtClean="0">
+                <a:latin typeface="メイリオ" panose="020B0604030504040204" pitchFamily="50" charset="-128"/>
+                <a:ea typeface="メイリオ" panose="020B0604030504040204" pitchFamily="50" charset="-128"/>
+              </a:rPr>
+              <a:t>&lt;</a:t>
+            </a:r>
+            <a:r>
+              <a:rPr kumimoji="1" lang="en-US" altLang="ja-JP" sz="2200" b="1" dirty="0" err="1" smtClean="0">
+                <a:latin typeface="メイリオ" panose="020B0604030504040204" pitchFamily="50" charset="-128"/>
+                <a:ea typeface="メイリオ" panose="020B0604030504040204" pitchFamily="50" charset="-128"/>
+              </a:rPr>
+              <a:t>CalcPriceTest</a:t>
+            </a:r>
+            <a:r>
+              <a:rPr lang="ja-JP" altLang="en-US" sz="2200" dirty="0" smtClean="0">
+                <a:latin typeface="メイリオ" panose="020B0604030504040204" pitchFamily="50" charset="-128"/>
+                <a:ea typeface="メイリオ" panose="020B0604030504040204" pitchFamily="50" charset="-128"/>
+              </a:rPr>
+              <a:t>クラス</a:t>
+            </a:r>
+            <a:r>
+              <a:rPr lang="en-US" altLang="ja-JP" sz="2200" dirty="0">
+                <a:latin typeface="メイリオ" panose="020B0604030504040204" pitchFamily="50" charset="-128"/>
+                <a:ea typeface="メイリオ" panose="020B0604030504040204" pitchFamily="50" charset="-128"/>
+              </a:rPr>
+              <a:t>&gt;</a:t>
+            </a:r>
+            <a:endParaRPr kumimoji="1" lang="ja-JP" altLang="en-US" sz="2200" dirty="0">
+              <a:latin typeface="メイリオ" panose="020B0604030504040204" pitchFamily="50" charset="-128"/>
+              <a:ea typeface="メイリオ" panose="020B0604030504040204" pitchFamily="50" charset="-128"/>
+            </a:endParaRPr>
+          </a:p>
+        </p:txBody>
+      </p:sp>
+      <p:sp>
+        <p:nvSpPr>
+          <p:cNvPr id="11" name="下矢印 10"/>
+          <p:cNvSpPr/>
+          <p:nvPr/>
+        </p:nvSpPr>
+        <p:spPr>
+          <a:xfrm rot="16200000">
+            <a:off x="5293815" y="4424243"/>
+            <a:ext cx="1024176" cy="653141"/>
+          </a:xfrm>
+          <a:prstGeom prst="downArrow">
+            <a:avLst/>
+          </a:prstGeom>
+        </p:spPr>
+        <p:style>
+          <a:lnRef idx="1">
+            <a:schemeClr val="accent4"/>
+          </a:lnRef>
+          <a:fillRef idx="2">
+            <a:schemeClr val="accent4"/>
+          </a:fillRef>
+          <a:effectRef idx="1">
+            <a:schemeClr val="accent4"/>
+          </a:effectRef>
+          <a:fontRef idx="minor">
+            <a:schemeClr val="dk1"/>
+          </a:fontRef>
+        </p:style>
+        <p:txBody>
+          <a:bodyPr rtlCol="0" anchor="ctr"/>
+          <a:lstStyle/>
+          <a:p>
+            <a:pPr algn="ctr"/>
+            <a:endParaRPr kumimoji="1" lang="ja-JP" altLang="en-US"/>
+          </a:p>
+        </p:txBody>
+      </p:sp>
+    </p:spTree>
+    <p:extLst>
+      <p:ext uri="{BB962C8B-B14F-4D97-AF65-F5344CB8AC3E}">
+        <p14:creationId xmlns:p14="http://schemas.microsoft.com/office/powerpoint/2010/main" val="3041152509"/>
+      </p:ext>
+    </p:extLst>
+  </p:cSld>
+  <p:clrMapOvr>
+    <a:masterClrMapping/>
+  </p:clrMapOvr>
   <p:timing>
     <p:tnLst>
       <p:par>
